--- a/기획/레벨업 시스템 기획서.pptx
+++ b/기획/레벨업 시스템 기획서.pptx
@@ -5,12 +5,14 @@
     <p:sldMasterId id="2147483660" r:id="rId1"/>
   </p:sldMasterIdLst>
   <p:notesMasterIdLst>
-    <p:notesMasterId r:id="rId5"/>
+    <p:notesMasterId r:id="rId7"/>
   </p:notesMasterIdLst>
   <p:sldIdLst>
     <p:sldId id="258" r:id="rId2"/>
     <p:sldId id="265" r:id="rId3"/>
     <p:sldId id="267" r:id="rId4"/>
+    <p:sldId id="268" r:id="rId5"/>
+    <p:sldId id="269" r:id="rId6"/>
   </p:sldIdLst>
   <p:sldSz cx="12192000" cy="6858000"/>
   <p:notesSz cx="6858000" cy="9144000"/>
@@ -117,11 +119,6 @@
             <a:srgbClr val="A4A3A4"/>
           </p15:clr>
         </p15:guide>
-        <p15:guide id="2" pos="3839" userDrawn="1">
-          <p15:clr>
-            <a:srgbClr val="A4A3A4"/>
-          </p15:clr>
-        </p15:guide>
         <p15:guide id="3" orient="horz" pos="730" userDrawn="1">
           <p15:clr>
             <a:srgbClr val="A4A3A4"/>
@@ -137,12 +134,7 @@
             <a:srgbClr val="A4A3A4"/>
           </p15:clr>
         </p15:guide>
-        <p15:guide id="6" pos="891" userDrawn="1">
-          <p15:clr>
-            <a:srgbClr val="A4A3A4"/>
-          </p15:clr>
-        </p15:guide>
-        <p15:guide id="7" pos="6787" userDrawn="1">
+        <p15:guide id="6" pos="3840" userDrawn="1">
           <p15:clr>
             <a:srgbClr val="A4A3A4"/>
           </p15:clr>
@@ -235,7 +227,7 @@
           <a:p>
             <a:fld id="{C8649E71-8129-4905-BAC0-51D65A0C1379}" type="datetimeFigureOut">
               <a:rPr lang="ko-KR" altLang="en-US" smtClean="0"/>
-              <a:t>2023-12-19</a:t>
+              <a:t>2023-12-20</a:t>
             </a:fld>
             <a:endParaRPr lang="ko-KR" altLang="en-US"/>
           </a:p>
@@ -733,7 +725,7 @@
           <a:p>
             <a:fld id="{523D6941-6B33-4834-BC65-A333846D27E6}" type="datetimeFigureOut">
               <a:rPr lang="ko-KR" altLang="en-US" smtClean="0"/>
-              <a:t>2023-12-19</a:t>
+              <a:t>2023-12-20</a:t>
             </a:fld>
             <a:endParaRPr lang="ko-KR" altLang="en-US"/>
           </a:p>
@@ -931,7 +923,7 @@
           <a:p>
             <a:fld id="{523D6941-6B33-4834-BC65-A333846D27E6}" type="datetimeFigureOut">
               <a:rPr lang="ko-KR" altLang="en-US" smtClean="0"/>
-              <a:t>2023-12-19</a:t>
+              <a:t>2023-12-20</a:t>
             </a:fld>
             <a:endParaRPr lang="ko-KR" altLang="en-US"/>
           </a:p>
@@ -1139,7 +1131,7 @@
           <a:p>
             <a:fld id="{523D6941-6B33-4834-BC65-A333846D27E6}" type="datetimeFigureOut">
               <a:rPr lang="ko-KR" altLang="en-US" smtClean="0"/>
-              <a:t>2023-12-19</a:t>
+              <a:t>2023-12-20</a:t>
             </a:fld>
             <a:endParaRPr lang="ko-KR" altLang="en-US"/>
           </a:p>
@@ -1337,7 +1329,7 @@
           <a:p>
             <a:fld id="{523D6941-6B33-4834-BC65-A333846D27E6}" type="datetimeFigureOut">
               <a:rPr lang="ko-KR" altLang="en-US" smtClean="0"/>
-              <a:t>2023-12-19</a:t>
+              <a:t>2023-12-20</a:t>
             </a:fld>
             <a:endParaRPr lang="ko-KR" altLang="en-US"/>
           </a:p>
@@ -1612,7 +1604,7 @@
           <a:p>
             <a:fld id="{523D6941-6B33-4834-BC65-A333846D27E6}" type="datetimeFigureOut">
               <a:rPr lang="ko-KR" altLang="en-US" smtClean="0"/>
-              <a:t>2023-12-19</a:t>
+              <a:t>2023-12-20</a:t>
             </a:fld>
             <a:endParaRPr lang="ko-KR" altLang="en-US"/>
           </a:p>
@@ -1877,7 +1869,7 @@
           <a:p>
             <a:fld id="{523D6941-6B33-4834-BC65-A333846D27E6}" type="datetimeFigureOut">
               <a:rPr lang="ko-KR" altLang="en-US" smtClean="0"/>
-              <a:t>2023-12-19</a:t>
+              <a:t>2023-12-20</a:t>
             </a:fld>
             <a:endParaRPr lang="ko-KR" altLang="en-US"/>
           </a:p>
@@ -2289,7 +2281,7 @@
           <a:p>
             <a:fld id="{523D6941-6B33-4834-BC65-A333846D27E6}" type="datetimeFigureOut">
               <a:rPr lang="ko-KR" altLang="en-US" smtClean="0"/>
-              <a:t>2023-12-19</a:t>
+              <a:t>2023-12-20</a:t>
             </a:fld>
             <a:endParaRPr lang="ko-KR" altLang="en-US"/>
           </a:p>
@@ -2430,7 +2422,7 @@
           <a:p>
             <a:fld id="{523D6941-6B33-4834-BC65-A333846D27E6}" type="datetimeFigureOut">
               <a:rPr lang="ko-KR" altLang="en-US" smtClean="0"/>
-              <a:t>2023-12-19</a:t>
+              <a:t>2023-12-20</a:t>
             </a:fld>
             <a:endParaRPr lang="ko-KR" altLang="en-US"/>
           </a:p>
@@ -2543,7 +2535,7 @@
           <a:p>
             <a:fld id="{523D6941-6B33-4834-BC65-A333846D27E6}" type="datetimeFigureOut">
               <a:rPr lang="ko-KR" altLang="en-US" smtClean="0"/>
-              <a:t>2023-12-19</a:t>
+              <a:t>2023-12-20</a:t>
             </a:fld>
             <a:endParaRPr lang="ko-KR" altLang="en-US"/>
           </a:p>
@@ -2854,7 +2846,7 @@
           <a:p>
             <a:fld id="{523D6941-6B33-4834-BC65-A333846D27E6}" type="datetimeFigureOut">
               <a:rPr lang="ko-KR" altLang="en-US" smtClean="0"/>
-              <a:t>2023-12-19</a:t>
+              <a:t>2023-12-20</a:t>
             </a:fld>
             <a:endParaRPr lang="ko-KR" altLang="en-US"/>
           </a:p>
@@ -3142,7 +3134,7 @@
           <a:p>
             <a:fld id="{523D6941-6B33-4834-BC65-A333846D27E6}" type="datetimeFigureOut">
               <a:rPr lang="ko-KR" altLang="en-US" smtClean="0"/>
-              <a:t>2023-12-19</a:t>
+              <a:t>2023-12-20</a:t>
             </a:fld>
             <a:endParaRPr lang="ko-KR" altLang="en-US"/>
           </a:p>
@@ -3383,7 +3375,7 @@
           <a:p>
             <a:fld id="{523D6941-6B33-4834-BC65-A333846D27E6}" type="datetimeFigureOut">
               <a:rPr lang="ko-KR" altLang="en-US" smtClean="0"/>
-              <a:t>2023-12-19</a:t>
+              <a:t>2023-12-20</a:t>
             </a:fld>
             <a:endParaRPr lang="ko-KR" altLang="en-US"/>
           </a:p>
@@ -4389,400 +4381,6 @@
           <a:chExt cx="0" cy="0"/>
         </a:xfrm>
       </p:grpSpPr>
-      <p:graphicFrame>
-        <p:nvGraphicFramePr>
-          <p:cNvPr id="14" name="표 14">
-            <a:extLst>
-              <a:ext uri="{FF2B5EF4-FFF2-40B4-BE49-F238E27FC236}">
-                <a16:creationId xmlns:a16="http://schemas.microsoft.com/office/drawing/2014/main" id="{B9ACC032-48BB-4BD3-9CDB-9D43BD94F93A}"/>
-              </a:ext>
-            </a:extLst>
-          </p:cNvPr>
-          <p:cNvGraphicFramePr>
-            <a:graphicFrameLocks noGrp="1"/>
-          </p:cNvGraphicFramePr>
-          <p:nvPr>
-            <p:extLst>
-              <p:ext uri="{D42A27DB-BD31-4B8C-83A1-F6EECF244321}">
-                <p14:modId xmlns:p14="http://schemas.microsoft.com/office/powerpoint/2010/main" val="3823137960"/>
-              </p:ext>
-            </p:extLst>
-          </p:nvPr>
-        </p:nvGraphicFramePr>
-        <p:xfrm>
-          <a:off x="695325" y="2319903"/>
-          <a:ext cx="10801350" cy="2218193"/>
-        </p:xfrm>
-        <a:graphic>
-          <a:graphicData uri="http://schemas.openxmlformats.org/drawingml/2006/table">
-            <a:tbl>
-              <a:tblPr firstRow="1" bandRow="1">
-                <a:tableStyleId>{5C22544A-7EE6-4342-B048-85BDC9FD1C3A}</a:tableStyleId>
-              </a:tblPr>
-              <a:tblGrid>
-                <a:gridCol w="1800225">
-                  <a:extLst>
-                    <a:ext uri="{9D8B030D-6E8A-4147-A177-3AD203B41FA5}">
-                      <a16:colId xmlns:a16="http://schemas.microsoft.com/office/drawing/2014/main" val="2511753837"/>
-                    </a:ext>
-                  </a:extLst>
-                </a:gridCol>
-                <a:gridCol w="1800225">
-                  <a:extLst>
-                    <a:ext uri="{9D8B030D-6E8A-4147-A177-3AD203B41FA5}">
-                      <a16:colId xmlns:a16="http://schemas.microsoft.com/office/drawing/2014/main" val="1861754793"/>
-                    </a:ext>
-                  </a:extLst>
-                </a:gridCol>
-                <a:gridCol w="1800225">
-                  <a:extLst>
-                    <a:ext uri="{9D8B030D-6E8A-4147-A177-3AD203B41FA5}">
-                      <a16:colId xmlns:a16="http://schemas.microsoft.com/office/drawing/2014/main" val="3555028799"/>
-                    </a:ext>
-                  </a:extLst>
-                </a:gridCol>
-                <a:gridCol w="1800225">
-                  <a:extLst>
-                    <a:ext uri="{9D8B030D-6E8A-4147-A177-3AD203B41FA5}">
-                      <a16:colId xmlns:a16="http://schemas.microsoft.com/office/drawing/2014/main" val="3545143558"/>
-                    </a:ext>
-                  </a:extLst>
-                </a:gridCol>
-                <a:gridCol w="1800225">
-                  <a:extLst>
-                    <a:ext uri="{9D8B030D-6E8A-4147-A177-3AD203B41FA5}">
-                      <a16:colId xmlns:a16="http://schemas.microsoft.com/office/drawing/2014/main" val="1851581226"/>
-                    </a:ext>
-                  </a:extLst>
-                </a:gridCol>
-                <a:gridCol w="1800225">
-                  <a:extLst>
-                    <a:ext uri="{9D8B030D-6E8A-4147-A177-3AD203B41FA5}">
-                      <a16:colId xmlns:a16="http://schemas.microsoft.com/office/drawing/2014/main" val="2427729114"/>
-                    </a:ext>
-                  </a:extLst>
-                </a:gridCol>
-              </a:tblGrid>
-              <a:tr h="0">
-                <a:tc>
-                  <a:txBody>
-                    <a:bodyPr/>
-                    <a:lstStyle/>
-                    <a:p>
-                      <a:pPr algn="ctr" latinLnBrk="1"/>
-                      <a:r>
-                        <a:rPr lang="ko-KR" altLang="en-US" sz="1800" b="0" dirty="0"/>
-                        <a:t>경험치 획득</a:t>
-                      </a:r>
-                    </a:p>
-                  </a:txBody>
-                  <a:tcPr anchor="ctr"/>
-                </a:tc>
-                <a:tc>
-                  <a:txBody>
-                    <a:bodyPr/>
-                    <a:lstStyle/>
-                    <a:p>
-                      <a:pPr algn="ctr" latinLnBrk="1"/>
-                      <a:r>
-                        <a:rPr lang="ko-KR" altLang="en-US" sz="1800" b="0" dirty="0"/>
-                        <a:t>경험치 달성</a:t>
-                      </a:r>
-                    </a:p>
-                  </a:txBody>
-                  <a:tcPr anchor="ctr"/>
-                </a:tc>
-                <a:tc>
-                  <a:txBody>
-                    <a:bodyPr/>
-                    <a:lstStyle/>
-                    <a:p>
-                      <a:pPr algn="ctr" latinLnBrk="1"/>
-                      <a:r>
-                        <a:rPr lang="ko-KR" altLang="en-US" sz="1800" b="0" dirty="0"/>
-                        <a:t>레벨 상승</a:t>
-                      </a:r>
-                    </a:p>
-                  </a:txBody>
-                  <a:tcPr anchor="ctr"/>
-                </a:tc>
-                <a:tc>
-                  <a:txBody>
-                    <a:bodyPr/>
-                    <a:lstStyle/>
-                    <a:p>
-                      <a:pPr algn="ctr" latinLnBrk="1"/>
-                      <a:r>
-                        <a:rPr lang="ko-KR" altLang="en-US" sz="1800" b="0" dirty="0"/>
-                        <a:t>능력치 </a:t>
-                      </a:r>
-                      <a:endParaRPr lang="en-US" altLang="ko-KR" sz="1800" b="0" dirty="0"/>
-                    </a:p>
-                    <a:p>
-                      <a:pPr algn="ctr" latinLnBrk="1"/>
-                      <a:r>
-                        <a:rPr lang="ko-KR" altLang="en-US" sz="1800" b="0" dirty="0"/>
-                        <a:t>최대치 증가</a:t>
-                      </a:r>
-                    </a:p>
-                  </a:txBody>
-                  <a:tcPr anchor="ctr"/>
-                </a:tc>
-                <a:tc>
-                  <a:txBody>
-                    <a:bodyPr/>
-                    <a:lstStyle/>
-                    <a:p>
-                      <a:pPr algn="ctr" latinLnBrk="1"/>
-                      <a:r>
-                        <a:rPr lang="ko-KR" altLang="en-US" sz="1800" b="0" dirty="0"/>
-                        <a:t>능력치 상승</a:t>
-                      </a:r>
-                    </a:p>
-                  </a:txBody>
-                  <a:tcPr anchor="ctr"/>
-                </a:tc>
-                <a:tc>
-                  <a:txBody>
-                    <a:bodyPr/>
-                    <a:lstStyle/>
-                    <a:p>
-                      <a:pPr algn="ctr" latinLnBrk="1"/>
-                      <a:r>
-                        <a:rPr lang="ko-KR" altLang="en-US" sz="1800" b="0" dirty="0"/>
-                        <a:t>레벨 업 </a:t>
-                      </a:r>
-                      <a:endParaRPr lang="en-US" altLang="ko-KR" sz="1800" b="0" dirty="0"/>
-                    </a:p>
-                    <a:p>
-                      <a:pPr algn="ctr" latinLnBrk="1"/>
-                      <a:r>
-                        <a:rPr lang="ko-KR" altLang="en-US" sz="1800" b="0" dirty="0"/>
-                        <a:t>이펙트 발생</a:t>
-                      </a:r>
-                    </a:p>
-                  </a:txBody>
-                  <a:tcPr anchor="ctr"/>
-                </a:tc>
-                <a:extLst>
-                  <a:ext uri="{0D108BD9-81ED-4DB2-BD59-A6C34878D82A}">
-                    <a16:rowId xmlns:a16="http://schemas.microsoft.com/office/drawing/2014/main" val="4176582308"/>
-                  </a:ext>
-                </a:extLst>
-              </a:tr>
-              <a:tr h="1578113">
-                <a:tc>
-                  <a:txBody>
-                    <a:bodyPr/>
-                    <a:lstStyle/>
-                    <a:p>
-                      <a:pPr algn="ctr" latinLnBrk="1"/>
-                      <a:r>
-                        <a:rPr lang="ko-KR" altLang="en-US" sz="1400" b="0" dirty="0"/>
-                        <a:t>사냥</a:t>
-                      </a:r>
-                      <a:r>
-                        <a:rPr lang="en-US" altLang="ko-KR" sz="1400" b="0" dirty="0"/>
-                        <a:t>, </a:t>
-                      </a:r>
-                      <a:r>
-                        <a:rPr lang="ko-KR" altLang="en-US" sz="1400" b="0" dirty="0"/>
-                        <a:t>퀘스트</a:t>
-                      </a:r>
-                      <a:r>
-                        <a:rPr lang="en-US" altLang="ko-KR" sz="1400" b="0" dirty="0"/>
-                        <a:t>, </a:t>
-                      </a:r>
-                      <a:r>
-                        <a:rPr lang="ko-KR" altLang="en-US" sz="1400" b="0" dirty="0"/>
-                        <a:t>아이템 등의 다양한 방법으로 경험치를 획득한다</a:t>
-                      </a:r>
-                      <a:r>
-                        <a:rPr lang="en-US" altLang="ko-KR" sz="1400" b="0" dirty="0"/>
-                        <a:t>.</a:t>
-                      </a:r>
-                      <a:endParaRPr lang="ko-KR" altLang="en-US" sz="1400" b="0" dirty="0"/>
-                    </a:p>
-                  </a:txBody>
-                  <a:tcPr anchor="ctr"/>
-                </a:tc>
-                <a:tc>
-                  <a:txBody>
-                    <a:bodyPr/>
-                    <a:lstStyle/>
-                    <a:p>
-                      <a:pPr algn="ctr" latinLnBrk="1"/>
-                      <a:r>
-                        <a:rPr lang="ko-KR" altLang="en-US" sz="1400" b="0" dirty="0"/>
-                        <a:t>레벨 별로 정해져</a:t>
-                      </a:r>
-                      <a:endParaRPr lang="en-US" altLang="ko-KR" sz="1400" b="0" dirty="0"/>
-                    </a:p>
-                    <a:p>
-                      <a:pPr algn="ctr" latinLnBrk="1"/>
-                      <a:r>
-                        <a:rPr lang="ko-KR" altLang="en-US" sz="1400" b="0" dirty="0"/>
-                        <a:t> 필요 경험치 달성 </a:t>
-                      </a:r>
-                    </a:p>
-                  </a:txBody>
-                  <a:tcPr anchor="ctr"/>
-                </a:tc>
-                <a:tc>
-                  <a:txBody>
-                    <a:bodyPr/>
-                    <a:lstStyle/>
-                    <a:p>
-                      <a:pPr algn="ctr" latinLnBrk="1"/>
-                      <a:r>
-                        <a:rPr lang="ko-KR" altLang="en-US" sz="1400" b="0" dirty="0"/>
-                        <a:t>레벨 상승</a:t>
-                      </a:r>
-                    </a:p>
-                  </a:txBody>
-                  <a:tcPr anchor="ctr"/>
-                </a:tc>
-                <a:tc>
-                  <a:txBody>
-                    <a:bodyPr/>
-                    <a:lstStyle/>
-                    <a:p>
-                      <a:pPr algn="ctr" latinLnBrk="1"/>
-                      <a:r>
-                        <a:rPr lang="ko-KR" altLang="en-US" sz="1400" b="0" dirty="0"/>
-                        <a:t>체력</a:t>
-                      </a:r>
-                      <a:r>
-                        <a:rPr lang="en-US" altLang="ko-KR" sz="1400" b="0" dirty="0"/>
-                        <a:t>, </a:t>
-                      </a:r>
-                      <a:r>
-                        <a:rPr lang="ko-KR" altLang="en-US" sz="1400" b="0" dirty="0"/>
-                        <a:t>지구력</a:t>
-                      </a:r>
-                      <a:r>
-                        <a:rPr lang="en-US" altLang="ko-KR" sz="1400" b="0" dirty="0"/>
-                        <a:t>, </a:t>
-                      </a:r>
-                    </a:p>
-                    <a:p>
-                      <a:pPr algn="ctr" latinLnBrk="1"/>
-                      <a:r>
-                        <a:rPr lang="ko-KR" altLang="en-US" sz="1400" b="0" dirty="0"/>
-                        <a:t>공격력</a:t>
-                      </a:r>
-                      <a:r>
-                        <a:rPr lang="en-US" altLang="ko-KR" sz="1400" b="0" dirty="0"/>
-                        <a:t>, </a:t>
-                      </a:r>
-                      <a:r>
-                        <a:rPr lang="ko-KR" altLang="en-US" sz="1400" b="0" dirty="0"/>
-                        <a:t>방어력</a:t>
-                      </a:r>
-                      <a:r>
-                        <a:rPr lang="en-US" altLang="ko-KR" sz="1400" b="0" dirty="0"/>
-                        <a:t>, </a:t>
-                      </a:r>
-                    </a:p>
-                    <a:p>
-                      <a:pPr algn="ctr" latinLnBrk="1"/>
-                      <a:r>
-                        <a:rPr lang="ko-KR" altLang="en-US" sz="1400" b="0" dirty="0"/>
-                        <a:t>내공</a:t>
-                      </a:r>
-                      <a:r>
-                        <a:rPr lang="en-US" altLang="ko-KR" sz="1400" b="0" dirty="0"/>
-                        <a:t>, </a:t>
-                      </a:r>
-                      <a:r>
-                        <a:rPr lang="ko-KR" altLang="en-US" sz="1400" b="0" dirty="0"/>
-                        <a:t>외공의</a:t>
-                      </a:r>
-                      <a:endParaRPr lang="en-US" altLang="ko-KR" sz="1400" b="0" dirty="0"/>
-                    </a:p>
-                    <a:p>
-                      <a:pPr algn="ctr" latinLnBrk="1"/>
-                      <a:r>
-                        <a:rPr lang="ko-KR" altLang="en-US" sz="1400" b="0" dirty="0"/>
-                        <a:t> 최대치 제한 상승</a:t>
-                      </a:r>
-                    </a:p>
-                  </a:txBody>
-                  <a:tcPr anchor="ctr"/>
-                </a:tc>
-                <a:tc>
-                  <a:txBody>
-                    <a:bodyPr/>
-                    <a:lstStyle/>
-                    <a:p>
-                      <a:pPr algn="ctr" latinLnBrk="1"/>
-                      <a:r>
-                        <a:rPr lang="ko-KR" altLang="en-US" sz="1400" b="0" dirty="0"/>
-                        <a:t>체력</a:t>
-                      </a:r>
-                      <a:r>
-                        <a:rPr lang="en-US" altLang="ko-KR" sz="1400" b="0" dirty="0"/>
-                        <a:t>, </a:t>
-                      </a:r>
-                      <a:r>
-                        <a:rPr lang="ko-KR" altLang="en-US" sz="1400" b="0" dirty="0"/>
-                        <a:t>지구력</a:t>
-                      </a:r>
-                      <a:r>
-                        <a:rPr lang="en-US" altLang="ko-KR" sz="1400" b="0" dirty="0"/>
-                        <a:t>, </a:t>
-                      </a:r>
-                    </a:p>
-                    <a:p>
-                      <a:pPr algn="ctr" latinLnBrk="1"/>
-                      <a:r>
-                        <a:rPr lang="ko-KR" altLang="en-US" sz="1400" b="0" dirty="0"/>
-                        <a:t>내공</a:t>
-                      </a:r>
-                      <a:r>
-                        <a:rPr lang="en-US" altLang="ko-KR" sz="1400" b="0" dirty="0"/>
-                        <a:t>, </a:t>
-                      </a:r>
-                      <a:r>
-                        <a:rPr lang="ko-KR" altLang="en-US" sz="1400" b="0" dirty="0"/>
-                        <a:t>내공</a:t>
-                      </a:r>
-                      <a:r>
-                        <a:rPr lang="en-US" altLang="ko-KR" sz="1400" b="0" dirty="0"/>
-                        <a:t> </a:t>
-                      </a:r>
-                      <a:r>
-                        <a:rPr lang="ko-KR" altLang="en-US" sz="1400" b="0" dirty="0"/>
-                        <a:t>상승</a:t>
-                      </a:r>
-                    </a:p>
-                  </a:txBody>
-                  <a:tcPr anchor="ctr"/>
-                </a:tc>
-                <a:tc>
-                  <a:txBody>
-                    <a:bodyPr/>
-                    <a:lstStyle/>
-                    <a:p>
-                      <a:pPr algn="ctr" latinLnBrk="1"/>
-                      <a:r>
-                        <a:rPr lang="ko-KR" altLang="en-US" sz="1400" b="0" dirty="0"/>
-                        <a:t>레벨 업 이펙트 발생</a:t>
-                      </a:r>
-                    </a:p>
-                  </a:txBody>
-                  <a:tcPr anchor="ctr"/>
-                </a:tc>
-                <a:extLst>
-                  <a:ext uri="{0D108BD9-81ED-4DB2-BD59-A6C34878D82A}">
-                    <a16:rowId xmlns:a16="http://schemas.microsoft.com/office/drawing/2014/main" val="3583893281"/>
-                  </a:ext>
-                </a:extLst>
-              </a:tr>
-            </a:tbl>
-          </a:graphicData>
-        </a:graphic>
-      </p:graphicFrame>
       <p:sp>
         <p:nvSpPr>
           <p:cNvPr id="15" name="제목 1">
@@ -4837,10 +4435,5629 @@
           </a:p>
         </p:txBody>
       </p:sp>
+      <p:graphicFrame>
+        <p:nvGraphicFramePr>
+          <p:cNvPr id="2" name="표 2">
+            <a:extLst>
+              <a:ext uri="{FF2B5EF4-FFF2-40B4-BE49-F238E27FC236}">
+                <a16:creationId xmlns:a16="http://schemas.microsoft.com/office/drawing/2014/main" id="{A9708770-7B34-4446-8A05-31DEFF2FAA86}"/>
+              </a:ext>
+            </a:extLst>
+          </p:cNvPr>
+          <p:cNvGraphicFramePr>
+            <a:graphicFrameLocks noGrp="1"/>
+          </p:cNvGraphicFramePr>
+          <p:nvPr>
+            <p:extLst>
+              <p:ext uri="{D42A27DB-BD31-4B8C-83A1-F6EECF244321}">
+                <p14:modId xmlns:p14="http://schemas.microsoft.com/office/powerpoint/2010/main" val="294089337"/>
+              </p:ext>
+            </p:extLst>
+          </p:nvPr>
+        </p:nvGraphicFramePr>
+        <p:xfrm>
+          <a:off x="695325" y="2819400"/>
+          <a:ext cx="10801352" cy="1219200"/>
+        </p:xfrm>
+        <a:graphic>
+          <a:graphicData uri="http://schemas.openxmlformats.org/drawingml/2006/table">
+            <a:tbl>
+              <a:tblPr firstRow="1" bandRow="1">
+                <a:tableStyleId>{5C22544A-7EE6-4342-B048-85BDC9FD1C3A}</a:tableStyleId>
+              </a:tblPr>
+              <a:tblGrid>
+                <a:gridCol w="2700338">
+                  <a:extLst>
+                    <a:ext uri="{9D8B030D-6E8A-4147-A177-3AD203B41FA5}">
+                      <a16:colId xmlns:a16="http://schemas.microsoft.com/office/drawing/2014/main" val="4222750067"/>
+                    </a:ext>
+                  </a:extLst>
+                </a:gridCol>
+                <a:gridCol w="2700338">
+                  <a:extLst>
+                    <a:ext uri="{9D8B030D-6E8A-4147-A177-3AD203B41FA5}">
+                      <a16:colId xmlns:a16="http://schemas.microsoft.com/office/drawing/2014/main" val="2030192004"/>
+                    </a:ext>
+                  </a:extLst>
+                </a:gridCol>
+                <a:gridCol w="2700338">
+                  <a:extLst>
+                    <a:ext uri="{9D8B030D-6E8A-4147-A177-3AD203B41FA5}">
+                      <a16:colId xmlns:a16="http://schemas.microsoft.com/office/drawing/2014/main" val="1174775144"/>
+                    </a:ext>
+                  </a:extLst>
+                </a:gridCol>
+                <a:gridCol w="2700338">
+                  <a:extLst>
+                    <a:ext uri="{9D8B030D-6E8A-4147-A177-3AD203B41FA5}">
+                      <a16:colId xmlns:a16="http://schemas.microsoft.com/office/drawing/2014/main" val="3558772045"/>
+                    </a:ext>
+                  </a:extLst>
+                </a:gridCol>
+              </a:tblGrid>
+              <a:tr h="0">
+                <a:tc>
+                  <a:txBody>
+                    <a:bodyPr/>
+                    <a:lstStyle/>
+                    <a:p>
+                      <a:pPr algn="ctr" latinLnBrk="1"/>
+                      <a:r>
+                        <a:rPr lang="ko-KR" altLang="en-US" sz="1000" b="1" dirty="0">
+                          <a:solidFill>
+                            <a:schemeClr val="tx1"/>
+                          </a:solidFill>
+                        </a:rPr>
+                        <a:t>경험치 획득</a:t>
+                      </a:r>
+                    </a:p>
+                  </a:txBody>
+                  <a:tcPr anchor="ctr">
+                    <a:lnL w="12700" cap="flat" cmpd="sng" algn="ctr">
+                      <a:solidFill>
+                        <a:schemeClr val="tx1"/>
+                      </a:solidFill>
+                      <a:prstDash val="solid"/>
+                      <a:round/>
+                      <a:headEnd type="none" w="med" len="med"/>
+                      <a:tailEnd type="none" w="med" len="med"/>
+                    </a:lnL>
+                    <a:lnR w="12700" cap="flat" cmpd="sng" algn="ctr">
+                      <a:solidFill>
+                        <a:schemeClr val="tx1"/>
+                      </a:solidFill>
+                      <a:prstDash val="solid"/>
+                      <a:round/>
+                      <a:headEnd type="none" w="med" len="med"/>
+                      <a:tailEnd type="none" w="med" len="med"/>
+                    </a:lnR>
+                    <a:lnT w="12700" cap="flat" cmpd="sng" algn="ctr">
+                      <a:solidFill>
+                        <a:schemeClr val="tx1"/>
+                      </a:solidFill>
+                      <a:prstDash val="solid"/>
+                      <a:round/>
+                      <a:headEnd type="none" w="med" len="med"/>
+                      <a:tailEnd type="none" w="med" len="med"/>
+                    </a:lnT>
+                    <a:lnB w="12700" cap="flat" cmpd="sng" algn="ctr">
+                      <a:solidFill>
+                        <a:schemeClr val="tx1"/>
+                      </a:solidFill>
+                      <a:prstDash val="solid"/>
+                      <a:round/>
+                      <a:headEnd type="none" w="med" len="med"/>
+                      <a:tailEnd type="none" w="med" len="med"/>
+                    </a:lnB>
+                    <a:lnTlToBr w="12700" cmpd="sng">
+                      <a:noFill/>
+                      <a:prstDash val="solid"/>
+                    </a:lnTlToBr>
+                    <a:lnBlToTr w="12700" cmpd="sng">
+                      <a:noFill/>
+                      <a:prstDash val="solid"/>
+                    </a:lnBlToTr>
+                    <a:solidFill>
+                      <a:schemeClr val="bg1">
+                        <a:lumMod val="95000"/>
+                      </a:schemeClr>
+                    </a:solidFill>
+                  </a:tcPr>
+                </a:tc>
+                <a:tc>
+                  <a:txBody>
+                    <a:bodyPr/>
+                    <a:lstStyle/>
+                    <a:p>
+                      <a:pPr algn="ctr" latinLnBrk="1"/>
+                      <a:r>
+                        <a:rPr lang="ko-KR" altLang="en-US" sz="1000" b="1" dirty="0">
+                          <a:solidFill>
+                            <a:schemeClr val="tx1"/>
+                          </a:solidFill>
+                        </a:rPr>
+                        <a:t>레벨 업 가능 판단</a:t>
+                      </a:r>
+                    </a:p>
+                  </a:txBody>
+                  <a:tcPr anchor="ctr">
+                    <a:lnL w="12700" cap="flat" cmpd="sng" algn="ctr">
+                      <a:solidFill>
+                        <a:schemeClr val="tx1"/>
+                      </a:solidFill>
+                      <a:prstDash val="solid"/>
+                      <a:round/>
+                      <a:headEnd type="none" w="med" len="med"/>
+                      <a:tailEnd type="none" w="med" len="med"/>
+                    </a:lnL>
+                    <a:lnR w="12700" cap="flat" cmpd="sng" algn="ctr">
+                      <a:solidFill>
+                        <a:schemeClr val="tx1"/>
+                      </a:solidFill>
+                      <a:prstDash val="solid"/>
+                      <a:round/>
+                      <a:headEnd type="none" w="med" len="med"/>
+                      <a:tailEnd type="none" w="med" len="med"/>
+                    </a:lnR>
+                    <a:lnT w="12700" cap="flat" cmpd="sng" algn="ctr">
+                      <a:solidFill>
+                        <a:schemeClr val="tx1"/>
+                      </a:solidFill>
+                      <a:prstDash val="solid"/>
+                      <a:round/>
+                      <a:headEnd type="none" w="med" len="med"/>
+                      <a:tailEnd type="none" w="med" len="med"/>
+                    </a:lnT>
+                    <a:lnB w="12700" cap="flat" cmpd="sng" algn="ctr">
+                      <a:solidFill>
+                        <a:schemeClr val="tx1"/>
+                      </a:solidFill>
+                      <a:prstDash val="solid"/>
+                      <a:round/>
+                      <a:headEnd type="none" w="med" len="med"/>
+                      <a:tailEnd type="none" w="med" len="med"/>
+                    </a:lnB>
+                    <a:lnTlToBr w="12700" cmpd="sng">
+                      <a:noFill/>
+                      <a:prstDash val="solid"/>
+                    </a:lnTlToBr>
+                    <a:lnBlToTr w="12700" cmpd="sng">
+                      <a:noFill/>
+                      <a:prstDash val="solid"/>
+                    </a:lnBlToTr>
+                    <a:solidFill>
+                      <a:schemeClr val="bg1">
+                        <a:lumMod val="95000"/>
+                      </a:schemeClr>
+                    </a:solidFill>
+                  </a:tcPr>
+                </a:tc>
+                <a:tc>
+                  <a:txBody>
+                    <a:bodyPr/>
+                    <a:lstStyle/>
+                    <a:p>
+                      <a:pPr algn="ctr" latinLnBrk="1"/>
+                      <a:r>
+                        <a:rPr lang="ko-KR" altLang="en-US" sz="1000" b="1" dirty="0">
+                          <a:solidFill>
+                            <a:schemeClr val="tx1"/>
+                          </a:solidFill>
+                        </a:rPr>
+                        <a:t>레벨 상승</a:t>
+                      </a:r>
+                    </a:p>
+                  </a:txBody>
+                  <a:tcPr anchor="ctr">
+                    <a:lnL w="12700" cap="flat" cmpd="sng" algn="ctr">
+                      <a:solidFill>
+                        <a:schemeClr val="tx1"/>
+                      </a:solidFill>
+                      <a:prstDash val="solid"/>
+                      <a:round/>
+                      <a:headEnd type="none" w="med" len="med"/>
+                      <a:tailEnd type="none" w="med" len="med"/>
+                    </a:lnL>
+                    <a:lnR w="12700" cap="flat" cmpd="sng" algn="ctr">
+                      <a:solidFill>
+                        <a:schemeClr val="tx1"/>
+                      </a:solidFill>
+                      <a:prstDash val="solid"/>
+                      <a:round/>
+                      <a:headEnd type="none" w="med" len="med"/>
+                      <a:tailEnd type="none" w="med" len="med"/>
+                    </a:lnR>
+                    <a:lnT w="12700" cap="flat" cmpd="sng" algn="ctr">
+                      <a:solidFill>
+                        <a:schemeClr val="tx1"/>
+                      </a:solidFill>
+                      <a:prstDash val="solid"/>
+                      <a:round/>
+                      <a:headEnd type="none" w="med" len="med"/>
+                      <a:tailEnd type="none" w="med" len="med"/>
+                    </a:lnT>
+                    <a:lnB w="12700" cap="flat" cmpd="sng" algn="ctr">
+                      <a:solidFill>
+                        <a:schemeClr val="tx1"/>
+                      </a:solidFill>
+                      <a:prstDash val="solid"/>
+                      <a:round/>
+                      <a:headEnd type="none" w="med" len="med"/>
+                      <a:tailEnd type="none" w="med" len="med"/>
+                    </a:lnB>
+                    <a:lnTlToBr w="12700" cmpd="sng">
+                      <a:noFill/>
+                      <a:prstDash val="solid"/>
+                    </a:lnTlToBr>
+                    <a:lnBlToTr w="12700" cmpd="sng">
+                      <a:noFill/>
+                      <a:prstDash val="solid"/>
+                    </a:lnBlToTr>
+                    <a:solidFill>
+                      <a:schemeClr val="bg1">
+                        <a:lumMod val="95000"/>
+                      </a:schemeClr>
+                    </a:solidFill>
+                  </a:tcPr>
+                </a:tc>
+                <a:tc>
+                  <a:txBody>
+                    <a:bodyPr/>
+                    <a:lstStyle/>
+                    <a:p>
+                      <a:pPr algn="ctr" latinLnBrk="1"/>
+                      <a:r>
+                        <a:rPr lang="ko-KR" altLang="en-US" sz="1000" b="1" dirty="0">
+                          <a:solidFill>
+                            <a:schemeClr val="tx1"/>
+                          </a:solidFill>
+                        </a:rPr>
+                        <a:t>레벨 업 연출</a:t>
+                      </a:r>
+                    </a:p>
+                  </a:txBody>
+                  <a:tcPr anchor="ctr">
+                    <a:lnL w="12700" cap="flat" cmpd="sng" algn="ctr">
+                      <a:solidFill>
+                        <a:schemeClr val="tx1"/>
+                      </a:solidFill>
+                      <a:prstDash val="solid"/>
+                      <a:round/>
+                      <a:headEnd type="none" w="med" len="med"/>
+                      <a:tailEnd type="none" w="med" len="med"/>
+                    </a:lnL>
+                    <a:lnR w="12700" cap="flat" cmpd="sng" algn="ctr">
+                      <a:solidFill>
+                        <a:schemeClr val="tx1"/>
+                      </a:solidFill>
+                      <a:prstDash val="solid"/>
+                      <a:round/>
+                      <a:headEnd type="none" w="med" len="med"/>
+                      <a:tailEnd type="none" w="med" len="med"/>
+                    </a:lnR>
+                    <a:lnT w="12700" cap="flat" cmpd="sng" algn="ctr">
+                      <a:solidFill>
+                        <a:schemeClr val="tx1"/>
+                      </a:solidFill>
+                      <a:prstDash val="solid"/>
+                      <a:round/>
+                      <a:headEnd type="none" w="med" len="med"/>
+                      <a:tailEnd type="none" w="med" len="med"/>
+                    </a:lnT>
+                    <a:lnB w="12700" cap="flat" cmpd="sng" algn="ctr">
+                      <a:solidFill>
+                        <a:schemeClr val="tx1"/>
+                      </a:solidFill>
+                      <a:prstDash val="solid"/>
+                      <a:round/>
+                      <a:headEnd type="none" w="med" len="med"/>
+                      <a:tailEnd type="none" w="med" len="med"/>
+                    </a:lnB>
+                    <a:lnTlToBr w="12700" cmpd="sng">
+                      <a:noFill/>
+                      <a:prstDash val="solid"/>
+                    </a:lnTlToBr>
+                    <a:lnBlToTr w="12700" cmpd="sng">
+                      <a:noFill/>
+                      <a:prstDash val="solid"/>
+                    </a:lnBlToTr>
+                    <a:solidFill>
+                      <a:schemeClr val="bg1">
+                        <a:lumMod val="95000"/>
+                      </a:schemeClr>
+                    </a:solidFill>
+                  </a:tcPr>
+                </a:tc>
+                <a:extLst>
+                  <a:ext uri="{0D108BD9-81ED-4DB2-BD59-A6C34878D82A}">
+                    <a16:rowId xmlns:a16="http://schemas.microsoft.com/office/drawing/2014/main" val="1106644311"/>
+                  </a:ext>
+                </a:extLst>
+              </a:tr>
+              <a:tr h="0">
+                <a:tc>
+                  <a:txBody>
+                    <a:bodyPr/>
+                    <a:lstStyle/>
+                    <a:p>
+                      <a:pPr algn="ctr" latinLnBrk="1"/>
+                      <a:r>
+                        <a:rPr lang="ko-KR" altLang="en-US" sz="900" b="0" dirty="0">
+                          <a:solidFill>
+                            <a:schemeClr val="tx1"/>
+                          </a:solidFill>
+                        </a:rPr>
+                        <a:t>다양한 방법으로 경험치 획득</a:t>
+                      </a:r>
+                    </a:p>
+                  </a:txBody>
+                  <a:tcPr anchor="ctr">
+                    <a:lnL w="12700" cap="flat" cmpd="sng" algn="ctr">
+                      <a:solidFill>
+                        <a:schemeClr val="tx1"/>
+                      </a:solidFill>
+                      <a:prstDash val="solid"/>
+                      <a:round/>
+                      <a:headEnd type="none" w="med" len="med"/>
+                      <a:tailEnd type="none" w="med" len="med"/>
+                    </a:lnL>
+                    <a:lnR w="12700" cap="flat" cmpd="sng" algn="ctr">
+                      <a:solidFill>
+                        <a:schemeClr val="tx1"/>
+                      </a:solidFill>
+                      <a:prstDash val="solid"/>
+                      <a:round/>
+                      <a:headEnd type="none" w="med" len="med"/>
+                      <a:tailEnd type="none" w="med" len="med"/>
+                    </a:lnR>
+                    <a:lnT w="12700" cap="flat" cmpd="sng" algn="ctr">
+                      <a:solidFill>
+                        <a:schemeClr val="tx1"/>
+                      </a:solidFill>
+                      <a:prstDash val="solid"/>
+                      <a:round/>
+                      <a:headEnd type="none" w="med" len="med"/>
+                      <a:tailEnd type="none" w="med" len="med"/>
+                    </a:lnT>
+                    <a:lnB w="12700" cap="flat" cmpd="sng" algn="ctr">
+                      <a:solidFill>
+                        <a:schemeClr val="tx1"/>
+                      </a:solidFill>
+                      <a:prstDash val="solid"/>
+                      <a:round/>
+                      <a:headEnd type="none" w="med" len="med"/>
+                      <a:tailEnd type="none" w="med" len="med"/>
+                    </a:lnB>
+                    <a:lnTlToBr w="12700" cmpd="sng">
+                      <a:noFill/>
+                      <a:prstDash val="solid"/>
+                    </a:lnTlToBr>
+                    <a:lnBlToTr w="12700" cmpd="sng">
+                      <a:noFill/>
+                      <a:prstDash val="solid"/>
+                    </a:lnBlToTr>
+                    <a:noFill/>
+                  </a:tcPr>
+                </a:tc>
+                <a:tc>
+                  <a:txBody>
+                    <a:bodyPr/>
+                    <a:lstStyle/>
+                    <a:p>
+                      <a:pPr marL="0" marR="0" lvl="0" indent="0" algn="ctr" defTabSz="914400" rtl="0" eaLnBrk="1" fontAlgn="auto" latinLnBrk="1" hangingPunct="1">
+                        <a:lnSpc>
+                          <a:spcPct val="100000"/>
+                        </a:lnSpc>
+                        <a:spcBef>
+                          <a:spcPts val="0"/>
+                        </a:spcBef>
+                        <a:spcAft>
+                          <a:spcPts val="0"/>
+                        </a:spcAft>
+                        <a:buClrTx/>
+                        <a:buSzTx/>
+                        <a:buFontTx/>
+                        <a:buNone/>
+                        <a:tabLst/>
+                        <a:defRPr/>
+                      </a:pPr>
+                      <a:r>
+                        <a:rPr lang="ko-KR" altLang="en-US" sz="900" b="0" dirty="0">
+                          <a:solidFill>
+                            <a:schemeClr val="tx1"/>
+                          </a:solidFill>
+                        </a:rPr>
+                        <a:t>레벨 업이 가능할 정도에 누적 경험치를 획득했는지 확인</a:t>
+                      </a:r>
+                    </a:p>
+                  </a:txBody>
+                  <a:tcPr anchor="ctr">
+                    <a:lnL w="12700" cap="flat" cmpd="sng" algn="ctr">
+                      <a:solidFill>
+                        <a:schemeClr val="tx1"/>
+                      </a:solidFill>
+                      <a:prstDash val="solid"/>
+                      <a:round/>
+                      <a:headEnd type="none" w="med" len="med"/>
+                      <a:tailEnd type="none" w="med" len="med"/>
+                    </a:lnL>
+                    <a:lnR w="12700" cap="flat" cmpd="sng" algn="ctr">
+                      <a:solidFill>
+                        <a:schemeClr val="tx1"/>
+                      </a:solidFill>
+                      <a:prstDash val="solid"/>
+                      <a:round/>
+                      <a:headEnd type="none" w="med" len="med"/>
+                      <a:tailEnd type="none" w="med" len="med"/>
+                    </a:lnR>
+                    <a:lnT w="12700" cap="flat" cmpd="sng" algn="ctr">
+                      <a:solidFill>
+                        <a:schemeClr val="tx1"/>
+                      </a:solidFill>
+                      <a:prstDash val="solid"/>
+                      <a:round/>
+                      <a:headEnd type="none" w="med" len="med"/>
+                      <a:tailEnd type="none" w="med" len="med"/>
+                    </a:lnT>
+                    <a:lnB w="12700" cap="flat" cmpd="sng" algn="ctr">
+                      <a:solidFill>
+                        <a:schemeClr val="tx1"/>
+                      </a:solidFill>
+                      <a:prstDash val="solid"/>
+                      <a:round/>
+                      <a:headEnd type="none" w="med" len="med"/>
+                      <a:tailEnd type="none" w="med" len="med"/>
+                    </a:lnB>
+                    <a:lnTlToBr w="12700" cmpd="sng">
+                      <a:noFill/>
+                      <a:prstDash val="solid"/>
+                    </a:lnTlToBr>
+                    <a:lnBlToTr w="12700" cmpd="sng">
+                      <a:noFill/>
+                      <a:prstDash val="solid"/>
+                    </a:lnBlToTr>
+                    <a:noFill/>
+                  </a:tcPr>
+                </a:tc>
+                <a:tc>
+                  <a:txBody>
+                    <a:bodyPr/>
+                    <a:lstStyle/>
+                    <a:p>
+                      <a:pPr algn="ctr" latinLnBrk="1"/>
+                      <a:r>
+                        <a:rPr lang="ko-KR" altLang="en-US" sz="900" b="0" dirty="0">
+                          <a:solidFill>
+                            <a:schemeClr val="tx1"/>
+                          </a:solidFill>
+                        </a:rPr>
+                        <a:t>표기 레벨 상승</a:t>
+                      </a:r>
+                    </a:p>
+                  </a:txBody>
+                  <a:tcPr anchor="ctr">
+                    <a:lnL w="12700" cap="flat" cmpd="sng" algn="ctr">
+                      <a:solidFill>
+                        <a:schemeClr val="tx1"/>
+                      </a:solidFill>
+                      <a:prstDash val="solid"/>
+                      <a:round/>
+                      <a:headEnd type="none" w="med" len="med"/>
+                      <a:tailEnd type="none" w="med" len="med"/>
+                    </a:lnL>
+                    <a:lnR w="12700" cap="flat" cmpd="sng" algn="ctr">
+                      <a:solidFill>
+                        <a:schemeClr val="tx1"/>
+                      </a:solidFill>
+                      <a:prstDash val="solid"/>
+                      <a:round/>
+                      <a:headEnd type="none" w="med" len="med"/>
+                      <a:tailEnd type="none" w="med" len="med"/>
+                    </a:lnR>
+                    <a:lnT w="12700" cap="flat" cmpd="sng" algn="ctr">
+                      <a:solidFill>
+                        <a:schemeClr val="tx1"/>
+                      </a:solidFill>
+                      <a:prstDash val="solid"/>
+                      <a:round/>
+                      <a:headEnd type="none" w="med" len="med"/>
+                      <a:tailEnd type="none" w="med" len="med"/>
+                    </a:lnT>
+                    <a:lnB w="12700" cap="flat" cmpd="sng" algn="ctr">
+                      <a:solidFill>
+                        <a:schemeClr val="tx1"/>
+                      </a:solidFill>
+                      <a:prstDash val="solid"/>
+                      <a:round/>
+                      <a:headEnd type="none" w="med" len="med"/>
+                      <a:tailEnd type="none" w="med" len="med"/>
+                    </a:lnB>
+                    <a:lnTlToBr w="12700" cmpd="sng">
+                      <a:noFill/>
+                      <a:prstDash val="solid"/>
+                    </a:lnTlToBr>
+                    <a:lnBlToTr w="12700" cmpd="sng">
+                      <a:noFill/>
+                      <a:prstDash val="solid"/>
+                    </a:lnBlToTr>
+                    <a:noFill/>
+                  </a:tcPr>
+                </a:tc>
+                <a:tc>
+                  <a:txBody>
+                    <a:bodyPr/>
+                    <a:lstStyle/>
+                    <a:p>
+                      <a:pPr algn="ctr" latinLnBrk="1"/>
+                      <a:r>
+                        <a:rPr lang="ko-KR" altLang="en-US" sz="900" b="0" dirty="0">
+                          <a:solidFill>
+                            <a:schemeClr val="tx1"/>
+                          </a:solidFill>
+                        </a:rPr>
+                        <a:t>레벨 업 연출 발생</a:t>
+                      </a:r>
+                    </a:p>
+                  </a:txBody>
+                  <a:tcPr anchor="ctr">
+                    <a:lnL w="12700" cap="flat" cmpd="sng" algn="ctr">
+                      <a:solidFill>
+                        <a:schemeClr val="tx1"/>
+                      </a:solidFill>
+                      <a:prstDash val="solid"/>
+                      <a:round/>
+                      <a:headEnd type="none" w="med" len="med"/>
+                      <a:tailEnd type="none" w="med" len="med"/>
+                    </a:lnL>
+                    <a:lnR w="12700" cap="flat" cmpd="sng" algn="ctr">
+                      <a:solidFill>
+                        <a:schemeClr val="tx1"/>
+                      </a:solidFill>
+                      <a:prstDash val="solid"/>
+                      <a:round/>
+                      <a:headEnd type="none" w="med" len="med"/>
+                      <a:tailEnd type="none" w="med" len="med"/>
+                    </a:lnR>
+                    <a:lnT w="12700" cap="flat" cmpd="sng" algn="ctr">
+                      <a:solidFill>
+                        <a:schemeClr val="tx1"/>
+                      </a:solidFill>
+                      <a:prstDash val="solid"/>
+                      <a:round/>
+                      <a:headEnd type="none" w="med" len="med"/>
+                      <a:tailEnd type="none" w="med" len="med"/>
+                    </a:lnT>
+                    <a:lnB w="12700" cap="flat" cmpd="sng" algn="ctr">
+                      <a:solidFill>
+                        <a:schemeClr val="tx1"/>
+                      </a:solidFill>
+                      <a:prstDash val="solid"/>
+                      <a:round/>
+                      <a:headEnd type="none" w="med" len="med"/>
+                      <a:tailEnd type="none" w="med" len="med"/>
+                    </a:lnB>
+                    <a:lnTlToBr w="12700" cmpd="sng">
+                      <a:noFill/>
+                      <a:prstDash val="solid"/>
+                    </a:lnTlToBr>
+                    <a:lnBlToTr w="12700" cmpd="sng">
+                      <a:noFill/>
+                      <a:prstDash val="solid"/>
+                    </a:lnBlToTr>
+                    <a:noFill/>
+                  </a:tcPr>
+                </a:tc>
+                <a:extLst>
+                  <a:ext uri="{0D108BD9-81ED-4DB2-BD59-A6C34878D82A}">
+                    <a16:rowId xmlns:a16="http://schemas.microsoft.com/office/drawing/2014/main" val="2815889227"/>
+                  </a:ext>
+                </a:extLst>
+              </a:tr>
+              <a:tr h="0">
+                <a:tc>
+                  <a:txBody>
+                    <a:bodyPr/>
+                    <a:lstStyle/>
+                    <a:p>
+                      <a:pPr algn="ctr" latinLnBrk="1"/>
+                      <a:r>
+                        <a:rPr lang="ko-KR" altLang="en-US" sz="1000" b="1" dirty="0">
+                          <a:solidFill>
+                            <a:schemeClr val="tx1"/>
+                          </a:solidFill>
+                        </a:rPr>
+                        <a:t>능력치 최대치 증가</a:t>
+                      </a:r>
+                    </a:p>
+                  </a:txBody>
+                  <a:tcPr anchor="ctr">
+                    <a:lnL w="12700" cap="flat" cmpd="sng" algn="ctr">
+                      <a:solidFill>
+                        <a:schemeClr val="tx1"/>
+                      </a:solidFill>
+                      <a:prstDash val="solid"/>
+                      <a:round/>
+                      <a:headEnd type="none" w="med" len="med"/>
+                      <a:tailEnd type="none" w="med" len="med"/>
+                    </a:lnL>
+                    <a:lnR w="12700" cap="flat" cmpd="sng" algn="ctr">
+                      <a:solidFill>
+                        <a:schemeClr val="tx1"/>
+                      </a:solidFill>
+                      <a:prstDash val="solid"/>
+                      <a:round/>
+                      <a:headEnd type="none" w="med" len="med"/>
+                      <a:tailEnd type="none" w="med" len="med"/>
+                    </a:lnR>
+                    <a:lnT w="12700" cap="flat" cmpd="sng" algn="ctr">
+                      <a:solidFill>
+                        <a:schemeClr val="tx1"/>
+                      </a:solidFill>
+                      <a:prstDash val="solid"/>
+                      <a:round/>
+                      <a:headEnd type="none" w="med" len="med"/>
+                      <a:tailEnd type="none" w="med" len="med"/>
+                    </a:lnT>
+                    <a:lnB w="12700" cap="flat" cmpd="sng" algn="ctr">
+                      <a:solidFill>
+                        <a:schemeClr val="tx1"/>
+                      </a:solidFill>
+                      <a:prstDash val="solid"/>
+                      <a:round/>
+                      <a:headEnd type="none" w="med" len="med"/>
+                      <a:tailEnd type="none" w="med" len="med"/>
+                    </a:lnB>
+                    <a:lnTlToBr w="12700" cmpd="sng">
+                      <a:noFill/>
+                      <a:prstDash val="solid"/>
+                    </a:lnTlToBr>
+                    <a:lnBlToTr w="12700" cmpd="sng">
+                      <a:noFill/>
+                      <a:prstDash val="solid"/>
+                    </a:lnBlToTr>
+                    <a:solidFill>
+                      <a:schemeClr val="bg1">
+                        <a:lumMod val="95000"/>
+                      </a:schemeClr>
+                    </a:solidFill>
+                  </a:tcPr>
+                </a:tc>
+                <a:tc>
+                  <a:txBody>
+                    <a:bodyPr/>
+                    <a:lstStyle/>
+                    <a:p>
+                      <a:pPr algn="ctr" latinLnBrk="1"/>
+                      <a:r>
+                        <a:rPr lang="ko-KR" altLang="en-US" sz="1000" b="1" dirty="0">
+                          <a:solidFill>
+                            <a:schemeClr val="tx1"/>
+                          </a:solidFill>
+                        </a:rPr>
+                        <a:t>능력치 상승</a:t>
+                      </a:r>
+                    </a:p>
+                  </a:txBody>
+                  <a:tcPr anchor="ctr">
+                    <a:lnL w="12700" cap="flat" cmpd="sng" algn="ctr">
+                      <a:solidFill>
+                        <a:schemeClr val="tx1"/>
+                      </a:solidFill>
+                      <a:prstDash val="solid"/>
+                      <a:round/>
+                      <a:headEnd type="none" w="med" len="med"/>
+                      <a:tailEnd type="none" w="med" len="med"/>
+                    </a:lnL>
+                    <a:lnR w="12700" cap="flat" cmpd="sng" algn="ctr">
+                      <a:solidFill>
+                        <a:schemeClr val="tx1"/>
+                      </a:solidFill>
+                      <a:prstDash val="solid"/>
+                      <a:round/>
+                      <a:headEnd type="none" w="med" len="med"/>
+                      <a:tailEnd type="none" w="med" len="med"/>
+                    </a:lnR>
+                    <a:lnT w="12700" cap="flat" cmpd="sng" algn="ctr">
+                      <a:solidFill>
+                        <a:schemeClr val="tx1"/>
+                      </a:solidFill>
+                      <a:prstDash val="solid"/>
+                      <a:round/>
+                      <a:headEnd type="none" w="med" len="med"/>
+                      <a:tailEnd type="none" w="med" len="med"/>
+                    </a:lnT>
+                    <a:lnB w="12700" cap="flat" cmpd="sng" algn="ctr">
+                      <a:solidFill>
+                        <a:schemeClr val="tx1"/>
+                      </a:solidFill>
+                      <a:prstDash val="solid"/>
+                      <a:round/>
+                      <a:headEnd type="none" w="med" len="med"/>
+                      <a:tailEnd type="none" w="med" len="med"/>
+                    </a:lnB>
+                    <a:lnTlToBr w="12700" cmpd="sng">
+                      <a:noFill/>
+                      <a:prstDash val="solid"/>
+                    </a:lnTlToBr>
+                    <a:lnBlToTr w="12700" cmpd="sng">
+                      <a:noFill/>
+                      <a:prstDash val="solid"/>
+                    </a:lnBlToTr>
+                    <a:solidFill>
+                      <a:schemeClr val="bg1">
+                        <a:lumMod val="95000"/>
+                      </a:schemeClr>
+                    </a:solidFill>
+                  </a:tcPr>
+                </a:tc>
+                <a:tc>
+                  <a:txBody>
+                    <a:bodyPr/>
+                    <a:lstStyle/>
+                    <a:p>
+                      <a:pPr marL="0" marR="0" lvl="0" indent="0" algn="ctr" defTabSz="914400" rtl="0" eaLnBrk="1" fontAlgn="auto" latinLnBrk="1" hangingPunct="1">
+                        <a:lnSpc>
+                          <a:spcPct val="100000"/>
+                        </a:lnSpc>
+                        <a:spcBef>
+                          <a:spcPts val="0"/>
+                        </a:spcBef>
+                        <a:spcAft>
+                          <a:spcPts val="0"/>
+                        </a:spcAft>
+                        <a:buClrTx/>
+                        <a:buSzTx/>
+                        <a:buFontTx/>
+                        <a:buNone/>
+                        <a:tabLst/>
+                        <a:defRPr/>
+                      </a:pPr>
+                      <a:r>
+                        <a:rPr lang="ko-KR" altLang="en-US" sz="1000" b="1" dirty="0">
+                          <a:solidFill>
+                            <a:schemeClr val="tx1"/>
+                          </a:solidFill>
+                        </a:rPr>
+                        <a:t>해당 레벨 컨텐츠 해금</a:t>
+                      </a:r>
+                    </a:p>
+                  </a:txBody>
+                  <a:tcPr anchor="ctr">
+                    <a:lnL w="12700" cap="flat" cmpd="sng" algn="ctr">
+                      <a:solidFill>
+                        <a:schemeClr val="tx1"/>
+                      </a:solidFill>
+                      <a:prstDash val="solid"/>
+                      <a:round/>
+                      <a:headEnd type="none" w="med" len="med"/>
+                      <a:tailEnd type="none" w="med" len="med"/>
+                    </a:lnL>
+                    <a:lnR w="12700" cap="flat" cmpd="sng" algn="ctr">
+                      <a:solidFill>
+                        <a:schemeClr val="tx1"/>
+                      </a:solidFill>
+                      <a:prstDash val="solid"/>
+                      <a:round/>
+                      <a:headEnd type="none" w="med" len="med"/>
+                      <a:tailEnd type="none" w="med" len="med"/>
+                    </a:lnR>
+                    <a:lnT w="12700" cap="flat" cmpd="sng" algn="ctr">
+                      <a:solidFill>
+                        <a:schemeClr val="tx1"/>
+                      </a:solidFill>
+                      <a:prstDash val="solid"/>
+                      <a:round/>
+                      <a:headEnd type="none" w="med" len="med"/>
+                      <a:tailEnd type="none" w="med" len="med"/>
+                    </a:lnT>
+                    <a:lnB w="12700" cap="flat" cmpd="sng" algn="ctr">
+                      <a:solidFill>
+                        <a:schemeClr val="tx1"/>
+                      </a:solidFill>
+                      <a:prstDash val="solid"/>
+                      <a:round/>
+                      <a:headEnd type="none" w="med" len="med"/>
+                      <a:tailEnd type="none" w="med" len="med"/>
+                    </a:lnB>
+                    <a:lnTlToBr w="12700" cmpd="sng">
+                      <a:noFill/>
+                      <a:prstDash val="solid"/>
+                    </a:lnTlToBr>
+                    <a:lnBlToTr w="12700" cmpd="sng">
+                      <a:noFill/>
+                      <a:prstDash val="solid"/>
+                    </a:lnBlToTr>
+                    <a:solidFill>
+                      <a:schemeClr val="bg1">
+                        <a:lumMod val="95000"/>
+                      </a:schemeClr>
+                    </a:solidFill>
+                  </a:tcPr>
+                </a:tc>
+                <a:tc>
+                  <a:txBody>
+                    <a:bodyPr/>
+                    <a:lstStyle/>
+                    <a:p>
+                      <a:pPr marL="0" marR="0" lvl="0" indent="0" algn="ctr" defTabSz="914400" rtl="0" eaLnBrk="1" fontAlgn="auto" latinLnBrk="1" hangingPunct="1">
+                        <a:lnSpc>
+                          <a:spcPct val="100000"/>
+                        </a:lnSpc>
+                        <a:spcBef>
+                          <a:spcPts val="0"/>
+                        </a:spcBef>
+                        <a:spcAft>
+                          <a:spcPts val="0"/>
+                        </a:spcAft>
+                        <a:buClrTx/>
+                        <a:buSzTx/>
+                        <a:buFontTx/>
+                        <a:buNone/>
+                        <a:tabLst/>
+                        <a:defRPr/>
+                      </a:pPr>
+                      <a:r>
+                        <a:rPr lang="ko-KR" altLang="en-US" sz="1000" b="1" dirty="0">
+                          <a:solidFill>
+                            <a:schemeClr val="tx1"/>
+                          </a:solidFill>
+                        </a:rPr>
+                        <a:t>텍스트 출력</a:t>
+                      </a:r>
+                    </a:p>
+                  </a:txBody>
+                  <a:tcPr anchor="ctr">
+                    <a:lnL w="12700" cap="flat" cmpd="sng" algn="ctr">
+                      <a:solidFill>
+                        <a:schemeClr val="tx1"/>
+                      </a:solidFill>
+                      <a:prstDash val="solid"/>
+                      <a:round/>
+                      <a:headEnd type="none" w="med" len="med"/>
+                      <a:tailEnd type="none" w="med" len="med"/>
+                    </a:lnL>
+                    <a:lnR w="12700" cap="flat" cmpd="sng" algn="ctr">
+                      <a:solidFill>
+                        <a:schemeClr val="tx1"/>
+                      </a:solidFill>
+                      <a:prstDash val="solid"/>
+                      <a:round/>
+                      <a:headEnd type="none" w="med" len="med"/>
+                      <a:tailEnd type="none" w="med" len="med"/>
+                    </a:lnR>
+                    <a:lnT w="12700" cap="flat" cmpd="sng" algn="ctr">
+                      <a:solidFill>
+                        <a:schemeClr val="tx1"/>
+                      </a:solidFill>
+                      <a:prstDash val="solid"/>
+                      <a:round/>
+                      <a:headEnd type="none" w="med" len="med"/>
+                      <a:tailEnd type="none" w="med" len="med"/>
+                    </a:lnT>
+                    <a:lnB w="12700" cap="flat" cmpd="sng" algn="ctr">
+                      <a:solidFill>
+                        <a:schemeClr val="tx1"/>
+                      </a:solidFill>
+                      <a:prstDash val="solid"/>
+                      <a:round/>
+                      <a:headEnd type="none" w="med" len="med"/>
+                      <a:tailEnd type="none" w="med" len="med"/>
+                    </a:lnB>
+                    <a:lnTlToBr w="12700" cmpd="sng">
+                      <a:noFill/>
+                      <a:prstDash val="solid"/>
+                    </a:lnTlToBr>
+                    <a:lnBlToTr w="12700" cmpd="sng">
+                      <a:noFill/>
+                      <a:prstDash val="solid"/>
+                    </a:lnBlToTr>
+                    <a:solidFill>
+                      <a:schemeClr val="bg1">
+                        <a:lumMod val="95000"/>
+                      </a:schemeClr>
+                    </a:solidFill>
+                  </a:tcPr>
+                </a:tc>
+                <a:extLst>
+                  <a:ext uri="{0D108BD9-81ED-4DB2-BD59-A6C34878D82A}">
+                    <a16:rowId xmlns:a16="http://schemas.microsoft.com/office/drawing/2014/main" val="604261568"/>
+                  </a:ext>
+                </a:extLst>
+              </a:tr>
+              <a:tr h="0">
+                <a:tc>
+                  <a:txBody>
+                    <a:bodyPr/>
+                    <a:lstStyle/>
+                    <a:p>
+                      <a:pPr algn="ctr" latinLnBrk="1"/>
+                      <a:r>
+                        <a:rPr lang="ko-KR" altLang="en-US" sz="900" b="0" dirty="0">
+                          <a:solidFill>
+                            <a:schemeClr val="tx1"/>
+                          </a:solidFill>
+                        </a:rPr>
+                        <a:t>각 능력치의 최대치가 체력</a:t>
+                      </a:r>
+                      <a:r>
+                        <a:rPr lang="en-US" altLang="ko-KR" sz="900" b="0" dirty="0">
+                          <a:solidFill>
+                            <a:schemeClr val="tx1"/>
+                          </a:solidFill>
+                        </a:rPr>
+                        <a:t>, </a:t>
+                      </a:r>
+                      <a:r>
+                        <a:rPr lang="ko-KR" altLang="en-US" sz="900" b="0" dirty="0">
+                          <a:solidFill>
+                            <a:schemeClr val="tx1"/>
+                          </a:solidFill>
+                        </a:rPr>
+                        <a:t>지구력</a:t>
+                      </a:r>
+                      <a:r>
+                        <a:rPr lang="en-US" altLang="ko-KR" sz="900" b="0" dirty="0">
+                          <a:solidFill>
+                            <a:schemeClr val="tx1"/>
+                          </a:solidFill>
+                        </a:rPr>
+                        <a:t>, </a:t>
+                      </a:r>
+                      <a:r>
+                        <a:rPr lang="ko-KR" altLang="en-US" sz="900" b="0" dirty="0">
+                          <a:solidFill>
+                            <a:schemeClr val="tx1"/>
+                          </a:solidFill>
+                        </a:rPr>
+                        <a:t>내공</a:t>
+                      </a:r>
+                      <a:r>
+                        <a:rPr lang="en-US" altLang="ko-KR" sz="900" b="0" dirty="0">
+                          <a:solidFill>
+                            <a:schemeClr val="tx1"/>
+                          </a:solidFill>
+                        </a:rPr>
+                        <a:t>, </a:t>
+                      </a:r>
+                      <a:r>
+                        <a:rPr lang="ko-KR" altLang="en-US" sz="900" b="0" dirty="0">
+                          <a:solidFill>
+                            <a:schemeClr val="tx1"/>
+                          </a:solidFill>
+                        </a:rPr>
+                        <a:t>외공 순서로 최대치가 증가</a:t>
+                      </a:r>
+                    </a:p>
+                  </a:txBody>
+                  <a:tcPr anchor="ctr">
+                    <a:lnL w="12700" cap="flat" cmpd="sng" algn="ctr">
+                      <a:solidFill>
+                        <a:schemeClr val="tx1"/>
+                      </a:solidFill>
+                      <a:prstDash val="solid"/>
+                      <a:round/>
+                      <a:headEnd type="none" w="med" len="med"/>
+                      <a:tailEnd type="none" w="med" len="med"/>
+                    </a:lnL>
+                    <a:lnR w="12700" cap="flat" cmpd="sng" algn="ctr">
+                      <a:solidFill>
+                        <a:schemeClr val="tx1"/>
+                      </a:solidFill>
+                      <a:prstDash val="solid"/>
+                      <a:round/>
+                      <a:headEnd type="none" w="med" len="med"/>
+                      <a:tailEnd type="none" w="med" len="med"/>
+                    </a:lnR>
+                    <a:lnT w="12700" cap="flat" cmpd="sng" algn="ctr">
+                      <a:solidFill>
+                        <a:schemeClr val="tx1"/>
+                      </a:solidFill>
+                      <a:prstDash val="solid"/>
+                      <a:round/>
+                      <a:headEnd type="none" w="med" len="med"/>
+                      <a:tailEnd type="none" w="med" len="med"/>
+                    </a:lnT>
+                    <a:lnB w="12700" cap="flat" cmpd="sng" algn="ctr">
+                      <a:solidFill>
+                        <a:schemeClr val="tx1"/>
+                      </a:solidFill>
+                      <a:prstDash val="solid"/>
+                      <a:round/>
+                      <a:headEnd type="none" w="med" len="med"/>
+                      <a:tailEnd type="none" w="med" len="med"/>
+                    </a:lnB>
+                    <a:lnTlToBr w="12700" cmpd="sng">
+                      <a:noFill/>
+                      <a:prstDash val="solid"/>
+                    </a:lnTlToBr>
+                    <a:lnBlToTr w="12700" cmpd="sng">
+                      <a:noFill/>
+                      <a:prstDash val="solid"/>
+                    </a:lnBlToTr>
+                    <a:noFill/>
+                  </a:tcPr>
+                </a:tc>
+                <a:tc>
+                  <a:txBody>
+                    <a:bodyPr/>
+                    <a:lstStyle/>
+                    <a:p>
+                      <a:pPr algn="ctr" latinLnBrk="1"/>
+                      <a:r>
+                        <a:rPr lang="ko-KR" altLang="en-US" sz="900" b="0" dirty="0">
+                          <a:solidFill>
+                            <a:schemeClr val="tx1"/>
+                          </a:solidFill>
+                        </a:rPr>
+                        <a:t>체력</a:t>
+                      </a:r>
+                      <a:r>
+                        <a:rPr lang="en-US" altLang="ko-KR" sz="900" b="0" dirty="0">
+                          <a:solidFill>
+                            <a:schemeClr val="tx1"/>
+                          </a:solidFill>
+                        </a:rPr>
+                        <a:t>, </a:t>
+                      </a:r>
+                      <a:r>
+                        <a:rPr lang="ko-KR" altLang="en-US" sz="900" b="0" dirty="0">
+                          <a:solidFill>
+                            <a:schemeClr val="tx1"/>
+                          </a:solidFill>
+                        </a:rPr>
+                        <a:t>지구력</a:t>
+                      </a:r>
+                      <a:r>
+                        <a:rPr lang="en-US" altLang="ko-KR" sz="900" b="0" dirty="0">
+                          <a:solidFill>
+                            <a:schemeClr val="tx1"/>
+                          </a:solidFill>
+                        </a:rPr>
+                        <a:t>, </a:t>
+                      </a:r>
+                      <a:r>
+                        <a:rPr lang="ko-KR" altLang="en-US" sz="900" b="0" dirty="0">
+                          <a:solidFill>
+                            <a:schemeClr val="tx1"/>
+                          </a:solidFill>
+                        </a:rPr>
+                        <a:t>내공</a:t>
+                      </a:r>
+                      <a:r>
+                        <a:rPr lang="en-US" altLang="ko-KR" sz="900" b="0" dirty="0">
+                          <a:solidFill>
+                            <a:schemeClr val="tx1"/>
+                          </a:solidFill>
+                        </a:rPr>
+                        <a:t>, </a:t>
+                      </a:r>
+                      <a:r>
+                        <a:rPr lang="ko-KR" altLang="en-US" sz="900" b="0" dirty="0">
+                          <a:solidFill>
+                            <a:schemeClr val="tx1"/>
+                          </a:solidFill>
+                        </a:rPr>
+                        <a:t>외공 순서로 능력치가 소폭 상승</a:t>
+                      </a:r>
+                    </a:p>
+                  </a:txBody>
+                  <a:tcPr anchor="ctr">
+                    <a:lnL w="12700" cap="flat" cmpd="sng" algn="ctr">
+                      <a:solidFill>
+                        <a:schemeClr val="tx1"/>
+                      </a:solidFill>
+                      <a:prstDash val="solid"/>
+                      <a:round/>
+                      <a:headEnd type="none" w="med" len="med"/>
+                      <a:tailEnd type="none" w="med" len="med"/>
+                    </a:lnL>
+                    <a:lnR w="12700" cap="flat" cmpd="sng" algn="ctr">
+                      <a:solidFill>
+                        <a:schemeClr val="tx1"/>
+                      </a:solidFill>
+                      <a:prstDash val="solid"/>
+                      <a:round/>
+                      <a:headEnd type="none" w="med" len="med"/>
+                      <a:tailEnd type="none" w="med" len="med"/>
+                    </a:lnR>
+                    <a:lnT w="12700" cap="flat" cmpd="sng" algn="ctr">
+                      <a:solidFill>
+                        <a:schemeClr val="tx1"/>
+                      </a:solidFill>
+                      <a:prstDash val="solid"/>
+                      <a:round/>
+                      <a:headEnd type="none" w="med" len="med"/>
+                      <a:tailEnd type="none" w="med" len="med"/>
+                    </a:lnT>
+                    <a:lnB w="12700" cap="flat" cmpd="sng" algn="ctr">
+                      <a:solidFill>
+                        <a:schemeClr val="tx1"/>
+                      </a:solidFill>
+                      <a:prstDash val="solid"/>
+                      <a:round/>
+                      <a:headEnd type="none" w="med" len="med"/>
+                      <a:tailEnd type="none" w="med" len="med"/>
+                    </a:lnB>
+                    <a:lnTlToBr w="12700" cmpd="sng">
+                      <a:noFill/>
+                      <a:prstDash val="solid"/>
+                    </a:lnTlToBr>
+                    <a:lnBlToTr w="12700" cmpd="sng">
+                      <a:noFill/>
+                      <a:prstDash val="solid"/>
+                    </a:lnBlToTr>
+                    <a:noFill/>
+                  </a:tcPr>
+                </a:tc>
+                <a:tc>
+                  <a:txBody>
+                    <a:bodyPr/>
+                    <a:lstStyle/>
+                    <a:p>
+                      <a:pPr algn="ctr" latinLnBrk="1"/>
+                      <a:r>
+                        <a:rPr lang="ko-KR" altLang="en-US" sz="900" b="0" dirty="0">
+                          <a:solidFill>
+                            <a:schemeClr val="tx1"/>
+                          </a:solidFill>
+                        </a:rPr>
+                        <a:t>해금 조건이 해당 레벨 달성인 컨텐츠들 해금</a:t>
+                      </a:r>
+                    </a:p>
+                  </a:txBody>
+                  <a:tcPr anchor="ctr">
+                    <a:lnL w="12700" cap="flat" cmpd="sng" algn="ctr">
+                      <a:solidFill>
+                        <a:schemeClr val="tx1"/>
+                      </a:solidFill>
+                      <a:prstDash val="solid"/>
+                      <a:round/>
+                      <a:headEnd type="none" w="med" len="med"/>
+                      <a:tailEnd type="none" w="med" len="med"/>
+                    </a:lnL>
+                    <a:lnR w="12700" cap="flat" cmpd="sng" algn="ctr">
+                      <a:solidFill>
+                        <a:schemeClr val="tx1"/>
+                      </a:solidFill>
+                      <a:prstDash val="solid"/>
+                      <a:round/>
+                      <a:headEnd type="none" w="med" len="med"/>
+                      <a:tailEnd type="none" w="med" len="med"/>
+                    </a:lnR>
+                    <a:lnT w="12700" cap="flat" cmpd="sng" algn="ctr">
+                      <a:solidFill>
+                        <a:schemeClr val="tx1"/>
+                      </a:solidFill>
+                      <a:prstDash val="solid"/>
+                      <a:round/>
+                      <a:headEnd type="none" w="med" len="med"/>
+                      <a:tailEnd type="none" w="med" len="med"/>
+                    </a:lnT>
+                    <a:lnB w="12700" cap="flat" cmpd="sng" algn="ctr">
+                      <a:solidFill>
+                        <a:schemeClr val="tx1"/>
+                      </a:solidFill>
+                      <a:prstDash val="solid"/>
+                      <a:round/>
+                      <a:headEnd type="none" w="med" len="med"/>
+                      <a:tailEnd type="none" w="med" len="med"/>
+                    </a:lnB>
+                    <a:lnTlToBr w="12700" cmpd="sng">
+                      <a:noFill/>
+                      <a:prstDash val="solid"/>
+                    </a:lnTlToBr>
+                    <a:lnBlToTr w="12700" cmpd="sng">
+                      <a:noFill/>
+                      <a:prstDash val="solid"/>
+                    </a:lnBlToTr>
+                    <a:noFill/>
+                  </a:tcPr>
+                </a:tc>
+                <a:tc>
+                  <a:txBody>
+                    <a:bodyPr/>
+                    <a:lstStyle/>
+                    <a:p>
+                      <a:pPr algn="ctr" latinLnBrk="1"/>
+                      <a:r>
+                        <a:rPr lang="ko-KR" altLang="en-US" sz="900" b="0" dirty="0">
+                          <a:solidFill>
+                            <a:schemeClr val="tx1"/>
+                          </a:solidFill>
+                        </a:rPr>
+                        <a:t>레벨 업 텍스트 출력</a:t>
+                      </a:r>
+                    </a:p>
+                  </a:txBody>
+                  <a:tcPr anchor="ctr">
+                    <a:lnL w="12700" cap="flat" cmpd="sng" algn="ctr">
+                      <a:solidFill>
+                        <a:schemeClr val="tx1"/>
+                      </a:solidFill>
+                      <a:prstDash val="solid"/>
+                      <a:round/>
+                      <a:headEnd type="none" w="med" len="med"/>
+                      <a:tailEnd type="none" w="med" len="med"/>
+                    </a:lnL>
+                    <a:lnR w="12700" cap="flat" cmpd="sng" algn="ctr">
+                      <a:solidFill>
+                        <a:schemeClr val="tx1"/>
+                      </a:solidFill>
+                      <a:prstDash val="solid"/>
+                      <a:round/>
+                      <a:headEnd type="none" w="med" len="med"/>
+                      <a:tailEnd type="none" w="med" len="med"/>
+                    </a:lnR>
+                    <a:lnT w="12700" cap="flat" cmpd="sng" algn="ctr">
+                      <a:solidFill>
+                        <a:schemeClr val="tx1"/>
+                      </a:solidFill>
+                      <a:prstDash val="solid"/>
+                      <a:round/>
+                      <a:headEnd type="none" w="med" len="med"/>
+                      <a:tailEnd type="none" w="med" len="med"/>
+                    </a:lnT>
+                    <a:lnB w="12700" cap="flat" cmpd="sng" algn="ctr">
+                      <a:solidFill>
+                        <a:schemeClr val="tx1"/>
+                      </a:solidFill>
+                      <a:prstDash val="solid"/>
+                      <a:round/>
+                      <a:headEnd type="none" w="med" len="med"/>
+                      <a:tailEnd type="none" w="med" len="med"/>
+                    </a:lnB>
+                    <a:lnTlToBr w="12700" cmpd="sng">
+                      <a:noFill/>
+                      <a:prstDash val="solid"/>
+                    </a:lnTlToBr>
+                    <a:lnBlToTr w="12700" cmpd="sng">
+                      <a:noFill/>
+                      <a:prstDash val="solid"/>
+                    </a:lnBlToTr>
+                    <a:noFill/>
+                  </a:tcPr>
+                </a:tc>
+                <a:extLst>
+                  <a:ext uri="{0D108BD9-81ED-4DB2-BD59-A6C34878D82A}">
+                    <a16:rowId xmlns:a16="http://schemas.microsoft.com/office/drawing/2014/main" val="980440267"/>
+                  </a:ext>
+                </a:extLst>
+              </a:tr>
+            </a:tbl>
+          </a:graphicData>
+        </a:graphic>
+      </p:graphicFrame>
     </p:spTree>
     <p:extLst>
       <p:ext uri="{BB962C8B-B14F-4D97-AF65-F5344CB8AC3E}">
         <p14:creationId xmlns:p14="http://schemas.microsoft.com/office/powerpoint/2010/main" val="1688592211"/>
+      </p:ext>
+    </p:extLst>
+  </p:cSld>
+  <p:clrMapOvr>
+    <a:masterClrMapping/>
+  </p:clrMapOvr>
+</p:sld>
+</file>
+
+<file path=ppt/slides/slide4.xml><?xml version="1.0" encoding="utf-8"?>
+<p:sld xmlns:a="http://schemas.openxmlformats.org/drawingml/2006/main" xmlns:r="http://schemas.openxmlformats.org/officeDocument/2006/relationships" xmlns:p="http://schemas.openxmlformats.org/presentationml/2006/main">
+  <p:cSld>
+    <p:spTree>
+      <p:nvGrpSpPr>
+        <p:cNvPr id="1" name=""/>
+        <p:cNvGrpSpPr/>
+        <p:nvPr/>
+      </p:nvGrpSpPr>
+      <p:grpSpPr>
+        <a:xfrm>
+          <a:off x="0" y="0"/>
+          <a:ext cx="0" cy="0"/>
+          <a:chOff x="0" y="0"/>
+          <a:chExt cx="0" cy="0"/>
+        </a:xfrm>
+      </p:grpSpPr>
+      <p:sp>
+        <p:nvSpPr>
+          <p:cNvPr id="15" name="제목 1">
+            <a:extLst>
+              <a:ext uri="{FF2B5EF4-FFF2-40B4-BE49-F238E27FC236}">
+                <a16:creationId xmlns:a16="http://schemas.microsoft.com/office/drawing/2014/main" id="{D6934511-6C2D-4418-82E4-20F329A1F4E1}"/>
+              </a:ext>
+            </a:extLst>
+          </p:cNvPr>
+          <p:cNvSpPr txBox="1">
+            <a:spLocks/>
+          </p:cNvSpPr>
+          <p:nvPr/>
+        </p:nvSpPr>
+        <p:spPr>
+          <a:xfrm>
+            <a:off x="695325" y="291904"/>
+            <a:ext cx="10801350" cy="861646"/>
+          </a:xfrm>
+          <a:prstGeom prst="rect">
+            <a:avLst/>
+          </a:prstGeom>
+        </p:spPr>
+        <p:txBody>
+          <a:bodyPr vert="horz" lIns="91440" tIns="45720" rIns="91440" bIns="45720" rtlCol="0" anchor="ctr">
+            <a:normAutofit/>
+          </a:bodyPr>
+          <a:lstStyle>
+            <a:lvl1pPr algn="l" defTabSz="914400" rtl="0" eaLnBrk="1" latinLnBrk="1" hangingPunct="1">
+              <a:lnSpc>
+                <a:spcPct val="90000"/>
+              </a:lnSpc>
+              <a:spcBef>
+                <a:spcPct val="0"/>
+              </a:spcBef>
+              <a:buNone/>
+              <a:defRPr sz="4400" kern="1200">
+                <a:solidFill>
+                  <a:schemeClr val="tx1"/>
+                </a:solidFill>
+                <a:latin typeface="+mj-lt"/>
+                <a:ea typeface="+mj-ea"/>
+                <a:cs typeface="+mj-cs"/>
+              </a:defRPr>
+            </a:lvl1pPr>
+          </a:lstStyle>
+          <a:p>
+            <a:r>
+              <a:rPr lang="ko-KR" altLang="en-US" dirty="0"/>
+              <a:t>레벨 별 요소</a:t>
+            </a:r>
+          </a:p>
+        </p:txBody>
+      </p:sp>
+      <p:graphicFrame>
+        <p:nvGraphicFramePr>
+          <p:cNvPr id="8" name="표 3">
+            <a:extLst>
+              <a:ext uri="{FF2B5EF4-FFF2-40B4-BE49-F238E27FC236}">
+                <a16:creationId xmlns:a16="http://schemas.microsoft.com/office/drawing/2014/main" id="{25D8F8BC-17BA-4EB7-8066-C061CBEB667D}"/>
+              </a:ext>
+            </a:extLst>
+          </p:cNvPr>
+          <p:cNvGraphicFramePr>
+            <a:graphicFrameLocks noGrp="1"/>
+          </p:cNvGraphicFramePr>
+          <p:nvPr>
+            <p:extLst>
+              <p:ext uri="{D42A27DB-BD31-4B8C-83A1-F6EECF244321}">
+                <p14:modId xmlns:p14="http://schemas.microsoft.com/office/powerpoint/2010/main" val="2611581520"/>
+              </p:ext>
+            </p:extLst>
+          </p:nvPr>
+        </p:nvGraphicFramePr>
+        <p:xfrm>
+          <a:off x="701672" y="1859915"/>
+          <a:ext cx="10793416" cy="1584960"/>
+        </p:xfrm>
+        <a:graphic>
+          <a:graphicData uri="http://schemas.openxmlformats.org/drawingml/2006/table">
+            <a:tbl>
+              <a:tblPr firstRow="1" bandRow="1">
+                <a:tableStyleId>{5C22544A-7EE6-4342-B048-85BDC9FD1C3A}</a:tableStyleId>
+              </a:tblPr>
+              <a:tblGrid>
+                <a:gridCol w="1473308">
+                  <a:extLst>
+                    <a:ext uri="{9D8B030D-6E8A-4147-A177-3AD203B41FA5}">
+                      <a16:colId xmlns:a16="http://schemas.microsoft.com/office/drawing/2014/main" val="2273652056"/>
+                    </a:ext>
+                  </a:extLst>
+                </a:gridCol>
+                <a:gridCol w="9320108">
+                  <a:extLst>
+                    <a:ext uri="{9D8B030D-6E8A-4147-A177-3AD203B41FA5}">
+                      <a16:colId xmlns:a16="http://schemas.microsoft.com/office/drawing/2014/main" val="3133169290"/>
+                    </a:ext>
+                  </a:extLst>
+                </a:gridCol>
+              </a:tblGrid>
+              <a:tr h="0">
+                <a:tc gridSpan="2">
+                  <a:txBody>
+                    <a:bodyPr/>
+                    <a:lstStyle/>
+                    <a:p>
+                      <a:pPr algn="l" latinLnBrk="1"/>
+                      <a:r>
+                        <a:rPr lang="ko-KR" altLang="en-US" dirty="0"/>
+                        <a:t>경험치 획득 방법</a:t>
+                      </a:r>
+                    </a:p>
+                  </a:txBody>
+                  <a:tcPr anchor="ctr"/>
+                </a:tc>
+                <a:tc hMerge="1">
+                  <a:txBody>
+                    <a:bodyPr/>
+                    <a:lstStyle/>
+                    <a:p>
+                      <a:pPr algn="ctr" latinLnBrk="1"/>
+                      <a:endParaRPr lang="ko-KR" altLang="en-US" dirty="0"/>
+                    </a:p>
+                  </a:txBody>
+                  <a:tcPr anchor="ctr"/>
+                </a:tc>
+                <a:extLst>
+                  <a:ext uri="{0D108BD9-81ED-4DB2-BD59-A6C34878D82A}">
+                    <a16:rowId xmlns:a16="http://schemas.microsoft.com/office/drawing/2014/main" val="2106066796"/>
+                  </a:ext>
+                </a:extLst>
+              </a:tr>
+              <a:tr h="0">
+                <a:tc>
+                  <a:txBody>
+                    <a:bodyPr/>
+                    <a:lstStyle/>
+                    <a:p>
+                      <a:pPr algn="ctr" latinLnBrk="1"/>
+                      <a:r>
+                        <a:rPr lang="ko-KR" altLang="en-US" sz="1400" dirty="0"/>
+                        <a:t>방법</a:t>
+                      </a:r>
+                    </a:p>
+                  </a:txBody>
+                  <a:tcPr anchor="ctr"/>
+                </a:tc>
+                <a:tc>
+                  <a:txBody>
+                    <a:bodyPr/>
+                    <a:lstStyle/>
+                    <a:p>
+                      <a:pPr algn="ctr" latinLnBrk="1"/>
+                      <a:r>
+                        <a:rPr lang="ko-KR" altLang="en-US" sz="1400" dirty="0"/>
+                        <a:t>설명</a:t>
+                      </a:r>
+                    </a:p>
+                  </a:txBody>
+                  <a:tcPr anchor="ctr"/>
+                </a:tc>
+                <a:extLst>
+                  <a:ext uri="{0D108BD9-81ED-4DB2-BD59-A6C34878D82A}">
+                    <a16:rowId xmlns:a16="http://schemas.microsoft.com/office/drawing/2014/main" val="3920821292"/>
+                  </a:ext>
+                </a:extLst>
+              </a:tr>
+              <a:tr h="0">
+                <a:tc>
+                  <a:txBody>
+                    <a:bodyPr/>
+                    <a:lstStyle/>
+                    <a:p>
+                      <a:pPr algn="ctr" latinLnBrk="1"/>
+                      <a:r>
+                        <a:rPr lang="ko-KR" altLang="en-US" sz="1400" dirty="0"/>
+                        <a:t>사냥</a:t>
+                      </a:r>
+                    </a:p>
+                  </a:txBody>
+                  <a:tcPr anchor="ctr"/>
+                </a:tc>
+                <a:tc>
+                  <a:txBody>
+                    <a:bodyPr/>
+                    <a:lstStyle/>
+                    <a:p>
+                      <a:pPr latinLnBrk="1"/>
+                      <a:r>
+                        <a:rPr lang="en-US" altLang="ko-KR" sz="1400" dirty="0"/>
+                        <a:t>NPC</a:t>
+                      </a:r>
+                      <a:r>
+                        <a:rPr lang="ko-KR" altLang="en-US" sz="1400" dirty="0"/>
+                        <a:t>를 공격하여 사망 상태로 만들었을 경우</a:t>
+                      </a:r>
+                    </a:p>
+                  </a:txBody>
+                  <a:tcPr anchor="ctr"/>
+                </a:tc>
+                <a:extLst>
+                  <a:ext uri="{0D108BD9-81ED-4DB2-BD59-A6C34878D82A}">
+                    <a16:rowId xmlns:a16="http://schemas.microsoft.com/office/drawing/2014/main" val="868811183"/>
+                  </a:ext>
+                </a:extLst>
+              </a:tr>
+              <a:tr h="0">
+                <a:tc>
+                  <a:txBody>
+                    <a:bodyPr/>
+                    <a:lstStyle/>
+                    <a:p>
+                      <a:pPr algn="ctr" latinLnBrk="1"/>
+                      <a:r>
+                        <a:rPr lang="ko-KR" altLang="en-US" sz="1400" dirty="0"/>
+                        <a:t>퀘스트</a:t>
+                      </a:r>
+                    </a:p>
+                  </a:txBody>
+                  <a:tcPr anchor="ctr"/>
+                </a:tc>
+                <a:tc>
+                  <a:txBody>
+                    <a:bodyPr/>
+                    <a:lstStyle/>
+                    <a:p>
+                      <a:pPr latinLnBrk="1"/>
+                      <a:r>
+                        <a:rPr lang="ko-KR" altLang="en-US" sz="1400" dirty="0"/>
+                        <a:t>퀘스트를 완료하여 보상으로 경험치를 획득했을 경우</a:t>
+                      </a:r>
+                    </a:p>
+                  </a:txBody>
+                  <a:tcPr anchor="ctr"/>
+                </a:tc>
+                <a:extLst>
+                  <a:ext uri="{0D108BD9-81ED-4DB2-BD59-A6C34878D82A}">
+                    <a16:rowId xmlns:a16="http://schemas.microsoft.com/office/drawing/2014/main" val="2225507125"/>
+                  </a:ext>
+                </a:extLst>
+              </a:tr>
+              <a:tr h="0">
+                <a:tc>
+                  <a:txBody>
+                    <a:bodyPr/>
+                    <a:lstStyle/>
+                    <a:p>
+                      <a:pPr algn="ctr" latinLnBrk="1"/>
+                      <a:r>
+                        <a:rPr lang="ko-KR" altLang="en-US" sz="1400" dirty="0"/>
+                        <a:t>아이템</a:t>
+                      </a:r>
+                    </a:p>
+                  </a:txBody>
+                  <a:tcPr anchor="ctr"/>
+                </a:tc>
+                <a:tc>
+                  <a:txBody>
+                    <a:bodyPr/>
+                    <a:lstStyle/>
+                    <a:p>
+                      <a:pPr latinLnBrk="1"/>
+                      <a:r>
+                        <a:rPr lang="ko-KR" altLang="en-US" sz="1400" dirty="0"/>
+                        <a:t>소비할 경우 경험치를 획득하는 아이템을 사용했을 경우</a:t>
+                      </a:r>
+                    </a:p>
+                  </a:txBody>
+                  <a:tcPr anchor="ctr"/>
+                </a:tc>
+                <a:extLst>
+                  <a:ext uri="{0D108BD9-81ED-4DB2-BD59-A6C34878D82A}">
+                    <a16:rowId xmlns:a16="http://schemas.microsoft.com/office/drawing/2014/main" val="1676587241"/>
+                  </a:ext>
+                </a:extLst>
+              </a:tr>
+            </a:tbl>
+          </a:graphicData>
+        </a:graphic>
+      </p:graphicFrame>
+      <p:graphicFrame>
+        <p:nvGraphicFramePr>
+          <p:cNvPr id="9" name="표 3">
+            <a:extLst>
+              <a:ext uri="{FF2B5EF4-FFF2-40B4-BE49-F238E27FC236}">
+                <a16:creationId xmlns:a16="http://schemas.microsoft.com/office/drawing/2014/main" id="{4D36DAA9-882B-490A-ACAB-45E933D56D89}"/>
+              </a:ext>
+            </a:extLst>
+          </p:cNvPr>
+          <p:cNvGraphicFramePr>
+            <a:graphicFrameLocks noGrp="1"/>
+          </p:cNvGraphicFramePr>
+          <p:nvPr>
+            <p:extLst>
+              <p:ext uri="{D42A27DB-BD31-4B8C-83A1-F6EECF244321}">
+                <p14:modId xmlns:p14="http://schemas.microsoft.com/office/powerpoint/2010/main" val="3394361331"/>
+              </p:ext>
+            </p:extLst>
+          </p:nvPr>
+        </p:nvGraphicFramePr>
+        <p:xfrm>
+          <a:off x="693738" y="1158875"/>
+          <a:ext cx="10801350" cy="701040"/>
+        </p:xfrm>
+        <a:graphic>
+          <a:graphicData uri="http://schemas.openxmlformats.org/drawingml/2006/table">
+            <a:tbl>
+              <a:tblPr firstRow="1" bandRow="1">
+                <a:tableStyleId>{5C22544A-7EE6-4342-B048-85BDC9FD1C3A}</a:tableStyleId>
+              </a:tblPr>
+              <a:tblGrid>
+                <a:gridCol w="10801350">
+                  <a:extLst>
+                    <a:ext uri="{9D8B030D-6E8A-4147-A177-3AD203B41FA5}">
+                      <a16:colId xmlns:a16="http://schemas.microsoft.com/office/drawing/2014/main" val="2273652056"/>
+                    </a:ext>
+                  </a:extLst>
+                </a:gridCol>
+              </a:tblGrid>
+              <a:tr h="0">
+                <a:tc>
+                  <a:txBody>
+                    <a:bodyPr/>
+                    <a:lstStyle/>
+                    <a:p>
+                      <a:pPr algn="l" latinLnBrk="1"/>
+                      <a:r>
+                        <a:rPr lang="ko-KR" altLang="en-US" dirty="0"/>
+                        <a:t>레벨 업 조건</a:t>
+                      </a:r>
+                    </a:p>
+                  </a:txBody>
+                  <a:tcPr anchor="ctr"/>
+                </a:tc>
+                <a:extLst>
+                  <a:ext uri="{0D108BD9-81ED-4DB2-BD59-A6C34878D82A}">
+                    <a16:rowId xmlns:a16="http://schemas.microsoft.com/office/drawing/2014/main" val="2106066796"/>
+                  </a:ext>
+                </a:extLst>
+              </a:tr>
+              <a:tr h="0">
+                <a:tc>
+                  <a:txBody>
+                    <a:bodyPr/>
+                    <a:lstStyle/>
+                    <a:p>
+                      <a:pPr marL="0" marR="0" lvl="0" indent="0" algn="l" defTabSz="914400" rtl="0" eaLnBrk="1" fontAlgn="auto" latinLnBrk="1" hangingPunct="1">
+                        <a:lnSpc>
+                          <a:spcPct val="100000"/>
+                        </a:lnSpc>
+                        <a:spcBef>
+                          <a:spcPts val="0"/>
+                        </a:spcBef>
+                        <a:spcAft>
+                          <a:spcPts val="0"/>
+                        </a:spcAft>
+                        <a:buClrTx/>
+                        <a:buSzTx/>
+                        <a:buFontTx/>
+                        <a:buNone/>
+                        <a:tabLst/>
+                        <a:defRPr/>
+                      </a:pPr>
+                      <a:r>
+                        <a:rPr lang="ko-KR" altLang="en-US" sz="1600" b="0" i="0" dirty="0">
+                          <a:solidFill>
+                            <a:schemeClr val="tx1"/>
+                          </a:solidFill>
+                        </a:rPr>
+                        <a:t>캐릭터가 경험치를 획득하여 누적된 경험치가 필요 누적 경험치를 초과 했을 경우 레벨 업 한다</a:t>
+                      </a:r>
+                      <a:r>
+                        <a:rPr lang="en-US" altLang="ko-KR" sz="1600" b="0" i="0" dirty="0">
+                          <a:solidFill>
+                            <a:schemeClr val="tx1"/>
+                          </a:solidFill>
+                        </a:rPr>
+                        <a:t>.</a:t>
+                      </a:r>
+                      <a:endParaRPr lang="ko-KR" altLang="en-US" sz="1600" b="0" i="0" dirty="0">
+                        <a:solidFill>
+                          <a:schemeClr val="tx1"/>
+                        </a:solidFill>
+                      </a:endParaRPr>
+                    </a:p>
+                  </a:txBody>
+                  <a:tcPr anchor="ctr"/>
+                </a:tc>
+                <a:extLst>
+                  <a:ext uri="{0D108BD9-81ED-4DB2-BD59-A6C34878D82A}">
+                    <a16:rowId xmlns:a16="http://schemas.microsoft.com/office/drawing/2014/main" val="3920821292"/>
+                  </a:ext>
+                </a:extLst>
+              </a:tr>
+            </a:tbl>
+          </a:graphicData>
+        </a:graphic>
+      </p:graphicFrame>
+      <p:graphicFrame>
+        <p:nvGraphicFramePr>
+          <p:cNvPr id="10" name="표 4">
+            <a:extLst>
+              <a:ext uri="{FF2B5EF4-FFF2-40B4-BE49-F238E27FC236}">
+                <a16:creationId xmlns:a16="http://schemas.microsoft.com/office/drawing/2014/main" id="{7168F80A-AB90-477A-830C-A6953F5D475D}"/>
+              </a:ext>
+            </a:extLst>
+          </p:cNvPr>
+          <p:cNvGraphicFramePr>
+            <a:graphicFrameLocks noGrp="1"/>
+          </p:cNvGraphicFramePr>
+          <p:nvPr>
+            <p:extLst>
+              <p:ext uri="{D42A27DB-BD31-4B8C-83A1-F6EECF244321}">
+                <p14:modId xmlns:p14="http://schemas.microsoft.com/office/powerpoint/2010/main" val="1875436231"/>
+              </p:ext>
+            </p:extLst>
+          </p:nvPr>
+        </p:nvGraphicFramePr>
+        <p:xfrm>
+          <a:off x="690565" y="3448355"/>
+          <a:ext cx="10799763" cy="2560320"/>
+        </p:xfrm>
+        <a:graphic>
+          <a:graphicData uri="http://schemas.openxmlformats.org/drawingml/2006/table">
+            <a:tbl>
+              <a:tblPr firstRow="1" bandRow="1">
+                <a:tableStyleId>{5C22544A-7EE6-4342-B048-85BDC9FD1C3A}</a:tableStyleId>
+              </a:tblPr>
+              <a:tblGrid>
+                <a:gridCol w="2765960">
+                  <a:extLst>
+                    <a:ext uri="{9D8B030D-6E8A-4147-A177-3AD203B41FA5}">
+                      <a16:colId xmlns:a16="http://schemas.microsoft.com/office/drawing/2014/main" val="796602768"/>
+                    </a:ext>
+                  </a:extLst>
+                </a:gridCol>
+                <a:gridCol w="3401680">
+                  <a:extLst>
+                    <a:ext uri="{9D8B030D-6E8A-4147-A177-3AD203B41FA5}">
+                      <a16:colId xmlns:a16="http://schemas.microsoft.com/office/drawing/2014/main" val="2203288305"/>
+                    </a:ext>
+                  </a:extLst>
+                </a:gridCol>
+                <a:gridCol w="4632123">
+                  <a:extLst>
+                    <a:ext uri="{9D8B030D-6E8A-4147-A177-3AD203B41FA5}">
+                      <a16:colId xmlns:a16="http://schemas.microsoft.com/office/drawing/2014/main" val="1061775910"/>
+                    </a:ext>
+                  </a:extLst>
+                </a:gridCol>
+              </a:tblGrid>
+              <a:tr h="256720">
+                <a:tc>
+                  <a:txBody>
+                    <a:bodyPr/>
+                    <a:lstStyle/>
+                    <a:p>
+                      <a:pPr algn="ctr" latinLnBrk="1"/>
+                      <a:r>
+                        <a:rPr lang="ko-KR" altLang="en-US" dirty="0"/>
+                        <a:t>레벨</a:t>
+                      </a:r>
+                    </a:p>
+                  </a:txBody>
+                  <a:tcPr/>
+                </a:tc>
+                <a:tc>
+                  <a:txBody>
+                    <a:bodyPr/>
+                    <a:lstStyle/>
+                    <a:p>
+                      <a:pPr algn="ctr" latinLnBrk="1"/>
+                      <a:r>
+                        <a:rPr lang="ko-KR" altLang="en-US" dirty="0"/>
+                        <a:t>필요 경험치</a:t>
+                      </a:r>
+                    </a:p>
+                  </a:txBody>
+                  <a:tcPr/>
+                </a:tc>
+                <a:tc>
+                  <a:txBody>
+                    <a:bodyPr/>
+                    <a:lstStyle/>
+                    <a:p>
+                      <a:pPr algn="ctr" latinLnBrk="1"/>
+                      <a:r>
+                        <a:rPr lang="ko-KR" altLang="en-US" dirty="0"/>
+                        <a:t>필요 누적 경험치</a:t>
+                      </a:r>
+                    </a:p>
+                  </a:txBody>
+                  <a:tcPr/>
+                </a:tc>
+                <a:extLst>
+                  <a:ext uri="{0D108BD9-81ED-4DB2-BD59-A6C34878D82A}">
+                    <a16:rowId xmlns:a16="http://schemas.microsoft.com/office/drawing/2014/main" val="2216886197"/>
+                  </a:ext>
+                </a:extLst>
+              </a:tr>
+              <a:tr h="192540">
+                <a:tc>
+                  <a:txBody>
+                    <a:bodyPr/>
+                    <a:lstStyle/>
+                    <a:p>
+                      <a:pPr algn="ctr" latinLnBrk="1"/>
+                      <a:r>
+                        <a:rPr lang="en-US" altLang="ko-KR" sz="1200" dirty="0"/>
+                        <a:t>1-</a:t>
+                      </a:r>
+                      <a:r>
+                        <a:rPr lang="ko-KR" altLang="en-US" sz="1200" dirty="0"/>
+                        <a:t>삼류</a:t>
+                      </a:r>
+                    </a:p>
+                  </a:txBody>
+                  <a:tcPr/>
+                </a:tc>
+                <a:tc>
+                  <a:txBody>
+                    <a:bodyPr/>
+                    <a:lstStyle/>
+                    <a:p>
+                      <a:pPr algn="ctr" latinLnBrk="1"/>
+                      <a:r>
+                        <a:rPr lang="en-US" altLang="ko-KR" sz="1200" dirty="0"/>
+                        <a:t>1,000</a:t>
+                      </a:r>
+                      <a:endParaRPr lang="ko-KR" altLang="en-US" sz="1200" dirty="0"/>
+                    </a:p>
+                  </a:txBody>
+                  <a:tcPr/>
+                </a:tc>
+                <a:tc>
+                  <a:txBody>
+                    <a:bodyPr/>
+                    <a:lstStyle/>
+                    <a:p>
+                      <a:pPr algn="ctr" latinLnBrk="1"/>
+                      <a:r>
+                        <a:rPr lang="en-US" altLang="ko-KR" sz="1200" dirty="0"/>
+                        <a:t>1,000</a:t>
+                      </a:r>
+                      <a:endParaRPr lang="ko-KR" altLang="en-US" sz="1200" dirty="0"/>
+                    </a:p>
+                  </a:txBody>
+                  <a:tcPr/>
+                </a:tc>
+                <a:extLst>
+                  <a:ext uri="{0D108BD9-81ED-4DB2-BD59-A6C34878D82A}">
+                    <a16:rowId xmlns:a16="http://schemas.microsoft.com/office/drawing/2014/main" val="2536631634"/>
+                  </a:ext>
+                </a:extLst>
+              </a:tr>
+              <a:tr h="192540">
+                <a:tc>
+                  <a:txBody>
+                    <a:bodyPr/>
+                    <a:lstStyle/>
+                    <a:p>
+                      <a:pPr algn="ctr" latinLnBrk="1"/>
+                      <a:r>
+                        <a:rPr lang="en-US" altLang="ko-KR" sz="1200" dirty="0"/>
+                        <a:t>2-</a:t>
+                      </a:r>
+                      <a:r>
+                        <a:rPr lang="ko-KR" altLang="en-US" sz="1200" dirty="0"/>
+                        <a:t>이류</a:t>
+                      </a:r>
+                    </a:p>
+                  </a:txBody>
+                  <a:tcPr/>
+                </a:tc>
+                <a:tc>
+                  <a:txBody>
+                    <a:bodyPr/>
+                    <a:lstStyle/>
+                    <a:p>
+                      <a:pPr algn="ctr" latinLnBrk="1"/>
+                      <a:r>
+                        <a:rPr lang="en-US" altLang="ko-KR" sz="1200" dirty="0"/>
+                        <a:t>1,100</a:t>
+                      </a:r>
+                      <a:endParaRPr lang="ko-KR" altLang="en-US" sz="1200" dirty="0"/>
+                    </a:p>
+                  </a:txBody>
+                  <a:tcPr/>
+                </a:tc>
+                <a:tc>
+                  <a:txBody>
+                    <a:bodyPr/>
+                    <a:lstStyle/>
+                    <a:p>
+                      <a:pPr algn="ctr" latinLnBrk="1"/>
+                      <a:r>
+                        <a:rPr lang="en-US" altLang="ko-KR" sz="1200" dirty="0"/>
+                        <a:t>2,100</a:t>
+                      </a:r>
+                      <a:endParaRPr lang="ko-KR" altLang="en-US" sz="1200" dirty="0"/>
+                    </a:p>
+                  </a:txBody>
+                  <a:tcPr/>
+                </a:tc>
+                <a:extLst>
+                  <a:ext uri="{0D108BD9-81ED-4DB2-BD59-A6C34878D82A}">
+                    <a16:rowId xmlns:a16="http://schemas.microsoft.com/office/drawing/2014/main" val="1067192217"/>
+                  </a:ext>
+                </a:extLst>
+              </a:tr>
+              <a:tr h="192540">
+                <a:tc>
+                  <a:txBody>
+                    <a:bodyPr/>
+                    <a:lstStyle/>
+                    <a:p>
+                      <a:pPr algn="ctr" latinLnBrk="1"/>
+                      <a:r>
+                        <a:rPr lang="en-US" altLang="ko-KR" sz="1200" dirty="0"/>
+                        <a:t>3-</a:t>
+                      </a:r>
+                      <a:r>
+                        <a:rPr lang="ko-KR" altLang="en-US" sz="1200" dirty="0"/>
+                        <a:t>일류</a:t>
+                      </a:r>
+                    </a:p>
+                  </a:txBody>
+                  <a:tcPr/>
+                </a:tc>
+                <a:tc>
+                  <a:txBody>
+                    <a:bodyPr/>
+                    <a:lstStyle/>
+                    <a:p>
+                      <a:pPr algn="ctr" latinLnBrk="1"/>
+                      <a:r>
+                        <a:rPr lang="en-US" altLang="ko-KR" sz="1200" dirty="0"/>
+                        <a:t>1,210</a:t>
+                      </a:r>
+                      <a:endParaRPr lang="ko-KR" altLang="en-US" sz="1200" dirty="0"/>
+                    </a:p>
+                  </a:txBody>
+                  <a:tcPr/>
+                </a:tc>
+                <a:tc>
+                  <a:txBody>
+                    <a:bodyPr/>
+                    <a:lstStyle/>
+                    <a:p>
+                      <a:pPr algn="ctr" latinLnBrk="1"/>
+                      <a:r>
+                        <a:rPr lang="en-US" altLang="ko-KR" sz="1200" dirty="0"/>
+                        <a:t>3,310</a:t>
+                      </a:r>
+                      <a:endParaRPr lang="ko-KR" altLang="en-US" sz="1200" dirty="0"/>
+                    </a:p>
+                  </a:txBody>
+                  <a:tcPr/>
+                </a:tc>
+                <a:extLst>
+                  <a:ext uri="{0D108BD9-81ED-4DB2-BD59-A6C34878D82A}">
+                    <a16:rowId xmlns:a16="http://schemas.microsoft.com/office/drawing/2014/main" val="3536158017"/>
+                  </a:ext>
+                </a:extLst>
+              </a:tr>
+              <a:tr h="192540">
+                <a:tc>
+                  <a:txBody>
+                    <a:bodyPr/>
+                    <a:lstStyle/>
+                    <a:p>
+                      <a:pPr algn="ctr" latinLnBrk="1"/>
+                      <a:r>
+                        <a:rPr lang="en-US" altLang="ko-KR" sz="1200" dirty="0"/>
+                        <a:t>4-</a:t>
+                      </a:r>
+                      <a:r>
+                        <a:rPr lang="ko-KR" altLang="en-US" sz="1200" dirty="0"/>
+                        <a:t>절정</a:t>
+                      </a:r>
+                    </a:p>
+                  </a:txBody>
+                  <a:tcPr/>
+                </a:tc>
+                <a:tc>
+                  <a:txBody>
+                    <a:bodyPr/>
+                    <a:lstStyle/>
+                    <a:p>
+                      <a:pPr algn="ctr" latinLnBrk="1"/>
+                      <a:r>
+                        <a:rPr lang="en-US" altLang="ko-KR" sz="1200" dirty="0"/>
+                        <a:t>1,452</a:t>
+                      </a:r>
+                      <a:endParaRPr lang="ko-KR" altLang="en-US" sz="1200" dirty="0"/>
+                    </a:p>
+                  </a:txBody>
+                  <a:tcPr/>
+                </a:tc>
+                <a:tc>
+                  <a:txBody>
+                    <a:bodyPr/>
+                    <a:lstStyle/>
+                    <a:p>
+                      <a:pPr algn="ctr" latinLnBrk="1"/>
+                      <a:r>
+                        <a:rPr lang="en-US" altLang="ko-KR" sz="1200" dirty="0"/>
+                        <a:t>4,762</a:t>
+                      </a:r>
+                      <a:endParaRPr lang="ko-KR" altLang="en-US" sz="1200" dirty="0"/>
+                    </a:p>
+                  </a:txBody>
+                  <a:tcPr/>
+                </a:tc>
+                <a:extLst>
+                  <a:ext uri="{0D108BD9-81ED-4DB2-BD59-A6C34878D82A}">
+                    <a16:rowId xmlns:a16="http://schemas.microsoft.com/office/drawing/2014/main" val="670865266"/>
+                  </a:ext>
+                </a:extLst>
+              </a:tr>
+              <a:tr h="192540">
+                <a:tc>
+                  <a:txBody>
+                    <a:bodyPr/>
+                    <a:lstStyle/>
+                    <a:p>
+                      <a:pPr algn="ctr" latinLnBrk="1"/>
+                      <a:r>
+                        <a:rPr lang="en-US" altLang="ko-KR" sz="1200" dirty="0"/>
+                        <a:t>5-</a:t>
+                      </a:r>
+                      <a:r>
+                        <a:rPr lang="ko-KR" altLang="en-US" sz="1200" dirty="0" err="1"/>
+                        <a:t>초절정</a:t>
+                      </a:r>
+                      <a:endParaRPr lang="ko-KR" altLang="en-US" sz="1200" dirty="0"/>
+                    </a:p>
+                  </a:txBody>
+                  <a:tcPr/>
+                </a:tc>
+                <a:tc>
+                  <a:txBody>
+                    <a:bodyPr/>
+                    <a:lstStyle/>
+                    <a:p>
+                      <a:pPr algn="ctr" latinLnBrk="1"/>
+                      <a:r>
+                        <a:rPr lang="en-US" altLang="ko-KR" sz="1200" dirty="0"/>
+                        <a:t>1,887</a:t>
+                      </a:r>
+                      <a:endParaRPr lang="ko-KR" altLang="en-US" sz="1200" dirty="0"/>
+                    </a:p>
+                  </a:txBody>
+                  <a:tcPr/>
+                </a:tc>
+                <a:tc>
+                  <a:txBody>
+                    <a:bodyPr/>
+                    <a:lstStyle/>
+                    <a:p>
+                      <a:pPr algn="ctr" latinLnBrk="1"/>
+                      <a:r>
+                        <a:rPr lang="en-US" altLang="ko-KR" sz="1200" dirty="0"/>
+                        <a:t>6,649</a:t>
+                      </a:r>
+                      <a:endParaRPr lang="ko-KR" altLang="en-US" sz="1200" dirty="0"/>
+                    </a:p>
+                  </a:txBody>
+                  <a:tcPr/>
+                </a:tc>
+                <a:extLst>
+                  <a:ext uri="{0D108BD9-81ED-4DB2-BD59-A6C34878D82A}">
+                    <a16:rowId xmlns:a16="http://schemas.microsoft.com/office/drawing/2014/main" val="1797994364"/>
+                  </a:ext>
+                </a:extLst>
+              </a:tr>
+              <a:tr h="192540">
+                <a:tc>
+                  <a:txBody>
+                    <a:bodyPr/>
+                    <a:lstStyle/>
+                    <a:p>
+                      <a:pPr algn="ctr" latinLnBrk="1"/>
+                      <a:r>
+                        <a:rPr lang="en-US" altLang="ko-KR" sz="1200" dirty="0"/>
+                        <a:t>6-</a:t>
+                      </a:r>
+                      <a:r>
+                        <a:rPr lang="ko-KR" altLang="en-US" sz="1200" dirty="0"/>
+                        <a:t>화경</a:t>
+                      </a:r>
+                    </a:p>
+                  </a:txBody>
+                  <a:tcPr/>
+                </a:tc>
+                <a:tc>
+                  <a:txBody>
+                    <a:bodyPr/>
+                    <a:lstStyle/>
+                    <a:p>
+                      <a:pPr algn="ctr" latinLnBrk="1"/>
+                      <a:r>
+                        <a:rPr lang="en-US" altLang="ko-KR" sz="1200" dirty="0"/>
+                        <a:t>3,207</a:t>
+                      </a:r>
+                      <a:endParaRPr lang="ko-KR" altLang="en-US" sz="1200" dirty="0"/>
+                    </a:p>
+                  </a:txBody>
+                  <a:tcPr/>
+                </a:tc>
+                <a:tc>
+                  <a:txBody>
+                    <a:bodyPr/>
+                    <a:lstStyle/>
+                    <a:p>
+                      <a:pPr algn="ctr" latinLnBrk="1"/>
+                      <a:r>
+                        <a:rPr lang="en-US" altLang="ko-KR" sz="1200" dirty="0"/>
+                        <a:t>9,856</a:t>
+                      </a:r>
+                      <a:endParaRPr lang="ko-KR" altLang="en-US" sz="1200" dirty="0"/>
+                    </a:p>
+                  </a:txBody>
+                  <a:tcPr/>
+                </a:tc>
+                <a:extLst>
+                  <a:ext uri="{0D108BD9-81ED-4DB2-BD59-A6C34878D82A}">
+                    <a16:rowId xmlns:a16="http://schemas.microsoft.com/office/drawing/2014/main" val="3450706212"/>
+                  </a:ext>
+                </a:extLst>
+              </a:tr>
+              <a:tr h="192540">
+                <a:tc>
+                  <a:txBody>
+                    <a:bodyPr/>
+                    <a:lstStyle/>
+                    <a:p>
+                      <a:pPr algn="ctr" latinLnBrk="1"/>
+                      <a:r>
+                        <a:rPr lang="en-US" altLang="ko-KR" sz="1200" dirty="0"/>
+                        <a:t>7-</a:t>
+                      </a:r>
+                      <a:r>
+                        <a:rPr lang="ko-KR" altLang="en-US" sz="1200" dirty="0"/>
+                        <a:t>현경</a:t>
+                      </a:r>
+                      <a:endParaRPr lang="en-US" altLang="ko-KR" sz="1200" dirty="0"/>
+                    </a:p>
+                  </a:txBody>
+                  <a:tcPr/>
+                </a:tc>
+                <a:tc>
+                  <a:txBody>
+                    <a:bodyPr/>
+                    <a:lstStyle/>
+                    <a:p>
+                      <a:pPr algn="ctr" latinLnBrk="1"/>
+                      <a:r>
+                        <a:rPr lang="en-US" altLang="ko-KR" sz="1200" dirty="0"/>
+                        <a:t>4,810</a:t>
+                      </a:r>
+                      <a:endParaRPr lang="ko-KR" altLang="en-US" sz="1200" dirty="0"/>
+                    </a:p>
+                  </a:txBody>
+                  <a:tcPr/>
+                </a:tc>
+                <a:tc>
+                  <a:txBody>
+                    <a:bodyPr/>
+                    <a:lstStyle/>
+                    <a:p>
+                      <a:pPr algn="ctr" latinLnBrk="1"/>
+                      <a:r>
+                        <a:rPr lang="en-US" altLang="ko-KR" sz="1200" dirty="0"/>
+                        <a:t>14,666</a:t>
+                      </a:r>
+                      <a:endParaRPr lang="ko-KR" altLang="en-US" sz="1200" dirty="0"/>
+                    </a:p>
+                  </a:txBody>
+                  <a:tcPr/>
+                </a:tc>
+                <a:extLst>
+                  <a:ext uri="{0D108BD9-81ED-4DB2-BD59-A6C34878D82A}">
+                    <a16:rowId xmlns:a16="http://schemas.microsoft.com/office/drawing/2014/main" val="1604282810"/>
+                  </a:ext>
+                </a:extLst>
+              </a:tr>
+              <a:tr h="192540">
+                <a:tc>
+                  <a:txBody>
+                    <a:bodyPr/>
+                    <a:lstStyle/>
+                    <a:p>
+                      <a:pPr algn="ctr" latinLnBrk="1"/>
+                      <a:r>
+                        <a:rPr lang="en-US" altLang="ko-KR" sz="1200" dirty="0"/>
+                        <a:t>8-</a:t>
+                      </a:r>
+                      <a:r>
+                        <a:rPr lang="ko-KR" altLang="en-US" sz="1200" dirty="0"/>
+                        <a:t>생사경</a:t>
+                      </a:r>
+                      <a:endParaRPr lang="en-US" altLang="ko-KR" sz="1200" dirty="0"/>
+                    </a:p>
+                  </a:txBody>
+                  <a:tcPr/>
+                </a:tc>
+                <a:tc>
+                  <a:txBody>
+                    <a:bodyPr/>
+                    <a:lstStyle/>
+                    <a:p>
+                      <a:pPr algn="ctr" latinLnBrk="1"/>
+                      <a:r>
+                        <a:rPr lang="en-US" altLang="ko-KR" sz="1200" dirty="0"/>
+                        <a:t>10,000</a:t>
+                      </a:r>
+                      <a:endParaRPr lang="ko-KR" altLang="en-US" sz="1200" dirty="0"/>
+                    </a:p>
+                  </a:txBody>
+                  <a:tcPr/>
+                </a:tc>
+                <a:tc>
+                  <a:txBody>
+                    <a:bodyPr/>
+                    <a:lstStyle/>
+                    <a:p>
+                      <a:pPr marL="0" marR="0" lvl="0" indent="0" algn="ctr" defTabSz="914400" rtl="0" eaLnBrk="1" fontAlgn="auto" latinLnBrk="1" hangingPunct="1">
+                        <a:lnSpc>
+                          <a:spcPct val="100000"/>
+                        </a:lnSpc>
+                        <a:spcBef>
+                          <a:spcPts val="0"/>
+                        </a:spcBef>
+                        <a:spcAft>
+                          <a:spcPts val="0"/>
+                        </a:spcAft>
+                        <a:buClrTx/>
+                        <a:buSzTx/>
+                        <a:buFontTx/>
+                        <a:buNone/>
+                        <a:tabLst/>
+                        <a:defRPr/>
+                      </a:pPr>
+                      <a:r>
+                        <a:rPr lang="en-US" altLang="ko-KR" sz="1200" dirty="0"/>
+                        <a:t>24,666</a:t>
+                      </a:r>
+                      <a:endParaRPr lang="ko-KR" altLang="en-US" sz="1200" dirty="0"/>
+                    </a:p>
+                  </a:txBody>
+                  <a:tcPr/>
+                </a:tc>
+                <a:extLst>
+                  <a:ext uri="{0D108BD9-81ED-4DB2-BD59-A6C34878D82A}">
+                    <a16:rowId xmlns:a16="http://schemas.microsoft.com/office/drawing/2014/main" val="4172823172"/>
+                  </a:ext>
+                </a:extLst>
+              </a:tr>
+            </a:tbl>
+          </a:graphicData>
+        </a:graphic>
+      </p:graphicFrame>
+    </p:spTree>
+    <p:extLst>
+      <p:ext uri="{BB962C8B-B14F-4D97-AF65-F5344CB8AC3E}">
+        <p14:creationId xmlns:p14="http://schemas.microsoft.com/office/powerpoint/2010/main" val="3552076277"/>
+      </p:ext>
+    </p:extLst>
+  </p:cSld>
+  <p:clrMapOvr>
+    <a:masterClrMapping/>
+  </p:clrMapOvr>
+</p:sld>
+</file>
+
+<file path=ppt/slides/slide5.xml><?xml version="1.0" encoding="utf-8"?>
+<p:sld xmlns:a="http://schemas.openxmlformats.org/drawingml/2006/main" xmlns:r="http://schemas.openxmlformats.org/officeDocument/2006/relationships" xmlns:p="http://schemas.openxmlformats.org/presentationml/2006/main">
+  <p:cSld>
+    <p:spTree>
+      <p:nvGrpSpPr>
+        <p:cNvPr id="1" name=""/>
+        <p:cNvGrpSpPr/>
+        <p:nvPr/>
+      </p:nvGrpSpPr>
+      <p:grpSpPr>
+        <a:xfrm>
+          <a:off x="0" y="0"/>
+          <a:ext cx="0" cy="0"/>
+          <a:chOff x="0" y="0"/>
+          <a:chExt cx="0" cy="0"/>
+        </a:xfrm>
+      </p:grpSpPr>
+      <p:sp>
+        <p:nvSpPr>
+          <p:cNvPr id="15" name="제목 1">
+            <a:extLst>
+              <a:ext uri="{FF2B5EF4-FFF2-40B4-BE49-F238E27FC236}">
+                <a16:creationId xmlns:a16="http://schemas.microsoft.com/office/drawing/2014/main" id="{D6934511-6C2D-4418-82E4-20F329A1F4E1}"/>
+              </a:ext>
+            </a:extLst>
+          </p:cNvPr>
+          <p:cNvSpPr txBox="1">
+            <a:spLocks/>
+          </p:cNvSpPr>
+          <p:nvPr/>
+        </p:nvSpPr>
+        <p:spPr>
+          <a:xfrm>
+            <a:off x="695325" y="291904"/>
+            <a:ext cx="10801350" cy="861646"/>
+          </a:xfrm>
+          <a:prstGeom prst="rect">
+            <a:avLst/>
+          </a:prstGeom>
+        </p:spPr>
+        <p:txBody>
+          <a:bodyPr vert="horz" lIns="91440" tIns="45720" rIns="91440" bIns="45720" rtlCol="0" anchor="ctr">
+            <a:normAutofit/>
+          </a:bodyPr>
+          <a:lstStyle>
+            <a:lvl1pPr algn="l" defTabSz="914400" rtl="0" eaLnBrk="1" latinLnBrk="1" hangingPunct="1">
+              <a:lnSpc>
+                <a:spcPct val="90000"/>
+              </a:lnSpc>
+              <a:spcBef>
+                <a:spcPct val="0"/>
+              </a:spcBef>
+              <a:buNone/>
+              <a:defRPr sz="4400" kern="1200">
+                <a:solidFill>
+                  <a:schemeClr val="tx1"/>
+                </a:solidFill>
+                <a:latin typeface="+mj-lt"/>
+                <a:ea typeface="+mj-ea"/>
+                <a:cs typeface="+mj-cs"/>
+              </a:defRPr>
+            </a:lvl1pPr>
+          </a:lstStyle>
+          <a:p>
+            <a:r>
+              <a:rPr lang="ko-KR" altLang="en-US" dirty="0"/>
+              <a:t>레벨 별 요소</a:t>
+            </a:r>
+          </a:p>
+        </p:txBody>
+      </p:sp>
+      <p:graphicFrame>
+        <p:nvGraphicFramePr>
+          <p:cNvPr id="5" name="표 6">
+            <a:extLst>
+              <a:ext uri="{FF2B5EF4-FFF2-40B4-BE49-F238E27FC236}">
+                <a16:creationId xmlns:a16="http://schemas.microsoft.com/office/drawing/2014/main" id="{D8C7BAA7-36F0-40B6-A18E-1F40EE4859AB}"/>
+              </a:ext>
+            </a:extLst>
+          </p:cNvPr>
+          <p:cNvGraphicFramePr>
+            <a:graphicFrameLocks noGrp="1"/>
+          </p:cNvGraphicFramePr>
+          <p:nvPr>
+            <p:extLst>
+              <p:ext uri="{D42A27DB-BD31-4B8C-83A1-F6EECF244321}">
+                <p14:modId xmlns:p14="http://schemas.microsoft.com/office/powerpoint/2010/main" val="924238681"/>
+              </p:ext>
+            </p:extLst>
+          </p:nvPr>
+        </p:nvGraphicFramePr>
+        <p:xfrm>
+          <a:off x="695326" y="1163711"/>
+          <a:ext cx="3411536" cy="2377440"/>
+        </p:xfrm>
+        <a:graphic>
+          <a:graphicData uri="http://schemas.openxmlformats.org/drawingml/2006/table">
+            <a:tbl>
+              <a:tblPr firstRow="1" bandRow="1">
+                <a:tableStyleId>{5C22544A-7EE6-4342-B048-85BDC9FD1C3A}</a:tableStyleId>
+              </a:tblPr>
+              <a:tblGrid>
+                <a:gridCol w="1137178">
+                  <a:extLst>
+                    <a:ext uri="{9D8B030D-6E8A-4147-A177-3AD203B41FA5}">
+                      <a16:colId xmlns:a16="http://schemas.microsoft.com/office/drawing/2014/main" val="2957389399"/>
+                    </a:ext>
+                  </a:extLst>
+                </a:gridCol>
+                <a:gridCol w="568590">
+                  <a:extLst>
+                    <a:ext uri="{9D8B030D-6E8A-4147-A177-3AD203B41FA5}">
+                      <a16:colId xmlns:a16="http://schemas.microsoft.com/office/drawing/2014/main" val="501512840"/>
+                    </a:ext>
+                  </a:extLst>
+                </a:gridCol>
+                <a:gridCol w="568590">
+                  <a:extLst>
+                    <a:ext uri="{9D8B030D-6E8A-4147-A177-3AD203B41FA5}">
+                      <a16:colId xmlns:a16="http://schemas.microsoft.com/office/drawing/2014/main" val="2187351889"/>
+                    </a:ext>
+                  </a:extLst>
+                </a:gridCol>
+                <a:gridCol w="1137178">
+                  <a:extLst>
+                    <a:ext uri="{9D8B030D-6E8A-4147-A177-3AD203B41FA5}">
+                      <a16:colId xmlns:a16="http://schemas.microsoft.com/office/drawing/2014/main" val="3889676530"/>
+                    </a:ext>
+                  </a:extLst>
+                </a:gridCol>
+              </a:tblGrid>
+              <a:tr h="0">
+                <a:tc gridSpan="4">
+                  <a:txBody>
+                    <a:bodyPr/>
+                    <a:lstStyle/>
+                    <a:p>
+                      <a:pPr marL="0" marR="0" lvl="0" indent="0" algn="l" defTabSz="914400" rtl="0" eaLnBrk="1" fontAlgn="auto" latinLnBrk="1" hangingPunct="1">
+                        <a:lnSpc>
+                          <a:spcPct val="100000"/>
+                        </a:lnSpc>
+                        <a:spcBef>
+                          <a:spcPts val="0"/>
+                        </a:spcBef>
+                        <a:spcAft>
+                          <a:spcPts val="0"/>
+                        </a:spcAft>
+                        <a:buClrTx/>
+                        <a:buSzTx/>
+                        <a:buFontTx/>
+                        <a:buNone/>
+                        <a:tabLst/>
+                        <a:defRPr/>
+                      </a:pPr>
+                      <a:r>
+                        <a:rPr lang="ko-KR" altLang="en-US" b="1" dirty="0">
+                          <a:solidFill>
+                            <a:schemeClr val="bg1"/>
+                          </a:solidFill>
+                        </a:rPr>
+                        <a:t>레벨 업 연출</a:t>
+                      </a:r>
+                    </a:p>
+                  </a:txBody>
+                  <a:tcPr/>
+                </a:tc>
+                <a:tc hMerge="1">
+                  <a:txBody>
+                    <a:bodyPr/>
+                    <a:lstStyle/>
+                    <a:p>
+                      <a:pPr latinLnBrk="1"/>
+                      <a:endParaRPr lang="ko-KR" altLang="en-US"/>
+                    </a:p>
+                  </a:txBody>
+                  <a:tcPr/>
+                </a:tc>
+                <a:tc hMerge="1">
+                  <a:txBody>
+                    <a:bodyPr/>
+                    <a:lstStyle/>
+                    <a:p>
+                      <a:pPr latinLnBrk="1"/>
+                      <a:endParaRPr lang="ko-KR" altLang="en-US"/>
+                    </a:p>
+                  </a:txBody>
+                  <a:tcPr/>
+                </a:tc>
+                <a:tc hMerge="1">
+                  <a:txBody>
+                    <a:bodyPr/>
+                    <a:lstStyle/>
+                    <a:p>
+                      <a:pPr latinLnBrk="1"/>
+                      <a:endParaRPr lang="ko-KR" altLang="en-US"/>
+                    </a:p>
+                  </a:txBody>
+                  <a:tcPr/>
+                </a:tc>
+                <a:extLst>
+                  <a:ext uri="{0D108BD9-81ED-4DB2-BD59-A6C34878D82A}">
+                    <a16:rowId xmlns:a16="http://schemas.microsoft.com/office/drawing/2014/main" val="3831819524"/>
+                  </a:ext>
+                </a:extLst>
+              </a:tr>
+              <a:tr h="0">
+                <a:tc gridSpan="2">
+                  <a:txBody>
+                    <a:bodyPr/>
+                    <a:lstStyle/>
+                    <a:p>
+                      <a:pPr marL="0" marR="0" lvl="0" indent="0" algn="ctr" defTabSz="914400" rtl="0" eaLnBrk="1" fontAlgn="auto" latinLnBrk="1" hangingPunct="1">
+                        <a:lnSpc>
+                          <a:spcPct val="100000"/>
+                        </a:lnSpc>
+                        <a:spcBef>
+                          <a:spcPts val="0"/>
+                        </a:spcBef>
+                        <a:spcAft>
+                          <a:spcPts val="0"/>
+                        </a:spcAft>
+                        <a:buClrTx/>
+                        <a:buSzTx/>
+                        <a:buFontTx/>
+                        <a:buNone/>
+                        <a:tabLst/>
+                        <a:defRPr/>
+                      </a:pPr>
+                      <a:r>
+                        <a:rPr kumimoji="0" lang="en-US" altLang="ko-KR" sz="1200" b="0" i="0" u="none" strike="noStrike" kern="1200" cap="none" spc="0" normalizeH="0" baseline="0" noProof="0" dirty="0">
+                          <a:ln>
+                            <a:noFill/>
+                          </a:ln>
+                          <a:solidFill>
+                            <a:schemeClr val="tx1"/>
+                          </a:solidFill>
+                          <a:effectLst/>
+                          <a:uLnTx/>
+                          <a:uFillTx/>
+                          <a:latin typeface="+mn-lt"/>
+                          <a:ea typeface="+mn-ea"/>
+                          <a:cs typeface="+mn-cs"/>
+                        </a:rPr>
+                        <a:t>1</a:t>
+                      </a:r>
+                      <a:r>
+                        <a:rPr kumimoji="0" lang="ko-KR" altLang="en-US" sz="1200" b="0" i="0" u="none" strike="noStrike" kern="1200" cap="none" spc="0" normalizeH="0" baseline="0" noProof="0" dirty="0">
+                          <a:ln>
+                            <a:noFill/>
+                          </a:ln>
+                          <a:solidFill>
+                            <a:schemeClr val="tx1"/>
+                          </a:solidFill>
+                          <a:effectLst/>
+                          <a:uLnTx/>
+                          <a:uFillTx/>
+                          <a:latin typeface="+mn-lt"/>
+                          <a:ea typeface="+mn-ea"/>
+                          <a:cs typeface="+mn-cs"/>
+                        </a:rPr>
+                        <a:t>→</a:t>
+                      </a:r>
+                      <a:r>
+                        <a:rPr kumimoji="0" lang="en-US" altLang="ko-KR" sz="1200" b="0" i="0" u="none" strike="noStrike" kern="1200" cap="none" spc="0" normalizeH="0" baseline="0" noProof="0" dirty="0">
+                          <a:ln>
+                            <a:noFill/>
+                          </a:ln>
+                          <a:solidFill>
+                            <a:schemeClr val="tx1"/>
+                          </a:solidFill>
+                          <a:effectLst/>
+                          <a:uLnTx/>
+                          <a:uFillTx/>
+                          <a:latin typeface="+mn-lt"/>
+                          <a:ea typeface="+mn-ea"/>
+                          <a:cs typeface="+mn-cs"/>
+                        </a:rPr>
+                        <a:t>2</a:t>
+                      </a:r>
+                      <a:endParaRPr lang="ko-KR" altLang="en-US" sz="1200" b="0" dirty="0">
+                        <a:solidFill>
+                          <a:schemeClr val="tx1"/>
+                        </a:solidFill>
+                      </a:endParaRPr>
+                    </a:p>
+                  </a:txBody>
+                  <a:tcPr anchor="ctr"/>
+                </a:tc>
+                <a:tc hMerge="1">
+                  <a:txBody>
+                    <a:bodyPr/>
+                    <a:lstStyle/>
+                    <a:p>
+                      <a:pPr latinLnBrk="1"/>
+                      <a:endParaRPr lang="ko-KR" altLang="en-US"/>
+                    </a:p>
+                  </a:txBody>
+                  <a:tcPr/>
+                </a:tc>
+                <a:tc gridSpan="2">
+                  <a:txBody>
+                    <a:bodyPr/>
+                    <a:lstStyle/>
+                    <a:p>
+                      <a:pPr algn="ctr" latinLnBrk="1"/>
+                      <a:r>
+                        <a:rPr kumimoji="0" lang="en-US" altLang="ko-KR" sz="1200" b="0" i="0" u="none" strike="noStrike" kern="1200" cap="none" spc="0" normalizeH="0" baseline="0" noProof="0" dirty="0">
+                          <a:ln>
+                            <a:noFill/>
+                          </a:ln>
+                          <a:solidFill>
+                            <a:schemeClr val="tx1"/>
+                          </a:solidFill>
+                          <a:effectLst/>
+                          <a:uLnTx/>
+                          <a:uFillTx/>
+                          <a:latin typeface="+mn-lt"/>
+                          <a:ea typeface="+mn-ea"/>
+                          <a:cs typeface="+mn-cs"/>
+                        </a:rPr>
+                        <a:t>2</a:t>
+                      </a:r>
+                      <a:r>
+                        <a:rPr kumimoji="0" lang="ko-KR" altLang="en-US" sz="1200" b="0" i="0" u="none" strike="noStrike" kern="1200" cap="none" spc="0" normalizeH="0" baseline="0" noProof="0" dirty="0">
+                          <a:ln>
+                            <a:noFill/>
+                          </a:ln>
+                          <a:solidFill>
+                            <a:schemeClr val="tx1"/>
+                          </a:solidFill>
+                          <a:effectLst/>
+                          <a:uLnTx/>
+                          <a:uFillTx/>
+                          <a:latin typeface="+mn-lt"/>
+                          <a:ea typeface="+mn-ea"/>
+                          <a:cs typeface="+mn-cs"/>
+                        </a:rPr>
+                        <a:t>→</a:t>
+                      </a:r>
+                      <a:r>
+                        <a:rPr kumimoji="0" lang="en-US" altLang="ko-KR" sz="1200" b="0" i="0" u="none" strike="noStrike" kern="1200" cap="none" spc="0" normalizeH="0" baseline="0" noProof="0" dirty="0">
+                          <a:ln>
+                            <a:noFill/>
+                          </a:ln>
+                          <a:solidFill>
+                            <a:schemeClr val="tx1"/>
+                          </a:solidFill>
+                          <a:effectLst/>
+                          <a:uLnTx/>
+                          <a:uFillTx/>
+                          <a:latin typeface="+mn-lt"/>
+                          <a:ea typeface="+mn-ea"/>
+                          <a:cs typeface="+mn-cs"/>
+                        </a:rPr>
+                        <a:t>3</a:t>
+                      </a:r>
+                      <a:endParaRPr lang="ko-KR" altLang="en-US" sz="1200" dirty="0"/>
+                    </a:p>
+                  </a:txBody>
+                  <a:tcPr anchor="ctr"/>
+                </a:tc>
+                <a:tc hMerge="1">
+                  <a:txBody>
+                    <a:bodyPr/>
+                    <a:lstStyle/>
+                    <a:p>
+                      <a:pPr latinLnBrk="1"/>
+                      <a:endParaRPr lang="ko-KR" altLang="en-US"/>
+                    </a:p>
+                  </a:txBody>
+                  <a:tcPr/>
+                </a:tc>
+                <a:extLst>
+                  <a:ext uri="{0D108BD9-81ED-4DB2-BD59-A6C34878D82A}">
+                    <a16:rowId xmlns:a16="http://schemas.microsoft.com/office/drawing/2014/main" val="1360677768"/>
+                  </a:ext>
+                </a:extLst>
+              </a:tr>
+              <a:tr h="0">
+                <a:tc gridSpan="4">
+                  <a:txBody>
+                    <a:bodyPr/>
+                    <a:lstStyle/>
+                    <a:p>
+                      <a:pPr algn="ctr" latinLnBrk="1"/>
+                      <a:r>
+                        <a:rPr lang="ko-KR" altLang="en-US" sz="1200" dirty="0"/>
+                        <a:t>가볍게 바람이 캐릭터로 모이는 연출</a:t>
+                      </a:r>
+                    </a:p>
+                  </a:txBody>
+                  <a:tcPr anchor="ctr"/>
+                </a:tc>
+                <a:tc hMerge="1">
+                  <a:txBody>
+                    <a:bodyPr/>
+                    <a:lstStyle/>
+                    <a:p>
+                      <a:pPr latinLnBrk="1"/>
+                      <a:endParaRPr lang="ko-KR" altLang="en-US"/>
+                    </a:p>
+                  </a:txBody>
+                  <a:tcPr/>
+                </a:tc>
+                <a:tc hMerge="1">
+                  <a:txBody>
+                    <a:bodyPr/>
+                    <a:lstStyle/>
+                    <a:p>
+                      <a:pPr latinLnBrk="1"/>
+                      <a:endParaRPr lang="ko-KR" altLang="en-US" dirty="0"/>
+                    </a:p>
+                  </a:txBody>
+                  <a:tcPr/>
+                </a:tc>
+                <a:tc hMerge="1">
+                  <a:txBody>
+                    <a:bodyPr/>
+                    <a:lstStyle/>
+                    <a:p>
+                      <a:pPr latinLnBrk="1"/>
+                      <a:endParaRPr lang="ko-KR" altLang="en-US"/>
+                    </a:p>
+                  </a:txBody>
+                  <a:tcPr/>
+                </a:tc>
+                <a:extLst>
+                  <a:ext uri="{0D108BD9-81ED-4DB2-BD59-A6C34878D82A}">
+                    <a16:rowId xmlns:a16="http://schemas.microsoft.com/office/drawing/2014/main" val="997603814"/>
+                  </a:ext>
+                </a:extLst>
+              </a:tr>
+              <a:tr h="0">
+                <a:tc>
+                  <a:txBody>
+                    <a:bodyPr/>
+                    <a:lstStyle/>
+                    <a:p>
+                      <a:pPr marL="0" marR="0" lvl="0" indent="0" algn="ctr" defTabSz="914400" rtl="0" eaLnBrk="1" fontAlgn="auto" latinLnBrk="1" hangingPunct="1">
+                        <a:lnSpc>
+                          <a:spcPct val="100000"/>
+                        </a:lnSpc>
+                        <a:spcBef>
+                          <a:spcPts val="0"/>
+                        </a:spcBef>
+                        <a:spcAft>
+                          <a:spcPts val="0"/>
+                        </a:spcAft>
+                        <a:buClrTx/>
+                        <a:buSzTx/>
+                        <a:buFontTx/>
+                        <a:buNone/>
+                        <a:tabLst/>
+                        <a:defRPr/>
+                      </a:pPr>
+                      <a:r>
+                        <a:rPr kumimoji="0" lang="en-US" altLang="ko-KR" sz="1200" b="0" i="0" u="none" strike="noStrike" kern="1200" cap="none" spc="0" normalizeH="0" baseline="0" noProof="0" dirty="0">
+                          <a:ln>
+                            <a:noFill/>
+                          </a:ln>
+                          <a:solidFill>
+                            <a:schemeClr val="tx1"/>
+                          </a:solidFill>
+                          <a:effectLst/>
+                          <a:uLnTx/>
+                          <a:uFillTx/>
+                          <a:latin typeface="+mn-lt"/>
+                          <a:ea typeface="+mn-ea"/>
+                          <a:cs typeface="+mn-cs"/>
+                        </a:rPr>
+                        <a:t>3</a:t>
+                      </a:r>
+                      <a:r>
+                        <a:rPr kumimoji="0" lang="ko-KR" altLang="en-US" sz="1200" b="0" i="0" u="none" strike="noStrike" kern="1200" cap="none" spc="0" normalizeH="0" baseline="0" noProof="0" dirty="0">
+                          <a:ln>
+                            <a:noFill/>
+                          </a:ln>
+                          <a:solidFill>
+                            <a:schemeClr val="tx1"/>
+                          </a:solidFill>
+                          <a:effectLst/>
+                          <a:uLnTx/>
+                          <a:uFillTx/>
+                          <a:latin typeface="+mn-lt"/>
+                          <a:ea typeface="+mn-ea"/>
+                          <a:cs typeface="+mn-cs"/>
+                        </a:rPr>
+                        <a:t>→</a:t>
+                      </a:r>
+                      <a:r>
+                        <a:rPr kumimoji="0" lang="en-US" altLang="ko-KR" sz="1200" b="0" i="0" u="none" strike="noStrike" kern="1200" cap="none" spc="0" normalizeH="0" baseline="0" noProof="0" dirty="0">
+                          <a:ln>
+                            <a:noFill/>
+                          </a:ln>
+                          <a:solidFill>
+                            <a:schemeClr val="tx1"/>
+                          </a:solidFill>
+                          <a:effectLst/>
+                          <a:uLnTx/>
+                          <a:uFillTx/>
+                          <a:latin typeface="+mn-lt"/>
+                          <a:ea typeface="+mn-ea"/>
+                          <a:cs typeface="+mn-cs"/>
+                        </a:rPr>
+                        <a:t>4</a:t>
+                      </a:r>
+                    </a:p>
+                  </a:txBody>
+                  <a:tcPr anchor="ctr"/>
+                </a:tc>
+                <a:tc gridSpan="2">
+                  <a:txBody>
+                    <a:bodyPr/>
+                    <a:lstStyle/>
+                    <a:p>
+                      <a:pPr marL="0" marR="0" lvl="0" indent="0" algn="ctr" defTabSz="914400" rtl="0" eaLnBrk="1" fontAlgn="auto" latinLnBrk="1" hangingPunct="1">
+                        <a:lnSpc>
+                          <a:spcPct val="100000"/>
+                        </a:lnSpc>
+                        <a:spcBef>
+                          <a:spcPts val="0"/>
+                        </a:spcBef>
+                        <a:spcAft>
+                          <a:spcPts val="0"/>
+                        </a:spcAft>
+                        <a:buClrTx/>
+                        <a:buSzTx/>
+                        <a:buFontTx/>
+                        <a:buNone/>
+                        <a:tabLst/>
+                        <a:defRPr/>
+                      </a:pPr>
+                      <a:r>
+                        <a:rPr kumimoji="0" lang="en-US" altLang="ko-KR" sz="1200" b="0" i="0" u="none" strike="noStrike" kern="1200" cap="none" spc="0" normalizeH="0" baseline="0" noProof="0" dirty="0">
+                          <a:ln>
+                            <a:noFill/>
+                          </a:ln>
+                          <a:solidFill>
+                            <a:schemeClr val="tx1"/>
+                          </a:solidFill>
+                          <a:effectLst/>
+                          <a:uLnTx/>
+                          <a:uFillTx/>
+                          <a:latin typeface="+mn-lt"/>
+                          <a:ea typeface="+mn-ea"/>
+                          <a:cs typeface="+mn-cs"/>
+                        </a:rPr>
+                        <a:t>4</a:t>
+                      </a:r>
+                      <a:r>
+                        <a:rPr kumimoji="0" lang="ko-KR" altLang="en-US" sz="1200" b="0" i="0" u="none" strike="noStrike" kern="1200" cap="none" spc="0" normalizeH="0" baseline="0" noProof="0" dirty="0">
+                          <a:ln>
+                            <a:noFill/>
+                          </a:ln>
+                          <a:solidFill>
+                            <a:schemeClr val="tx1"/>
+                          </a:solidFill>
+                          <a:effectLst/>
+                          <a:uLnTx/>
+                          <a:uFillTx/>
+                          <a:latin typeface="+mn-lt"/>
+                          <a:ea typeface="+mn-ea"/>
+                          <a:cs typeface="+mn-cs"/>
+                        </a:rPr>
+                        <a:t>→</a:t>
+                      </a:r>
+                      <a:r>
+                        <a:rPr kumimoji="0" lang="en-US" altLang="ko-KR" sz="1200" b="0" i="0" u="none" strike="noStrike" kern="1200" cap="none" spc="0" normalizeH="0" baseline="0" noProof="0" dirty="0">
+                          <a:ln>
+                            <a:noFill/>
+                          </a:ln>
+                          <a:solidFill>
+                            <a:schemeClr val="tx1"/>
+                          </a:solidFill>
+                          <a:effectLst/>
+                          <a:uLnTx/>
+                          <a:uFillTx/>
+                          <a:latin typeface="+mn-lt"/>
+                          <a:ea typeface="+mn-ea"/>
+                          <a:cs typeface="+mn-cs"/>
+                        </a:rPr>
+                        <a:t>5</a:t>
+                      </a:r>
+                    </a:p>
+                  </a:txBody>
+                  <a:tcPr anchor="ctr"/>
+                </a:tc>
+                <a:tc hMerge="1">
+                  <a:txBody>
+                    <a:bodyPr/>
+                    <a:lstStyle/>
+                    <a:p>
+                      <a:pPr marL="0" marR="0" lvl="0" indent="0" algn="l" defTabSz="914400" rtl="0" eaLnBrk="1" fontAlgn="auto" latinLnBrk="1" hangingPunct="1">
+                        <a:lnSpc>
+                          <a:spcPct val="100000"/>
+                        </a:lnSpc>
+                        <a:spcBef>
+                          <a:spcPts val="0"/>
+                        </a:spcBef>
+                        <a:spcAft>
+                          <a:spcPts val="0"/>
+                        </a:spcAft>
+                        <a:buClrTx/>
+                        <a:buSzTx/>
+                        <a:buFontTx/>
+                        <a:buNone/>
+                        <a:tabLst/>
+                        <a:defRPr/>
+                      </a:pPr>
+                      <a:endParaRPr lang="ko-KR" altLang="en-US" b="0" dirty="0">
+                        <a:solidFill>
+                          <a:schemeClr val="tx1"/>
+                        </a:solidFill>
+                      </a:endParaRPr>
+                    </a:p>
+                  </a:txBody>
+                  <a:tcPr/>
+                </a:tc>
+                <a:tc>
+                  <a:txBody>
+                    <a:bodyPr/>
+                    <a:lstStyle/>
+                    <a:p>
+                      <a:pPr marL="0" marR="0" lvl="0" indent="0" algn="ctr" defTabSz="914400" rtl="0" eaLnBrk="1" fontAlgn="auto" latinLnBrk="1" hangingPunct="1">
+                        <a:lnSpc>
+                          <a:spcPct val="100000"/>
+                        </a:lnSpc>
+                        <a:spcBef>
+                          <a:spcPts val="0"/>
+                        </a:spcBef>
+                        <a:spcAft>
+                          <a:spcPts val="0"/>
+                        </a:spcAft>
+                        <a:buClrTx/>
+                        <a:buSzTx/>
+                        <a:buFontTx/>
+                        <a:buNone/>
+                        <a:tabLst/>
+                        <a:defRPr/>
+                      </a:pPr>
+                      <a:r>
+                        <a:rPr kumimoji="0" lang="en-US" altLang="ko-KR" sz="1200" b="0" i="0" u="none" strike="noStrike" kern="1200" cap="none" spc="0" normalizeH="0" baseline="0" noProof="0" dirty="0">
+                          <a:ln>
+                            <a:noFill/>
+                          </a:ln>
+                          <a:solidFill>
+                            <a:schemeClr val="tx1"/>
+                          </a:solidFill>
+                          <a:effectLst/>
+                          <a:uLnTx/>
+                          <a:uFillTx/>
+                          <a:latin typeface="+mn-lt"/>
+                          <a:ea typeface="+mn-ea"/>
+                          <a:cs typeface="+mn-cs"/>
+                        </a:rPr>
+                        <a:t>5</a:t>
+                      </a:r>
+                      <a:r>
+                        <a:rPr kumimoji="0" lang="ko-KR" altLang="en-US" sz="1200" b="0" i="0" u="none" strike="noStrike" kern="1200" cap="none" spc="0" normalizeH="0" baseline="0" noProof="0" dirty="0">
+                          <a:ln>
+                            <a:noFill/>
+                          </a:ln>
+                          <a:solidFill>
+                            <a:schemeClr val="tx1"/>
+                          </a:solidFill>
+                          <a:effectLst/>
+                          <a:uLnTx/>
+                          <a:uFillTx/>
+                          <a:latin typeface="+mn-lt"/>
+                          <a:ea typeface="+mn-ea"/>
+                          <a:cs typeface="+mn-cs"/>
+                        </a:rPr>
+                        <a:t>→</a:t>
+                      </a:r>
+                      <a:r>
+                        <a:rPr kumimoji="0" lang="en-US" altLang="ko-KR" sz="1200" b="0" i="0" u="none" strike="noStrike" kern="1200" cap="none" spc="0" normalizeH="0" baseline="0" noProof="0" dirty="0">
+                          <a:ln>
+                            <a:noFill/>
+                          </a:ln>
+                          <a:solidFill>
+                            <a:schemeClr val="tx1"/>
+                          </a:solidFill>
+                          <a:effectLst/>
+                          <a:uLnTx/>
+                          <a:uFillTx/>
+                          <a:latin typeface="+mn-lt"/>
+                          <a:ea typeface="+mn-ea"/>
+                          <a:cs typeface="+mn-cs"/>
+                        </a:rPr>
+                        <a:t>6</a:t>
+                      </a:r>
+                      <a:endParaRPr lang="ko-KR" altLang="en-US" sz="1200" b="0" u="none" dirty="0">
+                        <a:solidFill>
+                          <a:schemeClr val="tx1"/>
+                        </a:solidFill>
+                      </a:endParaRPr>
+                    </a:p>
+                  </a:txBody>
+                  <a:tcPr anchor="ctr"/>
+                </a:tc>
+                <a:extLst>
+                  <a:ext uri="{0D108BD9-81ED-4DB2-BD59-A6C34878D82A}">
+                    <a16:rowId xmlns:a16="http://schemas.microsoft.com/office/drawing/2014/main" val="3602933118"/>
+                  </a:ext>
+                </a:extLst>
+              </a:tr>
+              <a:tr h="0">
+                <a:tc gridSpan="4">
+                  <a:txBody>
+                    <a:bodyPr/>
+                    <a:lstStyle/>
+                    <a:p>
+                      <a:pPr algn="ctr" latinLnBrk="1"/>
+                      <a:r>
+                        <a:rPr lang="ko-KR" altLang="en-US" sz="1200" dirty="0"/>
+                        <a:t>바람이 캐릭터로 모이며 </a:t>
+                      </a:r>
+                      <a:endParaRPr lang="en-US" altLang="ko-KR" sz="1200" dirty="0"/>
+                    </a:p>
+                    <a:p>
+                      <a:pPr algn="ctr" latinLnBrk="1"/>
+                      <a:r>
+                        <a:rPr lang="ko-KR" altLang="en-US" sz="1200" dirty="0"/>
+                        <a:t>기가 모이는 연출</a:t>
+                      </a:r>
+                    </a:p>
+                  </a:txBody>
+                  <a:tcPr anchor="ctr"/>
+                </a:tc>
+                <a:tc hMerge="1">
+                  <a:txBody>
+                    <a:bodyPr/>
+                    <a:lstStyle/>
+                    <a:p>
+                      <a:pPr latinLnBrk="1"/>
+                      <a:endParaRPr lang="ko-KR" altLang="en-US"/>
+                    </a:p>
+                  </a:txBody>
+                  <a:tcPr/>
+                </a:tc>
+                <a:tc hMerge="1">
+                  <a:txBody>
+                    <a:bodyPr/>
+                    <a:lstStyle/>
+                    <a:p>
+                      <a:pPr latinLnBrk="1"/>
+                      <a:endParaRPr lang="ko-KR" altLang="en-US" dirty="0"/>
+                    </a:p>
+                  </a:txBody>
+                  <a:tcPr/>
+                </a:tc>
+                <a:tc hMerge="1">
+                  <a:txBody>
+                    <a:bodyPr/>
+                    <a:lstStyle/>
+                    <a:p>
+                      <a:pPr latinLnBrk="1"/>
+                      <a:endParaRPr lang="ko-KR" altLang="en-US"/>
+                    </a:p>
+                  </a:txBody>
+                  <a:tcPr/>
+                </a:tc>
+                <a:extLst>
+                  <a:ext uri="{0D108BD9-81ED-4DB2-BD59-A6C34878D82A}">
+                    <a16:rowId xmlns:a16="http://schemas.microsoft.com/office/drawing/2014/main" val="1427475750"/>
+                  </a:ext>
+                </a:extLst>
+              </a:tr>
+              <a:tr h="0">
+                <a:tc gridSpan="2">
+                  <a:txBody>
+                    <a:bodyPr/>
+                    <a:lstStyle/>
+                    <a:p>
+                      <a:pPr marL="0" marR="0" lvl="0" indent="0" algn="ctr" defTabSz="914400" rtl="0" eaLnBrk="1" fontAlgn="auto" latinLnBrk="1" hangingPunct="1">
+                        <a:lnSpc>
+                          <a:spcPct val="100000"/>
+                        </a:lnSpc>
+                        <a:spcBef>
+                          <a:spcPts val="0"/>
+                        </a:spcBef>
+                        <a:spcAft>
+                          <a:spcPts val="0"/>
+                        </a:spcAft>
+                        <a:buClrTx/>
+                        <a:buSzTx/>
+                        <a:buFontTx/>
+                        <a:buNone/>
+                        <a:tabLst/>
+                        <a:defRPr/>
+                      </a:pPr>
+                      <a:r>
+                        <a:rPr kumimoji="0" lang="en-US" altLang="ko-KR" sz="1200" b="0" i="0" u="none" strike="noStrike" kern="1200" cap="none" spc="0" normalizeH="0" baseline="0" noProof="0" dirty="0">
+                          <a:ln>
+                            <a:noFill/>
+                          </a:ln>
+                          <a:solidFill>
+                            <a:schemeClr val="tx1"/>
+                          </a:solidFill>
+                          <a:effectLst/>
+                          <a:uLnTx/>
+                          <a:uFillTx/>
+                          <a:latin typeface="+mn-lt"/>
+                          <a:ea typeface="+mn-ea"/>
+                          <a:cs typeface="+mn-cs"/>
+                        </a:rPr>
+                        <a:t>6</a:t>
+                      </a:r>
+                      <a:r>
+                        <a:rPr kumimoji="0" lang="ko-KR" altLang="en-US" sz="1200" b="0" i="0" u="none" strike="noStrike" kern="1200" cap="none" spc="0" normalizeH="0" baseline="0" noProof="0" dirty="0">
+                          <a:ln>
+                            <a:noFill/>
+                          </a:ln>
+                          <a:solidFill>
+                            <a:schemeClr val="tx1"/>
+                          </a:solidFill>
+                          <a:effectLst/>
+                          <a:uLnTx/>
+                          <a:uFillTx/>
+                          <a:latin typeface="+mn-lt"/>
+                          <a:ea typeface="+mn-ea"/>
+                          <a:cs typeface="+mn-cs"/>
+                        </a:rPr>
+                        <a:t>→</a:t>
+                      </a:r>
+                      <a:r>
+                        <a:rPr kumimoji="0" lang="en-US" altLang="ko-KR" sz="1200" b="0" i="0" u="none" strike="noStrike" kern="1200" cap="none" spc="0" normalizeH="0" baseline="0" noProof="0" dirty="0">
+                          <a:ln>
+                            <a:noFill/>
+                          </a:ln>
+                          <a:solidFill>
+                            <a:schemeClr val="tx1"/>
+                          </a:solidFill>
+                          <a:effectLst/>
+                          <a:uLnTx/>
+                          <a:uFillTx/>
+                          <a:latin typeface="+mn-lt"/>
+                          <a:ea typeface="+mn-ea"/>
+                          <a:cs typeface="+mn-cs"/>
+                        </a:rPr>
+                        <a:t>7</a:t>
+                      </a:r>
+                      <a:endParaRPr lang="ko-KR" altLang="en-US" sz="1200" b="0" dirty="0">
+                        <a:solidFill>
+                          <a:schemeClr val="tx1"/>
+                        </a:solidFill>
+                      </a:endParaRPr>
+                    </a:p>
+                  </a:txBody>
+                  <a:tcPr anchor="ctr"/>
+                </a:tc>
+                <a:tc hMerge="1">
+                  <a:txBody>
+                    <a:bodyPr/>
+                    <a:lstStyle/>
+                    <a:p>
+                      <a:pPr latinLnBrk="1"/>
+                      <a:endParaRPr lang="ko-KR" altLang="en-US"/>
+                    </a:p>
+                  </a:txBody>
+                  <a:tcPr/>
+                </a:tc>
+                <a:tc gridSpan="2">
+                  <a:txBody>
+                    <a:bodyPr/>
+                    <a:lstStyle/>
+                    <a:p>
+                      <a:pPr algn="ctr" latinLnBrk="1"/>
+                      <a:r>
+                        <a:rPr lang="en-US" altLang="ko-KR" sz="1200" b="0" dirty="0">
+                          <a:solidFill>
+                            <a:schemeClr val="tx1"/>
+                          </a:solidFill>
+                        </a:rPr>
+                        <a:t>7</a:t>
+                      </a:r>
+                      <a:r>
+                        <a:rPr lang="ko-KR" altLang="en-US" sz="1200" b="0" dirty="0">
+                          <a:solidFill>
+                            <a:schemeClr val="tx1"/>
+                          </a:solidFill>
+                        </a:rPr>
+                        <a:t>→</a:t>
+                      </a:r>
+                      <a:r>
+                        <a:rPr lang="en-US" altLang="ko-KR" sz="1200" b="0" dirty="0">
+                          <a:solidFill>
+                            <a:schemeClr val="tx1"/>
+                          </a:solidFill>
+                        </a:rPr>
+                        <a:t>8</a:t>
+                      </a:r>
+                      <a:endParaRPr lang="ko-KR" altLang="en-US" sz="1200" dirty="0"/>
+                    </a:p>
+                  </a:txBody>
+                  <a:tcPr anchor="ctr"/>
+                </a:tc>
+                <a:tc hMerge="1">
+                  <a:txBody>
+                    <a:bodyPr/>
+                    <a:lstStyle/>
+                    <a:p>
+                      <a:pPr latinLnBrk="1"/>
+                      <a:endParaRPr lang="ko-KR" altLang="en-US"/>
+                    </a:p>
+                  </a:txBody>
+                  <a:tcPr/>
+                </a:tc>
+                <a:extLst>
+                  <a:ext uri="{0D108BD9-81ED-4DB2-BD59-A6C34878D82A}">
+                    <a16:rowId xmlns:a16="http://schemas.microsoft.com/office/drawing/2014/main" val="1601024354"/>
+                  </a:ext>
+                </a:extLst>
+              </a:tr>
+              <a:tr h="0">
+                <a:tc gridSpan="4">
+                  <a:txBody>
+                    <a:bodyPr/>
+                    <a:lstStyle/>
+                    <a:p>
+                      <a:pPr algn="ctr" latinLnBrk="1"/>
+                      <a:r>
+                        <a:rPr lang="ko-KR" altLang="en-US" sz="1200" dirty="0"/>
+                        <a:t>강한 바람이 캐릭터로 모이고</a:t>
+                      </a:r>
+                      <a:endParaRPr lang="en-US" altLang="ko-KR" sz="1200" dirty="0"/>
+                    </a:p>
+                    <a:p>
+                      <a:pPr algn="ctr" latinLnBrk="1"/>
+                      <a:r>
+                        <a:rPr lang="ko-KR" altLang="en-US" sz="1200" dirty="0"/>
+                        <a:t>기와 함께 퍼져 나가는 연출</a:t>
+                      </a:r>
+                    </a:p>
+                  </a:txBody>
+                  <a:tcPr anchor="ctr"/>
+                </a:tc>
+                <a:tc hMerge="1">
+                  <a:txBody>
+                    <a:bodyPr/>
+                    <a:lstStyle/>
+                    <a:p>
+                      <a:pPr latinLnBrk="1"/>
+                      <a:endParaRPr lang="ko-KR" altLang="en-US"/>
+                    </a:p>
+                  </a:txBody>
+                  <a:tcPr/>
+                </a:tc>
+                <a:tc hMerge="1">
+                  <a:txBody>
+                    <a:bodyPr/>
+                    <a:lstStyle/>
+                    <a:p>
+                      <a:pPr latinLnBrk="1"/>
+                      <a:endParaRPr lang="ko-KR" altLang="en-US" dirty="0"/>
+                    </a:p>
+                  </a:txBody>
+                  <a:tcPr/>
+                </a:tc>
+                <a:tc hMerge="1">
+                  <a:txBody>
+                    <a:bodyPr/>
+                    <a:lstStyle/>
+                    <a:p>
+                      <a:pPr latinLnBrk="1"/>
+                      <a:endParaRPr lang="ko-KR" altLang="en-US"/>
+                    </a:p>
+                  </a:txBody>
+                  <a:tcPr/>
+                </a:tc>
+                <a:extLst>
+                  <a:ext uri="{0D108BD9-81ED-4DB2-BD59-A6C34878D82A}">
+                    <a16:rowId xmlns:a16="http://schemas.microsoft.com/office/drawing/2014/main" val="3677680421"/>
+                  </a:ext>
+                </a:extLst>
+              </a:tr>
+            </a:tbl>
+          </a:graphicData>
+        </a:graphic>
+      </p:graphicFrame>
+      <p:graphicFrame>
+        <p:nvGraphicFramePr>
+          <p:cNvPr id="2" name="표 2">
+            <a:extLst>
+              <a:ext uri="{FF2B5EF4-FFF2-40B4-BE49-F238E27FC236}">
+                <a16:creationId xmlns:a16="http://schemas.microsoft.com/office/drawing/2014/main" id="{33586E66-916D-43B7-93FB-03CAF282F27C}"/>
+              </a:ext>
+            </a:extLst>
+          </p:cNvPr>
+          <p:cNvGraphicFramePr>
+            <a:graphicFrameLocks noGrp="1"/>
+          </p:cNvGraphicFramePr>
+          <p:nvPr>
+            <p:extLst>
+              <p:ext uri="{D42A27DB-BD31-4B8C-83A1-F6EECF244321}">
+                <p14:modId xmlns:p14="http://schemas.microsoft.com/office/powerpoint/2010/main" val="3263585707"/>
+              </p:ext>
+            </p:extLst>
+          </p:nvPr>
+        </p:nvGraphicFramePr>
+        <p:xfrm>
+          <a:off x="4390232" y="1161293"/>
+          <a:ext cx="3411536" cy="2834640"/>
+        </p:xfrm>
+        <a:graphic>
+          <a:graphicData uri="http://schemas.openxmlformats.org/drawingml/2006/table">
+            <a:tbl>
+              <a:tblPr firstRow="1" bandRow="1">
+                <a:tableStyleId>{5C22544A-7EE6-4342-B048-85BDC9FD1C3A}</a:tableStyleId>
+              </a:tblPr>
+              <a:tblGrid>
+                <a:gridCol w="840105">
+                  <a:extLst>
+                    <a:ext uri="{9D8B030D-6E8A-4147-A177-3AD203B41FA5}">
+                      <a16:colId xmlns:a16="http://schemas.microsoft.com/office/drawing/2014/main" val="2450210185"/>
+                    </a:ext>
+                  </a:extLst>
+                </a:gridCol>
+                <a:gridCol w="625792">
+                  <a:extLst>
+                    <a:ext uri="{9D8B030D-6E8A-4147-A177-3AD203B41FA5}">
+                      <a16:colId xmlns:a16="http://schemas.microsoft.com/office/drawing/2014/main" val="3213500976"/>
+                    </a:ext>
+                  </a:extLst>
+                </a:gridCol>
+                <a:gridCol w="694055">
+                  <a:extLst>
+                    <a:ext uri="{9D8B030D-6E8A-4147-A177-3AD203B41FA5}">
+                      <a16:colId xmlns:a16="http://schemas.microsoft.com/office/drawing/2014/main" val="2770815026"/>
+                    </a:ext>
+                  </a:extLst>
+                </a:gridCol>
+                <a:gridCol w="625792">
+                  <a:extLst>
+                    <a:ext uri="{9D8B030D-6E8A-4147-A177-3AD203B41FA5}">
+                      <a16:colId xmlns:a16="http://schemas.microsoft.com/office/drawing/2014/main" val="134970193"/>
+                    </a:ext>
+                  </a:extLst>
+                </a:gridCol>
+                <a:gridCol w="625792">
+                  <a:extLst>
+                    <a:ext uri="{9D8B030D-6E8A-4147-A177-3AD203B41FA5}">
+                      <a16:colId xmlns:a16="http://schemas.microsoft.com/office/drawing/2014/main" val="3355405314"/>
+                    </a:ext>
+                  </a:extLst>
+                </a:gridCol>
+              </a:tblGrid>
+              <a:tr h="0">
+                <a:tc gridSpan="5">
+                  <a:txBody>
+                    <a:bodyPr/>
+                    <a:lstStyle/>
+                    <a:p>
+                      <a:pPr latinLnBrk="1"/>
+                      <a:r>
+                        <a:rPr lang="ko-KR" altLang="en-US" dirty="0"/>
+                        <a:t>레벨 별 능력치 한계</a:t>
+                      </a:r>
+                    </a:p>
+                  </a:txBody>
+                  <a:tcPr/>
+                </a:tc>
+                <a:tc hMerge="1">
+                  <a:txBody>
+                    <a:bodyPr/>
+                    <a:lstStyle/>
+                    <a:p>
+                      <a:pPr latinLnBrk="1"/>
+                      <a:endParaRPr lang="ko-KR" altLang="en-US" dirty="0"/>
+                    </a:p>
+                  </a:txBody>
+                  <a:tcPr/>
+                </a:tc>
+                <a:tc hMerge="1">
+                  <a:txBody>
+                    <a:bodyPr/>
+                    <a:lstStyle/>
+                    <a:p>
+                      <a:pPr latinLnBrk="1"/>
+                      <a:endParaRPr lang="ko-KR" altLang="en-US" dirty="0"/>
+                    </a:p>
+                  </a:txBody>
+                  <a:tcPr/>
+                </a:tc>
+                <a:tc hMerge="1">
+                  <a:txBody>
+                    <a:bodyPr/>
+                    <a:lstStyle/>
+                    <a:p>
+                      <a:pPr latinLnBrk="1"/>
+                      <a:endParaRPr lang="ko-KR" altLang="en-US" dirty="0"/>
+                    </a:p>
+                  </a:txBody>
+                  <a:tcPr/>
+                </a:tc>
+                <a:tc hMerge="1">
+                  <a:txBody>
+                    <a:bodyPr/>
+                    <a:lstStyle/>
+                    <a:p>
+                      <a:pPr latinLnBrk="1"/>
+                      <a:endParaRPr lang="ko-KR" altLang="en-US" dirty="0"/>
+                    </a:p>
+                  </a:txBody>
+                  <a:tcPr/>
+                </a:tc>
+                <a:extLst>
+                  <a:ext uri="{0D108BD9-81ED-4DB2-BD59-A6C34878D82A}">
+                    <a16:rowId xmlns:a16="http://schemas.microsoft.com/office/drawing/2014/main" val="1098909244"/>
+                  </a:ext>
+                </a:extLst>
+              </a:tr>
+              <a:tr h="0">
+                <a:tc>
+                  <a:txBody>
+                    <a:bodyPr/>
+                    <a:lstStyle/>
+                    <a:p>
+                      <a:pPr algn="ctr" latinLnBrk="1"/>
+                      <a:r>
+                        <a:rPr lang="ko-KR" altLang="en-US" sz="1200" b="0" dirty="0"/>
+                        <a:t>레벨</a:t>
+                      </a:r>
+                    </a:p>
+                  </a:txBody>
+                  <a:tcPr anchor="ctr"/>
+                </a:tc>
+                <a:tc>
+                  <a:txBody>
+                    <a:bodyPr/>
+                    <a:lstStyle/>
+                    <a:p>
+                      <a:pPr algn="ctr" latinLnBrk="1"/>
+                      <a:r>
+                        <a:rPr lang="ko-KR" altLang="en-US" sz="1200" b="0" dirty="0"/>
+                        <a:t>체력</a:t>
+                      </a:r>
+                    </a:p>
+                  </a:txBody>
+                  <a:tcPr anchor="ctr"/>
+                </a:tc>
+                <a:tc>
+                  <a:txBody>
+                    <a:bodyPr/>
+                    <a:lstStyle/>
+                    <a:p>
+                      <a:pPr algn="ctr" latinLnBrk="1"/>
+                      <a:r>
+                        <a:rPr lang="ko-KR" altLang="en-US" sz="1200" b="0" dirty="0"/>
+                        <a:t>지구력</a:t>
+                      </a:r>
+                    </a:p>
+                  </a:txBody>
+                  <a:tcPr anchor="ctr"/>
+                </a:tc>
+                <a:tc>
+                  <a:txBody>
+                    <a:bodyPr/>
+                    <a:lstStyle/>
+                    <a:p>
+                      <a:pPr algn="ctr" latinLnBrk="1"/>
+                      <a:r>
+                        <a:rPr lang="ko-KR" altLang="en-US" sz="1200" b="0" dirty="0"/>
+                        <a:t>내공</a:t>
+                      </a:r>
+                    </a:p>
+                  </a:txBody>
+                  <a:tcPr anchor="ctr"/>
+                </a:tc>
+                <a:tc>
+                  <a:txBody>
+                    <a:bodyPr/>
+                    <a:lstStyle/>
+                    <a:p>
+                      <a:pPr algn="ctr" latinLnBrk="1"/>
+                      <a:r>
+                        <a:rPr lang="ko-KR" altLang="en-US" sz="1200" b="0" dirty="0"/>
+                        <a:t>외공</a:t>
+                      </a:r>
+                    </a:p>
+                  </a:txBody>
+                  <a:tcPr anchor="ctr"/>
+                </a:tc>
+                <a:extLst>
+                  <a:ext uri="{0D108BD9-81ED-4DB2-BD59-A6C34878D82A}">
+                    <a16:rowId xmlns:a16="http://schemas.microsoft.com/office/drawing/2014/main" val="3940602987"/>
+                  </a:ext>
+                </a:extLst>
+              </a:tr>
+              <a:tr h="0">
+                <a:tc>
+                  <a:txBody>
+                    <a:bodyPr/>
+                    <a:lstStyle/>
+                    <a:p>
+                      <a:pPr algn="ctr" latinLnBrk="1"/>
+                      <a:r>
+                        <a:rPr lang="en-US" altLang="ko-KR" sz="1200" b="0" dirty="0"/>
+                        <a:t>1-</a:t>
+                      </a:r>
+                      <a:r>
+                        <a:rPr lang="ko-KR" altLang="en-US" sz="1200" b="0" dirty="0"/>
+                        <a:t>삼류</a:t>
+                      </a:r>
+                    </a:p>
+                  </a:txBody>
+                  <a:tcPr anchor="ctr"/>
+                </a:tc>
+                <a:tc>
+                  <a:txBody>
+                    <a:bodyPr/>
+                    <a:lstStyle/>
+                    <a:p>
+                      <a:pPr algn="ctr" latinLnBrk="1"/>
+                      <a:r>
+                        <a:rPr lang="en-US" altLang="ko-KR" sz="1200" b="0" dirty="0"/>
+                        <a:t>100</a:t>
+                      </a:r>
+                      <a:endParaRPr lang="ko-KR" altLang="en-US" sz="1200" b="0" dirty="0"/>
+                    </a:p>
+                  </a:txBody>
+                  <a:tcPr anchor="ctr"/>
+                </a:tc>
+                <a:tc>
+                  <a:txBody>
+                    <a:bodyPr/>
+                    <a:lstStyle/>
+                    <a:p>
+                      <a:pPr algn="ctr" latinLnBrk="1"/>
+                      <a:r>
+                        <a:rPr lang="en-US" altLang="ko-KR" sz="1200" b="0" dirty="0"/>
+                        <a:t>50</a:t>
+                      </a:r>
+                      <a:endParaRPr lang="ko-KR" altLang="en-US" sz="1200" b="0" dirty="0"/>
+                    </a:p>
+                  </a:txBody>
+                  <a:tcPr anchor="ctr"/>
+                </a:tc>
+                <a:tc>
+                  <a:txBody>
+                    <a:bodyPr/>
+                    <a:lstStyle/>
+                    <a:p>
+                      <a:pPr algn="ctr" latinLnBrk="1"/>
+                      <a:r>
+                        <a:rPr lang="en-US" altLang="ko-KR" sz="1200" b="0" dirty="0"/>
+                        <a:t>10</a:t>
+                      </a:r>
+                      <a:endParaRPr lang="ko-KR" altLang="en-US" sz="1200" b="0" dirty="0"/>
+                    </a:p>
+                  </a:txBody>
+                  <a:tcPr anchor="ctr"/>
+                </a:tc>
+                <a:tc>
+                  <a:txBody>
+                    <a:bodyPr/>
+                    <a:lstStyle/>
+                    <a:p>
+                      <a:pPr algn="ctr" latinLnBrk="1"/>
+                      <a:r>
+                        <a:rPr lang="en-US" altLang="ko-KR" sz="1200" b="0" dirty="0"/>
+                        <a:t>10</a:t>
+                      </a:r>
+                      <a:endParaRPr lang="ko-KR" altLang="en-US" sz="1200" b="0" dirty="0"/>
+                    </a:p>
+                  </a:txBody>
+                  <a:tcPr anchor="ctr"/>
+                </a:tc>
+                <a:extLst>
+                  <a:ext uri="{0D108BD9-81ED-4DB2-BD59-A6C34878D82A}">
+                    <a16:rowId xmlns:a16="http://schemas.microsoft.com/office/drawing/2014/main" val="4158631892"/>
+                  </a:ext>
+                </a:extLst>
+              </a:tr>
+              <a:tr h="0">
+                <a:tc>
+                  <a:txBody>
+                    <a:bodyPr/>
+                    <a:lstStyle/>
+                    <a:p>
+                      <a:pPr algn="ctr" latinLnBrk="1"/>
+                      <a:r>
+                        <a:rPr lang="en-US" altLang="ko-KR" sz="1200" b="0" dirty="0"/>
+                        <a:t>2-</a:t>
+                      </a:r>
+                      <a:r>
+                        <a:rPr lang="ko-KR" altLang="en-US" sz="1200" b="0" dirty="0"/>
+                        <a:t>이류</a:t>
+                      </a:r>
+                    </a:p>
+                  </a:txBody>
+                  <a:tcPr anchor="ctr"/>
+                </a:tc>
+                <a:tc>
+                  <a:txBody>
+                    <a:bodyPr/>
+                    <a:lstStyle/>
+                    <a:p>
+                      <a:pPr algn="ctr" latinLnBrk="1"/>
+                      <a:r>
+                        <a:rPr lang="en-US" altLang="ko-KR" sz="1200" b="0" dirty="0"/>
+                        <a:t>150</a:t>
+                      </a:r>
+                      <a:endParaRPr lang="ko-KR" altLang="en-US" sz="1200" b="0" dirty="0"/>
+                    </a:p>
+                  </a:txBody>
+                  <a:tcPr anchor="ctr"/>
+                </a:tc>
+                <a:tc>
+                  <a:txBody>
+                    <a:bodyPr/>
+                    <a:lstStyle/>
+                    <a:p>
+                      <a:pPr algn="ctr" latinLnBrk="1"/>
+                      <a:r>
+                        <a:rPr lang="en-US" altLang="ko-KR" sz="1200" b="0" dirty="0"/>
+                        <a:t>100</a:t>
+                      </a:r>
+                      <a:endParaRPr lang="ko-KR" altLang="en-US" sz="1200" b="0" dirty="0"/>
+                    </a:p>
+                  </a:txBody>
+                  <a:tcPr anchor="ctr"/>
+                </a:tc>
+                <a:tc>
+                  <a:txBody>
+                    <a:bodyPr/>
+                    <a:lstStyle/>
+                    <a:p>
+                      <a:pPr algn="ctr" latinLnBrk="1"/>
+                      <a:r>
+                        <a:rPr lang="en-US" altLang="ko-KR" sz="1200" b="0" dirty="0"/>
+                        <a:t>30</a:t>
+                      </a:r>
+                      <a:endParaRPr lang="ko-KR" altLang="en-US" sz="1200" b="0" dirty="0"/>
+                    </a:p>
+                  </a:txBody>
+                  <a:tcPr anchor="ctr"/>
+                </a:tc>
+                <a:tc>
+                  <a:txBody>
+                    <a:bodyPr/>
+                    <a:lstStyle/>
+                    <a:p>
+                      <a:pPr algn="ctr" latinLnBrk="1"/>
+                      <a:r>
+                        <a:rPr lang="en-US" altLang="ko-KR" sz="1200" b="0" dirty="0"/>
+                        <a:t>30</a:t>
+                      </a:r>
+                      <a:endParaRPr lang="ko-KR" altLang="en-US" sz="1200" b="0" dirty="0"/>
+                    </a:p>
+                  </a:txBody>
+                  <a:tcPr anchor="ctr"/>
+                </a:tc>
+                <a:extLst>
+                  <a:ext uri="{0D108BD9-81ED-4DB2-BD59-A6C34878D82A}">
+                    <a16:rowId xmlns:a16="http://schemas.microsoft.com/office/drawing/2014/main" val="3449649247"/>
+                  </a:ext>
+                </a:extLst>
+              </a:tr>
+              <a:tr h="0">
+                <a:tc>
+                  <a:txBody>
+                    <a:bodyPr/>
+                    <a:lstStyle/>
+                    <a:p>
+                      <a:pPr algn="ctr" latinLnBrk="1"/>
+                      <a:r>
+                        <a:rPr lang="en-US" altLang="ko-KR" sz="1200" b="0" dirty="0"/>
+                        <a:t>3-</a:t>
+                      </a:r>
+                      <a:r>
+                        <a:rPr lang="ko-KR" altLang="en-US" sz="1200" b="0" dirty="0"/>
+                        <a:t>일류</a:t>
+                      </a:r>
+                    </a:p>
+                  </a:txBody>
+                  <a:tcPr anchor="ctr"/>
+                </a:tc>
+                <a:tc>
+                  <a:txBody>
+                    <a:bodyPr/>
+                    <a:lstStyle/>
+                    <a:p>
+                      <a:pPr algn="ctr" latinLnBrk="1"/>
+                      <a:r>
+                        <a:rPr lang="en-US" altLang="ko-KR" sz="1200" b="0" dirty="0"/>
+                        <a:t>200</a:t>
+                      </a:r>
+                      <a:endParaRPr lang="ko-KR" altLang="en-US" sz="1200" b="0" dirty="0"/>
+                    </a:p>
+                  </a:txBody>
+                  <a:tcPr anchor="ctr"/>
+                </a:tc>
+                <a:tc>
+                  <a:txBody>
+                    <a:bodyPr/>
+                    <a:lstStyle/>
+                    <a:p>
+                      <a:pPr algn="ctr" latinLnBrk="1"/>
+                      <a:r>
+                        <a:rPr lang="en-US" altLang="ko-KR" sz="1200" b="0" dirty="0"/>
+                        <a:t>150</a:t>
+                      </a:r>
+                      <a:endParaRPr lang="ko-KR" altLang="en-US" sz="1200" b="0" dirty="0"/>
+                    </a:p>
+                  </a:txBody>
+                  <a:tcPr anchor="ctr"/>
+                </a:tc>
+                <a:tc>
+                  <a:txBody>
+                    <a:bodyPr/>
+                    <a:lstStyle/>
+                    <a:p>
+                      <a:pPr algn="ctr" latinLnBrk="1"/>
+                      <a:r>
+                        <a:rPr lang="en-US" altLang="ko-KR" sz="1200" b="0" dirty="0"/>
+                        <a:t>50</a:t>
+                      </a:r>
+                      <a:endParaRPr lang="ko-KR" altLang="en-US" sz="1200" b="0" dirty="0"/>
+                    </a:p>
+                  </a:txBody>
+                  <a:tcPr anchor="ctr"/>
+                </a:tc>
+                <a:tc>
+                  <a:txBody>
+                    <a:bodyPr/>
+                    <a:lstStyle/>
+                    <a:p>
+                      <a:pPr algn="ctr" latinLnBrk="1"/>
+                      <a:r>
+                        <a:rPr lang="en-US" altLang="ko-KR" sz="1200" b="0" dirty="0"/>
+                        <a:t>50</a:t>
+                      </a:r>
+                      <a:endParaRPr lang="ko-KR" altLang="en-US" sz="1200" b="0" dirty="0"/>
+                    </a:p>
+                  </a:txBody>
+                  <a:tcPr anchor="ctr"/>
+                </a:tc>
+                <a:extLst>
+                  <a:ext uri="{0D108BD9-81ED-4DB2-BD59-A6C34878D82A}">
+                    <a16:rowId xmlns:a16="http://schemas.microsoft.com/office/drawing/2014/main" val="1244384396"/>
+                  </a:ext>
+                </a:extLst>
+              </a:tr>
+              <a:tr h="0">
+                <a:tc>
+                  <a:txBody>
+                    <a:bodyPr/>
+                    <a:lstStyle/>
+                    <a:p>
+                      <a:pPr algn="ctr" latinLnBrk="1"/>
+                      <a:r>
+                        <a:rPr lang="en-US" altLang="ko-KR" sz="1200" b="0" dirty="0"/>
+                        <a:t>4-</a:t>
+                      </a:r>
+                      <a:r>
+                        <a:rPr lang="ko-KR" altLang="en-US" sz="1200" b="0" dirty="0"/>
+                        <a:t>절정</a:t>
+                      </a:r>
+                    </a:p>
+                  </a:txBody>
+                  <a:tcPr anchor="ctr"/>
+                </a:tc>
+                <a:tc>
+                  <a:txBody>
+                    <a:bodyPr/>
+                    <a:lstStyle/>
+                    <a:p>
+                      <a:pPr algn="ctr" latinLnBrk="1"/>
+                      <a:r>
+                        <a:rPr lang="en-US" altLang="ko-KR" sz="1200" b="0" dirty="0"/>
+                        <a:t>300</a:t>
+                      </a:r>
+                      <a:endParaRPr lang="ko-KR" altLang="en-US" sz="1200" b="0" dirty="0"/>
+                    </a:p>
+                  </a:txBody>
+                  <a:tcPr anchor="ctr"/>
+                </a:tc>
+                <a:tc>
+                  <a:txBody>
+                    <a:bodyPr/>
+                    <a:lstStyle/>
+                    <a:p>
+                      <a:pPr algn="ctr" latinLnBrk="1"/>
+                      <a:r>
+                        <a:rPr lang="en-US" altLang="ko-KR" sz="1200" b="0" dirty="0"/>
+                        <a:t>200</a:t>
+                      </a:r>
+                      <a:endParaRPr lang="ko-KR" altLang="en-US" sz="1200" b="0" dirty="0"/>
+                    </a:p>
+                  </a:txBody>
+                  <a:tcPr anchor="ctr"/>
+                </a:tc>
+                <a:tc>
+                  <a:txBody>
+                    <a:bodyPr/>
+                    <a:lstStyle/>
+                    <a:p>
+                      <a:pPr algn="ctr" latinLnBrk="1"/>
+                      <a:r>
+                        <a:rPr lang="en-US" altLang="ko-KR" sz="1200" b="0" dirty="0"/>
+                        <a:t>100</a:t>
+                      </a:r>
+                      <a:endParaRPr lang="ko-KR" altLang="en-US" sz="1200" b="0" dirty="0"/>
+                    </a:p>
+                  </a:txBody>
+                  <a:tcPr anchor="ctr"/>
+                </a:tc>
+                <a:tc>
+                  <a:txBody>
+                    <a:bodyPr/>
+                    <a:lstStyle/>
+                    <a:p>
+                      <a:pPr algn="ctr" latinLnBrk="1"/>
+                      <a:r>
+                        <a:rPr lang="en-US" altLang="ko-KR" sz="1200" b="0" dirty="0"/>
+                        <a:t>100</a:t>
+                      </a:r>
+                      <a:endParaRPr lang="ko-KR" altLang="en-US" sz="1200" b="0" dirty="0"/>
+                    </a:p>
+                  </a:txBody>
+                  <a:tcPr anchor="ctr"/>
+                </a:tc>
+                <a:extLst>
+                  <a:ext uri="{0D108BD9-81ED-4DB2-BD59-A6C34878D82A}">
+                    <a16:rowId xmlns:a16="http://schemas.microsoft.com/office/drawing/2014/main" val="2945084893"/>
+                  </a:ext>
+                </a:extLst>
+              </a:tr>
+              <a:tr h="0">
+                <a:tc>
+                  <a:txBody>
+                    <a:bodyPr/>
+                    <a:lstStyle/>
+                    <a:p>
+                      <a:pPr algn="ctr" latinLnBrk="1"/>
+                      <a:r>
+                        <a:rPr lang="en-US" altLang="ko-KR" sz="1200" b="0" dirty="0"/>
+                        <a:t>5-</a:t>
+                      </a:r>
+                      <a:r>
+                        <a:rPr lang="ko-KR" altLang="en-US" sz="1200" b="0" dirty="0" err="1"/>
+                        <a:t>초절정</a:t>
+                      </a:r>
+                      <a:endParaRPr lang="ko-KR" altLang="en-US" sz="1200" b="0" dirty="0"/>
+                    </a:p>
+                  </a:txBody>
+                  <a:tcPr anchor="ctr"/>
+                </a:tc>
+                <a:tc>
+                  <a:txBody>
+                    <a:bodyPr/>
+                    <a:lstStyle/>
+                    <a:p>
+                      <a:pPr algn="ctr" latinLnBrk="1"/>
+                      <a:r>
+                        <a:rPr lang="en-US" altLang="ko-KR" sz="1200" b="0" dirty="0"/>
+                        <a:t>500</a:t>
+                      </a:r>
+                      <a:endParaRPr lang="ko-KR" altLang="en-US" sz="1200" b="0" dirty="0"/>
+                    </a:p>
+                  </a:txBody>
+                  <a:tcPr anchor="ctr"/>
+                </a:tc>
+                <a:tc>
+                  <a:txBody>
+                    <a:bodyPr/>
+                    <a:lstStyle/>
+                    <a:p>
+                      <a:pPr algn="ctr" latinLnBrk="1"/>
+                      <a:r>
+                        <a:rPr lang="en-US" altLang="ko-KR" sz="1200" b="0" dirty="0"/>
+                        <a:t>275</a:t>
+                      </a:r>
+                      <a:endParaRPr lang="ko-KR" altLang="en-US" sz="1200" b="0" dirty="0"/>
+                    </a:p>
+                  </a:txBody>
+                  <a:tcPr anchor="ctr"/>
+                </a:tc>
+                <a:tc>
+                  <a:txBody>
+                    <a:bodyPr/>
+                    <a:lstStyle/>
+                    <a:p>
+                      <a:pPr algn="ctr" latinLnBrk="1"/>
+                      <a:r>
+                        <a:rPr lang="en-US" altLang="ko-KR" sz="1200" b="0" dirty="0"/>
+                        <a:t>150</a:t>
+                      </a:r>
+                      <a:endParaRPr lang="ko-KR" altLang="en-US" sz="1200" b="0" dirty="0"/>
+                    </a:p>
+                  </a:txBody>
+                  <a:tcPr anchor="ctr"/>
+                </a:tc>
+                <a:tc>
+                  <a:txBody>
+                    <a:bodyPr/>
+                    <a:lstStyle/>
+                    <a:p>
+                      <a:pPr algn="ctr" latinLnBrk="1"/>
+                      <a:r>
+                        <a:rPr lang="en-US" altLang="ko-KR" sz="1200" b="0" dirty="0"/>
+                        <a:t>150</a:t>
+                      </a:r>
+                      <a:endParaRPr lang="ko-KR" altLang="en-US" sz="1200" b="0" dirty="0"/>
+                    </a:p>
+                  </a:txBody>
+                  <a:tcPr anchor="ctr"/>
+                </a:tc>
+                <a:extLst>
+                  <a:ext uri="{0D108BD9-81ED-4DB2-BD59-A6C34878D82A}">
+                    <a16:rowId xmlns:a16="http://schemas.microsoft.com/office/drawing/2014/main" val="4268316274"/>
+                  </a:ext>
+                </a:extLst>
+              </a:tr>
+              <a:tr h="0">
+                <a:tc>
+                  <a:txBody>
+                    <a:bodyPr/>
+                    <a:lstStyle/>
+                    <a:p>
+                      <a:pPr algn="ctr" latinLnBrk="1"/>
+                      <a:r>
+                        <a:rPr lang="en-US" altLang="ko-KR" sz="1200" b="0" dirty="0"/>
+                        <a:t>6-</a:t>
+                      </a:r>
+                      <a:r>
+                        <a:rPr lang="ko-KR" altLang="en-US" sz="1200" b="0" dirty="0"/>
+                        <a:t>화경</a:t>
+                      </a:r>
+                    </a:p>
+                  </a:txBody>
+                  <a:tcPr anchor="ctr"/>
+                </a:tc>
+                <a:tc>
+                  <a:txBody>
+                    <a:bodyPr/>
+                    <a:lstStyle/>
+                    <a:p>
+                      <a:pPr algn="ctr" latinLnBrk="1"/>
+                      <a:r>
+                        <a:rPr lang="en-US" altLang="ko-KR" sz="1200" b="0" dirty="0"/>
+                        <a:t>650</a:t>
+                      </a:r>
+                      <a:endParaRPr lang="ko-KR" altLang="en-US" sz="1200" b="0" dirty="0"/>
+                    </a:p>
+                  </a:txBody>
+                  <a:tcPr anchor="ctr"/>
+                </a:tc>
+                <a:tc>
+                  <a:txBody>
+                    <a:bodyPr/>
+                    <a:lstStyle/>
+                    <a:p>
+                      <a:pPr algn="ctr" latinLnBrk="1"/>
+                      <a:r>
+                        <a:rPr lang="en-US" altLang="ko-KR" sz="1200" b="0" dirty="0"/>
+                        <a:t>350</a:t>
+                      </a:r>
+                      <a:endParaRPr lang="ko-KR" altLang="en-US" sz="1200" b="0" dirty="0"/>
+                    </a:p>
+                  </a:txBody>
+                  <a:tcPr anchor="ctr"/>
+                </a:tc>
+                <a:tc>
+                  <a:txBody>
+                    <a:bodyPr/>
+                    <a:lstStyle/>
+                    <a:p>
+                      <a:pPr algn="ctr" latinLnBrk="1"/>
+                      <a:r>
+                        <a:rPr lang="en-US" altLang="ko-KR" sz="1200" b="0" dirty="0"/>
+                        <a:t>200</a:t>
+                      </a:r>
+                      <a:endParaRPr lang="ko-KR" altLang="en-US" sz="1200" b="0" dirty="0"/>
+                    </a:p>
+                  </a:txBody>
+                  <a:tcPr anchor="ctr"/>
+                </a:tc>
+                <a:tc>
+                  <a:txBody>
+                    <a:bodyPr/>
+                    <a:lstStyle/>
+                    <a:p>
+                      <a:pPr algn="ctr" latinLnBrk="1"/>
+                      <a:r>
+                        <a:rPr lang="en-US" altLang="ko-KR" sz="1200" b="0" dirty="0"/>
+                        <a:t>200</a:t>
+                      </a:r>
+                      <a:endParaRPr lang="ko-KR" altLang="en-US" sz="1200" b="0" dirty="0"/>
+                    </a:p>
+                  </a:txBody>
+                  <a:tcPr anchor="ctr"/>
+                </a:tc>
+                <a:extLst>
+                  <a:ext uri="{0D108BD9-81ED-4DB2-BD59-A6C34878D82A}">
+                    <a16:rowId xmlns:a16="http://schemas.microsoft.com/office/drawing/2014/main" val="3840728888"/>
+                  </a:ext>
+                </a:extLst>
+              </a:tr>
+              <a:tr h="0">
+                <a:tc>
+                  <a:txBody>
+                    <a:bodyPr/>
+                    <a:lstStyle/>
+                    <a:p>
+                      <a:pPr algn="ctr" latinLnBrk="1"/>
+                      <a:r>
+                        <a:rPr lang="en-US" altLang="ko-KR" sz="1200" b="0" dirty="0"/>
+                        <a:t>7-</a:t>
+                      </a:r>
+                      <a:r>
+                        <a:rPr lang="ko-KR" altLang="en-US" sz="1200" b="0" dirty="0"/>
+                        <a:t>현경</a:t>
+                      </a:r>
+                      <a:endParaRPr lang="en-US" altLang="ko-KR" sz="1200" b="0" dirty="0"/>
+                    </a:p>
+                  </a:txBody>
+                  <a:tcPr anchor="ctr"/>
+                </a:tc>
+                <a:tc>
+                  <a:txBody>
+                    <a:bodyPr/>
+                    <a:lstStyle/>
+                    <a:p>
+                      <a:pPr algn="ctr" latinLnBrk="1"/>
+                      <a:r>
+                        <a:rPr lang="en-US" altLang="ko-KR" sz="1200" b="0" dirty="0"/>
+                        <a:t>800</a:t>
+                      </a:r>
+                      <a:endParaRPr lang="ko-KR" altLang="en-US" sz="1200" b="0" dirty="0"/>
+                    </a:p>
+                  </a:txBody>
+                  <a:tcPr anchor="ctr"/>
+                </a:tc>
+                <a:tc>
+                  <a:txBody>
+                    <a:bodyPr/>
+                    <a:lstStyle/>
+                    <a:p>
+                      <a:pPr algn="ctr" latinLnBrk="1"/>
+                      <a:r>
+                        <a:rPr lang="en-US" altLang="ko-KR" sz="1200" b="0" dirty="0"/>
+                        <a:t>425</a:t>
+                      </a:r>
+                      <a:endParaRPr lang="ko-KR" altLang="en-US" sz="1200" b="0" dirty="0"/>
+                    </a:p>
+                  </a:txBody>
+                  <a:tcPr anchor="ctr"/>
+                </a:tc>
+                <a:tc>
+                  <a:txBody>
+                    <a:bodyPr/>
+                    <a:lstStyle/>
+                    <a:p>
+                      <a:pPr algn="ctr" latinLnBrk="1"/>
+                      <a:r>
+                        <a:rPr lang="en-US" altLang="ko-KR" sz="1200" b="0" dirty="0"/>
+                        <a:t>275</a:t>
+                      </a:r>
+                      <a:endParaRPr lang="ko-KR" altLang="en-US" sz="1200" b="0" dirty="0"/>
+                    </a:p>
+                  </a:txBody>
+                  <a:tcPr anchor="ctr"/>
+                </a:tc>
+                <a:tc>
+                  <a:txBody>
+                    <a:bodyPr/>
+                    <a:lstStyle/>
+                    <a:p>
+                      <a:pPr algn="ctr" latinLnBrk="1"/>
+                      <a:r>
+                        <a:rPr lang="en-US" altLang="ko-KR" sz="1200" b="0" dirty="0"/>
+                        <a:t>275</a:t>
+                      </a:r>
+                      <a:endParaRPr lang="ko-KR" altLang="en-US" sz="1200" b="0" dirty="0"/>
+                    </a:p>
+                  </a:txBody>
+                  <a:tcPr anchor="ctr"/>
+                </a:tc>
+                <a:extLst>
+                  <a:ext uri="{0D108BD9-81ED-4DB2-BD59-A6C34878D82A}">
+                    <a16:rowId xmlns:a16="http://schemas.microsoft.com/office/drawing/2014/main" val="4137334100"/>
+                  </a:ext>
+                </a:extLst>
+              </a:tr>
+              <a:tr h="0">
+                <a:tc>
+                  <a:txBody>
+                    <a:bodyPr/>
+                    <a:lstStyle/>
+                    <a:p>
+                      <a:pPr algn="ctr" latinLnBrk="1"/>
+                      <a:r>
+                        <a:rPr lang="en-US" altLang="ko-KR" sz="1200" b="0" dirty="0"/>
+                        <a:t>8-</a:t>
+                      </a:r>
+                      <a:r>
+                        <a:rPr lang="ko-KR" altLang="en-US" sz="1200" b="0" dirty="0"/>
+                        <a:t>생사경</a:t>
+                      </a:r>
+                      <a:endParaRPr lang="en-US" altLang="ko-KR" sz="1200" b="0" dirty="0"/>
+                    </a:p>
+                  </a:txBody>
+                  <a:tcPr anchor="ctr"/>
+                </a:tc>
+                <a:tc>
+                  <a:txBody>
+                    <a:bodyPr/>
+                    <a:lstStyle/>
+                    <a:p>
+                      <a:pPr algn="ctr" latinLnBrk="1"/>
+                      <a:r>
+                        <a:rPr lang="en-US" altLang="ko-KR" sz="1200" b="0" dirty="0"/>
+                        <a:t>1000</a:t>
+                      </a:r>
+                      <a:endParaRPr lang="ko-KR" altLang="en-US" sz="1200" b="0" dirty="0"/>
+                    </a:p>
+                  </a:txBody>
+                  <a:tcPr anchor="ctr"/>
+                </a:tc>
+                <a:tc>
+                  <a:txBody>
+                    <a:bodyPr/>
+                    <a:lstStyle/>
+                    <a:p>
+                      <a:pPr algn="ctr" latinLnBrk="1"/>
+                      <a:r>
+                        <a:rPr lang="en-US" altLang="ko-KR" sz="1200" b="0" dirty="0"/>
+                        <a:t>500</a:t>
+                      </a:r>
+                      <a:endParaRPr lang="ko-KR" altLang="en-US" sz="1200" b="0" dirty="0"/>
+                    </a:p>
+                  </a:txBody>
+                  <a:tcPr anchor="ctr"/>
+                </a:tc>
+                <a:tc>
+                  <a:txBody>
+                    <a:bodyPr/>
+                    <a:lstStyle/>
+                    <a:p>
+                      <a:pPr algn="ctr" latinLnBrk="1"/>
+                      <a:r>
+                        <a:rPr lang="en-US" altLang="ko-KR" sz="1200" b="0" dirty="0"/>
+                        <a:t>350</a:t>
+                      </a:r>
+                      <a:endParaRPr lang="ko-KR" altLang="en-US" sz="1200" b="0" dirty="0"/>
+                    </a:p>
+                  </a:txBody>
+                  <a:tcPr anchor="ctr"/>
+                </a:tc>
+                <a:tc>
+                  <a:txBody>
+                    <a:bodyPr/>
+                    <a:lstStyle/>
+                    <a:p>
+                      <a:pPr algn="ctr" latinLnBrk="1"/>
+                      <a:r>
+                        <a:rPr lang="en-US" altLang="ko-KR" sz="1200" b="0" dirty="0"/>
+                        <a:t>350</a:t>
+                      </a:r>
+                      <a:endParaRPr lang="ko-KR" altLang="en-US" sz="1200" b="0" dirty="0"/>
+                    </a:p>
+                  </a:txBody>
+                  <a:tcPr anchor="ctr"/>
+                </a:tc>
+                <a:extLst>
+                  <a:ext uri="{0D108BD9-81ED-4DB2-BD59-A6C34878D82A}">
+                    <a16:rowId xmlns:a16="http://schemas.microsoft.com/office/drawing/2014/main" val="2213774294"/>
+                  </a:ext>
+                </a:extLst>
+              </a:tr>
+            </a:tbl>
+          </a:graphicData>
+        </a:graphic>
+      </p:graphicFrame>
+      <p:graphicFrame>
+        <p:nvGraphicFramePr>
+          <p:cNvPr id="11" name="표 2">
+            <a:extLst>
+              <a:ext uri="{FF2B5EF4-FFF2-40B4-BE49-F238E27FC236}">
+                <a16:creationId xmlns:a16="http://schemas.microsoft.com/office/drawing/2014/main" id="{1F673EA1-A7EB-4D1F-AAF1-6BB723BE907F}"/>
+              </a:ext>
+            </a:extLst>
+          </p:cNvPr>
+          <p:cNvGraphicFramePr>
+            <a:graphicFrameLocks noGrp="1"/>
+          </p:cNvGraphicFramePr>
+          <p:nvPr>
+            <p:extLst>
+              <p:ext uri="{D42A27DB-BD31-4B8C-83A1-F6EECF244321}">
+                <p14:modId xmlns:p14="http://schemas.microsoft.com/office/powerpoint/2010/main" val="1862095798"/>
+              </p:ext>
+            </p:extLst>
+          </p:nvPr>
+        </p:nvGraphicFramePr>
+        <p:xfrm>
+          <a:off x="8085139" y="1161293"/>
+          <a:ext cx="3411536" cy="2560320"/>
+        </p:xfrm>
+        <a:graphic>
+          <a:graphicData uri="http://schemas.openxmlformats.org/drawingml/2006/table">
+            <a:tbl>
+              <a:tblPr firstRow="1" bandRow="1">
+                <a:tableStyleId>{5C22544A-7EE6-4342-B048-85BDC9FD1C3A}</a:tableStyleId>
+              </a:tblPr>
+              <a:tblGrid>
+                <a:gridCol w="840105">
+                  <a:extLst>
+                    <a:ext uri="{9D8B030D-6E8A-4147-A177-3AD203B41FA5}">
+                      <a16:colId xmlns:a16="http://schemas.microsoft.com/office/drawing/2014/main" val="2450210185"/>
+                    </a:ext>
+                  </a:extLst>
+                </a:gridCol>
+                <a:gridCol w="625792">
+                  <a:extLst>
+                    <a:ext uri="{9D8B030D-6E8A-4147-A177-3AD203B41FA5}">
+                      <a16:colId xmlns:a16="http://schemas.microsoft.com/office/drawing/2014/main" val="3213500976"/>
+                    </a:ext>
+                  </a:extLst>
+                </a:gridCol>
+                <a:gridCol w="694055">
+                  <a:extLst>
+                    <a:ext uri="{9D8B030D-6E8A-4147-A177-3AD203B41FA5}">
+                      <a16:colId xmlns:a16="http://schemas.microsoft.com/office/drawing/2014/main" val="2770815026"/>
+                    </a:ext>
+                  </a:extLst>
+                </a:gridCol>
+                <a:gridCol w="625792">
+                  <a:extLst>
+                    <a:ext uri="{9D8B030D-6E8A-4147-A177-3AD203B41FA5}">
+                      <a16:colId xmlns:a16="http://schemas.microsoft.com/office/drawing/2014/main" val="134970193"/>
+                    </a:ext>
+                  </a:extLst>
+                </a:gridCol>
+                <a:gridCol w="625792">
+                  <a:extLst>
+                    <a:ext uri="{9D8B030D-6E8A-4147-A177-3AD203B41FA5}">
+                      <a16:colId xmlns:a16="http://schemas.microsoft.com/office/drawing/2014/main" val="3355405314"/>
+                    </a:ext>
+                  </a:extLst>
+                </a:gridCol>
+              </a:tblGrid>
+              <a:tr h="0">
+                <a:tc gridSpan="5">
+                  <a:txBody>
+                    <a:bodyPr/>
+                    <a:lstStyle/>
+                    <a:p>
+                      <a:pPr latinLnBrk="1"/>
+                      <a:r>
+                        <a:rPr lang="ko-KR" altLang="en-US" dirty="0"/>
+                        <a:t>레벨 별 상승 능력치</a:t>
+                      </a:r>
+                    </a:p>
+                  </a:txBody>
+                  <a:tcPr/>
+                </a:tc>
+                <a:tc hMerge="1">
+                  <a:txBody>
+                    <a:bodyPr/>
+                    <a:lstStyle/>
+                    <a:p>
+                      <a:pPr latinLnBrk="1"/>
+                      <a:endParaRPr lang="ko-KR" altLang="en-US" dirty="0"/>
+                    </a:p>
+                  </a:txBody>
+                  <a:tcPr/>
+                </a:tc>
+                <a:tc hMerge="1">
+                  <a:txBody>
+                    <a:bodyPr/>
+                    <a:lstStyle/>
+                    <a:p>
+                      <a:pPr latinLnBrk="1"/>
+                      <a:endParaRPr lang="ko-KR" altLang="en-US" dirty="0"/>
+                    </a:p>
+                  </a:txBody>
+                  <a:tcPr/>
+                </a:tc>
+                <a:tc hMerge="1">
+                  <a:txBody>
+                    <a:bodyPr/>
+                    <a:lstStyle/>
+                    <a:p>
+                      <a:pPr latinLnBrk="1"/>
+                      <a:endParaRPr lang="ko-KR" altLang="en-US" dirty="0"/>
+                    </a:p>
+                  </a:txBody>
+                  <a:tcPr/>
+                </a:tc>
+                <a:tc hMerge="1">
+                  <a:txBody>
+                    <a:bodyPr/>
+                    <a:lstStyle/>
+                    <a:p>
+                      <a:pPr latinLnBrk="1"/>
+                      <a:endParaRPr lang="ko-KR" altLang="en-US" dirty="0"/>
+                    </a:p>
+                  </a:txBody>
+                  <a:tcPr/>
+                </a:tc>
+                <a:extLst>
+                  <a:ext uri="{0D108BD9-81ED-4DB2-BD59-A6C34878D82A}">
+                    <a16:rowId xmlns:a16="http://schemas.microsoft.com/office/drawing/2014/main" val="1098909244"/>
+                  </a:ext>
+                </a:extLst>
+              </a:tr>
+              <a:tr h="0">
+                <a:tc>
+                  <a:txBody>
+                    <a:bodyPr/>
+                    <a:lstStyle/>
+                    <a:p>
+                      <a:pPr algn="ctr" latinLnBrk="1"/>
+                      <a:r>
+                        <a:rPr lang="ko-KR" altLang="en-US" sz="1200" b="0" dirty="0"/>
+                        <a:t>레벨</a:t>
+                      </a:r>
+                    </a:p>
+                  </a:txBody>
+                  <a:tcPr anchor="ctr"/>
+                </a:tc>
+                <a:tc>
+                  <a:txBody>
+                    <a:bodyPr/>
+                    <a:lstStyle/>
+                    <a:p>
+                      <a:pPr algn="ctr" latinLnBrk="1"/>
+                      <a:r>
+                        <a:rPr lang="ko-KR" altLang="en-US" sz="1200" b="0" dirty="0"/>
+                        <a:t>체력</a:t>
+                      </a:r>
+                    </a:p>
+                  </a:txBody>
+                  <a:tcPr anchor="ctr"/>
+                </a:tc>
+                <a:tc>
+                  <a:txBody>
+                    <a:bodyPr/>
+                    <a:lstStyle/>
+                    <a:p>
+                      <a:pPr algn="ctr" latinLnBrk="1"/>
+                      <a:r>
+                        <a:rPr lang="ko-KR" altLang="en-US" sz="1200" b="0" dirty="0"/>
+                        <a:t>지구력</a:t>
+                      </a:r>
+                    </a:p>
+                  </a:txBody>
+                  <a:tcPr anchor="ctr"/>
+                </a:tc>
+                <a:tc>
+                  <a:txBody>
+                    <a:bodyPr/>
+                    <a:lstStyle/>
+                    <a:p>
+                      <a:pPr algn="ctr" latinLnBrk="1"/>
+                      <a:r>
+                        <a:rPr lang="ko-KR" altLang="en-US" sz="1200" b="0" dirty="0"/>
+                        <a:t>내공</a:t>
+                      </a:r>
+                    </a:p>
+                  </a:txBody>
+                  <a:tcPr anchor="ctr"/>
+                </a:tc>
+                <a:tc>
+                  <a:txBody>
+                    <a:bodyPr/>
+                    <a:lstStyle/>
+                    <a:p>
+                      <a:pPr algn="ctr" latinLnBrk="1"/>
+                      <a:r>
+                        <a:rPr lang="ko-KR" altLang="en-US" sz="1200" b="0" dirty="0"/>
+                        <a:t>외공</a:t>
+                      </a:r>
+                    </a:p>
+                  </a:txBody>
+                  <a:tcPr anchor="ctr"/>
+                </a:tc>
+                <a:extLst>
+                  <a:ext uri="{0D108BD9-81ED-4DB2-BD59-A6C34878D82A}">
+                    <a16:rowId xmlns:a16="http://schemas.microsoft.com/office/drawing/2014/main" val="3940602987"/>
+                  </a:ext>
+                </a:extLst>
+              </a:tr>
+              <a:tr h="0">
+                <a:tc>
+                  <a:txBody>
+                    <a:bodyPr/>
+                    <a:lstStyle/>
+                    <a:p>
+                      <a:pPr algn="ctr" latinLnBrk="1"/>
+                      <a:r>
+                        <a:rPr lang="en-US" altLang="ko-KR" sz="1200" b="0" dirty="0"/>
+                        <a:t>1</a:t>
+                      </a:r>
+                      <a:r>
+                        <a:rPr kumimoji="0" lang="ko-KR" altLang="en-US" sz="1200" b="0" i="0" u="none" strike="noStrike" kern="1200" cap="none" spc="0" normalizeH="0" baseline="0" noProof="0" dirty="0">
+                          <a:ln>
+                            <a:noFill/>
+                          </a:ln>
+                          <a:solidFill>
+                            <a:schemeClr val="tx1"/>
+                          </a:solidFill>
+                          <a:effectLst/>
+                          <a:uLnTx/>
+                          <a:uFillTx/>
+                          <a:latin typeface="+mn-lt"/>
+                          <a:ea typeface="+mn-ea"/>
+                          <a:cs typeface="+mn-cs"/>
+                        </a:rPr>
+                        <a:t>→</a:t>
+                      </a:r>
+                      <a:r>
+                        <a:rPr kumimoji="0" lang="en-US" altLang="ko-KR" sz="1200" b="0" i="0" u="none" strike="noStrike" kern="1200" cap="none" spc="0" normalizeH="0" baseline="0" noProof="0" dirty="0">
+                          <a:ln>
+                            <a:noFill/>
+                          </a:ln>
+                          <a:solidFill>
+                            <a:schemeClr val="tx1"/>
+                          </a:solidFill>
+                          <a:effectLst/>
+                          <a:uLnTx/>
+                          <a:uFillTx/>
+                          <a:latin typeface="+mn-lt"/>
+                          <a:ea typeface="+mn-ea"/>
+                          <a:cs typeface="+mn-cs"/>
+                        </a:rPr>
+                        <a:t>2</a:t>
+                      </a:r>
+                      <a:endParaRPr lang="ko-KR" altLang="en-US" sz="1200" b="0" dirty="0"/>
+                    </a:p>
+                  </a:txBody>
+                  <a:tcPr anchor="ctr"/>
+                </a:tc>
+                <a:tc>
+                  <a:txBody>
+                    <a:bodyPr/>
+                    <a:lstStyle/>
+                    <a:p>
+                      <a:pPr algn="ctr" latinLnBrk="1"/>
+                      <a:r>
+                        <a:rPr lang="en-US" altLang="ko-KR" sz="1200" b="0" dirty="0"/>
+                        <a:t>10</a:t>
+                      </a:r>
+                      <a:endParaRPr lang="ko-KR" altLang="en-US" sz="1200" b="0" dirty="0"/>
+                    </a:p>
+                  </a:txBody>
+                  <a:tcPr anchor="ctr"/>
+                </a:tc>
+                <a:tc>
+                  <a:txBody>
+                    <a:bodyPr/>
+                    <a:lstStyle/>
+                    <a:p>
+                      <a:pPr algn="ctr" latinLnBrk="1"/>
+                      <a:r>
+                        <a:rPr lang="en-US" altLang="ko-KR" sz="1200" b="0" dirty="0"/>
+                        <a:t>5</a:t>
+                      </a:r>
+                      <a:endParaRPr lang="ko-KR" altLang="en-US" sz="1200" b="0" dirty="0"/>
+                    </a:p>
+                  </a:txBody>
+                  <a:tcPr anchor="ctr"/>
+                </a:tc>
+                <a:tc>
+                  <a:txBody>
+                    <a:bodyPr/>
+                    <a:lstStyle/>
+                    <a:p>
+                      <a:pPr algn="ctr" latinLnBrk="1"/>
+                      <a:r>
+                        <a:rPr lang="en-US" altLang="ko-KR" sz="1200" b="0" dirty="0"/>
+                        <a:t>5</a:t>
+                      </a:r>
+                      <a:endParaRPr lang="ko-KR" altLang="en-US" sz="1200" b="0" dirty="0"/>
+                    </a:p>
+                  </a:txBody>
+                  <a:tcPr anchor="ctr"/>
+                </a:tc>
+                <a:tc>
+                  <a:txBody>
+                    <a:bodyPr/>
+                    <a:lstStyle/>
+                    <a:p>
+                      <a:pPr algn="ctr" latinLnBrk="1"/>
+                      <a:r>
+                        <a:rPr lang="en-US" altLang="ko-KR" sz="1200" b="0" dirty="0"/>
+                        <a:t>5</a:t>
+                      </a:r>
+                      <a:endParaRPr lang="ko-KR" altLang="en-US" sz="1200" b="0" dirty="0"/>
+                    </a:p>
+                  </a:txBody>
+                  <a:tcPr anchor="ctr"/>
+                </a:tc>
+                <a:extLst>
+                  <a:ext uri="{0D108BD9-81ED-4DB2-BD59-A6C34878D82A}">
+                    <a16:rowId xmlns:a16="http://schemas.microsoft.com/office/drawing/2014/main" val="4158631892"/>
+                  </a:ext>
+                </a:extLst>
+              </a:tr>
+              <a:tr h="0">
+                <a:tc>
+                  <a:txBody>
+                    <a:bodyPr/>
+                    <a:lstStyle/>
+                    <a:p>
+                      <a:pPr algn="ctr" latinLnBrk="1"/>
+                      <a:r>
+                        <a:rPr lang="en-US" altLang="ko-KR" sz="1200" b="0" dirty="0"/>
+                        <a:t>2</a:t>
+                      </a:r>
+                      <a:r>
+                        <a:rPr kumimoji="0" lang="ko-KR" altLang="en-US" sz="1200" b="0" i="0" u="none" strike="noStrike" kern="1200" cap="none" spc="0" normalizeH="0" baseline="0" noProof="0" dirty="0">
+                          <a:ln>
+                            <a:noFill/>
+                          </a:ln>
+                          <a:solidFill>
+                            <a:schemeClr val="tx1"/>
+                          </a:solidFill>
+                          <a:effectLst/>
+                          <a:uLnTx/>
+                          <a:uFillTx/>
+                          <a:latin typeface="+mn-lt"/>
+                          <a:ea typeface="+mn-ea"/>
+                          <a:cs typeface="+mn-cs"/>
+                        </a:rPr>
+                        <a:t>→</a:t>
+                      </a:r>
+                      <a:r>
+                        <a:rPr kumimoji="0" lang="en-US" altLang="ko-KR" sz="1200" b="0" i="0" u="none" strike="noStrike" kern="1200" cap="none" spc="0" normalizeH="0" baseline="0" noProof="0" dirty="0">
+                          <a:ln>
+                            <a:noFill/>
+                          </a:ln>
+                          <a:solidFill>
+                            <a:schemeClr val="tx1"/>
+                          </a:solidFill>
+                          <a:effectLst/>
+                          <a:uLnTx/>
+                          <a:uFillTx/>
+                          <a:latin typeface="+mn-lt"/>
+                          <a:ea typeface="+mn-ea"/>
+                          <a:cs typeface="+mn-cs"/>
+                        </a:rPr>
+                        <a:t>3</a:t>
+                      </a:r>
+                      <a:endParaRPr lang="ko-KR" altLang="en-US" sz="1200" b="0" dirty="0"/>
+                    </a:p>
+                  </a:txBody>
+                  <a:tcPr anchor="ctr"/>
+                </a:tc>
+                <a:tc>
+                  <a:txBody>
+                    <a:bodyPr/>
+                    <a:lstStyle/>
+                    <a:p>
+                      <a:pPr algn="ctr" latinLnBrk="1"/>
+                      <a:r>
+                        <a:rPr lang="en-US" altLang="ko-KR" sz="1200" b="0" dirty="0"/>
+                        <a:t>10</a:t>
+                      </a:r>
+                      <a:endParaRPr lang="ko-KR" altLang="en-US" sz="1200" b="0" dirty="0"/>
+                    </a:p>
+                  </a:txBody>
+                  <a:tcPr anchor="ctr"/>
+                </a:tc>
+                <a:tc>
+                  <a:txBody>
+                    <a:bodyPr/>
+                    <a:lstStyle/>
+                    <a:p>
+                      <a:pPr algn="ctr" latinLnBrk="1"/>
+                      <a:r>
+                        <a:rPr lang="en-US" altLang="ko-KR" sz="1200" b="0" dirty="0"/>
+                        <a:t>5</a:t>
+                      </a:r>
+                      <a:endParaRPr lang="ko-KR" altLang="en-US" sz="1200" b="0" dirty="0"/>
+                    </a:p>
+                  </a:txBody>
+                  <a:tcPr anchor="ctr"/>
+                </a:tc>
+                <a:tc>
+                  <a:txBody>
+                    <a:bodyPr/>
+                    <a:lstStyle/>
+                    <a:p>
+                      <a:pPr algn="ctr" latinLnBrk="1"/>
+                      <a:r>
+                        <a:rPr lang="en-US" altLang="ko-KR" sz="1200" b="0" dirty="0"/>
+                        <a:t>5</a:t>
+                      </a:r>
+                      <a:endParaRPr lang="ko-KR" altLang="en-US" sz="1200" b="0" dirty="0"/>
+                    </a:p>
+                  </a:txBody>
+                  <a:tcPr anchor="ctr"/>
+                </a:tc>
+                <a:tc>
+                  <a:txBody>
+                    <a:bodyPr/>
+                    <a:lstStyle/>
+                    <a:p>
+                      <a:pPr algn="ctr" latinLnBrk="1"/>
+                      <a:r>
+                        <a:rPr lang="en-US" altLang="ko-KR" sz="1200" b="0" dirty="0"/>
+                        <a:t>5</a:t>
+                      </a:r>
+                      <a:endParaRPr lang="ko-KR" altLang="en-US" sz="1200" b="0" dirty="0"/>
+                    </a:p>
+                  </a:txBody>
+                  <a:tcPr anchor="ctr"/>
+                </a:tc>
+                <a:extLst>
+                  <a:ext uri="{0D108BD9-81ED-4DB2-BD59-A6C34878D82A}">
+                    <a16:rowId xmlns:a16="http://schemas.microsoft.com/office/drawing/2014/main" val="3449649247"/>
+                  </a:ext>
+                </a:extLst>
+              </a:tr>
+              <a:tr h="0">
+                <a:tc>
+                  <a:txBody>
+                    <a:bodyPr/>
+                    <a:lstStyle/>
+                    <a:p>
+                      <a:pPr algn="ctr" latinLnBrk="1"/>
+                      <a:r>
+                        <a:rPr lang="en-US" altLang="ko-KR" sz="1200" b="0" dirty="0"/>
+                        <a:t>3</a:t>
+                      </a:r>
+                      <a:r>
+                        <a:rPr kumimoji="0" lang="ko-KR" altLang="en-US" sz="1200" b="0" i="0" u="none" strike="noStrike" kern="1200" cap="none" spc="0" normalizeH="0" baseline="0" noProof="0" dirty="0">
+                          <a:ln>
+                            <a:noFill/>
+                          </a:ln>
+                          <a:solidFill>
+                            <a:schemeClr val="tx1"/>
+                          </a:solidFill>
+                          <a:effectLst/>
+                          <a:uLnTx/>
+                          <a:uFillTx/>
+                          <a:latin typeface="+mn-lt"/>
+                          <a:ea typeface="+mn-ea"/>
+                          <a:cs typeface="+mn-cs"/>
+                        </a:rPr>
+                        <a:t>→</a:t>
+                      </a:r>
+                      <a:r>
+                        <a:rPr kumimoji="0" lang="en-US" altLang="ko-KR" sz="1200" b="0" i="0" u="none" strike="noStrike" kern="1200" cap="none" spc="0" normalizeH="0" baseline="0" noProof="0" dirty="0">
+                          <a:ln>
+                            <a:noFill/>
+                          </a:ln>
+                          <a:solidFill>
+                            <a:schemeClr val="tx1"/>
+                          </a:solidFill>
+                          <a:effectLst/>
+                          <a:uLnTx/>
+                          <a:uFillTx/>
+                          <a:latin typeface="+mn-lt"/>
+                          <a:ea typeface="+mn-ea"/>
+                          <a:cs typeface="+mn-cs"/>
+                        </a:rPr>
+                        <a:t>4</a:t>
+                      </a:r>
+                      <a:endParaRPr lang="ko-KR" altLang="en-US" sz="1200" b="0" dirty="0"/>
+                    </a:p>
+                  </a:txBody>
+                  <a:tcPr anchor="ctr"/>
+                </a:tc>
+                <a:tc>
+                  <a:txBody>
+                    <a:bodyPr/>
+                    <a:lstStyle/>
+                    <a:p>
+                      <a:pPr algn="ctr" latinLnBrk="1"/>
+                      <a:r>
+                        <a:rPr lang="en-US" altLang="ko-KR" sz="1200" b="0" dirty="0"/>
+                        <a:t>20</a:t>
+                      </a:r>
+                      <a:endParaRPr lang="ko-KR" altLang="en-US" sz="1200" b="0" dirty="0"/>
+                    </a:p>
+                  </a:txBody>
+                  <a:tcPr anchor="ctr"/>
+                </a:tc>
+                <a:tc>
+                  <a:txBody>
+                    <a:bodyPr/>
+                    <a:lstStyle/>
+                    <a:p>
+                      <a:pPr algn="ctr" latinLnBrk="1"/>
+                      <a:r>
+                        <a:rPr lang="en-US" altLang="ko-KR" sz="1200" b="0" dirty="0"/>
+                        <a:t>5</a:t>
+                      </a:r>
+                      <a:endParaRPr lang="ko-KR" altLang="en-US" sz="1200" b="0" dirty="0"/>
+                    </a:p>
+                  </a:txBody>
+                  <a:tcPr anchor="ctr"/>
+                </a:tc>
+                <a:tc>
+                  <a:txBody>
+                    <a:bodyPr/>
+                    <a:lstStyle/>
+                    <a:p>
+                      <a:pPr marL="0" marR="0" lvl="0" indent="0" algn="ctr" defTabSz="914400" rtl="0" eaLnBrk="1" fontAlgn="auto" latinLnBrk="1" hangingPunct="1">
+                        <a:lnSpc>
+                          <a:spcPct val="100000"/>
+                        </a:lnSpc>
+                        <a:spcBef>
+                          <a:spcPts val="0"/>
+                        </a:spcBef>
+                        <a:spcAft>
+                          <a:spcPts val="0"/>
+                        </a:spcAft>
+                        <a:buClrTx/>
+                        <a:buSzTx/>
+                        <a:buFontTx/>
+                        <a:buNone/>
+                        <a:tabLst/>
+                        <a:defRPr/>
+                      </a:pPr>
+                      <a:r>
+                        <a:rPr kumimoji="0" lang="en-US" altLang="ko-KR" sz="1200" b="0" i="0" u="none" strike="noStrike" kern="1200" cap="none" spc="0" normalizeH="0" baseline="0" noProof="0">
+                          <a:ln>
+                            <a:noFill/>
+                          </a:ln>
+                          <a:solidFill>
+                            <a:prstClr val="black"/>
+                          </a:solidFill>
+                          <a:effectLst/>
+                          <a:uLnTx/>
+                          <a:uFillTx/>
+                          <a:latin typeface="맑은 고딕" panose="020F0502020204030204"/>
+                          <a:ea typeface="맑은 고딕" panose="020B0503020000020004" pitchFamily="50" charset="-127"/>
+                          <a:cs typeface="+mn-cs"/>
+                        </a:rPr>
+                        <a:t>10</a:t>
+                      </a:r>
+                      <a:endParaRPr kumimoji="0" lang="ko-KR" altLang="en-US" sz="1200" b="0" i="0" u="none" strike="noStrike" kern="1200" cap="none" spc="0" normalizeH="0" baseline="0" noProof="0" dirty="0">
+                        <a:ln>
+                          <a:noFill/>
+                        </a:ln>
+                        <a:solidFill>
+                          <a:prstClr val="black"/>
+                        </a:solidFill>
+                        <a:effectLst/>
+                        <a:uLnTx/>
+                        <a:uFillTx/>
+                        <a:latin typeface="맑은 고딕" panose="020F0502020204030204"/>
+                        <a:ea typeface="맑은 고딕" panose="020B0503020000020004" pitchFamily="50" charset="-127"/>
+                        <a:cs typeface="+mn-cs"/>
+                      </a:endParaRPr>
+                    </a:p>
+                  </a:txBody>
+                  <a:tcPr anchor="ctr"/>
+                </a:tc>
+                <a:tc>
+                  <a:txBody>
+                    <a:bodyPr/>
+                    <a:lstStyle/>
+                    <a:p>
+                      <a:pPr marL="0" marR="0" lvl="0" indent="0" algn="ctr" defTabSz="914400" rtl="0" eaLnBrk="1" fontAlgn="auto" latinLnBrk="1" hangingPunct="1">
+                        <a:lnSpc>
+                          <a:spcPct val="100000"/>
+                        </a:lnSpc>
+                        <a:spcBef>
+                          <a:spcPts val="0"/>
+                        </a:spcBef>
+                        <a:spcAft>
+                          <a:spcPts val="0"/>
+                        </a:spcAft>
+                        <a:buClrTx/>
+                        <a:buSzTx/>
+                        <a:buFontTx/>
+                        <a:buNone/>
+                        <a:tabLst/>
+                        <a:defRPr/>
+                      </a:pPr>
+                      <a:r>
+                        <a:rPr kumimoji="0" lang="en-US" altLang="ko-KR" sz="1200" b="0" i="0" u="none" strike="noStrike" kern="1200" cap="none" spc="0" normalizeH="0" baseline="0" noProof="0">
+                          <a:ln>
+                            <a:noFill/>
+                          </a:ln>
+                          <a:solidFill>
+                            <a:prstClr val="black"/>
+                          </a:solidFill>
+                          <a:effectLst/>
+                          <a:uLnTx/>
+                          <a:uFillTx/>
+                          <a:latin typeface="맑은 고딕" panose="020F0502020204030204"/>
+                          <a:ea typeface="맑은 고딕" panose="020B0503020000020004" pitchFamily="50" charset="-127"/>
+                          <a:cs typeface="+mn-cs"/>
+                        </a:rPr>
+                        <a:t>10</a:t>
+                      </a:r>
+                      <a:endParaRPr kumimoji="0" lang="ko-KR" altLang="en-US" sz="1200" b="0" i="0" u="none" strike="noStrike" kern="1200" cap="none" spc="0" normalizeH="0" baseline="0" noProof="0" dirty="0">
+                        <a:ln>
+                          <a:noFill/>
+                        </a:ln>
+                        <a:solidFill>
+                          <a:prstClr val="black"/>
+                        </a:solidFill>
+                        <a:effectLst/>
+                        <a:uLnTx/>
+                        <a:uFillTx/>
+                        <a:latin typeface="맑은 고딕" panose="020F0502020204030204"/>
+                        <a:ea typeface="맑은 고딕" panose="020B0503020000020004" pitchFamily="50" charset="-127"/>
+                        <a:cs typeface="+mn-cs"/>
+                      </a:endParaRPr>
+                    </a:p>
+                  </a:txBody>
+                  <a:tcPr anchor="ctr"/>
+                </a:tc>
+                <a:extLst>
+                  <a:ext uri="{0D108BD9-81ED-4DB2-BD59-A6C34878D82A}">
+                    <a16:rowId xmlns:a16="http://schemas.microsoft.com/office/drawing/2014/main" val="1244384396"/>
+                  </a:ext>
+                </a:extLst>
+              </a:tr>
+              <a:tr h="0">
+                <a:tc>
+                  <a:txBody>
+                    <a:bodyPr/>
+                    <a:lstStyle/>
+                    <a:p>
+                      <a:pPr algn="ctr" latinLnBrk="1"/>
+                      <a:r>
+                        <a:rPr lang="en-US" altLang="ko-KR" sz="1200" b="0" dirty="0"/>
+                        <a:t>4</a:t>
+                      </a:r>
+                      <a:r>
+                        <a:rPr kumimoji="0" lang="ko-KR" altLang="en-US" sz="1200" b="0" i="0" u="none" strike="noStrike" kern="1200" cap="none" spc="0" normalizeH="0" baseline="0" noProof="0" dirty="0">
+                          <a:ln>
+                            <a:noFill/>
+                          </a:ln>
+                          <a:solidFill>
+                            <a:schemeClr val="tx1"/>
+                          </a:solidFill>
+                          <a:effectLst/>
+                          <a:uLnTx/>
+                          <a:uFillTx/>
+                          <a:latin typeface="+mn-lt"/>
+                          <a:ea typeface="+mn-ea"/>
+                          <a:cs typeface="+mn-cs"/>
+                        </a:rPr>
+                        <a:t>→</a:t>
+                      </a:r>
+                      <a:r>
+                        <a:rPr kumimoji="0" lang="en-US" altLang="ko-KR" sz="1200" b="0" i="0" u="none" strike="noStrike" kern="1200" cap="none" spc="0" normalizeH="0" baseline="0" noProof="0" dirty="0">
+                          <a:ln>
+                            <a:noFill/>
+                          </a:ln>
+                          <a:solidFill>
+                            <a:schemeClr val="tx1"/>
+                          </a:solidFill>
+                          <a:effectLst/>
+                          <a:uLnTx/>
+                          <a:uFillTx/>
+                          <a:latin typeface="+mn-lt"/>
+                          <a:ea typeface="+mn-ea"/>
+                          <a:cs typeface="+mn-cs"/>
+                        </a:rPr>
+                        <a:t>5</a:t>
+                      </a:r>
+                      <a:endParaRPr lang="ko-KR" altLang="en-US" sz="1200" b="0" dirty="0"/>
+                    </a:p>
+                  </a:txBody>
+                  <a:tcPr anchor="ctr"/>
+                </a:tc>
+                <a:tc>
+                  <a:txBody>
+                    <a:bodyPr/>
+                    <a:lstStyle/>
+                    <a:p>
+                      <a:pPr algn="ctr" latinLnBrk="1"/>
+                      <a:r>
+                        <a:rPr lang="en-US" altLang="ko-KR" sz="1200" b="0" dirty="0"/>
+                        <a:t>40</a:t>
+                      </a:r>
+                      <a:endParaRPr lang="ko-KR" altLang="en-US" sz="1200" b="0" dirty="0"/>
+                    </a:p>
+                  </a:txBody>
+                  <a:tcPr anchor="ctr"/>
+                </a:tc>
+                <a:tc>
+                  <a:txBody>
+                    <a:bodyPr/>
+                    <a:lstStyle/>
+                    <a:p>
+                      <a:pPr algn="ctr" latinLnBrk="1"/>
+                      <a:r>
+                        <a:rPr lang="en-US" altLang="ko-KR" sz="1200" b="0" dirty="0"/>
+                        <a:t>10</a:t>
+                      </a:r>
+                      <a:endParaRPr lang="ko-KR" altLang="en-US" sz="1200" b="0" dirty="0"/>
+                    </a:p>
+                  </a:txBody>
+                  <a:tcPr anchor="ctr"/>
+                </a:tc>
+                <a:tc>
+                  <a:txBody>
+                    <a:bodyPr/>
+                    <a:lstStyle/>
+                    <a:p>
+                      <a:pPr marL="0" marR="0" lvl="0" indent="0" algn="ctr" defTabSz="914400" rtl="0" eaLnBrk="1" fontAlgn="auto" latinLnBrk="1" hangingPunct="1">
+                        <a:lnSpc>
+                          <a:spcPct val="100000"/>
+                        </a:lnSpc>
+                        <a:spcBef>
+                          <a:spcPts val="0"/>
+                        </a:spcBef>
+                        <a:spcAft>
+                          <a:spcPts val="0"/>
+                        </a:spcAft>
+                        <a:buClrTx/>
+                        <a:buSzTx/>
+                        <a:buFontTx/>
+                        <a:buNone/>
+                        <a:tabLst/>
+                        <a:defRPr/>
+                      </a:pPr>
+                      <a:r>
+                        <a:rPr kumimoji="0" lang="en-US" altLang="ko-KR" sz="1200" b="0" i="0" u="none" strike="noStrike" kern="1200" cap="none" spc="0" normalizeH="0" baseline="0" noProof="0">
+                          <a:ln>
+                            <a:noFill/>
+                          </a:ln>
+                          <a:solidFill>
+                            <a:prstClr val="black"/>
+                          </a:solidFill>
+                          <a:effectLst/>
+                          <a:uLnTx/>
+                          <a:uFillTx/>
+                          <a:latin typeface="맑은 고딕" panose="020F0502020204030204"/>
+                          <a:ea typeface="맑은 고딕" panose="020B0503020000020004" pitchFamily="50" charset="-127"/>
+                          <a:cs typeface="+mn-cs"/>
+                        </a:rPr>
+                        <a:t>10</a:t>
+                      </a:r>
+                      <a:endParaRPr kumimoji="0" lang="ko-KR" altLang="en-US" sz="1200" b="0" i="0" u="none" strike="noStrike" kern="1200" cap="none" spc="0" normalizeH="0" baseline="0" noProof="0" dirty="0">
+                        <a:ln>
+                          <a:noFill/>
+                        </a:ln>
+                        <a:solidFill>
+                          <a:prstClr val="black"/>
+                        </a:solidFill>
+                        <a:effectLst/>
+                        <a:uLnTx/>
+                        <a:uFillTx/>
+                        <a:latin typeface="맑은 고딕" panose="020F0502020204030204"/>
+                        <a:ea typeface="맑은 고딕" panose="020B0503020000020004" pitchFamily="50" charset="-127"/>
+                        <a:cs typeface="+mn-cs"/>
+                      </a:endParaRPr>
+                    </a:p>
+                  </a:txBody>
+                  <a:tcPr anchor="ctr"/>
+                </a:tc>
+                <a:tc>
+                  <a:txBody>
+                    <a:bodyPr/>
+                    <a:lstStyle/>
+                    <a:p>
+                      <a:pPr marL="0" marR="0" lvl="0" indent="0" algn="ctr" defTabSz="914400" rtl="0" eaLnBrk="1" fontAlgn="auto" latinLnBrk="1" hangingPunct="1">
+                        <a:lnSpc>
+                          <a:spcPct val="100000"/>
+                        </a:lnSpc>
+                        <a:spcBef>
+                          <a:spcPts val="0"/>
+                        </a:spcBef>
+                        <a:spcAft>
+                          <a:spcPts val="0"/>
+                        </a:spcAft>
+                        <a:buClrTx/>
+                        <a:buSzTx/>
+                        <a:buFontTx/>
+                        <a:buNone/>
+                        <a:tabLst/>
+                        <a:defRPr/>
+                      </a:pPr>
+                      <a:r>
+                        <a:rPr kumimoji="0" lang="en-US" altLang="ko-KR" sz="1200" b="0" i="0" u="none" strike="noStrike" kern="1200" cap="none" spc="0" normalizeH="0" baseline="0" noProof="0">
+                          <a:ln>
+                            <a:noFill/>
+                          </a:ln>
+                          <a:solidFill>
+                            <a:prstClr val="black"/>
+                          </a:solidFill>
+                          <a:effectLst/>
+                          <a:uLnTx/>
+                          <a:uFillTx/>
+                          <a:latin typeface="맑은 고딕" panose="020F0502020204030204"/>
+                          <a:ea typeface="맑은 고딕" panose="020B0503020000020004" pitchFamily="50" charset="-127"/>
+                          <a:cs typeface="+mn-cs"/>
+                        </a:rPr>
+                        <a:t>10</a:t>
+                      </a:r>
+                      <a:endParaRPr kumimoji="0" lang="ko-KR" altLang="en-US" sz="1200" b="0" i="0" u="none" strike="noStrike" kern="1200" cap="none" spc="0" normalizeH="0" baseline="0" noProof="0" dirty="0">
+                        <a:ln>
+                          <a:noFill/>
+                        </a:ln>
+                        <a:solidFill>
+                          <a:prstClr val="black"/>
+                        </a:solidFill>
+                        <a:effectLst/>
+                        <a:uLnTx/>
+                        <a:uFillTx/>
+                        <a:latin typeface="맑은 고딕" panose="020F0502020204030204"/>
+                        <a:ea typeface="맑은 고딕" panose="020B0503020000020004" pitchFamily="50" charset="-127"/>
+                        <a:cs typeface="+mn-cs"/>
+                      </a:endParaRPr>
+                    </a:p>
+                  </a:txBody>
+                  <a:tcPr anchor="ctr"/>
+                </a:tc>
+                <a:extLst>
+                  <a:ext uri="{0D108BD9-81ED-4DB2-BD59-A6C34878D82A}">
+                    <a16:rowId xmlns:a16="http://schemas.microsoft.com/office/drawing/2014/main" val="2945084893"/>
+                  </a:ext>
+                </a:extLst>
+              </a:tr>
+              <a:tr h="0">
+                <a:tc>
+                  <a:txBody>
+                    <a:bodyPr/>
+                    <a:lstStyle/>
+                    <a:p>
+                      <a:pPr algn="ctr" latinLnBrk="1"/>
+                      <a:r>
+                        <a:rPr lang="en-US" altLang="ko-KR" sz="1200" b="0" dirty="0"/>
+                        <a:t>5</a:t>
+                      </a:r>
+                      <a:r>
+                        <a:rPr kumimoji="0" lang="ko-KR" altLang="en-US" sz="1200" b="0" i="0" u="none" strike="noStrike" kern="1200" cap="none" spc="0" normalizeH="0" baseline="0" noProof="0" dirty="0">
+                          <a:ln>
+                            <a:noFill/>
+                          </a:ln>
+                          <a:solidFill>
+                            <a:schemeClr val="tx1"/>
+                          </a:solidFill>
+                          <a:effectLst/>
+                          <a:uLnTx/>
+                          <a:uFillTx/>
+                          <a:latin typeface="+mn-lt"/>
+                          <a:ea typeface="+mn-ea"/>
+                          <a:cs typeface="+mn-cs"/>
+                        </a:rPr>
+                        <a:t>→</a:t>
+                      </a:r>
+                      <a:r>
+                        <a:rPr kumimoji="0" lang="en-US" altLang="ko-KR" sz="1200" b="0" i="0" u="none" strike="noStrike" kern="1200" cap="none" spc="0" normalizeH="0" baseline="0" noProof="0" dirty="0">
+                          <a:ln>
+                            <a:noFill/>
+                          </a:ln>
+                          <a:solidFill>
+                            <a:schemeClr val="tx1"/>
+                          </a:solidFill>
+                          <a:effectLst/>
+                          <a:uLnTx/>
+                          <a:uFillTx/>
+                          <a:latin typeface="+mn-lt"/>
+                          <a:ea typeface="+mn-ea"/>
+                          <a:cs typeface="+mn-cs"/>
+                        </a:rPr>
+                        <a:t>6</a:t>
+                      </a:r>
+                      <a:endParaRPr lang="ko-KR" altLang="en-US" sz="1200" b="0" dirty="0"/>
+                    </a:p>
+                  </a:txBody>
+                  <a:tcPr anchor="ctr"/>
+                </a:tc>
+                <a:tc>
+                  <a:txBody>
+                    <a:bodyPr/>
+                    <a:lstStyle/>
+                    <a:p>
+                      <a:pPr algn="ctr" latinLnBrk="1"/>
+                      <a:r>
+                        <a:rPr lang="en-US" altLang="ko-KR" sz="1200" b="0" dirty="0"/>
+                        <a:t>30</a:t>
+                      </a:r>
+                      <a:endParaRPr lang="ko-KR" altLang="en-US" sz="1200" b="0" dirty="0"/>
+                    </a:p>
+                  </a:txBody>
+                  <a:tcPr anchor="ctr"/>
+                </a:tc>
+                <a:tc>
+                  <a:txBody>
+                    <a:bodyPr/>
+                    <a:lstStyle/>
+                    <a:p>
+                      <a:pPr algn="ctr" latinLnBrk="1"/>
+                      <a:r>
+                        <a:rPr lang="en-US" altLang="ko-KR" sz="1200" b="0" dirty="0"/>
+                        <a:t>10</a:t>
+                      </a:r>
+                      <a:endParaRPr lang="ko-KR" altLang="en-US" sz="1200" b="0" dirty="0"/>
+                    </a:p>
+                  </a:txBody>
+                  <a:tcPr anchor="ctr"/>
+                </a:tc>
+                <a:tc>
+                  <a:txBody>
+                    <a:bodyPr/>
+                    <a:lstStyle/>
+                    <a:p>
+                      <a:pPr marL="0" marR="0" lvl="0" indent="0" algn="ctr" defTabSz="914400" rtl="0" eaLnBrk="1" fontAlgn="auto" latinLnBrk="1" hangingPunct="1">
+                        <a:lnSpc>
+                          <a:spcPct val="100000"/>
+                        </a:lnSpc>
+                        <a:spcBef>
+                          <a:spcPts val="0"/>
+                        </a:spcBef>
+                        <a:spcAft>
+                          <a:spcPts val="0"/>
+                        </a:spcAft>
+                        <a:buClrTx/>
+                        <a:buSzTx/>
+                        <a:buFontTx/>
+                        <a:buNone/>
+                        <a:tabLst/>
+                        <a:defRPr/>
+                      </a:pPr>
+                      <a:r>
+                        <a:rPr kumimoji="0" lang="en-US" altLang="ko-KR" sz="1200" b="0" i="0" u="none" strike="noStrike" kern="1200" cap="none" spc="0" normalizeH="0" baseline="0" noProof="0">
+                          <a:ln>
+                            <a:noFill/>
+                          </a:ln>
+                          <a:solidFill>
+                            <a:prstClr val="black"/>
+                          </a:solidFill>
+                          <a:effectLst/>
+                          <a:uLnTx/>
+                          <a:uFillTx/>
+                          <a:latin typeface="맑은 고딕" panose="020F0502020204030204"/>
+                          <a:ea typeface="맑은 고딕" panose="020B0503020000020004" pitchFamily="50" charset="-127"/>
+                          <a:cs typeface="+mn-cs"/>
+                        </a:rPr>
+                        <a:t>10</a:t>
+                      </a:r>
+                      <a:endParaRPr kumimoji="0" lang="ko-KR" altLang="en-US" sz="1200" b="0" i="0" u="none" strike="noStrike" kern="1200" cap="none" spc="0" normalizeH="0" baseline="0" noProof="0" dirty="0">
+                        <a:ln>
+                          <a:noFill/>
+                        </a:ln>
+                        <a:solidFill>
+                          <a:prstClr val="black"/>
+                        </a:solidFill>
+                        <a:effectLst/>
+                        <a:uLnTx/>
+                        <a:uFillTx/>
+                        <a:latin typeface="맑은 고딕" panose="020F0502020204030204"/>
+                        <a:ea typeface="맑은 고딕" panose="020B0503020000020004" pitchFamily="50" charset="-127"/>
+                        <a:cs typeface="+mn-cs"/>
+                      </a:endParaRPr>
+                    </a:p>
+                  </a:txBody>
+                  <a:tcPr anchor="ctr"/>
+                </a:tc>
+                <a:tc>
+                  <a:txBody>
+                    <a:bodyPr/>
+                    <a:lstStyle/>
+                    <a:p>
+                      <a:pPr marL="0" marR="0" lvl="0" indent="0" algn="ctr" defTabSz="914400" rtl="0" eaLnBrk="1" fontAlgn="auto" latinLnBrk="1" hangingPunct="1">
+                        <a:lnSpc>
+                          <a:spcPct val="100000"/>
+                        </a:lnSpc>
+                        <a:spcBef>
+                          <a:spcPts val="0"/>
+                        </a:spcBef>
+                        <a:spcAft>
+                          <a:spcPts val="0"/>
+                        </a:spcAft>
+                        <a:buClrTx/>
+                        <a:buSzTx/>
+                        <a:buFontTx/>
+                        <a:buNone/>
+                        <a:tabLst/>
+                        <a:defRPr/>
+                      </a:pPr>
+                      <a:r>
+                        <a:rPr kumimoji="0" lang="en-US" altLang="ko-KR" sz="1200" b="0" i="0" u="none" strike="noStrike" kern="1200" cap="none" spc="0" normalizeH="0" baseline="0" noProof="0" dirty="0">
+                          <a:ln>
+                            <a:noFill/>
+                          </a:ln>
+                          <a:solidFill>
+                            <a:prstClr val="black"/>
+                          </a:solidFill>
+                          <a:effectLst/>
+                          <a:uLnTx/>
+                          <a:uFillTx/>
+                          <a:latin typeface="맑은 고딕" panose="020F0502020204030204"/>
+                          <a:ea typeface="맑은 고딕" panose="020B0503020000020004" pitchFamily="50" charset="-127"/>
+                          <a:cs typeface="+mn-cs"/>
+                        </a:rPr>
+                        <a:t>10</a:t>
+                      </a:r>
+                      <a:endParaRPr kumimoji="0" lang="ko-KR" altLang="en-US" sz="1200" b="0" i="0" u="none" strike="noStrike" kern="1200" cap="none" spc="0" normalizeH="0" baseline="0" noProof="0" dirty="0">
+                        <a:ln>
+                          <a:noFill/>
+                        </a:ln>
+                        <a:solidFill>
+                          <a:prstClr val="black"/>
+                        </a:solidFill>
+                        <a:effectLst/>
+                        <a:uLnTx/>
+                        <a:uFillTx/>
+                        <a:latin typeface="맑은 고딕" panose="020F0502020204030204"/>
+                        <a:ea typeface="맑은 고딕" panose="020B0503020000020004" pitchFamily="50" charset="-127"/>
+                        <a:cs typeface="+mn-cs"/>
+                      </a:endParaRPr>
+                    </a:p>
+                  </a:txBody>
+                  <a:tcPr anchor="ctr"/>
+                </a:tc>
+                <a:extLst>
+                  <a:ext uri="{0D108BD9-81ED-4DB2-BD59-A6C34878D82A}">
+                    <a16:rowId xmlns:a16="http://schemas.microsoft.com/office/drawing/2014/main" val="4268316274"/>
+                  </a:ext>
+                </a:extLst>
+              </a:tr>
+              <a:tr h="0">
+                <a:tc>
+                  <a:txBody>
+                    <a:bodyPr/>
+                    <a:lstStyle/>
+                    <a:p>
+                      <a:pPr algn="ctr" latinLnBrk="1"/>
+                      <a:r>
+                        <a:rPr lang="en-US" altLang="ko-KR" sz="1200" b="0" dirty="0"/>
+                        <a:t>6</a:t>
+                      </a:r>
+                      <a:r>
+                        <a:rPr kumimoji="0" lang="ko-KR" altLang="en-US" sz="1200" b="0" i="0" u="none" strike="noStrike" kern="1200" cap="none" spc="0" normalizeH="0" baseline="0" noProof="0" dirty="0">
+                          <a:ln>
+                            <a:noFill/>
+                          </a:ln>
+                          <a:solidFill>
+                            <a:schemeClr val="tx1"/>
+                          </a:solidFill>
+                          <a:effectLst/>
+                          <a:uLnTx/>
+                          <a:uFillTx/>
+                          <a:latin typeface="+mn-lt"/>
+                          <a:ea typeface="+mn-ea"/>
+                          <a:cs typeface="+mn-cs"/>
+                        </a:rPr>
+                        <a:t>→</a:t>
+                      </a:r>
+                      <a:r>
+                        <a:rPr kumimoji="0" lang="en-US" altLang="ko-KR" sz="1200" b="0" i="0" u="none" strike="noStrike" kern="1200" cap="none" spc="0" normalizeH="0" baseline="0" noProof="0" dirty="0">
+                          <a:ln>
+                            <a:noFill/>
+                          </a:ln>
+                          <a:solidFill>
+                            <a:schemeClr val="tx1"/>
+                          </a:solidFill>
+                          <a:effectLst/>
+                          <a:uLnTx/>
+                          <a:uFillTx/>
+                          <a:latin typeface="+mn-lt"/>
+                          <a:ea typeface="+mn-ea"/>
+                          <a:cs typeface="+mn-cs"/>
+                        </a:rPr>
+                        <a:t>7</a:t>
+                      </a:r>
+                      <a:endParaRPr lang="ko-KR" altLang="en-US" sz="1200" b="0" dirty="0"/>
+                    </a:p>
+                  </a:txBody>
+                  <a:tcPr anchor="ctr"/>
+                </a:tc>
+                <a:tc>
+                  <a:txBody>
+                    <a:bodyPr/>
+                    <a:lstStyle/>
+                    <a:p>
+                      <a:pPr algn="ctr" latinLnBrk="1"/>
+                      <a:r>
+                        <a:rPr lang="en-US" altLang="ko-KR" sz="1200" b="0" dirty="0"/>
+                        <a:t>30</a:t>
+                      </a:r>
+                      <a:endParaRPr lang="ko-KR" altLang="en-US" sz="1200" b="0" dirty="0"/>
+                    </a:p>
+                  </a:txBody>
+                  <a:tcPr anchor="ctr"/>
+                </a:tc>
+                <a:tc>
+                  <a:txBody>
+                    <a:bodyPr/>
+                    <a:lstStyle/>
+                    <a:p>
+                      <a:pPr algn="ctr" latinLnBrk="1"/>
+                      <a:r>
+                        <a:rPr lang="en-US" altLang="ko-KR" sz="1200" b="0" dirty="0"/>
+                        <a:t>15</a:t>
+                      </a:r>
+                      <a:endParaRPr lang="ko-KR" altLang="en-US" sz="1200" b="0" dirty="0"/>
+                    </a:p>
+                  </a:txBody>
+                  <a:tcPr anchor="ctr"/>
+                </a:tc>
+                <a:tc>
+                  <a:txBody>
+                    <a:bodyPr/>
+                    <a:lstStyle/>
+                    <a:p>
+                      <a:pPr marL="0" marR="0" lvl="0" indent="0" algn="ctr" defTabSz="914400" rtl="0" eaLnBrk="1" fontAlgn="auto" latinLnBrk="1" hangingPunct="1">
+                        <a:lnSpc>
+                          <a:spcPct val="100000"/>
+                        </a:lnSpc>
+                        <a:spcBef>
+                          <a:spcPts val="0"/>
+                        </a:spcBef>
+                        <a:spcAft>
+                          <a:spcPts val="0"/>
+                        </a:spcAft>
+                        <a:buClrTx/>
+                        <a:buSzTx/>
+                        <a:buFontTx/>
+                        <a:buNone/>
+                        <a:tabLst/>
+                        <a:defRPr/>
+                      </a:pPr>
+                      <a:r>
+                        <a:rPr kumimoji="0" lang="en-US" altLang="ko-KR" sz="1200" b="0" i="0" u="none" strike="noStrike" kern="1200" cap="none" spc="0" normalizeH="0" baseline="0" noProof="0">
+                          <a:ln>
+                            <a:noFill/>
+                          </a:ln>
+                          <a:solidFill>
+                            <a:prstClr val="black"/>
+                          </a:solidFill>
+                          <a:effectLst/>
+                          <a:uLnTx/>
+                          <a:uFillTx/>
+                          <a:latin typeface="맑은 고딕" panose="020F0502020204030204"/>
+                          <a:ea typeface="맑은 고딕" panose="020B0503020000020004" pitchFamily="50" charset="-127"/>
+                          <a:cs typeface="+mn-cs"/>
+                        </a:rPr>
+                        <a:t>25</a:t>
+                      </a:r>
+                      <a:endParaRPr kumimoji="0" lang="ko-KR" altLang="en-US" sz="1200" b="0" i="0" u="none" strike="noStrike" kern="1200" cap="none" spc="0" normalizeH="0" baseline="0" noProof="0" dirty="0">
+                        <a:ln>
+                          <a:noFill/>
+                        </a:ln>
+                        <a:solidFill>
+                          <a:prstClr val="black"/>
+                        </a:solidFill>
+                        <a:effectLst/>
+                        <a:uLnTx/>
+                        <a:uFillTx/>
+                        <a:latin typeface="맑은 고딕" panose="020F0502020204030204"/>
+                        <a:ea typeface="맑은 고딕" panose="020B0503020000020004" pitchFamily="50" charset="-127"/>
+                        <a:cs typeface="+mn-cs"/>
+                      </a:endParaRPr>
+                    </a:p>
+                  </a:txBody>
+                  <a:tcPr anchor="ctr"/>
+                </a:tc>
+                <a:tc>
+                  <a:txBody>
+                    <a:bodyPr/>
+                    <a:lstStyle/>
+                    <a:p>
+                      <a:pPr marL="0" marR="0" lvl="0" indent="0" algn="ctr" defTabSz="914400" rtl="0" eaLnBrk="1" fontAlgn="auto" latinLnBrk="1" hangingPunct="1">
+                        <a:lnSpc>
+                          <a:spcPct val="100000"/>
+                        </a:lnSpc>
+                        <a:spcBef>
+                          <a:spcPts val="0"/>
+                        </a:spcBef>
+                        <a:spcAft>
+                          <a:spcPts val="0"/>
+                        </a:spcAft>
+                        <a:buClrTx/>
+                        <a:buSzTx/>
+                        <a:buFontTx/>
+                        <a:buNone/>
+                        <a:tabLst/>
+                        <a:defRPr/>
+                      </a:pPr>
+                      <a:r>
+                        <a:rPr kumimoji="0" lang="en-US" altLang="ko-KR" sz="1200" b="0" i="0" u="none" strike="noStrike" kern="1200" cap="none" spc="0" normalizeH="0" baseline="0" noProof="0">
+                          <a:ln>
+                            <a:noFill/>
+                          </a:ln>
+                          <a:solidFill>
+                            <a:prstClr val="black"/>
+                          </a:solidFill>
+                          <a:effectLst/>
+                          <a:uLnTx/>
+                          <a:uFillTx/>
+                          <a:latin typeface="맑은 고딕" panose="020F0502020204030204"/>
+                          <a:ea typeface="맑은 고딕" panose="020B0503020000020004" pitchFamily="50" charset="-127"/>
+                          <a:cs typeface="+mn-cs"/>
+                        </a:rPr>
+                        <a:t>25</a:t>
+                      </a:r>
+                      <a:endParaRPr kumimoji="0" lang="ko-KR" altLang="en-US" sz="1200" b="0" i="0" u="none" strike="noStrike" kern="1200" cap="none" spc="0" normalizeH="0" baseline="0" noProof="0" dirty="0">
+                        <a:ln>
+                          <a:noFill/>
+                        </a:ln>
+                        <a:solidFill>
+                          <a:prstClr val="black"/>
+                        </a:solidFill>
+                        <a:effectLst/>
+                        <a:uLnTx/>
+                        <a:uFillTx/>
+                        <a:latin typeface="맑은 고딕" panose="020F0502020204030204"/>
+                        <a:ea typeface="맑은 고딕" panose="020B0503020000020004" pitchFamily="50" charset="-127"/>
+                        <a:cs typeface="+mn-cs"/>
+                      </a:endParaRPr>
+                    </a:p>
+                  </a:txBody>
+                  <a:tcPr anchor="ctr"/>
+                </a:tc>
+                <a:extLst>
+                  <a:ext uri="{0D108BD9-81ED-4DB2-BD59-A6C34878D82A}">
+                    <a16:rowId xmlns:a16="http://schemas.microsoft.com/office/drawing/2014/main" val="3840728888"/>
+                  </a:ext>
+                </a:extLst>
+              </a:tr>
+              <a:tr h="0">
+                <a:tc>
+                  <a:txBody>
+                    <a:bodyPr/>
+                    <a:lstStyle/>
+                    <a:p>
+                      <a:pPr algn="ctr" latinLnBrk="1"/>
+                      <a:r>
+                        <a:rPr lang="en-US" altLang="ko-KR" sz="1200" b="0" dirty="0"/>
+                        <a:t>7</a:t>
+                      </a:r>
+                      <a:r>
+                        <a:rPr kumimoji="0" lang="ko-KR" altLang="en-US" sz="1200" b="0" i="0" u="none" strike="noStrike" kern="1200" cap="none" spc="0" normalizeH="0" baseline="0" noProof="0" dirty="0">
+                          <a:ln>
+                            <a:noFill/>
+                          </a:ln>
+                          <a:solidFill>
+                            <a:schemeClr val="tx1"/>
+                          </a:solidFill>
+                          <a:effectLst/>
+                          <a:uLnTx/>
+                          <a:uFillTx/>
+                          <a:latin typeface="+mn-lt"/>
+                          <a:ea typeface="+mn-ea"/>
+                          <a:cs typeface="+mn-cs"/>
+                        </a:rPr>
+                        <a:t>→</a:t>
+                      </a:r>
+                      <a:r>
+                        <a:rPr kumimoji="0" lang="en-US" altLang="ko-KR" sz="1200" b="0" i="0" u="none" strike="noStrike" kern="1200" cap="none" spc="0" normalizeH="0" baseline="0" noProof="0" dirty="0">
+                          <a:ln>
+                            <a:noFill/>
+                          </a:ln>
+                          <a:solidFill>
+                            <a:schemeClr val="tx1"/>
+                          </a:solidFill>
+                          <a:effectLst/>
+                          <a:uLnTx/>
+                          <a:uFillTx/>
+                          <a:latin typeface="+mn-lt"/>
+                          <a:ea typeface="+mn-ea"/>
+                          <a:cs typeface="+mn-cs"/>
+                        </a:rPr>
+                        <a:t>8</a:t>
+                      </a:r>
+                      <a:endParaRPr lang="en-US" altLang="ko-KR" sz="1200" b="0" dirty="0"/>
+                    </a:p>
+                  </a:txBody>
+                  <a:tcPr anchor="ctr"/>
+                </a:tc>
+                <a:tc>
+                  <a:txBody>
+                    <a:bodyPr/>
+                    <a:lstStyle/>
+                    <a:p>
+                      <a:pPr algn="ctr" latinLnBrk="1"/>
+                      <a:r>
+                        <a:rPr lang="en-US" altLang="ko-KR" sz="1200" b="0" dirty="0"/>
+                        <a:t>40</a:t>
+                      </a:r>
+                      <a:endParaRPr lang="ko-KR" altLang="en-US" sz="1200" b="0" dirty="0"/>
+                    </a:p>
+                  </a:txBody>
+                  <a:tcPr anchor="ctr"/>
+                </a:tc>
+                <a:tc>
+                  <a:txBody>
+                    <a:bodyPr/>
+                    <a:lstStyle/>
+                    <a:p>
+                      <a:pPr algn="ctr" latinLnBrk="1"/>
+                      <a:r>
+                        <a:rPr lang="en-US" altLang="ko-KR" sz="1200" b="0" dirty="0"/>
+                        <a:t>20</a:t>
+                      </a:r>
+                      <a:endParaRPr lang="ko-KR" altLang="en-US" sz="1200" b="0" dirty="0"/>
+                    </a:p>
+                  </a:txBody>
+                  <a:tcPr anchor="ctr"/>
+                </a:tc>
+                <a:tc>
+                  <a:txBody>
+                    <a:bodyPr/>
+                    <a:lstStyle/>
+                    <a:p>
+                      <a:pPr marL="0" marR="0" lvl="0" indent="0" algn="ctr" defTabSz="914400" rtl="0" eaLnBrk="1" fontAlgn="auto" latinLnBrk="1" hangingPunct="1">
+                        <a:lnSpc>
+                          <a:spcPct val="100000"/>
+                        </a:lnSpc>
+                        <a:spcBef>
+                          <a:spcPts val="0"/>
+                        </a:spcBef>
+                        <a:spcAft>
+                          <a:spcPts val="0"/>
+                        </a:spcAft>
+                        <a:buClrTx/>
+                        <a:buSzTx/>
+                        <a:buFontTx/>
+                        <a:buNone/>
+                        <a:tabLst/>
+                        <a:defRPr/>
+                      </a:pPr>
+                      <a:r>
+                        <a:rPr kumimoji="0" lang="en-US" altLang="ko-KR" sz="1200" b="0" i="0" u="none" strike="noStrike" kern="1200" cap="none" spc="0" normalizeH="0" baseline="0" noProof="0">
+                          <a:ln>
+                            <a:noFill/>
+                          </a:ln>
+                          <a:solidFill>
+                            <a:prstClr val="black"/>
+                          </a:solidFill>
+                          <a:effectLst/>
+                          <a:uLnTx/>
+                          <a:uFillTx/>
+                          <a:latin typeface="맑은 고딕" panose="020F0502020204030204"/>
+                          <a:ea typeface="맑은 고딕" panose="020B0503020000020004" pitchFamily="50" charset="-127"/>
+                          <a:cs typeface="+mn-cs"/>
+                        </a:rPr>
+                        <a:t>25</a:t>
+                      </a:r>
+                      <a:endParaRPr kumimoji="0" lang="ko-KR" altLang="en-US" sz="1200" b="0" i="0" u="none" strike="noStrike" kern="1200" cap="none" spc="0" normalizeH="0" baseline="0" noProof="0" dirty="0">
+                        <a:ln>
+                          <a:noFill/>
+                        </a:ln>
+                        <a:solidFill>
+                          <a:prstClr val="black"/>
+                        </a:solidFill>
+                        <a:effectLst/>
+                        <a:uLnTx/>
+                        <a:uFillTx/>
+                        <a:latin typeface="맑은 고딕" panose="020F0502020204030204"/>
+                        <a:ea typeface="맑은 고딕" panose="020B0503020000020004" pitchFamily="50" charset="-127"/>
+                        <a:cs typeface="+mn-cs"/>
+                      </a:endParaRPr>
+                    </a:p>
+                  </a:txBody>
+                  <a:tcPr anchor="ctr"/>
+                </a:tc>
+                <a:tc>
+                  <a:txBody>
+                    <a:bodyPr/>
+                    <a:lstStyle/>
+                    <a:p>
+                      <a:pPr marL="0" marR="0" lvl="0" indent="0" algn="ctr" defTabSz="914400" rtl="0" eaLnBrk="1" fontAlgn="auto" latinLnBrk="1" hangingPunct="1">
+                        <a:lnSpc>
+                          <a:spcPct val="100000"/>
+                        </a:lnSpc>
+                        <a:spcBef>
+                          <a:spcPts val="0"/>
+                        </a:spcBef>
+                        <a:spcAft>
+                          <a:spcPts val="0"/>
+                        </a:spcAft>
+                        <a:buClrTx/>
+                        <a:buSzTx/>
+                        <a:buFontTx/>
+                        <a:buNone/>
+                        <a:tabLst/>
+                        <a:defRPr/>
+                      </a:pPr>
+                      <a:r>
+                        <a:rPr kumimoji="0" lang="en-US" altLang="ko-KR" sz="1200" b="0" i="0" u="none" strike="noStrike" kern="1200" cap="none" spc="0" normalizeH="0" baseline="0" noProof="0" dirty="0">
+                          <a:ln>
+                            <a:noFill/>
+                          </a:ln>
+                          <a:solidFill>
+                            <a:prstClr val="black"/>
+                          </a:solidFill>
+                          <a:effectLst/>
+                          <a:uLnTx/>
+                          <a:uFillTx/>
+                          <a:latin typeface="맑은 고딕" panose="020F0502020204030204"/>
+                          <a:ea typeface="맑은 고딕" panose="020B0503020000020004" pitchFamily="50" charset="-127"/>
+                          <a:cs typeface="+mn-cs"/>
+                        </a:rPr>
+                        <a:t>25</a:t>
+                      </a:r>
+                      <a:endParaRPr kumimoji="0" lang="ko-KR" altLang="en-US" sz="1200" b="0" i="0" u="none" strike="noStrike" kern="1200" cap="none" spc="0" normalizeH="0" baseline="0" noProof="0" dirty="0">
+                        <a:ln>
+                          <a:noFill/>
+                        </a:ln>
+                        <a:solidFill>
+                          <a:prstClr val="black"/>
+                        </a:solidFill>
+                        <a:effectLst/>
+                        <a:uLnTx/>
+                        <a:uFillTx/>
+                        <a:latin typeface="맑은 고딕" panose="020F0502020204030204"/>
+                        <a:ea typeface="맑은 고딕" panose="020B0503020000020004" pitchFamily="50" charset="-127"/>
+                        <a:cs typeface="+mn-cs"/>
+                      </a:endParaRPr>
+                    </a:p>
+                  </a:txBody>
+                  <a:tcPr anchor="ctr"/>
+                </a:tc>
+                <a:extLst>
+                  <a:ext uri="{0D108BD9-81ED-4DB2-BD59-A6C34878D82A}">
+                    <a16:rowId xmlns:a16="http://schemas.microsoft.com/office/drawing/2014/main" val="4137334100"/>
+                  </a:ext>
+                </a:extLst>
+              </a:tr>
+            </a:tbl>
+          </a:graphicData>
+        </a:graphic>
+      </p:graphicFrame>
+    </p:spTree>
+    <p:extLst>
+      <p:ext uri="{BB962C8B-B14F-4D97-AF65-F5344CB8AC3E}">
+        <p14:creationId xmlns:p14="http://schemas.microsoft.com/office/powerpoint/2010/main" val="106653635"/>
       </p:ext>
     </p:extLst>
   </p:cSld>

--- a/기획/레벨업 시스템 기획서.pptx
+++ b/기획/레벨업 시스템 기획서.pptx
@@ -5,15 +5,19 @@
     <p:sldMasterId id="2147483660" r:id="rId1"/>
   </p:sldMasterIdLst>
   <p:notesMasterIdLst>
-    <p:notesMasterId r:id="rId8"/>
+    <p:notesMasterId r:id="rId12"/>
   </p:notesMasterIdLst>
   <p:sldIdLst>
     <p:sldId id="258" r:id="rId2"/>
     <p:sldId id="265" r:id="rId3"/>
     <p:sldId id="267" r:id="rId4"/>
     <p:sldId id="270" r:id="rId5"/>
-    <p:sldId id="269" r:id="rId6"/>
-    <p:sldId id="271" r:id="rId7"/>
+    <p:sldId id="274" r:id="rId6"/>
+    <p:sldId id="275" r:id="rId7"/>
+    <p:sldId id="276" r:id="rId8"/>
+    <p:sldId id="277" r:id="rId9"/>
+    <p:sldId id="278" r:id="rId10"/>
+    <p:sldId id="279" r:id="rId11"/>
   </p:sldIdLst>
   <p:sldSz cx="12192000" cy="6858000"/>
   <p:notesSz cx="6858000" cy="9144000"/>
@@ -130,7 +134,7 @@
             <a:srgbClr val="A4A3A4"/>
           </p15:clr>
         </p15:guide>
-        <p15:guide id="5" pos="7241" userDrawn="1">
+        <p15:guide id="5" pos="7242" userDrawn="1">
           <p15:clr>
             <a:srgbClr val="A4A3A4"/>
           </p15:clr>
@@ -228,7 +232,7 @@
           <a:p>
             <a:fld id="{C8649E71-8129-4905-BAC0-51D65A0C1379}" type="datetimeFigureOut">
               <a:rPr lang="ko-KR" altLang="en-US" smtClean="0"/>
-              <a:t>2023-12-21</a:t>
+              <a:t>2023-12-22</a:t>
             </a:fld>
             <a:endParaRPr lang="ko-KR" altLang="en-US"/>
           </a:p>
@@ -726,7 +730,7 @@
           <a:p>
             <a:fld id="{523D6941-6B33-4834-BC65-A333846D27E6}" type="datetimeFigureOut">
               <a:rPr lang="ko-KR" altLang="en-US" smtClean="0"/>
-              <a:t>2023-12-21</a:t>
+              <a:t>2023-12-22</a:t>
             </a:fld>
             <a:endParaRPr lang="ko-KR" altLang="en-US"/>
           </a:p>
@@ -924,7 +928,7 @@
           <a:p>
             <a:fld id="{523D6941-6B33-4834-BC65-A333846D27E6}" type="datetimeFigureOut">
               <a:rPr lang="ko-KR" altLang="en-US" smtClean="0"/>
-              <a:t>2023-12-21</a:t>
+              <a:t>2023-12-22</a:t>
             </a:fld>
             <a:endParaRPr lang="ko-KR" altLang="en-US"/>
           </a:p>
@@ -1132,7 +1136,7 @@
           <a:p>
             <a:fld id="{523D6941-6B33-4834-BC65-A333846D27E6}" type="datetimeFigureOut">
               <a:rPr lang="ko-KR" altLang="en-US" smtClean="0"/>
-              <a:t>2023-12-21</a:t>
+              <a:t>2023-12-22</a:t>
             </a:fld>
             <a:endParaRPr lang="ko-KR" altLang="en-US"/>
           </a:p>
@@ -1330,7 +1334,7 @@
           <a:p>
             <a:fld id="{523D6941-6B33-4834-BC65-A333846D27E6}" type="datetimeFigureOut">
               <a:rPr lang="ko-KR" altLang="en-US" smtClean="0"/>
-              <a:t>2023-12-21</a:t>
+              <a:t>2023-12-22</a:t>
             </a:fld>
             <a:endParaRPr lang="ko-KR" altLang="en-US"/>
           </a:p>
@@ -1605,7 +1609,7 @@
           <a:p>
             <a:fld id="{523D6941-6B33-4834-BC65-A333846D27E6}" type="datetimeFigureOut">
               <a:rPr lang="ko-KR" altLang="en-US" smtClean="0"/>
-              <a:t>2023-12-21</a:t>
+              <a:t>2023-12-22</a:t>
             </a:fld>
             <a:endParaRPr lang="ko-KR" altLang="en-US"/>
           </a:p>
@@ -1870,7 +1874,7 @@
           <a:p>
             <a:fld id="{523D6941-6B33-4834-BC65-A333846D27E6}" type="datetimeFigureOut">
               <a:rPr lang="ko-KR" altLang="en-US" smtClean="0"/>
-              <a:t>2023-12-21</a:t>
+              <a:t>2023-12-22</a:t>
             </a:fld>
             <a:endParaRPr lang="ko-KR" altLang="en-US"/>
           </a:p>
@@ -2282,7 +2286,7 @@
           <a:p>
             <a:fld id="{523D6941-6B33-4834-BC65-A333846D27E6}" type="datetimeFigureOut">
               <a:rPr lang="ko-KR" altLang="en-US" smtClean="0"/>
-              <a:t>2023-12-21</a:t>
+              <a:t>2023-12-22</a:t>
             </a:fld>
             <a:endParaRPr lang="ko-KR" altLang="en-US"/>
           </a:p>
@@ -2423,7 +2427,7 @@
           <a:p>
             <a:fld id="{523D6941-6B33-4834-BC65-A333846D27E6}" type="datetimeFigureOut">
               <a:rPr lang="ko-KR" altLang="en-US" smtClean="0"/>
-              <a:t>2023-12-21</a:t>
+              <a:t>2023-12-22</a:t>
             </a:fld>
             <a:endParaRPr lang="ko-KR" altLang="en-US"/>
           </a:p>
@@ -2536,7 +2540,7 @@
           <a:p>
             <a:fld id="{523D6941-6B33-4834-BC65-A333846D27E6}" type="datetimeFigureOut">
               <a:rPr lang="ko-KR" altLang="en-US" smtClean="0"/>
-              <a:t>2023-12-21</a:t>
+              <a:t>2023-12-22</a:t>
             </a:fld>
             <a:endParaRPr lang="ko-KR" altLang="en-US"/>
           </a:p>
@@ -2847,7 +2851,7 @@
           <a:p>
             <a:fld id="{523D6941-6B33-4834-BC65-A333846D27E6}" type="datetimeFigureOut">
               <a:rPr lang="ko-KR" altLang="en-US" smtClean="0"/>
-              <a:t>2023-12-21</a:t>
+              <a:t>2023-12-22</a:t>
             </a:fld>
             <a:endParaRPr lang="ko-KR" altLang="en-US"/>
           </a:p>
@@ -3135,7 +3139,7 @@
           <a:p>
             <a:fld id="{523D6941-6B33-4834-BC65-A333846D27E6}" type="datetimeFigureOut">
               <a:rPr lang="ko-KR" altLang="en-US" smtClean="0"/>
-              <a:t>2023-12-21</a:t>
+              <a:t>2023-12-22</a:t>
             </a:fld>
             <a:endParaRPr lang="ko-KR" altLang="en-US"/>
           </a:p>
@@ -3376,7 +3380,7 @@
           <a:p>
             <a:fld id="{523D6941-6B33-4834-BC65-A333846D27E6}" type="datetimeFigureOut">
               <a:rPr lang="ko-KR" altLang="en-US" smtClean="0"/>
-              <a:t>2023-12-21</a:t>
+              <a:t>2023-12-22</a:t>
             </a:fld>
             <a:endParaRPr lang="ko-KR" altLang="en-US"/>
           </a:p>
@@ -3878,6 +3882,126 @@
 </p:sld>
 </file>
 
+<file path=ppt/slides/slide10.xml><?xml version="1.0" encoding="utf-8"?>
+<p:sld xmlns:a="http://schemas.openxmlformats.org/drawingml/2006/main" xmlns:r="http://schemas.openxmlformats.org/officeDocument/2006/relationships" xmlns:p="http://schemas.openxmlformats.org/presentationml/2006/main">
+  <p:cSld>
+    <p:spTree>
+      <p:nvGrpSpPr>
+        <p:cNvPr id="1" name=""/>
+        <p:cNvGrpSpPr/>
+        <p:nvPr/>
+      </p:nvGrpSpPr>
+      <p:grpSpPr>
+        <a:xfrm>
+          <a:off x="0" y="0"/>
+          <a:ext cx="0" cy="0"/>
+          <a:chOff x="0" y="0"/>
+          <a:chExt cx="0" cy="0"/>
+        </a:xfrm>
+      </p:grpSpPr>
+      <p:sp>
+        <p:nvSpPr>
+          <p:cNvPr id="15" name="제목 1">
+            <a:extLst>
+              <a:ext uri="{FF2B5EF4-FFF2-40B4-BE49-F238E27FC236}">
+                <a16:creationId xmlns:a16="http://schemas.microsoft.com/office/drawing/2014/main" id="{D6934511-6C2D-4418-82E4-20F329A1F4E1}"/>
+              </a:ext>
+            </a:extLst>
+          </p:cNvPr>
+          <p:cNvSpPr txBox="1">
+            <a:spLocks/>
+          </p:cNvSpPr>
+          <p:nvPr/>
+        </p:nvSpPr>
+        <p:spPr>
+          <a:xfrm>
+            <a:off x="695325" y="291904"/>
+            <a:ext cx="10801350" cy="861646"/>
+          </a:xfrm>
+          <a:prstGeom prst="rect">
+            <a:avLst/>
+          </a:prstGeom>
+        </p:spPr>
+        <p:txBody>
+          <a:bodyPr vert="horz" lIns="91440" tIns="45720" rIns="91440" bIns="45720" rtlCol="0" anchor="ctr">
+            <a:normAutofit/>
+          </a:bodyPr>
+          <a:lstStyle>
+            <a:lvl1pPr algn="l" defTabSz="914400" rtl="0" eaLnBrk="1" latinLnBrk="1" hangingPunct="1">
+              <a:lnSpc>
+                <a:spcPct val="90000"/>
+              </a:lnSpc>
+              <a:spcBef>
+                <a:spcPct val="0"/>
+              </a:spcBef>
+              <a:buNone/>
+              <a:defRPr sz="4400" kern="1200">
+                <a:solidFill>
+                  <a:schemeClr val="tx1"/>
+                </a:solidFill>
+                <a:latin typeface="+mj-lt"/>
+                <a:ea typeface="+mj-ea"/>
+                <a:cs typeface="+mj-cs"/>
+              </a:defRPr>
+            </a:lvl1pPr>
+          </a:lstStyle>
+          <a:p>
+            <a:r>
+              <a:rPr lang="ko-KR" altLang="en-US" dirty="0"/>
+              <a:t>레벨 달성 보상</a:t>
+            </a:r>
+            <a:endParaRPr lang="en-US" altLang="ko-KR" dirty="0"/>
+          </a:p>
+        </p:txBody>
+      </p:sp>
+      <p:pic>
+        <p:nvPicPr>
+          <p:cNvPr id="6" name="그림 5">
+            <a:extLst>
+              <a:ext uri="{FF2B5EF4-FFF2-40B4-BE49-F238E27FC236}">
+                <a16:creationId xmlns:a16="http://schemas.microsoft.com/office/drawing/2014/main" id="{75140BD8-E2AA-4E03-ABA4-65E1E4D5408B}"/>
+              </a:ext>
+            </a:extLst>
+          </p:cNvPr>
+          <p:cNvPicPr>
+            <a:picLocks noChangeAspect="1"/>
+          </p:cNvPicPr>
+          <p:nvPr/>
+        </p:nvPicPr>
+        <p:blipFill rotWithShape="1">
+          <a:blip r:embed="rId2" cstate="print">
+            <a:extLst>
+              <a:ext uri="{28A0092B-C50C-407E-A947-70E740481C1C}">
+                <a14:useLocalDpi xmlns:a14="http://schemas.microsoft.com/office/drawing/2010/main" val="0"/>
+              </a:ext>
+            </a:extLst>
+          </a:blip>
+          <a:srcRect/>
+          <a:stretch/>
+        </p:blipFill>
+        <p:spPr>
+          <a:xfrm>
+            <a:off x="5249306" y="1158875"/>
+            <a:ext cx="1538356" cy="4906108"/>
+          </a:xfrm>
+          <a:prstGeom prst="rect">
+            <a:avLst/>
+          </a:prstGeom>
+        </p:spPr>
+      </p:pic>
+    </p:spTree>
+    <p:extLst>
+      <p:ext uri="{BB962C8B-B14F-4D97-AF65-F5344CB8AC3E}">
+        <p14:creationId xmlns:p14="http://schemas.microsoft.com/office/powerpoint/2010/main" val="2598653296"/>
+      </p:ext>
+    </p:extLst>
+  </p:cSld>
+  <p:clrMapOvr>
+    <a:masterClrMapping/>
+  </p:clrMapOvr>
+</p:sld>
+</file>
+
 <file path=ppt/slides/slide2.xml><?xml version="1.0" encoding="utf-8"?>
 <p:sld xmlns:a="http://schemas.openxmlformats.org/drawingml/2006/main" xmlns:r="http://schemas.openxmlformats.org/officeDocument/2006/relationships" xmlns:p="http://schemas.openxmlformats.org/presentationml/2006/main">
   <p:cSld>
@@ -4384,235 +4508,6 @@
       </p:grpSpPr>
       <p:sp>
         <p:nvSpPr>
-          <p:cNvPr id="28" name="사각형: 모서리가 접힌 도형 27">
-            <a:extLst>
-              <a:ext uri="{FF2B5EF4-FFF2-40B4-BE49-F238E27FC236}">
-                <a16:creationId xmlns:a16="http://schemas.microsoft.com/office/drawing/2014/main" id="{906A1B5E-CC58-4E0D-83FC-24F0C0D54BAF}"/>
-              </a:ext>
-            </a:extLst>
-          </p:cNvPr>
-          <p:cNvSpPr/>
-          <p:nvPr/>
-        </p:nvSpPr>
-        <p:spPr>
-          <a:xfrm>
-            <a:off x="1497960" y="4336329"/>
-            <a:ext cx="3830677" cy="1913642"/>
-          </a:xfrm>
-          <a:prstGeom prst="foldedCorner">
-            <a:avLst/>
-          </a:prstGeom>
-          <a:solidFill>
-            <a:schemeClr val="bg1">
-              <a:lumMod val="95000"/>
-            </a:schemeClr>
-          </a:solidFill>
-          <a:ln>
-            <a:noFill/>
-          </a:ln>
-        </p:spPr>
-        <p:style>
-          <a:lnRef idx="2">
-            <a:schemeClr val="accent1">
-              <a:shade val="50000"/>
-            </a:schemeClr>
-          </a:lnRef>
-          <a:fillRef idx="1">
-            <a:schemeClr val="accent1"/>
-          </a:fillRef>
-          <a:effectRef idx="0">
-            <a:schemeClr val="accent1"/>
-          </a:effectRef>
-          <a:fontRef idx="minor">
-            <a:schemeClr val="lt1"/>
-          </a:fontRef>
-        </p:style>
-        <p:txBody>
-          <a:bodyPr rtlCol="0" anchor="ctr"/>
-          <a:lstStyle/>
-          <a:p>
-            <a:pPr algn="ctr"/>
-            <a:endParaRPr lang="ko-KR" altLang="en-US"/>
-          </a:p>
-        </p:txBody>
-      </p:sp>
-      <p:sp>
-        <p:nvSpPr>
-          <p:cNvPr id="5" name="직사각형 4">
-            <a:extLst>
-              <a:ext uri="{FF2B5EF4-FFF2-40B4-BE49-F238E27FC236}">
-                <a16:creationId xmlns:a16="http://schemas.microsoft.com/office/drawing/2014/main" id="{70A8B57D-2B9C-486C-AFDA-A38CB3962999}"/>
-              </a:ext>
-            </a:extLst>
-          </p:cNvPr>
-          <p:cNvSpPr/>
-          <p:nvPr/>
-        </p:nvSpPr>
-        <p:spPr>
-          <a:xfrm>
-            <a:off x="917742" y="1367053"/>
-            <a:ext cx="2381839" cy="1371116"/>
-          </a:xfrm>
-          <a:prstGeom prst="rect">
-            <a:avLst/>
-          </a:prstGeom>
-          <a:solidFill>
-            <a:schemeClr val="accent6">
-              <a:lumMod val="20000"/>
-              <a:lumOff val="80000"/>
-            </a:schemeClr>
-          </a:solidFill>
-          <a:ln>
-            <a:noFill/>
-          </a:ln>
-        </p:spPr>
-        <p:style>
-          <a:lnRef idx="2">
-            <a:schemeClr val="accent1">
-              <a:shade val="50000"/>
-            </a:schemeClr>
-          </a:lnRef>
-          <a:fillRef idx="1">
-            <a:schemeClr val="accent1"/>
-          </a:fillRef>
-          <a:effectRef idx="0">
-            <a:schemeClr val="accent1"/>
-          </a:effectRef>
-          <a:fontRef idx="minor">
-            <a:schemeClr val="lt1"/>
-          </a:fontRef>
-        </p:style>
-        <p:txBody>
-          <a:bodyPr rtlCol="0" anchor="ctr"/>
-          <a:lstStyle/>
-          <a:p>
-            <a:pPr marL="0" marR="0" indent="0" algn="ctr" rtl="0" eaLnBrk="1" fontAlgn="auto" latinLnBrk="1" hangingPunct="1">
-              <a:spcBef>
-                <a:spcPts val="0"/>
-              </a:spcBef>
-              <a:spcAft>
-                <a:spcPts val="0"/>
-              </a:spcAft>
-            </a:pPr>
-            <a:r>
-              <a:rPr lang="ko-KR" altLang="en-US" sz="1400" b="0" i="0" u="none" strike="noStrike" dirty="0">
-                <a:solidFill>
-                  <a:schemeClr val="tx1"/>
-                </a:solidFill>
-                <a:effectLst/>
-                <a:latin typeface="Arial" panose="020B0604020202020204" pitchFamily="34" charset="0"/>
-              </a:rPr>
-              <a:t>사냥</a:t>
-            </a:r>
-            <a:r>
-              <a:rPr lang="en-US" altLang="ko-KR" sz="1400" b="0" i="0" u="none" strike="noStrike" dirty="0">
-                <a:solidFill>
-                  <a:schemeClr val="tx1"/>
-                </a:solidFill>
-                <a:effectLst/>
-                <a:latin typeface="Arial" panose="020B0604020202020204" pitchFamily="34" charset="0"/>
-              </a:rPr>
-              <a:t>, </a:t>
-            </a:r>
-            <a:r>
-              <a:rPr lang="ko-KR" altLang="en-US" sz="1400" b="0" i="0" u="none" strike="noStrike" dirty="0">
-                <a:solidFill>
-                  <a:schemeClr val="tx1"/>
-                </a:solidFill>
-                <a:effectLst/>
-                <a:latin typeface="Arial" panose="020B0604020202020204" pitchFamily="34" charset="0"/>
-              </a:rPr>
-              <a:t>던전</a:t>
-            </a:r>
-            <a:r>
-              <a:rPr lang="en-US" altLang="ko-KR" sz="1400" b="0" i="0" u="none" strike="noStrike" dirty="0">
-                <a:solidFill>
-                  <a:schemeClr val="tx1"/>
-                </a:solidFill>
-                <a:effectLst/>
-                <a:latin typeface="Arial" panose="020B0604020202020204" pitchFamily="34" charset="0"/>
-              </a:rPr>
-              <a:t>, </a:t>
-            </a:r>
-            <a:r>
-              <a:rPr lang="ko-KR" altLang="en-US" sz="1400" b="0" i="0" u="none" strike="noStrike" dirty="0">
-                <a:solidFill>
-                  <a:schemeClr val="tx1"/>
-                </a:solidFill>
-                <a:effectLst/>
-                <a:latin typeface="Arial" panose="020B0604020202020204" pitchFamily="34" charset="0"/>
-              </a:rPr>
-              <a:t>퀘스트</a:t>
-            </a:r>
-            <a:r>
-              <a:rPr lang="en-US" altLang="ko-KR" sz="1400" b="0" i="0" u="none" strike="noStrike" dirty="0">
-                <a:solidFill>
-                  <a:schemeClr val="tx1"/>
-                </a:solidFill>
-                <a:effectLst/>
-                <a:latin typeface="Arial" panose="020B0604020202020204" pitchFamily="34" charset="0"/>
-              </a:rPr>
-              <a:t>, </a:t>
-            </a:r>
-          </a:p>
-          <a:p>
-            <a:pPr marL="0" marR="0" indent="0" algn="ctr" rtl="0" eaLnBrk="1" fontAlgn="auto" latinLnBrk="1" hangingPunct="1">
-              <a:spcBef>
-                <a:spcPts val="0"/>
-              </a:spcBef>
-              <a:spcAft>
-                <a:spcPts val="0"/>
-              </a:spcAft>
-            </a:pPr>
-            <a:r>
-              <a:rPr lang="ko-KR" altLang="en-US" sz="1400" b="0" i="0" u="none" strike="noStrike" dirty="0">
-                <a:solidFill>
-                  <a:schemeClr val="tx1"/>
-                </a:solidFill>
-                <a:effectLst/>
-                <a:latin typeface="Arial" panose="020B0604020202020204" pitchFamily="34" charset="0"/>
-              </a:rPr>
-              <a:t>특정 아이템 소비 등의 </a:t>
-            </a:r>
-            <a:endParaRPr lang="en-US" altLang="ko-KR" sz="1400" b="0" i="0" u="none" strike="noStrike" dirty="0">
-              <a:solidFill>
-                <a:schemeClr val="tx1"/>
-              </a:solidFill>
-              <a:effectLst/>
-              <a:latin typeface="Arial" panose="020B0604020202020204" pitchFamily="34" charset="0"/>
-            </a:endParaRPr>
-          </a:p>
-          <a:p>
-            <a:pPr marL="0" marR="0" indent="0" algn="ctr" rtl="0" eaLnBrk="1" fontAlgn="auto" latinLnBrk="1" hangingPunct="1">
-              <a:spcBef>
-                <a:spcPts val="0"/>
-              </a:spcBef>
-              <a:spcAft>
-                <a:spcPts val="0"/>
-              </a:spcAft>
-            </a:pPr>
-            <a:r>
-              <a:rPr lang="ko-KR" altLang="en-US" sz="1400" b="0" i="0" u="none" strike="noStrike" dirty="0">
-                <a:solidFill>
-                  <a:schemeClr val="tx1"/>
-                </a:solidFill>
-                <a:effectLst/>
-                <a:latin typeface="Arial" panose="020B0604020202020204" pitchFamily="34" charset="0"/>
-              </a:rPr>
-              <a:t>방법으로 경험치 획득</a:t>
-            </a:r>
-            <a:endParaRPr lang="ko-KR" altLang="ko-KR" sz="1400" b="0" i="0" u="none" strike="noStrike" dirty="0">
-              <a:solidFill>
-                <a:schemeClr val="tx1"/>
-              </a:solidFill>
-              <a:effectLst/>
-              <a:latin typeface="Arial" panose="020B0604020202020204" pitchFamily="34" charset="0"/>
-            </a:endParaRPr>
-          </a:p>
-        </p:txBody>
-      </p:sp>
-      <p:sp>
-        <p:nvSpPr>
           <p:cNvPr id="15" name="제목 1">
             <a:extLst>
               <a:ext uri="{FF2B5EF4-FFF2-40B4-BE49-F238E27FC236}">
@@ -4665,840 +4560,1716 @@
           </a:p>
         </p:txBody>
       </p:sp>
-      <p:sp>
-        <p:nvSpPr>
-          <p:cNvPr id="4" name="사각형: 모서리가 접힌 도형 3">
+      <p:grpSp>
+        <p:nvGrpSpPr>
+          <p:cNvPr id="2" name="그룹 1">
             <a:extLst>
               <a:ext uri="{FF2B5EF4-FFF2-40B4-BE49-F238E27FC236}">
-                <a16:creationId xmlns:a16="http://schemas.microsoft.com/office/drawing/2014/main" id="{EE6691BE-3D82-46C5-A2CF-77FF941DE4E1}"/>
+                <a16:creationId xmlns:a16="http://schemas.microsoft.com/office/drawing/2014/main" id="{7470CE81-6F2E-467D-98CD-CC7E50D25E3F}"/>
               </a:ext>
             </a:extLst>
           </p:cNvPr>
-          <p:cNvSpPr/>
+          <p:cNvGrpSpPr/>
           <p:nvPr/>
-        </p:nvSpPr>
-        <p:spPr>
+        </p:nvGrpSpPr>
+        <p:grpSpPr>
           <a:xfrm>
-            <a:off x="693736" y="1163709"/>
-            <a:ext cx="1207536" cy="406688"/>
+            <a:off x="1966217" y="1201042"/>
+            <a:ext cx="8092923" cy="977248"/>
+            <a:chOff x="1038092" y="1385289"/>
+            <a:chExt cx="8092923" cy="977248"/>
           </a:xfrm>
-          <a:prstGeom prst="foldedCorner">
-            <a:avLst>
-              <a:gd name="adj" fmla="val 31183"/>
-            </a:avLst>
-          </a:prstGeom>
-          <a:solidFill>
-            <a:schemeClr val="bg1">
-              <a:lumMod val="95000"/>
-            </a:schemeClr>
-          </a:solidFill>
-          <a:ln>
-            <a:noFill/>
-          </a:ln>
-        </p:spPr>
-        <p:style>
-          <a:lnRef idx="2">
-            <a:schemeClr val="accent1">
-              <a:shade val="50000"/>
-            </a:schemeClr>
-          </a:lnRef>
-          <a:fillRef idx="1">
-            <a:schemeClr val="accent1"/>
-          </a:fillRef>
-          <a:effectRef idx="0">
-            <a:schemeClr val="accent1"/>
-          </a:effectRef>
-          <a:fontRef idx="minor">
-            <a:schemeClr val="lt1"/>
-          </a:fontRef>
-        </p:style>
-        <p:txBody>
-          <a:bodyPr rtlCol="0" anchor="t"/>
-          <a:lstStyle/>
-          <a:p>
-            <a:pPr algn="ctr"/>
-            <a:r>
-              <a:rPr lang="ko-KR" altLang="en-US" sz="1400" dirty="0">
-                <a:solidFill>
-                  <a:schemeClr val="tx1"/>
-                </a:solidFill>
-              </a:rPr>
-              <a:t>경험치 획득</a:t>
-            </a:r>
-          </a:p>
-        </p:txBody>
-      </p:sp>
-      <p:sp>
-        <p:nvSpPr>
-          <p:cNvPr id="8" name="사각형: 모서리가 접힌 도형 7">
-            <a:extLst>
-              <a:ext uri="{FF2B5EF4-FFF2-40B4-BE49-F238E27FC236}">
-                <a16:creationId xmlns:a16="http://schemas.microsoft.com/office/drawing/2014/main" id="{6856F481-93CF-4ABF-9A83-5B12BD940AE6}"/>
-              </a:ext>
-            </a:extLst>
-          </p:cNvPr>
-          <p:cNvSpPr/>
-          <p:nvPr/>
-        </p:nvSpPr>
-        <p:spPr>
-          <a:xfrm>
-            <a:off x="3383556" y="1303100"/>
-            <a:ext cx="1207536" cy="497055"/>
-          </a:xfrm>
-          <a:prstGeom prst="foldedCorner">
-            <a:avLst>
-              <a:gd name="adj" fmla="val 31183"/>
-            </a:avLst>
-          </a:prstGeom>
-          <a:solidFill>
-            <a:schemeClr val="bg1">
-              <a:lumMod val="95000"/>
-            </a:schemeClr>
-          </a:solidFill>
-          <a:ln>
-            <a:noFill/>
-          </a:ln>
-        </p:spPr>
-        <p:style>
-          <a:lnRef idx="2">
-            <a:schemeClr val="accent1">
-              <a:shade val="50000"/>
-            </a:schemeClr>
-          </a:lnRef>
-          <a:fillRef idx="1">
-            <a:schemeClr val="accent1"/>
-          </a:fillRef>
-          <a:effectRef idx="0">
-            <a:schemeClr val="accent1"/>
-          </a:effectRef>
-          <a:fontRef idx="minor">
-            <a:schemeClr val="lt1"/>
-          </a:fontRef>
-        </p:style>
-        <p:txBody>
-          <a:bodyPr rtlCol="0" anchor="t"/>
-          <a:lstStyle/>
-          <a:p>
-            <a:pPr algn="ctr"/>
-            <a:r>
-              <a:rPr lang="ko-KR" altLang="en-US" sz="1100" dirty="0">
-                <a:solidFill>
-                  <a:schemeClr val="tx1"/>
-                </a:solidFill>
-              </a:rPr>
-              <a:t>레벨 업 </a:t>
-            </a:r>
-            <a:endParaRPr lang="en-US" altLang="ko-KR" sz="1100" dirty="0">
-              <a:solidFill>
-                <a:schemeClr val="tx1"/>
-              </a:solidFill>
-            </a:endParaRPr>
-          </a:p>
-          <a:p>
-            <a:pPr algn="ctr"/>
-            <a:r>
-              <a:rPr lang="ko-KR" altLang="en-US" sz="1100" dirty="0">
-                <a:solidFill>
-                  <a:schemeClr val="tx1"/>
-                </a:solidFill>
-              </a:rPr>
-              <a:t>가능 판단</a:t>
-            </a:r>
-          </a:p>
-        </p:txBody>
-      </p:sp>
-      <p:sp>
-        <p:nvSpPr>
-          <p:cNvPr id="6" name="화살표: 오른쪽 5">
-            <a:extLst>
-              <a:ext uri="{FF2B5EF4-FFF2-40B4-BE49-F238E27FC236}">
-                <a16:creationId xmlns:a16="http://schemas.microsoft.com/office/drawing/2014/main" id="{A4A4F27D-D53E-4AD7-8992-DC31B6E904FE}"/>
-              </a:ext>
-            </a:extLst>
-          </p:cNvPr>
-          <p:cNvSpPr/>
-          <p:nvPr/>
-        </p:nvSpPr>
-        <p:spPr>
-          <a:xfrm>
-            <a:off x="3320912" y="1929712"/>
-            <a:ext cx="1461135" cy="189314"/>
-          </a:xfrm>
-          <a:prstGeom prst="rightArrow">
-            <a:avLst/>
-          </a:prstGeom>
-          <a:solidFill>
-            <a:schemeClr val="tx1"/>
-          </a:solidFill>
-          <a:ln>
-            <a:noFill/>
-          </a:ln>
-        </p:spPr>
-        <p:style>
-          <a:lnRef idx="2">
-            <a:schemeClr val="accent1">
-              <a:shade val="50000"/>
-            </a:schemeClr>
-          </a:lnRef>
-          <a:fillRef idx="1">
-            <a:schemeClr val="accent1"/>
-          </a:fillRef>
-          <a:effectRef idx="0">
-            <a:schemeClr val="accent1"/>
-          </a:effectRef>
-          <a:fontRef idx="minor">
-            <a:schemeClr val="lt1"/>
-          </a:fontRef>
-        </p:style>
-        <p:txBody>
-          <a:bodyPr rtlCol="0" anchor="ctr"/>
-          <a:lstStyle/>
-          <a:p>
-            <a:pPr algn="ctr"/>
-            <a:endParaRPr lang="ko-KR" altLang="en-US"/>
-          </a:p>
-        </p:txBody>
-      </p:sp>
-      <p:sp>
-        <p:nvSpPr>
-          <p:cNvPr id="19" name="직사각형 18">
-            <a:extLst>
-              <a:ext uri="{FF2B5EF4-FFF2-40B4-BE49-F238E27FC236}">
-                <a16:creationId xmlns:a16="http://schemas.microsoft.com/office/drawing/2014/main" id="{4EEE84C0-5BAF-4CA2-ADC6-E283C9D7A5FC}"/>
-              </a:ext>
-            </a:extLst>
-          </p:cNvPr>
-          <p:cNvSpPr/>
-          <p:nvPr/>
-        </p:nvSpPr>
-        <p:spPr>
-          <a:xfrm>
-            <a:off x="7162258" y="1691456"/>
-            <a:ext cx="1482466" cy="668220"/>
-          </a:xfrm>
-          <a:prstGeom prst="rect">
-            <a:avLst/>
-          </a:prstGeom>
-          <a:solidFill>
-            <a:schemeClr val="accent6">
-              <a:lumMod val="20000"/>
-              <a:lumOff val="80000"/>
-            </a:schemeClr>
-          </a:solidFill>
-          <a:ln>
-            <a:noFill/>
-          </a:ln>
-        </p:spPr>
-        <p:style>
-          <a:lnRef idx="2">
-            <a:schemeClr val="accent1">
-              <a:shade val="50000"/>
-            </a:schemeClr>
-          </a:lnRef>
-          <a:fillRef idx="1">
-            <a:schemeClr val="accent1"/>
-          </a:fillRef>
-          <a:effectRef idx="0">
-            <a:schemeClr val="accent1"/>
-          </a:effectRef>
-          <a:fontRef idx="minor">
-            <a:schemeClr val="lt1"/>
-          </a:fontRef>
-        </p:style>
-        <p:txBody>
-          <a:bodyPr rtlCol="0" anchor="ctr"/>
-          <a:lstStyle/>
-          <a:p>
-            <a:pPr marL="0" marR="0" indent="0" algn="ctr" rtl="0" eaLnBrk="1" fontAlgn="auto" latinLnBrk="1" hangingPunct="1">
-              <a:spcBef>
-                <a:spcPts val="0"/>
-              </a:spcBef>
-              <a:spcAft>
-                <a:spcPts val="0"/>
-              </a:spcAft>
-            </a:pPr>
-            <a:r>
-              <a:rPr lang="ko-KR" altLang="en-US" sz="1400" dirty="0">
+        </p:grpSpPr>
+        <p:sp>
+          <p:nvSpPr>
+            <p:cNvPr id="19" name="직사각형 18">
+              <a:extLst>
+                <a:ext uri="{FF2B5EF4-FFF2-40B4-BE49-F238E27FC236}">
+                  <a16:creationId xmlns:a16="http://schemas.microsoft.com/office/drawing/2014/main" id="{4EEE84C0-5BAF-4CA2-ADC6-E283C9D7A5FC}"/>
+                </a:ext>
+              </a:extLst>
+            </p:cNvPr>
+            <p:cNvSpPr/>
+            <p:nvPr/>
+          </p:nvSpPr>
+          <p:spPr>
+            <a:xfrm>
+              <a:off x="5520713" y="1694317"/>
+              <a:ext cx="1482466" cy="668220"/>
+            </a:xfrm>
+            <a:prstGeom prst="rect">
+              <a:avLst/>
+            </a:prstGeom>
+            <a:solidFill>
+              <a:schemeClr val="accent6">
+                <a:lumMod val="20000"/>
+                <a:lumOff val="80000"/>
+              </a:schemeClr>
+            </a:solidFill>
+            <a:ln>
+              <a:noFill/>
+            </a:ln>
+          </p:spPr>
+          <p:style>
+            <a:lnRef idx="2">
+              <a:schemeClr val="accent1">
+                <a:shade val="50000"/>
+              </a:schemeClr>
+            </a:lnRef>
+            <a:fillRef idx="1">
+              <a:schemeClr val="accent1"/>
+            </a:fillRef>
+            <a:effectRef idx="0">
+              <a:schemeClr val="accent1"/>
+            </a:effectRef>
+            <a:fontRef idx="minor">
+              <a:schemeClr val="lt1"/>
+            </a:fontRef>
+          </p:style>
+          <p:txBody>
+            <a:bodyPr rtlCol="0" anchor="ctr"/>
+            <a:lstStyle/>
+            <a:p>
+              <a:pPr marL="0" marR="0" indent="0" algn="ctr" rtl="0" eaLnBrk="1" fontAlgn="auto" latinLnBrk="1" hangingPunct="1">
+                <a:spcBef>
+                  <a:spcPts val="0"/>
+                </a:spcBef>
+                <a:spcAft>
+                  <a:spcPts val="0"/>
+                </a:spcAft>
+              </a:pPr>
+              <a:r>
+                <a:rPr lang="ko-KR" altLang="en-US" sz="1400" dirty="0">
+                  <a:solidFill>
+                    <a:schemeClr val="tx1"/>
+                  </a:solidFill>
+                  <a:latin typeface="Arial" panose="020B0604020202020204" pitchFamily="34" charset="0"/>
+                </a:rPr>
+                <a:t>레벨 업 </a:t>
+              </a:r>
+              <a:endParaRPr lang="en-US" altLang="ko-KR" sz="1400" dirty="0">
                 <a:solidFill>
                   <a:schemeClr val="tx1"/>
                 </a:solidFill>
                 <a:latin typeface="Arial" panose="020B0604020202020204" pitchFamily="34" charset="0"/>
-              </a:rPr>
-              <a:t>레벨 업 </a:t>
-            </a:r>
-            <a:endParaRPr lang="en-US" altLang="ko-KR" sz="1400" dirty="0">
-              <a:solidFill>
-                <a:schemeClr val="tx1"/>
-              </a:solidFill>
-              <a:latin typeface="Arial" panose="020B0604020202020204" pitchFamily="34" charset="0"/>
-            </a:endParaRPr>
-          </a:p>
-          <a:p>
-            <a:pPr marL="0" marR="0" indent="0" algn="ctr" rtl="0" eaLnBrk="1" fontAlgn="auto" latinLnBrk="1" hangingPunct="1">
-              <a:spcBef>
-                <a:spcPts val="0"/>
-              </a:spcBef>
-              <a:spcAft>
-                <a:spcPts val="0"/>
-              </a:spcAft>
-            </a:pPr>
-            <a:r>
-              <a:rPr lang="ko-KR" altLang="en-US" sz="1400" dirty="0">
-                <a:solidFill>
-                  <a:schemeClr val="tx1"/>
-                </a:solidFill>
-                <a:latin typeface="Arial" panose="020B0604020202020204" pitchFamily="34" charset="0"/>
-              </a:rPr>
-              <a:t>연출</a:t>
-            </a:r>
-            <a:endParaRPr lang="ko-KR" altLang="ko-KR" sz="1400" b="0" i="0" u="none" strike="noStrike" dirty="0">
-              <a:solidFill>
-                <a:schemeClr val="tx1"/>
-              </a:solidFill>
-              <a:effectLst/>
-              <a:latin typeface="Arial" panose="020B0604020202020204" pitchFamily="34" charset="0"/>
-            </a:endParaRPr>
-          </a:p>
-        </p:txBody>
-      </p:sp>
-      <p:sp>
-        <p:nvSpPr>
-          <p:cNvPr id="20" name="직사각형 19">
-            <a:extLst>
-              <a:ext uri="{FF2B5EF4-FFF2-40B4-BE49-F238E27FC236}">
-                <a16:creationId xmlns:a16="http://schemas.microsoft.com/office/drawing/2014/main" id="{FE81CE3A-6BA2-4636-B073-C0739362D629}"/>
-              </a:ext>
-            </a:extLst>
-          </p:cNvPr>
-          <p:cNvSpPr/>
-          <p:nvPr/>
-        </p:nvSpPr>
-        <p:spPr>
-          <a:xfrm>
-            <a:off x="4938558" y="1691456"/>
-            <a:ext cx="1482466" cy="668220"/>
-          </a:xfrm>
-          <a:prstGeom prst="rect">
-            <a:avLst/>
-          </a:prstGeom>
-          <a:solidFill>
-            <a:schemeClr val="accent6">
-              <a:lumMod val="20000"/>
-              <a:lumOff val="80000"/>
-            </a:schemeClr>
-          </a:solidFill>
-          <a:ln>
-            <a:noFill/>
-          </a:ln>
-        </p:spPr>
-        <p:style>
-          <a:lnRef idx="2">
-            <a:schemeClr val="accent1">
-              <a:shade val="50000"/>
-            </a:schemeClr>
-          </a:lnRef>
-          <a:fillRef idx="1">
-            <a:schemeClr val="accent1"/>
-          </a:fillRef>
-          <a:effectRef idx="0">
-            <a:schemeClr val="accent1"/>
-          </a:effectRef>
-          <a:fontRef idx="minor">
-            <a:schemeClr val="lt1"/>
-          </a:fontRef>
-        </p:style>
-        <p:txBody>
-          <a:bodyPr rtlCol="0" anchor="ctr"/>
-          <a:lstStyle/>
-          <a:p>
-            <a:pPr marL="0" marR="0" indent="0" algn="ctr" rtl="0" eaLnBrk="1" fontAlgn="auto" latinLnBrk="1" hangingPunct="1">
-              <a:spcBef>
-                <a:spcPts val="0"/>
-              </a:spcBef>
-              <a:spcAft>
-                <a:spcPts val="0"/>
-              </a:spcAft>
-            </a:pPr>
-            <a:r>
-              <a:rPr lang="ko-KR" altLang="en-US" sz="1400" dirty="0">
-                <a:solidFill>
-                  <a:schemeClr val="tx1"/>
-                </a:solidFill>
-                <a:latin typeface="Arial" panose="020B0604020202020204" pitchFamily="34" charset="0"/>
-              </a:rPr>
-              <a:t>레벨 상승</a:t>
-            </a:r>
-            <a:endParaRPr lang="ko-KR" altLang="ko-KR" sz="1400" b="0" i="0" u="none" strike="noStrike" dirty="0">
-              <a:solidFill>
-                <a:schemeClr val="tx1"/>
-              </a:solidFill>
-              <a:effectLst/>
-              <a:latin typeface="Arial" panose="020B0604020202020204" pitchFamily="34" charset="0"/>
-            </a:endParaRPr>
-          </a:p>
-        </p:txBody>
-      </p:sp>
-      <p:sp>
-        <p:nvSpPr>
-          <p:cNvPr id="21" name="직사각형 20">
-            <a:extLst>
-              <a:ext uri="{FF2B5EF4-FFF2-40B4-BE49-F238E27FC236}">
-                <a16:creationId xmlns:a16="http://schemas.microsoft.com/office/drawing/2014/main" id="{4F10FD70-D803-484D-9E59-EAF0CBBD8CE1}"/>
-              </a:ext>
-            </a:extLst>
-          </p:cNvPr>
-          <p:cNvSpPr/>
-          <p:nvPr/>
-        </p:nvSpPr>
-        <p:spPr>
-          <a:xfrm>
-            <a:off x="9295290" y="1686087"/>
-            <a:ext cx="1482466" cy="668220"/>
-          </a:xfrm>
-          <a:prstGeom prst="rect">
-            <a:avLst/>
-          </a:prstGeom>
-          <a:solidFill>
-            <a:schemeClr val="accent6">
-              <a:lumMod val="20000"/>
-              <a:lumOff val="80000"/>
-            </a:schemeClr>
-          </a:solidFill>
-          <a:ln>
-            <a:noFill/>
-          </a:ln>
-        </p:spPr>
-        <p:style>
-          <a:lnRef idx="2">
-            <a:schemeClr val="accent1">
-              <a:shade val="50000"/>
-            </a:schemeClr>
-          </a:lnRef>
-          <a:fillRef idx="1">
-            <a:schemeClr val="accent1"/>
-          </a:fillRef>
-          <a:effectRef idx="0">
-            <a:schemeClr val="accent1"/>
-          </a:effectRef>
-          <a:fontRef idx="minor">
-            <a:schemeClr val="lt1"/>
-          </a:fontRef>
-        </p:style>
-        <p:txBody>
-          <a:bodyPr rtlCol="0" anchor="ctr"/>
-          <a:lstStyle/>
-          <a:p>
-            <a:pPr marL="0" marR="0" indent="0" algn="ctr" rtl="0" eaLnBrk="1" fontAlgn="auto" latinLnBrk="1" hangingPunct="1">
-              <a:spcBef>
-                <a:spcPts val="0"/>
-              </a:spcBef>
-              <a:spcAft>
-                <a:spcPts val="0"/>
-              </a:spcAft>
-            </a:pPr>
-            <a:r>
-              <a:rPr lang="ko-KR" altLang="en-US" sz="1400" dirty="0">
-                <a:solidFill>
-                  <a:schemeClr val="tx1"/>
-                </a:solidFill>
-                <a:latin typeface="Arial" panose="020B0604020202020204" pitchFamily="34" charset="0"/>
-              </a:rPr>
-              <a:t>텍스트 출력</a:t>
-            </a:r>
-            <a:endParaRPr lang="ko-KR" altLang="ko-KR" sz="1400" b="0" i="0" u="none" strike="noStrike" dirty="0">
-              <a:solidFill>
-                <a:schemeClr val="tx1"/>
-              </a:solidFill>
-              <a:effectLst/>
-              <a:latin typeface="Arial" panose="020B0604020202020204" pitchFamily="34" charset="0"/>
-            </a:endParaRPr>
-          </a:p>
-        </p:txBody>
-      </p:sp>
-      <p:sp>
-        <p:nvSpPr>
-          <p:cNvPr id="22" name="화살표: 오른쪽 21">
-            <a:extLst>
-              <a:ext uri="{FF2B5EF4-FFF2-40B4-BE49-F238E27FC236}">
-                <a16:creationId xmlns:a16="http://schemas.microsoft.com/office/drawing/2014/main" id="{F83103AA-F3DD-4308-B7C0-79B6922152C1}"/>
-              </a:ext>
-            </a:extLst>
-          </p:cNvPr>
-          <p:cNvSpPr/>
-          <p:nvPr/>
-        </p:nvSpPr>
-        <p:spPr>
-          <a:xfrm>
-            <a:off x="6574293" y="1955522"/>
-            <a:ext cx="388394" cy="189314"/>
-          </a:xfrm>
-          <a:prstGeom prst="rightArrow">
-            <a:avLst/>
-          </a:prstGeom>
-          <a:solidFill>
-            <a:schemeClr val="tx1"/>
-          </a:solidFill>
-          <a:ln>
-            <a:noFill/>
-          </a:ln>
-        </p:spPr>
-        <p:style>
-          <a:lnRef idx="2">
-            <a:schemeClr val="accent1">
-              <a:shade val="50000"/>
-            </a:schemeClr>
-          </a:lnRef>
-          <a:fillRef idx="1">
-            <a:schemeClr val="accent1"/>
-          </a:fillRef>
-          <a:effectRef idx="0">
-            <a:schemeClr val="accent1"/>
-          </a:effectRef>
-          <a:fontRef idx="minor">
-            <a:schemeClr val="lt1"/>
-          </a:fontRef>
-        </p:style>
-        <p:txBody>
-          <a:bodyPr rtlCol="0" anchor="ctr"/>
-          <a:lstStyle/>
-          <a:p>
-            <a:pPr algn="ctr"/>
-            <a:endParaRPr lang="ko-KR" altLang="en-US"/>
-          </a:p>
-        </p:txBody>
-      </p:sp>
-      <p:sp>
-        <p:nvSpPr>
-          <p:cNvPr id="23" name="화살표: 오른쪽 22">
-            <a:extLst>
-              <a:ext uri="{FF2B5EF4-FFF2-40B4-BE49-F238E27FC236}">
-                <a16:creationId xmlns:a16="http://schemas.microsoft.com/office/drawing/2014/main" id="{85F2C448-CFC8-4B6F-96D8-8A36A7CF96E3}"/>
-              </a:ext>
-            </a:extLst>
-          </p:cNvPr>
-          <p:cNvSpPr/>
-          <p:nvPr/>
-        </p:nvSpPr>
-        <p:spPr>
-          <a:xfrm>
-            <a:off x="8775810" y="1955522"/>
-            <a:ext cx="388394" cy="189314"/>
-          </a:xfrm>
-          <a:prstGeom prst="rightArrow">
-            <a:avLst/>
-          </a:prstGeom>
-          <a:solidFill>
-            <a:schemeClr val="tx1"/>
-          </a:solidFill>
-          <a:ln>
-            <a:noFill/>
-          </a:ln>
-        </p:spPr>
-        <p:style>
-          <a:lnRef idx="2">
-            <a:schemeClr val="accent1">
-              <a:shade val="50000"/>
-            </a:schemeClr>
-          </a:lnRef>
-          <a:fillRef idx="1">
-            <a:schemeClr val="accent1"/>
-          </a:fillRef>
-          <a:effectRef idx="0">
-            <a:schemeClr val="accent1"/>
-          </a:effectRef>
-          <a:fontRef idx="minor">
-            <a:schemeClr val="lt1"/>
-          </a:fontRef>
-        </p:style>
-        <p:txBody>
-          <a:bodyPr rtlCol="0" anchor="ctr"/>
-          <a:lstStyle/>
-          <a:p>
-            <a:pPr algn="ctr"/>
-            <a:endParaRPr lang="ko-KR" altLang="en-US"/>
-          </a:p>
-        </p:txBody>
-      </p:sp>
-      <p:cxnSp>
-        <p:nvCxnSpPr>
-          <p:cNvPr id="24" name="연결선: 꺾임 23">
-            <a:extLst>
-              <a:ext uri="{FF2B5EF4-FFF2-40B4-BE49-F238E27FC236}">
-                <a16:creationId xmlns:a16="http://schemas.microsoft.com/office/drawing/2014/main" id="{664A0CEA-3A71-4A88-80E6-01E81691C42A}"/>
-              </a:ext>
-            </a:extLst>
-          </p:cNvPr>
-          <p:cNvCxnSpPr>
-            <a:cxnSpLocks/>
-            <a:stCxn id="21" idx="2"/>
-            <a:endCxn id="28" idx="0"/>
-          </p:cNvCxnSpPr>
-          <p:nvPr/>
-        </p:nvCxnSpPr>
-        <p:spPr>
-          <a:xfrm rot="5400000">
-            <a:off x="5733900" y="33706"/>
-            <a:ext cx="1982022" cy="6623224"/>
-          </a:xfrm>
-          <a:prstGeom prst="bentConnector3">
-            <a:avLst>
-              <a:gd name="adj1" fmla="val 50000"/>
-            </a:avLst>
-          </a:prstGeom>
-          <a:ln w="76200">
-            <a:solidFill>
-              <a:schemeClr val="tx1"/>
-            </a:solidFill>
-            <a:tailEnd type="triangle"/>
-          </a:ln>
-        </p:spPr>
-        <p:style>
-          <a:lnRef idx="1">
-            <a:schemeClr val="accent1"/>
-          </a:lnRef>
-          <a:fillRef idx="0">
-            <a:schemeClr val="accent1"/>
-          </a:fillRef>
-          <a:effectRef idx="0">
-            <a:schemeClr val="accent1"/>
-          </a:effectRef>
-          <a:fontRef idx="minor">
-            <a:schemeClr val="tx1"/>
-          </a:fontRef>
-        </p:style>
-      </p:cxnSp>
-      <p:sp>
-        <p:nvSpPr>
-          <p:cNvPr id="25" name="직사각형 24">
-            <a:extLst>
-              <a:ext uri="{FF2B5EF4-FFF2-40B4-BE49-F238E27FC236}">
-                <a16:creationId xmlns:a16="http://schemas.microsoft.com/office/drawing/2014/main" id="{37116808-F893-4797-9819-758707F74A81}"/>
-              </a:ext>
-            </a:extLst>
-          </p:cNvPr>
-          <p:cNvSpPr/>
-          <p:nvPr/>
-        </p:nvSpPr>
-        <p:spPr>
-          <a:xfrm>
-            <a:off x="1655093" y="4773563"/>
-            <a:ext cx="1954956" cy="515875"/>
-          </a:xfrm>
-          <a:prstGeom prst="rect">
-            <a:avLst/>
-          </a:prstGeom>
-          <a:solidFill>
-            <a:schemeClr val="accent6">
-              <a:lumMod val="20000"/>
-              <a:lumOff val="80000"/>
-            </a:schemeClr>
-          </a:solidFill>
-          <a:ln>
-            <a:noFill/>
-          </a:ln>
-        </p:spPr>
-        <p:style>
-          <a:lnRef idx="2">
-            <a:schemeClr val="accent1">
-              <a:shade val="50000"/>
-            </a:schemeClr>
-          </a:lnRef>
-          <a:fillRef idx="1">
-            <a:schemeClr val="accent1"/>
-          </a:fillRef>
-          <a:effectRef idx="0">
-            <a:schemeClr val="accent1"/>
-          </a:effectRef>
-          <a:fontRef idx="minor">
-            <a:schemeClr val="lt1"/>
-          </a:fontRef>
-        </p:style>
-        <p:txBody>
-          <a:bodyPr rtlCol="0" anchor="ctr"/>
-          <a:lstStyle/>
-          <a:p>
-            <a:pPr marL="0" marR="0" indent="0" algn="ctr" rtl="0" eaLnBrk="1" fontAlgn="auto" latinLnBrk="1" hangingPunct="1">
-              <a:spcBef>
-                <a:spcPts val="0"/>
-              </a:spcBef>
-              <a:spcAft>
-                <a:spcPts val="0"/>
-              </a:spcAft>
-            </a:pPr>
-            <a:r>
-              <a:rPr lang="ko-KR" altLang="en-US" sz="1400" dirty="0">
-                <a:solidFill>
-                  <a:schemeClr val="tx1"/>
-                </a:solidFill>
-                <a:latin typeface="Arial" panose="020B0604020202020204" pitchFamily="34" charset="0"/>
-              </a:rPr>
-              <a:t>능력치 한계치 상승</a:t>
-            </a:r>
-            <a:endParaRPr lang="en-US" altLang="ko-KR" sz="1400" dirty="0">
-              <a:solidFill>
-                <a:schemeClr val="tx1"/>
-              </a:solidFill>
-              <a:latin typeface="Arial" panose="020B0604020202020204" pitchFamily="34" charset="0"/>
-            </a:endParaRPr>
-          </a:p>
-        </p:txBody>
-      </p:sp>
-      <p:sp>
-        <p:nvSpPr>
-          <p:cNvPr id="26" name="직사각형 25">
-            <a:extLst>
-              <a:ext uri="{FF2B5EF4-FFF2-40B4-BE49-F238E27FC236}">
-                <a16:creationId xmlns:a16="http://schemas.microsoft.com/office/drawing/2014/main" id="{2DBE5FB4-96DA-430C-8A88-A0E69E5F9356}"/>
-              </a:ext>
-            </a:extLst>
-          </p:cNvPr>
-          <p:cNvSpPr/>
-          <p:nvPr/>
-        </p:nvSpPr>
-        <p:spPr>
-          <a:xfrm>
-            <a:off x="3767182" y="4773562"/>
-            <a:ext cx="1270505" cy="515875"/>
-          </a:xfrm>
-          <a:prstGeom prst="rect">
-            <a:avLst/>
-          </a:prstGeom>
-          <a:solidFill>
-            <a:schemeClr val="accent6">
-              <a:lumMod val="20000"/>
-              <a:lumOff val="80000"/>
-            </a:schemeClr>
-          </a:solidFill>
-          <a:ln>
-            <a:noFill/>
-          </a:ln>
-        </p:spPr>
-        <p:style>
-          <a:lnRef idx="2">
-            <a:schemeClr val="accent1">
-              <a:shade val="50000"/>
-            </a:schemeClr>
-          </a:lnRef>
-          <a:fillRef idx="1">
-            <a:schemeClr val="accent1"/>
-          </a:fillRef>
-          <a:effectRef idx="0">
-            <a:schemeClr val="accent1"/>
-          </a:effectRef>
-          <a:fontRef idx="minor">
-            <a:schemeClr val="lt1"/>
-          </a:fontRef>
-        </p:style>
-        <p:txBody>
-          <a:bodyPr rtlCol="0" anchor="ctr"/>
-          <a:lstStyle/>
-          <a:p>
-            <a:pPr marL="0" marR="0" indent="0" algn="ctr" rtl="0" eaLnBrk="1" fontAlgn="auto" latinLnBrk="1" hangingPunct="1">
-              <a:spcBef>
-                <a:spcPts val="0"/>
-              </a:spcBef>
-              <a:spcAft>
-                <a:spcPts val="0"/>
-              </a:spcAft>
-            </a:pPr>
-            <a:r>
-              <a:rPr lang="ko-KR" altLang="en-US" sz="1400" b="0" i="0" u="none" strike="noStrike" dirty="0">
+              </a:endParaRPr>
+            </a:p>
+            <a:p>
+              <a:pPr marL="0" marR="0" indent="0" algn="ctr" rtl="0" eaLnBrk="1" fontAlgn="auto" latinLnBrk="1" hangingPunct="1">
+                <a:spcBef>
+                  <a:spcPts val="0"/>
+                </a:spcBef>
+                <a:spcAft>
+                  <a:spcPts val="0"/>
+                </a:spcAft>
+              </a:pPr>
+              <a:r>
+                <a:rPr lang="ko-KR" altLang="en-US" sz="1400" dirty="0">
+                  <a:solidFill>
+                    <a:schemeClr val="tx1"/>
+                  </a:solidFill>
+                  <a:latin typeface="Arial" panose="020B0604020202020204" pitchFamily="34" charset="0"/>
+                </a:rPr>
+                <a:t>연출</a:t>
+              </a:r>
+              <a:endParaRPr lang="ko-KR" altLang="ko-KR" sz="1400" b="0" i="0" u="none" strike="noStrike" dirty="0">
                 <a:solidFill>
                   <a:schemeClr val="tx1"/>
                 </a:solidFill>
                 <a:effectLst/>
                 <a:latin typeface="Arial" panose="020B0604020202020204" pitchFamily="34" charset="0"/>
-              </a:rPr>
-              <a:t>능력치 상승</a:t>
-            </a:r>
-            <a:endParaRPr lang="en-US" altLang="ko-KR" sz="1400" b="0" i="0" u="none" strike="noStrike" dirty="0">
-              <a:solidFill>
-                <a:schemeClr val="tx1"/>
-              </a:solidFill>
-              <a:effectLst/>
-              <a:latin typeface="Arial" panose="020B0604020202020204" pitchFamily="34" charset="0"/>
-            </a:endParaRPr>
-          </a:p>
-        </p:txBody>
-      </p:sp>
-      <p:sp>
-        <p:nvSpPr>
-          <p:cNvPr id="27" name="직사각형 26">
-            <a:extLst>
-              <a:ext uri="{FF2B5EF4-FFF2-40B4-BE49-F238E27FC236}">
-                <a16:creationId xmlns:a16="http://schemas.microsoft.com/office/drawing/2014/main" id="{1D092965-9C38-4174-863D-8CB33211B7F2}"/>
-              </a:ext>
-            </a:extLst>
-          </p:cNvPr>
-          <p:cNvSpPr/>
-          <p:nvPr/>
-        </p:nvSpPr>
-        <p:spPr>
-          <a:xfrm>
-            <a:off x="1655093" y="5511767"/>
-            <a:ext cx="1958662" cy="515875"/>
-          </a:xfrm>
-          <a:prstGeom prst="rect">
-            <a:avLst/>
-          </a:prstGeom>
-          <a:solidFill>
-            <a:schemeClr val="accent6">
-              <a:lumMod val="20000"/>
-              <a:lumOff val="80000"/>
-            </a:schemeClr>
-          </a:solidFill>
-          <a:ln>
-            <a:noFill/>
-          </a:ln>
-        </p:spPr>
-        <p:style>
-          <a:lnRef idx="2">
-            <a:schemeClr val="accent1">
-              <a:shade val="50000"/>
-            </a:schemeClr>
-          </a:lnRef>
-          <a:fillRef idx="1">
-            <a:schemeClr val="accent1"/>
-          </a:fillRef>
-          <a:effectRef idx="0">
-            <a:schemeClr val="accent1"/>
-          </a:effectRef>
-          <a:fontRef idx="minor">
-            <a:schemeClr val="lt1"/>
-          </a:fontRef>
-        </p:style>
-        <p:txBody>
-          <a:bodyPr rtlCol="0" anchor="ctr"/>
-          <a:lstStyle/>
-          <a:p>
-            <a:pPr marL="0" marR="0" indent="0" algn="ctr" rtl="0" eaLnBrk="1" fontAlgn="auto" latinLnBrk="1" hangingPunct="1">
-              <a:spcBef>
-                <a:spcPts val="0"/>
-              </a:spcBef>
-              <a:spcAft>
-                <a:spcPts val="0"/>
-              </a:spcAft>
-            </a:pPr>
-            <a:r>
-              <a:rPr lang="ko-KR" altLang="en-US" sz="1400" b="0" i="0" u="none" strike="noStrike" dirty="0">
+              </a:endParaRPr>
+            </a:p>
+          </p:txBody>
+        </p:sp>
+        <p:sp>
+          <p:nvSpPr>
+            <p:cNvPr id="20" name="직사각형 19">
+              <a:extLst>
+                <a:ext uri="{FF2B5EF4-FFF2-40B4-BE49-F238E27FC236}">
+                  <a16:creationId xmlns:a16="http://schemas.microsoft.com/office/drawing/2014/main" id="{FE81CE3A-6BA2-4636-B073-C0739362D629}"/>
+                </a:ext>
+              </a:extLst>
+            </p:cNvPr>
+            <p:cNvSpPr/>
+            <p:nvPr/>
+          </p:nvSpPr>
+          <p:spPr>
+            <a:xfrm>
+              <a:off x="3387681" y="1691456"/>
+              <a:ext cx="1482466" cy="668220"/>
+            </a:xfrm>
+            <a:prstGeom prst="rect">
+              <a:avLst/>
+            </a:prstGeom>
+            <a:solidFill>
+              <a:schemeClr val="accent6">
+                <a:lumMod val="20000"/>
+                <a:lumOff val="80000"/>
+              </a:schemeClr>
+            </a:solidFill>
+            <a:ln>
+              <a:noFill/>
+            </a:ln>
+          </p:spPr>
+          <p:style>
+            <a:lnRef idx="2">
+              <a:schemeClr val="accent1">
+                <a:shade val="50000"/>
+              </a:schemeClr>
+            </a:lnRef>
+            <a:fillRef idx="1">
+              <a:schemeClr val="accent1"/>
+            </a:fillRef>
+            <a:effectRef idx="0">
+              <a:schemeClr val="accent1"/>
+            </a:effectRef>
+            <a:fontRef idx="minor">
+              <a:schemeClr val="lt1"/>
+            </a:fontRef>
+          </p:style>
+          <p:txBody>
+            <a:bodyPr rtlCol="0" anchor="ctr"/>
+            <a:lstStyle/>
+            <a:p>
+              <a:pPr marL="0" marR="0" indent="0" algn="ctr" rtl="0" eaLnBrk="1" fontAlgn="auto" latinLnBrk="1" hangingPunct="1">
+                <a:spcBef>
+                  <a:spcPts val="0"/>
+                </a:spcBef>
+                <a:spcAft>
+                  <a:spcPts val="0"/>
+                </a:spcAft>
+              </a:pPr>
+              <a:r>
+                <a:rPr lang="ko-KR" altLang="en-US" sz="1400" dirty="0">
+                  <a:solidFill>
+                    <a:schemeClr val="tx1"/>
+                  </a:solidFill>
+                  <a:latin typeface="Arial" panose="020B0604020202020204" pitchFamily="34" charset="0"/>
+                </a:rPr>
+                <a:t>레벨 상승</a:t>
+              </a:r>
+              <a:endParaRPr lang="ko-KR" altLang="ko-KR" sz="1400" b="0" i="0" u="none" strike="noStrike" dirty="0">
                 <a:solidFill>
                   <a:schemeClr val="tx1"/>
                 </a:solidFill>
                 <a:effectLst/>
                 <a:latin typeface="Arial" panose="020B0604020202020204" pitchFamily="34" charset="0"/>
-              </a:rPr>
-              <a:t>해당 레벨 컨텐츠 해금</a:t>
-            </a:r>
-            <a:endParaRPr lang="ko-KR" altLang="ko-KR" sz="1400" b="0" i="0" u="none" strike="noStrike" dirty="0">
-              <a:solidFill>
-                <a:schemeClr val="tx1"/>
-              </a:solidFill>
-              <a:effectLst/>
-              <a:latin typeface="Arial" panose="020B0604020202020204" pitchFamily="34" charset="0"/>
-            </a:endParaRPr>
-          </a:p>
-        </p:txBody>
-      </p:sp>
+              </a:endParaRPr>
+            </a:p>
+          </p:txBody>
+        </p:sp>
+        <p:sp>
+          <p:nvSpPr>
+            <p:cNvPr id="21" name="직사각형 20">
+              <a:extLst>
+                <a:ext uri="{FF2B5EF4-FFF2-40B4-BE49-F238E27FC236}">
+                  <a16:creationId xmlns:a16="http://schemas.microsoft.com/office/drawing/2014/main" id="{4F10FD70-D803-484D-9E59-EAF0CBBD8CE1}"/>
+                </a:ext>
+              </a:extLst>
+            </p:cNvPr>
+            <p:cNvSpPr/>
+            <p:nvPr/>
+          </p:nvSpPr>
+          <p:spPr>
+            <a:xfrm>
+              <a:off x="7648549" y="1691456"/>
+              <a:ext cx="1482466" cy="668220"/>
+            </a:xfrm>
+            <a:prstGeom prst="rect">
+              <a:avLst/>
+            </a:prstGeom>
+            <a:solidFill>
+              <a:schemeClr val="accent6">
+                <a:lumMod val="20000"/>
+                <a:lumOff val="80000"/>
+              </a:schemeClr>
+            </a:solidFill>
+            <a:ln>
+              <a:noFill/>
+            </a:ln>
+          </p:spPr>
+          <p:style>
+            <a:lnRef idx="2">
+              <a:schemeClr val="accent1">
+                <a:shade val="50000"/>
+              </a:schemeClr>
+            </a:lnRef>
+            <a:fillRef idx="1">
+              <a:schemeClr val="accent1"/>
+            </a:fillRef>
+            <a:effectRef idx="0">
+              <a:schemeClr val="accent1"/>
+            </a:effectRef>
+            <a:fontRef idx="minor">
+              <a:schemeClr val="lt1"/>
+            </a:fontRef>
+          </p:style>
+          <p:txBody>
+            <a:bodyPr rtlCol="0" anchor="ctr"/>
+            <a:lstStyle/>
+            <a:p>
+              <a:pPr marL="0" marR="0" indent="0" algn="ctr" rtl="0" eaLnBrk="1" fontAlgn="auto" latinLnBrk="1" hangingPunct="1">
+                <a:spcBef>
+                  <a:spcPts val="0"/>
+                </a:spcBef>
+                <a:spcAft>
+                  <a:spcPts val="0"/>
+                </a:spcAft>
+              </a:pPr>
+              <a:r>
+                <a:rPr lang="ko-KR" altLang="en-US" sz="1400" dirty="0">
+                  <a:solidFill>
+                    <a:schemeClr val="tx1"/>
+                  </a:solidFill>
+                  <a:latin typeface="Arial" panose="020B0604020202020204" pitchFamily="34" charset="0"/>
+                </a:rPr>
+                <a:t>레벨 달성</a:t>
+              </a:r>
+              <a:endParaRPr lang="en-US" altLang="ko-KR" sz="1400" dirty="0">
+                <a:solidFill>
+                  <a:schemeClr val="tx1"/>
+                </a:solidFill>
+                <a:latin typeface="Arial" panose="020B0604020202020204" pitchFamily="34" charset="0"/>
+              </a:endParaRPr>
+            </a:p>
+            <a:p>
+              <a:pPr marL="0" marR="0" indent="0" algn="ctr" rtl="0" eaLnBrk="1" fontAlgn="auto" latinLnBrk="1" hangingPunct="1">
+                <a:spcBef>
+                  <a:spcPts val="0"/>
+                </a:spcBef>
+                <a:spcAft>
+                  <a:spcPts val="0"/>
+                </a:spcAft>
+              </a:pPr>
+              <a:r>
+                <a:rPr lang="ko-KR" altLang="en-US" sz="1400" b="0" i="0" u="none" strike="noStrike" dirty="0">
+                  <a:solidFill>
+                    <a:schemeClr val="tx1"/>
+                  </a:solidFill>
+                  <a:effectLst/>
+                  <a:latin typeface="Arial" panose="020B0604020202020204" pitchFamily="34" charset="0"/>
+                </a:rPr>
+                <a:t>보상</a:t>
+              </a:r>
+              <a:endParaRPr lang="ko-KR" altLang="ko-KR" sz="1400" b="0" i="0" u="none" strike="noStrike" dirty="0">
+                <a:solidFill>
+                  <a:schemeClr val="tx1"/>
+                </a:solidFill>
+                <a:effectLst/>
+                <a:latin typeface="Arial" panose="020B0604020202020204" pitchFamily="34" charset="0"/>
+              </a:endParaRPr>
+            </a:p>
+          </p:txBody>
+        </p:sp>
+        <p:sp>
+          <p:nvSpPr>
+            <p:cNvPr id="22" name="화살표: 오른쪽 21">
+              <a:extLst>
+                <a:ext uri="{FF2B5EF4-FFF2-40B4-BE49-F238E27FC236}">
+                  <a16:creationId xmlns:a16="http://schemas.microsoft.com/office/drawing/2014/main" id="{F83103AA-F3DD-4308-B7C0-79B6922152C1}"/>
+                </a:ext>
+              </a:extLst>
+            </p:cNvPr>
+            <p:cNvSpPr/>
+            <p:nvPr/>
+          </p:nvSpPr>
+          <p:spPr>
+            <a:xfrm>
+              <a:off x="5001233" y="1911249"/>
+              <a:ext cx="388394" cy="189314"/>
+            </a:xfrm>
+            <a:prstGeom prst="rightArrow">
+              <a:avLst/>
+            </a:prstGeom>
+            <a:solidFill>
+              <a:schemeClr val="tx1"/>
+            </a:solidFill>
+            <a:ln>
+              <a:noFill/>
+            </a:ln>
+          </p:spPr>
+          <p:style>
+            <a:lnRef idx="2">
+              <a:schemeClr val="accent1">
+                <a:shade val="50000"/>
+              </a:schemeClr>
+            </a:lnRef>
+            <a:fillRef idx="1">
+              <a:schemeClr val="accent1"/>
+            </a:fillRef>
+            <a:effectRef idx="0">
+              <a:schemeClr val="accent1"/>
+            </a:effectRef>
+            <a:fontRef idx="minor">
+              <a:schemeClr val="lt1"/>
+            </a:fontRef>
+          </p:style>
+          <p:txBody>
+            <a:bodyPr rtlCol="0" anchor="ctr"/>
+            <a:lstStyle/>
+            <a:p>
+              <a:pPr algn="ctr"/>
+              <a:endParaRPr lang="ko-KR" altLang="en-US"/>
+            </a:p>
+          </p:txBody>
+        </p:sp>
+        <p:sp>
+          <p:nvSpPr>
+            <p:cNvPr id="8" name="사각형: 모서리가 접힌 도형 7">
+              <a:extLst>
+                <a:ext uri="{FF2B5EF4-FFF2-40B4-BE49-F238E27FC236}">
+                  <a16:creationId xmlns:a16="http://schemas.microsoft.com/office/drawing/2014/main" id="{6856F481-93CF-4ABF-9A83-5B12BD940AE6}"/>
+                </a:ext>
+              </a:extLst>
+            </p:cNvPr>
+            <p:cNvSpPr/>
+            <p:nvPr/>
+          </p:nvSpPr>
+          <p:spPr>
+            <a:xfrm>
+              <a:off x="3012046" y="1385289"/>
+              <a:ext cx="1207536" cy="497055"/>
+            </a:xfrm>
+            <a:prstGeom prst="foldedCorner">
+              <a:avLst>
+                <a:gd name="adj" fmla="val 31183"/>
+              </a:avLst>
+            </a:prstGeom>
+            <a:solidFill>
+              <a:schemeClr val="bg1">
+                <a:lumMod val="95000"/>
+              </a:schemeClr>
+            </a:solidFill>
+            <a:ln>
+              <a:noFill/>
+            </a:ln>
+          </p:spPr>
+          <p:style>
+            <a:lnRef idx="2">
+              <a:schemeClr val="accent1">
+                <a:shade val="50000"/>
+              </a:schemeClr>
+            </a:lnRef>
+            <a:fillRef idx="1">
+              <a:schemeClr val="accent1"/>
+            </a:fillRef>
+            <a:effectRef idx="0">
+              <a:schemeClr val="accent1"/>
+            </a:effectRef>
+            <a:fontRef idx="minor">
+              <a:schemeClr val="lt1"/>
+            </a:fontRef>
+          </p:style>
+          <p:txBody>
+            <a:bodyPr rtlCol="0" anchor="t"/>
+            <a:lstStyle/>
+            <a:p>
+              <a:pPr algn="ctr"/>
+              <a:r>
+                <a:rPr lang="ko-KR" altLang="en-US" sz="1100" dirty="0">
+                  <a:solidFill>
+                    <a:schemeClr val="tx1"/>
+                  </a:solidFill>
+                </a:rPr>
+                <a:t>레벨 업 </a:t>
+              </a:r>
+              <a:endParaRPr lang="en-US" altLang="ko-KR" sz="1100" dirty="0">
+                <a:solidFill>
+                  <a:schemeClr val="tx1"/>
+                </a:solidFill>
+              </a:endParaRPr>
+            </a:p>
+            <a:p>
+              <a:pPr algn="ctr"/>
+              <a:r>
+                <a:rPr lang="ko-KR" altLang="en-US" sz="1100" dirty="0">
+                  <a:solidFill>
+                    <a:schemeClr val="tx1"/>
+                  </a:solidFill>
+                </a:rPr>
+                <a:t>가능 판단</a:t>
+              </a:r>
+            </a:p>
+          </p:txBody>
+        </p:sp>
+        <p:sp>
+          <p:nvSpPr>
+            <p:cNvPr id="17" name="직사각형 16">
+              <a:extLst>
+                <a:ext uri="{FF2B5EF4-FFF2-40B4-BE49-F238E27FC236}">
+                  <a16:creationId xmlns:a16="http://schemas.microsoft.com/office/drawing/2014/main" id="{2A148687-0C68-4DFB-A8B4-C47A7CD73774}"/>
+                </a:ext>
+              </a:extLst>
+            </p:cNvPr>
+            <p:cNvSpPr/>
+            <p:nvPr/>
+          </p:nvSpPr>
+          <p:spPr>
+            <a:xfrm>
+              <a:off x="1038092" y="1691456"/>
+              <a:ext cx="1482466" cy="668220"/>
+            </a:xfrm>
+            <a:prstGeom prst="rect">
+              <a:avLst/>
+            </a:prstGeom>
+            <a:solidFill>
+              <a:schemeClr val="accent6">
+                <a:lumMod val="20000"/>
+                <a:lumOff val="80000"/>
+              </a:schemeClr>
+            </a:solidFill>
+            <a:ln>
+              <a:noFill/>
+            </a:ln>
+          </p:spPr>
+          <p:style>
+            <a:lnRef idx="2">
+              <a:schemeClr val="accent1">
+                <a:shade val="50000"/>
+              </a:schemeClr>
+            </a:lnRef>
+            <a:fillRef idx="1">
+              <a:schemeClr val="accent1"/>
+            </a:fillRef>
+            <a:effectRef idx="0">
+              <a:schemeClr val="accent1"/>
+            </a:effectRef>
+            <a:fontRef idx="minor">
+              <a:schemeClr val="lt1"/>
+            </a:fontRef>
+          </p:style>
+          <p:txBody>
+            <a:bodyPr rtlCol="0" anchor="ctr"/>
+            <a:lstStyle/>
+            <a:p>
+              <a:pPr marL="0" marR="0" indent="0" algn="ctr" rtl="0" eaLnBrk="1" fontAlgn="auto" latinLnBrk="1" hangingPunct="1">
+                <a:spcBef>
+                  <a:spcPts val="0"/>
+                </a:spcBef>
+                <a:spcAft>
+                  <a:spcPts val="0"/>
+                </a:spcAft>
+              </a:pPr>
+              <a:r>
+                <a:rPr lang="ko-KR" altLang="en-US" sz="1400" dirty="0">
+                  <a:solidFill>
+                    <a:schemeClr val="tx1"/>
+                  </a:solidFill>
+                  <a:latin typeface="Arial" panose="020B0604020202020204" pitchFamily="34" charset="0"/>
+                </a:rPr>
+                <a:t>경험치 획득</a:t>
+              </a:r>
+              <a:endParaRPr lang="ko-KR" altLang="ko-KR" sz="1400" b="0" i="0" u="none" strike="noStrike" dirty="0">
+                <a:solidFill>
+                  <a:schemeClr val="tx1"/>
+                </a:solidFill>
+                <a:effectLst/>
+                <a:latin typeface="Arial" panose="020B0604020202020204" pitchFamily="34" charset="0"/>
+              </a:endParaRPr>
+            </a:p>
+          </p:txBody>
+        </p:sp>
+        <p:sp>
+          <p:nvSpPr>
+            <p:cNvPr id="18" name="화살표: 오른쪽 17">
+              <a:extLst>
+                <a:ext uri="{FF2B5EF4-FFF2-40B4-BE49-F238E27FC236}">
+                  <a16:creationId xmlns:a16="http://schemas.microsoft.com/office/drawing/2014/main" id="{3EBB0FDD-F597-4393-952D-522F6D6BCB59}"/>
+                </a:ext>
+              </a:extLst>
+            </p:cNvPr>
+            <p:cNvSpPr/>
+            <p:nvPr/>
+          </p:nvSpPr>
+          <p:spPr>
+            <a:xfrm>
+              <a:off x="2646448" y="1930909"/>
+              <a:ext cx="610146" cy="169654"/>
+            </a:xfrm>
+            <a:prstGeom prst="rightArrow">
+              <a:avLst/>
+            </a:prstGeom>
+            <a:solidFill>
+              <a:schemeClr val="tx1"/>
+            </a:solidFill>
+            <a:ln>
+              <a:noFill/>
+            </a:ln>
+          </p:spPr>
+          <p:style>
+            <a:lnRef idx="2">
+              <a:schemeClr val="accent1">
+                <a:shade val="50000"/>
+              </a:schemeClr>
+            </a:lnRef>
+            <a:fillRef idx="1">
+              <a:schemeClr val="accent1"/>
+            </a:fillRef>
+            <a:effectRef idx="0">
+              <a:schemeClr val="accent1"/>
+            </a:effectRef>
+            <a:fontRef idx="minor">
+              <a:schemeClr val="lt1"/>
+            </a:fontRef>
+          </p:style>
+          <p:txBody>
+            <a:bodyPr rtlCol="0" anchor="ctr"/>
+            <a:lstStyle/>
+            <a:p>
+              <a:pPr algn="ctr"/>
+              <a:endParaRPr lang="ko-KR" altLang="en-US"/>
+            </a:p>
+          </p:txBody>
+        </p:sp>
+        <p:sp>
+          <p:nvSpPr>
+            <p:cNvPr id="29" name="화살표: 오른쪽 28">
+              <a:extLst>
+                <a:ext uri="{FF2B5EF4-FFF2-40B4-BE49-F238E27FC236}">
+                  <a16:creationId xmlns:a16="http://schemas.microsoft.com/office/drawing/2014/main" id="{FC0EB02C-E53F-4FC5-8445-916A74AE0029}"/>
+                </a:ext>
+              </a:extLst>
+            </p:cNvPr>
+            <p:cNvSpPr/>
+            <p:nvPr/>
+          </p:nvSpPr>
+          <p:spPr>
+            <a:xfrm>
+              <a:off x="7134265" y="1930909"/>
+              <a:ext cx="388394" cy="189314"/>
+            </a:xfrm>
+            <a:prstGeom prst="rightArrow">
+              <a:avLst/>
+            </a:prstGeom>
+            <a:solidFill>
+              <a:schemeClr val="tx1"/>
+            </a:solidFill>
+            <a:ln>
+              <a:noFill/>
+            </a:ln>
+          </p:spPr>
+          <p:style>
+            <a:lnRef idx="2">
+              <a:schemeClr val="accent1">
+                <a:shade val="50000"/>
+              </a:schemeClr>
+            </a:lnRef>
+            <a:fillRef idx="1">
+              <a:schemeClr val="accent1"/>
+            </a:fillRef>
+            <a:effectRef idx="0">
+              <a:schemeClr val="accent1"/>
+            </a:effectRef>
+            <a:fontRef idx="minor">
+              <a:schemeClr val="lt1"/>
+            </a:fontRef>
+          </p:style>
+          <p:txBody>
+            <a:bodyPr rtlCol="0" anchor="ctr"/>
+            <a:lstStyle/>
+            <a:p>
+              <a:pPr algn="ctr"/>
+              <a:endParaRPr lang="ko-KR" altLang="en-US"/>
+            </a:p>
+          </p:txBody>
+        </p:sp>
+      </p:grpSp>
+      <p:graphicFrame>
+        <p:nvGraphicFramePr>
+          <p:cNvPr id="7" name="표 8">
+            <a:extLst>
+              <a:ext uri="{FF2B5EF4-FFF2-40B4-BE49-F238E27FC236}">
+                <a16:creationId xmlns:a16="http://schemas.microsoft.com/office/drawing/2014/main" id="{BE2D85B8-EB9B-4120-8606-C8DB8B4A9924}"/>
+              </a:ext>
+            </a:extLst>
+          </p:cNvPr>
+          <p:cNvGraphicFramePr>
+            <a:graphicFrameLocks noGrp="1"/>
+          </p:cNvGraphicFramePr>
+          <p:nvPr>
+            <p:extLst>
+              <p:ext uri="{D42A27DB-BD31-4B8C-83A1-F6EECF244321}">
+                <p14:modId xmlns:p14="http://schemas.microsoft.com/office/powerpoint/2010/main" val="1043330820"/>
+              </p:ext>
+            </p:extLst>
+          </p:nvPr>
+        </p:nvGraphicFramePr>
+        <p:xfrm>
+          <a:off x="2215038" y="3745096"/>
+          <a:ext cx="7761923" cy="1918932"/>
+        </p:xfrm>
+        <a:graphic>
+          <a:graphicData uri="http://schemas.openxmlformats.org/drawingml/2006/table">
+            <a:tbl>
+              <a:tblPr firstRow="1" bandRow="1">
+                <a:tableStyleId>{5C22544A-7EE6-4342-B048-85BDC9FD1C3A}</a:tableStyleId>
+              </a:tblPr>
+              <a:tblGrid>
+                <a:gridCol w="1259205">
+                  <a:extLst>
+                    <a:ext uri="{9D8B030D-6E8A-4147-A177-3AD203B41FA5}">
+                      <a16:colId xmlns:a16="http://schemas.microsoft.com/office/drawing/2014/main" val="3209380924"/>
+                    </a:ext>
+                  </a:extLst>
+                </a:gridCol>
+                <a:gridCol w="6502718">
+                  <a:extLst>
+                    <a:ext uri="{9D8B030D-6E8A-4147-A177-3AD203B41FA5}">
+                      <a16:colId xmlns:a16="http://schemas.microsoft.com/office/drawing/2014/main" val="1086117814"/>
+                    </a:ext>
+                  </a:extLst>
+                </a:gridCol>
+              </a:tblGrid>
+              <a:tr h="479733">
+                <a:tc>
+                  <a:txBody>
+                    <a:bodyPr/>
+                    <a:lstStyle/>
+                    <a:p>
+                      <a:pPr algn="ctr" latinLnBrk="1"/>
+                      <a:r>
+                        <a:rPr lang="ko-KR" altLang="en-US" sz="1200" b="0" dirty="0">
+                          <a:solidFill>
+                            <a:schemeClr val="tx1"/>
+                          </a:solidFill>
+                        </a:rPr>
+                        <a:t>경험치 획득</a:t>
+                      </a:r>
+                    </a:p>
+                  </a:txBody>
+                  <a:tcPr anchor="ctr">
+                    <a:lnL w="12700" cap="flat" cmpd="sng" algn="ctr">
+                      <a:solidFill>
+                        <a:schemeClr val="tx1"/>
+                      </a:solidFill>
+                      <a:prstDash val="solid"/>
+                      <a:round/>
+                      <a:headEnd type="none" w="med" len="med"/>
+                      <a:tailEnd type="none" w="med" len="med"/>
+                    </a:lnL>
+                    <a:lnR w="12700" cap="flat" cmpd="sng" algn="ctr">
+                      <a:solidFill>
+                        <a:schemeClr val="tx1"/>
+                      </a:solidFill>
+                      <a:prstDash val="solid"/>
+                      <a:round/>
+                      <a:headEnd type="none" w="med" len="med"/>
+                      <a:tailEnd type="none" w="med" len="med"/>
+                    </a:lnR>
+                    <a:lnT w="12700" cap="flat" cmpd="sng" algn="ctr">
+                      <a:solidFill>
+                        <a:schemeClr val="tx1"/>
+                      </a:solidFill>
+                      <a:prstDash val="solid"/>
+                      <a:round/>
+                      <a:headEnd type="none" w="med" len="med"/>
+                      <a:tailEnd type="none" w="med" len="med"/>
+                    </a:lnT>
+                    <a:lnB w="12700" cap="flat" cmpd="sng" algn="ctr">
+                      <a:solidFill>
+                        <a:schemeClr val="tx1"/>
+                      </a:solidFill>
+                      <a:prstDash val="solid"/>
+                      <a:round/>
+                      <a:headEnd type="none" w="med" len="med"/>
+                      <a:tailEnd type="none" w="med" len="med"/>
+                    </a:lnB>
+                    <a:lnTlToBr w="12700" cmpd="sng">
+                      <a:noFill/>
+                      <a:prstDash val="solid"/>
+                    </a:lnTlToBr>
+                    <a:lnBlToTr w="12700" cmpd="sng">
+                      <a:noFill/>
+                      <a:prstDash val="solid"/>
+                    </a:lnBlToTr>
+                    <a:noFill/>
+                  </a:tcPr>
+                </a:tc>
+                <a:tc>
+                  <a:txBody>
+                    <a:bodyPr/>
+                    <a:lstStyle/>
+                    <a:p>
+                      <a:pPr algn="l" latinLnBrk="1"/>
+                      <a:r>
+                        <a:rPr lang="ko-KR" altLang="en-US" sz="1200" b="0" dirty="0">
+                          <a:solidFill>
+                            <a:schemeClr val="tx1"/>
+                          </a:solidFill>
+                        </a:rPr>
+                        <a:t>사냥</a:t>
+                      </a:r>
+                      <a:r>
+                        <a:rPr lang="en-US" altLang="ko-KR" sz="1200" b="0" dirty="0">
+                          <a:solidFill>
+                            <a:schemeClr val="tx1"/>
+                          </a:solidFill>
+                        </a:rPr>
+                        <a:t>, </a:t>
+                      </a:r>
+                      <a:r>
+                        <a:rPr lang="ko-KR" altLang="en-US" sz="1200" b="0" dirty="0">
+                          <a:solidFill>
+                            <a:schemeClr val="tx1"/>
+                          </a:solidFill>
+                        </a:rPr>
+                        <a:t>던전</a:t>
+                      </a:r>
+                      <a:r>
+                        <a:rPr lang="en-US" altLang="ko-KR" sz="1200" b="0" dirty="0">
+                          <a:solidFill>
+                            <a:schemeClr val="tx1"/>
+                          </a:solidFill>
+                        </a:rPr>
+                        <a:t>, </a:t>
+                      </a:r>
+                      <a:r>
+                        <a:rPr lang="ko-KR" altLang="en-US" sz="1200" b="0" dirty="0">
+                          <a:solidFill>
+                            <a:schemeClr val="tx1"/>
+                          </a:solidFill>
+                        </a:rPr>
+                        <a:t>퀘스트</a:t>
+                      </a:r>
+                      <a:r>
+                        <a:rPr lang="en-US" altLang="ko-KR" sz="1200" b="0" dirty="0">
+                          <a:solidFill>
+                            <a:schemeClr val="tx1"/>
+                          </a:solidFill>
+                        </a:rPr>
+                        <a:t>, </a:t>
+                      </a:r>
+                      <a:r>
+                        <a:rPr lang="ko-KR" altLang="en-US" sz="1200" b="0" dirty="0">
+                          <a:solidFill>
+                            <a:schemeClr val="tx1"/>
+                          </a:solidFill>
+                        </a:rPr>
+                        <a:t>소비 아이템 등의 방법으로 경험치를 획득한다</a:t>
+                      </a:r>
+                      <a:r>
+                        <a:rPr lang="en-US" altLang="ko-KR" sz="1200" b="0" dirty="0">
+                          <a:solidFill>
+                            <a:schemeClr val="tx1"/>
+                          </a:solidFill>
+                        </a:rPr>
+                        <a:t>.</a:t>
+                      </a:r>
+                      <a:endParaRPr lang="ko-KR" altLang="en-US" sz="1200" b="0" dirty="0">
+                        <a:solidFill>
+                          <a:schemeClr val="tx1"/>
+                        </a:solidFill>
+                      </a:endParaRPr>
+                    </a:p>
+                  </a:txBody>
+                  <a:tcPr anchor="ctr">
+                    <a:lnL w="12700" cap="flat" cmpd="sng" algn="ctr">
+                      <a:solidFill>
+                        <a:schemeClr val="tx1"/>
+                      </a:solidFill>
+                      <a:prstDash val="solid"/>
+                      <a:round/>
+                      <a:headEnd type="none" w="med" len="med"/>
+                      <a:tailEnd type="none" w="med" len="med"/>
+                    </a:lnL>
+                    <a:lnR w="12700" cap="flat" cmpd="sng" algn="ctr">
+                      <a:solidFill>
+                        <a:schemeClr val="tx1"/>
+                      </a:solidFill>
+                      <a:prstDash val="solid"/>
+                      <a:round/>
+                      <a:headEnd type="none" w="med" len="med"/>
+                      <a:tailEnd type="none" w="med" len="med"/>
+                    </a:lnR>
+                    <a:lnT w="12700" cap="flat" cmpd="sng" algn="ctr">
+                      <a:solidFill>
+                        <a:schemeClr val="tx1"/>
+                      </a:solidFill>
+                      <a:prstDash val="solid"/>
+                      <a:round/>
+                      <a:headEnd type="none" w="med" len="med"/>
+                      <a:tailEnd type="none" w="med" len="med"/>
+                    </a:lnT>
+                    <a:lnB w="12700" cap="flat" cmpd="sng" algn="ctr">
+                      <a:solidFill>
+                        <a:schemeClr val="tx1"/>
+                      </a:solidFill>
+                      <a:prstDash val="solid"/>
+                      <a:round/>
+                      <a:headEnd type="none" w="med" len="med"/>
+                      <a:tailEnd type="none" w="med" len="med"/>
+                    </a:lnB>
+                    <a:lnTlToBr w="12700" cmpd="sng">
+                      <a:noFill/>
+                      <a:prstDash val="solid"/>
+                    </a:lnTlToBr>
+                    <a:lnBlToTr w="12700" cmpd="sng">
+                      <a:noFill/>
+                      <a:prstDash val="solid"/>
+                    </a:lnBlToTr>
+                    <a:noFill/>
+                  </a:tcPr>
+                </a:tc>
+                <a:extLst>
+                  <a:ext uri="{0D108BD9-81ED-4DB2-BD59-A6C34878D82A}">
+                    <a16:rowId xmlns:a16="http://schemas.microsoft.com/office/drawing/2014/main" val="1437272371"/>
+                  </a:ext>
+                </a:extLst>
+              </a:tr>
+              <a:tr h="479733">
+                <a:tc>
+                  <a:txBody>
+                    <a:bodyPr/>
+                    <a:lstStyle/>
+                    <a:p>
+                      <a:pPr algn="ctr" latinLnBrk="1"/>
+                      <a:r>
+                        <a:rPr lang="ko-KR" altLang="en-US" sz="1200" b="0" dirty="0">
+                          <a:solidFill>
+                            <a:schemeClr val="tx1"/>
+                          </a:solidFill>
+                        </a:rPr>
+                        <a:t>레벨 상승</a:t>
+                      </a:r>
+                    </a:p>
+                  </a:txBody>
+                  <a:tcPr anchor="ctr">
+                    <a:lnL w="12700" cap="flat" cmpd="sng" algn="ctr">
+                      <a:solidFill>
+                        <a:schemeClr val="tx1"/>
+                      </a:solidFill>
+                      <a:prstDash val="solid"/>
+                      <a:round/>
+                      <a:headEnd type="none" w="med" len="med"/>
+                      <a:tailEnd type="none" w="med" len="med"/>
+                    </a:lnL>
+                    <a:lnR w="12700" cap="flat" cmpd="sng" algn="ctr">
+                      <a:solidFill>
+                        <a:schemeClr val="tx1"/>
+                      </a:solidFill>
+                      <a:prstDash val="solid"/>
+                      <a:round/>
+                      <a:headEnd type="none" w="med" len="med"/>
+                      <a:tailEnd type="none" w="med" len="med"/>
+                    </a:lnR>
+                    <a:lnT w="12700" cap="flat" cmpd="sng" algn="ctr">
+                      <a:solidFill>
+                        <a:schemeClr val="tx1"/>
+                      </a:solidFill>
+                      <a:prstDash val="solid"/>
+                      <a:round/>
+                      <a:headEnd type="none" w="med" len="med"/>
+                      <a:tailEnd type="none" w="med" len="med"/>
+                    </a:lnT>
+                    <a:lnB w="12700" cap="flat" cmpd="sng" algn="ctr">
+                      <a:solidFill>
+                        <a:schemeClr val="tx1"/>
+                      </a:solidFill>
+                      <a:prstDash val="solid"/>
+                      <a:round/>
+                      <a:headEnd type="none" w="med" len="med"/>
+                      <a:tailEnd type="none" w="med" len="med"/>
+                    </a:lnB>
+                    <a:lnTlToBr w="12700" cmpd="sng">
+                      <a:noFill/>
+                      <a:prstDash val="solid"/>
+                    </a:lnTlToBr>
+                    <a:lnBlToTr w="12700" cmpd="sng">
+                      <a:noFill/>
+                      <a:prstDash val="solid"/>
+                    </a:lnBlToTr>
+                    <a:noFill/>
+                  </a:tcPr>
+                </a:tc>
+                <a:tc>
+                  <a:txBody>
+                    <a:bodyPr/>
+                    <a:lstStyle/>
+                    <a:p>
+                      <a:pPr algn="l" latinLnBrk="1"/>
+                      <a:r>
+                        <a:rPr lang="ko-KR" altLang="en-US" sz="1200" b="0" dirty="0">
+                          <a:solidFill>
+                            <a:schemeClr val="tx1"/>
+                          </a:solidFill>
+                        </a:rPr>
+                        <a:t>레벨 업이 가능한 상황일때 경험치를 획득할 경우 레벨이 상승한다</a:t>
+                      </a:r>
+                      <a:r>
+                        <a:rPr lang="en-US" altLang="ko-KR" sz="1200" b="0" dirty="0">
+                          <a:solidFill>
+                            <a:schemeClr val="tx1"/>
+                          </a:solidFill>
+                        </a:rPr>
+                        <a:t>.</a:t>
+                      </a:r>
+                      <a:endParaRPr lang="ko-KR" altLang="en-US" sz="1200" b="0" dirty="0">
+                        <a:solidFill>
+                          <a:schemeClr val="tx1"/>
+                        </a:solidFill>
+                      </a:endParaRPr>
+                    </a:p>
+                  </a:txBody>
+                  <a:tcPr anchor="ctr">
+                    <a:lnL w="12700" cap="flat" cmpd="sng" algn="ctr">
+                      <a:solidFill>
+                        <a:schemeClr val="tx1"/>
+                      </a:solidFill>
+                      <a:prstDash val="solid"/>
+                      <a:round/>
+                      <a:headEnd type="none" w="med" len="med"/>
+                      <a:tailEnd type="none" w="med" len="med"/>
+                    </a:lnL>
+                    <a:lnR w="12700" cap="flat" cmpd="sng" algn="ctr">
+                      <a:solidFill>
+                        <a:schemeClr val="tx1"/>
+                      </a:solidFill>
+                      <a:prstDash val="solid"/>
+                      <a:round/>
+                      <a:headEnd type="none" w="med" len="med"/>
+                      <a:tailEnd type="none" w="med" len="med"/>
+                    </a:lnR>
+                    <a:lnT w="12700" cap="flat" cmpd="sng" algn="ctr">
+                      <a:solidFill>
+                        <a:schemeClr val="tx1"/>
+                      </a:solidFill>
+                      <a:prstDash val="solid"/>
+                      <a:round/>
+                      <a:headEnd type="none" w="med" len="med"/>
+                      <a:tailEnd type="none" w="med" len="med"/>
+                    </a:lnT>
+                    <a:lnB w="12700" cap="flat" cmpd="sng" algn="ctr">
+                      <a:solidFill>
+                        <a:schemeClr val="tx1"/>
+                      </a:solidFill>
+                      <a:prstDash val="solid"/>
+                      <a:round/>
+                      <a:headEnd type="none" w="med" len="med"/>
+                      <a:tailEnd type="none" w="med" len="med"/>
+                    </a:lnB>
+                    <a:lnTlToBr w="12700" cmpd="sng">
+                      <a:noFill/>
+                      <a:prstDash val="solid"/>
+                    </a:lnTlToBr>
+                    <a:lnBlToTr w="12700" cmpd="sng">
+                      <a:noFill/>
+                      <a:prstDash val="solid"/>
+                    </a:lnBlToTr>
+                    <a:noFill/>
+                  </a:tcPr>
+                </a:tc>
+                <a:extLst>
+                  <a:ext uri="{0D108BD9-81ED-4DB2-BD59-A6C34878D82A}">
+                    <a16:rowId xmlns:a16="http://schemas.microsoft.com/office/drawing/2014/main" val="3324853741"/>
+                  </a:ext>
+                </a:extLst>
+              </a:tr>
+              <a:tr h="479733">
+                <a:tc>
+                  <a:txBody>
+                    <a:bodyPr/>
+                    <a:lstStyle/>
+                    <a:p>
+                      <a:pPr algn="ctr" latinLnBrk="1"/>
+                      <a:r>
+                        <a:rPr lang="ko-KR" altLang="en-US" sz="1200" b="0" dirty="0">
+                          <a:solidFill>
+                            <a:schemeClr val="tx1"/>
+                          </a:solidFill>
+                        </a:rPr>
+                        <a:t>레벨 업 연출</a:t>
+                      </a:r>
+                    </a:p>
+                  </a:txBody>
+                  <a:tcPr anchor="ctr">
+                    <a:lnL w="12700" cap="flat" cmpd="sng" algn="ctr">
+                      <a:solidFill>
+                        <a:schemeClr val="tx1"/>
+                      </a:solidFill>
+                      <a:prstDash val="solid"/>
+                      <a:round/>
+                      <a:headEnd type="none" w="med" len="med"/>
+                      <a:tailEnd type="none" w="med" len="med"/>
+                    </a:lnL>
+                    <a:lnR w="12700" cap="flat" cmpd="sng" algn="ctr">
+                      <a:solidFill>
+                        <a:schemeClr val="tx1"/>
+                      </a:solidFill>
+                      <a:prstDash val="solid"/>
+                      <a:round/>
+                      <a:headEnd type="none" w="med" len="med"/>
+                      <a:tailEnd type="none" w="med" len="med"/>
+                    </a:lnR>
+                    <a:lnT w="12700" cap="flat" cmpd="sng" algn="ctr">
+                      <a:solidFill>
+                        <a:schemeClr val="tx1"/>
+                      </a:solidFill>
+                      <a:prstDash val="solid"/>
+                      <a:round/>
+                      <a:headEnd type="none" w="med" len="med"/>
+                      <a:tailEnd type="none" w="med" len="med"/>
+                    </a:lnT>
+                    <a:lnB w="12700" cap="flat" cmpd="sng" algn="ctr">
+                      <a:solidFill>
+                        <a:schemeClr val="tx1"/>
+                      </a:solidFill>
+                      <a:prstDash val="solid"/>
+                      <a:round/>
+                      <a:headEnd type="none" w="med" len="med"/>
+                      <a:tailEnd type="none" w="med" len="med"/>
+                    </a:lnB>
+                    <a:lnTlToBr w="12700" cmpd="sng">
+                      <a:noFill/>
+                      <a:prstDash val="solid"/>
+                    </a:lnTlToBr>
+                    <a:lnBlToTr w="12700" cmpd="sng">
+                      <a:noFill/>
+                      <a:prstDash val="solid"/>
+                    </a:lnBlToTr>
+                    <a:noFill/>
+                  </a:tcPr>
+                </a:tc>
+                <a:tc>
+                  <a:txBody>
+                    <a:bodyPr/>
+                    <a:lstStyle/>
+                    <a:p>
+                      <a:pPr algn="l" latinLnBrk="1"/>
+                      <a:r>
+                        <a:rPr lang="ko-KR" altLang="en-US" sz="1200" b="0" dirty="0">
+                          <a:solidFill>
+                            <a:schemeClr val="tx1"/>
+                          </a:solidFill>
+                        </a:rPr>
+                        <a:t>레벨이 상승할 경우 단계별로 다른 연출이 나타난다</a:t>
+                      </a:r>
+                      <a:r>
+                        <a:rPr lang="en-US" altLang="ko-KR" sz="1200" b="0" dirty="0">
+                          <a:solidFill>
+                            <a:schemeClr val="tx1"/>
+                          </a:solidFill>
+                        </a:rPr>
+                        <a:t>.</a:t>
+                      </a:r>
+                      <a:endParaRPr lang="ko-KR" altLang="en-US" sz="1200" b="0" dirty="0">
+                        <a:solidFill>
+                          <a:schemeClr val="tx1"/>
+                        </a:solidFill>
+                      </a:endParaRPr>
+                    </a:p>
+                  </a:txBody>
+                  <a:tcPr anchor="ctr">
+                    <a:lnL w="12700" cap="flat" cmpd="sng" algn="ctr">
+                      <a:solidFill>
+                        <a:schemeClr val="tx1"/>
+                      </a:solidFill>
+                      <a:prstDash val="solid"/>
+                      <a:round/>
+                      <a:headEnd type="none" w="med" len="med"/>
+                      <a:tailEnd type="none" w="med" len="med"/>
+                    </a:lnL>
+                    <a:lnR w="12700" cap="flat" cmpd="sng" algn="ctr">
+                      <a:solidFill>
+                        <a:schemeClr val="tx1"/>
+                      </a:solidFill>
+                      <a:prstDash val="solid"/>
+                      <a:round/>
+                      <a:headEnd type="none" w="med" len="med"/>
+                      <a:tailEnd type="none" w="med" len="med"/>
+                    </a:lnR>
+                    <a:lnT w="12700" cap="flat" cmpd="sng" algn="ctr">
+                      <a:solidFill>
+                        <a:schemeClr val="tx1"/>
+                      </a:solidFill>
+                      <a:prstDash val="solid"/>
+                      <a:round/>
+                      <a:headEnd type="none" w="med" len="med"/>
+                      <a:tailEnd type="none" w="med" len="med"/>
+                    </a:lnT>
+                    <a:lnB w="12700" cap="flat" cmpd="sng" algn="ctr">
+                      <a:solidFill>
+                        <a:schemeClr val="tx1"/>
+                      </a:solidFill>
+                      <a:prstDash val="solid"/>
+                      <a:round/>
+                      <a:headEnd type="none" w="med" len="med"/>
+                      <a:tailEnd type="none" w="med" len="med"/>
+                    </a:lnB>
+                    <a:lnTlToBr w="12700" cmpd="sng">
+                      <a:noFill/>
+                      <a:prstDash val="solid"/>
+                    </a:lnTlToBr>
+                    <a:lnBlToTr w="12700" cmpd="sng">
+                      <a:noFill/>
+                      <a:prstDash val="solid"/>
+                    </a:lnBlToTr>
+                    <a:noFill/>
+                  </a:tcPr>
+                </a:tc>
+                <a:extLst>
+                  <a:ext uri="{0D108BD9-81ED-4DB2-BD59-A6C34878D82A}">
+                    <a16:rowId xmlns:a16="http://schemas.microsoft.com/office/drawing/2014/main" val="1272016463"/>
+                  </a:ext>
+                </a:extLst>
+              </a:tr>
+              <a:tr h="479733">
+                <a:tc>
+                  <a:txBody>
+                    <a:bodyPr/>
+                    <a:lstStyle/>
+                    <a:p>
+                      <a:pPr algn="ctr" latinLnBrk="1"/>
+                      <a:r>
+                        <a:rPr lang="ko-KR" altLang="en-US" sz="1200" b="0" dirty="0">
+                          <a:solidFill>
+                            <a:schemeClr val="tx1"/>
+                          </a:solidFill>
+                        </a:rPr>
+                        <a:t>레벨 달성 보상</a:t>
+                      </a:r>
+                    </a:p>
+                  </a:txBody>
+                  <a:tcPr anchor="ctr">
+                    <a:lnL w="12700" cap="flat" cmpd="sng" algn="ctr">
+                      <a:solidFill>
+                        <a:schemeClr val="tx1"/>
+                      </a:solidFill>
+                      <a:prstDash val="solid"/>
+                      <a:round/>
+                      <a:headEnd type="none" w="med" len="med"/>
+                      <a:tailEnd type="none" w="med" len="med"/>
+                    </a:lnL>
+                    <a:lnR w="12700" cap="flat" cmpd="sng" algn="ctr">
+                      <a:solidFill>
+                        <a:schemeClr val="tx1"/>
+                      </a:solidFill>
+                      <a:prstDash val="solid"/>
+                      <a:round/>
+                      <a:headEnd type="none" w="med" len="med"/>
+                      <a:tailEnd type="none" w="med" len="med"/>
+                    </a:lnR>
+                    <a:lnT w="12700" cap="flat" cmpd="sng" algn="ctr">
+                      <a:solidFill>
+                        <a:schemeClr val="tx1"/>
+                      </a:solidFill>
+                      <a:prstDash val="solid"/>
+                      <a:round/>
+                      <a:headEnd type="none" w="med" len="med"/>
+                      <a:tailEnd type="none" w="med" len="med"/>
+                    </a:lnT>
+                    <a:lnB w="12700" cap="flat" cmpd="sng" algn="ctr">
+                      <a:solidFill>
+                        <a:schemeClr val="tx1"/>
+                      </a:solidFill>
+                      <a:prstDash val="solid"/>
+                      <a:round/>
+                      <a:headEnd type="none" w="med" len="med"/>
+                      <a:tailEnd type="none" w="med" len="med"/>
+                    </a:lnB>
+                    <a:lnTlToBr w="12700" cmpd="sng">
+                      <a:noFill/>
+                      <a:prstDash val="solid"/>
+                    </a:lnTlToBr>
+                    <a:lnBlToTr w="12700" cmpd="sng">
+                      <a:noFill/>
+                      <a:prstDash val="solid"/>
+                    </a:lnBlToTr>
+                    <a:noFill/>
+                  </a:tcPr>
+                </a:tc>
+                <a:tc>
+                  <a:txBody>
+                    <a:bodyPr/>
+                    <a:lstStyle/>
+                    <a:p>
+                      <a:pPr algn="l" latinLnBrk="1"/>
+                      <a:r>
+                        <a:rPr lang="ko-KR" altLang="en-US" sz="1200" b="0" dirty="0">
+                          <a:solidFill>
+                            <a:schemeClr val="tx1"/>
+                          </a:solidFill>
+                        </a:rPr>
+                        <a:t>레벨 업 시 보상으로 능력치의 한계치와 능력치가 상승하고 해당 레벨에 컨텐츠가 해금된다</a:t>
+                      </a:r>
+                      <a:r>
+                        <a:rPr lang="en-US" altLang="ko-KR" sz="1200" b="0" dirty="0">
+                          <a:solidFill>
+                            <a:schemeClr val="tx1"/>
+                          </a:solidFill>
+                        </a:rPr>
+                        <a:t>.</a:t>
+                      </a:r>
+                      <a:endParaRPr lang="ko-KR" altLang="en-US" sz="1200" b="0" dirty="0">
+                        <a:solidFill>
+                          <a:schemeClr val="tx1"/>
+                        </a:solidFill>
+                      </a:endParaRPr>
+                    </a:p>
+                  </a:txBody>
+                  <a:tcPr anchor="ctr">
+                    <a:lnL w="12700" cap="flat" cmpd="sng" algn="ctr">
+                      <a:solidFill>
+                        <a:schemeClr val="tx1"/>
+                      </a:solidFill>
+                      <a:prstDash val="solid"/>
+                      <a:round/>
+                      <a:headEnd type="none" w="med" len="med"/>
+                      <a:tailEnd type="none" w="med" len="med"/>
+                    </a:lnL>
+                    <a:lnR w="12700" cap="flat" cmpd="sng" algn="ctr">
+                      <a:solidFill>
+                        <a:schemeClr val="tx1"/>
+                      </a:solidFill>
+                      <a:prstDash val="solid"/>
+                      <a:round/>
+                      <a:headEnd type="none" w="med" len="med"/>
+                      <a:tailEnd type="none" w="med" len="med"/>
+                    </a:lnR>
+                    <a:lnT w="12700" cap="flat" cmpd="sng" algn="ctr">
+                      <a:solidFill>
+                        <a:schemeClr val="tx1"/>
+                      </a:solidFill>
+                      <a:prstDash val="solid"/>
+                      <a:round/>
+                      <a:headEnd type="none" w="med" len="med"/>
+                      <a:tailEnd type="none" w="med" len="med"/>
+                    </a:lnT>
+                    <a:lnB w="12700" cap="flat" cmpd="sng" algn="ctr">
+                      <a:solidFill>
+                        <a:schemeClr val="tx1"/>
+                      </a:solidFill>
+                      <a:prstDash val="solid"/>
+                      <a:round/>
+                      <a:headEnd type="none" w="med" len="med"/>
+                      <a:tailEnd type="none" w="med" len="med"/>
+                    </a:lnB>
+                    <a:lnTlToBr w="12700" cmpd="sng">
+                      <a:noFill/>
+                      <a:prstDash val="solid"/>
+                    </a:lnTlToBr>
+                    <a:lnBlToTr w="12700" cmpd="sng">
+                      <a:noFill/>
+                      <a:prstDash val="solid"/>
+                    </a:lnBlToTr>
+                    <a:noFill/>
+                  </a:tcPr>
+                </a:tc>
+                <a:extLst>
+                  <a:ext uri="{0D108BD9-81ED-4DB2-BD59-A6C34878D82A}">
+                    <a16:rowId xmlns:a16="http://schemas.microsoft.com/office/drawing/2014/main" val="818329521"/>
+                  </a:ext>
+                </a:extLst>
+              </a:tr>
+            </a:tbl>
+          </a:graphicData>
+        </a:graphic>
+      </p:graphicFrame>
+      <p:grpSp>
+        <p:nvGrpSpPr>
+          <p:cNvPr id="4" name="그룹 3">
+            <a:extLst>
+              <a:ext uri="{FF2B5EF4-FFF2-40B4-BE49-F238E27FC236}">
+                <a16:creationId xmlns:a16="http://schemas.microsoft.com/office/drawing/2014/main" id="{0A1DC234-AF9A-4453-935B-35B6687D7D5C}"/>
+              </a:ext>
+            </a:extLst>
+          </p:cNvPr>
+          <p:cNvGrpSpPr/>
+          <p:nvPr/>
+        </p:nvGrpSpPr>
+        <p:grpSpPr>
+          <a:xfrm>
+            <a:off x="9169620" y="2056408"/>
+            <a:ext cx="1628766" cy="787241"/>
+            <a:chOff x="9075744" y="2175429"/>
+            <a:chExt cx="1966791" cy="1141512"/>
+          </a:xfrm>
+        </p:grpSpPr>
+        <p:sp>
+          <p:nvSpPr>
+            <p:cNvPr id="28" name="사각형: 모서리가 접힌 도형 27">
+              <a:extLst>
+                <a:ext uri="{FF2B5EF4-FFF2-40B4-BE49-F238E27FC236}">
+                  <a16:creationId xmlns:a16="http://schemas.microsoft.com/office/drawing/2014/main" id="{906A1B5E-CC58-4E0D-83FC-24F0C0D54BAF}"/>
+                </a:ext>
+              </a:extLst>
+            </p:cNvPr>
+            <p:cNvSpPr/>
+            <p:nvPr/>
+          </p:nvSpPr>
+          <p:spPr>
+            <a:xfrm>
+              <a:off x="9075744" y="2175429"/>
+              <a:ext cx="1966791" cy="1141512"/>
+            </a:xfrm>
+            <a:prstGeom prst="foldedCorner">
+              <a:avLst/>
+            </a:prstGeom>
+            <a:solidFill>
+              <a:schemeClr val="bg1">
+                <a:lumMod val="95000"/>
+              </a:schemeClr>
+            </a:solidFill>
+            <a:ln>
+              <a:noFill/>
+            </a:ln>
+          </p:spPr>
+          <p:style>
+            <a:lnRef idx="2">
+              <a:schemeClr val="accent1">
+                <a:shade val="50000"/>
+              </a:schemeClr>
+            </a:lnRef>
+            <a:fillRef idx="1">
+              <a:schemeClr val="accent1"/>
+            </a:fillRef>
+            <a:effectRef idx="0">
+              <a:schemeClr val="accent1"/>
+            </a:effectRef>
+            <a:fontRef idx="minor">
+              <a:schemeClr val="lt1"/>
+            </a:fontRef>
+          </p:style>
+          <p:txBody>
+            <a:bodyPr rtlCol="0" anchor="ctr"/>
+            <a:lstStyle/>
+            <a:p>
+              <a:pPr algn="ctr"/>
+              <a:endParaRPr lang="ko-KR" altLang="en-US" sz="800" dirty="0"/>
+            </a:p>
+          </p:txBody>
+        </p:sp>
+        <p:sp>
+          <p:nvSpPr>
+            <p:cNvPr id="25" name="직사각형 24">
+              <a:extLst>
+                <a:ext uri="{FF2B5EF4-FFF2-40B4-BE49-F238E27FC236}">
+                  <a16:creationId xmlns:a16="http://schemas.microsoft.com/office/drawing/2014/main" id="{37116808-F893-4797-9819-758707F74A81}"/>
+                </a:ext>
+              </a:extLst>
+            </p:cNvPr>
+            <p:cNvSpPr/>
+            <p:nvPr/>
+          </p:nvSpPr>
+          <p:spPr>
+            <a:xfrm>
+              <a:off x="9159981" y="2276164"/>
+              <a:ext cx="1140355" cy="432429"/>
+            </a:xfrm>
+            <a:prstGeom prst="rect">
+              <a:avLst/>
+            </a:prstGeom>
+            <a:solidFill>
+              <a:schemeClr val="accent6">
+                <a:lumMod val="20000"/>
+                <a:lumOff val="80000"/>
+              </a:schemeClr>
+            </a:solidFill>
+            <a:ln>
+              <a:noFill/>
+            </a:ln>
+          </p:spPr>
+          <p:style>
+            <a:lnRef idx="2">
+              <a:schemeClr val="accent1">
+                <a:shade val="50000"/>
+              </a:schemeClr>
+            </a:lnRef>
+            <a:fillRef idx="1">
+              <a:schemeClr val="accent1"/>
+            </a:fillRef>
+            <a:effectRef idx="0">
+              <a:schemeClr val="accent1"/>
+            </a:effectRef>
+            <a:fontRef idx="minor">
+              <a:schemeClr val="lt1"/>
+            </a:fontRef>
+          </p:style>
+          <p:txBody>
+            <a:bodyPr rtlCol="0" anchor="ctr"/>
+            <a:lstStyle/>
+            <a:p>
+              <a:pPr marL="0" marR="0" indent="0" algn="ctr" rtl="0" eaLnBrk="1" fontAlgn="auto" latinLnBrk="1" hangingPunct="1">
+                <a:spcBef>
+                  <a:spcPts val="0"/>
+                </a:spcBef>
+                <a:spcAft>
+                  <a:spcPts val="0"/>
+                </a:spcAft>
+              </a:pPr>
+              <a:r>
+                <a:rPr lang="ko-KR" altLang="en-US" sz="800" dirty="0">
+                  <a:solidFill>
+                    <a:schemeClr val="tx1"/>
+                  </a:solidFill>
+                  <a:latin typeface="Arial" panose="020B0604020202020204" pitchFamily="34" charset="0"/>
+                </a:rPr>
+                <a:t>능력치 한계치</a:t>
+              </a:r>
+              <a:endParaRPr lang="en-US" altLang="ko-KR" sz="800" dirty="0">
+                <a:solidFill>
+                  <a:schemeClr val="tx1"/>
+                </a:solidFill>
+                <a:latin typeface="Arial" panose="020B0604020202020204" pitchFamily="34" charset="0"/>
+              </a:endParaRPr>
+            </a:p>
+            <a:p>
+              <a:pPr marL="0" marR="0" indent="0" algn="ctr" rtl="0" eaLnBrk="1" fontAlgn="auto" latinLnBrk="1" hangingPunct="1">
+                <a:spcBef>
+                  <a:spcPts val="0"/>
+                </a:spcBef>
+                <a:spcAft>
+                  <a:spcPts val="0"/>
+                </a:spcAft>
+              </a:pPr>
+              <a:r>
+                <a:rPr lang="ko-KR" altLang="en-US" sz="800" dirty="0">
+                  <a:solidFill>
+                    <a:schemeClr val="tx1"/>
+                  </a:solidFill>
+                  <a:latin typeface="Arial" panose="020B0604020202020204" pitchFamily="34" charset="0"/>
+                </a:rPr>
+                <a:t>상승</a:t>
+              </a:r>
+              <a:endParaRPr lang="en-US" altLang="ko-KR" sz="800" dirty="0">
+                <a:solidFill>
+                  <a:schemeClr val="tx1"/>
+                </a:solidFill>
+                <a:latin typeface="Arial" panose="020B0604020202020204" pitchFamily="34" charset="0"/>
+              </a:endParaRPr>
+            </a:p>
+          </p:txBody>
+        </p:sp>
+        <p:sp>
+          <p:nvSpPr>
+            <p:cNvPr id="26" name="직사각형 25">
+              <a:extLst>
+                <a:ext uri="{FF2B5EF4-FFF2-40B4-BE49-F238E27FC236}">
+                  <a16:creationId xmlns:a16="http://schemas.microsoft.com/office/drawing/2014/main" id="{2DBE5FB4-96DA-430C-8A88-A0E69E5F9356}"/>
+                </a:ext>
+              </a:extLst>
+            </p:cNvPr>
+            <p:cNvSpPr/>
+            <p:nvPr/>
+          </p:nvSpPr>
+          <p:spPr>
+            <a:xfrm>
+              <a:off x="10374529" y="2276164"/>
+              <a:ext cx="610936" cy="432429"/>
+            </a:xfrm>
+            <a:prstGeom prst="rect">
+              <a:avLst/>
+            </a:prstGeom>
+            <a:solidFill>
+              <a:schemeClr val="accent6">
+                <a:lumMod val="20000"/>
+                <a:lumOff val="80000"/>
+              </a:schemeClr>
+            </a:solidFill>
+            <a:ln>
+              <a:noFill/>
+            </a:ln>
+          </p:spPr>
+          <p:style>
+            <a:lnRef idx="2">
+              <a:schemeClr val="accent1">
+                <a:shade val="50000"/>
+              </a:schemeClr>
+            </a:lnRef>
+            <a:fillRef idx="1">
+              <a:schemeClr val="accent1"/>
+            </a:fillRef>
+            <a:effectRef idx="0">
+              <a:schemeClr val="accent1"/>
+            </a:effectRef>
+            <a:fontRef idx="minor">
+              <a:schemeClr val="lt1"/>
+            </a:fontRef>
+          </p:style>
+          <p:txBody>
+            <a:bodyPr rtlCol="0" anchor="ctr"/>
+            <a:lstStyle/>
+            <a:p>
+              <a:pPr marL="0" marR="0" indent="0" algn="ctr" rtl="0" eaLnBrk="1" fontAlgn="auto" latinLnBrk="1" hangingPunct="1">
+                <a:spcBef>
+                  <a:spcPts val="0"/>
+                </a:spcBef>
+                <a:spcAft>
+                  <a:spcPts val="0"/>
+                </a:spcAft>
+              </a:pPr>
+              <a:r>
+                <a:rPr lang="ko-KR" altLang="en-US" sz="800" b="0" i="0" u="none" strike="noStrike" dirty="0">
+                  <a:solidFill>
+                    <a:schemeClr val="tx1"/>
+                  </a:solidFill>
+                  <a:effectLst/>
+                  <a:latin typeface="Arial" panose="020B0604020202020204" pitchFamily="34" charset="0"/>
+                </a:rPr>
+                <a:t>능력치</a:t>
+              </a:r>
+              <a:endParaRPr lang="en-US" altLang="ko-KR" sz="800" b="0" i="0" u="none" strike="noStrike" dirty="0">
+                <a:solidFill>
+                  <a:schemeClr val="tx1"/>
+                </a:solidFill>
+                <a:effectLst/>
+                <a:latin typeface="Arial" panose="020B0604020202020204" pitchFamily="34" charset="0"/>
+              </a:endParaRPr>
+            </a:p>
+            <a:p>
+              <a:pPr marL="0" marR="0" indent="0" algn="ctr" rtl="0" eaLnBrk="1" fontAlgn="auto" latinLnBrk="1" hangingPunct="1">
+                <a:spcBef>
+                  <a:spcPts val="0"/>
+                </a:spcBef>
+                <a:spcAft>
+                  <a:spcPts val="0"/>
+                </a:spcAft>
+              </a:pPr>
+              <a:r>
+                <a:rPr lang="ko-KR" altLang="en-US" sz="800" b="0" i="0" u="none" strike="noStrike" dirty="0">
+                  <a:solidFill>
+                    <a:schemeClr val="tx1"/>
+                  </a:solidFill>
+                  <a:effectLst/>
+                  <a:latin typeface="Arial" panose="020B0604020202020204" pitchFamily="34" charset="0"/>
+                </a:rPr>
+                <a:t>상승</a:t>
+              </a:r>
+              <a:endParaRPr lang="en-US" altLang="ko-KR" sz="800" b="0" i="0" u="none" strike="noStrike" dirty="0">
+                <a:solidFill>
+                  <a:schemeClr val="tx1"/>
+                </a:solidFill>
+                <a:effectLst/>
+                <a:latin typeface="Arial" panose="020B0604020202020204" pitchFamily="34" charset="0"/>
+              </a:endParaRPr>
+            </a:p>
+          </p:txBody>
+        </p:sp>
+        <p:sp>
+          <p:nvSpPr>
+            <p:cNvPr id="27" name="직사각형 26">
+              <a:extLst>
+                <a:ext uri="{FF2B5EF4-FFF2-40B4-BE49-F238E27FC236}">
+                  <a16:creationId xmlns:a16="http://schemas.microsoft.com/office/drawing/2014/main" id="{1D092965-9C38-4174-863D-8CB33211B7F2}"/>
+                </a:ext>
+              </a:extLst>
+            </p:cNvPr>
+            <p:cNvSpPr/>
+            <p:nvPr/>
+          </p:nvSpPr>
+          <p:spPr>
+            <a:xfrm>
+              <a:off x="9159981" y="2761263"/>
+              <a:ext cx="1140355" cy="432429"/>
+            </a:xfrm>
+            <a:prstGeom prst="rect">
+              <a:avLst/>
+            </a:prstGeom>
+            <a:solidFill>
+              <a:schemeClr val="accent6">
+                <a:lumMod val="20000"/>
+                <a:lumOff val="80000"/>
+              </a:schemeClr>
+            </a:solidFill>
+            <a:ln>
+              <a:noFill/>
+            </a:ln>
+          </p:spPr>
+          <p:style>
+            <a:lnRef idx="2">
+              <a:schemeClr val="accent1">
+                <a:shade val="50000"/>
+              </a:schemeClr>
+            </a:lnRef>
+            <a:fillRef idx="1">
+              <a:schemeClr val="accent1"/>
+            </a:fillRef>
+            <a:effectRef idx="0">
+              <a:schemeClr val="accent1"/>
+            </a:effectRef>
+            <a:fontRef idx="minor">
+              <a:schemeClr val="lt1"/>
+            </a:fontRef>
+          </p:style>
+          <p:txBody>
+            <a:bodyPr rtlCol="0" anchor="ctr"/>
+            <a:lstStyle/>
+            <a:p>
+              <a:pPr marL="0" marR="0" indent="0" algn="ctr" rtl="0" eaLnBrk="1" fontAlgn="auto" latinLnBrk="1" hangingPunct="1">
+                <a:spcBef>
+                  <a:spcPts val="0"/>
+                </a:spcBef>
+                <a:spcAft>
+                  <a:spcPts val="0"/>
+                </a:spcAft>
+              </a:pPr>
+              <a:r>
+                <a:rPr lang="ko-KR" altLang="en-US" sz="800" b="0" i="0" u="none" strike="noStrike" dirty="0">
+                  <a:solidFill>
+                    <a:schemeClr val="tx1"/>
+                  </a:solidFill>
+                  <a:effectLst/>
+                  <a:latin typeface="Arial" panose="020B0604020202020204" pitchFamily="34" charset="0"/>
+                </a:rPr>
+                <a:t>해당 레벨 </a:t>
+              </a:r>
+              <a:endParaRPr lang="en-US" altLang="ko-KR" sz="800" b="0" i="0" u="none" strike="noStrike" dirty="0">
+                <a:solidFill>
+                  <a:schemeClr val="tx1"/>
+                </a:solidFill>
+                <a:effectLst/>
+                <a:latin typeface="Arial" panose="020B0604020202020204" pitchFamily="34" charset="0"/>
+              </a:endParaRPr>
+            </a:p>
+            <a:p>
+              <a:pPr marL="0" marR="0" indent="0" algn="ctr" rtl="0" eaLnBrk="1" fontAlgn="auto" latinLnBrk="1" hangingPunct="1">
+                <a:spcBef>
+                  <a:spcPts val="0"/>
+                </a:spcBef>
+                <a:spcAft>
+                  <a:spcPts val="0"/>
+                </a:spcAft>
+              </a:pPr>
+              <a:r>
+                <a:rPr lang="ko-KR" altLang="en-US" sz="800" b="0" i="0" u="none" strike="noStrike" dirty="0">
+                  <a:solidFill>
+                    <a:schemeClr val="tx1"/>
+                  </a:solidFill>
+                  <a:effectLst/>
+                  <a:latin typeface="Arial" panose="020B0604020202020204" pitchFamily="34" charset="0"/>
+                </a:rPr>
+                <a:t>컨텐츠</a:t>
+              </a:r>
+              <a:r>
+                <a:rPr lang="en-US" altLang="ko-KR" sz="800" dirty="0">
+                  <a:solidFill>
+                    <a:schemeClr val="tx1"/>
+                  </a:solidFill>
+                  <a:latin typeface="Arial" panose="020B0604020202020204" pitchFamily="34" charset="0"/>
+                </a:rPr>
+                <a:t> </a:t>
+              </a:r>
+              <a:r>
+                <a:rPr lang="ko-KR" altLang="en-US" sz="800" b="0" i="0" u="none" strike="noStrike" dirty="0">
+                  <a:solidFill>
+                    <a:schemeClr val="tx1"/>
+                  </a:solidFill>
+                  <a:effectLst/>
+                  <a:latin typeface="Arial" panose="020B0604020202020204" pitchFamily="34" charset="0"/>
+                </a:rPr>
+                <a:t>해금</a:t>
+              </a:r>
+              <a:endParaRPr lang="ko-KR" altLang="ko-KR" sz="800" b="0" i="0" u="none" strike="noStrike" dirty="0">
+                <a:solidFill>
+                  <a:schemeClr val="tx1"/>
+                </a:solidFill>
+                <a:effectLst/>
+                <a:latin typeface="Arial" panose="020B0604020202020204" pitchFamily="34" charset="0"/>
+              </a:endParaRPr>
+            </a:p>
+          </p:txBody>
+        </p:sp>
+      </p:grpSp>
     </p:spTree>
     <p:extLst>
       <p:ext uri="{BB962C8B-B14F-4D97-AF65-F5344CB8AC3E}">
@@ -5599,14 +6370,14 @@
           <p:nvPr>
             <p:extLst>
               <p:ext uri="{D42A27DB-BD31-4B8C-83A1-F6EECF244321}">
-                <p14:modId xmlns:p14="http://schemas.microsoft.com/office/powerpoint/2010/main" val="1209619593"/>
+                <p14:modId xmlns:p14="http://schemas.microsoft.com/office/powerpoint/2010/main" val="560383967"/>
               </p:ext>
             </p:extLst>
           </p:nvPr>
         </p:nvGraphicFramePr>
         <p:xfrm>
-          <a:off x="6094413" y="1441679"/>
-          <a:ext cx="5400675" cy="1854200"/>
+          <a:off x="3074670" y="3622279"/>
+          <a:ext cx="6042660" cy="1854200"/>
         </p:xfrm>
         <a:graphic>
           <a:graphicData uri="http://schemas.openxmlformats.org/drawingml/2006/table">
@@ -5615,14 +6386,14 @@
                 <a:tableStyleId>{5C22544A-7EE6-4342-B048-85BDC9FD1C3A}</a:tableStyleId>
               </a:tblPr>
               <a:tblGrid>
-                <a:gridCol w="1447304">
+                <a:gridCol w="1487805">
                   <a:extLst>
                     <a:ext uri="{9D8B030D-6E8A-4147-A177-3AD203B41FA5}">
                       <a16:colId xmlns:a16="http://schemas.microsoft.com/office/drawing/2014/main" val="595126482"/>
                     </a:ext>
                   </a:extLst>
                 </a:gridCol>
-                <a:gridCol w="3953371">
+                <a:gridCol w="4554855">
                   <a:extLst>
                     <a:ext uri="{9D8B030D-6E8A-4147-A177-3AD203B41FA5}">
                       <a16:colId xmlns:a16="http://schemas.microsoft.com/office/drawing/2014/main" val="1873392297"/>
@@ -5784,18 +6555,13 @@
                     <a:p>
                       <a:pPr latinLnBrk="1"/>
                       <a:r>
-                        <a:rPr lang="ko-KR" altLang="en-US" b="0">
-                          <a:solidFill>
-                            <a:schemeClr val="tx1"/>
-                          </a:solidFill>
-                        </a:rPr>
-                        <a:t>캐릭터의 공격으로 </a:t>
-                      </a:r>
-                      <a:endParaRPr lang="ko-KR" altLang="en-US" b="0" dirty="0">
-                        <a:solidFill>
-                          <a:schemeClr val="tx1"/>
-                        </a:solidFill>
-                      </a:endParaRPr>
+                        <a:rPr lang="ko-KR" altLang="en-US" b="0" dirty="0">
+                          <a:solidFill>
+                            <a:schemeClr val="tx1"/>
+                          </a:solidFill>
+                        </a:rPr>
+                        <a:t>캐릭터의 공격으로 대상을 처치 했을 것</a:t>
+                      </a:r>
                     </a:p>
                   </a:txBody>
                   <a:tcPr anchor="ctr">
@@ -5923,11 +6689,14 @@
                     <a:lstStyle/>
                     <a:p>
                       <a:pPr latinLnBrk="1"/>
-                      <a:endParaRPr lang="ko-KR" altLang="en-US" b="0" dirty="0">
-                        <a:solidFill>
-                          <a:schemeClr val="tx1"/>
-                        </a:solidFill>
-                      </a:endParaRPr>
+                      <a:r>
+                        <a:rPr lang="ko-KR" altLang="en-US" b="0" dirty="0">
+                          <a:solidFill>
+                            <a:schemeClr val="tx1"/>
+                          </a:solidFill>
+                        </a:rPr>
+                        <a:t>던전을 클리어하고 보상 수령을 할 것</a:t>
+                      </a:r>
                     </a:p>
                   </a:txBody>
                   <a:tcPr anchor="ctr">
@@ -6055,11 +6824,14 @@
                     <a:lstStyle/>
                     <a:p>
                       <a:pPr latinLnBrk="1"/>
-                      <a:endParaRPr lang="ko-KR" altLang="en-US" b="0" dirty="0">
-                        <a:solidFill>
-                          <a:schemeClr val="tx1"/>
-                        </a:solidFill>
-                      </a:endParaRPr>
+                      <a:r>
+                        <a:rPr lang="ko-KR" altLang="en-US" b="0" dirty="0">
+                          <a:solidFill>
+                            <a:schemeClr val="tx1"/>
+                          </a:solidFill>
+                        </a:rPr>
+                        <a:t>퀘스트를 완료 보상으로 경험치를 받을 것</a:t>
+                      </a:r>
                     </a:p>
                   </a:txBody>
                   <a:tcPr anchor="ctr">
@@ -6187,11 +6959,14 @@
                     <a:lstStyle/>
                     <a:p>
                       <a:pPr latinLnBrk="1"/>
-                      <a:endParaRPr lang="ko-KR" altLang="en-US" b="0" dirty="0">
-                        <a:solidFill>
-                          <a:schemeClr val="tx1"/>
-                        </a:solidFill>
-                      </a:endParaRPr>
+                      <a:r>
+                        <a:rPr lang="ko-KR" altLang="en-US" b="0" dirty="0">
+                          <a:solidFill>
+                            <a:schemeClr val="tx1"/>
+                          </a:solidFill>
+                        </a:rPr>
+                        <a:t>경험치 획득 아이템을 사용할 것</a:t>
+                      </a:r>
                     </a:p>
                   </a:txBody>
                   <a:tcPr anchor="ctr">
@@ -6267,14 +7042,14 @@
           <p:nvPr>
             <p:extLst>
               <p:ext uri="{D42A27DB-BD31-4B8C-83A1-F6EECF244321}">
-                <p14:modId xmlns:p14="http://schemas.microsoft.com/office/powerpoint/2010/main" val="893144326"/>
+                <p14:modId xmlns:p14="http://schemas.microsoft.com/office/powerpoint/2010/main" val="3610643218"/>
               </p:ext>
             </p:extLst>
           </p:nvPr>
         </p:nvGraphicFramePr>
         <p:xfrm>
-          <a:off x="695326" y="1309704"/>
-          <a:ext cx="3559493" cy="1180734"/>
+          <a:off x="4242434" y="1900071"/>
+          <a:ext cx="3707130" cy="1180734"/>
         </p:xfrm>
         <a:graphic>
           <a:graphicData uri="http://schemas.openxmlformats.org/drawingml/2006/table">
@@ -6283,7 +7058,7 @@
                 <a:tableStyleId>{5C22544A-7EE6-4342-B048-85BDC9FD1C3A}</a:tableStyleId>
               </a:tblPr>
               <a:tblGrid>
-                <a:gridCol w="3559493">
+                <a:gridCol w="3707130">
                   <a:extLst>
                     <a:ext uri="{9D8B030D-6E8A-4147-A177-3AD203B41FA5}">
                       <a16:colId xmlns:a16="http://schemas.microsoft.com/office/drawing/2014/main" val="595126482"/>
@@ -6304,7 +7079,7 @@
                             <a:schemeClr val="tx1"/>
                           </a:solidFill>
                         </a:rPr>
-                        <a:t>경험치 획득 기본 조건</a:t>
+                        <a:t>경험치 획득 공통 조건</a:t>
                       </a:r>
                     </a:p>
                   </a:txBody>
@@ -6377,6 +7152,27 @@
                         </a:rPr>
                         <a:t>캐릭터의 상태가 생존 상태일 것</a:t>
                       </a:r>
+                      <a:endParaRPr lang="en-US" altLang="ko-KR" b="0" dirty="0">
+                        <a:solidFill>
+                          <a:schemeClr val="tx1"/>
+                        </a:solidFill>
+                      </a:endParaRPr>
+                    </a:p>
+                    <a:p>
+                      <a:pPr algn="ctr" latinLnBrk="1"/>
+                      <a:r>
+                        <a:rPr lang="ko-KR" altLang="en-US" b="0" dirty="0">
+                          <a:solidFill>
+                            <a:schemeClr val="tx1"/>
+                          </a:solidFill>
+                        </a:rPr>
+                        <a:t>캐릭터의 레벨이 최대치가 아닐 것</a:t>
+                      </a:r>
+                      <a:endParaRPr lang="en-US" altLang="ko-KR" b="0" dirty="0">
+                        <a:solidFill>
+                          <a:schemeClr val="tx1"/>
+                        </a:solidFill>
+                      </a:endParaRPr>
                     </a:p>
                   </a:txBody>
                   <a:tcPr anchor="ctr">
@@ -6451,6 +7247,126 @@
 </file>
 
 <file path=ppt/slides/slide5.xml><?xml version="1.0" encoding="utf-8"?>
+<p:sld xmlns:a="http://schemas.openxmlformats.org/drawingml/2006/main" xmlns:r="http://schemas.openxmlformats.org/officeDocument/2006/relationships" xmlns:p="http://schemas.openxmlformats.org/presentationml/2006/main">
+  <p:cSld>
+    <p:spTree>
+      <p:nvGrpSpPr>
+        <p:cNvPr id="1" name=""/>
+        <p:cNvGrpSpPr/>
+        <p:nvPr/>
+      </p:nvGrpSpPr>
+      <p:grpSpPr>
+        <a:xfrm>
+          <a:off x="0" y="0"/>
+          <a:ext cx="0" cy="0"/>
+          <a:chOff x="0" y="0"/>
+          <a:chExt cx="0" cy="0"/>
+        </a:xfrm>
+      </p:grpSpPr>
+      <p:pic>
+        <p:nvPicPr>
+          <p:cNvPr id="4" name="그림 3">
+            <a:extLst>
+              <a:ext uri="{FF2B5EF4-FFF2-40B4-BE49-F238E27FC236}">
+                <a16:creationId xmlns:a16="http://schemas.microsoft.com/office/drawing/2014/main" id="{06C1AA19-9D6F-4750-83E5-31CF6DB381FE}"/>
+              </a:ext>
+            </a:extLst>
+          </p:cNvPr>
+          <p:cNvPicPr>
+            <a:picLocks noChangeAspect="1"/>
+          </p:cNvPicPr>
+          <p:nvPr/>
+        </p:nvPicPr>
+        <p:blipFill rotWithShape="1">
+          <a:blip r:embed="rId2" cstate="print">
+            <a:extLst>
+              <a:ext uri="{28A0092B-C50C-407E-A947-70E740481C1C}">
+                <a14:useLocalDpi xmlns:a14="http://schemas.microsoft.com/office/drawing/2010/main" val="0"/>
+              </a:ext>
+            </a:extLst>
+          </a:blip>
+          <a:srcRect/>
+          <a:stretch/>
+        </p:blipFill>
+        <p:spPr>
+          <a:xfrm>
+            <a:off x="3863049" y="291904"/>
+            <a:ext cx="5412836" cy="6361970"/>
+          </a:xfrm>
+          <a:prstGeom prst="rect">
+            <a:avLst/>
+          </a:prstGeom>
+        </p:spPr>
+      </p:pic>
+      <p:sp>
+        <p:nvSpPr>
+          <p:cNvPr id="5" name="제목 1">
+            <a:extLst>
+              <a:ext uri="{FF2B5EF4-FFF2-40B4-BE49-F238E27FC236}">
+                <a16:creationId xmlns:a16="http://schemas.microsoft.com/office/drawing/2014/main" id="{14F15C56-20BC-4075-8698-EBBFC81F9020}"/>
+              </a:ext>
+            </a:extLst>
+          </p:cNvPr>
+          <p:cNvSpPr txBox="1">
+            <a:spLocks/>
+          </p:cNvSpPr>
+          <p:nvPr/>
+        </p:nvSpPr>
+        <p:spPr>
+          <a:xfrm>
+            <a:off x="695325" y="291904"/>
+            <a:ext cx="10801350" cy="861646"/>
+          </a:xfrm>
+          <a:prstGeom prst="rect">
+            <a:avLst/>
+          </a:prstGeom>
+        </p:spPr>
+        <p:txBody>
+          <a:bodyPr vert="horz" lIns="91440" tIns="45720" rIns="91440" bIns="45720" rtlCol="0" anchor="ctr">
+            <a:normAutofit/>
+          </a:bodyPr>
+          <a:lstStyle>
+            <a:lvl1pPr algn="l" defTabSz="914400" rtl="0" eaLnBrk="1" latinLnBrk="1" hangingPunct="1">
+              <a:lnSpc>
+                <a:spcPct val="90000"/>
+              </a:lnSpc>
+              <a:spcBef>
+                <a:spcPct val="0"/>
+              </a:spcBef>
+              <a:buNone/>
+              <a:defRPr sz="4400" kern="1200">
+                <a:solidFill>
+                  <a:schemeClr val="tx1"/>
+                </a:solidFill>
+                <a:latin typeface="+mj-lt"/>
+                <a:ea typeface="+mj-ea"/>
+                <a:cs typeface="+mj-cs"/>
+              </a:defRPr>
+            </a:lvl1pPr>
+          </a:lstStyle>
+          <a:p>
+            <a:r>
+              <a:rPr lang="ko-KR" altLang="en-US" dirty="0"/>
+              <a:t>경험치 획득 규칙</a:t>
+            </a:r>
+            <a:endParaRPr lang="en-US" altLang="ko-KR" dirty="0"/>
+          </a:p>
+        </p:txBody>
+      </p:sp>
+    </p:spTree>
+    <p:extLst>
+      <p:ext uri="{BB962C8B-B14F-4D97-AF65-F5344CB8AC3E}">
+        <p14:creationId xmlns:p14="http://schemas.microsoft.com/office/powerpoint/2010/main" val="3633996497"/>
+      </p:ext>
+    </p:extLst>
+  </p:cSld>
+  <p:clrMapOvr>
+    <a:masterClrMapping/>
+  </p:clrMapOvr>
+</p:sld>
+</file>
+
+<file path=ppt/slides/slide6.xml><?xml version="1.0" encoding="utf-8"?>
 <p:sld xmlns:a="http://schemas.openxmlformats.org/drawingml/2006/main" xmlns:r="http://schemas.openxmlformats.org/officeDocument/2006/relationships" xmlns:p="http://schemas.openxmlformats.org/presentationml/2006/main">
   <p:cSld>
     <p:spTree>
@@ -6516,619 +7432,18 @@
           <a:p>
             <a:r>
               <a:rPr lang="ko-KR" altLang="en-US" dirty="0"/>
-              <a:t>레벨 별 요소</a:t>
+              <a:t>레벨 업 가능 판단 및 레벨 상승</a:t>
             </a:r>
+            <a:endParaRPr lang="en-US" altLang="ko-KR" dirty="0"/>
           </a:p>
         </p:txBody>
       </p:sp>
       <p:graphicFrame>
         <p:nvGraphicFramePr>
-          <p:cNvPr id="8" name="표 3">
+          <p:cNvPr id="5" name="표 2">
             <a:extLst>
               <a:ext uri="{FF2B5EF4-FFF2-40B4-BE49-F238E27FC236}">
-                <a16:creationId xmlns:a16="http://schemas.microsoft.com/office/drawing/2014/main" id="{25D8F8BC-17BA-4EB7-8066-C061CBEB667D}"/>
-              </a:ext>
-            </a:extLst>
-          </p:cNvPr>
-          <p:cNvGraphicFramePr>
-            <a:graphicFrameLocks noGrp="1"/>
-          </p:cNvGraphicFramePr>
-          <p:nvPr/>
-        </p:nvGraphicFramePr>
-        <p:xfrm>
-          <a:off x="703259" y="2237066"/>
-          <a:ext cx="7851656" cy="1396390"/>
-        </p:xfrm>
-        <a:graphic>
-          <a:graphicData uri="http://schemas.openxmlformats.org/drawingml/2006/table">
-            <a:tbl>
-              <a:tblPr firstRow="1" bandRow="1">
-                <a:tableStyleId>{5C22544A-7EE6-4342-B048-85BDC9FD1C3A}</a:tableStyleId>
-              </a:tblPr>
-              <a:tblGrid>
-                <a:gridCol w="1144859">
-                  <a:extLst>
-                    <a:ext uri="{9D8B030D-6E8A-4147-A177-3AD203B41FA5}">
-                      <a16:colId xmlns:a16="http://schemas.microsoft.com/office/drawing/2014/main" val="2273652056"/>
-                    </a:ext>
-                  </a:extLst>
-                </a:gridCol>
-                <a:gridCol w="6706797">
-                  <a:extLst>
-                    <a:ext uri="{9D8B030D-6E8A-4147-A177-3AD203B41FA5}">
-                      <a16:colId xmlns:a16="http://schemas.microsoft.com/office/drawing/2014/main" val="3133169290"/>
-                    </a:ext>
-                  </a:extLst>
-                </a:gridCol>
-              </a:tblGrid>
-              <a:tr h="279278">
-                <a:tc gridSpan="2">
-                  <a:txBody>
-                    <a:bodyPr/>
-                    <a:lstStyle/>
-                    <a:p>
-                      <a:pPr algn="ctr" latinLnBrk="1"/>
-                      <a:r>
-                        <a:rPr lang="ko-KR" altLang="en-US" sz="1200" b="0" dirty="0">
-                          <a:solidFill>
-                            <a:schemeClr val="tx1"/>
-                          </a:solidFill>
-                        </a:rPr>
-                        <a:t>경험치 획득 방법</a:t>
-                      </a:r>
-                    </a:p>
-                  </a:txBody>
-                  <a:tcPr anchor="ctr">
-                    <a:lnL w="12700" cap="flat" cmpd="sng" algn="ctr">
-                      <a:solidFill>
-                        <a:schemeClr val="tx1"/>
-                      </a:solidFill>
-                      <a:prstDash val="solid"/>
-                      <a:round/>
-                      <a:headEnd type="none" w="med" len="med"/>
-                      <a:tailEnd type="none" w="med" len="med"/>
-                    </a:lnL>
-                    <a:lnR w="12700" cap="flat" cmpd="sng" algn="ctr">
-                      <a:solidFill>
-                        <a:schemeClr val="tx1"/>
-                      </a:solidFill>
-                      <a:prstDash val="solid"/>
-                      <a:round/>
-                      <a:headEnd type="none" w="med" len="med"/>
-                      <a:tailEnd type="none" w="med" len="med"/>
-                    </a:lnR>
-                    <a:lnT w="12700" cap="flat" cmpd="sng" algn="ctr">
-                      <a:solidFill>
-                        <a:schemeClr val="tx1"/>
-                      </a:solidFill>
-                      <a:prstDash val="solid"/>
-                      <a:round/>
-                      <a:headEnd type="none" w="med" len="med"/>
-                      <a:tailEnd type="none" w="med" len="med"/>
-                    </a:lnT>
-                    <a:lnB w="12700" cap="flat" cmpd="sng" algn="ctr">
-                      <a:solidFill>
-                        <a:schemeClr val="tx1"/>
-                      </a:solidFill>
-                      <a:prstDash val="solid"/>
-                      <a:round/>
-                      <a:headEnd type="none" w="med" len="med"/>
-                      <a:tailEnd type="none" w="med" len="med"/>
-                    </a:lnB>
-                    <a:noFill/>
-                  </a:tcPr>
-                </a:tc>
-                <a:tc hMerge="1">
-                  <a:txBody>
-                    <a:bodyPr/>
-                    <a:lstStyle/>
-                    <a:p>
-                      <a:pPr algn="ctr" latinLnBrk="1"/>
-                      <a:endParaRPr lang="ko-KR" altLang="en-US" dirty="0"/>
-                    </a:p>
-                  </a:txBody>
-                  <a:tcPr anchor="ctr"/>
-                </a:tc>
-                <a:extLst>
-                  <a:ext uri="{0D108BD9-81ED-4DB2-BD59-A6C34878D82A}">
-                    <a16:rowId xmlns:a16="http://schemas.microsoft.com/office/drawing/2014/main" val="2106066796"/>
-                  </a:ext>
-                </a:extLst>
-              </a:tr>
-              <a:tr h="279278">
-                <a:tc>
-                  <a:txBody>
-                    <a:bodyPr/>
-                    <a:lstStyle/>
-                    <a:p>
-                      <a:pPr algn="ctr" latinLnBrk="1"/>
-                      <a:r>
-                        <a:rPr lang="ko-KR" altLang="en-US" sz="1200" b="0" dirty="0">
-                          <a:solidFill>
-                            <a:schemeClr val="tx1"/>
-                          </a:solidFill>
-                        </a:rPr>
-                        <a:t>방법</a:t>
-                      </a:r>
-                    </a:p>
-                  </a:txBody>
-                  <a:tcPr anchor="ctr">
-                    <a:lnL w="12700" cap="flat" cmpd="sng" algn="ctr">
-                      <a:solidFill>
-                        <a:schemeClr val="tx1"/>
-                      </a:solidFill>
-                      <a:prstDash val="solid"/>
-                      <a:round/>
-                      <a:headEnd type="none" w="med" len="med"/>
-                      <a:tailEnd type="none" w="med" len="med"/>
-                    </a:lnL>
-                    <a:lnR w="12700" cap="flat" cmpd="sng" algn="ctr">
-                      <a:solidFill>
-                        <a:schemeClr val="tx1"/>
-                      </a:solidFill>
-                      <a:prstDash val="solid"/>
-                      <a:round/>
-                      <a:headEnd type="none" w="med" len="med"/>
-                      <a:tailEnd type="none" w="med" len="med"/>
-                    </a:lnR>
-                    <a:lnT w="12700" cap="flat" cmpd="sng" algn="ctr">
-                      <a:solidFill>
-                        <a:schemeClr val="tx1"/>
-                      </a:solidFill>
-                      <a:prstDash val="solid"/>
-                      <a:round/>
-                      <a:headEnd type="none" w="med" len="med"/>
-                      <a:tailEnd type="none" w="med" len="med"/>
-                    </a:lnT>
-                    <a:lnB w="12700" cap="flat" cmpd="sng" algn="ctr">
-                      <a:solidFill>
-                        <a:schemeClr val="tx1"/>
-                      </a:solidFill>
-                      <a:prstDash val="solid"/>
-                      <a:round/>
-                      <a:headEnd type="none" w="med" len="med"/>
-                      <a:tailEnd type="none" w="med" len="med"/>
-                    </a:lnB>
-                    <a:noFill/>
-                  </a:tcPr>
-                </a:tc>
-                <a:tc>
-                  <a:txBody>
-                    <a:bodyPr/>
-                    <a:lstStyle/>
-                    <a:p>
-                      <a:pPr algn="ctr" latinLnBrk="1"/>
-                      <a:r>
-                        <a:rPr lang="ko-KR" altLang="en-US" sz="1200" b="0" dirty="0">
-                          <a:solidFill>
-                            <a:schemeClr val="tx1"/>
-                          </a:solidFill>
-                        </a:rPr>
-                        <a:t>설명</a:t>
-                      </a:r>
-                    </a:p>
-                  </a:txBody>
-                  <a:tcPr anchor="ctr">
-                    <a:lnL w="12700" cap="flat" cmpd="sng" algn="ctr">
-                      <a:solidFill>
-                        <a:schemeClr val="tx1"/>
-                      </a:solidFill>
-                      <a:prstDash val="solid"/>
-                      <a:round/>
-                      <a:headEnd type="none" w="med" len="med"/>
-                      <a:tailEnd type="none" w="med" len="med"/>
-                    </a:lnL>
-                    <a:lnR w="12700" cap="flat" cmpd="sng" algn="ctr">
-                      <a:solidFill>
-                        <a:schemeClr val="tx1"/>
-                      </a:solidFill>
-                      <a:prstDash val="solid"/>
-                      <a:round/>
-                      <a:headEnd type="none" w="med" len="med"/>
-                      <a:tailEnd type="none" w="med" len="med"/>
-                    </a:lnR>
-                    <a:lnT w="12700" cap="flat" cmpd="sng" algn="ctr">
-                      <a:solidFill>
-                        <a:schemeClr val="tx1"/>
-                      </a:solidFill>
-                      <a:prstDash val="solid"/>
-                      <a:round/>
-                      <a:headEnd type="none" w="med" len="med"/>
-                      <a:tailEnd type="none" w="med" len="med"/>
-                    </a:lnT>
-                    <a:lnB w="12700" cap="flat" cmpd="sng" algn="ctr">
-                      <a:solidFill>
-                        <a:schemeClr val="tx1"/>
-                      </a:solidFill>
-                      <a:prstDash val="solid"/>
-                      <a:round/>
-                      <a:headEnd type="none" w="med" len="med"/>
-                      <a:tailEnd type="none" w="med" len="med"/>
-                    </a:lnB>
-                    <a:noFill/>
-                  </a:tcPr>
-                </a:tc>
-                <a:extLst>
-                  <a:ext uri="{0D108BD9-81ED-4DB2-BD59-A6C34878D82A}">
-                    <a16:rowId xmlns:a16="http://schemas.microsoft.com/office/drawing/2014/main" val="3920821292"/>
-                  </a:ext>
-                </a:extLst>
-              </a:tr>
-              <a:tr h="279278">
-                <a:tc>
-                  <a:txBody>
-                    <a:bodyPr/>
-                    <a:lstStyle/>
-                    <a:p>
-                      <a:pPr algn="ctr" latinLnBrk="1"/>
-                      <a:r>
-                        <a:rPr lang="ko-KR" altLang="en-US" sz="1200" b="0" dirty="0">
-                          <a:solidFill>
-                            <a:schemeClr val="tx1"/>
-                          </a:solidFill>
-                        </a:rPr>
-                        <a:t>사냥</a:t>
-                      </a:r>
-                    </a:p>
-                  </a:txBody>
-                  <a:tcPr anchor="ctr">
-                    <a:lnL w="12700" cap="flat" cmpd="sng" algn="ctr">
-                      <a:solidFill>
-                        <a:schemeClr val="tx1"/>
-                      </a:solidFill>
-                      <a:prstDash val="solid"/>
-                      <a:round/>
-                      <a:headEnd type="none" w="med" len="med"/>
-                      <a:tailEnd type="none" w="med" len="med"/>
-                    </a:lnL>
-                    <a:lnR w="12700" cap="flat" cmpd="sng" algn="ctr">
-                      <a:solidFill>
-                        <a:schemeClr val="tx1"/>
-                      </a:solidFill>
-                      <a:prstDash val="solid"/>
-                      <a:round/>
-                      <a:headEnd type="none" w="med" len="med"/>
-                      <a:tailEnd type="none" w="med" len="med"/>
-                    </a:lnR>
-                    <a:lnT w="12700" cap="flat" cmpd="sng" algn="ctr">
-                      <a:solidFill>
-                        <a:schemeClr val="tx1"/>
-                      </a:solidFill>
-                      <a:prstDash val="solid"/>
-                      <a:round/>
-                      <a:headEnd type="none" w="med" len="med"/>
-                      <a:tailEnd type="none" w="med" len="med"/>
-                    </a:lnT>
-                    <a:lnB w="12700" cap="flat" cmpd="sng" algn="ctr">
-                      <a:solidFill>
-                        <a:schemeClr val="tx1"/>
-                      </a:solidFill>
-                      <a:prstDash val="solid"/>
-                      <a:round/>
-                      <a:headEnd type="none" w="med" len="med"/>
-                      <a:tailEnd type="none" w="med" len="med"/>
-                    </a:lnB>
-                    <a:noFill/>
-                  </a:tcPr>
-                </a:tc>
-                <a:tc>
-                  <a:txBody>
-                    <a:bodyPr/>
-                    <a:lstStyle/>
-                    <a:p>
-                      <a:pPr algn="ctr" latinLnBrk="1"/>
-                      <a:r>
-                        <a:rPr lang="en-US" altLang="ko-KR" sz="1200" b="0" dirty="0">
-                          <a:solidFill>
-                            <a:schemeClr val="tx1"/>
-                          </a:solidFill>
-                        </a:rPr>
-                        <a:t>NPC</a:t>
-                      </a:r>
-                      <a:r>
-                        <a:rPr lang="ko-KR" altLang="en-US" sz="1200" b="0" dirty="0">
-                          <a:solidFill>
-                            <a:schemeClr val="tx1"/>
-                          </a:solidFill>
-                        </a:rPr>
-                        <a:t>를 공격하여 사망 상태로 만들었을 경우</a:t>
-                      </a:r>
-                    </a:p>
-                  </a:txBody>
-                  <a:tcPr anchor="ctr">
-                    <a:lnL w="12700" cap="flat" cmpd="sng" algn="ctr">
-                      <a:solidFill>
-                        <a:schemeClr val="tx1"/>
-                      </a:solidFill>
-                      <a:prstDash val="solid"/>
-                      <a:round/>
-                      <a:headEnd type="none" w="med" len="med"/>
-                      <a:tailEnd type="none" w="med" len="med"/>
-                    </a:lnL>
-                    <a:lnR w="12700" cap="flat" cmpd="sng" algn="ctr">
-                      <a:solidFill>
-                        <a:schemeClr val="tx1"/>
-                      </a:solidFill>
-                      <a:prstDash val="solid"/>
-                      <a:round/>
-                      <a:headEnd type="none" w="med" len="med"/>
-                      <a:tailEnd type="none" w="med" len="med"/>
-                    </a:lnR>
-                    <a:lnT w="12700" cap="flat" cmpd="sng" algn="ctr">
-                      <a:solidFill>
-                        <a:schemeClr val="tx1"/>
-                      </a:solidFill>
-                      <a:prstDash val="solid"/>
-                      <a:round/>
-                      <a:headEnd type="none" w="med" len="med"/>
-                      <a:tailEnd type="none" w="med" len="med"/>
-                    </a:lnT>
-                    <a:lnB w="12700" cap="flat" cmpd="sng" algn="ctr">
-                      <a:solidFill>
-                        <a:schemeClr val="tx1"/>
-                      </a:solidFill>
-                      <a:prstDash val="solid"/>
-                      <a:round/>
-                      <a:headEnd type="none" w="med" len="med"/>
-                      <a:tailEnd type="none" w="med" len="med"/>
-                    </a:lnB>
-                    <a:noFill/>
-                  </a:tcPr>
-                </a:tc>
-                <a:extLst>
-                  <a:ext uri="{0D108BD9-81ED-4DB2-BD59-A6C34878D82A}">
-                    <a16:rowId xmlns:a16="http://schemas.microsoft.com/office/drawing/2014/main" val="868811183"/>
-                  </a:ext>
-                </a:extLst>
-              </a:tr>
-              <a:tr h="279278">
-                <a:tc>
-                  <a:txBody>
-                    <a:bodyPr/>
-                    <a:lstStyle/>
-                    <a:p>
-                      <a:pPr algn="ctr" latinLnBrk="1"/>
-                      <a:r>
-                        <a:rPr lang="ko-KR" altLang="en-US" sz="1200" b="0" dirty="0">
-                          <a:solidFill>
-                            <a:schemeClr val="tx1"/>
-                          </a:solidFill>
-                        </a:rPr>
-                        <a:t>퀘스트</a:t>
-                      </a:r>
-                    </a:p>
-                  </a:txBody>
-                  <a:tcPr anchor="ctr">
-                    <a:lnL w="12700" cap="flat" cmpd="sng" algn="ctr">
-                      <a:solidFill>
-                        <a:schemeClr val="tx1"/>
-                      </a:solidFill>
-                      <a:prstDash val="solid"/>
-                      <a:round/>
-                      <a:headEnd type="none" w="med" len="med"/>
-                      <a:tailEnd type="none" w="med" len="med"/>
-                    </a:lnL>
-                    <a:lnR w="12700" cap="flat" cmpd="sng" algn="ctr">
-                      <a:solidFill>
-                        <a:schemeClr val="tx1"/>
-                      </a:solidFill>
-                      <a:prstDash val="solid"/>
-                      <a:round/>
-                      <a:headEnd type="none" w="med" len="med"/>
-                      <a:tailEnd type="none" w="med" len="med"/>
-                    </a:lnR>
-                    <a:lnT w="12700" cap="flat" cmpd="sng" algn="ctr">
-                      <a:solidFill>
-                        <a:schemeClr val="tx1"/>
-                      </a:solidFill>
-                      <a:prstDash val="solid"/>
-                      <a:round/>
-                      <a:headEnd type="none" w="med" len="med"/>
-                      <a:tailEnd type="none" w="med" len="med"/>
-                    </a:lnT>
-                    <a:lnB w="12700" cap="flat" cmpd="sng" algn="ctr">
-                      <a:solidFill>
-                        <a:schemeClr val="tx1"/>
-                      </a:solidFill>
-                      <a:prstDash val="solid"/>
-                      <a:round/>
-                      <a:headEnd type="none" w="med" len="med"/>
-                      <a:tailEnd type="none" w="med" len="med"/>
-                    </a:lnB>
-                    <a:noFill/>
-                  </a:tcPr>
-                </a:tc>
-                <a:tc>
-                  <a:txBody>
-                    <a:bodyPr/>
-                    <a:lstStyle/>
-                    <a:p>
-                      <a:pPr algn="ctr" latinLnBrk="1"/>
-                      <a:r>
-                        <a:rPr lang="ko-KR" altLang="en-US" sz="1200" b="0" dirty="0">
-                          <a:solidFill>
-                            <a:schemeClr val="tx1"/>
-                          </a:solidFill>
-                        </a:rPr>
-                        <a:t>퀘스트를 완료하여 보상으로 경험치를 획득했을 경우</a:t>
-                      </a:r>
-                    </a:p>
-                  </a:txBody>
-                  <a:tcPr anchor="ctr">
-                    <a:lnL w="12700" cap="flat" cmpd="sng" algn="ctr">
-                      <a:solidFill>
-                        <a:schemeClr val="tx1"/>
-                      </a:solidFill>
-                      <a:prstDash val="solid"/>
-                      <a:round/>
-                      <a:headEnd type="none" w="med" len="med"/>
-                      <a:tailEnd type="none" w="med" len="med"/>
-                    </a:lnL>
-                    <a:lnR w="12700" cap="flat" cmpd="sng" algn="ctr">
-                      <a:solidFill>
-                        <a:schemeClr val="tx1"/>
-                      </a:solidFill>
-                      <a:prstDash val="solid"/>
-                      <a:round/>
-                      <a:headEnd type="none" w="med" len="med"/>
-                      <a:tailEnd type="none" w="med" len="med"/>
-                    </a:lnR>
-                    <a:lnT w="12700" cap="flat" cmpd="sng" algn="ctr">
-                      <a:solidFill>
-                        <a:schemeClr val="tx1"/>
-                      </a:solidFill>
-                      <a:prstDash val="solid"/>
-                      <a:round/>
-                      <a:headEnd type="none" w="med" len="med"/>
-                      <a:tailEnd type="none" w="med" len="med"/>
-                    </a:lnT>
-                    <a:lnB w="12700" cap="flat" cmpd="sng" algn="ctr">
-                      <a:solidFill>
-                        <a:schemeClr val="tx1"/>
-                      </a:solidFill>
-                      <a:prstDash val="solid"/>
-                      <a:round/>
-                      <a:headEnd type="none" w="med" len="med"/>
-                      <a:tailEnd type="none" w="med" len="med"/>
-                    </a:lnB>
-                    <a:noFill/>
-                  </a:tcPr>
-                </a:tc>
-                <a:extLst>
-                  <a:ext uri="{0D108BD9-81ED-4DB2-BD59-A6C34878D82A}">
-                    <a16:rowId xmlns:a16="http://schemas.microsoft.com/office/drawing/2014/main" val="2225507125"/>
-                  </a:ext>
-                </a:extLst>
-              </a:tr>
-              <a:tr h="279278">
-                <a:tc>
-                  <a:txBody>
-                    <a:bodyPr/>
-                    <a:lstStyle/>
-                    <a:p>
-                      <a:pPr algn="ctr" latinLnBrk="1"/>
-                      <a:r>
-                        <a:rPr lang="ko-KR" altLang="en-US" sz="1200" b="0" dirty="0">
-                          <a:solidFill>
-                            <a:schemeClr val="tx1"/>
-                          </a:solidFill>
-                        </a:rPr>
-                        <a:t>아이템</a:t>
-                      </a:r>
-                    </a:p>
-                  </a:txBody>
-                  <a:tcPr anchor="ctr">
-                    <a:lnL w="12700" cap="flat" cmpd="sng" algn="ctr">
-                      <a:solidFill>
-                        <a:schemeClr val="tx1"/>
-                      </a:solidFill>
-                      <a:prstDash val="solid"/>
-                      <a:round/>
-                      <a:headEnd type="none" w="med" len="med"/>
-                      <a:tailEnd type="none" w="med" len="med"/>
-                    </a:lnL>
-                    <a:lnR w="12700" cap="flat" cmpd="sng" algn="ctr">
-                      <a:solidFill>
-                        <a:schemeClr val="tx1"/>
-                      </a:solidFill>
-                      <a:prstDash val="solid"/>
-                      <a:round/>
-                      <a:headEnd type="none" w="med" len="med"/>
-                      <a:tailEnd type="none" w="med" len="med"/>
-                    </a:lnR>
-                    <a:lnT w="12700" cap="flat" cmpd="sng" algn="ctr">
-                      <a:solidFill>
-                        <a:schemeClr val="tx1"/>
-                      </a:solidFill>
-                      <a:prstDash val="solid"/>
-                      <a:round/>
-                      <a:headEnd type="none" w="med" len="med"/>
-                      <a:tailEnd type="none" w="med" len="med"/>
-                    </a:lnT>
-                    <a:lnB w="12700" cap="flat" cmpd="sng" algn="ctr">
-                      <a:solidFill>
-                        <a:schemeClr val="tx1"/>
-                      </a:solidFill>
-                      <a:prstDash val="solid"/>
-                      <a:round/>
-                      <a:headEnd type="none" w="med" len="med"/>
-                      <a:tailEnd type="none" w="med" len="med"/>
-                    </a:lnB>
-                    <a:noFill/>
-                  </a:tcPr>
-                </a:tc>
-                <a:tc>
-                  <a:txBody>
-                    <a:bodyPr/>
-                    <a:lstStyle/>
-                    <a:p>
-                      <a:pPr algn="ctr" latinLnBrk="1"/>
-                      <a:r>
-                        <a:rPr lang="ko-KR" altLang="en-US" sz="1200" b="0" dirty="0">
-                          <a:solidFill>
-                            <a:schemeClr val="tx1"/>
-                          </a:solidFill>
-                        </a:rPr>
-                        <a:t>소비할 경우 경험치를 획득하는 아이템을 사용했을 경우</a:t>
-                      </a:r>
-                    </a:p>
-                  </a:txBody>
-                  <a:tcPr anchor="ctr">
-                    <a:lnL w="12700" cap="flat" cmpd="sng" algn="ctr">
-                      <a:solidFill>
-                        <a:schemeClr val="tx1"/>
-                      </a:solidFill>
-                      <a:prstDash val="solid"/>
-                      <a:round/>
-                      <a:headEnd type="none" w="med" len="med"/>
-                      <a:tailEnd type="none" w="med" len="med"/>
-                    </a:lnL>
-                    <a:lnR w="12700" cap="flat" cmpd="sng" algn="ctr">
-                      <a:solidFill>
-                        <a:schemeClr val="tx1"/>
-                      </a:solidFill>
-                      <a:prstDash val="solid"/>
-                      <a:round/>
-                      <a:headEnd type="none" w="med" len="med"/>
-                      <a:tailEnd type="none" w="med" len="med"/>
-                    </a:lnR>
-                    <a:lnT w="12700" cap="flat" cmpd="sng" algn="ctr">
-                      <a:solidFill>
-                        <a:schemeClr val="tx1"/>
-                      </a:solidFill>
-                      <a:prstDash val="solid"/>
-                      <a:round/>
-                      <a:headEnd type="none" w="med" len="med"/>
-                      <a:tailEnd type="none" w="med" len="med"/>
-                    </a:lnT>
-                    <a:lnB w="12700" cap="flat" cmpd="sng" algn="ctr">
-                      <a:solidFill>
-                        <a:schemeClr val="tx1"/>
-                      </a:solidFill>
-                      <a:prstDash val="solid"/>
-                      <a:round/>
-                      <a:headEnd type="none" w="med" len="med"/>
-                      <a:tailEnd type="none" w="med" len="med"/>
-                    </a:lnB>
-                    <a:noFill/>
-                  </a:tcPr>
-                </a:tc>
-                <a:extLst>
-                  <a:ext uri="{0D108BD9-81ED-4DB2-BD59-A6C34878D82A}">
-                    <a16:rowId xmlns:a16="http://schemas.microsoft.com/office/drawing/2014/main" val="1676587241"/>
-                  </a:ext>
-                </a:extLst>
-              </a:tr>
-            </a:tbl>
-          </a:graphicData>
-        </a:graphic>
-      </p:graphicFrame>
-      <p:graphicFrame>
-        <p:nvGraphicFramePr>
-          <p:cNvPr id="10" name="표 2">
-            <a:extLst>
-              <a:ext uri="{FF2B5EF4-FFF2-40B4-BE49-F238E27FC236}">
-                <a16:creationId xmlns:a16="http://schemas.microsoft.com/office/drawing/2014/main" id="{09DEAD94-2292-4E29-9C28-D34479E161AE}"/>
+                <a16:creationId xmlns:a16="http://schemas.microsoft.com/office/drawing/2014/main" id="{8DE51101-16CE-4C9C-89E0-CB73C2C2CFB4}"/>
               </a:ext>
             </a:extLst>
           </p:cNvPr>
@@ -7138,14 +7453,14 @@
           <p:nvPr>
             <p:extLst>
               <p:ext uri="{D42A27DB-BD31-4B8C-83A1-F6EECF244321}">
-                <p14:modId xmlns:p14="http://schemas.microsoft.com/office/powerpoint/2010/main" val="2522014298"/>
+                <p14:modId xmlns:p14="http://schemas.microsoft.com/office/powerpoint/2010/main" val="1840404729"/>
               </p:ext>
             </p:extLst>
           </p:nvPr>
         </p:nvGraphicFramePr>
         <p:xfrm>
-          <a:off x="703259" y="1158875"/>
-          <a:ext cx="7851656" cy="944880"/>
+          <a:off x="2170172" y="1823957"/>
+          <a:ext cx="7851656" cy="1012103"/>
         </p:xfrm>
         <a:graphic>
           <a:graphicData uri="http://schemas.openxmlformats.org/drawingml/2006/table">
@@ -7251,7 +7566,7 @@
                   </a:ext>
                 </a:extLst>
               </a:tr>
-              <a:tr h="0">
+              <a:tr h="284475">
                 <a:tc>
                   <a:txBody>
                     <a:bodyPr/>
@@ -7404,7 +7719,7 @@
                   </a:ext>
                 </a:extLst>
               </a:tr>
-              <a:tr h="0">
+              <a:tr h="468548">
                 <a:tc>
                   <a:txBody>
                     <a:bodyPr/>
@@ -7638,10 +7953,10 @@
       </p:graphicFrame>
       <p:graphicFrame>
         <p:nvGraphicFramePr>
-          <p:cNvPr id="14" name="표 4">
+          <p:cNvPr id="6" name="표 4">
             <a:extLst>
               <a:ext uri="{FF2B5EF4-FFF2-40B4-BE49-F238E27FC236}">
-                <a16:creationId xmlns:a16="http://schemas.microsoft.com/office/drawing/2014/main" id="{2EF635DB-DEF0-4CAF-B338-BDC86A3A8962}"/>
+                <a16:creationId xmlns:a16="http://schemas.microsoft.com/office/drawing/2014/main" id="{19978FF1-2613-4B09-9BB6-9CC05C7B82D7}"/>
               </a:ext>
             </a:extLst>
           </p:cNvPr>
@@ -7651,13 +7966,13 @@
           <p:nvPr>
             <p:extLst>
               <p:ext uri="{D42A27DB-BD31-4B8C-83A1-F6EECF244321}">
-                <p14:modId xmlns:p14="http://schemas.microsoft.com/office/powerpoint/2010/main" val="3383218997"/>
+                <p14:modId xmlns:p14="http://schemas.microsoft.com/office/powerpoint/2010/main" val="2552380294"/>
               </p:ext>
             </p:extLst>
           </p:nvPr>
         </p:nvGraphicFramePr>
         <p:xfrm>
-          <a:off x="8686799" y="1158874"/>
+          <a:off x="4695030" y="3457135"/>
           <a:ext cx="2801940" cy="2474583"/>
         </p:xfrm>
         <a:graphic>
@@ -9857,12 +10172,217 @@
           </a:graphicData>
         </a:graphic>
       </p:graphicFrame>
+    </p:spTree>
+    <p:extLst>
+      <p:ext uri="{BB962C8B-B14F-4D97-AF65-F5344CB8AC3E}">
+        <p14:creationId xmlns:p14="http://schemas.microsoft.com/office/powerpoint/2010/main" val="439043235"/>
+      </p:ext>
+    </p:extLst>
+  </p:cSld>
+  <p:clrMapOvr>
+    <a:masterClrMapping/>
+  </p:clrMapOvr>
+</p:sld>
+</file>
+
+<file path=ppt/slides/slide7.xml><?xml version="1.0" encoding="utf-8"?>
+<p:sld xmlns:a="http://schemas.openxmlformats.org/drawingml/2006/main" xmlns:r="http://schemas.openxmlformats.org/officeDocument/2006/relationships" xmlns:p="http://schemas.openxmlformats.org/presentationml/2006/main">
+  <p:cSld>
+    <p:spTree>
+      <p:nvGrpSpPr>
+        <p:cNvPr id="1" name=""/>
+        <p:cNvGrpSpPr/>
+        <p:nvPr/>
+      </p:nvGrpSpPr>
+      <p:grpSpPr>
+        <a:xfrm>
+          <a:off x="0" y="0"/>
+          <a:ext cx="0" cy="0"/>
+          <a:chOff x="0" y="0"/>
+          <a:chExt cx="0" cy="0"/>
+        </a:xfrm>
+      </p:grpSpPr>
+      <p:sp>
+        <p:nvSpPr>
+          <p:cNvPr id="15" name="제목 1">
+            <a:extLst>
+              <a:ext uri="{FF2B5EF4-FFF2-40B4-BE49-F238E27FC236}">
+                <a16:creationId xmlns:a16="http://schemas.microsoft.com/office/drawing/2014/main" id="{D6934511-6C2D-4418-82E4-20F329A1F4E1}"/>
+              </a:ext>
+            </a:extLst>
+          </p:cNvPr>
+          <p:cNvSpPr txBox="1">
+            <a:spLocks/>
+          </p:cNvSpPr>
+          <p:nvPr/>
+        </p:nvSpPr>
+        <p:spPr>
+          <a:xfrm>
+            <a:off x="695325" y="291904"/>
+            <a:ext cx="10801350" cy="861646"/>
+          </a:xfrm>
+          <a:prstGeom prst="rect">
+            <a:avLst/>
+          </a:prstGeom>
+        </p:spPr>
+        <p:txBody>
+          <a:bodyPr vert="horz" lIns="91440" tIns="45720" rIns="91440" bIns="45720" rtlCol="0" anchor="ctr">
+            <a:normAutofit/>
+          </a:bodyPr>
+          <a:lstStyle>
+            <a:lvl1pPr algn="l" defTabSz="914400" rtl="0" eaLnBrk="1" latinLnBrk="1" hangingPunct="1">
+              <a:lnSpc>
+                <a:spcPct val="90000"/>
+              </a:lnSpc>
+              <a:spcBef>
+                <a:spcPct val="0"/>
+              </a:spcBef>
+              <a:buNone/>
+              <a:defRPr sz="4400" kern="1200">
+                <a:solidFill>
+                  <a:schemeClr val="tx1"/>
+                </a:solidFill>
+                <a:latin typeface="+mj-lt"/>
+                <a:ea typeface="+mj-ea"/>
+                <a:cs typeface="+mj-cs"/>
+              </a:defRPr>
+            </a:lvl1pPr>
+          </a:lstStyle>
+          <a:p>
+            <a:r>
+              <a:rPr lang="ko-KR" altLang="en-US" dirty="0"/>
+              <a:t>레벨 업 가능 판단 및 레벨 상승</a:t>
+            </a:r>
+            <a:endParaRPr lang="en-US" altLang="ko-KR" dirty="0"/>
+          </a:p>
+        </p:txBody>
+      </p:sp>
+      <p:pic>
+        <p:nvPicPr>
+          <p:cNvPr id="7" name="그림 6">
+            <a:extLst>
+              <a:ext uri="{FF2B5EF4-FFF2-40B4-BE49-F238E27FC236}">
+                <a16:creationId xmlns:a16="http://schemas.microsoft.com/office/drawing/2014/main" id="{170C6E60-3A1A-4BDF-8736-5D03E6D7782A}"/>
+              </a:ext>
+            </a:extLst>
+          </p:cNvPr>
+          <p:cNvPicPr>
+            <a:picLocks noChangeAspect="1"/>
+          </p:cNvPicPr>
+          <p:nvPr/>
+        </p:nvPicPr>
+        <p:blipFill rotWithShape="1">
+          <a:blip r:embed="rId2" cstate="print">
+            <a:extLst>
+              <a:ext uri="{28A0092B-C50C-407E-A947-70E740481C1C}">
+                <a14:useLocalDpi xmlns:a14="http://schemas.microsoft.com/office/drawing/2010/main" val="0"/>
+              </a:ext>
+            </a:extLst>
+          </a:blip>
+          <a:srcRect/>
+          <a:stretch/>
+        </p:blipFill>
+        <p:spPr>
+          <a:xfrm>
+            <a:off x="5295900" y="1406769"/>
+            <a:ext cx="1600200" cy="4906108"/>
+          </a:xfrm>
+          <a:prstGeom prst="rect">
+            <a:avLst/>
+          </a:prstGeom>
+        </p:spPr>
+      </p:pic>
+    </p:spTree>
+    <p:extLst>
+      <p:ext uri="{BB962C8B-B14F-4D97-AF65-F5344CB8AC3E}">
+        <p14:creationId xmlns:p14="http://schemas.microsoft.com/office/powerpoint/2010/main" val="4042227084"/>
+      </p:ext>
+    </p:extLst>
+  </p:cSld>
+  <p:clrMapOvr>
+    <a:masterClrMapping/>
+  </p:clrMapOvr>
+</p:sld>
+</file>
+
+<file path=ppt/slides/slide8.xml><?xml version="1.0" encoding="utf-8"?>
+<p:sld xmlns:a="http://schemas.openxmlformats.org/drawingml/2006/main" xmlns:r="http://schemas.openxmlformats.org/officeDocument/2006/relationships" xmlns:p="http://schemas.openxmlformats.org/presentationml/2006/main">
+  <p:cSld>
+    <p:spTree>
+      <p:nvGrpSpPr>
+        <p:cNvPr id="1" name=""/>
+        <p:cNvGrpSpPr/>
+        <p:nvPr/>
+      </p:nvGrpSpPr>
+      <p:grpSpPr>
+        <a:xfrm>
+          <a:off x="0" y="0"/>
+          <a:ext cx="0" cy="0"/>
+          <a:chOff x="0" y="0"/>
+          <a:chExt cx="0" cy="0"/>
+        </a:xfrm>
+      </p:grpSpPr>
+      <p:sp>
+        <p:nvSpPr>
+          <p:cNvPr id="15" name="제목 1">
+            <a:extLst>
+              <a:ext uri="{FF2B5EF4-FFF2-40B4-BE49-F238E27FC236}">
+                <a16:creationId xmlns:a16="http://schemas.microsoft.com/office/drawing/2014/main" id="{D6934511-6C2D-4418-82E4-20F329A1F4E1}"/>
+              </a:ext>
+            </a:extLst>
+          </p:cNvPr>
+          <p:cNvSpPr txBox="1">
+            <a:spLocks/>
+          </p:cNvSpPr>
+          <p:nvPr/>
+        </p:nvSpPr>
+        <p:spPr>
+          <a:xfrm>
+            <a:off x="695325" y="291904"/>
+            <a:ext cx="10801350" cy="861646"/>
+          </a:xfrm>
+          <a:prstGeom prst="rect">
+            <a:avLst/>
+          </a:prstGeom>
+        </p:spPr>
+        <p:txBody>
+          <a:bodyPr vert="horz" lIns="91440" tIns="45720" rIns="91440" bIns="45720" rtlCol="0" anchor="ctr">
+            <a:normAutofit/>
+          </a:bodyPr>
+          <a:lstStyle>
+            <a:lvl1pPr algn="l" defTabSz="914400" rtl="0" eaLnBrk="1" latinLnBrk="1" hangingPunct="1">
+              <a:lnSpc>
+                <a:spcPct val="90000"/>
+              </a:lnSpc>
+              <a:spcBef>
+                <a:spcPct val="0"/>
+              </a:spcBef>
+              <a:buNone/>
+              <a:defRPr sz="4400" kern="1200">
+                <a:solidFill>
+                  <a:schemeClr val="tx1"/>
+                </a:solidFill>
+                <a:latin typeface="+mj-lt"/>
+                <a:ea typeface="+mj-ea"/>
+                <a:cs typeface="+mj-cs"/>
+              </a:defRPr>
+            </a:lvl1pPr>
+          </a:lstStyle>
+          <a:p>
+            <a:r>
+              <a:rPr lang="ko-KR" altLang="en-US" dirty="0"/>
+              <a:t>레벨 업 연출</a:t>
+            </a:r>
+            <a:endParaRPr lang="en-US" altLang="ko-KR" dirty="0"/>
+          </a:p>
+        </p:txBody>
+      </p:sp>
       <p:graphicFrame>
         <p:nvGraphicFramePr>
-          <p:cNvPr id="16" name="표 2">
+          <p:cNvPr id="7" name="표 2">
             <a:extLst>
               <a:ext uri="{FF2B5EF4-FFF2-40B4-BE49-F238E27FC236}">
-                <a16:creationId xmlns:a16="http://schemas.microsoft.com/office/drawing/2014/main" id="{03D7C5D4-8954-4D96-9AA7-250EFE08A2FE}"/>
+                <a16:creationId xmlns:a16="http://schemas.microsoft.com/office/drawing/2014/main" id="{9E43D80D-529E-4EF9-B649-656BBD2C7517}"/>
               </a:ext>
             </a:extLst>
           </p:cNvPr>
@@ -9872,14 +10392,14 @@
           <p:nvPr>
             <p:extLst>
               <p:ext uri="{D42A27DB-BD31-4B8C-83A1-F6EECF244321}">
-                <p14:modId xmlns:p14="http://schemas.microsoft.com/office/powerpoint/2010/main" val="701370497"/>
+                <p14:modId xmlns:p14="http://schemas.microsoft.com/office/powerpoint/2010/main" val="556969984"/>
               </p:ext>
             </p:extLst>
           </p:nvPr>
         </p:nvGraphicFramePr>
         <p:xfrm>
-          <a:off x="703259" y="3772093"/>
-          <a:ext cx="3411536" cy="2438400"/>
+          <a:off x="2970031" y="2209801"/>
+          <a:ext cx="6251938" cy="2438398"/>
         </p:xfrm>
         <a:graphic>
           <a:graphicData uri="http://schemas.openxmlformats.org/drawingml/2006/table">
@@ -9888,35 +10408,1560 @@
                 <a:tableStyleId>{5C22544A-7EE6-4342-B048-85BDC9FD1C3A}</a:tableStyleId>
               </a:tblPr>
               <a:tblGrid>
-                <a:gridCol w="840105">
+                <a:gridCol w="712205">
                   <a:extLst>
                     <a:ext uri="{9D8B030D-6E8A-4147-A177-3AD203B41FA5}">
                       <a16:colId xmlns:a16="http://schemas.microsoft.com/office/drawing/2014/main" val="2450210185"/>
                     </a:ext>
                   </a:extLst>
                 </a:gridCol>
-                <a:gridCol w="625792">
+                <a:gridCol w="5539733">
                   <a:extLst>
                     <a:ext uri="{9D8B030D-6E8A-4147-A177-3AD203B41FA5}">
                       <a16:colId xmlns:a16="http://schemas.microsoft.com/office/drawing/2014/main" val="3213500976"/>
                     </a:ext>
                   </a:extLst>
                 </a:gridCol>
-                <a:gridCol w="694055">
+              </a:tblGrid>
+              <a:tr h="253340">
+                <a:tc gridSpan="2">
+                  <a:txBody>
+                    <a:bodyPr/>
+                    <a:lstStyle/>
+                    <a:p>
+                      <a:pPr algn="ctr" latinLnBrk="1"/>
+                      <a:r>
+                        <a:rPr lang="ko-KR" altLang="en-US" sz="1000" b="0" dirty="0">
+                          <a:solidFill>
+                            <a:schemeClr val="tx1"/>
+                          </a:solidFill>
+                        </a:rPr>
+                        <a:t>레벨 업 연출</a:t>
+                      </a:r>
+                    </a:p>
+                  </a:txBody>
+                  <a:tcPr>
+                    <a:lnL w="12700" cap="flat" cmpd="sng" algn="ctr">
+                      <a:solidFill>
+                        <a:schemeClr val="tx1"/>
+                      </a:solidFill>
+                      <a:prstDash val="solid"/>
+                      <a:round/>
+                      <a:headEnd type="none" w="med" len="med"/>
+                      <a:tailEnd type="none" w="med" len="med"/>
+                    </a:lnL>
+                    <a:lnR w="12700" cap="flat" cmpd="sng" algn="ctr">
+                      <a:solidFill>
+                        <a:schemeClr val="tx1"/>
+                      </a:solidFill>
+                      <a:prstDash val="solid"/>
+                      <a:round/>
+                      <a:headEnd type="none" w="med" len="med"/>
+                      <a:tailEnd type="none" w="med" len="med"/>
+                    </a:lnR>
+                    <a:lnT w="12700" cap="flat" cmpd="sng" algn="ctr">
+                      <a:solidFill>
+                        <a:schemeClr val="tx1"/>
+                      </a:solidFill>
+                      <a:prstDash val="solid"/>
+                      <a:round/>
+                      <a:headEnd type="none" w="med" len="med"/>
+                      <a:tailEnd type="none" w="med" len="med"/>
+                    </a:lnT>
+                    <a:lnB w="12700" cap="flat" cmpd="sng" algn="ctr">
+                      <a:solidFill>
+                        <a:schemeClr val="tx1"/>
+                      </a:solidFill>
+                      <a:prstDash val="solid"/>
+                      <a:round/>
+                      <a:headEnd type="none" w="med" len="med"/>
+                      <a:tailEnd type="none" w="med" len="med"/>
+                    </a:lnB>
+                    <a:noFill/>
+                  </a:tcPr>
+                </a:tc>
+                <a:tc hMerge="1">
+                  <a:txBody>
+                    <a:bodyPr/>
+                    <a:lstStyle/>
+                    <a:p>
+                      <a:pPr latinLnBrk="1"/>
+                      <a:endParaRPr lang="ko-KR" altLang="en-US" dirty="0"/>
+                    </a:p>
+                  </a:txBody>
+                  <a:tcPr/>
+                </a:tc>
+                <a:extLst>
+                  <a:ext uri="{0D108BD9-81ED-4DB2-BD59-A6C34878D82A}">
+                    <a16:rowId xmlns:a16="http://schemas.microsoft.com/office/drawing/2014/main" val="1098909244"/>
+                  </a:ext>
+                </a:extLst>
+              </a:tr>
+              <a:tr h="253340">
+                <a:tc>
+                  <a:txBody>
+                    <a:bodyPr/>
+                    <a:lstStyle/>
+                    <a:p>
+                      <a:pPr algn="ctr" latinLnBrk="1"/>
+                      <a:r>
+                        <a:rPr lang="ko-KR" altLang="en-US" sz="1000" b="0" dirty="0">
+                          <a:solidFill>
+                            <a:schemeClr val="tx1"/>
+                          </a:solidFill>
+                        </a:rPr>
+                        <a:t>레벨</a:t>
+                      </a:r>
+                    </a:p>
+                  </a:txBody>
+                  <a:tcPr anchor="ctr">
+                    <a:lnL w="12700" cap="flat" cmpd="sng" algn="ctr">
+                      <a:solidFill>
+                        <a:schemeClr val="tx1"/>
+                      </a:solidFill>
+                      <a:prstDash val="solid"/>
+                      <a:round/>
+                      <a:headEnd type="none" w="med" len="med"/>
+                      <a:tailEnd type="none" w="med" len="med"/>
+                    </a:lnL>
+                    <a:lnR w="12700" cap="flat" cmpd="sng" algn="ctr">
+                      <a:solidFill>
+                        <a:schemeClr val="tx1"/>
+                      </a:solidFill>
+                      <a:prstDash val="solid"/>
+                      <a:round/>
+                      <a:headEnd type="none" w="med" len="med"/>
+                      <a:tailEnd type="none" w="med" len="med"/>
+                    </a:lnR>
+                    <a:lnT w="12700" cap="flat" cmpd="sng" algn="ctr">
+                      <a:solidFill>
+                        <a:schemeClr val="tx1"/>
+                      </a:solidFill>
+                      <a:prstDash val="solid"/>
+                      <a:round/>
+                      <a:headEnd type="none" w="med" len="med"/>
+                      <a:tailEnd type="none" w="med" len="med"/>
+                    </a:lnT>
+                    <a:lnB w="12700" cap="flat" cmpd="sng" algn="ctr">
+                      <a:solidFill>
+                        <a:schemeClr val="tx1"/>
+                      </a:solidFill>
+                      <a:prstDash val="solid"/>
+                      <a:round/>
+                      <a:headEnd type="none" w="med" len="med"/>
+                      <a:tailEnd type="none" w="med" len="med"/>
+                    </a:lnB>
+                    <a:noFill/>
+                  </a:tcPr>
+                </a:tc>
+                <a:tc>
+                  <a:txBody>
+                    <a:bodyPr/>
+                    <a:lstStyle/>
+                    <a:p>
+                      <a:pPr algn="ctr" latinLnBrk="1"/>
+                      <a:r>
+                        <a:rPr lang="ko-KR" altLang="en-US" sz="1000" b="0" dirty="0">
+                          <a:solidFill>
+                            <a:schemeClr val="tx1"/>
+                          </a:solidFill>
+                        </a:rPr>
+                        <a:t>연출</a:t>
+                      </a:r>
+                    </a:p>
+                  </a:txBody>
+                  <a:tcPr anchor="ctr">
+                    <a:lnL w="12700" cap="flat" cmpd="sng" algn="ctr">
+                      <a:solidFill>
+                        <a:schemeClr val="tx1"/>
+                      </a:solidFill>
+                      <a:prstDash val="solid"/>
+                      <a:round/>
+                      <a:headEnd type="none" w="med" len="med"/>
+                      <a:tailEnd type="none" w="med" len="med"/>
+                    </a:lnL>
+                    <a:lnR w="12700" cap="flat" cmpd="sng" algn="ctr">
+                      <a:solidFill>
+                        <a:schemeClr val="tx1"/>
+                      </a:solidFill>
+                      <a:prstDash val="solid"/>
+                      <a:round/>
+                      <a:headEnd type="none" w="med" len="med"/>
+                      <a:tailEnd type="none" w="med" len="med"/>
+                    </a:lnR>
+                    <a:lnT w="12700" cap="flat" cmpd="sng" algn="ctr">
+                      <a:solidFill>
+                        <a:schemeClr val="tx1"/>
+                      </a:solidFill>
+                      <a:prstDash val="solid"/>
+                      <a:round/>
+                      <a:headEnd type="none" w="med" len="med"/>
+                      <a:tailEnd type="none" w="med" len="med"/>
+                    </a:lnT>
+                    <a:lnB w="12700" cap="flat" cmpd="sng" algn="ctr">
+                      <a:solidFill>
+                        <a:schemeClr val="tx1"/>
+                      </a:solidFill>
+                      <a:prstDash val="solid"/>
+                      <a:round/>
+                      <a:headEnd type="none" w="med" len="med"/>
+                      <a:tailEnd type="none" w="med" len="med"/>
+                    </a:lnB>
+                    <a:noFill/>
+                  </a:tcPr>
+                </a:tc>
+                <a:extLst>
+                  <a:ext uri="{0D108BD9-81ED-4DB2-BD59-A6C34878D82A}">
+                    <a16:rowId xmlns:a16="http://schemas.microsoft.com/office/drawing/2014/main" val="3940602987"/>
+                  </a:ext>
+                </a:extLst>
+              </a:tr>
+              <a:tr h="253340">
+                <a:tc>
+                  <a:txBody>
+                    <a:bodyPr/>
+                    <a:lstStyle/>
+                    <a:p>
+                      <a:pPr algn="ctr" latinLnBrk="1"/>
+                      <a:r>
+                        <a:rPr lang="en-US" altLang="ko-KR" sz="1000" b="0" dirty="0">
+                          <a:solidFill>
+                            <a:schemeClr val="tx1"/>
+                          </a:solidFill>
+                        </a:rPr>
+                        <a:t>1</a:t>
+                      </a:r>
+                      <a:r>
+                        <a:rPr kumimoji="0" lang="ko-KR" altLang="en-US" sz="1000" b="0" i="0" u="none" strike="noStrike" kern="1200" cap="none" spc="0" normalizeH="0" baseline="0" noProof="0" dirty="0">
+                          <a:ln>
+                            <a:noFill/>
+                          </a:ln>
+                          <a:solidFill>
+                            <a:schemeClr val="tx1"/>
+                          </a:solidFill>
+                          <a:effectLst/>
+                          <a:uLnTx/>
+                          <a:uFillTx/>
+                          <a:latin typeface="+mn-lt"/>
+                          <a:ea typeface="+mn-ea"/>
+                          <a:cs typeface="+mn-cs"/>
+                        </a:rPr>
+                        <a:t>→</a:t>
+                      </a:r>
+                      <a:r>
+                        <a:rPr kumimoji="0" lang="en-US" altLang="ko-KR" sz="1000" b="0" i="0" u="none" strike="noStrike" kern="1200" cap="none" spc="0" normalizeH="0" baseline="0" noProof="0" dirty="0">
+                          <a:ln>
+                            <a:noFill/>
+                          </a:ln>
+                          <a:solidFill>
+                            <a:schemeClr val="tx1"/>
+                          </a:solidFill>
+                          <a:effectLst/>
+                          <a:uLnTx/>
+                          <a:uFillTx/>
+                          <a:latin typeface="+mn-lt"/>
+                          <a:ea typeface="+mn-ea"/>
+                          <a:cs typeface="+mn-cs"/>
+                        </a:rPr>
+                        <a:t>2</a:t>
+                      </a:r>
+                      <a:endParaRPr lang="ko-KR" altLang="en-US" sz="1000" b="0" dirty="0">
+                        <a:solidFill>
+                          <a:schemeClr val="tx1"/>
+                        </a:solidFill>
+                      </a:endParaRPr>
+                    </a:p>
+                  </a:txBody>
+                  <a:tcPr anchor="ctr">
+                    <a:lnL w="12700" cap="flat" cmpd="sng" algn="ctr">
+                      <a:solidFill>
+                        <a:schemeClr val="tx1"/>
+                      </a:solidFill>
+                      <a:prstDash val="solid"/>
+                      <a:round/>
+                      <a:headEnd type="none" w="med" len="med"/>
+                      <a:tailEnd type="none" w="med" len="med"/>
+                    </a:lnL>
+                    <a:lnR w="12700" cap="flat" cmpd="sng" algn="ctr">
+                      <a:solidFill>
+                        <a:schemeClr val="tx1"/>
+                      </a:solidFill>
+                      <a:prstDash val="solid"/>
+                      <a:round/>
+                      <a:headEnd type="none" w="med" len="med"/>
+                      <a:tailEnd type="none" w="med" len="med"/>
+                    </a:lnR>
+                    <a:lnT w="12700" cap="flat" cmpd="sng" algn="ctr">
+                      <a:solidFill>
+                        <a:schemeClr val="tx1"/>
+                      </a:solidFill>
+                      <a:prstDash val="solid"/>
+                      <a:round/>
+                      <a:headEnd type="none" w="med" len="med"/>
+                      <a:tailEnd type="none" w="med" len="med"/>
+                    </a:lnT>
+                    <a:lnB w="12700" cap="flat" cmpd="sng" algn="ctr">
+                      <a:solidFill>
+                        <a:schemeClr val="tx1"/>
+                      </a:solidFill>
+                      <a:prstDash val="solid"/>
+                      <a:round/>
+                      <a:headEnd type="none" w="med" len="med"/>
+                      <a:tailEnd type="none" w="med" len="med"/>
+                    </a:lnB>
+                    <a:noFill/>
+                  </a:tcPr>
+                </a:tc>
+                <a:tc rowSpan="3">
+                  <a:txBody>
+                    <a:bodyPr/>
+                    <a:lstStyle/>
+                    <a:p>
+                      <a:pPr algn="ctr" latinLnBrk="1"/>
+                      <a:r>
+                        <a:rPr lang="ko-KR" altLang="en-US" sz="1000" b="0" dirty="0">
+                          <a:solidFill>
+                            <a:schemeClr val="tx1"/>
+                          </a:solidFill>
+                        </a:rPr>
+                        <a:t>가볍게 바람이 모이다가 사라진다</a:t>
+                      </a:r>
+                      <a:r>
+                        <a:rPr lang="en-US" altLang="ko-KR" sz="1000" b="0" dirty="0">
+                          <a:solidFill>
+                            <a:schemeClr val="tx1"/>
+                          </a:solidFill>
+                        </a:rPr>
+                        <a:t>.</a:t>
+                      </a:r>
+                      <a:endParaRPr lang="ko-KR" altLang="en-US" sz="1000" b="0" dirty="0">
+                        <a:solidFill>
+                          <a:schemeClr val="tx1"/>
+                        </a:solidFill>
+                      </a:endParaRPr>
+                    </a:p>
+                  </a:txBody>
+                  <a:tcPr anchor="ctr">
+                    <a:lnL w="12700" cap="flat" cmpd="sng" algn="ctr">
+                      <a:solidFill>
+                        <a:schemeClr val="tx1"/>
+                      </a:solidFill>
+                      <a:prstDash val="solid"/>
+                      <a:round/>
+                      <a:headEnd type="none" w="med" len="med"/>
+                      <a:tailEnd type="none" w="med" len="med"/>
+                    </a:lnL>
+                    <a:lnR w="12700" cap="flat" cmpd="sng" algn="ctr">
+                      <a:solidFill>
+                        <a:schemeClr val="tx1"/>
+                      </a:solidFill>
+                      <a:prstDash val="solid"/>
+                      <a:round/>
+                      <a:headEnd type="none" w="med" len="med"/>
+                      <a:tailEnd type="none" w="med" len="med"/>
+                    </a:lnR>
+                    <a:lnT w="12700" cap="flat" cmpd="sng" algn="ctr">
+                      <a:solidFill>
+                        <a:schemeClr val="tx1"/>
+                      </a:solidFill>
+                      <a:prstDash val="solid"/>
+                      <a:round/>
+                      <a:headEnd type="none" w="med" len="med"/>
+                      <a:tailEnd type="none" w="med" len="med"/>
+                    </a:lnT>
+                    <a:lnB w="12700" cap="flat" cmpd="sng" algn="ctr">
+                      <a:solidFill>
+                        <a:schemeClr val="tx1"/>
+                      </a:solidFill>
+                      <a:prstDash val="solid"/>
+                      <a:round/>
+                      <a:headEnd type="none" w="med" len="med"/>
+                      <a:tailEnd type="none" w="med" len="med"/>
+                    </a:lnB>
+                    <a:noFill/>
+                  </a:tcPr>
+                </a:tc>
+                <a:extLst>
+                  <a:ext uri="{0D108BD9-81ED-4DB2-BD59-A6C34878D82A}">
+                    <a16:rowId xmlns:a16="http://schemas.microsoft.com/office/drawing/2014/main" val="4158631892"/>
+                  </a:ext>
+                </a:extLst>
+              </a:tr>
+              <a:tr h="253340">
+                <a:tc>
+                  <a:txBody>
+                    <a:bodyPr/>
+                    <a:lstStyle/>
+                    <a:p>
+                      <a:pPr algn="ctr" latinLnBrk="1"/>
+                      <a:r>
+                        <a:rPr lang="en-US" altLang="ko-KR" sz="1000" b="0" dirty="0">
+                          <a:solidFill>
+                            <a:schemeClr val="tx1"/>
+                          </a:solidFill>
+                        </a:rPr>
+                        <a:t>2</a:t>
+                      </a:r>
+                      <a:r>
+                        <a:rPr kumimoji="0" lang="ko-KR" altLang="en-US" sz="1000" b="0" i="0" u="none" strike="noStrike" kern="1200" cap="none" spc="0" normalizeH="0" baseline="0" noProof="0" dirty="0">
+                          <a:ln>
+                            <a:noFill/>
+                          </a:ln>
+                          <a:solidFill>
+                            <a:schemeClr val="tx1"/>
+                          </a:solidFill>
+                          <a:effectLst/>
+                          <a:uLnTx/>
+                          <a:uFillTx/>
+                          <a:latin typeface="+mn-lt"/>
+                          <a:ea typeface="+mn-ea"/>
+                          <a:cs typeface="+mn-cs"/>
+                        </a:rPr>
+                        <a:t>→</a:t>
+                      </a:r>
+                      <a:r>
+                        <a:rPr kumimoji="0" lang="en-US" altLang="ko-KR" sz="1000" b="0" i="0" u="none" strike="noStrike" kern="1200" cap="none" spc="0" normalizeH="0" baseline="0" noProof="0" dirty="0">
+                          <a:ln>
+                            <a:noFill/>
+                          </a:ln>
+                          <a:solidFill>
+                            <a:schemeClr val="tx1"/>
+                          </a:solidFill>
+                          <a:effectLst/>
+                          <a:uLnTx/>
+                          <a:uFillTx/>
+                          <a:latin typeface="+mn-lt"/>
+                          <a:ea typeface="+mn-ea"/>
+                          <a:cs typeface="+mn-cs"/>
+                        </a:rPr>
+                        <a:t>3</a:t>
+                      </a:r>
+                      <a:endParaRPr lang="ko-KR" altLang="en-US" sz="1000" b="0" dirty="0">
+                        <a:solidFill>
+                          <a:schemeClr val="tx1"/>
+                        </a:solidFill>
+                      </a:endParaRPr>
+                    </a:p>
+                  </a:txBody>
+                  <a:tcPr anchor="ctr">
+                    <a:lnL w="12700" cap="flat" cmpd="sng" algn="ctr">
+                      <a:solidFill>
+                        <a:schemeClr val="tx1"/>
+                      </a:solidFill>
+                      <a:prstDash val="solid"/>
+                      <a:round/>
+                      <a:headEnd type="none" w="med" len="med"/>
+                      <a:tailEnd type="none" w="med" len="med"/>
+                    </a:lnL>
+                    <a:lnR w="12700" cap="flat" cmpd="sng" algn="ctr">
+                      <a:solidFill>
+                        <a:schemeClr val="tx1"/>
+                      </a:solidFill>
+                      <a:prstDash val="solid"/>
+                      <a:round/>
+                      <a:headEnd type="none" w="med" len="med"/>
+                      <a:tailEnd type="none" w="med" len="med"/>
+                    </a:lnR>
+                    <a:lnT w="12700" cap="flat" cmpd="sng" algn="ctr">
+                      <a:solidFill>
+                        <a:schemeClr val="tx1"/>
+                      </a:solidFill>
+                      <a:prstDash val="solid"/>
+                      <a:round/>
+                      <a:headEnd type="none" w="med" len="med"/>
+                      <a:tailEnd type="none" w="med" len="med"/>
+                    </a:lnT>
+                    <a:lnB w="12700" cap="flat" cmpd="sng" algn="ctr">
+                      <a:solidFill>
+                        <a:schemeClr val="tx1"/>
+                      </a:solidFill>
+                      <a:prstDash val="solid"/>
+                      <a:round/>
+                      <a:headEnd type="none" w="med" len="med"/>
+                      <a:tailEnd type="none" w="med" len="med"/>
+                    </a:lnB>
+                    <a:noFill/>
+                  </a:tcPr>
+                </a:tc>
+                <a:tc vMerge="1">
+                  <a:txBody>
+                    <a:bodyPr/>
+                    <a:lstStyle/>
+                    <a:p>
+                      <a:pPr algn="ctr" latinLnBrk="1"/>
+                      <a:r>
+                        <a:rPr lang="en-US" altLang="ko-KR" sz="1000" b="0" dirty="0">
+                          <a:solidFill>
+                            <a:schemeClr val="tx1"/>
+                          </a:solidFill>
+                        </a:rPr>
+                        <a:t>5</a:t>
+                      </a:r>
+                      <a:endParaRPr lang="ko-KR" altLang="en-US" sz="1000" b="0" dirty="0">
+                        <a:solidFill>
+                          <a:schemeClr val="tx1"/>
+                        </a:solidFill>
+                      </a:endParaRPr>
+                    </a:p>
+                  </a:txBody>
+                  <a:tcPr anchor="ctr">
+                    <a:lnL w="12700" cap="flat" cmpd="sng" algn="ctr">
+                      <a:solidFill>
+                        <a:schemeClr val="tx1"/>
+                      </a:solidFill>
+                      <a:prstDash val="solid"/>
+                      <a:round/>
+                      <a:headEnd type="none" w="med" len="med"/>
+                      <a:tailEnd type="none" w="med" len="med"/>
+                    </a:lnL>
+                    <a:lnR w="12700" cap="flat" cmpd="sng" algn="ctr">
+                      <a:solidFill>
+                        <a:schemeClr val="tx1"/>
+                      </a:solidFill>
+                      <a:prstDash val="solid"/>
+                      <a:round/>
+                      <a:headEnd type="none" w="med" len="med"/>
+                      <a:tailEnd type="none" w="med" len="med"/>
+                    </a:lnR>
+                    <a:lnT w="12700" cap="flat" cmpd="sng" algn="ctr">
+                      <a:solidFill>
+                        <a:schemeClr val="tx1"/>
+                      </a:solidFill>
+                      <a:prstDash val="solid"/>
+                      <a:round/>
+                      <a:headEnd type="none" w="med" len="med"/>
+                      <a:tailEnd type="none" w="med" len="med"/>
+                    </a:lnT>
+                    <a:lnB w="12700" cap="flat" cmpd="sng" algn="ctr">
+                      <a:solidFill>
+                        <a:schemeClr val="tx1"/>
+                      </a:solidFill>
+                      <a:prstDash val="solid"/>
+                      <a:round/>
+                      <a:headEnd type="none" w="med" len="med"/>
+                      <a:tailEnd type="none" w="med" len="med"/>
+                    </a:lnB>
+                    <a:noFill/>
+                  </a:tcPr>
+                </a:tc>
+                <a:extLst>
+                  <a:ext uri="{0D108BD9-81ED-4DB2-BD59-A6C34878D82A}">
+                    <a16:rowId xmlns:a16="http://schemas.microsoft.com/office/drawing/2014/main" val="3449649247"/>
+                  </a:ext>
+                </a:extLst>
+              </a:tr>
+              <a:tr h="253340">
+                <a:tc>
+                  <a:txBody>
+                    <a:bodyPr/>
+                    <a:lstStyle/>
+                    <a:p>
+                      <a:pPr algn="ctr" latinLnBrk="1"/>
+                      <a:r>
+                        <a:rPr lang="en-US" altLang="ko-KR" sz="1000" b="0" dirty="0">
+                          <a:solidFill>
+                            <a:schemeClr val="tx1"/>
+                          </a:solidFill>
+                        </a:rPr>
+                        <a:t>3</a:t>
+                      </a:r>
+                      <a:r>
+                        <a:rPr kumimoji="0" lang="ko-KR" altLang="en-US" sz="1000" b="0" i="0" u="none" strike="noStrike" kern="1200" cap="none" spc="0" normalizeH="0" baseline="0" noProof="0" dirty="0">
+                          <a:ln>
+                            <a:noFill/>
+                          </a:ln>
+                          <a:solidFill>
+                            <a:schemeClr val="tx1"/>
+                          </a:solidFill>
+                          <a:effectLst/>
+                          <a:uLnTx/>
+                          <a:uFillTx/>
+                          <a:latin typeface="+mn-lt"/>
+                          <a:ea typeface="+mn-ea"/>
+                          <a:cs typeface="+mn-cs"/>
+                        </a:rPr>
+                        <a:t>→</a:t>
+                      </a:r>
+                      <a:r>
+                        <a:rPr kumimoji="0" lang="en-US" altLang="ko-KR" sz="1000" b="0" i="0" u="none" strike="noStrike" kern="1200" cap="none" spc="0" normalizeH="0" baseline="0" noProof="0" dirty="0">
+                          <a:ln>
+                            <a:noFill/>
+                          </a:ln>
+                          <a:solidFill>
+                            <a:schemeClr val="tx1"/>
+                          </a:solidFill>
+                          <a:effectLst/>
+                          <a:uLnTx/>
+                          <a:uFillTx/>
+                          <a:latin typeface="+mn-lt"/>
+                          <a:ea typeface="+mn-ea"/>
+                          <a:cs typeface="+mn-cs"/>
+                        </a:rPr>
+                        <a:t>4</a:t>
+                      </a:r>
+                      <a:endParaRPr lang="ko-KR" altLang="en-US" sz="1000" b="0" dirty="0">
+                        <a:solidFill>
+                          <a:schemeClr val="tx1"/>
+                        </a:solidFill>
+                      </a:endParaRPr>
+                    </a:p>
+                  </a:txBody>
+                  <a:tcPr anchor="ctr">
+                    <a:lnL w="12700" cap="flat" cmpd="sng" algn="ctr">
+                      <a:solidFill>
+                        <a:schemeClr val="tx1"/>
+                      </a:solidFill>
+                      <a:prstDash val="solid"/>
+                      <a:round/>
+                      <a:headEnd type="none" w="med" len="med"/>
+                      <a:tailEnd type="none" w="med" len="med"/>
+                    </a:lnL>
+                    <a:lnR w="12700" cap="flat" cmpd="sng" algn="ctr">
+                      <a:solidFill>
+                        <a:schemeClr val="tx1"/>
+                      </a:solidFill>
+                      <a:prstDash val="solid"/>
+                      <a:round/>
+                      <a:headEnd type="none" w="med" len="med"/>
+                      <a:tailEnd type="none" w="med" len="med"/>
+                    </a:lnR>
+                    <a:lnT w="12700" cap="flat" cmpd="sng" algn="ctr">
+                      <a:solidFill>
+                        <a:schemeClr val="tx1"/>
+                      </a:solidFill>
+                      <a:prstDash val="solid"/>
+                      <a:round/>
+                      <a:headEnd type="none" w="med" len="med"/>
+                      <a:tailEnd type="none" w="med" len="med"/>
+                    </a:lnT>
+                    <a:lnB w="12700" cap="flat" cmpd="sng" algn="ctr">
+                      <a:solidFill>
+                        <a:schemeClr val="tx1"/>
+                      </a:solidFill>
+                      <a:prstDash val="solid"/>
+                      <a:round/>
+                      <a:headEnd type="none" w="med" len="med"/>
+                      <a:tailEnd type="none" w="med" len="med"/>
+                    </a:lnB>
+                    <a:noFill/>
+                  </a:tcPr>
+                </a:tc>
+                <a:tc vMerge="1">
+                  <a:txBody>
+                    <a:bodyPr/>
+                    <a:lstStyle/>
+                    <a:p>
+                      <a:pPr algn="ctr" latinLnBrk="1"/>
+                      <a:r>
+                        <a:rPr lang="en-US" altLang="ko-KR" sz="1000" b="0" dirty="0">
+                          <a:solidFill>
+                            <a:schemeClr val="tx1"/>
+                          </a:solidFill>
+                        </a:rPr>
+                        <a:t>5</a:t>
+                      </a:r>
+                      <a:endParaRPr lang="ko-KR" altLang="en-US" sz="1000" b="0" dirty="0">
+                        <a:solidFill>
+                          <a:schemeClr val="tx1"/>
+                        </a:solidFill>
+                      </a:endParaRPr>
+                    </a:p>
+                  </a:txBody>
+                  <a:tcPr anchor="ctr">
+                    <a:lnL w="12700" cap="flat" cmpd="sng" algn="ctr">
+                      <a:solidFill>
+                        <a:schemeClr val="tx1"/>
+                      </a:solidFill>
+                      <a:prstDash val="solid"/>
+                      <a:round/>
+                      <a:headEnd type="none" w="med" len="med"/>
+                      <a:tailEnd type="none" w="med" len="med"/>
+                    </a:lnL>
+                    <a:lnR w="12700" cap="flat" cmpd="sng" algn="ctr">
+                      <a:solidFill>
+                        <a:schemeClr val="tx1"/>
+                      </a:solidFill>
+                      <a:prstDash val="solid"/>
+                      <a:round/>
+                      <a:headEnd type="none" w="med" len="med"/>
+                      <a:tailEnd type="none" w="med" len="med"/>
+                    </a:lnR>
+                    <a:lnT w="12700" cap="flat" cmpd="sng" algn="ctr">
+                      <a:solidFill>
+                        <a:schemeClr val="tx1"/>
+                      </a:solidFill>
+                      <a:prstDash val="solid"/>
+                      <a:round/>
+                      <a:headEnd type="none" w="med" len="med"/>
+                      <a:tailEnd type="none" w="med" len="med"/>
+                    </a:lnT>
+                    <a:lnB w="12700" cap="flat" cmpd="sng" algn="ctr">
+                      <a:solidFill>
+                        <a:schemeClr val="tx1"/>
+                      </a:solidFill>
+                      <a:prstDash val="solid"/>
+                      <a:round/>
+                      <a:headEnd type="none" w="med" len="med"/>
+                      <a:tailEnd type="none" w="med" len="med"/>
+                    </a:lnB>
+                    <a:noFill/>
+                  </a:tcPr>
+                </a:tc>
+                <a:extLst>
+                  <a:ext uri="{0D108BD9-81ED-4DB2-BD59-A6C34878D82A}">
+                    <a16:rowId xmlns:a16="http://schemas.microsoft.com/office/drawing/2014/main" val="1244384396"/>
+                  </a:ext>
+                </a:extLst>
+              </a:tr>
+              <a:tr h="253340">
+                <a:tc>
+                  <a:txBody>
+                    <a:bodyPr/>
+                    <a:lstStyle/>
+                    <a:p>
+                      <a:pPr algn="ctr" latinLnBrk="1"/>
+                      <a:r>
+                        <a:rPr lang="en-US" altLang="ko-KR" sz="1000" b="0" dirty="0">
+                          <a:solidFill>
+                            <a:schemeClr val="tx1"/>
+                          </a:solidFill>
+                        </a:rPr>
+                        <a:t>4</a:t>
+                      </a:r>
+                      <a:r>
+                        <a:rPr kumimoji="0" lang="ko-KR" altLang="en-US" sz="1000" b="0" i="0" u="none" strike="noStrike" kern="1200" cap="none" spc="0" normalizeH="0" baseline="0" noProof="0" dirty="0">
+                          <a:ln>
+                            <a:noFill/>
+                          </a:ln>
+                          <a:solidFill>
+                            <a:schemeClr val="tx1"/>
+                          </a:solidFill>
+                          <a:effectLst/>
+                          <a:uLnTx/>
+                          <a:uFillTx/>
+                          <a:latin typeface="+mn-lt"/>
+                          <a:ea typeface="+mn-ea"/>
+                          <a:cs typeface="+mn-cs"/>
+                        </a:rPr>
+                        <a:t>→</a:t>
+                      </a:r>
+                      <a:r>
+                        <a:rPr kumimoji="0" lang="en-US" altLang="ko-KR" sz="1000" b="0" i="0" u="none" strike="noStrike" kern="1200" cap="none" spc="0" normalizeH="0" baseline="0" noProof="0" dirty="0">
+                          <a:ln>
+                            <a:noFill/>
+                          </a:ln>
+                          <a:solidFill>
+                            <a:schemeClr val="tx1"/>
+                          </a:solidFill>
+                          <a:effectLst/>
+                          <a:uLnTx/>
+                          <a:uFillTx/>
+                          <a:latin typeface="+mn-lt"/>
+                          <a:ea typeface="+mn-ea"/>
+                          <a:cs typeface="+mn-cs"/>
+                        </a:rPr>
+                        <a:t>5</a:t>
+                      </a:r>
+                      <a:endParaRPr lang="ko-KR" altLang="en-US" sz="1000" b="0" dirty="0">
+                        <a:solidFill>
+                          <a:schemeClr val="tx1"/>
+                        </a:solidFill>
+                      </a:endParaRPr>
+                    </a:p>
+                  </a:txBody>
+                  <a:tcPr anchor="ctr">
+                    <a:lnL w="12700" cap="flat" cmpd="sng" algn="ctr">
+                      <a:solidFill>
+                        <a:schemeClr val="tx1"/>
+                      </a:solidFill>
+                      <a:prstDash val="solid"/>
+                      <a:round/>
+                      <a:headEnd type="none" w="med" len="med"/>
+                      <a:tailEnd type="none" w="med" len="med"/>
+                    </a:lnL>
+                    <a:lnR w="12700" cap="flat" cmpd="sng" algn="ctr">
+                      <a:solidFill>
+                        <a:schemeClr val="tx1"/>
+                      </a:solidFill>
+                      <a:prstDash val="solid"/>
+                      <a:round/>
+                      <a:headEnd type="none" w="med" len="med"/>
+                      <a:tailEnd type="none" w="med" len="med"/>
+                    </a:lnR>
+                    <a:lnT w="12700" cap="flat" cmpd="sng" algn="ctr">
+                      <a:solidFill>
+                        <a:schemeClr val="tx1"/>
+                      </a:solidFill>
+                      <a:prstDash val="solid"/>
+                      <a:round/>
+                      <a:headEnd type="none" w="med" len="med"/>
+                      <a:tailEnd type="none" w="med" len="med"/>
+                    </a:lnT>
+                    <a:lnB w="12700" cap="flat" cmpd="sng" algn="ctr">
+                      <a:solidFill>
+                        <a:schemeClr val="tx1"/>
+                      </a:solidFill>
+                      <a:prstDash val="solid"/>
+                      <a:round/>
+                      <a:headEnd type="none" w="med" len="med"/>
+                      <a:tailEnd type="none" w="med" len="med"/>
+                    </a:lnB>
+                    <a:noFill/>
+                  </a:tcPr>
+                </a:tc>
+                <a:tc>
+                  <a:txBody>
+                    <a:bodyPr/>
+                    <a:lstStyle/>
+                    <a:p>
+                      <a:pPr algn="ctr" latinLnBrk="1"/>
+                      <a:r>
+                        <a:rPr lang="ko-KR" altLang="en-US" sz="1000" b="0" dirty="0">
+                          <a:solidFill>
+                            <a:schemeClr val="tx1"/>
+                          </a:solidFill>
+                        </a:rPr>
+                        <a:t>가볍게 바람이 모이다가 퍼져 나간다</a:t>
+                      </a:r>
+                      <a:r>
+                        <a:rPr lang="en-US" altLang="ko-KR" sz="1000" b="0" dirty="0">
+                          <a:solidFill>
+                            <a:schemeClr val="tx1"/>
+                          </a:solidFill>
+                        </a:rPr>
+                        <a:t>.</a:t>
+                      </a:r>
+                      <a:endParaRPr lang="ko-KR" altLang="en-US" sz="1000" b="0" dirty="0">
+                        <a:solidFill>
+                          <a:schemeClr val="tx1"/>
+                        </a:solidFill>
+                      </a:endParaRPr>
+                    </a:p>
+                  </a:txBody>
+                  <a:tcPr anchor="ctr">
+                    <a:lnL w="12700" cap="flat" cmpd="sng" algn="ctr">
+                      <a:solidFill>
+                        <a:schemeClr val="tx1"/>
+                      </a:solidFill>
+                      <a:prstDash val="solid"/>
+                      <a:round/>
+                      <a:headEnd type="none" w="med" len="med"/>
+                      <a:tailEnd type="none" w="med" len="med"/>
+                    </a:lnL>
+                    <a:lnR w="12700" cap="flat" cmpd="sng" algn="ctr">
+                      <a:solidFill>
+                        <a:schemeClr val="tx1"/>
+                      </a:solidFill>
+                      <a:prstDash val="solid"/>
+                      <a:round/>
+                      <a:headEnd type="none" w="med" len="med"/>
+                      <a:tailEnd type="none" w="med" len="med"/>
+                    </a:lnR>
+                    <a:lnT w="12700" cap="flat" cmpd="sng" algn="ctr">
+                      <a:solidFill>
+                        <a:schemeClr val="tx1"/>
+                      </a:solidFill>
+                      <a:prstDash val="solid"/>
+                      <a:round/>
+                      <a:headEnd type="none" w="med" len="med"/>
+                      <a:tailEnd type="none" w="med" len="med"/>
+                    </a:lnT>
+                    <a:lnB w="12700" cap="flat" cmpd="sng" algn="ctr">
+                      <a:solidFill>
+                        <a:schemeClr val="tx1"/>
+                      </a:solidFill>
+                      <a:prstDash val="solid"/>
+                      <a:round/>
+                      <a:headEnd type="none" w="med" len="med"/>
+                      <a:tailEnd type="none" w="med" len="med"/>
+                    </a:lnB>
+                    <a:noFill/>
+                  </a:tcPr>
+                </a:tc>
+                <a:extLst>
+                  <a:ext uri="{0D108BD9-81ED-4DB2-BD59-A6C34878D82A}">
+                    <a16:rowId xmlns:a16="http://schemas.microsoft.com/office/drawing/2014/main" val="2945084893"/>
+                  </a:ext>
+                </a:extLst>
+              </a:tr>
+              <a:tr h="253340">
+                <a:tc>
+                  <a:txBody>
+                    <a:bodyPr/>
+                    <a:lstStyle/>
+                    <a:p>
+                      <a:pPr algn="ctr" latinLnBrk="1"/>
+                      <a:r>
+                        <a:rPr lang="en-US" altLang="ko-KR" sz="1000" b="0" dirty="0">
+                          <a:solidFill>
+                            <a:schemeClr val="tx1"/>
+                          </a:solidFill>
+                        </a:rPr>
+                        <a:t>5</a:t>
+                      </a:r>
+                      <a:r>
+                        <a:rPr kumimoji="0" lang="ko-KR" altLang="en-US" sz="1000" b="0" i="0" u="none" strike="noStrike" kern="1200" cap="none" spc="0" normalizeH="0" baseline="0" noProof="0" dirty="0">
+                          <a:ln>
+                            <a:noFill/>
+                          </a:ln>
+                          <a:solidFill>
+                            <a:schemeClr val="tx1"/>
+                          </a:solidFill>
+                          <a:effectLst/>
+                          <a:uLnTx/>
+                          <a:uFillTx/>
+                          <a:latin typeface="+mn-lt"/>
+                          <a:ea typeface="+mn-ea"/>
+                          <a:cs typeface="+mn-cs"/>
+                        </a:rPr>
+                        <a:t>→</a:t>
+                      </a:r>
+                      <a:r>
+                        <a:rPr kumimoji="0" lang="en-US" altLang="ko-KR" sz="1000" b="0" i="0" u="none" strike="noStrike" kern="1200" cap="none" spc="0" normalizeH="0" baseline="0" noProof="0" dirty="0">
+                          <a:ln>
+                            <a:noFill/>
+                          </a:ln>
+                          <a:solidFill>
+                            <a:schemeClr val="tx1"/>
+                          </a:solidFill>
+                          <a:effectLst/>
+                          <a:uLnTx/>
+                          <a:uFillTx/>
+                          <a:latin typeface="+mn-lt"/>
+                          <a:ea typeface="+mn-ea"/>
+                          <a:cs typeface="+mn-cs"/>
+                        </a:rPr>
+                        <a:t>6</a:t>
+                      </a:r>
+                      <a:endParaRPr lang="ko-KR" altLang="en-US" sz="1000" b="0" dirty="0">
+                        <a:solidFill>
+                          <a:schemeClr val="tx1"/>
+                        </a:solidFill>
+                      </a:endParaRPr>
+                    </a:p>
+                  </a:txBody>
+                  <a:tcPr anchor="ctr">
+                    <a:lnL w="12700" cap="flat" cmpd="sng" algn="ctr">
+                      <a:solidFill>
+                        <a:schemeClr val="tx1"/>
+                      </a:solidFill>
+                      <a:prstDash val="solid"/>
+                      <a:round/>
+                      <a:headEnd type="none" w="med" len="med"/>
+                      <a:tailEnd type="none" w="med" len="med"/>
+                    </a:lnL>
+                    <a:lnR w="12700" cap="flat" cmpd="sng" algn="ctr">
+                      <a:solidFill>
+                        <a:schemeClr val="tx1"/>
+                      </a:solidFill>
+                      <a:prstDash val="solid"/>
+                      <a:round/>
+                      <a:headEnd type="none" w="med" len="med"/>
+                      <a:tailEnd type="none" w="med" len="med"/>
+                    </a:lnR>
+                    <a:lnT w="12700" cap="flat" cmpd="sng" algn="ctr">
+                      <a:solidFill>
+                        <a:schemeClr val="tx1"/>
+                      </a:solidFill>
+                      <a:prstDash val="solid"/>
+                      <a:round/>
+                      <a:headEnd type="none" w="med" len="med"/>
+                      <a:tailEnd type="none" w="med" len="med"/>
+                    </a:lnT>
+                    <a:lnB w="12700" cap="flat" cmpd="sng" algn="ctr">
+                      <a:solidFill>
+                        <a:schemeClr val="tx1"/>
+                      </a:solidFill>
+                      <a:prstDash val="solid"/>
+                      <a:round/>
+                      <a:headEnd type="none" w="med" len="med"/>
+                      <a:tailEnd type="none" w="med" len="med"/>
+                    </a:lnB>
+                    <a:noFill/>
+                  </a:tcPr>
+                </a:tc>
+                <a:tc>
+                  <a:txBody>
+                    <a:bodyPr/>
+                    <a:lstStyle/>
+                    <a:p>
+                      <a:pPr algn="ctr" latinLnBrk="1"/>
+                      <a:r>
+                        <a:rPr lang="ko-KR" altLang="en-US" sz="1000" b="0" dirty="0">
+                          <a:solidFill>
+                            <a:schemeClr val="tx1"/>
+                          </a:solidFill>
+                        </a:rPr>
+                        <a:t>가볍게 바람이 모이더니 기와 함께 퍼진다</a:t>
+                      </a:r>
+                      <a:r>
+                        <a:rPr lang="en-US" altLang="ko-KR" sz="1000" b="0" dirty="0">
+                          <a:solidFill>
+                            <a:schemeClr val="tx1"/>
+                          </a:solidFill>
+                        </a:rPr>
+                        <a:t>.</a:t>
+                      </a:r>
+                      <a:endParaRPr lang="ko-KR" altLang="en-US" sz="1000" b="0" dirty="0">
+                        <a:solidFill>
+                          <a:schemeClr val="tx1"/>
+                        </a:solidFill>
+                      </a:endParaRPr>
+                    </a:p>
+                  </a:txBody>
+                  <a:tcPr anchor="ctr">
+                    <a:lnL w="12700" cap="flat" cmpd="sng" algn="ctr">
+                      <a:solidFill>
+                        <a:schemeClr val="tx1"/>
+                      </a:solidFill>
+                      <a:prstDash val="solid"/>
+                      <a:round/>
+                      <a:headEnd type="none" w="med" len="med"/>
+                      <a:tailEnd type="none" w="med" len="med"/>
+                    </a:lnL>
+                    <a:lnR w="12700" cap="flat" cmpd="sng" algn="ctr">
+                      <a:solidFill>
+                        <a:schemeClr val="tx1"/>
+                      </a:solidFill>
+                      <a:prstDash val="solid"/>
+                      <a:round/>
+                      <a:headEnd type="none" w="med" len="med"/>
+                      <a:tailEnd type="none" w="med" len="med"/>
+                    </a:lnR>
+                    <a:lnT w="12700" cap="flat" cmpd="sng" algn="ctr">
+                      <a:solidFill>
+                        <a:schemeClr val="tx1"/>
+                      </a:solidFill>
+                      <a:prstDash val="solid"/>
+                      <a:round/>
+                      <a:headEnd type="none" w="med" len="med"/>
+                      <a:tailEnd type="none" w="med" len="med"/>
+                    </a:lnT>
+                    <a:lnB w="12700" cap="flat" cmpd="sng" algn="ctr">
+                      <a:solidFill>
+                        <a:schemeClr val="tx1"/>
+                      </a:solidFill>
+                      <a:prstDash val="solid"/>
+                      <a:round/>
+                      <a:headEnd type="none" w="med" len="med"/>
+                      <a:tailEnd type="none" w="med" len="med"/>
+                    </a:lnB>
+                    <a:noFill/>
+                  </a:tcPr>
+                </a:tc>
+                <a:extLst>
+                  <a:ext uri="{0D108BD9-81ED-4DB2-BD59-A6C34878D82A}">
+                    <a16:rowId xmlns:a16="http://schemas.microsoft.com/office/drawing/2014/main" val="4268316274"/>
+                  </a:ext>
+                </a:extLst>
+              </a:tr>
+              <a:tr h="253340">
+                <a:tc>
+                  <a:txBody>
+                    <a:bodyPr/>
+                    <a:lstStyle/>
+                    <a:p>
+                      <a:pPr algn="ctr" latinLnBrk="1"/>
+                      <a:r>
+                        <a:rPr lang="en-US" altLang="ko-KR" sz="1000" b="0" dirty="0">
+                          <a:solidFill>
+                            <a:schemeClr val="tx1"/>
+                          </a:solidFill>
+                        </a:rPr>
+                        <a:t>6</a:t>
+                      </a:r>
+                      <a:r>
+                        <a:rPr kumimoji="0" lang="ko-KR" altLang="en-US" sz="1000" b="0" i="0" u="none" strike="noStrike" kern="1200" cap="none" spc="0" normalizeH="0" baseline="0" noProof="0" dirty="0">
+                          <a:ln>
+                            <a:noFill/>
+                          </a:ln>
+                          <a:solidFill>
+                            <a:schemeClr val="tx1"/>
+                          </a:solidFill>
+                          <a:effectLst/>
+                          <a:uLnTx/>
+                          <a:uFillTx/>
+                          <a:latin typeface="+mn-lt"/>
+                          <a:ea typeface="+mn-ea"/>
+                          <a:cs typeface="+mn-cs"/>
+                        </a:rPr>
+                        <a:t>→</a:t>
+                      </a:r>
+                      <a:r>
+                        <a:rPr kumimoji="0" lang="en-US" altLang="ko-KR" sz="1000" b="0" i="0" u="none" strike="noStrike" kern="1200" cap="none" spc="0" normalizeH="0" baseline="0" noProof="0" dirty="0">
+                          <a:ln>
+                            <a:noFill/>
+                          </a:ln>
+                          <a:solidFill>
+                            <a:schemeClr val="tx1"/>
+                          </a:solidFill>
+                          <a:effectLst/>
+                          <a:uLnTx/>
+                          <a:uFillTx/>
+                          <a:latin typeface="+mn-lt"/>
+                          <a:ea typeface="+mn-ea"/>
+                          <a:cs typeface="+mn-cs"/>
+                        </a:rPr>
+                        <a:t>7</a:t>
+                      </a:r>
+                      <a:endParaRPr lang="ko-KR" altLang="en-US" sz="1000" b="0" dirty="0">
+                        <a:solidFill>
+                          <a:schemeClr val="tx1"/>
+                        </a:solidFill>
+                      </a:endParaRPr>
+                    </a:p>
+                  </a:txBody>
+                  <a:tcPr anchor="ctr">
+                    <a:lnL w="12700" cap="flat" cmpd="sng" algn="ctr">
+                      <a:solidFill>
+                        <a:schemeClr val="tx1"/>
+                      </a:solidFill>
+                      <a:prstDash val="solid"/>
+                      <a:round/>
+                      <a:headEnd type="none" w="med" len="med"/>
+                      <a:tailEnd type="none" w="med" len="med"/>
+                    </a:lnL>
+                    <a:lnR w="12700" cap="flat" cmpd="sng" algn="ctr">
+                      <a:solidFill>
+                        <a:schemeClr val="tx1"/>
+                      </a:solidFill>
+                      <a:prstDash val="solid"/>
+                      <a:round/>
+                      <a:headEnd type="none" w="med" len="med"/>
+                      <a:tailEnd type="none" w="med" len="med"/>
+                    </a:lnR>
+                    <a:lnT w="12700" cap="flat" cmpd="sng" algn="ctr">
+                      <a:solidFill>
+                        <a:schemeClr val="tx1"/>
+                      </a:solidFill>
+                      <a:prstDash val="solid"/>
+                      <a:round/>
+                      <a:headEnd type="none" w="med" len="med"/>
+                      <a:tailEnd type="none" w="med" len="med"/>
+                    </a:lnT>
+                    <a:lnB w="12700" cap="flat" cmpd="sng" algn="ctr">
+                      <a:solidFill>
+                        <a:schemeClr val="tx1"/>
+                      </a:solidFill>
+                      <a:prstDash val="solid"/>
+                      <a:round/>
+                      <a:headEnd type="none" w="med" len="med"/>
+                      <a:tailEnd type="none" w="med" len="med"/>
+                    </a:lnB>
+                    <a:noFill/>
+                  </a:tcPr>
+                </a:tc>
+                <a:tc>
+                  <a:txBody>
+                    <a:bodyPr/>
+                    <a:lstStyle/>
+                    <a:p>
+                      <a:pPr algn="ctr" latinLnBrk="1"/>
+                      <a:r>
+                        <a:rPr lang="ko-KR" altLang="en-US" sz="1000" b="0" dirty="0">
+                          <a:solidFill>
+                            <a:schemeClr val="tx1"/>
+                          </a:solidFill>
+                        </a:rPr>
+                        <a:t>세찬 바람이 몸을 휘감더니 기와 함께 터져 나간다</a:t>
+                      </a:r>
+                      <a:r>
+                        <a:rPr lang="en-US" altLang="ko-KR" sz="1000" b="0" dirty="0">
+                          <a:solidFill>
+                            <a:schemeClr val="tx1"/>
+                          </a:solidFill>
+                        </a:rPr>
+                        <a:t>.</a:t>
+                      </a:r>
+                      <a:endParaRPr lang="ko-KR" altLang="en-US" sz="1000" b="0" dirty="0">
+                        <a:solidFill>
+                          <a:schemeClr val="tx1"/>
+                        </a:solidFill>
+                      </a:endParaRPr>
+                    </a:p>
+                  </a:txBody>
+                  <a:tcPr anchor="ctr">
+                    <a:lnL w="12700" cap="flat" cmpd="sng" algn="ctr">
+                      <a:solidFill>
+                        <a:schemeClr val="tx1"/>
+                      </a:solidFill>
+                      <a:prstDash val="solid"/>
+                      <a:round/>
+                      <a:headEnd type="none" w="med" len="med"/>
+                      <a:tailEnd type="none" w="med" len="med"/>
+                    </a:lnL>
+                    <a:lnR w="12700" cap="flat" cmpd="sng" algn="ctr">
+                      <a:solidFill>
+                        <a:schemeClr val="tx1"/>
+                      </a:solidFill>
+                      <a:prstDash val="solid"/>
+                      <a:round/>
+                      <a:headEnd type="none" w="med" len="med"/>
+                      <a:tailEnd type="none" w="med" len="med"/>
+                    </a:lnR>
+                    <a:lnT w="12700" cap="flat" cmpd="sng" algn="ctr">
+                      <a:solidFill>
+                        <a:schemeClr val="tx1"/>
+                      </a:solidFill>
+                      <a:prstDash val="solid"/>
+                      <a:round/>
+                      <a:headEnd type="none" w="med" len="med"/>
+                      <a:tailEnd type="none" w="med" len="med"/>
+                    </a:lnT>
+                    <a:lnB w="12700" cap="flat" cmpd="sng" algn="ctr">
+                      <a:solidFill>
+                        <a:schemeClr val="tx1"/>
+                      </a:solidFill>
+                      <a:prstDash val="solid"/>
+                      <a:round/>
+                      <a:headEnd type="none" w="med" len="med"/>
+                      <a:tailEnd type="none" w="med" len="med"/>
+                    </a:lnB>
+                    <a:noFill/>
+                  </a:tcPr>
+                </a:tc>
+                <a:extLst>
+                  <a:ext uri="{0D108BD9-81ED-4DB2-BD59-A6C34878D82A}">
+                    <a16:rowId xmlns:a16="http://schemas.microsoft.com/office/drawing/2014/main" val="3840728888"/>
+                  </a:ext>
+                </a:extLst>
+              </a:tr>
+              <a:tr h="411678">
+                <a:tc>
+                  <a:txBody>
+                    <a:bodyPr/>
+                    <a:lstStyle/>
+                    <a:p>
+                      <a:pPr algn="ctr" latinLnBrk="1"/>
+                      <a:r>
+                        <a:rPr lang="en-US" altLang="ko-KR" sz="1000" b="0" dirty="0">
+                          <a:solidFill>
+                            <a:schemeClr val="tx1"/>
+                          </a:solidFill>
+                        </a:rPr>
+                        <a:t>7</a:t>
+                      </a:r>
+                      <a:r>
+                        <a:rPr kumimoji="0" lang="ko-KR" altLang="en-US" sz="1000" b="0" i="0" u="none" strike="noStrike" kern="1200" cap="none" spc="0" normalizeH="0" baseline="0" noProof="0" dirty="0">
+                          <a:ln>
+                            <a:noFill/>
+                          </a:ln>
+                          <a:solidFill>
+                            <a:schemeClr val="tx1"/>
+                          </a:solidFill>
+                          <a:effectLst/>
+                          <a:uLnTx/>
+                          <a:uFillTx/>
+                          <a:latin typeface="+mn-lt"/>
+                          <a:ea typeface="+mn-ea"/>
+                          <a:cs typeface="+mn-cs"/>
+                        </a:rPr>
+                        <a:t>→</a:t>
+                      </a:r>
+                      <a:r>
+                        <a:rPr kumimoji="0" lang="en-US" altLang="ko-KR" sz="1000" b="0" i="0" u="none" strike="noStrike" kern="1200" cap="none" spc="0" normalizeH="0" baseline="0" noProof="0" dirty="0">
+                          <a:ln>
+                            <a:noFill/>
+                          </a:ln>
+                          <a:solidFill>
+                            <a:schemeClr val="tx1"/>
+                          </a:solidFill>
+                          <a:effectLst/>
+                          <a:uLnTx/>
+                          <a:uFillTx/>
+                          <a:latin typeface="+mn-lt"/>
+                          <a:ea typeface="+mn-ea"/>
+                          <a:cs typeface="+mn-cs"/>
+                        </a:rPr>
+                        <a:t>8</a:t>
+                      </a:r>
+                      <a:endParaRPr lang="en-US" altLang="ko-KR" sz="1000" b="0" dirty="0">
+                        <a:solidFill>
+                          <a:schemeClr val="tx1"/>
+                        </a:solidFill>
+                      </a:endParaRPr>
+                    </a:p>
+                  </a:txBody>
+                  <a:tcPr anchor="ctr">
+                    <a:lnL w="12700" cap="flat" cmpd="sng" algn="ctr">
+                      <a:solidFill>
+                        <a:schemeClr val="tx1"/>
+                      </a:solidFill>
+                      <a:prstDash val="solid"/>
+                      <a:round/>
+                      <a:headEnd type="none" w="med" len="med"/>
+                      <a:tailEnd type="none" w="med" len="med"/>
+                    </a:lnL>
+                    <a:lnR w="12700" cap="flat" cmpd="sng" algn="ctr">
+                      <a:solidFill>
+                        <a:schemeClr val="tx1"/>
+                      </a:solidFill>
+                      <a:prstDash val="solid"/>
+                      <a:round/>
+                      <a:headEnd type="none" w="med" len="med"/>
+                      <a:tailEnd type="none" w="med" len="med"/>
+                    </a:lnR>
+                    <a:lnT w="12700" cap="flat" cmpd="sng" algn="ctr">
+                      <a:solidFill>
+                        <a:schemeClr val="tx1"/>
+                      </a:solidFill>
+                      <a:prstDash val="solid"/>
+                      <a:round/>
+                      <a:headEnd type="none" w="med" len="med"/>
+                      <a:tailEnd type="none" w="med" len="med"/>
+                    </a:lnT>
+                    <a:lnB w="12700" cap="flat" cmpd="sng" algn="ctr">
+                      <a:solidFill>
+                        <a:schemeClr val="tx1"/>
+                      </a:solidFill>
+                      <a:prstDash val="solid"/>
+                      <a:round/>
+                      <a:headEnd type="none" w="med" len="med"/>
+                      <a:tailEnd type="none" w="med" len="med"/>
+                    </a:lnB>
+                    <a:noFill/>
+                  </a:tcPr>
+                </a:tc>
+                <a:tc>
+                  <a:txBody>
+                    <a:bodyPr/>
+                    <a:lstStyle/>
+                    <a:p>
+                      <a:pPr algn="ctr" latinLnBrk="1"/>
+                      <a:r>
+                        <a:rPr lang="ko-KR" altLang="en-US" sz="1000" b="0" dirty="0">
+                          <a:solidFill>
+                            <a:schemeClr val="tx1"/>
+                          </a:solidFill>
+                        </a:rPr>
+                        <a:t>강한 바람이 몸을 감싸다가 일순간에 고요해 지고 </a:t>
+                      </a:r>
+                      <a:endParaRPr lang="en-US" altLang="ko-KR" sz="1000" b="0" dirty="0">
+                        <a:solidFill>
+                          <a:schemeClr val="tx1"/>
+                        </a:solidFill>
+                      </a:endParaRPr>
+                    </a:p>
+                    <a:p>
+                      <a:pPr algn="ctr" latinLnBrk="1"/>
+                      <a:r>
+                        <a:rPr lang="ko-KR" altLang="en-US" sz="1000" b="0" dirty="0">
+                          <a:solidFill>
+                            <a:schemeClr val="tx1"/>
+                          </a:solidFill>
+                        </a:rPr>
+                        <a:t>몸에서 기운이 흘러나온다</a:t>
+                      </a:r>
+                      <a:r>
+                        <a:rPr lang="en-US" altLang="ko-KR" sz="1000" b="0" dirty="0">
+                          <a:solidFill>
+                            <a:schemeClr val="tx1"/>
+                          </a:solidFill>
+                        </a:rPr>
+                        <a:t>.</a:t>
+                      </a:r>
+                      <a:endParaRPr lang="ko-KR" altLang="en-US" sz="1000" b="0" dirty="0">
+                        <a:solidFill>
+                          <a:schemeClr val="tx1"/>
+                        </a:solidFill>
+                      </a:endParaRPr>
+                    </a:p>
+                  </a:txBody>
+                  <a:tcPr anchor="ctr">
+                    <a:lnL w="12700" cap="flat" cmpd="sng" algn="ctr">
+                      <a:solidFill>
+                        <a:schemeClr val="tx1"/>
+                      </a:solidFill>
+                      <a:prstDash val="solid"/>
+                      <a:round/>
+                      <a:headEnd type="none" w="med" len="med"/>
+                      <a:tailEnd type="none" w="med" len="med"/>
+                    </a:lnL>
+                    <a:lnR w="12700" cap="flat" cmpd="sng" algn="ctr">
+                      <a:solidFill>
+                        <a:schemeClr val="tx1"/>
+                      </a:solidFill>
+                      <a:prstDash val="solid"/>
+                      <a:round/>
+                      <a:headEnd type="none" w="med" len="med"/>
+                      <a:tailEnd type="none" w="med" len="med"/>
+                    </a:lnR>
+                    <a:lnT w="12700" cap="flat" cmpd="sng" algn="ctr">
+                      <a:solidFill>
+                        <a:schemeClr val="tx1"/>
+                      </a:solidFill>
+                      <a:prstDash val="solid"/>
+                      <a:round/>
+                      <a:headEnd type="none" w="med" len="med"/>
+                      <a:tailEnd type="none" w="med" len="med"/>
+                    </a:lnT>
+                    <a:lnB w="12700" cap="flat" cmpd="sng" algn="ctr">
+                      <a:solidFill>
+                        <a:schemeClr val="tx1"/>
+                      </a:solidFill>
+                      <a:prstDash val="solid"/>
+                      <a:round/>
+                      <a:headEnd type="none" w="med" len="med"/>
+                      <a:tailEnd type="none" w="med" len="med"/>
+                    </a:lnB>
+                    <a:noFill/>
+                  </a:tcPr>
+                </a:tc>
+                <a:extLst>
+                  <a:ext uri="{0D108BD9-81ED-4DB2-BD59-A6C34878D82A}">
+                    <a16:rowId xmlns:a16="http://schemas.microsoft.com/office/drawing/2014/main" val="4137334100"/>
+                  </a:ext>
+                </a:extLst>
+              </a:tr>
+            </a:tbl>
+          </a:graphicData>
+        </a:graphic>
+      </p:graphicFrame>
+    </p:spTree>
+    <p:extLst>
+      <p:ext uri="{BB962C8B-B14F-4D97-AF65-F5344CB8AC3E}">
+        <p14:creationId xmlns:p14="http://schemas.microsoft.com/office/powerpoint/2010/main" val="3798790986"/>
+      </p:ext>
+    </p:extLst>
+  </p:cSld>
+  <p:clrMapOvr>
+    <a:masterClrMapping/>
+  </p:clrMapOvr>
+</p:sld>
+</file>
+
+<file path=ppt/slides/slide9.xml><?xml version="1.0" encoding="utf-8"?>
+<p:sld xmlns:a="http://schemas.openxmlformats.org/drawingml/2006/main" xmlns:r="http://schemas.openxmlformats.org/officeDocument/2006/relationships" xmlns:p="http://schemas.openxmlformats.org/presentationml/2006/main">
+  <p:cSld>
+    <p:spTree>
+      <p:nvGrpSpPr>
+        <p:cNvPr id="1" name=""/>
+        <p:cNvGrpSpPr/>
+        <p:nvPr/>
+      </p:nvGrpSpPr>
+      <p:grpSpPr>
+        <a:xfrm>
+          <a:off x="0" y="0"/>
+          <a:ext cx="0" cy="0"/>
+          <a:chOff x="0" y="0"/>
+          <a:chExt cx="0" cy="0"/>
+        </a:xfrm>
+      </p:grpSpPr>
+      <p:sp>
+        <p:nvSpPr>
+          <p:cNvPr id="15" name="제목 1">
+            <a:extLst>
+              <a:ext uri="{FF2B5EF4-FFF2-40B4-BE49-F238E27FC236}">
+                <a16:creationId xmlns:a16="http://schemas.microsoft.com/office/drawing/2014/main" id="{D6934511-6C2D-4418-82E4-20F329A1F4E1}"/>
+              </a:ext>
+            </a:extLst>
+          </p:cNvPr>
+          <p:cNvSpPr txBox="1">
+            <a:spLocks/>
+          </p:cNvSpPr>
+          <p:nvPr/>
+        </p:nvSpPr>
+        <p:spPr>
+          <a:xfrm>
+            <a:off x="695325" y="291904"/>
+            <a:ext cx="10801350" cy="861646"/>
+          </a:xfrm>
+          <a:prstGeom prst="rect">
+            <a:avLst/>
+          </a:prstGeom>
+        </p:spPr>
+        <p:txBody>
+          <a:bodyPr vert="horz" lIns="91440" tIns="45720" rIns="91440" bIns="45720" rtlCol="0" anchor="ctr">
+            <a:normAutofit/>
+          </a:bodyPr>
+          <a:lstStyle>
+            <a:lvl1pPr algn="l" defTabSz="914400" rtl="0" eaLnBrk="1" latinLnBrk="1" hangingPunct="1">
+              <a:lnSpc>
+                <a:spcPct val="90000"/>
+              </a:lnSpc>
+              <a:spcBef>
+                <a:spcPct val="0"/>
+              </a:spcBef>
+              <a:buNone/>
+              <a:defRPr sz="4400" kern="1200">
+                <a:solidFill>
+                  <a:schemeClr val="tx1"/>
+                </a:solidFill>
+                <a:latin typeface="+mj-lt"/>
+                <a:ea typeface="+mj-ea"/>
+                <a:cs typeface="+mj-cs"/>
+              </a:defRPr>
+            </a:lvl1pPr>
+          </a:lstStyle>
+          <a:p>
+            <a:r>
+              <a:rPr lang="ko-KR" altLang="en-US" dirty="0"/>
+              <a:t>레벨 달성 보상</a:t>
+            </a:r>
+            <a:endParaRPr lang="en-US" altLang="ko-KR" dirty="0"/>
+          </a:p>
+        </p:txBody>
+      </p:sp>
+      <p:graphicFrame>
+        <p:nvGraphicFramePr>
+          <p:cNvPr id="4" name="표 2">
+            <a:extLst>
+              <a:ext uri="{FF2B5EF4-FFF2-40B4-BE49-F238E27FC236}">
+                <a16:creationId xmlns:a16="http://schemas.microsoft.com/office/drawing/2014/main" id="{FC9B1E39-5445-4A05-9568-C4D9FB970FD2}"/>
+              </a:ext>
+            </a:extLst>
+          </p:cNvPr>
+          <p:cNvGraphicFramePr>
+            <a:graphicFrameLocks noGrp="1"/>
+          </p:cNvGraphicFramePr>
+          <p:nvPr>
+            <p:extLst>
+              <p:ext uri="{D42A27DB-BD31-4B8C-83A1-F6EECF244321}">
+                <p14:modId xmlns:p14="http://schemas.microsoft.com/office/powerpoint/2010/main" val="2154225270"/>
+              </p:ext>
+            </p:extLst>
+          </p:nvPr>
+        </p:nvGraphicFramePr>
+        <p:xfrm>
+          <a:off x="3103685" y="1292663"/>
+          <a:ext cx="5984629" cy="2438400"/>
+        </p:xfrm>
+        <a:graphic>
+          <a:graphicData uri="http://schemas.openxmlformats.org/drawingml/2006/table">
+            <a:tbl>
+              <a:tblPr firstRow="1" bandRow="1">
+                <a:tableStyleId>{5C22544A-7EE6-4342-B048-85BDC9FD1C3A}</a:tableStyleId>
+              </a:tblPr>
+              <a:tblGrid>
+                <a:gridCol w="1473740">
+                  <a:extLst>
+                    <a:ext uri="{9D8B030D-6E8A-4147-A177-3AD203B41FA5}">
+                      <a16:colId xmlns:a16="http://schemas.microsoft.com/office/drawing/2014/main" val="2450210185"/>
+                    </a:ext>
+                  </a:extLst>
+                </a:gridCol>
+                <a:gridCol w="1097785">
+                  <a:extLst>
+                    <a:ext uri="{9D8B030D-6E8A-4147-A177-3AD203B41FA5}">
+                      <a16:colId xmlns:a16="http://schemas.microsoft.com/office/drawing/2014/main" val="3213500976"/>
+                    </a:ext>
+                  </a:extLst>
+                </a:gridCol>
+                <a:gridCol w="1217534">
                   <a:extLst>
                     <a:ext uri="{9D8B030D-6E8A-4147-A177-3AD203B41FA5}">
                       <a16:colId xmlns:a16="http://schemas.microsoft.com/office/drawing/2014/main" val="2770815026"/>
                     </a:ext>
                   </a:extLst>
                 </a:gridCol>
-                <a:gridCol w="625792">
+                <a:gridCol w="1097785">
                   <a:extLst>
                     <a:ext uri="{9D8B030D-6E8A-4147-A177-3AD203B41FA5}">
                       <a16:colId xmlns:a16="http://schemas.microsoft.com/office/drawing/2014/main" val="134970193"/>
                     </a:ext>
                   </a:extLst>
                 </a:gridCol>
-                <a:gridCol w="625792">
+                <a:gridCol w="1097785">
                   <a:extLst>
                     <a:ext uri="{9D8B030D-6E8A-4147-A177-3AD203B41FA5}">
                       <a16:colId xmlns:a16="http://schemas.microsoft.com/office/drawing/2014/main" val="3355405314"/>
@@ -13227,10 +15272,10 @@
       </p:graphicFrame>
       <p:graphicFrame>
         <p:nvGraphicFramePr>
-          <p:cNvPr id="17" name="표 2">
+          <p:cNvPr id="5" name="표 2">
             <a:extLst>
               <a:ext uri="{FF2B5EF4-FFF2-40B4-BE49-F238E27FC236}">
-                <a16:creationId xmlns:a16="http://schemas.microsoft.com/office/drawing/2014/main" id="{CCE928DC-A29B-45CC-814D-692141E8743B}"/>
+                <a16:creationId xmlns:a16="http://schemas.microsoft.com/office/drawing/2014/main" id="{781DEED6-E20A-4B96-9839-7BBD37013941}"/>
               </a:ext>
             </a:extLst>
           </p:cNvPr>
@@ -13240,14 +15285,14 @@
           <p:nvPr>
             <p:extLst>
               <p:ext uri="{D42A27DB-BD31-4B8C-83A1-F6EECF244321}">
-                <p14:modId xmlns:p14="http://schemas.microsoft.com/office/powerpoint/2010/main" val="3264889655"/>
+                <p14:modId xmlns:p14="http://schemas.microsoft.com/office/powerpoint/2010/main" val="197174853"/>
               </p:ext>
             </p:extLst>
           </p:nvPr>
         </p:nvGraphicFramePr>
         <p:xfrm>
-          <a:off x="4219024" y="3772096"/>
-          <a:ext cx="2921000" cy="2438397"/>
+          <a:off x="3103685" y="3870176"/>
+          <a:ext cx="5984629" cy="2438397"/>
         </p:xfrm>
         <a:graphic>
           <a:graphicData uri="http://schemas.openxmlformats.org/drawingml/2006/table">
@@ -13256,35 +15301,35 @@
                 <a:tableStyleId>{5C22544A-7EE6-4342-B048-85BDC9FD1C3A}</a:tableStyleId>
               </a:tblPr>
               <a:tblGrid>
-                <a:gridCol w="487680">
+                <a:gridCol w="999173">
                   <a:extLst>
                     <a:ext uri="{9D8B030D-6E8A-4147-A177-3AD203B41FA5}">
                       <a16:colId xmlns:a16="http://schemas.microsoft.com/office/drawing/2014/main" val="2450210185"/>
                     </a:ext>
                   </a:extLst>
                 </a:gridCol>
-                <a:gridCol w="608330">
+                <a:gridCol w="1246364">
                   <a:extLst>
                     <a:ext uri="{9D8B030D-6E8A-4147-A177-3AD203B41FA5}">
                       <a16:colId xmlns:a16="http://schemas.microsoft.com/office/drawing/2014/main" val="3213500976"/>
                     </a:ext>
                   </a:extLst>
                 </a:gridCol>
-                <a:gridCol w="608330">
+                <a:gridCol w="1246364">
                   <a:extLst>
                     <a:ext uri="{9D8B030D-6E8A-4147-A177-3AD203B41FA5}">
                       <a16:colId xmlns:a16="http://schemas.microsoft.com/office/drawing/2014/main" val="2770815026"/>
                     </a:ext>
                   </a:extLst>
                 </a:gridCol>
-                <a:gridCol w="608330">
+                <a:gridCol w="1246364">
                   <a:extLst>
                     <a:ext uri="{9D8B030D-6E8A-4147-A177-3AD203B41FA5}">
                       <a16:colId xmlns:a16="http://schemas.microsoft.com/office/drawing/2014/main" val="134970193"/>
                     </a:ext>
                   </a:extLst>
                 </a:gridCol>
-                <a:gridCol w="608330">
+                <a:gridCol w="1246364">
                   <a:extLst>
                     <a:ext uri="{9D8B030D-6E8A-4147-A177-3AD203B41FA5}">
                       <a16:colId xmlns:a16="http://schemas.microsoft.com/office/drawing/2014/main" val="3355405314"/>
@@ -16486,2175 +18531,10 @@
           </a:graphicData>
         </a:graphic>
       </p:graphicFrame>
-      <p:graphicFrame>
-        <p:nvGraphicFramePr>
-          <p:cNvPr id="18" name="표 2">
-            <a:extLst>
-              <a:ext uri="{FF2B5EF4-FFF2-40B4-BE49-F238E27FC236}">
-                <a16:creationId xmlns:a16="http://schemas.microsoft.com/office/drawing/2014/main" id="{5F6ABF08-8F91-4840-944D-C8C1461275A3}"/>
-              </a:ext>
-            </a:extLst>
-          </p:cNvPr>
-          <p:cNvGraphicFramePr>
-            <a:graphicFrameLocks noGrp="1"/>
-          </p:cNvGraphicFramePr>
-          <p:nvPr/>
-        </p:nvGraphicFramePr>
-        <p:xfrm>
-          <a:off x="7244254" y="3772093"/>
-          <a:ext cx="4252421" cy="2438398"/>
-        </p:xfrm>
-        <a:graphic>
-          <a:graphicData uri="http://schemas.openxmlformats.org/drawingml/2006/table">
-            <a:tbl>
-              <a:tblPr firstRow="1" bandRow="1">
-                <a:tableStyleId>{5C22544A-7EE6-4342-B048-85BDC9FD1C3A}</a:tableStyleId>
-              </a:tblPr>
-              <a:tblGrid>
-                <a:gridCol w="484425">
-                  <a:extLst>
-                    <a:ext uri="{9D8B030D-6E8A-4147-A177-3AD203B41FA5}">
-                      <a16:colId xmlns:a16="http://schemas.microsoft.com/office/drawing/2014/main" val="2450210185"/>
-                    </a:ext>
-                  </a:extLst>
-                </a:gridCol>
-                <a:gridCol w="3767996">
-                  <a:extLst>
-                    <a:ext uri="{9D8B030D-6E8A-4147-A177-3AD203B41FA5}">
-                      <a16:colId xmlns:a16="http://schemas.microsoft.com/office/drawing/2014/main" val="3213500976"/>
-                    </a:ext>
-                  </a:extLst>
-                </a:gridCol>
-              </a:tblGrid>
-              <a:tr h="253340">
-                <a:tc gridSpan="2">
-                  <a:txBody>
-                    <a:bodyPr/>
-                    <a:lstStyle/>
-                    <a:p>
-                      <a:pPr algn="ctr" latinLnBrk="1"/>
-                      <a:r>
-                        <a:rPr lang="ko-KR" altLang="en-US" sz="1000" b="0" dirty="0">
-                          <a:solidFill>
-                            <a:schemeClr val="tx1"/>
-                          </a:solidFill>
-                        </a:rPr>
-                        <a:t>레벨 업 연출</a:t>
-                      </a:r>
-                    </a:p>
-                  </a:txBody>
-                  <a:tcPr>
-                    <a:lnL w="12700" cap="flat" cmpd="sng" algn="ctr">
-                      <a:solidFill>
-                        <a:schemeClr val="tx1"/>
-                      </a:solidFill>
-                      <a:prstDash val="solid"/>
-                      <a:round/>
-                      <a:headEnd type="none" w="med" len="med"/>
-                      <a:tailEnd type="none" w="med" len="med"/>
-                    </a:lnL>
-                    <a:lnR w="12700" cap="flat" cmpd="sng" algn="ctr">
-                      <a:solidFill>
-                        <a:schemeClr val="tx1"/>
-                      </a:solidFill>
-                      <a:prstDash val="solid"/>
-                      <a:round/>
-                      <a:headEnd type="none" w="med" len="med"/>
-                      <a:tailEnd type="none" w="med" len="med"/>
-                    </a:lnR>
-                    <a:lnT w="12700" cap="flat" cmpd="sng" algn="ctr">
-                      <a:solidFill>
-                        <a:schemeClr val="tx1"/>
-                      </a:solidFill>
-                      <a:prstDash val="solid"/>
-                      <a:round/>
-                      <a:headEnd type="none" w="med" len="med"/>
-                      <a:tailEnd type="none" w="med" len="med"/>
-                    </a:lnT>
-                    <a:lnB w="12700" cap="flat" cmpd="sng" algn="ctr">
-                      <a:solidFill>
-                        <a:schemeClr val="tx1"/>
-                      </a:solidFill>
-                      <a:prstDash val="solid"/>
-                      <a:round/>
-                      <a:headEnd type="none" w="med" len="med"/>
-                      <a:tailEnd type="none" w="med" len="med"/>
-                    </a:lnB>
-                    <a:noFill/>
-                  </a:tcPr>
-                </a:tc>
-                <a:tc hMerge="1">
-                  <a:txBody>
-                    <a:bodyPr/>
-                    <a:lstStyle/>
-                    <a:p>
-                      <a:pPr latinLnBrk="1"/>
-                      <a:endParaRPr lang="ko-KR" altLang="en-US" dirty="0"/>
-                    </a:p>
-                  </a:txBody>
-                  <a:tcPr/>
-                </a:tc>
-                <a:extLst>
-                  <a:ext uri="{0D108BD9-81ED-4DB2-BD59-A6C34878D82A}">
-                    <a16:rowId xmlns:a16="http://schemas.microsoft.com/office/drawing/2014/main" val="1098909244"/>
-                  </a:ext>
-                </a:extLst>
-              </a:tr>
-              <a:tr h="253340">
-                <a:tc>
-                  <a:txBody>
-                    <a:bodyPr/>
-                    <a:lstStyle/>
-                    <a:p>
-                      <a:pPr algn="ctr" latinLnBrk="1"/>
-                      <a:r>
-                        <a:rPr lang="ko-KR" altLang="en-US" sz="1000" b="0" dirty="0">
-                          <a:solidFill>
-                            <a:schemeClr val="tx1"/>
-                          </a:solidFill>
-                        </a:rPr>
-                        <a:t>레벨</a:t>
-                      </a:r>
-                    </a:p>
-                  </a:txBody>
-                  <a:tcPr anchor="ctr">
-                    <a:lnL w="12700" cap="flat" cmpd="sng" algn="ctr">
-                      <a:solidFill>
-                        <a:schemeClr val="tx1"/>
-                      </a:solidFill>
-                      <a:prstDash val="solid"/>
-                      <a:round/>
-                      <a:headEnd type="none" w="med" len="med"/>
-                      <a:tailEnd type="none" w="med" len="med"/>
-                    </a:lnL>
-                    <a:lnR w="12700" cap="flat" cmpd="sng" algn="ctr">
-                      <a:solidFill>
-                        <a:schemeClr val="tx1"/>
-                      </a:solidFill>
-                      <a:prstDash val="solid"/>
-                      <a:round/>
-                      <a:headEnd type="none" w="med" len="med"/>
-                      <a:tailEnd type="none" w="med" len="med"/>
-                    </a:lnR>
-                    <a:lnT w="12700" cap="flat" cmpd="sng" algn="ctr">
-                      <a:solidFill>
-                        <a:schemeClr val="tx1"/>
-                      </a:solidFill>
-                      <a:prstDash val="solid"/>
-                      <a:round/>
-                      <a:headEnd type="none" w="med" len="med"/>
-                      <a:tailEnd type="none" w="med" len="med"/>
-                    </a:lnT>
-                    <a:lnB w="12700" cap="flat" cmpd="sng" algn="ctr">
-                      <a:solidFill>
-                        <a:schemeClr val="tx1"/>
-                      </a:solidFill>
-                      <a:prstDash val="solid"/>
-                      <a:round/>
-                      <a:headEnd type="none" w="med" len="med"/>
-                      <a:tailEnd type="none" w="med" len="med"/>
-                    </a:lnB>
-                    <a:noFill/>
-                  </a:tcPr>
-                </a:tc>
-                <a:tc>
-                  <a:txBody>
-                    <a:bodyPr/>
-                    <a:lstStyle/>
-                    <a:p>
-                      <a:pPr algn="ctr" latinLnBrk="1"/>
-                      <a:r>
-                        <a:rPr lang="ko-KR" altLang="en-US" sz="1000" b="0" dirty="0">
-                          <a:solidFill>
-                            <a:schemeClr val="tx1"/>
-                          </a:solidFill>
-                        </a:rPr>
-                        <a:t>연출</a:t>
-                      </a:r>
-                    </a:p>
-                  </a:txBody>
-                  <a:tcPr anchor="ctr">
-                    <a:lnL w="12700" cap="flat" cmpd="sng" algn="ctr">
-                      <a:solidFill>
-                        <a:schemeClr val="tx1"/>
-                      </a:solidFill>
-                      <a:prstDash val="solid"/>
-                      <a:round/>
-                      <a:headEnd type="none" w="med" len="med"/>
-                      <a:tailEnd type="none" w="med" len="med"/>
-                    </a:lnL>
-                    <a:lnR w="12700" cap="flat" cmpd="sng" algn="ctr">
-                      <a:solidFill>
-                        <a:schemeClr val="tx1"/>
-                      </a:solidFill>
-                      <a:prstDash val="solid"/>
-                      <a:round/>
-                      <a:headEnd type="none" w="med" len="med"/>
-                      <a:tailEnd type="none" w="med" len="med"/>
-                    </a:lnR>
-                    <a:lnT w="12700" cap="flat" cmpd="sng" algn="ctr">
-                      <a:solidFill>
-                        <a:schemeClr val="tx1"/>
-                      </a:solidFill>
-                      <a:prstDash val="solid"/>
-                      <a:round/>
-                      <a:headEnd type="none" w="med" len="med"/>
-                      <a:tailEnd type="none" w="med" len="med"/>
-                    </a:lnT>
-                    <a:lnB w="12700" cap="flat" cmpd="sng" algn="ctr">
-                      <a:solidFill>
-                        <a:schemeClr val="tx1"/>
-                      </a:solidFill>
-                      <a:prstDash val="solid"/>
-                      <a:round/>
-                      <a:headEnd type="none" w="med" len="med"/>
-                      <a:tailEnd type="none" w="med" len="med"/>
-                    </a:lnB>
-                    <a:noFill/>
-                  </a:tcPr>
-                </a:tc>
-                <a:extLst>
-                  <a:ext uri="{0D108BD9-81ED-4DB2-BD59-A6C34878D82A}">
-                    <a16:rowId xmlns:a16="http://schemas.microsoft.com/office/drawing/2014/main" val="3940602987"/>
-                  </a:ext>
-                </a:extLst>
-              </a:tr>
-              <a:tr h="253340">
-                <a:tc>
-                  <a:txBody>
-                    <a:bodyPr/>
-                    <a:lstStyle/>
-                    <a:p>
-                      <a:pPr algn="ctr" latinLnBrk="1"/>
-                      <a:r>
-                        <a:rPr lang="en-US" altLang="ko-KR" sz="1000" b="0" dirty="0">
-                          <a:solidFill>
-                            <a:schemeClr val="tx1"/>
-                          </a:solidFill>
-                        </a:rPr>
-                        <a:t>1</a:t>
-                      </a:r>
-                      <a:r>
-                        <a:rPr kumimoji="0" lang="ko-KR" altLang="en-US" sz="1000" b="0" i="0" u="none" strike="noStrike" kern="1200" cap="none" spc="0" normalizeH="0" baseline="0" noProof="0" dirty="0">
-                          <a:ln>
-                            <a:noFill/>
-                          </a:ln>
-                          <a:solidFill>
-                            <a:schemeClr val="tx1"/>
-                          </a:solidFill>
-                          <a:effectLst/>
-                          <a:uLnTx/>
-                          <a:uFillTx/>
-                          <a:latin typeface="+mn-lt"/>
-                          <a:ea typeface="+mn-ea"/>
-                          <a:cs typeface="+mn-cs"/>
-                        </a:rPr>
-                        <a:t>→</a:t>
-                      </a:r>
-                      <a:r>
-                        <a:rPr kumimoji="0" lang="en-US" altLang="ko-KR" sz="1000" b="0" i="0" u="none" strike="noStrike" kern="1200" cap="none" spc="0" normalizeH="0" baseline="0" noProof="0" dirty="0">
-                          <a:ln>
-                            <a:noFill/>
-                          </a:ln>
-                          <a:solidFill>
-                            <a:schemeClr val="tx1"/>
-                          </a:solidFill>
-                          <a:effectLst/>
-                          <a:uLnTx/>
-                          <a:uFillTx/>
-                          <a:latin typeface="+mn-lt"/>
-                          <a:ea typeface="+mn-ea"/>
-                          <a:cs typeface="+mn-cs"/>
-                        </a:rPr>
-                        <a:t>2</a:t>
-                      </a:r>
-                      <a:endParaRPr lang="ko-KR" altLang="en-US" sz="1000" b="0" dirty="0">
-                        <a:solidFill>
-                          <a:schemeClr val="tx1"/>
-                        </a:solidFill>
-                      </a:endParaRPr>
-                    </a:p>
-                  </a:txBody>
-                  <a:tcPr anchor="ctr">
-                    <a:lnL w="12700" cap="flat" cmpd="sng" algn="ctr">
-                      <a:solidFill>
-                        <a:schemeClr val="tx1"/>
-                      </a:solidFill>
-                      <a:prstDash val="solid"/>
-                      <a:round/>
-                      <a:headEnd type="none" w="med" len="med"/>
-                      <a:tailEnd type="none" w="med" len="med"/>
-                    </a:lnL>
-                    <a:lnR w="12700" cap="flat" cmpd="sng" algn="ctr">
-                      <a:solidFill>
-                        <a:schemeClr val="tx1"/>
-                      </a:solidFill>
-                      <a:prstDash val="solid"/>
-                      <a:round/>
-                      <a:headEnd type="none" w="med" len="med"/>
-                      <a:tailEnd type="none" w="med" len="med"/>
-                    </a:lnR>
-                    <a:lnT w="12700" cap="flat" cmpd="sng" algn="ctr">
-                      <a:solidFill>
-                        <a:schemeClr val="tx1"/>
-                      </a:solidFill>
-                      <a:prstDash val="solid"/>
-                      <a:round/>
-                      <a:headEnd type="none" w="med" len="med"/>
-                      <a:tailEnd type="none" w="med" len="med"/>
-                    </a:lnT>
-                    <a:lnB w="12700" cap="flat" cmpd="sng" algn="ctr">
-                      <a:solidFill>
-                        <a:schemeClr val="tx1"/>
-                      </a:solidFill>
-                      <a:prstDash val="solid"/>
-                      <a:round/>
-                      <a:headEnd type="none" w="med" len="med"/>
-                      <a:tailEnd type="none" w="med" len="med"/>
-                    </a:lnB>
-                    <a:noFill/>
-                  </a:tcPr>
-                </a:tc>
-                <a:tc rowSpan="3">
-                  <a:txBody>
-                    <a:bodyPr/>
-                    <a:lstStyle/>
-                    <a:p>
-                      <a:pPr algn="ctr" latinLnBrk="1"/>
-                      <a:r>
-                        <a:rPr lang="ko-KR" altLang="en-US" sz="1000" b="0" dirty="0">
-                          <a:solidFill>
-                            <a:schemeClr val="tx1"/>
-                          </a:solidFill>
-                        </a:rPr>
-                        <a:t>가볍게 바람이 모이다가 사라진다</a:t>
-                      </a:r>
-                      <a:r>
-                        <a:rPr lang="en-US" altLang="ko-KR" sz="1000" b="0" dirty="0">
-                          <a:solidFill>
-                            <a:schemeClr val="tx1"/>
-                          </a:solidFill>
-                        </a:rPr>
-                        <a:t>.</a:t>
-                      </a:r>
-                      <a:endParaRPr lang="ko-KR" altLang="en-US" sz="1000" b="0" dirty="0">
-                        <a:solidFill>
-                          <a:schemeClr val="tx1"/>
-                        </a:solidFill>
-                      </a:endParaRPr>
-                    </a:p>
-                  </a:txBody>
-                  <a:tcPr anchor="ctr">
-                    <a:lnL w="12700" cap="flat" cmpd="sng" algn="ctr">
-                      <a:solidFill>
-                        <a:schemeClr val="tx1"/>
-                      </a:solidFill>
-                      <a:prstDash val="solid"/>
-                      <a:round/>
-                      <a:headEnd type="none" w="med" len="med"/>
-                      <a:tailEnd type="none" w="med" len="med"/>
-                    </a:lnL>
-                    <a:lnR w="12700" cap="flat" cmpd="sng" algn="ctr">
-                      <a:solidFill>
-                        <a:schemeClr val="tx1"/>
-                      </a:solidFill>
-                      <a:prstDash val="solid"/>
-                      <a:round/>
-                      <a:headEnd type="none" w="med" len="med"/>
-                      <a:tailEnd type="none" w="med" len="med"/>
-                    </a:lnR>
-                    <a:lnT w="12700" cap="flat" cmpd="sng" algn="ctr">
-                      <a:solidFill>
-                        <a:schemeClr val="tx1"/>
-                      </a:solidFill>
-                      <a:prstDash val="solid"/>
-                      <a:round/>
-                      <a:headEnd type="none" w="med" len="med"/>
-                      <a:tailEnd type="none" w="med" len="med"/>
-                    </a:lnT>
-                    <a:lnB w="12700" cap="flat" cmpd="sng" algn="ctr">
-                      <a:solidFill>
-                        <a:schemeClr val="tx1"/>
-                      </a:solidFill>
-                      <a:prstDash val="solid"/>
-                      <a:round/>
-                      <a:headEnd type="none" w="med" len="med"/>
-                      <a:tailEnd type="none" w="med" len="med"/>
-                    </a:lnB>
-                    <a:noFill/>
-                  </a:tcPr>
-                </a:tc>
-                <a:extLst>
-                  <a:ext uri="{0D108BD9-81ED-4DB2-BD59-A6C34878D82A}">
-                    <a16:rowId xmlns:a16="http://schemas.microsoft.com/office/drawing/2014/main" val="4158631892"/>
-                  </a:ext>
-                </a:extLst>
-              </a:tr>
-              <a:tr h="253340">
-                <a:tc>
-                  <a:txBody>
-                    <a:bodyPr/>
-                    <a:lstStyle/>
-                    <a:p>
-                      <a:pPr algn="ctr" latinLnBrk="1"/>
-                      <a:r>
-                        <a:rPr lang="en-US" altLang="ko-KR" sz="1000" b="0" dirty="0">
-                          <a:solidFill>
-                            <a:schemeClr val="tx1"/>
-                          </a:solidFill>
-                        </a:rPr>
-                        <a:t>2</a:t>
-                      </a:r>
-                      <a:r>
-                        <a:rPr kumimoji="0" lang="ko-KR" altLang="en-US" sz="1000" b="0" i="0" u="none" strike="noStrike" kern="1200" cap="none" spc="0" normalizeH="0" baseline="0" noProof="0" dirty="0">
-                          <a:ln>
-                            <a:noFill/>
-                          </a:ln>
-                          <a:solidFill>
-                            <a:schemeClr val="tx1"/>
-                          </a:solidFill>
-                          <a:effectLst/>
-                          <a:uLnTx/>
-                          <a:uFillTx/>
-                          <a:latin typeface="+mn-lt"/>
-                          <a:ea typeface="+mn-ea"/>
-                          <a:cs typeface="+mn-cs"/>
-                        </a:rPr>
-                        <a:t>→</a:t>
-                      </a:r>
-                      <a:r>
-                        <a:rPr kumimoji="0" lang="en-US" altLang="ko-KR" sz="1000" b="0" i="0" u="none" strike="noStrike" kern="1200" cap="none" spc="0" normalizeH="0" baseline="0" noProof="0" dirty="0">
-                          <a:ln>
-                            <a:noFill/>
-                          </a:ln>
-                          <a:solidFill>
-                            <a:schemeClr val="tx1"/>
-                          </a:solidFill>
-                          <a:effectLst/>
-                          <a:uLnTx/>
-                          <a:uFillTx/>
-                          <a:latin typeface="+mn-lt"/>
-                          <a:ea typeface="+mn-ea"/>
-                          <a:cs typeface="+mn-cs"/>
-                        </a:rPr>
-                        <a:t>3</a:t>
-                      </a:r>
-                      <a:endParaRPr lang="ko-KR" altLang="en-US" sz="1000" b="0" dirty="0">
-                        <a:solidFill>
-                          <a:schemeClr val="tx1"/>
-                        </a:solidFill>
-                      </a:endParaRPr>
-                    </a:p>
-                  </a:txBody>
-                  <a:tcPr anchor="ctr">
-                    <a:lnL w="12700" cap="flat" cmpd="sng" algn="ctr">
-                      <a:solidFill>
-                        <a:schemeClr val="tx1"/>
-                      </a:solidFill>
-                      <a:prstDash val="solid"/>
-                      <a:round/>
-                      <a:headEnd type="none" w="med" len="med"/>
-                      <a:tailEnd type="none" w="med" len="med"/>
-                    </a:lnL>
-                    <a:lnR w="12700" cap="flat" cmpd="sng" algn="ctr">
-                      <a:solidFill>
-                        <a:schemeClr val="tx1"/>
-                      </a:solidFill>
-                      <a:prstDash val="solid"/>
-                      <a:round/>
-                      <a:headEnd type="none" w="med" len="med"/>
-                      <a:tailEnd type="none" w="med" len="med"/>
-                    </a:lnR>
-                    <a:lnT w="12700" cap="flat" cmpd="sng" algn="ctr">
-                      <a:solidFill>
-                        <a:schemeClr val="tx1"/>
-                      </a:solidFill>
-                      <a:prstDash val="solid"/>
-                      <a:round/>
-                      <a:headEnd type="none" w="med" len="med"/>
-                      <a:tailEnd type="none" w="med" len="med"/>
-                    </a:lnT>
-                    <a:lnB w="12700" cap="flat" cmpd="sng" algn="ctr">
-                      <a:solidFill>
-                        <a:schemeClr val="tx1"/>
-                      </a:solidFill>
-                      <a:prstDash val="solid"/>
-                      <a:round/>
-                      <a:headEnd type="none" w="med" len="med"/>
-                      <a:tailEnd type="none" w="med" len="med"/>
-                    </a:lnB>
-                    <a:noFill/>
-                  </a:tcPr>
-                </a:tc>
-                <a:tc vMerge="1">
-                  <a:txBody>
-                    <a:bodyPr/>
-                    <a:lstStyle/>
-                    <a:p>
-                      <a:pPr algn="ctr" latinLnBrk="1"/>
-                      <a:r>
-                        <a:rPr lang="en-US" altLang="ko-KR" sz="1000" b="0" dirty="0">
-                          <a:solidFill>
-                            <a:schemeClr val="tx1"/>
-                          </a:solidFill>
-                        </a:rPr>
-                        <a:t>5</a:t>
-                      </a:r>
-                      <a:endParaRPr lang="ko-KR" altLang="en-US" sz="1000" b="0" dirty="0">
-                        <a:solidFill>
-                          <a:schemeClr val="tx1"/>
-                        </a:solidFill>
-                      </a:endParaRPr>
-                    </a:p>
-                  </a:txBody>
-                  <a:tcPr anchor="ctr">
-                    <a:lnL w="12700" cap="flat" cmpd="sng" algn="ctr">
-                      <a:solidFill>
-                        <a:schemeClr val="tx1"/>
-                      </a:solidFill>
-                      <a:prstDash val="solid"/>
-                      <a:round/>
-                      <a:headEnd type="none" w="med" len="med"/>
-                      <a:tailEnd type="none" w="med" len="med"/>
-                    </a:lnL>
-                    <a:lnR w="12700" cap="flat" cmpd="sng" algn="ctr">
-                      <a:solidFill>
-                        <a:schemeClr val="tx1"/>
-                      </a:solidFill>
-                      <a:prstDash val="solid"/>
-                      <a:round/>
-                      <a:headEnd type="none" w="med" len="med"/>
-                      <a:tailEnd type="none" w="med" len="med"/>
-                    </a:lnR>
-                    <a:lnT w="12700" cap="flat" cmpd="sng" algn="ctr">
-                      <a:solidFill>
-                        <a:schemeClr val="tx1"/>
-                      </a:solidFill>
-                      <a:prstDash val="solid"/>
-                      <a:round/>
-                      <a:headEnd type="none" w="med" len="med"/>
-                      <a:tailEnd type="none" w="med" len="med"/>
-                    </a:lnT>
-                    <a:lnB w="12700" cap="flat" cmpd="sng" algn="ctr">
-                      <a:solidFill>
-                        <a:schemeClr val="tx1"/>
-                      </a:solidFill>
-                      <a:prstDash val="solid"/>
-                      <a:round/>
-                      <a:headEnd type="none" w="med" len="med"/>
-                      <a:tailEnd type="none" w="med" len="med"/>
-                    </a:lnB>
-                    <a:noFill/>
-                  </a:tcPr>
-                </a:tc>
-                <a:extLst>
-                  <a:ext uri="{0D108BD9-81ED-4DB2-BD59-A6C34878D82A}">
-                    <a16:rowId xmlns:a16="http://schemas.microsoft.com/office/drawing/2014/main" val="3449649247"/>
-                  </a:ext>
-                </a:extLst>
-              </a:tr>
-              <a:tr h="253340">
-                <a:tc>
-                  <a:txBody>
-                    <a:bodyPr/>
-                    <a:lstStyle/>
-                    <a:p>
-                      <a:pPr algn="ctr" latinLnBrk="1"/>
-                      <a:r>
-                        <a:rPr lang="en-US" altLang="ko-KR" sz="1000" b="0" dirty="0">
-                          <a:solidFill>
-                            <a:schemeClr val="tx1"/>
-                          </a:solidFill>
-                        </a:rPr>
-                        <a:t>3</a:t>
-                      </a:r>
-                      <a:r>
-                        <a:rPr kumimoji="0" lang="ko-KR" altLang="en-US" sz="1000" b="0" i="0" u="none" strike="noStrike" kern="1200" cap="none" spc="0" normalizeH="0" baseline="0" noProof="0" dirty="0">
-                          <a:ln>
-                            <a:noFill/>
-                          </a:ln>
-                          <a:solidFill>
-                            <a:schemeClr val="tx1"/>
-                          </a:solidFill>
-                          <a:effectLst/>
-                          <a:uLnTx/>
-                          <a:uFillTx/>
-                          <a:latin typeface="+mn-lt"/>
-                          <a:ea typeface="+mn-ea"/>
-                          <a:cs typeface="+mn-cs"/>
-                        </a:rPr>
-                        <a:t>→</a:t>
-                      </a:r>
-                      <a:r>
-                        <a:rPr kumimoji="0" lang="en-US" altLang="ko-KR" sz="1000" b="0" i="0" u="none" strike="noStrike" kern="1200" cap="none" spc="0" normalizeH="0" baseline="0" noProof="0" dirty="0">
-                          <a:ln>
-                            <a:noFill/>
-                          </a:ln>
-                          <a:solidFill>
-                            <a:schemeClr val="tx1"/>
-                          </a:solidFill>
-                          <a:effectLst/>
-                          <a:uLnTx/>
-                          <a:uFillTx/>
-                          <a:latin typeface="+mn-lt"/>
-                          <a:ea typeface="+mn-ea"/>
-                          <a:cs typeface="+mn-cs"/>
-                        </a:rPr>
-                        <a:t>4</a:t>
-                      </a:r>
-                      <a:endParaRPr lang="ko-KR" altLang="en-US" sz="1000" b="0" dirty="0">
-                        <a:solidFill>
-                          <a:schemeClr val="tx1"/>
-                        </a:solidFill>
-                      </a:endParaRPr>
-                    </a:p>
-                  </a:txBody>
-                  <a:tcPr anchor="ctr">
-                    <a:lnL w="12700" cap="flat" cmpd="sng" algn="ctr">
-                      <a:solidFill>
-                        <a:schemeClr val="tx1"/>
-                      </a:solidFill>
-                      <a:prstDash val="solid"/>
-                      <a:round/>
-                      <a:headEnd type="none" w="med" len="med"/>
-                      <a:tailEnd type="none" w="med" len="med"/>
-                    </a:lnL>
-                    <a:lnR w="12700" cap="flat" cmpd="sng" algn="ctr">
-                      <a:solidFill>
-                        <a:schemeClr val="tx1"/>
-                      </a:solidFill>
-                      <a:prstDash val="solid"/>
-                      <a:round/>
-                      <a:headEnd type="none" w="med" len="med"/>
-                      <a:tailEnd type="none" w="med" len="med"/>
-                    </a:lnR>
-                    <a:lnT w="12700" cap="flat" cmpd="sng" algn="ctr">
-                      <a:solidFill>
-                        <a:schemeClr val="tx1"/>
-                      </a:solidFill>
-                      <a:prstDash val="solid"/>
-                      <a:round/>
-                      <a:headEnd type="none" w="med" len="med"/>
-                      <a:tailEnd type="none" w="med" len="med"/>
-                    </a:lnT>
-                    <a:lnB w="12700" cap="flat" cmpd="sng" algn="ctr">
-                      <a:solidFill>
-                        <a:schemeClr val="tx1"/>
-                      </a:solidFill>
-                      <a:prstDash val="solid"/>
-                      <a:round/>
-                      <a:headEnd type="none" w="med" len="med"/>
-                      <a:tailEnd type="none" w="med" len="med"/>
-                    </a:lnB>
-                    <a:noFill/>
-                  </a:tcPr>
-                </a:tc>
-                <a:tc vMerge="1">
-                  <a:txBody>
-                    <a:bodyPr/>
-                    <a:lstStyle/>
-                    <a:p>
-                      <a:pPr algn="ctr" latinLnBrk="1"/>
-                      <a:r>
-                        <a:rPr lang="en-US" altLang="ko-KR" sz="1000" b="0" dirty="0">
-                          <a:solidFill>
-                            <a:schemeClr val="tx1"/>
-                          </a:solidFill>
-                        </a:rPr>
-                        <a:t>5</a:t>
-                      </a:r>
-                      <a:endParaRPr lang="ko-KR" altLang="en-US" sz="1000" b="0" dirty="0">
-                        <a:solidFill>
-                          <a:schemeClr val="tx1"/>
-                        </a:solidFill>
-                      </a:endParaRPr>
-                    </a:p>
-                  </a:txBody>
-                  <a:tcPr anchor="ctr">
-                    <a:lnL w="12700" cap="flat" cmpd="sng" algn="ctr">
-                      <a:solidFill>
-                        <a:schemeClr val="tx1"/>
-                      </a:solidFill>
-                      <a:prstDash val="solid"/>
-                      <a:round/>
-                      <a:headEnd type="none" w="med" len="med"/>
-                      <a:tailEnd type="none" w="med" len="med"/>
-                    </a:lnL>
-                    <a:lnR w="12700" cap="flat" cmpd="sng" algn="ctr">
-                      <a:solidFill>
-                        <a:schemeClr val="tx1"/>
-                      </a:solidFill>
-                      <a:prstDash val="solid"/>
-                      <a:round/>
-                      <a:headEnd type="none" w="med" len="med"/>
-                      <a:tailEnd type="none" w="med" len="med"/>
-                    </a:lnR>
-                    <a:lnT w="12700" cap="flat" cmpd="sng" algn="ctr">
-                      <a:solidFill>
-                        <a:schemeClr val="tx1"/>
-                      </a:solidFill>
-                      <a:prstDash val="solid"/>
-                      <a:round/>
-                      <a:headEnd type="none" w="med" len="med"/>
-                      <a:tailEnd type="none" w="med" len="med"/>
-                    </a:lnT>
-                    <a:lnB w="12700" cap="flat" cmpd="sng" algn="ctr">
-                      <a:solidFill>
-                        <a:schemeClr val="tx1"/>
-                      </a:solidFill>
-                      <a:prstDash val="solid"/>
-                      <a:round/>
-                      <a:headEnd type="none" w="med" len="med"/>
-                      <a:tailEnd type="none" w="med" len="med"/>
-                    </a:lnB>
-                    <a:noFill/>
-                  </a:tcPr>
-                </a:tc>
-                <a:extLst>
-                  <a:ext uri="{0D108BD9-81ED-4DB2-BD59-A6C34878D82A}">
-                    <a16:rowId xmlns:a16="http://schemas.microsoft.com/office/drawing/2014/main" val="1244384396"/>
-                  </a:ext>
-                </a:extLst>
-              </a:tr>
-              <a:tr h="253340">
-                <a:tc>
-                  <a:txBody>
-                    <a:bodyPr/>
-                    <a:lstStyle/>
-                    <a:p>
-                      <a:pPr algn="ctr" latinLnBrk="1"/>
-                      <a:r>
-                        <a:rPr lang="en-US" altLang="ko-KR" sz="1000" b="0" dirty="0">
-                          <a:solidFill>
-                            <a:schemeClr val="tx1"/>
-                          </a:solidFill>
-                        </a:rPr>
-                        <a:t>4</a:t>
-                      </a:r>
-                      <a:r>
-                        <a:rPr kumimoji="0" lang="ko-KR" altLang="en-US" sz="1000" b="0" i="0" u="none" strike="noStrike" kern="1200" cap="none" spc="0" normalizeH="0" baseline="0" noProof="0" dirty="0">
-                          <a:ln>
-                            <a:noFill/>
-                          </a:ln>
-                          <a:solidFill>
-                            <a:schemeClr val="tx1"/>
-                          </a:solidFill>
-                          <a:effectLst/>
-                          <a:uLnTx/>
-                          <a:uFillTx/>
-                          <a:latin typeface="+mn-lt"/>
-                          <a:ea typeface="+mn-ea"/>
-                          <a:cs typeface="+mn-cs"/>
-                        </a:rPr>
-                        <a:t>→</a:t>
-                      </a:r>
-                      <a:r>
-                        <a:rPr kumimoji="0" lang="en-US" altLang="ko-KR" sz="1000" b="0" i="0" u="none" strike="noStrike" kern="1200" cap="none" spc="0" normalizeH="0" baseline="0" noProof="0" dirty="0">
-                          <a:ln>
-                            <a:noFill/>
-                          </a:ln>
-                          <a:solidFill>
-                            <a:schemeClr val="tx1"/>
-                          </a:solidFill>
-                          <a:effectLst/>
-                          <a:uLnTx/>
-                          <a:uFillTx/>
-                          <a:latin typeface="+mn-lt"/>
-                          <a:ea typeface="+mn-ea"/>
-                          <a:cs typeface="+mn-cs"/>
-                        </a:rPr>
-                        <a:t>5</a:t>
-                      </a:r>
-                      <a:endParaRPr lang="ko-KR" altLang="en-US" sz="1000" b="0" dirty="0">
-                        <a:solidFill>
-                          <a:schemeClr val="tx1"/>
-                        </a:solidFill>
-                      </a:endParaRPr>
-                    </a:p>
-                  </a:txBody>
-                  <a:tcPr anchor="ctr">
-                    <a:lnL w="12700" cap="flat" cmpd="sng" algn="ctr">
-                      <a:solidFill>
-                        <a:schemeClr val="tx1"/>
-                      </a:solidFill>
-                      <a:prstDash val="solid"/>
-                      <a:round/>
-                      <a:headEnd type="none" w="med" len="med"/>
-                      <a:tailEnd type="none" w="med" len="med"/>
-                    </a:lnL>
-                    <a:lnR w="12700" cap="flat" cmpd="sng" algn="ctr">
-                      <a:solidFill>
-                        <a:schemeClr val="tx1"/>
-                      </a:solidFill>
-                      <a:prstDash val="solid"/>
-                      <a:round/>
-                      <a:headEnd type="none" w="med" len="med"/>
-                      <a:tailEnd type="none" w="med" len="med"/>
-                    </a:lnR>
-                    <a:lnT w="12700" cap="flat" cmpd="sng" algn="ctr">
-                      <a:solidFill>
-                        <a:schemeClr val="tx1"/>
-                      </a:solidFill>
-                      <a:prstDash val="solid"/>
-                      <a:round/>
-                      <a:headEnd type="none" w="med" len="med"/>
-                      <a:tailEnd type="none" w="med" len="med"/>
-                    </a:lnT>
-                    <a:lnB w="12700" cap="flat" cmpd="sng" algn="ctr">
-                      <a:solidFill>
-                        <a:schemeClr val="tx1"/>
-                      </a:solidFill>
-                      <a:prstDash val="solid"/>
-                      <a:round/>
-                      <a:headEnd type="none" w="med" len="med"/>
-                      <a:tailEnd type="none" w="med" len="med"/>
-                    </a:lnB>
-                    <a:noFill/>
-                  </a:tcPr>
-                </a:tc>
-                <a:tc>
-                  <a:txBody>
-                    <a:bodyPr/>
-                    <a:lstStyle/>
-                    <a:p>
-                      <a:pPr algn="ctr" latinLnBrk="1"/>
-                      <a:r>
-                        <a:rPr lang="ko-KR" altLang="en-US" sz="1000" b="0" dirty="0">
-                          <a:solidFill>
-                            <a:schemeClr val="tx1"/>
-                          </a:solidFill>
-                        </a:rPr>
-                        <a:t>가볍게 바람이 모이다가 퍼져 나간다</a:t>
-                      </a:r>
-                      <a:r>
-                        <a:rPr lang="en-US" altLang="ko-KR" sz="1000" b="0" dirty="0">
-                          <a:solidFill>
-                            <a:schemeClr val="tx1"/>
-                          </a:solidFill>
-                        </a:rPr>
-                        <a:t>.</a:t>
-                      </a:r>
-                      <a:endParaRPr lang="ko-KR" altLang="en-US" sz="1000" b="0" dirty="0">
-                        <a:solidFill>
-                          <a:schemeClr val="tx1"/>
-                        </a:solidFill>
-                      </a:endParaRPr>
-                    </a:p>
-                  </a:txBody>
-                  <a:tcPr anchor="ctr">
-                    <a:lnL w="12700" cap="flat" cmpd="sng" algn="ctr">
-                      <a:solidFill>
-                        <a:schemeClr val="tx1"/>
-                      </a:solidFill>
-                      <a:prstDash val="solid"/>
-                      <a:round/>
-                      <a:headEnd type="none" w="med" len="med"/>
-                      <a:tailEnd type="none" w="med" len="med"/>
-                    </a:lnL>
-                    <a:lnR w="12700" cap="flat" cmpd="sng" algn="ctr">
-                      <a:solidFill>
-                        <a:schemeClr val="tx1"/>
-                      </a:solidFill>
-                      <a:prstDash val="solid"/>
-                      <a:round/>
-                      <a:headEnd type="none" w="med" len="med"/>
-                      <a:tailEnd type="none" w="med" len="med"/>
-                    </a:lnR>
-                    <a:lnT w="12700" cap="flat" cmpd="sng" algn="ctr">
-                      <a:solidFill>
-                        <a:schemeClr val="tx1"/>
-                      </a:solidFill>
-                      <a:prstDash val="solid"/>
-                      <a:round/>
-                      <a:headEnd type="none" w="med" len="med"/>
-                      <a:tailEnd type="none" w="med" len="med"/>
-                    </a:lnT>
-                    <a:lnB w="12700" cap="flat" cmpd="sng" algn="ctr">
-                      <a:solidFill>
-                        <a:schemeClr val="tx1"/>
-                      </a:solidFill>
-                      <a:prstDash val="solid"/>
-                      <a:round/>
-                      <a:headEnd type="none" w="med" len="med"/>
-                      <a:tailEnd type="none" w="med" len="med"/>
-                    </a:lnB>
-                    <a:noFill/>
-                  </a:tcPr>
-                </a:tc>
-                <a:extLst>
-                  <a:ext uri="{0D108BD9-81ED-4DB2-BD59-A6C34878D82A}">
-                    <a16:rowId xmlns:a16="http://schemas.microsoft.com/office/drawing/2014/main" val="2945084893"/>
-                  </a:ext>
-                </a:extLst>
-              </a:tr>
-              <a:tr h="253340">
-                <a:tc>
-                  <a:txBody>
-                    <a:bodyPr/>
-                    <a:lstStyle/>
-                    <a:p>
-                      <a:pPr algn="ctr" latinLnBrk="1"/>
-                      <a:r>
-                        <a:rPr lang="en-US" altLang="ko-KR" sz="1000" b="0" dirty="0">
-                          <a:solidFill>
-                            <a:schemeClr val="tx1"/>
-                          </a:solidFill>
-                        </a:rPr>
-                        <a:t>5</a:t>
-                      </a:r>
-                      <a:r>
-                        <a:rPr kumimoji="0" lang="ko-KR" altLang="en-US" sz="1000" b="0" i="0" u="none" strike="noStrike" kern="1200" cap="none" spc="0" normalizeH="0" baseline="0" noProof="0" dirty="0">
-                          <a:ln>
-                            <a:noFill/>
-                          </a:ln>
-                          <a:solidFill>
-                            <a:schemeClr val="tx1"/>
-                          </a:solidFill>
-                          <a:effectLst/>
-                          <a:uLnTx/>
-                          <a:uFillTx/>
-                          <a:latin typeface="+mn-lt"/>
-                          <a:ea typeface="+mn-ea"/>
-                          <a:cs typeface="+mn-cs"/>
-                        </a:rPr>
-                        <a:t>→</a:t>
-                      </a:r>
-                      <a:r>
-                        <a:rPr kumimoji="0" lang="en-US" altLang="ko-KR" sz="1000" b="0" i="0" u="none" strike="noStrike" kern="1200" cap="none" spc="0" normalizeH="0" baseline="0" noProof="0" dirty="0">
-                          <a:ln>
-                            <a:noFill/>
-                          </a:ln>
-                          <a:solidFill>
-                            <a:schemeClr val="tx1"/>
-                          </a:solidFill>
-                          <a:effectLst/>
-                          <a:uLnTx/>
-                          <a:uFillTx/>
-                          <a:latin typeface="+mn-lt"/>
-                          <a:ea typeface="+mn-ea"/>
-                          <a:cs typeface="+mn-cs"/>
-                        </a:rPr>
-                        <a:t>6</a:t>
-                      </a:r>
-                      <a:endParaRPr lang="ko-KR" altLang="en-US" sz="1000" b="0" dirty="0">
-                        <a:solidFill>
-                          <a:schemeClr val="tx1"/>
-                        </a:solidFill>
-                      </a:endParaRPr>
-                    </a:p>
-                  </a:txBody>
-                  <a:tcPr anchor="ctr">
-                    <a:lnL w="12700" cap="flat" cmpd="sng" algn="ctr">
-                      <a:solidFill>
-                        <a:schemeClr val="tx1"/>
-                      </a:solidFill>
-                      <a:prstDash val="solid"/>
-                      <a:round/>
-                      <a:headEnd type="none" w="med" len="med"/>
-                      <a:tailEnd type="none" w="med" len="med"/>
-                    </a:lnL>
-                    <a:lnR w="12700" cap="flat" cmpd="sng" algn="ctr">
-                      <a:solidFill>
-                        <a:schemeClr val="tx1"/>
-                      </a:solidFill>
-                      <a:prstDash val="solid"/>
-                      <a:round/>
-                      <a:headEnd type="none" w="med" len="med"/>
-                      <a:tailEnd type="none" w="med" len="med"/>
-                    </a:lnR>
-                    <a:lnT w="12700" cap="flat" cmpd="sng" algn="ctr">
-                      <a:solidFill>
-                        <a:schemeClr val="tx1"/>
-                      </a:solidFill>
-                      <a:prstDash val="solid"/>
-                      <a:round/>
-                      <a:headEnd type="none" w="med" len="med"/>
-                      <a:tailEnd type="none" w="med" len="med"/>
-                    </a:lnT>
-                    <a:lnB w="12700" cap="flat" cmpd="sng" algn="ctr">
-                      <a:solidFill>
-                        <a:schemeClr val="tx1"/>
-                      </a:solidFill>
-                      <a:prstDash val="solid"/>
-                      <a:round/>
-                      <a:headEnd type="none" w="med" len="med"/>
-                      <a:tailEnd type="none" w="med" len="med"/>
-                    </a:lnB>
-                    <a:noFill/>
-                  </a:tcPr>
-                </a:tc>
-                <a:tc>
-                  <a:txBody>
-                    <a:bodyPr/>
-                    <a:lstStyle/>
-                    <a:p>
-                      <a:pPr algn="ctr" latinLnBrk="1"/>
-                      <a:r>
-                        <a:rPr lang="ko-KR" altLang="en-US" sz="1000" b="0" dirty="0">
-                          <a:solidFill>
-                            <a:schemeClr val="tx1"/>
-                          </a:solidFill>
-                        </a:rPr>
-                        <a:t>가볍게 바람이 모이더니 기와 함께 퍼진다</a:t>
-                      </a:r>
-                      <a:r>
-                        <a:rPr lang="en-US" altLang="ko-KR" sz="1000" b="0" dirty="0">
-                          <a:solidFill>
-                            <a:schemeClr val="tx1"/>
-                          </a:solidFill>
-                        </a:rPr>
-                        <a:t>.</a:t>
-                      </a:r>
-                      <a:endParaRPr lang="ko-KR" altLang="en-US" sz="1000" b="0" dirty="0">
-                        <a:solidFill>
-                          <a:schemeClr val="tx1"/>
-                        </a:solidFill>
-                      </a:endParaRPr>
-                    </a:p>
-                  </a:txBody>
-                  <a:tcPr anchor="ctr">
-                    <a:lnL w="12700" cap="flat" cmpd="sng" algn="ctr">
-                      <a:solidFill>
-                        <a:schemeClr val="tx1"/>
-                      </a:solidFill>
-                      <a:prstDash val="solid"/>
-                      <a:round/>
-                      <a:headEnd type="none" w="med" len="med"/>
-                      <a:tailEnd type="none" w="med" len="med"/>
-                    </a:lnL>
-                    <a:lnR w="12700" cap="flat" cmpd="sng" algn="ctr">
-                      <a:solidFill>
-                        <a:schemeClr val="tx1"/>
-                      </a:solidFill>
-                      <a:prstDash val="solid"/>
-                      <a:round/>
-                      <a:headEnd type="none" w="med" len="med"/>
-                      <a:tailEnd type="none" w="med" len="med"/>
-                    </a:lnR>
-                    <a:lnT w="12700" cap="flat" cmpd="sng" algn="ctr">
-                      <a:solidFill>
-                        <a:schemeClr val="tx1"/>
-                      </a:solidFill>
-                      <a:prstDash val="solid"/>
-                      <a:round/>
-                      <a:headEnd type="none" w="med" len="med"/>
-                      <a:tailEnd type="none" w="med" len="med"/>
-                    </a:lnT>
-                    <a:lnB w="12700" cap="flat" cmpd="sng" algn="ctr">
-                      <a:solidFill>
-                        <a:schemeClr val="tx1"/>
-                      </a:solidFill>
-                      <a:prstDash val="solid"/>
-                      <a:round/>
-                      <a:headEnd type="none" w="med" len="med"/>
-                      <a:tailEnd type="none" w="med" len="med"/>
-                    </a:lnB>
-                    <a:noFill/>
-                  </a:tcPr>
-                </a:tc>
-                <a:extLst>
-                  <a:ext uri="{0D108BD9-81ED-4DB2-BD59-A6C34878D82A}">
-                    <a16:rowId xmlns:a16="http://schemas.microsoft.com/office/drawing/2014/main" val="4268316274"/>
-                  </a:ext>
-                </a:extLst>
-              </a:tr>
-              <a:tr h="253340">
-                <a:tc>
-                  <a:txBody>
-                    <a:bodyPr/>
-                    <a:lstStyle/>
-                    <a:p>
-                      <a:pPr algn="ctr" latinLnBrk="1"/>
-                      <a:r>
-                        <a:rPr lang="en-US" altLang="ko-KR" sz="1000" b="0" dirty="0">
-                          <a:solidFill>
-                            <a:schemeClr val="tx1"/>
-                          </a:solidFill>
-                        </a:rPr>
-                        <a:t>6</a:t>
-                      </a:r>
-                      <a:r>
-                        <a:rPr kumimoji="0" lang="ko-KR" altLang="en-US" sz="1000" b="0" i="0" u="none" strike="noStrike" kern="1200" cap="none" spc="0" normalizeH="0" baseline="0" noProof="0" dirty="0">
-                          <a:ln>
-                            <a:noFill/>
-                          </a:ln>
-                          <a:solidFill>
-                            <a:schemeClr val="tx1"/>
-                          </a:solidFill>
-                          <a:effectLst/>
-                          <a:uLnTx/>
-                          <a:uFillTx/>
-                          <a:latin typeface="+mn-lt"/>
-                          <a:ea typeface="+mn-ea"/>
-                          <a:cs typeface="+mn-cs"/>
-                        </a:rPr>
-                        <a:t>→</a:t>
-                      </a:r>
-                      <a:r>
-                        <a:rPr kumimoji="0" lang="en-US" altLang="ko-KR" sz="1000" b="0" i="0" u="none" strike="noStrike" kern="1200" cap="none" spc="0" normalizeH="0" baseline="0" noProof="0" dirty="0">
-                          <a:ln>
-                            <a:noFill/>
-                          </a:ln>
-                          <a:solidFill>
-                            <a:schemeClr val="tx1"/>
-                          </a:solidFill>
-                          <a:effectLst/>
-                          <a:uLnTx/>
-                          <a:uFillTx/>
-                          <a:latin typeface="+mn-lt"/>
-                          <a:ea typeface="+mn-ea"/>
-                          <a:cs typeface="+mn-cs"/>
-                        </a:rPr>
-                        <a:t>7</a:t>
-                      </a:r>
-                      <a:endParaRPr lang="ko-KR" altLang="en-US" sz="1000" b="0" dirty="0">
-                        <a:solidFill>
-                          <a:schemeClr val="tx1"/>
-                        </a:solidFill>
-                      </a:endParaRPr>
-                    </a:p>
-                  </a:txBody>
-                  <a:tcPr anchor="ctr">
-                    <a:lnL w="12700" cap="flat" cmpd="sng" algn="ctr">
-                      <a:solidFill>
-                        <a:schemeClr val="tx1"/>
-                      </a:solidFill>
-                      <a:prstDash val="solid"/>
-                      <a:round/>
-                      <a:headEnd type="none" w="med" len="med"/>
-                      <a:tailEnd type="none" w="med" len="med"/>
-                    </a:lnL>
-                    <a:lnR w="12700" cap="flat" cmpd="sng" algn="ctr">
-                      <a:solidFill>
-                        <a:schemeClr val="tx1"/>
-                      </a:solidFill>
-                      <a:prstDash val="solid"/>
-                      <a:round/>
-                      <a:headEnd type="none" w="med" len="med"/>
-                      <a:tailEnd type="none" w="med" len="med"/>
-                    </a:lnR>
-                    <a:lnT w="12700" cap="flat" cmpd="sng" algn="ctr">
-                      <a:solidFill>
-                        <a:schemeClr val="tx1"/>
-                      </a:solidFill>
-                      <a:prstDash val="solid"/>
-                      <a:round/>
-                      <a:headEnd type="none" w="med" len="med"/>
-                      <a:tailEnd type="none" w="med" len="med"/>
-                    </a:lnT>
-                    <a:lnB w="12700" cap="flat" cmpd="sng" algn="ctr">
-                      <a:solidFill>
-                        <a:schemeClr val="tx1"/>
-                      </a:solidFill>
-                      <a:prstDash val="solid"/>
-                      <a:round/>
-                      <a:headEnd type="none" w="med" len="med"/>
-                      <a:tailEnd type="none" w="med" len="med"/>
-                    </a:lnB>
-                    <a:noFill/>
-                  </a:tcPr>
-                </a:tc>
-                <a:tc>
-                  <a:txBody>
-                    <a:bodyPr/>
-                    <a:lstStyle/>
-                    <a:p>
-                      <a:pPr algn="ctr" latinLnBrk="1"/>
-                      <a:r>
-                        <a:rPr lang="ko-KR" altLang="en-US" sz="1000" b="0" dirty="0">
-                          <a:solidFill>
-                            <a:schemeClr val="tx1"/>
-                          </a:solidFill>
-                        </a:rPr>
-                        <a:t>세찬 바람이 몸을 휘감더니 기와 함께 터져 나간다</a:t>
-                      </a:r>
-                      <a:r>
-                        <a:rPr lang="en-US" altLang="ko-KR" sz="1000" b="0" dirty="0">
-                          <a:solidFill>
-                            <a:schemeClr val="tx1"/>
-                          </a:solidFill>
-                        </a:rPr>
-                        <a:t>.</a:t>
-                      </a:r>
-                      <a:endParaRPr lang="ko-KR" altLang="en-US" sz="1000" b="0" dirty="0">
-                        <a:solidFill>
-                          <a:schemeClr val="tx1"/>
-                        </a:solidFill>
-                      </a:endParaRPr>
-                    </a:p>
-                  </a:txBody>
-                  <a:tcPr anchor="ctr">
-                    <a:lnL w="12700" cap="flat" cmpd="sng" algn="ctr">
-                      <a:solidFill>
-                        <a:schemeClr val="tx1"/>
-                      </a:solidFill>
-                      <a:prstDash val="solid"/>
-                      <a:round/>
-                      <a:headEnd type="none" w="med" len="med"/>
-                      <a:tailEnd type="none" w="med" len="med"/>
-                    </a:lnL>
-                    <a:lnR w="12700" cap="flat" cmpd="sng" algn="ctr">
-                      <a:solidFill>
-                        <a:schemeClr val="tx1"/>
-                      </a:solidFill>
-                      <a:prstDash val="solid"/>
-                      <a:round/>
-                      <a:headEnd type="none" w="med" len="med"/>
-                      <a:tailEnd type="none" w="med" len="med"/>
-                    </a:lnR>
-                    <a:lnT w="12700" cap="flat" cmpd="sng" algn="ctr">
-                      <a:solidFill>
-                        <a:schemeClr val="tx1"/>
-                      </a:solidFill>
-                      <a:prstDash val="solid"/>
-                      <a:round/>
-                      <a:headEnd type="none" w="med" len="med"/>
-                      <a:tailEnd type="none" w="med" len="med"/>
-                    </a:lnT>
-                    <a:lnB w="12700" cap="flat" cmpd="sng" algn="ctr">
-                      <a:solidFill>
-                        <a:schemeClr val="tx1"/>
-                      </a:solidFill>
-                      <a:prstDash val="solid"/>
-                      <a:round/>
-                      <a:headEnd type="none" w="med" len="med"/>
-                      <a:tailEnd type="none" w="med" len="med"/>
-                    </a:lnB>
-                    <a:noFill/>
-                  </a:tcPr>
-                </a:tc>
-                <a:extLst>
-                  <a:ext uri="{0D108BD9-81ED-4DB2-BD59-A6C34878D82A}">
-                    <a16:rowId xmlns:a16="http://schemas.microsoft.com/office/drawing/2014/main" val="3840728888"/>
-                  </a:ext>
-                </a:extLst>
-              </a:tr>
-              <a:tr h="411678">
-                <a:tc>
-                  <a:txBody>
-                    <a:bodyPr/>
-                    <a:lstStyle/>
-                    <a:p>
-                      <a:pPr algn="ctr" latinLnBrk="1"/>
-                      <a:r>
-                        <a:rPr lang="en-US" altLang="ko-KR" sz="1000" b="0" dirty="0">
-                          <a:solidFill>
-                            <a:schemeClr val="tx1"/>
-                          </a:solidFill>
-                        </a:rPr>
-                        <a:t>7</a:t>
-                      </a:r>
-                      <a:r>
-                        <a:rPr kumimoji="0" lang="ko-KR" altLang="en-US" sz="1000" b="0" i="0" u="none" strike="noStrike" kern="1200" cap="none" spc="0" normalizeH="0" baseline="0" noProof="0" dirty="0">
-                          <a:ln>
-                            <a:noFill/>
-                          </a:ln>
-                          <a:solidFill>
-                            <a:schemeClr val="tx1"/>
-                          </a:solidFill>
-                          <a:effectLst/>
-                          <a:uLnTx/>
-                          <a:uFillTx/>
-                          <a:latin typeface="+mn-lt"/>
-                          <a:ea typeface="+mn-ea"/>
-                          <a:cs typeface="+mn-cs"/>
-                        </a:rPr>
-                        <a:t>→</a:t>
-                      </a:r>
-                      <a:r>
-                        <a:rPr kumimoji="0" lang="en-US" altLang="ko-KR" sz="1000" b="0" i="0" u="none" strike="noStrike" kern="1200" cap="none" spc="0" normalizeH="0" baseline="0" noProof="0" dirty="0">
-                          <a:ln>
-                            <a:noFill/>
-                          </a:ln>
-                          <a:solidFill>
-                            <a:schemeClr val="tx1"/>
-                          </a:solidFill>
-                          <a:effectLst/>
-                          <a:uLnTx/>
-                          <a:uFillTx/>
-                          <a:latin typeface="+mn-lt"/>
-                          <a:ea typeface="+mn-ea"/>
-                          <a:cs typeface="+mn-cs"/>
-                        </a:rPr>
-                        <a:t>8</a:t>
-                      </a:r>
-                      <a:endParaRPr lang="en-US" altLang="ko-KR" sz="1000" b="0" dirty="0">
-                        <a:solidFill>
-                          <a:schemeClr val="tx1"/>
-                        </a:solidFill>
-                      </a:endParaRPr>
-                    </a:p>
-                  </a:txBody>
-                  <a:tcPr anchor="ctr">
-                    <a:lnL w="12700" cap="flat" cmpd="sng" algn="ctr">
-                      <a:solidFill>
-                        <a:schemeClr val="tx1"/>
-                      </a:solidFill>
-                      <a:prstDash val="solid"/>
-                      <a:round/>
-                      <a:headEnd type="none" w="med" len="med"/>
-                      <a:tailEnd type="none" w="med" len="med"/>
-                    </a:lnL>
-                    <a:lnR w="12700" cap="flat" cmpd="sng" algn="ctr">
-                      <a:solidFill>
-                        <a:schemeClr val="tx1"/>
-                      </a:solidFill>
-                      <a:prstDash val="solid"/>
-                      <a:round/>
-                      <a:headEnd type="none" w="med" len="med"/>
-                      <a:tailEnd type="none" w="med" len="med"/>
-                    </a:lnR>
-                    <a:lnT w="12700" cap="flat" cmpd="sng" algn="ctr">
-                      <a:solidFill>
-                        <a:schemeClr val="tx1"/>
-                      </a:solidFill>
-                      <a:prstDash val="solid"/>
-                      <a:round/>
-                      <a:headEnd type="none" w="med" len="med"/>
-                      <a:tailEnd type="none" w="med" len="med"/>
-                    </a:lnT>
-                    <a:lnB w="12700" cap="flat" cmpd="sng" algn="ctr">
-                      <a:solidFill>
-                        <a:schemeClr val="tx1"/>
-                      </a:solidFill>
-                      <a:prstDash val="solid"/>
-                      <a:round/>
-                      <a:headEnd type="none" w="med" len="med"/>
-                      <a:tailEnd type="none" w="med" len="med"/>
-                    </a:lnB>
-                    <a:noFill/>
-                  </a:tcPr>
-                </a:tc>
-                <a:tc>
-                  <a:txBody>
-                    <a:bodyPr/>
-                    <a:lstStyle/>
-                    <a:p>
-                      <a:pPr algn="ctr" latinLnBrk="1"/>
-                      <a:r>
-                        <a:rPr lang="ko-KR" altLang="en-US" sz="1000" b="0" dirty="0">
-                          <a:solidFill>
-                            <a:schemeClr val="tx1"/>
-                          </a:solidFill>
-                        </a:rPr>
-                        <a:t>강한 바람이 몸을 감싸다가 일순간에 고요해 지고 </a:t>
-                      </a:r>
-                      <a:endParaRPr lang="en-US" altLang="ko-KR" sz="1000" b="0" dirty="0">
-                        <a:solidFill>
-                          <a:schemeClr val="tx1"/>
-                        </a:solidFill>
-                      </a:endParaRPr>
-                    </a:p>
-                    <a:p>
-                      <a:pPr algn="ctr" latinLnBrk="1"/>
-                      <a:r>
-                        <a:rPr lang="ko-KR" altLang="en-US" sz="1000" b="0" dirty="0">
-                          <a:solidFill>
-                            <a:schemeClr val="tx1"/>
-                          </a:solidFill>
-                        </a:rPr>
-                        <a:t>몸에서 기운이 흘러나온다</a:t>
-                      </a:r>
-                      <a:r>
-                        <a:rPr lang="en-US" altLang="ko-KR" sz="1000" b="0" dirty="0">
-                          <a:solidFill>
-                            <a:schemeClr val="tx1"/>
-                          </a:solidFill>
-                        </a:rPr>
-                        <a:t>.</a:t>
-                      </a:r>
-                      <a:endParaRPr lang="ko-KR" altLang="en-US" sz="1000" b="0" dirty="0">
-                        <a:solidFill>
-                          <a:schemeClr val="tx1"/>
-                        </a:solidFill>
-                      </a:endParaRPr>
-                    </a:p>
-                  </a:txBody>
-                  <a:tcPr anchor="ctr">
-                    <a:lnL w="12700" cap="flat" cmpd="sng" algn="ctr">
-                      <a:solidFill>
-                        <a:schemeClr val="tx1"/>
-                      </a:solidFill>
-                      <a:prstDash val="solid"/>
-                      <a:round/>
-                      <a:headEnd type="none" w="med" len="med"/>
-                      <a:tailEnd type="none" w="med" len="med"/>
-                    </a:lnL>
-                    <a:lnR w="12700" cap="flat" cmpd="sng" algn="ctr">
-                      <a:solidFill>
-                        <a:schemeClr val="tx1"/>
-                      </a:solidFill>
-                      <a:prstDash val="solid"/>
-                      <a:round/>
-                      <a:headEnd type="none" w="med" len="med"/>
-                      <a:tailEnd type="none" w="med" len="med"/>
-                    </a:lnR>
-                    <a:lnT w="12700" cap="flat" cmpd="sng" algn="ctr">
-                      <a:solidFill>
-                        <a:schemeClr val="tx1"/>
-                      </a:solidFill>
-                      <a:prstDash val="solid"/>
-                      <a:round/>
-                      <a:headEnd type="none" w="med" len="med"/>
-                      <a:tailEnd type="none" w="med" len="med"/>
-                    </a:lnT>
-                    <a:lnB w="12700" cap="flat" cmpd="sng" algn="ctr">
-                      <a:solidFill>
-                        <a:schemeClr val="tx1"/>
-                      </a:solidFill>
-                      <a:prstDash val="solid"/>
-                      <a:round/>
-                      <a:headEnd type="none" w="med" len="med"/>
-                      <a:tailEnd type="none" w="med" len="med"/>
-                    </a:lnB>
-                    <a:noFill/>
-                  </a:tcPr>
-                </a:tc>
-                <a:extLst>
-                  <a:ext uri="{0D108BD9-81ED-4DB2-BD59-A6C34878D82A}">
-                    <a16:rowId xmlns:a16="http://schemas.microsoft.com/office/drawing/2014/main" val="4137334100"/>
-                  </a:ext>
-                </a:extLst>
-              </a:tr>
-            </a:tbl>
-          </a:graphicData>
-        </a:graphic>
-      </p:graphicFrame>
     </p:spTree>
     <p:extLst>
       <p:ext uri="{BB962C8B-B14F-4D97-AF65-F5344CB8AC3E}">
-        <p14:creationId xmlns:p14="http://schemas.microsoft.com/office/powerpoint/2010/main" val="1936976506"/>
-      </p:ext>
-    </p:extLst>
-  </p:cSld>
-  <p:clrMapOvr>
-    <a:masterClrMapping/>
-  </p:clrMapOvr>
-</p:sld>
-</file>
-
-<file path=ppt/slides/slide6.xml><?xml version="1.0" encoding="utf-8"?>
-<p:sld xmlns:a="http://schemas.openxmlformats.org/drawingml/2006/main" xmlns:r="http://schemas.openxmlformats.org/officeDocument/2006/relationships" xmlns:p="http://schemas.openxmlformats.org/presentationml/2006/main">
-  <p:cSld>
-    <p:spTree>
-      <p:nvGrpSpPr>
-        <p:cNvPr id="1" name=""/>
-        <p:cNvGrpSpPr/>
-        <p:nvPr/>
-      </p:nvGrpSpPr>
-      <p:grpSpPr>
-        <a:xfrm>
-          <a:off x="0" y="0"/>
-          <a:ext cx="0" cy="0"/>
-          <a:chOff x="0" y="0"/>
-          <a:chExt cx="0" cy="0"/>
-        </a:xfrm>
-      </p:grpSpPr>
-      <p:sp>
-        <p:nvSpPr>
-          <p:cNvPr id="4" name="사각형: 둥근 모서리 3">
-            <a:extLst>
-              <a:ext uri="{FF2B5EF4-FFF2-40B4-BE49-F238E27FC236}">
-                <a16:creationId xmlns:a16="http://schemas.microsoft.com/office/drawing/2014/main" id="{8DBD228A-B54C-4279-A729-0C98E608F0D9}"/>
-              </a:ext>
-            </a:extLst>
-          </p:cNvPr>
-          <p:cNvSpPr/>
-          <p:nvPr/>
-        </p:nvSpPr>
-        <p:spPr>
-          <a:xfrm>
-            <a:off x="320511" y="405353"/>
-            <a:ext cx="4194928" cy="1093509"/>
-          </a:xfrm>
-          <a:prstGeom prst="roundRect">
-            <a:avLst>
-              <a:gd name="adj" fmla="val 50000"/>
-            </a:avLst>
-          </a:prstGeom>
-        </p:spPr>
-        <p:style>
-          <a:lnRef idx="2">
-            <a:schemeClr val="accent1">
-              <a:shade val="50000"/>
-            </a:schemeClr>
-          </a:lnRef>
-          <a:fillRef idx="1">
-            <a:schemeClr val="accent1"/>
-          </a:fillRef>
-          <a:effectRef idx="0">
-            <a:schemeClr val="accent1"/>
-          </a:effectRef>
-          <a:fontRef idx="minor">
-            <a:schemeClr val="lt1"/>
-          </a:fontRef>
-        </p:style>
-        <p:txBody>
-          <a:bodyPr rtlCol="0" anchor="ctr"/>
-          <a:lstStyle/>
-          <a:p>
-            <a:pPr algn="ctr"/>
-            <a:r>
-              <a:rPr lang="ko-KR" altLang="en-US"/>
-              <a:t>시작과 종료 기호</a:t>
-            </a:r>
-          </a:p>
-        </p:txBody>
-      </p:sp>
-      <p:sp>
-        <p:nvSpPr>
-          <p:cNvPr id="5" name="순서도: 판단 4">
-            <a:extLst>
-              <a:ext uri="{FF2B5EF4-FFF2-40B4-BE49-F238E27FC236}">
-                <a16:creationId xmlns:a16="http://schemas.microsoft.com/office/drawing/2014/main" id="{79BADDD9-900B-4EE5-8BA0-14C5BB520462}"/>
-              </a:ext>
-            </a:extLst>
-          </p:cNvPr>
-          <p:cNvSpPr/>
-          <p:nvPr/>
-        </p:nvSpPr>
-        <p:spPr>
-          <a:xfrm>
-            <a:off x="518474" y="3626963"/>
-            <a:ext cx="3930977" cy="1232555"/>
-          </a:xfrm>
-          <a:prstGeom prst="flowChartDecision">
-            <a:avLst/>
-          </a:prstGeom>
-        </p:spPr>
-        <p:style>
-          <a:lnRef idx="2">
-            <a:schemeClr val="accent1">
-              <a:shade val="50000"/>
-            </a:schemeClr>
-          </a:lnRef>
-          <a:fillRef idx="1">
-            <a:schemeClr val="accent1"/>
-          </a:fillRef>
-          <a:effectRef idx="0">
-            <a:schemeClr val="accent1"/>
-          </a:effectRef>
-          <a:fontRef idx="minor">
-            <a:schemeClr val="lt1"/>
-          </a:fontRef>
-        </p:style>
-        <p:txBody>
-          <a:bodyPr rtlCol="0" anchor="ctr"/>
-          <a:lstStyle/>
-          <a:p>
-            <a:pPr algn="ctr"/>
-            <a:r>
-              <a:rPr lang="ko-KR" altLang="en-US" dirty="0"/>
-              <a:t>조건 판단 기호</a:t>
-            </a:r>
-          </a:p>
-        </p:txBody>
-      </p:sp>
-      <p:sp>
-        <p:nvSpPr>
-          <p:cNvPr id="6" name="직사각형 5">
-            <a:extLst>
-              <a:ext uri="{FF2B5EF4-FFF2-40B4-BE49-F238E27FC236}">
-                <a16:creationId xmlns:a16="http://schemas.microsoft.com/office/drawing/2014/main" id="{AFF46A37-2ADC-4C59-A69F-8FE97F0A9B20}"/>
-              </a:ext>
-            </a:extLst>
-          </p:cNvPr>
-          <p:cNvSpPr/>
-          <p:nvPr/>
-        </p:nvSpPr>
-        <p:spPr>
-          <a:xfrm>
-            <a:off x="693738" y="1851189"/>
-            <a:ext cx="3214540" cy="1423447"/>
-          </a:xfrm>
-          <a:prstGeom prst="rect">
-            <a:avLst/>
-          </a:prstGeom>
-        </p:spPr>
-        <p:style>
-          <a:lnRef idx="2">
-            <a:schemeClr val="accent1">
-              <a:shade val="50000"/>
-            </a:schemeClr>
-          </a:lnRef>
-          <a:fillRef idx="1">
-            <a:schemeClr val="accent1"/>
-          </a:fillRef>
-          <a:effectRef idx="0">
-            <a:schemeClr val="accent1"/>
-          </a:effectRef>
-          <a:fontRef idx="minor">
-            <a:schemeClr val="lt1"/>
-          </a:fontRef>
-        </p:style>
-        <p:txBody>
-          <a:bodyPr rtlCol="0" anchor="ctr"/>
-          <a:lstStyle/>
-          <a:p>
-            <a:pPr algn="ctr"/>
-            <a:r>
-              <a:rPr lang="ko-KR" altLang="en-US" dirty="0"/>
-              <a:t>처리</a:t>
-            </a:r>
-            <a:r>
-              <a:rPr lang="en-US" altLang="ko-KR" dirty="0"/>
-              <a:t>(</a:t>
-            </a:r>
-            <a:r>
-              <a:rPr lang="ko-KR" altLang="en-US" dirty="0"/>
-              <a:t>실행</a:t>
-            </a:r>
-            <a:r>
-              <a:rPr lang="en-US" altLang="ko-KR" dirty="0"/>
-              <a:t>)</a:t>
-            </a:r>
-            <a:r>
-              <a:rPr lang="ko-KR" altLang="en-US" dirty="0"/>
-              <a:t> 기호</a:t>
-            </a:r>
-          </a:p>
-        </p:txBody>
-      </p:sp>
-      <p:sp>
-        <p:nvSpPr>
-          <p:cNvPr id="7" name="순서도: 수동 입력 6">
-            <a:extLst>
-              <a:ext uri="{FF2B5EF4-FFF2-40B4-BE49-F238E27FC236}">
-                <a16:creationId xmlns:a16="http://schemas.microsoft.com/office/drawing/2014/main" id="{A9D0A563-48DE-4684-AB13-6F9963105E2E}"/>
-              </a:ext>
-            </a:extLst>
-          </p:cNvPr>
-          <p:cNvSpPr/>
-          <p:nvPr/>
-        </p:nvSpPr>
-        <p:spPr>
-          <a:xfrm>
-            <a:off x="5043339" y="202676"/>
-            <a:ext cx="2818615" cy="1498861"/>
-          </a:xfrm>
-          <a:prstGeom prst="flowChartManualInput">
-            <a:avLst/>
-          </a:prstGeom>
-        </p:spPr>
-        <p:style>
-          <a:lnRef idx="2">
-            <a:schemeClr val="accent1">
-              <a:shade val="50000"/>
-            </a:schemeClr>
-          </a:lnRef>
-          <a:fillRef idx="1">
-            <a:schemeClr val="accent1"/>
-          </a:fillRef>
-          <a:effectRef idx="0">
-            <a:schemeClr val="accent1"/>
-          </a:effectRef>
-          <a:fontRef idx="minor">
-            <a:schemeClr val="lt1"/>
-          </a:fontRef>
-        </p:style>
-        <p:txBody>
-          <a:bodyPr rtlCol="0" anchor="ctr"/>
-          <a:lstStyle/>
-          <a:p>
-            <a:pPr algn="ctr"/>
-            <a:r>
-              <a:rPr lang="ko-KR" altLang="en-US" dirty="0"/>
-              <a:t>입력 기호</a:t>
-            </a:r>
-          </a:p>
-        </p:txBody>
-      </p:sp>
-      <p:sp>
-        <p:nvSpPr>
-          <p:cNvPr id="8" name="순서도: 문서 7">
-            <a:extLst>
-              <a:ext uri="{FF2B5EF4-FFF2-40B4-BE49-F238E27FC236}">
-                <a16:creationId xmlns:a16="http://schemas.microsoft.com/office/drawing/2014/main" id="{58665A5A-05AF-4800-B067-1FDCF78C0257}"/>
-              </a:ext>
-            </a:extLst>
-          </p:cNvPr>
-          <p:cNvSpPr/>
-          <p:nvPr/>
-        </p:nvSpPr>
-        <p:spPr>
-          <a:xfrm>
-            <a:off x="5373277" y="2360236"/>
-            <a:ext cx="2158738" cy="1232555"/>
-          </a:xfrm>
-          <a:prstGeom prst="flowChartDocument">
-            <a:avLst/>
-          </a:prstGeom>
-        </p:spPr>
-        <p:style>
-          <a:lnRef idx="2">
-            <a:schemeClr val="accent1">
-              <a:shade val="50000"/>
-            </a:schemeClr>
-          </a:lnRef>
-          <a:fillRef idx="1">
-            <a:schemeClr val="accent1"/>
-          </a:fillRef>
-          <a:effectRef idx="0">
-            <a:schemeClr val="accent1"/>
-          </a:effectRef>
-          <a:fontRef idx="minor">
-            <a:schemeClr val="lt1"/>
-          </a:fontRef>
-        </p:style>
-        <p:txBody>
-          <a:bodyPr rtlCol="0" anchor="ctr"/>
-          <a:lstStyle/>
-          <a:p>
-            <a:pPr algn="ctr"/>
-            <a:r>
-              <a:rPr lang="ko-KR" altLang="en-US" dirty="0"/>
-              <a:t>출력 기호</a:t>
-            </a:r>
-          </a:p>
-        </p:txBody>
-      </p:sp>
-      <p:sp>
-        <p:nvSpPr>
-          <p:cNvPr id="9" name="타원 8">
-            <a:extLst>
-              <a:ext uri="{FF2B5EF4-FFF2-40B4-BE49-F238E27FC236}">
-                <a16:creationId xmlns:a16="http://schemas.microsoft.com/office/drawing/2014/main" id="{C1BEAF41-E2DF-42FA-997D-69D1A9228606}"/>
-              </a:ext>
-            </a:extLst>
-          </p:cNvPr>
-          <p:cNvSpPr/>
-          <p:nvPr/>
-        </p:nvSpPr>
-        <p:spPr>
-          <a:xfrm>
-            <a:off x="8719793" y="131976"/>
-            <a:ext cx="1734533" cy="1569562"/>
-          </a:xfrm>
-          <a:prstGeom prst="ellipse">
-            <a:avLst/>
-          </a:prstGeom>
-        </p:spPr>
-        <p:style>
-          <a:lnRef idx="2">
-            <a:schemeClr val="accent1">
-              <a:shade val="50000"/>
-            </a:schemeClr>
-          </a:lnRef>
-          <a:fillRef idx="1">
-            <a:schemeClr val="accent1"/>
-          </a:fillRef>
-          <a:effectRef idx="0">
-            <a:schemeClr val="accent1"/>
-          </a:effectRef>
-          <a:fontRef idx="minor">
-            <a:schemeClr val="lt1"/>
-          </a:fontRef>
-        </p:style>
-        <p:txBody>
-          <a:bodyPr rtlCol="0" anchor="ctr"/>
-          <a:lstStyle/>
-          <a:p>
-            <a:pPr algn="ctr"/>
-            <a:r>
-              <a:rPr lang="ko-KR" altLang="en-US" dirty="0"/>
-              <a:t>연결 기호</a:t>
-            </a:r>
-            <a:endParaRPr lang="en-US" altLang="ko-KR" dirty="0"/>
-          </a:p>
-          <a:p>
-            <a:pPr algn="ctr"/>
-            <a:r>
-              <a:rPr lang="en-US" altLang="ko-KR" dirty="0"/>
-              <a:t>(</a:t>
-            </a:r>
-            <a:r>
-              <a:rPr lang="ko-KR" altLang="en-US" dirty="0"/>
-              <a:t>워프</a:t>
-            </a:r>
-            <a:r>
-              <a:rPr lang="en-US" altLang="ko-KR" dirty="0"/>
-              <a:t>)</a:t>
-            </a:r>
-            <a:endParaRPr lang="ko-KR" altLang="en-US" dirty="0"/>
-          </a:p>
-        </p:txBody>
-      </p:sp>
-      <p:sp>
-        <p:nvSpPr>
-          <p:cNvPr id="10" name="순서도: 다른 페이지 연결선 9">
-            <a:extLst>
-              <a:ext uri="{FF2B5EF4-FFF2-40B4-BE49-F238E27FC236}">
-                <a16:creationId xmlns:a16="http://schemas.microsoft.com/office/drawing/2014/main" id="{1FA6ED73-7E45-4DC3-8332-4C3C3EC26160}"/>
-              </a:ext>
-            </a:extLst>
-          </p:cNvPr>
-          <p:cNvSpPr/>
-          <p:nvPr/>
-        </p:nvSpPr>
-        <p:spPr>
-          <a:xfrm>
-            <a:off x="9054445" y="2026763"/>
-            <a:ext cx="1253765" cy="1300899"/>
-          </a:xfrm>
-          <a:prstGeom prst="flowChartOffpageConnector">
-            <a:avLst/>
-          </a:prstGeom>
-        </p:spPr>
-        <p:style>
-          <a:lnRef idx="2">
-            <a:schemeClr val="accent1">
-              <a:shade val="50000"/>
-            </a:schemeClr>
-          </a:lnRef>
-          <a:fillRef idx="1">
-            <a:schemeClr val="accent1"/>
-          </a:fillRef>
-          <a:effectRef idx="0">
-            <a:schemeClr val="accent1"/>
-          </a:effectRef>
-          <a:fontRef idx="minor">
-            <a:schemeClr val="lt1"/>
-          </a:fontRef>
-        </p:style>
-        <p:txBody>
-          <a:bodyPr rtlCol="0" anchor="ctr"/>
-          <a:lstStyle/>
-          <a:p>
-            <a:pPr algn="ctr"/>
-            <a:r>
-              <a:rPr lang="ko-KR" altLang="en-US" dirty="0"/>
-              <a:t>연결 기호</a:t>
-            </a:r>
-            <a:endParaRPr lang="en-US" altLang="ko-KR" dirty="0"/>
-          </a:p>
-          <a:p>
-            <a:pPr algn="ctr"/>
-            <a:r>
-              <a:rPr lang="en-US" altLang="ko-KR" dirty="0"/>
-              <a:t>(</a:t>
-            </a:r>
-            <a:r>
-              <a:rPr lang="ko-KR" altLang="en-US" dirty="0"/>
-              <a:t>페이지</a:t>
-            </a:r>
-            <a:endParaRPr lang="en-US" altLang="ko-KR" dirty="0"/>
-          </a:p>
-          <a:p>
-            <a:pPr algn="ctr"/>
-            <a:r>
-              <a:rPr lang="ko-KR" altLang="en-US" dirty="0"/>
-              <a:t> 워프</a:t>
-            </a:r>
-            <a:r>
-              <a:rPr lang="en-US" altLang="ko-KR" dirty="0"/>
-              <a:t>)</a:t>
-            </a:r>
-            <a:endParaRPr lang="ko-KR" altLang="en-US" dirty="0"/>
-          </a:p>
-        </p:txBody>
-      </p:sp>
-      <p:cxnSp>
-        <p:nvCxnSpPr>
-          <p:cNvPr id="12" name="직선 화살표 연결선 11">
-            <a:extLst>
-              <a:ext uri="{FF2B5EF4-FFF2-40B4-BE49-F238E27FC236}">
-                <a16:creationId xmlns:a16="http://schemas.microsoft.com/office/drawing/2014/main" id="{3EC16A52-7863-4F38-A7FB-E5E0BEBF6024}"/>
-              </a:ext>
-            </a:extLst>
-          </p:cNvPr>
-          <p:cNvCxnSpPr/>
-          <p:nvPr/>
-        </p:nvCxnSpPr>
-        <p:spPr>
-          <a:xfrm>
-            <a:off x="8936610" y="3789575"/>
-            <a:ext cx="2102177" cy="0"/>
-          </a:xfrm>
-          <a:prstGeom prst="straightConnector1">
-            <a:avLst/>
-          </a:prstGeom>
-          <a:ln w="38100">
-            <a:tailEnd type="triangle"/>
-          </a:ln>
-        </p:spPr>
-        <p:style>
-          <a:lnRef idx="1">
-            <a:schemeClr val="accent1"/>
-          </a:lnRef>
-          <a:fillRef idx="0">
-            <a:schemeClr val="accent1"/>
-          </a:fillRef>
-          <a:effectRef idx="0">
-            <a:schemeClr val="accent1"/>
-          </a:effectRef>
-          <a:fontRef idx="minor">
-            <a:schemeClr val="tx1"/>
-          </a:fontRef>
-        </p:style>
-      </p:cxnSp>
-      <p:sp>
-        <p:nvSpPr>
-          <p:cNvPr id="13" name="TextBox 12">
-            <a:extLst>
-              <a:ext uri="{FF2B5EF4-FFF2-40B4-BE49-F238E27FC236}">
-                <a16:creationId xmlns:a16="http://schemas.microsoft.com/office/drawing/2014/main" id="{5B04A7DB-6564-4469-8491-928A87478473}"/>
-              </a:ext>
-            </a:extLst>
-          </p:cNvPr>
-          <p:cNvSpPr txBox="1"/>
-          <p:nvPr/>
-        </p:nvSpPr>
-        <p:spPr>
-          <a:xfrm>
-            <a:off x="9247694" y="3789575"/>
-            <a:ext cx="1480008" cy="377072"/>
-          </a:xfrm>
-          <a:prstGeom prst="rect">
-            <a:avLst/>
-          </a:prstGeom>
-          <a:noFill/>
-        </p:spPr>
-        <p:txBody>
-          <a:bodyPr wrap="square" rtlCol="0">
-            <a:spAutoFit/>
-          </a:bodyPr>
-          <a:lstStyle/>
-          <a:p>
-            <a:r>
-              <a:rPr lang="ko-KR" altLang="en-US" dirty="0"/>
-              <a:t>진행 방향</a:t>
-            </a:r>
-          </a:p>
-        </p:txBody>
-      </p:sp>
-      <p:cxnSp>
-        <p:nvCxnSpPr>
-          <p:cNvPr id="14" name="직선 화살표 연결선 13">
-            <a:extLst>
-              <a:ext uri="{FF2B5EF4-FFF2-40B4-BE49-F238E27FC236}">
-                <a16:creationId xmlns:a16="http://schemas.microsoft.com/office/drawing/2014/main" id="{2881BC06-6BCC-4EF3-970F-0F1F3204CE5C}"/>
-              </a:ext>
-            </a:extLst>
-          </p:cNvPr>
-          <p:cNvCxnSpPr>
-            <a:cxnSpLocks/>
-          </p:cNvCxnSpPr>
-          <p:nvPr/>
-        </p:nvCxnSpPr>
-        <p:spPr>
-          <a:xfrm>
-            <a:off x="10077252" y="4788816"/>
-            <a:ext cx="801280" cy="0"/>
-          </a:xfrm>
-          <a:prstGeom prst="straightConnector1">
-            <a:avLst/>
-          </a:prstGeom>
-          <a:ln w="38100">
-            <a:solidFill>
-              <a:srgbClr val="C00000"/>
-            </a:solidFill>
-            <a:tailEnd type="triangle"/>
-          </a:ln>
-        </p:spPr>
-        <p:style>
-          <a:lnRef idx="1">
-            <a:schemeClr val="accent1"/>
-          </a:lnRef>
-          <a:fillRef idx="0">
-            <a:schemeClr val="accent1"/>
-          </a:fillRef>
-          <a:effectRef idx="0">
-            <a:schemeClr val="accent1"/>
-          </a:effectRef>
-          <a:fontRef idx="minor">
-            <a:schemeClr val="tx1"/>
-          </a:fontRef>
-        </p:style>
-      </p:cxnSp>
-      <p:cxnSp>
-        <p:nvCxnSpPr>
-          <p:cNvPr id="16" name="직선 화살표 연결선 15">
-            <a:extLst>
-              <a:ext uri="{FF2B5EF4-FFF2-40B4-BE49-F238E27FC236}">
-                <a16:creationId xmlns:a16="http://schemas.microsoft.com/office/drawing/2014/main" id="{A457D168-28F1-4C25-A887-A6BAD9E8F758}"/>
-              </a:ext>
-            </a:extLst>
-          </p:cNvPr>
-          <p:cNvCxnSpPr>
-            <a:cxnSpLocks/>
-          </p:cNvCxnSpPr>
-          <p:nvPr/>
-        </p:nvCxnSpPr>
-        <p:spPr>
-          <a:xfrm>
-            <a:off x="8776353" y="4788816"/>
-            <a:ext cx="801280" cy="0"/>
-          </a:xfrm>
-          <a:prstGeom prst="straightConnector1">
-            <a:avLst/>
-          </a:prstGeom>
-          <a:ln w="38100">
-            <a:solidFill>
-              <a:schemeClr val="tx1"/>
-            </a:solidFill>
-            <a:tailEnd type="triangle"/>
-          </a:ln>
-        </p:spPr>
-        <p:style>
-          <a:lnRef idx="1">
-            <a:schemeClr val="accent1"/>
-          </a:lnRef>
-          <a:fillRef idx="0">
-            <a:schemeClr val="accent1"/>
-          </a:fillRef>
-          <a:effectRef idx="0">
-            <a:schemeClr val="accent1"/>
-          </a:effectRef>
-          <a:fontRef idx="minor">
-            <a:schemeClr val="tx1"/>
-          </a:fontRef>
-        </p:style>
-      </p:cxnSp>
-      <p:sp>
-        <p:nvSpPr>
-          <p:cNvPr id="17" name="TextBox 16">
-            <a:extLst>
-              <a:ext uri="{FF2B5EF4-FFF2-40B4-BE49-F238E27FC236}">
-                <a16:creationId xmlns:a16="http://schemas.microsoft.com/office/drawing/2014/main" id="{ADC90E67-4CA0-45C4-A716-FD62C05006E1}"/>
-              </a:ext>
-            </a:extLst>
-          </p:cNvPr>
-          <p:cNvSpPr txBox="1"/>
-          <p:nvPr/>
-        </p:nvSpPr>
-        <p:spPr>
-          <a:xfrm>
-            <a:off x="8790494" y="4807672"/>
-            <a:ext cx="692871" cy="377072"/>
-          </a:xfrm>
-          <a:prstGeom prst="rect">
-            <a:avLst/>
-          </a:prstGeom>
-          <a:noFill/>
-        </p:spPr>
-        <p:txBody>
-          <a:bodyPr wrap="square" rtlCol="0">
-            <a:spAutoFit/>
-          </a:bodyPr>
-          <a:lstStyle/>
-          <a:p>
-            <a:r>
-              <a:rPr lang="ko-KR" altLang="en-US"/>
-              <a:t>맞음</a:t>
-            </a:r>
-            <a:endParaRPr lang="ko-KR" altLang="en-US" dirty="0"/>
-          </a:p>
-        </p:txBody>
-      </p:sp>
-      <p:sp>
-        <p:nvSpPr>
-          <p:cNvPr id="18" name="TextBox 17">
-            <a:extLst>
-              <a:ext uri="{FF2B5EF4-FFF2-40B4-BE49-F238E27FC236}">
-                <a16:creationId xmlns:a16="http://schemas.microsoft.com/office/drawing/2014/main" id="{68A944BA-5F42-440D-A7DC-431A51E35BAB}"/>
-              </a:ext>
-            </a:extLst>
-          </p:cNvPr>
-          <p:cNvSpPr txBox="1"/>
-          <p:nvPr/>
-        </p:nvSpPr>
-        <p:spPr>
-          <a:xfrm>
-            <a:off x="10077252" y="4807672"/>
-            <a:ext cx="692871" cy="377072"/>
-          </a:xfrm>
-          <a:prstGeom prst="rect">
-            <a:avLst/>
-          </a:prstGeom>
-          <a:noFill/>
-        </p:spPr>
-        <p:txBody>
-          <a:bodyPr wrap="square" rtlCol="0">
-            <a:spAutoFit/>
-          </a:bodyPr>
-          <a:lstStyle/>
-          <a:p>
-            <a:r>
-              <a:rPr lang="ko-KR" altLang="en-US" dirty="0"/>
-              <a:t>틀림</a:t>
-            </a:r>
-          </a:p>
-        </p:txBody>
-      </p:sp>
-      <p:sp>
-        <p:nvSpPr>
-          <p:cNvPr id="19" name="TextBox 18">
-            <a:extLst>
-              <a:ext uri="{FF2B5EF4-FFF2-40B4-BE49-F238E27FC236}">
-                <a16:creationId xmlns:a16="http://schemas.microsoft.com/office/drawing/2014/main" id="{A834C7FD-896A-4244-A087-2920777D5190}"/>
-              </a:ext>
-            </a:extLst>
-          </p:cNvPr>
-          <p:cNvSpPr txBox="1"/>
-          <p:nvPr/>
-        </p:nvSpPr>
-        <p:spPr>
-          <a:xfrm>
-            <a:off x="2714919" y="4788816"/>
-            <a:ext cx="2031476" cy="923330"/>
-          </a:xfrm>
-          <a:prstGeom prst="rect">
-            <a:avLst/>
-          </a:prstGeom>
-          <a:noFill/>
-        </p:spPr>
-        <p:txBody>
-          <a:bodyPr wrap="square" rtlCol="0">
-            <a:spAutoFit/>
-          </a:bodyPr>
-          <a:lstStyle/>
-          <a:p>
-            <a:r>
-              <a:rPr lang="ko-KR" altLang="en-US" dirty="0"/>
-              <a:t>한 개씩만 사용</a:t>
-            </a:r>
-            <a:endParaRPr lang="en-US" altLang="ko-KR" dirty="0"/>
-          </a:p>
-          <a:p>
-            <a:r>
-              <a:rPr lang="ko-KR" altLang="en-US" dirty="0"/>
-              <a:t>들어오는 거 </a:t>
-            </a:r>
-            <a:r>
-              <a:rPr lang="en-US" altLang="ko-KR" dirty="0"/>
-              <a:t>2</a:t>
-            </a:r>
-            <a:r>
-              <a:rPr lang="ko-KR" altLang="en-US" dirty="0"/>
-              <a:t>개</a:t>
-            </a:r>
-            <a:endParaRPr lang="en-US" altLang="ko-KR" dirty="0"/>
-          </a:p>
-          <a:p>
-            <a:r>
-              <a:rPr lang="ko-KR" altLang="en-US" dirty="0"/>
-              <a:t>나가는 거 </a:t>
-            </a:r>
-            <a:r>
-              <a:rPr lang="en-US" altLang="ko-KR" dirty="0"/>
-              <a:t>2</a:t>
-            </a:r>
-            <a:r>
-              <a:rPr lang="ko-KR" altLang="en-US" dirty="0"/>
-              <a:t>개</a:t>
-            </a:r>
-          </a:p>
-        </p:txBody>
-      </p:sp>
-    </p:spTree>
-    <p:extLst>
-      <p:ext uri="{BB962C8B-B14F-4D97-AF65-F5344CB8AC3E}">
-        <p14:creationId xmlns:p14="http://schemas.microsoft.com/office/powerpoint/2010/main" val="3916345800"/>
+        <p14:creationId xmlns:p14="http://schemas.microsoft.com/office/powerpoint/2010/main" val="1440144876"/>
       </p:ext>
     </p:extLst>
   </p:cSld>

--- a/기획/레벨업 시스템 기획서.pptx
+++ b/기획/레벨업 시스템 기획서.pptx
@@ -14,8 +14,8 @@
     <p:sldId id="270" r:id="rId5"/>
     <p:sldId id="274" r:id="rId6"/>
     <p:sldId id="275" r:id="rId7"/>
-    <p:sldId id="276" r:id="rId8"/>
-    <p:sldId id="277" r:id="rId9"/>
+    <p:sldId id="277" r:id="rId8"/>
+    <p:sldId id="276" r:id="rId9"/>
     <p:sldId id="278" r:id="rId10"/>
     <p:sldId id="279" r:id="rId11"/>
   </p:sldIdLst>
@@ -150,6 +150,18 @@
 </p:presentation>
 </file>
 
+<file path=ppt/commentAuthors.xml><?xml version="1.0" encoding="utf-8"?>
+<p:cmAuthorLst xmlns:a="http://schemas.openxmlformats.org/drawingml/2006/main" xmlns:r="http://schemas.openxmlformats.org/officeDocument/2006/relationships" xmlns:p="http://schemas.openxmlformats.org/presentationml/2006/main">
+  <p:cmAuthor id="1" name="User" initials="U" lastIdx="1" clrIdx="0">
+    <p:extLst>
+      <p:ext uri="{19B8F6BF-5375-455C-9EA6-DF929625EA0E}">
+        <p15:presenceInfo xmlns:p15="http://schemas.microsoft.com/office/powerpoint/2012/main" userId="User" providerId="None"/>
+      </p:ext>
+    </p:extLst>
+  </p:cmAuthor>
+</p:cmAuthorLst>
+</file>
+
 <file path=ppt/notesMasters/notesMaster1.xml><?xml version="1.0" encoding="utf-8"?>
 <p:notesMaster xmlns:a="http://schemas.openxmlformats.org/drawingml/2006/main" xmlns:r="http://schemas.openxmlformats.org/officeDocument/2006/relationships" xmlns:p="http://schemas.openxmlformats.org/presentationml/2006/main">
   <p:cSld>
@@ -232,7 +244,7 @@
           <a:p>
             <a:fld id="{C8649E71-8129-4905-BAC0-51D65A0C1379}" type="datetimeFigureOut">
               <a:rPr lang="ko-KR" altLang="en-US" smtClean="0"/>
-              <a:t>2023-12-22</a:t>
+              <a:t>2023-12-26</a:t>
             </a:fld>
             <a:endParaRPr lang="ko-KR" altLang="en-US"/>
           </a:p>
@@ -730,7 +742,7 @@
           <a:p>
             <a:fld id="{523D6941-6B33-4834-BC65-A333846D27E6}" type="datetimeFigureOut">
               <a:rPr lang="ko-KR" altLang="en-US" smtClean="0"/>
-              <a:t>2023-12-22</a:t>
+              <a:t>2023-12-26</a:t>
             </a:fld>
             <a:endParaRPr lang="ko-KR" altLang="en-US"/>
           </a:p>
@@ -928,7 +940,7 @@
           <a:p>
             <a:fld id="{523D6941-6B33-4834-BC65-A333846D27E6}" type="datetimeFigureOut">
               <a:rPr lang="ko-KR" altLang="en-US" smtClean="0"/>
-              <a:t>2023-12-22</a:t>
+              <a:t>2023-12-26</a:t>
             </a:fld>
             <a:endParaRPr lang="ko-KR" altLang="en-US"/>
           </a:p>
@@ -1136,7 +1148,7 @@
           <a:p>
             <a:fld id="{523D6941-6B33-4834-BC65-A333846D27E6}" type="datetimeFigureOut">
               <a:rPr lang="ko-KR" altLang="en-US" smtClean="0"/>
-              <a:t>2023-12-22</a:t>
+              <a:t>2023-12-26</a:t>
             </a:fld>
             <a:endParaRPr lang="ko-KR" altLang="en-US"/>
           </a:p>
@@ -1334,7 +1346,7 @@
           <a:p>
             <a:fld id="{523D6941-6B33-4834-BC65-A333846D27E6}" type="datetimeFigureOut">
               <a:rPr lang="ko-KR" altLang="en-US" smtClean="0"/>
-              <a:t>2023-12-22</a:t>
+              <a:t>2023-12-26</a:t>
             </a:fld>
             <a:endParaRPr lang="ko-KR" altLang="en-US"/>
           </a:p>
@@ -1609,7 +1621,7 @@
           <a:p>
             <a:fld id="{523D6941-6B33-4834-BC65-A333846D27E6}" type="datetimeFigureOut">
               <a:rPr lang="ko-KR" altLang="en-US" smtClean="0"/>
-              <a:t>2023-12-22</a:t>
+              <a:t>2023-12-26</a:t>
             </a:fld>
             <a:endParaRPr lang="ko-KR" altLang="en-US"/>
           </a:p>
@@ -1874,7 +1886,7 @@
           <a:p>
             <a:fld id="{523D6941-6B33-4834-BC65-A333846D27E6}" type="datetimeFigureOut">
               <a:rPr lang="ko-KR" altLang="en-US" smtClean="0"/>
-              <a:t>2023-12-22</a:t>
+              <a:t>2023-12-26</a:t>
             </a:fld>
             <a:endParaRPr lang="ko-KR" altLang="en-US"/>
           </a:p>
@@ -2286,7 +2298,7 @@
           <a:p>
             <a:fld id="{523D6941-6B33-4834-BC65-A333846D27E6}" type="datetimeFigureOut">
               <a:rPr lang="ko-KR" altLang="en-US" smtClean="0"/>
-              <a:t>2023-12-22</a:t>
+              <a:t>2023-12-26</a:t>
             </a:fld>
             <a:endParaRPr lang="ko-KR" altLang="en-US"/>
           </a:p>
@@ -2427,7 +2439,7 @@
           <a:p>
             <a:fld id="{523D6941-6B33-4834-BC65-A333846D27E6}" type="datetimeFigureOut">
               <a:rPr lang="ko-KR" altLang="en-US" smtClean="0"/>
-              <a:t>2023-12-22</a:t>
+              <a:t>2023-12-26</a:t>
             </a:fld>
             <a:endParaRPr lang="ko-KR" altLang="en-US"/>
           </a:p>
@@ -2540,7 +2552,7 @@
           <a:p>
             <a:fld id="{523D6941-6B33-4834-BC65-A333846D27E6}" type="datetimeFigureOut">
               <a:rPr lang="ko-KR" altLang="en-US" smtClean="0"/>
-              <a:t>2023-12-22</a:t>
+              <a:t>2023-12-26</a:t>
             </a:fld>
             <a:endParaRPr lang="ko-KR" altLang="en-US"/>
           </a:p>
@@ -2851,7 +2863,7 @@
           <a:p>
             <a:fld id="{523D6941-6B33-4834-BC65-A333846D27E6}" type="datetimeFigureOut">
               <a:rPr lang="ko-KR" altLang="en-US" smtClean="0"/>
-              <a:t>2023-12-22</a:t>
+              <a:t>2023-12-26</a:t>
             </a:fld>
             <a:endParaRPr lang="ko-KR" altLang="en-US"/>
           </a:p>
@@ -3139,7 +3151,7 @@
           <a:p>
             <a:fld id="{523D6941-6B33-4834-BC65-A333846D27E6}" type="datetimeFigureOut">
               <a:rPr lang="ko-KR" altLang="en-US" smtClean="0"/>
-              <a:t>2023-12-22</a:t>
+              <a:t>2023-12-26</a:t>
             </a:fld>
             <a:endParaRPr lang="ko-KR" altLang="en-US"/>
           </a:p>
@@ -3380,7 +3392,7 @@
           <a:p>
             <a:fld id="{523D6941-6B33-4834-BC65-A333846D27E6}" type="datetimeFigureOut">
               <a:rPr lang="ko-KR" altLang="en-US" smtClean="0"/>
-              <a:t>2023-12-22</a:t>
+              <a:t>2023-12-26</a:t>
             </a:fld>
             <a:endParaRPr lang="ko-KR" altLang="en-US"/>
           </a:p>
@@ -3956,10 +3968,10 @@
       </p:sp>
       <p:pic>
         <p:nvPicPr>
-          <p:cNvPr id="6" name="그림 5">
+          <p:cNvPr id="3" name="그림 2">
             <a:extLst>
               <a:ext uri="{FF2B5EF4-FFF2-40B4-BE49-F238E27FC236}">
-                <a16:creationId xmlns:a16="http://schemas.microsoft.com/office/drawing/2014/main" id="{75140BD8-E2AA-4E03-ABA4-65E1E4D5408B}"/>
+                <a16:creationId xmlns:a16="http://schemas.microsoft.com/office/drawing/2014/main" id="{71177E33-B681-40E6-9CD0-8AF32C413AD5}"/>
               </a:ext>
             </a:extLst>
           </p:cNvPr>
@@ -3968,21 +3980,22 @@
           </p:cNvPicPr>
           <p:nvPr/>
         </p:nvPicPr>
-        <p:blipFill rotWithShape="1">
-          <a:blip r:embed="rId2" cstate="print">
+        <p:blipFill>
+          <a:blip r:embed="rId2">
             <a:extLst>
               <a:ext uri="{28A0092B-C50C-407E-A947-70E740481C1C}">
                 <a14:useLocalDpi xmlns:a14="http://schemas.microsoft.com/office/drawing/2010/main" val="0"/>
               </a:ext>
             </a:extLst>
           </a:blip>
-          <a:srcRect/>
-          <a:stretch/>
+          <a:stretch>
+            <a:fillRect/>
+          </a:stretch>
         </p:blipFill>
         <p:spPr>
           <a:xfrm>
-            <a:off x="5249306" y="1158875"/>
-            <a:ext cx="1538356" cy="4906108"/>
+            <a:off x="2471737" y="1530960"/>
+            <a:ext cx="7248525" cy="4200525"/>
           </a:xfrm>
           <a:prstGeom prst="rect">
             <a:avLst/>
@@ -7042,14 +7055,14 @@
           <p:nvPr>
             <p:extLst>
               <p:ext uri="{D42A27DB-BD31-4B8C-83A1-F6EECF244321}">
-                <p14:modId xmlns:p14="http://schemas.microsoft.com/office/powerpoint/2010/main" val="3610643218"/>
+                <p14:modId xmlns:p14="http://schemas.microsoft.com/office/powerpoint/2010/main" val="2773145281"/>
               </p:ext>
             </p:extLst>
           </p:nvPr>
         </p:nvGraphicFramePr>
         <p:xfrm>
-          <a:off x="4242434" y="1900071"/>
-          <a:ext cx="3707130" cy="1180734"/>
+          <a:off x="3074670" y="1900071"/>
+          <a:ext cx="6042660" cy="1180734"/>
         </p:xfrm>
         <a:graphic>
           <a:graphicData uri="http://schemas.openxmlformats.org/drawingml/2006/table">
@@ -7058,7 +7071,7 @@
                 <a:tableStyleId>{5C22544A-7EE6-4342-B048-85BDC9FD1C3A}</a:tableStyleId>
               </a:tblPr>
               <a:tblGrid>
-                <a:gridCol w="3707130">
+                <a:gridCol w="6042660">
                   <a:extLst>
                     <a:ext uri="{9D8B030D-6E8A-4147-A177-3AD203B41FA5}">
                       <a16:colId xmlns:a16="http://schemas.microsoft.com/office/drawing/2014/main" val="595126482"/>
@@ -7265,10 +7278,10 @@
       </p:grpSpPr>
       <p:pic>
         <p:nvPicPr>
-          <p:cNvPr id="4" name="그림 3">
+          <p:cNvPr id="3" name="그림 2">
             <a:extLst>
               <a:ext uri="{FF2B5EF4-FFF2-40B4-BE49-F238E27FC236}">
-                <a16:creationId xmlns:a16="http://schemas.microsoft.com/office/drawing/2014/main" id="{06C1AA19-9D6F-4750-83E5-31CF6DB381FE}"/>
+                <a16:creationId xmlns:a16="http://schemas.microsoft.com/office/drawing/2014/main" id="{E0DF3656-6D30-4870-9AB4-12A58345832B}"/>
               </a:ext>
             </a:extLst>
           </p:cNvPr>
@@ -7277,82 +7290,28 @@
           </p:cNvPicPr>
           <p:nvPr/>
         </p:nvPicPr>
-        <p:blipFill rotWithShape="1">
-          <a:blip r:embed="rId2" cstate="print">
+        <p:blipFill>
+          <a:blip r:embed="rId2">
             <a:extLst>
               <a:ext uri="{28A0092B-C50C-407E-A947-70E740481C1C}">
                 <a14:useLocalDpi xmlns:a14="http://schemas.microsoft.com/office/drawing/2010/main" val="0"/>
               </a:ext>
             </a:extLst>
           </a:blip>
-          <a:srcRect/>
-          <a:stretch/>
+          <a:stretch>
+            <a:fillRect/>
+          </a:stretch>
         </p:blipFill>
         <p:spPr>
           <a:xfrm>
-            <a:off x="3863049" y="291904"/>
-            <a:ext cx="5412836" cy="6361970"/>
+            <a:off x="3919625" y="291904"/>
+            <a:ext cx="4134130" cy="6309632"/>
           </a:xfrm>
           <a:prstGeom prst="rect">
             <a:avLst/>
           </a:prstGeom>
         </p:spPr>
       </p:pic>
-      <p:sp>
-        <p:nvSpPr>
-          <p:cNvPr id="5" name="제목 1">
-            <a:extLst>
-              <a:ext uri="{FF2B5EF4-FFF2-40B4-BE49-F238E27FC236}">
-                <a16:creationId xmlns:a16="http://schemas.microsoft.com/office/drawing/2014/main" id="{14F15C56-20BC-4075-8698-EBBFC81F9020}"/>
-              </a:ext>
-            </a:extLst>
-          </p:cNvPr>
-          <p:cNvSpPr txBox="1">
-            <a:spLocks/>
-          </p:cNvSpPr>
-          <p:nvPr/>
-        </p:nvSpPr>
-        <p:spPr>
-          <a:xfrm>
-            <a:off x="695325" y="291904"/>
-            <a:ext cx="10801350" cy="861646"/>
-          </a:xfrm>
-          <a:prstGeom prst="rect">
-            <a:avLst/>
-          </a:prstGeom>
-        </p:spPr>
-        <p:txBody>
-          <a:bodyPr vert="horz" lIns="91440" tIns="45720" rIns="91440" bIns="45720" rtlCol="0" anchor="ctr">
-            <a:normAutofit/>
-          </a:bodyPr>
-          <a:lstStyle>
-            <a:lvl1pPr algn="l" defTabSz="914400" rtl="0" eaLnBrk="1" latinLnBrk="1" hangingPunct="1">
-              <a:lnSpc>
-                <a:spcPct val="90000"/>
-              </a:lnSpc>
-              <a:spcBef>
-                <a:spcPct val="0"/>
-              </a:spcBef>
-              <a:buNone/>
-              <a:defRPr sz="4400" kern="1200">
-                <a:solidFill>
-                  <a:schemeClr val="tx1"/>
-                </a:solidFill>
-                <a:latin typeface="+mj-lt"/>
-                <a:ea typeface="+mj-ea"/>
-                <a:cs typeface="+mj-cs"/>
-              </a:defRPr>
-            </a:lvl1pPr>
-          </a:lstStyle>
-          <a:p>
-            <a:r>
-              <a:rPr lang="ko-KR" altLang="en-US" dirty="0"/>
-              <a:t>경험치 획득 규칙</a:t>
-            </a:r>
-            <a:endParaRPr lang="en-US" altLang="ko-KR" dirty="0"/>
-          </a:p>
-        </p:txBody>
-      </p:sp>
     </p:spTree>
     <p:extLst>
       <p:ext uri="{BB962C8B-B14F-4D97-AF65-F5344CB8AC3E}">
@@ -7453,14 +7412,14 @@
           <p:nvPr>
             <p:extLst>
               <p:ext uri="{D42A27DB-BD31-4B8C-83A1-F6EECF244321}">
-                <p14:modId xmlns:p14="http://schemas.microsoft.com/office/powerpoint/2010/main" val="1840404729"/>
+                <p14:modId xmlns:p14="http://schemas.microsoft.com/office/powerpoint/2010/main" val="959149281"/>
               </p:ext>
             </p:extLst>
           </p:nvPr>
         </p:nvGraphicFramePr>
         <p:xfrm>
-          <a:off x="2170172" y="1823957"/>
-          <a:ext cx="7851656" cy="1012103"/>
+          <a:off x="1943417" y="2018811"/>
+          <a:ext cx="8305166" cy="1530263"/>
         </p:xfrm>
         <a:graphic>
           <a:graphicData uri="http://schemas.openxmlformats.org/drawingml/2006/table">
@@ -7469,14 +7428,21 @@
                 <a:tableStyleId>{5C22544A-7EE6-4342-B048-85BDC9FD1C3A}</a:tableStyleId>
               </a:tblPr>
               <a:tblGrid>
-                <a:gridCol w="712994">
+                <a:gridCol w="1065530">
                   <a:extLst>
                     <a:ext uri="{9D8B030D-6E8A-4147-A177-3AD203B41FA5}">
                       <a16:colId xmlns:a16="http://schemas.microsoft.com/office/drawing/2014/main" val="713378066"/>
                     </a:ext>
                   </a:extLst>
                 </a:gridCol>
-                <a:gridCol w="7138662">
+                <a:gridCol w="511493">
+                  <a:extLst>
+                    <a:ext uri="{9D8B030D-6E8A-4147-A177-3AD203B41FA5}">
+                      <a16:colId xmlns:a16="http://schemas.microsoft.com/office/drawing/2014/main" val="3020504956"/>
+                    </a:ext>
+                  </a:extLst>
+                </a:gridCol>
+                <a:gridCol w="6728143">
                   <a:extLst>
                     <a:ext uri="{9D8B030D-6E8A-4147-A177-3AD203B41FA5}">
                       <a16:colId xmlns:a16="http://schemas.microsoft.com/office/drawing/2014/main" val="1178283409"/>
@@ -7485,7 +7451,7 @@
                 </a:gridCol>
               </a:tblGrid>
               <a:tr h="0">
-                <a:tc gridSpan="2">
+                <a:tc gridSpan="3">
                   <a:txBody>
                     <a:bodyPr/>
                     <a:lstStyle/>
@@ -7548,6 +7514,17 @@
                     </a:lnBlToTr>
                     <a:noFill/>
                   </a:tcPr>
+                </a:tc>
+                <a:tc hMerge="1">
+                  <a:txBody>
+                    <a:bodyPr/>
+                    <a:lstStyle/>
+                    <a:p>
+                      <a:pPr latinLnBrk="1"/>
+                      <a:endParaRPr lang="ko-KR" altLang="en-US"/>
+                    </a:p>
+                  </a:txBody>
+                  <a:tcPr/>
                 </a:tc>
                 <a:tc hMerge="1">
                   <a:txBody>
@@ -7567,7 +7544,7 @@
                 </a:extLst>
               </a:tr>
               <a:tr h="284475">
-                <a:tc>
+                <a:tc gridSpan="2">
                   <a:txBody>
                     <a:bodyPr/>
                     <a:lstStyle/>
@@ -7636,6 +7613,17 @@
                     <a:noFill/>
                   </a:tcPr>
                 </a:tc>
+                <a:tc hMerge="1">
+                  <a:txBody>
+                    <a:bodyPr/>
+                    <a:lstStyle/>
+                    <a:p>
+                      <a:pPr latinLnBrk="1"/>
+                      <a:endParaRPr lang="ko-KR" altLang="en-US"/>
+                    </a:p>
+                  </a:txBody>
+                  <a:tcPr/>
+                </a:tc>
                 <a:tc>
                   <a:txBody>
                     <a:bodyPr/>
@@ -7648,7 +7636,23 @@
                             <a:schemeClr val="tx1"/>
                           </a:solidFill>
                         </a:rPr>
-                        <a:t>경험치를 획득하여 필요 경험치를 초과 했을 경우 레벨 업 한다</a:t>
+                        <a:t>경험치를 획득하여 필요 경험치를</a:t>
+                      </a:r>
+                      <a:r>
+                        <a:rPr lang="en-US" altLang="ko-KR" sz="1100" b="0" dirty="0">
+                          <a:solidFill>
+                            <a:schemeClr val="tx1"/>
+                          </a:solidFill>
+                        </a:rPr>
+                        <a:t> </a:t>
+                      </a:r>
+                      <a:r>
+                        <a:rPr lang="ko-KR" altLang="en-US" sz="1100" b="0" dirty="0">
+                          <a:solidFill>
+                            <a:schemeClr val="tx1"/>
+                          </a:solidFill>
+                        </a:rPr>
+                        <a:t>초과 했을 경우 레벨 업 한다</a:t>
                       </a:r>
                       <a:r>
                         <a:rPr lang="en-US" altLang="ko-KR" sz="1100" b="0" dirty="0">
@@ -7720,6 +7724,362 @@
                 </a:extLst>
               </a:tr>
               <a:tr h="468548">
+                <a:tc gridSpan="2">
+                  <a:txBody>
+                    <a:bodyPr/>
+                    <a:lstStyle/>
+                    <a:p>
+                      <a:pPr algn="ctr" latinLnBrk="1"/>
+                      <a:r>
+                        <a:rPr lang="en-US" altLang="ko-KR" sz="1100" b="0" dirty="0">
+                          <a:solidFill>
+                            <a:schemeClr val="tx1"/>
+                          </a:solidFill>
+                        </a:rPr>
+                        <a:t>4~7</a:t>
+                      </a:r>
+                      <a:endParaRPr lang="ko-KR" altLang="en-US" sz="1100" b="0" dirty="0">
+                        <a:solidFill>
+                          <a:schemeClr val="tx1"/>
+                        </a:solidFill>
+                      </a:endParaRPr>
+                    </a:p>
+                  </a:txBody>
+                  <a:tcPr anchor="ctr">
+                    <a:lnL w="12700" cap="flat" cmpd="sng" algn="ctr">
+                      <a:solidFill>
+                        <a:schemeClr val="tx1"/>
+                      </a:solidFill>
+                      <a:prstDash val="solid"/>
+                      <a:round/>
+                      <a:headEnd type="none" w="med" len="med"/>
+                      <a:tailEnd type="none" w="med" len="med"/>
+                    </a:lnL>
+                    <a:lnR w="12700" cap="flat" cmpd="sng" algn="ctr">
+                      <a:solidFill>
+                        <a:schemeClr val="tx1"/>
+                      </a:solidFill>
+                      <a:prstDash val="solid"/>
+                      <a:round/>
+                      <a:headEnd type="none" w="med" len="med"/>
+                      <a:tailEnd type="none" w="med" len="med"/>
+                    </a:lnR>
+                    <a:lnT w="12700" cap="flat" cmpd="sng" algn="ctr">
+                      <a:solidFill>
+                        <a:schemeClr val="tx1"/>
+                      </a:solidFill>
+                      <a:prstDash val="solid"/>
+                      <a:round/>
+                      <a:headEnd type="none" w="med" len="med"/>
+                      <a:tailEnd type="none" w="med" len="med"/>
+                    </a:lnT>
+                    <a:lnB w="12700" cap="flat" cmpd="sng" algn="ctr">
+                      <a:solidFill>
+                        <a:schemeClr val="tx1"/>
+                      </a:solidFill>
+                      <a:prstDash val="solid"/>
+                      <a:round/>
+                      <a:headEnd type="none" w="med" len="med"/>
+                      <a:tailEnd type="none" w="med" len="med"/>
+                    </a:lnB>
+                    <a:lnTlToBr w="12700" cmpd="sng">
+                      <a:noFill/>
+                      <a:prstDash val="solid"/>
+                    </a:lnTlToBr>
+                    <a:lnBlToTr w="12700" cmpd="sng">
+                      <a:noFill/>
+                      <a:prstDash val="solid"/>
+                    </a:lnBlToTr>
+                    <a:noFill/>
+                  </a:tcPr>
+                </a:tc>
+                <a:tc hMerge="1">
+                  <a:txBody>
+                    <a:bodyPr/>
+                    <a:lstStyle/>
+                    <a:p>
+                      <a:pPr latinLnBrk="1"/>
+                      <a:endParaRPr lang="ko-KR" altLang="en-US"/>
+                    </a:p>
+                  </a:txBody>
+                  <a:tcPr/>
+                </a:tc>
+                <a:tc>
+                  <a:txBody>
+                    <a:bodyPr/>
+                    <a:lstStyle/>
+                    <a:p>
+                      <a:pPr marL="0" marR="0" lvl="0" indent="0" algn="ctr" defTabSz="914400" rtl="0" eaLnBrk="1" fontAlgn="auto" latinLnBrk="1" hangingPunct="1">
+                        <a:lnSpc>
+                          <a:spcPct val="100000"/>
+                        </a:lnSpc>
+                        <a:spcBef>
+                          <a:spcPts val="0"/>
+                        </a:spcBef>
+                        <a:spcAft>
+                          <a:spcPts val="0"/>
+                        </a:spcAft>
+                        <a:buClrTx/>
+                        <a:buSzTx/>
+                        <a:buFontTx/>
+                        <a:buNone/>
+                        <a:tabLst/>
+                        <a:defRPr/>
+                      </a:pPr>
+                      <a:r>
+                        <a:rPr lang="ko-KR" altLang="en-US" sz="1100" b="0" dirty="0">
+                          <a:solidFill>
+                            <a:schemeClr val="tx1"/>
+                          </a:solidFill>
+                        </a:rPr>
+                        <a:t>모든 능력치가 성장 한계치에 도달 했을 경험치를</a:t>
+                      </a:r>
+                      <a:r>
+                        <a:rPr lang="en-US" altLang="ko-KR" sz="1100" b="0" dirty="0">
+                          <a:solidFill>
+                            <a:schemeClr val="tx1"/>
+                          </a:solidFill>
+                        </a:rPr>
+                        <a:t> </a:t>
+                      </a:r>
+                      <a:r>
+                        <a:rPr lang="ko-KR" altLang="en-US" sz="1100" b="0" dirty="0">
+                          <a:solidFill>
+                            <a:schemeClr val="tx1"/>
+                          </a:solidFill>
+                        </a:rPr>
+                        <a:t>획득하여 필요 경험치를 초과 했을 경우 레벨 업 한다</a:t>
+                      </a:r>
+                      <a:r>
+                        <a:rPr lang="en-US" altLang="ko-KR" sz="1100" b="0" dirty="0">
+                          <a:solidFill>
+                            <a:schemeClr val="tx1"/>
+                          </a:solidFill>
+                        </a:rPr>
+                        <a:t>.</a:t>
+                      </a:r>
+                    </a:p>
+                    <a:p>
+                      <a:pPr marL="0" marR="0" lvl="0" indent="0" algn="ctr" defTabSz="914400" rtl="0" eaLnBrk="1" fontAlgn="auto" latinLnBrk="1" hangingPunct="1">
+                        <a:lnSpc>
+                          <a:spcPct val="100000"/>
+                        </a:lnSpc>
+                        <a:spcBef>
+                          <a:spcPts val="0"/>
+                        </a:spcBef>
+                        <a:spcAft>
+                          <a:spcPts val="0"/>
+                        </a:spcAft>
+                        <a:buClrTx/>
+                        <a:buSzTx/>
+                        <a:buFontTx/>
+                        <a:buNone/>
+                        <a:tabLst/>
+                        <a:defRPr/>
+                      </a:pPr>
+                      <a:r>
+                        <a:rPr lang="en-US" altLang="ko-KR" sz="1100" b="0" dirty="0">
+                          <a:solidFill>
+                            <a:schemeClr val="tx1"/>
+                          </a:solidFill>
+                        </a:rPr>
+                        <a:t>(</a:t>
+                      </a:r>
+                      <a:r>
+                        <a:rPr lang="ko-KR" altLang="en-US" sz="1100" b="0" dirty="0">
+                          <a:solidFill>
+                            <a:schemeClr val="tx1"/>
+                          </a:solidFill>
+                        </a:rPr>
+                        <a:t>성장 한계치에 도달 하지 않을 경우 경험치가 </a:t>
+                      </a:r>
+                      <a:r>
+                        <a:rPr lang="en-US" altLang="ko-KR" sz="1100" b="0" dirty="0">
+                          <a:solidFill>
+                            <a:schemeClr val="tx1"/>
+                          </a:solidFill>
+                        </a:rPr>
+                        <a:t>99.99%</a:t>
+                      </a:r>
+                      <a:r>
+                        <a:rPr lang="ko-KR" altLang="en-US" sz="1100" b="0" dirty="0">
+                          <a:solidFill>
+                            <a:schemeClr val="tx1"/>
+                          </a:solidFill>
+                        </a:rPr>
+                        <a:t>에서 멈춘다</a:t>
+                      </a:r>
+                      <a:r>
+                        <a:rPr lang="en-US" altLang="ko-KR" sz="1100" b="0" dirty="0">
+                          <a:solidFill>
+                            <a:schemeClr val="tx1"/>
+                          </a:solidFill>
+                        </a:rPr>
+                        <a:t>.)</a:t>
+                      </a:r>
+                      <a:endParaRPr lang="ko-KR" altLang="en-US" sz="1100" b="0" dirty="0">
+                        <a:solidFill>
+                          <a:schemeClr val="tx1"/>
+                        </a:solidFill>
+                      </a:endParaRPr>
+                    </a:p>
+                  </a:txBody>
+                  <a:tcPr anchor="ctr">
+                    <a:lnL w="12700" cap="flat" cmpd="sng" algn="ctr">
+                      <a:solidFill>
+                        <a:schemeClr val="tx1"/>
+                      </a:solidFill>
+                      <a:prstDash val="solid"/>
+                      <a:round/>
+                      <a:headEnd type="none" w="med" len="med"/>
+                      <a:tailEnd type="none" w="med" len="med"/>
+                    </a:lnL>
+                    <a:lnR w="12700" cap="flat" cmpd="sng" algn="ctr">
+                      <a:solidFill>
+                        <a:schemeClr val="tx1"/>
+                      </a:solidFill>
+                      <a:prstDash val="solid"/>
+                      <a:round/>
+                      <a:headEnd type="none" w="med" len="med"/>
+                      <a:tailEnd type="none" w="med" len="med"/>
+                    </a:lnR>
+                    <a:lnT w="12700" cap="flat" cmpd="sng" algn="ctr">
+                      <a:solidFill>
+                        <a:schemeClr val="tx1"/>
+                      </a:solidFill>
+                      <a:prstDash val="solid"/>
+                      <a:round/>
+                      <a:headEnd type="none" w="med" len="med"/>
+                      <a:tailEnd type="none" w="med" len="med"/>
+                    </a:lnT>
+                    <a:lnB w="12700" cap="flat" cmpd="sng" algn="ctr">
+                      <a:solidFill>
+                        <a:schemeClr val="tx1"/>
+                      </a:solidFill>
+                      <a:prstDash val="solid"/>
+                      <a:round/>
+                      <a:headEnd type="none" w="med" len="med"/>
+                      <a:tailEnd type="none" w="med" len="med"/>
+                    </a:lnB>
+                    <a:lnTlToBr w="12700" cmpd="sng">
+                      <a:noFill/>
+                      <a:prstDash val="solid"/>
+                    </a:lnTlToBr>
+                    <a:lnBlToTr w="12700" cmpd="sng">
+                      <a:noFill/>
+                      <a:prstDash val="solid"/>
+                    </a:lnBlToTr>
+                    <a:noFill/>
+                  </a:tcPr>
+                </a:tc>
+                <a:extLst>
+                  <a:ext uri="{0D108BD9-81ED-4DB2-BD59-A6C34878D82A}">
+                    <a16:rowId xmlns:a16="http://schemas.microsoft.com/office/drawing/2014/main" val="106082492"/>
+                  </a:ext>
+                </a:extLst>
+              </a:tr>
+              <a:tr h="234274">
+                <a:tc rowSpan="2">
+                  <a:txBody>
+                    <a:bodyPr/>
+                    <a:lstStyle/>
+                    <a:p>
+                      <a:pPr algn="ctr" latinLnBrk="1"/>
+                      <a:r>
+                        <a:rPr lang="ko-KR" altLang="en-US" sz="1100" b="0" dirty="0">
+                          <a:solidFill>
+                            <a:schemeClr val="tx1"/>
+                          </a:solidFill>
+                        </a:rPr>
+                        <a:t>초과 경험치</a:t>
+                      </a:r>
+                      <a:endParaRPr lang="en-US" altLang="ko-KR" sz="1100" b="0" dirty="0">
+                        <a:solidFill>
+                          <a:schemeClr val="tx1"/>
+                        </a:solidFill>
+                      </a:endParaRPr>
+                    </a:p>
+                    <a:p>
+                      <a:pPr algn="ctr" latinLnBrk="1"/>
+                      <a:r>
+                        <a:rPr lang="en-US" altLang="ko-KR" sz="1100" b="0" dirty="0">
+                          <a:solidFill>
+                            <a:schemeClr val="tx1"/>
+                          </a:solidFill>
+                        </a:rPr>
+                        <a:t>(</a:t>
+                      </a:r>
+                      <a:r>
+                        <a:rPr lang="ko-KR" altLang="en-US" sz="1100" b="0" dirty="0">
+                          <a:solidFill>
+                            <a:schemeClr val="tx1"/>
+                          </a:solidFill>
+                        </a:rPr>
+                        <a:t>잔여 경험치</a:t>
+                      </a:r>
+                      <a:r>
+                        <a:rPr lang="en-US" altLang="ko-KR" sz="1100" b="0" dirty="0">
+                          <a:solidFill>
+                            <a:schemeClr val="tx1"/>
+                          </a:solidFill>
+                        </a:rPr>
+                        <a:t>)</a:t>
+                      </a:r>
+                      <a:endParaRPr lang="ko-KR" altLang="en-US" sz="1100" b="0" dirty="0">
+                        <a:solidFill>
+                          <a:schemeClr val="tx1"/>
+                        </a:solidFill>
+                      </a:endParaRPr>
+                    </a:p>
+                  </a:txBody>
+                  <a:tcPr anchor="ctr">
+                    <a:lnL w="12700" cap="flat" cmpd="sng" algn="ctr">
+                      <a:solidFill>
+                        <a:schemeClr val="tx1"/>
+                      </a:solidFill>
+                      <a:prstDash val="solid"/>
+                      <a:round/>
+                      <a:headEnd type="none" w="med" len="med"/>
+                      <a:tailEnd type="none" w="med" len="med"/>
+                    </a:lnL>
+                    <a:lnR w="12700" cap="flat" cmpd="sng" algn="ctr">
+                      <a:solidFill>
+                        <a:schemeClr val="tx1"/>
+                      </a:solidFill>
+                      <a:prstDash val="solid"/>
+                      <a:round/>
+                      <a:headEnd type="none" w="med" len="med"/>
+                      <a:tailEnd type="none" w="med" len="med"/>
+                    </a:lnR>
+                    <a:lnT w="12700" cap="flat" cmpd="sng" algn="ctr">
+                      <a:solidFill>
+                        <a:schemeClr val="tx1"/>
+                      </a:solidFill>
+                      <a:prstDash val="solid"/>
+                      <a:round/>
+                      <a:headEnd type="none" w="med" len="med"/>
+                      <a:tailEnd type="none" w="med" len="med"/>
+                    </a:lnT>
+                    <a:lnB w="12700" cap="flat" cmpd="sng" algn="ctr">
+                      <a:solidFill>
+                        <a:schemeClr val="tx1"/>
+                      </a:solidFill>
+                      <a:prstDash val="solid"/>
+                      <a:round/>
+                      <a:headEnd type="none" w="med" len="med"/>
+                      <a:tailEnd type="none" w="med" len="med"/>
+                    </a:lnB>
+                    <a:lnTlToBr w="12700" cmpd="sng">
+                      <a:noFill/>
+                      <a:prstDash val="solid"/>
+                    </a:lnTlToBr>
+                    <a:lnBlToTr w="12700" cmpd="sng">
+                      <a:noFill/>
+                      <a:prstDash val="solid"/>
+                    </a:lnBlToTr>
+                    <a:noFill/>
+                  </a:tcPr>
+                </a:tc>
                 <a:tc>
                   <a:txBody>
                     <a:bodyPr/>
@@ -7727,18 +8087,13 @@
                     <a:p>
                       <a:pPr algn="ctr" latinLnBrk="1"/>
                       <a:r>
-                        <a:rPr lang="en-US" altLang="ko-KR" sz="1100" b="0" dirty="0">
-                          <a:solidFill>
-                            <a:schemeClr val="tx1"/>
-                          </a:solidFill>
-                        </a:rPr>
-                        <a:t>4~7</a:t>
-                      </a:r>
-                      <a:endParaRPr lang="ko-KR" altLang="en-US" sz="1100" b="0" dirty="0">
-                        <a:solidFill>
-                          <a:schemeClr val="tx1"/>
-                        </a:solidFill>
-                      </a:endParaRPr>
+                        <a:rPr lang="ko-KR" altLang="en-US" sz="1100" b="0" dirty="0">
+                          <a:solidFill>
+                            <a:schemeClr val="tx1"/>
+                          </a:solidFill>
+                        </a:rPr>
+                        <a:t>공식</a:t>
+                      </a:r>
                     </a:p>
                   </a:txBody>
                   <a:tcPr anchor="ctr">
@@ -7817,7 +8172,7 @@
                             <a:schemeClr val="tx1"/>
                           </a:solidFill>
                         </a:rPr>
-                        <a:t>모든 능력치가 성장 한계치에 도달 했을 경험치를 획득하여 필요 경험치를 초과 했을 경우 레벨 업 한다</a:t>
+                        <a:t>현재 보유 경험치 </a:t>
                       </a:r>
                       <a:r>
                         <a:rPr lang="en-US" altLang="ko-KR" sz="1100" b="0" dirty="0">
@@ -7825,9 +8180,197 @@
                             <a:schemeClr val="tx1"/>
                           </a:solidFill>
                         </a:rPr>
+                        <a:t>+ </a:t>
+                      </a:r>
+                      <a:r>
+                        <a:rPr lang="ko-KR" altLang="en-US" sz="1100" b="0" dirty="0">
+                          <a:solidFill>
+                            <a:schemeClr val="tx1"/>
+                          </a:solidFill>
+                        </a:rPr>
+                        <a:t>획득 경험치 </a:t>
+                      </a:r>
+                      <a:r>
+                        <a:rPr lang="en-US" altLang="ko-KR" sz="1100" b="0" dirty="0">
+                          <a:solidFill>
+                            <a:schemeClr val="tx1"/>
+                          </a:solidFill>
+                        </a:rPr>
+                        <a:t>– </a:t>
+                      </a:r>
+                      <a:r>
+                        <a:rPr lang="ko-KR" altLang="en-US" sz="1100" b="0" dirty="0">
+                          <a:solidFill>
+                            <a:schemeClr val="tx1"/>
+                          </a:solidFill>
+                        </a:rPr>
+                        <a:t>필요 경험치 </a:t>
+                      </a:r>
+                      <a:r>
+                        <a:rPr lang="en-US" altLang="ko-KR" sz="1100" b="0" dirty="0">
+                          <a:solidFill>
+                            <a:schemeClr val="tx1"/>
+                          </a:solidFill>
+                        </a:rPr>
+                        <a:t>= </a:t>
+                      </a:r>
+                      <a:r>
+                        <a:rPr lang="ko-KR" altLang="en-US" sz="1100" b="0" dirty="0">
+                          <a:solidFill>
+                            <a:schemeClr val="tx1"/>
+                          </a:solidFill>
+                        </a:rPr>
+                        <a:t>잔여 경험치</a:t>
+                      </a:r>
+                    </a:p>
+                  </a:txBody>
+                  <a:tcPr anchor="ctr">
+                    <a:lnL w="12700" cap="flat" cmpd="sng" algn="ctr">
+                      <a:solidFill>
+                        <a:schemeClr val="tx1"/>
+                      </a:solidFill>
+                      <a:prstDash val="solid"/>
+                      <a:round/>
+                      <a:headEnd type="none" w="med" len="med"/>
+                      <a:tailEnd type="none" w="med" len="med"/>
+                    </a:lnL>
+                    <a:lnR w="12700" cap="flat" cmpd="sng" algn="ctr">
+                      <a:solidFill>
+                        <a:schemeClr val="tx1"/>
+                      </a:solidFill>
+                      <a:prstDash val="solid"/>
+                      <a:round/>
+                      <a:headEnd type="none" w="med" len="med"/>
+                      <a:tailEnd type="none" w="med" len="med"/>
+                    </a:lnR>
+                    <a:lnT w="12700" cap="flat" cmpd="sng" algn="ctr">
+                      <a:solidFill>
+                        <a:schemeClr val="tx1"/>
+                      </a:solidFill>
+                      <a:prstDash val="solid"/>
+                      <a:round/>
+                      <a:headEnd type="none" w="med" len="med"/>
+                      <a:tailEnd type="none" w="med" len="med"/>
+                    </a:lnT>
+                    <a:lnB w="12700" cap="flat" cmpd="sng" algn="ctr">
+                      <a:solidFill>
+                        <a:schemeClr val="tx1"/>
+                      </a:solidFill>
+                      <a:prstDash val="solid"/>
+                      <a:round/>
+                      <a:headEnd type="none" w="med" len="med"/>
+                      <a:tailEnd type="none" w="med" len="med"/>
+                    </a:lnB>
+                    <a:lnTlToBr w="12700" cmpd="sng">
+                      <a:noFill/>
+                      <a:prstDash val="solid"/>
+                    </a:lnTlToBr>
+                    <a:lnBlToTr w="12700" cmpd="sng">
+                      <a:noFill/>
+                      <a:prstDash val="solid"/>
+                    </a:lnBlToTr>
+                    <a:noFill/>
+                  </a:tcPr>
+                </a:tc>
+                <a:extLst>
+                  <a:ext uri="{0D108BD9-81ED-4DB2-BD59-A6C34878D82A}">
+                    <a16:rowId xmlns:a16="http://schemas.microsoft.com/office/drawing/2014/main" val="1861866621"/>
+                  </a:ext>
+                </a:extLst>
+              </a:tr>
+              <a:tr h="234274">
+                <a:tc vMerge="1">
+                  <a:txBody>
+                    <a:bodyPr/>
+                    <a:lstStyle/>
+                    <a:p>
+                      <a:pPr latinLnBrk="1"/>
+                      <a:endParaRPr lang="ko-KR" altLang="en-US"/>
+                    </a:p>
+                  </a:txBody>
+                  <a:tcPr/>
+                </a:tc>
+                <a:tc gridSpan="2">
+                  <a:txBody>
+                    <a:bodyPr/>
+                    <a:lstStyle/>
+                    <a:p>
+                      <a:pPr algn="ctr" latinLnBrk="1"/>
+                      <a:r>
+                        <a:rPr lang="ko-KR" altLang="en-US" sz="1100" b="0" dirty="0">
+                          <a:solidFill>
+                            <a:schemeClr val="tx1"/>
+                          </a:solidFill>
+                        </a:rPr>
+                        <a:t>레벨 업 후 잔여 경험치 만큼 경험치가 상승한다</a:t>
+                      </a:r>
+                      <a:r>
+                        <a:rPr lang="en-US" altLang="ko-KR" sz="1100" b="0" dirty="0">
+                          <a:solidFill>
+                            <a:schemeClr val="tx1"/>
+                          </a:solidFill>
+                        </a:rPr>
                         <a:t>.</a:t>
                       </a:r>
+                      <a:endParaRPr lang="ko-KR" altLang="en-US" sz="1100" b="0" dirty="0">
+                        <a:solidFill>
+                          <a:schemeClr val="tx1"/>
+                        </a:solidFill>
+                      </a:endParaRPr>
                     </a:p>
+                  </a:txBody>
+                  <a:tcPr anchor="ctr">
+                    <a:lnL w="12700" cap="flat" cmpd="sng" algn="ctr">
+                      <a:solidFill>
+                        <a:schemeClr val="tx1"/>
+                      </a:solidFill>
+                      <a:prstDash val="solid"/>
+                      <a:round/>
+                      <a:headEnd type="none" w="med" len="med"/>
+                      <a:tailEnd type="none" w="med" len="med"/>
+                    </a:lnL>
+                    <a:lnR w="12700" cap="flat" cmpd="sng" algn="ctr">
+                      <a:solidFill>
+                        <a:schemeClr val="tx1"/>
+                      </a:solidFill>
+                      <a:prstDash val="solid"/>
+                      <a:round/>
+                      <a:headEnd type="none" w="med" len="med"/>
+                      <a:tailEnd type="none" w="med" len="med"/>
+                    </a:lnR>
+                    <a:lnT w="12700" cap="flat" cmpd="sng" algn="ctr">
+                      <a:solidFill>
+                        <a:schemeClr val="tx1"/>
+                      </a:solidFill>
+                      <a:prstDash val="solid"/>
+                      <a:round/>
+                      <a:headEnd type="none" w="med" len="med"/>
+                      <a:tailEnd type="none" w="med" len="med"/>
+                    </a:lnT>
+                    <a:lnB w="12700" cap="flat" cmpd="sng" algn="ctr">
+                      <a:solidFill>
+                        <a:schemeClr val="tx1"/>
+                      </a:solidFill>
+                      <a:prstDash val="solid"/>
+                      <a:round/>
+                      <a:headEnd type="none" w="med" len="med"/>
+                      <a:tailEnd type="none" w="med" len="med"/>
+                    </a:lnB>
+                    <a:lnTlToBr w="12700" cmpd="sng">
+                      <a:noFill/>
+                      <a:prstDash val="solid"/>
+                    </a:lnTlToBr>
+                    <a:lnBlToTr w="12700" cmpd="sng">
+                      <a:noFill/>
+                      <a:prstDash val="solid"/>
+                    </a:lnBlToTr>
+                    <a:noFill/>
+                  </a:tcPr>
+                </a:tc>
+                <a:tc hMerge="1">
+                  <a:txBody>
+                    <a:bodyPr/>
+                    <a:lstStyle/>
                     <a:p>
                       <a:pPr marL="0" marR="0" lvl="0" indent="0" algn="ctr" defTabSz="914400" rtl="0" eaLnBrk="1" fontAlgn="auto" latinLnBrk="1" hangingPunct="1">
                         <a:lnSpc>
@@ -7846,46 +8389,6 @@
                         <a:tabLst/>
                         <a:defRPr/>
                       </a:pPr>
-                      <a:r>
-                        <a:rPr lang="en-US" altLang="ko-KR" sz="1100" b="0" dirty="0">
-                          <a:solidFill>
-                            <a:schemeClr val="tx1"/>
-                          </a:solidFill>
-                        </a:rPr>
-                        <a:t>(</a:t>
-                      </a:r>
-                      <a:r>
-                        <a:rPr lang="ko-KR" altLang="en-US" sz="1100" b="0" dirty="0">
-                          <a:solidFill>
-                            <a:schemeClr val="tx1"/>
-                          </a:solidFill>
-                        </a:rPr>
-                        <a:t>성장 한계치에 도달 하지 않을 경우 경험치가 </a:t>
-                      </a:r>
-                      <a:r>
-                        <a:rPr lang="en-US" altLang="ko-KR" sz="1100" b="0" dirty="0">
-                          <a:solidFill>
-                            <a:schemeClr val="tx1"/>
-                          </a:solidFill>
-                        </a:rPr>
-                        <a:t>99.99%</a:t>
-                      </a:r>
-                      <a:r>
-                        <a:rPr lang="ko-KR" altLang="en-US" sz="1100" b="0" dirty="0">
-                          <a:solidFill>
-                            <a:schemeClr val="tx1"/>
-                          </a:solidFill>
-                        </a:rPr>
-                        <a:t>에서 멈춘다</a:t>
-                      </a:r>
-                      <a:r>
-                        <a:rPr lang="en-US" altLang="ko-KR" sz="1100" b="0" dirty="0">
-                          <a:solidFill>
-                            <a:schemeClr val="tx1"/>
-                          </a:solidFill>
-                        </a:rPr>
-                        <a:t>.)</a:t>
-                      </a:r>
                       <a:endParaRPr lang="ko-KR" altLang="en-US" sz="1100" b="0" dirty="0">
                         <a:solidFill>
                           <a:schemeClr val="tx1"/>
@@ -7943,7 +8446,7 @@
                 </a:tc>
                 <a:extLst>
                   <a:ext uri="{0D108BD9-81ED-4DB2-BD59-A6C34878D82A}">
-                    <a16:rowId xmlns:a16="http://schemas.microsoft.com/office/drawing/2014/main" val="106082492"/>
+                    <a16:rowId xmlns:a16="http://schemas.microsoft.com/office/drawing/2014/main" val="3331147658"/>
                   </a:ext>
                 </a:extLst>
               </a:tr>
@@ -7966,14 +8469,14 @@
           <p:nvPr>
             <p:extLst>
               <p:ext uri="{D42A27DB-BD31-4B8C-83A1-F6EECF244321}">
-                <p14:modId xmlns:p14="http://schemas.microsoft.com/office/powerpoint/2010/main" val="2552380294"/>
+                <p14:modId xmlns:p14="http://schemas.microsoft.com/office/powerpoint/2010/main" val="1516191027"/>
               </p:ext>
             </p:extLst>
           </p:nvPr>
         </p:nvGraphicFramePr>
         <p:xfrm>
-          <a:off x="4695030" y="3457135"/>
-          <a:ext cx="2801940" cy="2474583"/>
+          <a:off x="3864767" y="3917179"/>
+          <a:ext cx="4462463" cy="1950720"/>
         </p:xfrm>
         <a:graphic>
           <a:graphicData uri="http://schemas.openxmlformats.org/drawingml/2006/table">
@@ -7982,29 +8485,29 @@
                 <a:tableStyleId>{5C22544A-7EE6-4342-B048-85BDC9FD1C3A}</a:tableStyleId>
               </a:tblPr>
               <a:tblGrid>
-                <a:gridCol w="530822">
+                <a:gridCol w="487680">
                   <a:extLst>
                     <a:ext uri="{9D8B030D-6E8A-4147-A177-3AD203B41FA5}">
                       <a16:colId xmlns:a16="http://schemas.microsoft.com/office/drawing/2014/main" val="796602768"/>
                     </a:ext>
                   </a:extLst>
                 </a:gridCol>
-                <a:gridCol w="975092">
+                <a:gridCol w="1987391">
                   <a:extLst>
                     <a:ext uri="{9D8B030D-6E8A-4147-A177-3AD203B41FA5}">
                       <a16:colId xmlns:a16="http://schemas.microsoft.com/office/drawing/2014/main" val="2203288305"/>
                     </a:ext>
                   </a:extLst>
                 </a:gridCol>
-                <a:gridCol w="1296026">
+                <a:gridCol w="1987392">
                   <a:extLst>
                     <a:ext uri="{9D8B030D-6E8A-4147-A177-3AD203B41FA5}">
-                      <a16:colId xmlns:a16="http://schemas.microsoft.com/office/drawing/2014/main" val="1061775910"/>
+                      <a16:colId xmlns:a16="http://schemas.microsoft.com/office/drawing/2014/main" val="3792401351"/>
                     </a:ext>
                   </a:extLst>
                 </a:gridCol>
               </a:tblGrid>
-              <a:tr h="323525">
+              <a:tr h="0">
                 <a:tc>
                   <a:txBody>
                     <a:bodyPr/>
@@ -8145,7 +8648,7 @@
                             <a:schemeClr val="tx1"/>
                           </a:solidFill>
                         </a:rPr>
-                        <a:t>필요 누적 경험치</a:t>
+                        <a:t>필요 경험치 증가 규칙</a:t>
                       </a:r>
                     </a:p>
                   </a:txBody>
@@ -8203,7 +8706,7 @@
                   </a:ext>
                 </a:extLst>
               </a:tr>
-              <a:tr h="307294">
+              <a:tr h="0">
                 <a:tc>
                   <a:txBody>
                     <a:bodyPr/>
@@ -8410,28 +8913,44 @@
                     <a:noFill/>
                   </a:tcPr>
                 </a:tc>
-                <a:tc>
+                <a:tc rowSpan="3">
                   <a:txBody>
                     <a:bodyPr/>
                     <a:lstStyle/>
                     <a:p>
-                      <a:pPr algn="ctr" latinLnBrk="1"/>
-                      <a:r>
-                        <a:rPr lang="en-US" altLang="ko-KR" sz="1000" b="0" dirty="0">
-                          <a:solidFill>
-                            <a:schemeClr val="tx1"/>
-                          </a:solidFill>
-                        </a:rPr>
-                        <a:t>100</a:t>
-                      </a:r>
-                      <a:endParaRPr lang="ko-KR" altLang="en-US" sz="1000" b="0" dirty="0">
-                        <a:solidFill>
-                          <a:schemeClr val="tx1"/>
-                        </a:solidFill>
-                      </a:endParaRPr>
+                      <a:pPr marL="0" marR="0" lvl="0" indent="0" algn="ctr" defTabSz="914400" rtl="0" eaLnBrk="1" fontAlgn="auto" latinLnBrk="1" hangingPunct="1">
+                        <a:lnSpc>
+                          <a:spcPct val="100000"/>
+                        </a:lnSpc>
+                        <a:spcBef>
+                          <a:spcPts val="0"/>
+                        </a:spcBef>
+                        <a:spcAft>
+                          <a:spcPts val="0"/>
+                        </a:spcAft>
+                        <a:buClrTx/>
+                        <a:buSzTx/>
+                        <a:buFontTx/>
+                        <a:buNone/>
+                        <a:tabLst/>
+                        <a:defRPr/>
+                      </a:pPr>
+                      <a:r>
+                        <a:rPr lang="en-US" altLang="ko-KR" sz="1000" dirty="0"/>
+                        <a:t>100+{(</a:t>
+                      </a:r>
+                      <a:r>
+                        <a:rPr lang="ko-KR" altLang="en-US" sz="1000" dirty="0"/>
+                        <a:t>현재 레벨</a:t>
+                      </a:r>
+                      <a:r>
+                        <a:rPr lang="en-US" altLang="ko-KR" sz="1000" dirty="0"/>
+                        <a:t>) X 25}</a:t>
+                      </a:r>
+                      <a:endParaRPr lang="ko-KR" altLang="en-US" sz="1000" dirty="0"/>
                     </a:p>
                   </a:txBody>
-                  <a:tcPr>
+                  <a:tcPr anchor="ctr">
                     <a:lnL w="12700" cap="flat" cmpd="sng" algn="ctr">
                       <a:solidFill>
                         <a:schemeClr val="tx1"/>
@@ -8485,7 +9004,7 @@
                   </a:ext>
                 </a:extLst>
               </a:tr>
-              <a:tr h="307294">
+              <a:tr h="0">
                 <a:tc>
                   <a:txBody>
                     <a:bodyPr/>
@@ -8692,20 +9211,12 @@
                     <a:noFill/>
                   </a:tcPr>
                 </a:tc>
-                <a:tc>
+                <a:tc vMerge="1">
                   <a:txBody>
                     <a:bodyPr/>
                     <a:lstStyle/>
                     <a:p>
                       <a:pPr algn="ctr" latinLnBrk="1"/>
-                      <a:r>
-                        <a:rPr lang="en-US" altLang="ko-KR" sz="1000" b="0" dirty="0">
-                          <a:solidFill>
-                            <a:schemeClr val="tx1"/>
-                          </a:solidFill>
-                        </a:rPr>
-                        <a:t>250</a:t>
-                      </a:r>
                       <a:endParaRPr lang="ko-KR" altLang="en-US" sz="1000" b="0" dirty="0">
                         <a:solidFill>
                           <a:schemeClr val="tx1"/>
@@ -8767,7 +9278,7 @@
                   </a:ext>
                 </a:extLst>
               </a:tr>
-              <a:tr h="307294">
+              <a:tr h="0">
                 <a:tc>
                   <a:txBody>
                     <a:bodyPr/>
@@ -8974,20 +9485,12 @@
                     <a:noFill/>
                   </a:tcPr>
                 </a:tc>
-                <a:tc>
+                <a:tc vMerge="1">
                   <a:txBody>
                     <a:bodyPr/>
                     <a:lstStyle/>
                     <a:p>
                       <a:pPr algn="ctr" latinLnBrk="1"/>
-                      <a:r>
-                        <a:rPr lang="en-US" altLang="ko-KR" sz="1000" b="0" dirty="0">
-                          <a:solidFill>
-                            <a:schemeClr val="tx1"/>
-                          </a:solidFill>
-                        </a:rPr>
-                        <a:t>475</a:t>
-                      </a:r>
                       <a:endParaRPr lang="ko-KR" altLang="en-US" sz="1000" b="0" dirty="0">
                         <a:solidFill>
                           <a:schemeClr val="tx1"/>
@@ -9049,7 +9552,7 @@
                   </a:ext>
                 </a:extLst>
               </a:tr>
-              <a:tr h="307294">
+              <a:tr h="0">
                 <a:tc>
                   <a:txBody>
                     <a:bodyPr/>
@@ -9256,28 +9759,40 @@
                     <a:noFill/>
                   </a:tcPr>
                 </a:tc>
-                <a:tc>
+                <a:tc rowSpan="3">
                   <a:txBody>
                     <a:bodyPr/>
                     <a:lstStyle/>
                     <a:p>
-                      <a:pPr algn="ctr" latinLnBrk="1"/>
-                      <a:r>
-                        <a:rPr lang="en-US" altLang="ko-KR" sz="1000" b="0" dirty="0">
-                          <a:solidFill>
-                            <a:schemeClr val="tx1"/>
-                          </a:solidFill>
-                        </a:rPr>
-                        <a:t>925</a:t>
-                      </a:r>
-                      <a:endParaRPr lang="ko-KR" altLang="en-US" sz="1000" b="0" dirty="0">
-                        <a:solidFill>
-                          <a:schemeClr val="tx1"/>
-                        </a:solidFill>
-                      </a:endParaRPr>
+                      <a:pPr marL="0" marR="0" lvl="0" indent="0" algn="ctr" defTabSz="914400" rtl="0" eaLnBrk="1" fontAlgn="auto" latinLnBrk="1" hangingPunct="1">
+                        <a:lnSpc>
+                          <a:spcPct val="100000"/>
+                        </a:lnSpc>
+                        <a:spcBef>
+                          <a:spcPts val="0"/>
+                        </a:spcBef>
+                        <a:spcAft>
+                          <a:spcPts val="0"/>
+                        </a:spcAft>
+                        <a:buClrTx/>
+                        <a:buSzTx/>
+                        <a:buFontTx/>
+                        <a:buNone/>
+                        <a:tabLst/>
+                        <a:defRPr/>
+                      </a:pPr>
+                      <a:r>
+                        <a:rPr lang="ko-KR" altLang="en-US" sz="1000" dirty="0"/>
+                        <a:t>이전 레벨 필요 경험치 </a:t>
+                      </a:r>
+                      <a:r>
+                        <a:rPr lang="en-US" altLang="ko-KR" sz="1000" dirty="0"/>
+                        <a:t>X 2</a:t>
+                      </a:r>
+                      <a:endParaRPr lang="ko-KR" altLang="en-US" sz="1000" dirty="0"/>
                     </a:p>
                   </a:txBody>
-                  <a:tcPr>
+                  <a:tcPr anchor="ctr">
                     <a:lnL w="12700" cap="flat" cmpd="sng" algn="ctr">
                       <a:solidFill>
                         <a:schemeClr val="tx1"/>
@@ -9331,7 +9846,7 @@
                   </a:ext>
                 </a:extLst>
               </a:tr>
-              <a:tr h="307294">
+              <a:tr h="0">
                 <a:tc>
                   <a:txBody>
                     <a:bodyPr/>
@@ -9538,20 +10053,12 @@
                     <a:noFill/>
                   </a:tcPr>
                 </a:tc>
-                <a:tc>
+                <a:tc vMerge="1">
                   <a:txBody>
                     <a:bodyPr/>
                     <a:lstStyle/>
                     <a:p>
                       <a:pPr algn="ctr" latinLnBrk="1"/>
-                      <a:r>
-                        <a:rPr lang="en-US" altLang="ko-KR" sz="1000" b="0" dirty="0">
-                          <a:solidFill>
-                            <a:schemeClr val="tx1"/>
-                          </a:solidFill>
-                        </a:rPr>
-                        <a:t>1825</a:t>
-                      </a:r>
                       <a:endParaRPr lang="ko-KR" altLang="en-US" sz="1000" b="0" dirty="0">
                         <a:solidFill>
                           <a:schemeClr val="tx1"/>
@@ -9613,7 +10120,7 @@
                   </a:ext>
                 </a:extLst>
               </a:tr>
-              <a:tr h="307294">
+              <a:tr h="0">
                 <a:tc>
                   <a:txBody>
                     <a:bodyPr/>
@@ -9820,20 +10327,12 @@
                     <a:noFill/>
                   </a:tcPr>
                 </a:tc>
-                <a:tc>
+                <a:tc vMerge="1">
                   <a:txBody>
                     <a:bodyPr/>
                     <a:lstStyle/>
                     <a:p>
                       <a:pPr algn="ctr" latinLnBrk="1"/>
-                      <a:r>
-                        <a:rPr lang="en-US" altLang="ko-KR" sz="1000" b="0" dirty="0">
-                          <a:solidFill>
-                            <a:schemeClr val="tx1"/>
-                          </a:solidFill>
-                        </a:rPr>
-                        <a:t>3,625</a:t>
-                      </a:r>
                       <a:endParaRPr lang="ko-KR" altLang="en-US" sz="1000" b="0" dirty="0">
                         <a:solidFill>
                           <a:schemeClr val="tx1"/>
@@ -9895,7 +10394,7 @@
                   </a:ext>
                 </a:extLst>
               </a:tr>
-              <a:tr h="307294">
+              <a:tr h="0">
                 <a:tc>
                   <a:txBody>
                     <a:bodyPr/>
@@ -10098,23 +10597,35 @@
                     <a:bodyPr/>
                     <a:lstStyle/>
                     <a:p>
-                      <a:pPr algn="ctr" latinLnBrk="1"/>
-                      <a:r>
-                        <a:rPr lang="en-US" altLang="ko-KR" sz="1000" b="0" dirty="0">
-                          <a:solidFill>
-                            <a:schemeClr val="tx1"/>
-                          </a:solidFill>
-                        </a:rPr>
-                        <a:t>8,125</a:t>
-                      </a:r>
-                      <a:endParaRPr lang="ko-KR" altLang="en-US" sz="1000" b="0" dirty="0">
-                        <a:solidFill>
-                          <a:schemeClr val="tx1"/>
-                        </a:solidFill>
-                      </a:endParaRPr>
+                      <a:pPr marL="0" marR="0" lvl="0" indent="0" algn="ctr" defTabSz="914400" rtl="0" eaLnBrk="1" fontAlgn="auto" latinLnBrk="1" hangingPunct="1">
+                        <a:lnSpc>
+                          <a:spcPct val="100000"/>
+                        </a:lnSpc>
+                        <a:spcBef>
+                          <a:spcPts val="0"/>
+                        </a:spcBef>
+                        <a:spcAft>
+                          <a:spcPts val="0"/>
+                        </a:spcAft>
+                        <a:buClrTx/>
+                        <a:buSzTx/>
+                        <a:buFontTx/>
+                        <a:buNone/>
+                        <a:tabLst/>
+                        <a:defRPr/>
+                      </a:pPr>
+                      <a:r>
+                        <a:rPr lang="ko-KR" altLang="en-US" sz="1000" dirty="0"/>
+                        <a:t>이전 레벨 필요 경험치 </a:t>
+                      </a:r>
+                      <a:r>
+                        <a:rPr lang="en-US" altLang="ko-KR" sz="1000" dirty="0"/>
+                        <a:t>X 2.5</a:t>
+                      </a:r>
+                      <a:endParaRPr lang="ko-KR" altLang="en-US" sz="1000" dirty="0"/>
                     </a:p>
                   </a:txBody>
-                  <a:tcPr>
+                  <a:tcPr anchor="ctr">
                     <a:lnL w="12700" cap="flat" cmpd="sng" algn="ctr">
                       <a:solidFill>
                         <a:schemeClr val="tx1"/>
@@ -10202,126 +10713,959 @@
           <a:chExt cx="0" cy="0"/>
         </a:xfrm>
       </p:grpSpPr>
-      <p:sp>
-        <p:nvSpPr>
-          <p:cNvPr id="15" name="제목 1">
+      <p:graphicFrame>
+        <p:nvGraphicFramePr>
+          <p:cNvPr id="13" name="표 19">
             <a:extLst>
               <a:ext uri="{FF2B5EF4-FFF2-40B4-BE49-F238E27FC236}">
-                <a16:creationId xmlns:a16="http://schemas.microsoft.com/office/drawing/2014/main" id="{D6934511-6C2D-4418-82E4-20F329A1F4E1}"/>
+                <a16:creationId xmlns:a16="http://schemas.microsoft.com/office/drawing/2014/main" id="{CCBFFAD8-7909-4DAF-BFF1-EE85182C50E4}"/>
               </a:ext>
             </a:extLst>
           </p:cNvPr>
-          <p:cNvSpPr txBox="1">
-            <a:spLocks/>
-          </p:cNvSpPr>
-          <p:nvPr/>
-        </p:nvSpPr>
-        <p:spPr>
-          <a:xfrm>
-            <a:off x="695325" y="291904"/>
-            <a:ext cx="10801350" cy="861646"/>
-          </a:xfrm>
-          <a:prstGeom prst="rect">
-            <a:avLst/>
-          </a:prstGeom>
-        </p:spPr>
-        <p:txBody>
-          <a:bodyPr vert="horz" lIns="91440" tIns="45720" rIns="91440" bIns="45720" rtlCol="0" anchor="ctr">
-            <a:normAutofit/>
-          </a:bodyPr>
-          <a:lstStyle>
-            <a:lvl1pPr algn="l" defTabSz="914400" rtl="0" eaLnBrk="1" latinLnBrk="1" hangingPunct="1">
-              <a:lnSpc>
-                <a:spcPct val="90000"/>
-              </a:lnSpc>
-              <a:spcBef>
-                <a:spcPct val="0"/>
-              </a:spcBef>
-              <a:buNone/>
-              <a:defRPr sz="4400" kern="1200">
-                <a:solidFill>
-                  <a:schemeClr val="tx1"/>
-                </a:solidFill>
-                <a:latin typeface="+mj-lt"/>
-                <a:ea typeface="+mj-ea"/>
-                <a:cs typeface="+mj-cs"/>
-              </a:defRPr>
-            </a:lvl1pPr>
-          </a:lstStyle>
-          <a:p>
-            <a:r>
-              <a:rPr lang="ko-KR" altLang="en-US" dirty="0"/>
-              <a:t>레벨 업 가능 판단 및 레벨 상승</a:t>
-            </a:r>
-            <a:endParaRPr lang="en-US" altLang="ko-KR" dirty="0"/>
-          </a:p>
-        </p:txBody>
-      </p:sp>
-      <p:pic>
-        <p:nvPicPr>
-          <p:cNvPr id="7" name="그림 6">
-            <a:extLst>
-              <a:ext uri="{FF2B5EF4-FFF2-40B4-BE49-F238E27FC236}">
-                <a16:creationId xmlns:a16="http://schemas.microsoft.com/office/drawing/2014/main" id="{170C6E60-3A1A-4BDF-8736-5D03E6D7782A}"/>
-              </a:ext>
-            </a:extLst>
-          </p:cNvPr>
-          <p:cNvPicPr>
-            <a:picLocks noChangeAspect="1"/>
-          </p:cNvPicPr>
-          <p:nvPr/>
-        </p:nvPicPr>
-        <p:blipFill rotWithShape="1">
-          <a:blip r:embed="rId2" cstate="print">
-            <a:extLst>
-              <a:ext uri="{28A0092B-C50C-407E-A947-70E740481C1C}">
-                <a14:useLocalDpi xmlns:a14="http://schemas.microsoft.com/office/drawing/2010/main" val="0"/>
-              </a:ext>
-            </a:extLst>
-          </a:blip>
-          <a:srcRect/>
-          <a:stretch/>
-        </p:blipFill>
-        <p:spPr>
-          <a:xfrm>
-            <a:off x="5295900" y="1406769"/>
-            <a:ext cx="1600200" cy="4906108"/>
-          </a:xfrm>
-          <a:prstGeom prst="rect">
-            <a:avLst/>
-          </a:prstGeom>
-        </p:spPr>
-      </p:pic>
-    </p:spTree>
-    <p:extLst>
-      <p:ext uri="{BB962C8B-B14F-4D97-AF65-F5344CB8AC3E}">
-        <p14:creationId xmlns:p14="http://schemas.microsoft.com/office/powerpoint/2010/main" val="4042227084"/>
-      </p:ext>
-    </p:extLst>
-  </p:cSld>
-  <p:clrMapOvr>
-    <a:masterClrMapping/>
-  </p:clrMapOvr>
-</p:sld>
-</file>
-
-<file path=ppt/slides/slide8.xml><?xml version="1.0" encoding="utf-8"?>
-<p:sld xmlns:a="http://schemas.openxmlformats.org/drawingml/2006/main" xmlns:r="http://schemas.openxmlformats.org/officeDocument/2006/relationships" xmlns:p="http://schemas.openxmlformats.org/presentationml/2006/main">
-  <p:cSld>
-    <p:spTree>
-      <p:nvGrpSpPr>
-        <p:cNvPr id="1" name=""/>
-        <p:cNvGrpSpPr/>
-        <p:nvPr/>
-      </p:nvGrpSpPr>
-      <p:grpSpPr>
-        <a:xfrm>
-          <a:off x="0" y="0"/>
-          <a:ext cx="0" cy="0"/>
-          <a:chOff x="0" y="0"/>
-          <a:chExt cx="0" cy="0"/>
-        </a:xfrm>
-      </p:grpSpPr>
+          <p:cNvGraphicFramePr>
+            <a:graphicFrameLocks noGrp="1"/>
+          </p:cNvGraphicFramePr>
+          <p:nvPr>
+            <p:extLst>
+              <p:ext uri="{D42A27DB-BD31-4B8C-83A1-F6EECF244321}">
+                <p14:modId xmlns:p14="http://schemas.microsoft.com/office/powerpoint/2010/main" val="2561364912"/>
+              </p:ext>
+            </p:extLst>
+          </p:nvPr>
+        </p:nvGraphicFramePr>
+        <p:xfrm>
+          <a:off x="2032000" y="1328701"/>
+          <a:ext cx="8128000" cy="2545237"/>
+        </p:xfrm>
+        <a:graphic>
+          <a:graphicData uri="http://schemas.openxmlformats.org/drawingml/2006/table">
+            <a:tbl>
+              <a:tblPr firstRow="1" bandRow="1">
+                <a:tableStyleId>{5C22544A-7EE6-4342-B048-85BDC9FD1C3A}</a:tableStyleId>
+              </a:tblPr>
+              <a:tblGrid>
+                <a:gridCol w="1625600">
+                  <a:extLst>
+                    <a:ext uri="{9D8B030D-6E8A-4147-A177-3AD203B41FA5}">
+                      <a16:colId xmlns:a16="http://schemas.microsoft.com/office/drawing/2014/main" val="1248530594"/>
+                    </a:ext>
+                  </a:extLst>
+                </a:gridCol>
+                <a:gridCol w="1625600">
+                  <a:extLst>
+                    <a:ext uri="{9D8B030D-6E8A-4147-A177-3AD203B41FA5}">
+                      <a16:colId xmlns:a16="http://schemas.microsoft.com/office/drawing/2014/main" val="279115670"/>
+                    </a:ext>
+                  </a:extLst>
+                </a:gridCol>
+                <a:gridCol w="1625600">
+                  <a:extLst>
+                    <a:ext uri="{9D8B030D-6E8A-4147-A177-3AD203B41FA5}">
+                      <a16:colId xmlns:a16="http://schemas.microsoft.com/office/drawing/2014/main" val="1405446678"/>
+                    </a:ext>
+                  </a:extLst>
+                </a:gridCol>
+                <a:gridCol w="1625600">
+                  <a:extLst>
+                    <a:ext uri="{9D8B030D-6E8A-4147-A177-3AD203B41FA5}">
+                      <a16:colId xmlns:a16="http://schemas.microsoft.com/office/drawing/2014/main" val="1522478196"/>
+                    </a:ext>
+                  </a:extLst>
+                </a:gridCol>
+                <a:gridCol w="1625600">
+                  <a:extLst>
+                    <a:ext uri="{9D8B030D-6E8A-4147-A177-3AD203B41FA5}">
+                      <a16:colId xmlns:a16="http://schemas.microsoft.com/office/drawing/2014/main" val="4045238015"/>
+                    </a:ext>
+                  </a:extLst>
+                </a:gridCol>
+              </a:tblGrid>
+              <a:tr h="2234152">
+                <a:tc>
+                  <a:txBody>
+                    <a:bodyPr/>
+                    <a:lstStyle/>
+                    <a:p>
+                      <a:pPr latinLnBrk="1"/>
+                      <a:endParaRPr lang="ko-KR" altLang="en-US" dirty="0"/>
+                    </a:p>
+                  </a:txBody>
+                  <a:tcPr>
+                    <a:lnL w="12700" cap="flat" cmpd="sng" algn="ctr">
+                      <a:solidFill>
+                        <a:schemeClr val="tx1"/>
+                      </a:solidFill>
+                      <a:prstDash val="solid"/>
+                      <a:round/>
+                      <a:headEnd type="none" w="med" len="med"/>
+                      <a:tailEnd type="none" w="med" len="med"/>
+                    </a:lnL>
+                    <a:lnR w="12700" cap="flat" cmpd="sng" algn="ctr">
+                      <a:solidFill>
+                        <a:schemeClr val="tx1"/>
+                      </a:solidFill>
+                      <a:prstDash val="solid"/>
+                      <a:round/>
+                      <a:headEnd type="none" w="med" len="med"/>
+                      <a:tailEnd type="none" w="med" len="med"/>
+                    </a:lnR>
+                    <a:lnT w="12700" cap="flat" cmpd="sng" algn="ctr">
+                      <a:solidFill>
+                        <a:schemeClr val="tx1"/>
+                      </a:solidFill>
+                      <a:prstDash val="solid"/>
+                      <a:round/>
+                      <a:headEnd type="none" w="med" len="med"/>
+                      <a:tailEnd type="none" w="med" len="med"/>
+                    </a:lnT>
+                    <a:lnB w="12700" cap="flat" cmpd="sng" algn="ctr">
+                      <a:solidFill>
+                        <a:schemeClr val="tx1"/>
+                      </a:solidFill>
+                      <a:prstDash val="solid"/>
+                      <a:round/>
+                      <a:headEnd type="none" w="med" len="med"/>
+                      <a:tailEnd type="none" w="med" len="med"/>
+                    </a:lnB>
+                    <a:noFill/>
+                  </a:tcPr>
+                </a:tc>
+                <a:tc>
+                  <a:txBody>
+                    <a:bodyPr/>
+                    <a:lstStyle/>
+                    <a:p>
+                      <a:pPr latinLnBrk="1"/>
+                      <a:endParaRPr lang="ko-KR" altLang="en-US" dirty="0"/>
+                    </a:p>
+                  </a:txBody>
+                  <a:tcPr>
+                    <a:lnL w="12700" cap="flat" cmpd="sng" algn="ctr">
+                      <a:solidFill>
+                        <a:schemeClr val="tx1"/>
+                      </a:solidFill>
+                      <a:prstDash val="solid"/>
+                      <a:round/>
+                      <a:headEnd type="none" w="med" len="med"/>
+                      <a:tailEnd type="none" w="med" len="med"/>
+                    </a:lnL>
+                    <a:lnR w="12700" cap="flat" cmpd="sng" algn="ctr">
+                      <a:solidFill>
+                        <a:schemeClr val="tx1"/>
+                      </a:solidFill>
+                      <a:prstDash val="solid"/>
+                      <a:round/>
+                      <a:headEnd type="none" w="med" len="med"/>
+                      <a:tailEnd type="none" w="med" len="med"/>
+                    </a:lnR>
+                    <a:lnT w="12700" cap="flat" cmpd="sng" algn="ctr">
+                      <a:solidFill>
+                        <a:schemeClr val="tx1"/>
+                      </a:solidFill>
+                      <a:prstDash val="solid"/>
+                      <a:round/>
+                      <a:headEnd type="none" w="med" len="med"/>
+                      <a:tailEnd type="none" w="med" len="med"/>
+                    </a:lnT>
+                    <a:lnB w="12700" cap="flat" cmpd="sng" algn="ctr">
+                      <a:solidFill>
+                        <a:schemeClr val="tx1"/>
+                      </a:solidFill>
+                      <a:prstDash val="solid"/>
+                      <a:round/>
+                      <a:headEnd type="none" w="med" len="med"/>
+                      <a:tailEnd type="none" w="med" len="med"/>
+                    </a:lnB>
+                    <a:noFill/>
+                  </a:tcPr>
+                </a:tc>
+                <a:tc>
+                  <a:txBody>
+                    <a:bodyPr/>
+                    <a:lstStyle/>
+                    <a:p>
+                      <a:pPr latinLnBrk="1"/>
+                      <a:endParaRPr lang="ko-KR" altLang="en-US" dirty="0"/>
+                    </a:p>
+                  </a:txBody>
+                  <a:tcPr>
+                    <a:lnL w="12700" cap="flat" cmpd="sng" algn="ctr">
+                      <a:solidFill>
+                        <a:schemeClr val="tx1"/>
+                      </a:solidFill>
+                      <a:prstDash val="solid"/>
+                      <a:round/>
+                      <a:headEnd type="none" w="med" len="med"/>
+                      <a:tailEnd type="none" w="med" len="med"/>
+                    </a:lnL>
+                    <a:lnR w="12700" cap="flat" cmpd="sng" algn="ctr">
+                      <a:solidFill>
+                        <a:schemeClr val="tx1"/>
+                      </a:solidFill>
+                      <a:prstDash val="solid"/>
+                      <a:round/>
+                      <a:headEnd type="none" w="med" len="med"/>
+                      <a:tailEnd type="none" w="med" len="med"/>
+                    </a:lnR>
+                    <a:lnT w="12700" cap="flat" cmpd="sng" algn="ctr">
+                      <a:solidFill>
+                        <a:schemeClr val="tx1"/>
+                      </a:solidFill>
+                      <a:prstDash val="solid"/>
+                      <a:round/>
+                      <a:headEnd type="none" w="med" len="med"/>
+                      <a:tailEnd type="none" w="med" len="med"/>
+                    </a:lnT>
+                    <a:lnB w="12700" cap="flat" cmpd="sng" algn="ctr">
+                      <a:solidFill>
+                        <a:schemeClr val="tx1"/>
+                      </a:solidFill>
+                      <a:prstDash val="solid"/>
+                      <a:round/>
+                      <a:headEnd type="none" w="med" len="med"/>
+                      <a:tailEnd type="none" w="med" len="med"/>
+                    </a:lnB>
+                    <a:noFill/>
+                  </a:tcPr>
+                </a:tc>
+                <a:tc>
+                  <a:txBody>
+                    <a:bodyPr/>
+                    <a:lstStyle/>
+                    <a:p>
+                      <a:pPr latinLnBrk="1"/>
+                      <a:endParaRPr lang="ko-KR" altLang="en-US" dirty="0"/>
+                    </a:p>
+                  </a:txBody>
+                  <a:tcPr>
+                    <a:lnL w="12700" cap="flat" cmpd="sng" algn="ctr">
+                      <a:solidFill>
+                        <a:schemeClr val="tx1"/>
+                      </a:solidFill>
+                      <a:prstDash val="solid"/>
+                      <a:round/>
+                      <a:headEnd type="none" w="med" len="med"/>
+                      <a:tailEnd type="none" w="med" len="med"/>
+                    </a:lnL>
+                    <a:lnR w="12700" cap="flat" cmpd="sng" algn="ctr">
+                      <a:solidFill>
+                        <a:schemeClr val="tx1"/>
+                      </a:solidFill>
+                      <a:prstDash val="solid"/>
+                      <a:round/>
+                      <a:headEnd type="none" w="med" len="med"/>
+                      <a:tailEnd type="none" w="med" len="med"/>
+                    </a:lnR>
+                    <a:lnT w="12700" cap="flat" cmpd="sng" algn="ctr">
+                      <a:solidFill>
+                        <a:schemeClr val="tx1"/>
+                      </a:solidFill>
+                      <a:prstDash val="solid"/>
+                      <a:round/>
+                      <a:headEnd type="none" w="med" len="med"/>
+                      <a:tailEnd type="none" w="med" len="med"/>
+                    </a:lnT>
+                    <a:lnB w="12700" cap="flat" cmpd="sng" algn="ctr">
+                      <a:solidFill>
+                        <a:schemeClr val="tx1"/>
+                      </a:solidFill>
+                      <a:prstDash val="solid"/>
+                      <a:round/>
+                      <a:headEnd type="none" w="med" len="med"/>
+                      <a:tailEnd type="none" w="med" len="med"/>
+                    </a:lnB>
+                    <a:noFill/>
+                  </a:tcPr>
+                </a:tc>
+                <a:tc>
+                  <a:txBody>
+                    <a:bodyPr/>
+                    <a:lstStyle/>
+                    <a:p>
+                      <a:pPr latinLnBrk="1"/>
+                      <a:endParaRPr lang="ko-KR" altLang="en-US" dirty="0"/>
+                    </a:p>
+                  </a:txBody>
+                  <a:tcPr>
+                    <a:lnL w="12700" cap="flat" cmpd="sng" algn="ctr">
+                      <a:solidFill>
+                        <a:schemeClr val="tx1"/>
+                      </a:solidFill>
+                      <a:prstDash val="solid"/>
+                      <a:round/>
+                      <a:headEnd type="none" w="med" len="med"/>
+                      <a:tailEnd type="none" w="med" len="med"/>
+                    </a:lnL>
+                    <a:lnR w="12700" cap="flat" cmpd="sng" algn="ctr">
+                      <a:solidFill>
+                        <a:schemeClr val="tx1"/>
+                      </a:solidFill>
+                      <a:prstDash val="solid"/>
+                      <a:round/>
+                      <a:headEnd type="none" w="med" len="med"/>
+                      <a:tailEnd type="none" w="med" len="med"/>
+                    </a:lnR>
+                    <a:lnT w="12700" cap="flat" cmpd="sng" algn="ctr">
+                      <a:solidFill>
+                        <a:schemeClr val="tx1"/>
+                      </a:solidFill>
+                      <a:prstDash val="solid"/>
+                      <a:round/>
+                      <a:headEnd type="none" w="med" len="med"/>
+                      <a:tailEnd type="none" w="med" len="med"/>
+                    </a:lnT>
+                    <a:lnB w="12700" cap="flat" cmpd="sng" algn="ctr">
+                      <a:solidFill>
+                        <a:schemeClr val="tx1"/>
+                      </a:solidFill>
+                      <a:prstDash val="solid"/>
+                      <a:round/>
+                      <a:headEnd type="none" w="med" len="med"/>
+                      <a:tailEnd type="none" w="med" len="med"/>
+                    </a:lnB>
+                    <a:noFill/>
+                  </a:tcPr>
+                </a:tc>
+                <a:extLst>
+                  <a:ext uri="{0D108BD9-81ED-4DB2-BD59-A6C34878D82A}">
+                    <a16:rowId xmlns:a16="http://schemas.microsoft.com/office/drawing/2014/main" val="3376155304"/>
+                  </a:ext>
+                </a:extLst>
+              </a:tr>
+              <a:tr h="311085">
+                <a:tc>
+                  <a:txBody>
+                    <a:bodyPr/>
+                    <a:lstStyle/>
+                    <a:p>
+                      <a:pPr algn="ctr" latinLnBrk="1"/>
+                      <a:r>
+                        <a:rPr lang="en-US" altLang="ko-KR" sz="1200" b="0" dirty="0">
+                          <a:solidFill>
+                            <a:schemeClr val="tx1"/>
+                          </a:solidFill>
+                        </a:rPr>
+                        <a:t>1</a:t>
+                      </a:r>
+                      <a:r>
+                        <a:rPr kumimoji="0" lang="ko-KR" altLang="en-US" sz="1200" b="0" i="0" u="none" strike="noStrike" kern="1200" cap="none" spc="0" normalizeH="0" baseline="0" noProof="0" dirty="0">
+                          <a:ln>
+                            <a:noFill/>
+                          </a:ln>
+                          <a:solidFill>
+                            <a:schemeClr val="tx1"/>
+                          </a:solidFill>
+                          <a:effectLst/>
+                          <a:uLnTx/>
+                          <a:uFillTx/>
+                          <a:latin typeface="+mn-lt"/>
+                          <a:ea typeface="+mn-ea"/>
+                          <a:cs typeface="+mn-cs"/>
+                        </a:rPr>
+                        <a:t>→</a:t>
+                      </a:r>
+                      <a:r>
+                        <a:rPr kumimoji="0" lang="en-US" altLang="ko-KR" sz="1200" b="0" i="0" u="none" strike="noStrike" kern="1200" cap="none" spc="0" normalizeH="0" baseline="0" noProof="0" dirty="0">
+                          <a:ln>
+                            <a:noFill/>
+                          </a:ln>
+                          <a:solidFill>
+                            <a:schemeClr val="tx1"/>
+                          </a:solidFill>
+                          <a:effectLst/>
+                          <a:uLnTx/>
+                          <a:uFillTx/>
+                          <a:latin typeface="+mn-lt"/>
+                          <a:ea typeface="+mn-ea"/>
+                          <a:cs typeface="+mn-cs"/>
+                        </a:rPr>
+                        <a:t>2, </a:t>
+                      </a:r>
+                      <a:r>
+                        <a:rPr lang="en-US" altLang="ko-KR" sz="1200" b="0" dirty="0">
+                          <a:solidFill>
+                            <a:schemeClr val="tx1"/>
+                          </a:solidFill>
+                        </a:rPr>
+                        <a:t>2</a:t>
+                      </a:r>
+                      <a:r>
+                        <a:rPr kumimoji="0" lang="ko-KR" altLang="en-US" sz="1200" b="0" i="0" u="none" strike="noStrike" kern="1200" cap="none" spc="0" normalizeH="0" baseline="0" noProof="0" dirty="0">
+                          <a:ln>
+                            <a:noFill/>
+                          </a:ln>
+                          <a:solidFill>
+                            <a:schemeClr val="tx1"/>
+                          </a:solidFill>
+                          <a:effectLst/>
+                          <a:uLnTx/>
+                          <a:uFillTx/>
+                          <a:latin typeface="+mn-lt"/>
+                          <a:ea typeface="+mn-ea"/>
+                          <a:cs typeface="+mn-cs"/>
+                        </a:rPr>
+                        <a:t>→</a:t>
+                      </a:r>
+                      <a:r>
+                        <a:rPr kumimoji="0" lang="en-US" altLang="ko-KR" sz="1200" b="0" i="0" u="none" strike="noStrike" kern="1200" cap="none" spc="0" normalizeH="0" baseline="0" noProof="0" dirty="0">
+                          <a:ln>
+                            <a:noFill/>
+                          </a:ln>
+                          <a:solidFill>
+                            <a:schemeClr val="tx1"/>
+                          </a:solidFill>
+                          <a:effectLst/>
+                          <a:uLnTx/>
+                          <a:uFillTx/>
+                          <a:latin typeface="+mn-lt"/>
+                          <a:ea typeface="+mn-ea"/>
+                          <a:cs typeface="+mn-cs"/>
+                        </a:rPr>
+                        <a:t>3, </a:t>
+                      </a:r>
+                      <a:r>
+                        <a:rPr lang="en-US" altLang="ko-KR" sz="1200" b="0" dirty="0">
+                          <a:solidFill>
+                            <a:schemeClr val="tx1"/>
+                          </a:solidFill>
+                        </a:rPr>
+                        <a:t>3</a:t>
+                      </a:r>
+                      <a:r>
+                        <a:rPr kumimoji="0" lang="ko-KR" altLang="en-US" sz="1200" b="0" i="0" u="none" strike="noStrike" kern="1200" cap="none" spc="0" normalizeH="0" baseline="0" noProof="0" dirty="0">
+                          <a:ln>
+                            <a:noFill/>
+                          </a:ln>
+                          <a:solidFill>
+                            <a:schemeClr val="tx1"/>
+                          </a:solidFill>
+                          <a:effectLst/>
+                          <a:uLnTx/>
+                          <a:uFillTx/>
+                          <a:latin typeface="+mn-lt"/>
+                          <a:ea typeface="+mn-ea"/>
+                          <a:cs typeface="+mn-cs"/>
+                        </a:rPr>
+                        <a:t>→</a:t>
+                      </a:r>
+                      <a:r>
+                        <a:rPr kumimoji="0" lang="en-US" altLang="ko-KR" sz="1200" b="0" i="0" u="none" strike="noStrike" kern="1200" cap="none" spc="0" normalizeH="0" baseline="0" noProof="0" dirty="0">
+                          <a:ln>
+                            <a:noFill/>
+                          </a:ln>
+                          <a:solidFill>
+                            <a:schemeClr val="tx1"/>
+                          </a:solidFill>
+                          <a:effectLst/>
+                          <a:uLnTx/>
+                          <a:uFillTx/>
+                          <a:latin typeface="+mn-lt"/>
+                          <a:ea typeface="+mn-ea"/>
+                          <a:cs typeface="+mn-cs"/>
+                        </a:rPr>
+                        <a:t>4</a:t>
+                      </a:r>
+                      <a:endParaRPr lang="ko-KR" altLang="en-US" sz="1200" b="0" dirty="0">
+                        <a:solidFill>
+                          <a:schemeClr val="tx1"/>
+                        </a:solidFill>
+                      </a:endParaRPr>
+                    </a:p>
+                  </a:txBody>
+                  <a:tcPr anchor="ctr">
+                    <a:lnL w="12700" cap="flat" cmpd="sng" algn="ctr">
+                      <a:solidFill>
+                        <a:schemeClr val="tx1"/>
+                      </a:solidFill>
+                      <a:prstDash val="solid"/>
+                      <a:round/>
+                      <a:headEnd type="none" w="med" len="med"/>
+                      <a:tailEnd type="none" w="med" len="med"/>
+                    </a:lnL>
+                    <a:lnR w="12700" cap="flat" cmpd="sng" algn="ctr">
+                      <a:solidFill>
+                        <a:schemeClr val="tx1"/>
+                      </a:solidFill>
+                      <a:prstDash val="solid"/>
+                      <a:round/>
+                      <a:headEnd type="none" w="med" len="med"/>
+                      <a:tailEnd type="none" w="med" len="med"/>
+                    </a:lnR>
+                    <a:lnT w="12700" cap="flat" cmpd="sng" algn="ctr">
+                      <a:solidFill>
+                        <a:schemeClr val="tx1"/>
+                      </a:solidFill>
+                      <a:prstDash val="solid"/>
+                      <a:round/>
+                      <a:headEnd type="none" w="med" len="med"/>
+                      <a:tailEnd type="none" w="med" len="med"/>
+                    </a:lnT>
+                    <a:lnB w="12700" cap="flat" cmpd="sng" algn="ctr">
+                      <a:solidFill>
+                        <a:schemeClr val="tx1"/>
+                      </a:solidFill>
+                      <a:prstDash val="solid"/>
+                      <a:round/>
+                      <a:headEnd type="none" w="med" len="med"/>
+                      <a:tailEnd type="none" w="med" len="med"/>
+                    </a:lnB>
+                    <a:noFill/>
+                  </a:tcPr>
+                </a:tc>
+                <a:tc>
+                  <a:txBody>
+                    <a:bodyPr/>
+                    <a:lstStyle/>
+                    <a:p>
+                      <a:pPr marL="0" marR="0" lvl="0" indent="0" algn="ctr" defTabSz="914400" rtl="0" eaLnBrk="1" fontAlgn="auto" latinLnBrk="1" hangingPunct="1">
+                        <a:lnSpc>
+                          <a:spcPct val="100000"/>
+                        </a:lnSpc>
+                        <a:spcBef>
+                          <a:spcPts val="0"/>
+                        </a:spcBef>
+                        <a:spcAft>
+                          <a:spcPts val="0"/>
+                        </a:spcAft>
+                        <a:buClrTx/>
+                        <a:buSzTx/>
+                        <a:buFontTx/>
+                        <a:buNone/>
+                        <a:tabLst/>
+                        <a:defRPr/>
+                      </a:pPr>
+                      <a:r>
+                        <a:rPr lang="en-US" altLang="ko-KR" sz="1200" b="0" dirty="0">
+                          <a:solidFill>
+                            <a:schemeClr val="tx1"/>
+                          </a:solidFill>
+                        </a:rPr>
+                        <a:t>4</a:t>
+                      </a:r>
+                      <a:r>
+                        <a:rPr kumimoji="0" lang="ko-KR" altLang="en-US" sz="1200" b="0" i="0" u="none" strike="noStrike" kern="1200" cap="none" spc="0" normalizeH="0" baseline="0" noProof="0" dirty="0">
+                          <a:ln>
+                            <a:noFill/>
+                          </a:ln>
+                          <a:solidFill>
+                            <a:schemeClr val="tx1"/>
+                          </a:solidFill>
+                          <a:effectLst/>
+                          <a:uLnTx/>
+                          <a:uFillTx/>
+                          <a:latin typeface="+mn-lt"/>
+                          <a:ea typeface="+mn-ea"/>
+                          <a:cs typeface="+mn-cs"/>
+                        </a:rPr>
+                        <a:t>→</a:t>
+                      </a:r>
+                      <a:r>
+                        <a:rPr kumimoji="0" lang="en-US" altLang="ko-KR" sz="1200" b="0" i="0" u="none" strike="noStrike" kern="1200" cap="none" spc="0" normalizeH="0" baseline="0" noProof="0" dirty="0">
+                          <a:ln>
+                            <a:noFill/>
+                          </a:ln>
+                          <a:solidFill>
+                            <a:schemeClr val="tx1"/>
+                          </a:solidFill>
+                          <a:effectLst/>
+                          <a:uLnTx/>
+                          <a:uFillTx/>
+                          <a:latin typeface="+mn-lt"/>
+                          <a:ea typeface="+mn-ea"/>
+                          <a:cs typeface="+mn-cs"/>
+                        </a:rPr>
+                        <a:t>5</a:t>
+                      </a:r>
+                      <a:endParaRPr lang="ko-KR" altLang="en-US" sz="1200" b="0" dirty="0">
+                        <a:solidFill>
+                          <a:schemeClr val="tx1"/>
+                        </a:solidFill>
+                      </a:endParaRPr>
+                    </a:p>
+                  </a:txBody>
+                  <a:tcPr anchor="ctr">
+                    <a:lnL w="12700" cap="flat" cmpd="sng" algn="ctr">
+                      <a:solidFill>
+                        <a:schemeClr val="tx1"/>
+                      </a:solidFill>
+                      <a:prstDash val="solid"/>
+                      <a:round/>
+                      <a:headEnd type="none" w="med" len="med"/>
+                      <a:tailEnd type="none" w="med" len="med"/>
+                    </a:lnL>
+                    <a:lnR w="12700" cap="flat" cmpd="sng" algn="ctr">
+                      <a:solidFill>
+                        <a:schemeClr val="tx1"/>
+                      </a:solidFill>
+                      <a:prstDash val="solid"/>
+                      <a:round/>
+                      <a:headEnd type="none" w="med" len="med"/>
+                      <a:tailEnd type="none" w="med" len="med"/>
+                    </a:lnR>
+                    <a:lnT w="12700" cap="flat" cmpd="sng" algn="ctr">
+                      <a:solidFill>
+                        <a:schemeClr val="tx1"/>
+                      </a:solidFill>
+                      <a:prstDash val="solid"/>
+                      <a:round/>
+                      <a:headEnd type="none" w="med" len="med"/>
+                      <a:tailEnd type="none" w="med" len="med"/>
+                    </a:lnT>
+                    <a:lnB w="12700" cap="flat" cmpd="sng" algn="ctr">
+                      <a:solidFill>
+                        <a:schemeClr val="tx1"/>
+                      </a:solidFill>
+                      <a:prstDash val="solid"/>
+                      <a:round/>
+                      <a:headEnd type="none" w="med" len="med"/>
+                      <a:tailEnd type="none" w="med" len="med"/>
+                    </a:lnB>
+                    <a:noFill/>
+                  </a:tcPr>
+                </a:tc>
+                <a:tc>
+                  <a:txBody>
+                    <a:bodyPr/>
+                    <a:lstStyle/>
+                    <a:p>
+                      <a:pPr marL="0" marR="0" lvl="0" indent="0" algn="ctr" defTabSz="914400" rtl="0" eaLnBrk="1" fontAlgn="auto" latinLnBrk="1" hangingPunct="1">
+                        <a:lnSpc>
+                          <a:spcPct val="100000"/>
+                        </a:lnSpc>
+                        <a:spcBef>
+                          <a:spcPts val="0"/>
+                        </a:spcBef>
+                        <a:spcAft>
+                          <a:spcPts val="0"/>
+                        </a:spcAft>
+                        <a:buClrTx/>
+                        <a:buSzTx/>
+                        <a:buFontTx/>
+                        <a:buNone/>
+                        <a:tabLst/>
+                        <a:defRPr/>
+                      </a:pPr>
+                      <a:r>
+                        <a:rPr lang="en-US" altLang="ko-KR" sz="1200" b="0" dirty="0">
+                          <a:solidFill>
+                            <a:schemeClr val="tx1"/>
+                          </a:solidFill>
+                        </a:rPr>
+                        <a:t>5</a:t>
+                      </a:r>
+                      <a:r>
+                        <a:rPr kumimoji="0" lang="ko-KR" altLang="en-US" sz="1200" b="0" i="0" u="none" strike="noStrike" kern="1200" cap="none" spc="0" normalizeH="0" baseline="0" noProof="0" dirty="0">
+                          <a:ln>
+                            <a:noFill/>
+                          </a:ln>
+                          <a:solidFill>
+                            <a:schemeClr val="tx1"/>
+                          </a:solidFill>
+                          <a:effectLst/>
+                          <a:uLnTx/>
+                          <a:uFillTx/>
+                          <a:latin typeface="+mn-lt"/>
+                          <a:ea typeface="+mn-ea"/>
+                          <a:cs typeface="+mn-cs"/>
+                        </a:rPr>
+                        <a:t>→</a:t>
+                      </a:r>
+                      <a:r>
+                        <a:rPr kumimoji="0" lang="en-US" altLang="ko-KR" sz="1200" b="0" i="0" u="none" strike="noStrike" kern="1200" cap="none" spc="0" normalizeH="0" baseline="0" noProof="0" dirty="0">
+                          <a:ln>
+                            <a:noFill/>
+                          </a:ln>
+                          <a:solidFill>
+                            <a:schemeClr val="tx1"/>
+                          </a:solidFill>
+                          <a:effectLst/>
+                          <a:uLnTx/>
+                          <a:uFillTx/>
+                          <a:latin typeface="+mn-lt"/>
+                          <a:ea typeface="+mn-ea"/>
+                          <a:cs typeface="+mn-cs"/>
+                        </a:rPr>
+                        <a:t>6</a:t>
+                      </a:r>
+                      <a:endParaRPr lang="ko-KR" altLang="en-US" sz="1200" b="0" dirty="0">
+                        <a:solidFill>
+                          <a:schemeClr val="tx1"/>
+                        </a:solidFill>
+                      </a:endParaRPr>
+                    </a:p>
+                  </a:txBody>
+                  <a:tcPr anchor="ctr">
+                    <a:lnL w="12700" cap="flat" cmpd="sng" algn="ctr">
+                      <a:solidFill>
+                        <a:schemeClr val="tx1"/>
+                      </a:solidFill>
+                      <a:prstDash val="solid"/>
+                      <a:round/>
+                      <a:headEnd type="none" w="med" len="med"/>
+                      <a:tailEnd type="none" w="med" len="med"/>
+                    </a:lnL>
+                    <a:lnR w="12700" cap="flat" cmpd="sng" algn="ctr">
+                      <a:solidFill>
+                        <a:schemeClr val="tx1"/>
+                      </a:solidFill>
+                      <a:prstDash val="solid"/>
+                      <a:round/>
+                      <a:headEnd type="none" w="med" len="med"/>
+                      <a:tailEnd type="none" w="med" len="med"/>
+                    </a:lnR>
+                    <a:lnT w="12700" cap="flat" cmpd="sng" algn="ctr">
+                      <a:solidFill>
+                        <a:schemeClr val="tx1"/>
+                      </a:solidFill>
+                      <a:prstDash val="solid"/>
+                      <a:round/>
+                      <a:headEnd type="none" w="med" len="med"/>
+                      <a:tailEnd type="none" w="med" len="med"/>
+                    </a:lnT>
+                    <a:lnB w="12700" cap="flat" cmpd="sng" algn="ctr">
+                      <a:solidFill>
+                        <a:schemeClr val="tx1"/>
+                      </a:solidFill>
+                      <a:prstDash val="solid"/>
+                      <a:round/>
+                      <a:headEnd type="none" w="med" len="med"/>
+                      <a:tailEnd type="none" w="med" len="med"/>
+                    </a:lnB>
+                    <a:noFill/>
+                  </a:tcPr>
+                </a:tc>
+                <a:tc>
+                  <a:txBody>
+                    <a:bodyPr/>
+                    <a:lstStyle/>
+                    <a:p>
+                      <a:pPr marL="0" marR="0" lvl="0" indent="0" algn="ctr" defTabSz="914400" rtl="0" eaLnBrk="1" fontAlgn="auto" latinLnBrk="1" hangingPunct="1">
+                        <a:lnSpc>
+                          <a:spcPct val="100000"/>
+                        </a:lnSpc>
+                        <a:spcBef>
+                          <a:spcPts val="0"/>
+                        </a:spcBef>
+                        <a:spcAft>
+                          <a:spcPts val="0"/>
+                        </a:spcAft>
+                        <a:buClrTx/>
+                        <a:buSzTx/>
+                        <a:buFontTx/>
+                        <a:buNone/>
+                        <a:tabLst/>
+                        <a:defRPr/>
+                      </a:pPr>
+                      <a:r>
+                        <a:rPr lang="en-US" altLang="ko-KR" sz="1200" b="0" dirty="0">
+                          <a:solidFill>
+                            <a:schemeClr val="tx1"/>
+                          </a:solidFill>
+                        </a:rPr>
+                        <a:t>6</a:t>
+                      </a:r>
+                      <a:r>
+                        <a:rPr kumimoji="0" lang="ko-KR" altLang="en-US" sz="1200" b="0" i="0" u="none" strike="noStrike" kern="1200" cap="none" spc="0" normalizeH="0" baseline="0" noProof="0" dirty="0">
+                          <a:ln>
+                            <a:noFill/>
+                          </a:ln>
+                          <a:solidFill>
+                            <a:schemeClr val="tx1"/>
+                          </a:solidFill>
+                          <a:effectLst/>
+                          <a:uLnTx/>
+                          <a:uFillTx/>
+                          <a:latin typeface="+mn-lt"/>
+                          <a:ea typeface="+mn-ea"/>
+                          <a:cs typeface="+mn-cs"/>
+                        </a:rPr>
+                        <a:t>→</a:t>
+                      </a:r>
+                      <a:r>
+                        <a:rPr kumimoji="0" lang="en-US" altLang="ko-KR" sz="1200" b="0" i="0" u="none" strike="noStrike" kern="1200" cap="none" spc="0" normalizeH="0" baseline="0" noProof="0" dirty="0">
+                          <a:ln>
+                            <a:noFill/>
+                          </a:ln>
+                          <a:solidFill>
+                            <a:schemeClr val="tx1"/>
+                          </a:solidFill>
+                          <a:effectLst/>
+                          <a:uLnTx/>
+                          <a:uFillTx/>
+                          <a:latin typeface="+mn-lt"/>
+                          <a:ea typeface="+mn-ea"/>
+                          <a:cs typeface="+mn-cs"/>
+                        </a:rPr>
+                        <a:t>7</a:t>
+                      </a:r>
+                      <a:endParaRPr lang="ko-KR" altLang="en-US" sz="1200" b="0" dirty="0">
+                        <a:solidFill>
+                          <a:schemeClr val="tx1"/>
+                        </a:solidFill>
+                      </a:endParaRPr>
+                    </a:p>
+                  </a:txBody>
+                  <a:tcPr anchor="ctr">
+                    <a:lnL w="12700" cap="flat" cmpd="sng" algn="ctr">
+                      <a:solidFill>
+                        <a:schemeClr val="tx1"/>
+                      </a:solidFill>
+                      <a:prstDash val="solid"/>
+                      <a:round/>
+                      <a:headEnd type="none" w="med" len="med"/>
+                      <a:tailEnd type="none" w="med" len="med"/>
+                    </a:lnL>
+                    <a:lnR w="12700" cap="flat" cmpd="sng" algn="ctr">
+                      <a:solidFill>
+                        <a:schemeClr val="tx1"/>
+                      </a:solidFill>
+                      <a:prstDash val="solid"/>
+                      <a:round/>
+                      <a:headEnd type="none" w="med" len="med"/>
+                      <a:tailEnd type="none" w="med" len="med"/>
+                    </a:lnR>
+                    <a:lnT w="12700" cap="flat" cmpd="sng" algn="ctr">
+                      <a:solidFill>
+                        <a:schemeClr val="tx1"/>
+                      </a:solidFill>
+                      <a:prstDash val="solid"/>
+                      <a:round/>
+                      <a:headEnd type="none" w="med" len="med"/>
+                      <a:tailEnd type="none" w="med" len="med"/>
+                    </a:lnT>
+                    <a:lnB w="12700" cap="flat" cmpd="sng" algn="ctr">
+                      <a:solidFill>
+                        <a:schemeClr val="tx1"/>
+                      </a:solidFill>
+                      <a:prstDash val="solid"/>
+                      <a:round/>
+                      <a:headEnd type="none" w="med" len="med"/>
+                      <a:tailEnd type="none" w="med" len="med"/>
+                    </a:lnB>
+                    <a:noFill/>
+                  </a:tcPr>
+                </a:tc>
+                <a:tc>
+                  <a:txBody>
+                    <a:bodyPr/>
+                    <a:lstStyle/>
+                    <a:p>
+                      <a:pPr marL="0" marR="0" lvl="0" indent="0" algn="ctr" defTabSz="914400" rtl="0" eaLnBrk="1" fontAlgn="auto" latinLnBrk="1" hangingPunct="1">
+                        <a:lnSpc>
+                          <a:spcPct val="100000"/>
+                        </a:lnSpc>
+                        <a:spcBef>
+                          <a:spcPts val="0"/>
+                        </a:spcBef>
+                        <a:spcAft>
+                          <a:spcPts val="0"/>
+                        </a:spcAft>
+                        <a:buClrTx/>
+                        <a:buSzTx/>
+                        <a:buFontTx/>
+                        <a:buNone/>
+                        <a:tabLst/>
+                        <a:defRPr/>
+                      </a:pPr>
+                      <a:r>
+                        <a:rPr lang="en-US" altLang="ko-KR" sz="1200" b="0" dirty="0">
+                          <a:solidFill>
+                            <a:schemeClr val="tx1"/>
+                          </a:solidFill>
+                        </a:rPr>
+                        <a:t>7</a:t>
+                      </a:r>
+                      <a:r>
+                        <a:rPr kumimoji="0" lang="ko-KR" altLang="en-US" sz="1200" b="0" i="0" u="none" strike="noStrike" kern="1200" cap="none" spc="0" normalizeH="0" baseline="0" noProof="0" dirty="0">
+                          <a:ln>
+                            <a:noFill/>
+                          </a:ln>
+                          <a:solidFill>
+                            <a:schemeClr val="tx1"/>
+                          </a:solidFill>
+                          <a:effectLst/>
+                          <a:uLnTx/>
+                          <a:uFillTx/>
+                          <a:latin typeface="+mn-lt"/>
+                          <a:ea typeface="+mn-ea"/>
+                          <a:cs typeface="+mn-cs"/>
+                        </a:rPr>
+                        <a:t>→</a:t>
+                      </a:r>
+                      <a:r>
+                        <a:rPr kumimoji="0" lang="en-US" altLang="ko-KR" sz="1200" b="0" i="0" u="none" strike="noStrike" kern="1200" cap="none" spc="0" normalizeH="0" baseline="0" noProof="0" dirty="0">
+                          <a:ln>
+                            <a:noFill/>
+                          </a:ln>
+                          <a:solidFill>
+                            <a:schemeClr val="tx1"/>
+                          </a:solidFill>
+                          <a:effectLst/>
+                          <a:uLnTx/>
+                          <a:uFillTx/>
+                          <a:latin typeface="+mn-lt"/>
+                          <a:ea typeface="+mn-ea"/>
+                          <a:cs typeface="+mn-cs"/>
+                        </a:rPr>
+                        <a:t>8</a:t>
+                      </a:r>
+                      <a:endParaRPr lang="en-US" altLang="ko-KR" sz="1200" b="0" dirty="0">
+                        <a:solidFill>
+                          <a:schemeClr val="tx1"/>
+                        </a:solidFill>
+                      </a:endParaRPr>
+                    </a:p>
+                  </a:txBody>
+                  <a:tcPr anchor="ctr">
+                    <a:lnL w="12700" cap="flat" cmpd="sng" algn="ctr">
+                      <a:solidFill>
+                        <a:schemeClr val="tx1"/>
+                      </a:solidFill>
+                      <a:prstDash val="solid"/>
+                      <a:round/>
+                      <a:headEnd type="none" w="med" len="med"/>
+                      <a:tailEnd type="none" w="med" len="med"/>
+                    </a:lnL>
+                    <a:lnR w="12700" cap="flat" cmpd="sng" algn="ctr">
+                      <a:solidFill>
+                        <a:schemeClr val="tx1"/>
+                      </a:solidFill>
+                      <a:prstDash val="solid"/>
+                      <a:round/>
+                      <a:headEnd type="none" w="med" len="med"/>
+                      <a:tailEnd type="none" w="med" len="med"/>
+                    </a:lnR>
+                    <a:lnT w="12700" cap="flat" cmpd="sng" algn="ctr">
+                      <a:solidFill>
+                        <a:schemeClr val="tx1"/>
+                      </a:solidFill>
+                      <a:prstDash val="solid"/>
+                      <a:round/>
+                      <a:headEnd type="none" w="med" len="med"/>
+                      <a:tailEnd type="none" w="med" len="med"/>
+                    </a:lnT>
+                    <a:lnB w="12700" cap="flat" cmpd="sng" algn="ctr">
+                      <a:solidFill>
+                        <a:schemeClr val="tx1"/>
+                      </a:solidFill>
+                      <a:prstDash val="solid"/>
+                      <a:round/>
+                      <a:headEnd type="none" w="med" len="med"/>
+                      <a:tailEnd type="none" w="med" len="med"/>
+                    </a:lnB>
+                    <a:noFill/>
+                  </a:tcPr>
+                </a:tc>
+                <a:extLst>
+                  <a:ext uri="{0D108BD9-81ED-4DB2-BD59-A6C34878D82A}">
+                    <a16:rowId xmlns:a16="http://schemas.microsoft.com/office/drawing/2014/main" val="218226482"/>
+                  </a:ext>
+                </a:extLst>
+              </a:tr>
+            </a:tbl>
+          </a:graphicData>
+        </a:graphic>
+      </p:graphicFrame>
       <p:sp>
         <p:nvSpPr>
           <p:cNvPr id="15" name="제목 1">
@@ -10392,14 +11736,14 @@
           <p:nvPr>
             <p:extLst>
               <p:ext uri="{D42A27DB-BD31-4B8C-83A1-F6EECF244321}">
-                <p14:modId xmlns:p14="http://schemas.microsoft.com/office/powerpoint/2010/main" val="556969984"/>
+                <p14:modId xmlns:p14="http://schemas.microsoft.com/office/powerpoint/2010/main" val="3303716593"/>
               </p:ext>
             </p:extLst>
           </p:nvPr>
         </p:nvGraphicFramePr>
         <p:xfrm>
-          <a:off x="2970031" y="2209801"/>
-          <a:ext cx="6251938" cy="2438398"/>
+          <a:off x="2032000" y="4046045"/>
+          <a:ext cx="8128000" cy="2346960"/>
         </p:xfrm>
         <a:graphic>
           <a:graphicData uri="http://schemas.openxmlformats.org/drawingml/2006/table">
@@ -10408,14 +11752,14 @@
                 <a:tableStyleId>{5C22544A-7EE6-4342-B048-85BDC9FD1C3A}</a:tableStyleId>
               </a:tblPr>
               <a:tblGrid>
-                <a:gridCol w="712205">
+                <a:gridCol w="925921">
                   <a:extLst>
                     <a:ext uri="{9D8B030D-6E8A-4147-A177-3AD203B41FA5}">
                       <a16:colId xmlns:a16="http://schemas.microsoft.com/office/drawing/2014/main" val="2450210185"/>
                     </a:ext>
                   </a:extLst>
                 </a:gridCol>
-                <a:gridCol w="5539733">
+                <a:gridCol w="7202079">
                   <a:extLst>
                     <a:ext uri="{9D8B030D-6E8A-4147-A177-3AD203B41FA5}">
                       <a16:colId xmlns:a16="http://schemas.microsoft.com/office/drawing/2014/main" val="3213500976"/>
@@ -10423,7 +11767,7 @@
                   </a:extLst>
                 </a:gridCol>
               </a:tblGrid>
-              <a:tr h="253340">
+              <a:tr h="0">
                 <a:tc gridSpan="2">
                   <a:txBody>
                     <a:bodyPr/>
@@ -10497,7 +11841,7 @@
                   </a:ext>
                 </a:extLst>
               </a:tr>
-              <a:tr h="253340">
+              <a:tr h="0">
                 <a:tc>
                   <a:txBody>
                     <a:bodyPr/>
@@ -10616,7 +11960,7 @@
                   </a:ext>
                 </a:extLst>
               </a:tr>
-              <a:tr h="253340">
+              <a:tr h="0">
                 <a:tc>
                   <a:txBody>
                     <a:bodyPr/>
@@ -10787,7 +12131,7 @@
                   </a:ext>
                 </a:extLst>
               </a:tr>
-              <a:tr h="253340">
+              <a:tr h="0">
                 <a:tc>
                   <a:txBody>
                     <a:bodyPr/>
@@ -10950,7 +12294,7 @@
                   </a:ext>
                 </a:extLst>
               </a:tr>
-              <a:tr h="253340">
+              <a:tr h="0">
                 <a:tc>
                   <a:txBody>
                     <a:bodyPr/>
@@ -11113,7 +12457,7 @@
                   </a:ext>
                 </a:extLst>
               </a:tr>
-              <a:tr h="253340">
+              <a:tr h="0">
                 <a:tc>
                   <a:txBody>
                     <a:bodyPr/>
@@ -11284,7 +12628,7 @@
                   </a:ext>
                 </a:extLst>
               </a:tr>
-              <a:tr h="253340">
+              <a:tr h="0">
                 <a:tc>
                   <a:txBody>
                     <a:bodyPr/>
@@ -11455,7 +12799,7 @@
                   </a:ext>
                 </a:extLst>
               </a:tr>
-              <a:tr h="253340">
+              <a:tr h="0">
                 <a:tc>
                   <a:txBody>
                     <a:bodyPr/>
@@ -11626,7 +12970,7 @@
                   </a:ext>
                 </a:extLst>
               </a:tr>
-              <a:tr h="411678">
+              <a:tr h="0">
                 <a:tc>
                   <a:txBody>
                     <a:bodyPr/>
@@ -11817,10 +13161,254 @@
           </a:graphicData>
         </a:graphic>
       </p:graphicFrame>
+      <p:pic>
+        <p:nvPicPr>
+          <p:cNvPr id="14" name="그림 13">
+            <a:extLst>
+              <a:ext uri="{FF2B5EF4-FFF2-40B4-BE49-F238E27FC236}">
+                <a16:creationId xmlns:a16="http://schemas.microsoft.com/office/drawing/2014/main" id="{F0F802F6-14B8-45BE-BDA6-766D3675449C}"/>
+              </a:ext>
+            </a:extLst>
+          </p:cNvPr>
+          <p:cNvPicPr preferRelativeResize="0">
+            <a:picLocks/>
+          </p:cNvPicPr>
+          <p:nvPr/>
+        </p:nvPicPr>
+        <p:blipFill rotWithShape="1">
+          <a:blip r:embed="rId2" cstate="print">
+            <a:extLst>
+              <a:ext uri="{28A0092B-C50C-407E-A947-70E740481C1C}">
+                <a14:useLocalDpi xmlns:a14="http://schemas.microsoft.com/office/drawing/2010/main" val="0"/>
+              </a:ext>
+            </a:extLst>
+          </a:blip>
+          <a:srcRect/>
+          <a:stretch/>
+        </p:blipFill>
+        <p:spPr>
+          <a:xfrm>
+            <a:off x="2315386" y="1528057"/>
+            <a:ext cx="1080000" cy="1800000"/>
+          </a:xfrm>
+          <a:prstGeom prst="rect">
+            <a:avLst/>
+          </a:prstGeom>
+        </p:spPr>
+      </p:pic>
+      <p:pic>
+        <p:nvPicPr>
+          <p:cNvPr id="16" name="그림 15">
+            <a:extLst>
+              <a:ext uri="{FF2B5EF4-FFF2-40B4-BE49-F238E27FC236}">
+                <a16:creationId xmlns:a16="http://schemas.microsoft.com/office/drawing/2014/main" id="{4D6A6AFB-9919-4A41-A8B8-F4B77D8F33C5}"/>
+              </a:ext>
+            </a:extLst>
+          </p:cNvPr>
+          <p:cNvPicPr preferRelativeResize="0">
+            <a:picLocks/>
+          </p:cNvPicPr>
+          <p:nvPr/>
+        </p:nvPicPr>
+        <p:blipFill>
+          <a:blip r:embed="rId3" cstate="print">
+            <a:extLst>
+              <a:ext uri="{28A0092B-C50C-407E-A947-70E740481C1C}">
+                <a14:useLocalDpi xmlns:a14="http://schemas.microsoft.com/office/drawing/2010/main" val="0"/>
+              </a:ext>
+            </a:extLst>
+          </a:blip>
+          <a:stretch>
+            <a:fillRect/>
+          </a:stretch>
+        </p:blipFill>
+        <p:spPr>
+          <a:xfrm>
+            <a:off x="3935693" y="1528057"/>
+            <a:ext cx="1080000" cy="1800000"/>
+          </a:xfrm>
+          <a:prstGeom prst="rect">
+            <a:avLst/>
+          </a:prstGeom>
+        </p:spPr>
+      </p:pic>
+      <p:pic>
+        <p:nvPicPr>
+          <p:cNvPr id="17" name="그림 16">
+            <a:extLst>
+              <a:ext uri="{FF2B5EF4-FFF2-40B4-BE49-F238E27FC236}">
+                <a16:creationId xmlns:a16="http://schemas.microsoft.com/office/drawing/2014/main" id="{8BCF72F9-20CF-46EE-B3D3-92018C5EA9BA}"/>
+              </a:ext>
+            </a:extLst>
+          </p:cNvPr>
+          <p:cNvPicPr preferRelativeResize="0">
+            <a:picLocks/>
+          </p:cNvPicPr>
+          <p:nvPr/>
+        </p:nvPicPr>
+        <p:blipFill>
+          <a:blip r:embed="rId4" cstate="print">
+            <a:extLst>
+              <a:ext uri="{28A0092B-C50C-407E-A947-70E740481C1C}">
+                <a14:useLocalDpi xmlns:a14="http://schemas.microsoft.com/office/drawing/2010/main" val="0"/>
+              </a:ext>
+            </a:extLst>
+          </a:blip>
+          <a:stretch>
+            <a:fillRect/>
+          </a:stretch>
+        </p:blipFill>
+        <p:spPr>
+          <a:xfrm>
+            <a:off x="7203386" y="1528057"/>
+            <a:ext cx="1080000" cy="1800000"/>
+          </a:xfrm>
+          <a:prstGeom prst="rect">
+            <a:avLst/>
+          </a:prstGeom>
+        </p:spPr>
+      </p:pic>
+      <p:pic>
+        <p:nvPicPr>
+          <p:cNvPr id="18" name="그림 17">
+            <a:extLst>
+              <a:ext uri="{FF2B5EF4-FFF2-40B4-BE49-F238E27FC236}">
+                <a16:creationId xmlns:a16="http://schemas.microsoft.com/office/drawing/2014/main" id="{6BD854A3-3425-4679-8A5E-C274EE880A14}"/>
+              </a:ext>
+            </a:extLst>
+          </p:cNvPr>
+          <p:cNvPicPr preferRelativeResize="0">
+            <a:picLocks/>
+          </p:cNvPicPr>
+          <p:nvPr/>
+        </p:nvPicPr>
+        <p:blipFill rotWithShape="1">
+          <a:blip r:embed="rId5" cstate="print">
+            <a:extLst>
+              <a:ext uri="{28A0092B-C50C-407E-A947-70E740481C1C}">
+                <a14:useLocalDpi xmlns:a14="http://schemas.microsoft.com/office/drawing/2010/main" val="0"/>
+              </a:ext>
+            </a:extLst>
+          </a:blip>
+          <a:srcRect/>
+          <a:stretch/>
+        </p:blipFill>
+        <p:spPr>
+          <a:xfrm>
+            <a:off x="5556000" y="1528057"/>
+            <a:ext cx="1080000" cy="1800000"/>
+          </a:xfrm>
+          <a:prstGeom prst="rect">
+            <a:avLst/>
+          </a:prstGeom>
+        </p:spPr>
+      </p:pic>
+      <p:pic>
+        <p:nvPicPr>
+          <p:cNvPr id="19" name="그림 18">
+            <a:extLst>
+              <a:ext uri="{FF2B5EF4-FFF2-40B4-BE49-F238E27FC236}">
+                <a16:creationId xmlns:a16="http://schemas.microsoft.com/office/drawing/2014/main" id="{E0D53CC3-7999-4534-B719-B232BAF096C5}"/>
+              </a:ext>
+            </a:extLst>
+          </p:cNvPr>
+          <p:cNvPicPr preferRelativeResize="0">
+            <a:picLocks/>
+          </p:cNvPicPr>
+          <p:nvPr/>
+        </p:nvPicPr>
+        <p:blipFill>
+          <a:blip r:embed="rId6" cstate="print">
+            <a:extLst>
+              <a:ext uri="{28A0092B-C50C-407E-A947-70E740481C1C}">
+                <a14:useLocalDpi xmlns:a14="http://schemas.microsoft.com/office/drawing/2010/main" val="0"/>
+              </a:ext>
+            </a:extLst>
+          </a:blip>
+          <a:stretch>
+            <a:fillRect/>
+          </a:stretch>
+        </p:blipFill>
+        <p:spPr>
+          <a:xfrm>
+            <a:off x="8823693" y="1528057"/>
+            <a:ext cx="1080000" cy="1800000"/>
+          </a:xfrm>
+          <a:prstGeom prst="rect">
+            <a:avLst/>
+          </a:prstGeom>
+        </p:spPr>
+      </p:pic>
     </p:spTree>
     <p:extLst>
       <p:ext uri="{BB962C8B-B14F-4D97-AF65-F5344CB8AC3E}">
         <p14:creationId xmlns:p14="http://schemas.microsoft.com/office/powerpoint/2010/main" val="3798790986"/>
+      </p:ext>
+    </p:extLst>
+  </p:cSld>
+  <p:clrMapOvr>
+    <a:masterClrMapping/>
+  </p:clrMapOvr>
+</p:sld>
+</file>
+
+<file path=ppt/slides/slide8.xml><?xml version="1.0" encoding="utf-8"?>
+<p:sld xmlns:a="http://schemas.openxmlformats.org/drawingml/2006/main" xmlns:r="http://schemas.openxmlformats.org/officeDocument/2006/relationships" xmlns:p="http://schemas.openxmlformats.org/presentationml/2006/main">
+  <p:cSld>
+    <p:spTree>
+      <p:nvGrpSpPr>
+        <p:cNvPr id="1" name=""/>
+        <p:cNvGrpSpPr/>
+        <p:nvPr/>
+      </p:nvGrpSpPr>
+      <p:grpSpPr>
+        <a:xfrm>
+          <a:off x="0" y="0"/>
+          <a:ext cx="0" cy="0"/>
+          <a:chOff x="0" y="0"/>
+          <a:chExt cx="0" cy="0"/>
+        </a:xfrm>
+      </p:grpSpPr>
+      <p:pic>
+        <p:nvPicPr>
+          <p:cNvPr id="5" name="그림 4">
+            <a:extLst>
+              <a:ext uri="{FF2B5EF4-FFF2-40B4-BE49-F238E27FC236}">
+                <a16:creationId xmlns:a16="http://schemas.microsoft.com/office/drawing/2014/main" id="{829694EE-1633-4B26-9F13-9C9E3A83417F}"/>
+              </a:ext>
+            </a:extLst>
+          </p:cNvPr>
+          <p:cNvPicPr>
+            <a:picLocks noChangeAspect="1"/>
+          </p:cNvPicPr>
+          <p:nvPr/>
+        </p:nvPicPr>
+        <p:blipFill>
+          <a:blip r:embed="rId2">
+            <a:extLst>
+              <a:ext uri="{28A0092B-C50C-407E-A947-70E740481C1C}">
+                <a14:useLocalDpi xmlns:a14="http://schemas.microsoft.com/office/drawing/2010/main" val="0"/>
+              </a:ext>
+            </a:extLst>
+          </a:blip>
+          <a:stretch>
+            <a:fillRect/>
+          </a:stretch>
+        </p:blipFill>
+        <p:spPr>
+          <a:xfrm>
+            <a:off x="1519237" y="1328737"/>
+            <a:ext cx="9153525" cy="4200525"/>
+          </a:xfrm>
+          <a:prstGeom prst="rect">
+            <a:avLst/>
+          </a:prstGeom>
+        </p:spPr>
+      </p:pic>
+    </p:spTree>
+    <p:extLst>
+      <p:ext uri="{BB962C8B-B14F-4D97-AF65-F5344CB8AC3E}">
+        <p14:creationId xmlns:p14="http://schemas.microsoft.com/office/powerpoint/2010/main" val="4042227084"/>
       </p:ext>
     </p:extLst>
   </p:cSld>
@@ -11917,13 +13505,13 @@
           <p:nvPr>
             <p:extLst>
               <p:ext uri="{D42A27DB-BD31-4B8C-83A1-F6EECF244321}">
-                <p14:modId xmlns:p14="http://schemas.microsoft.com/office/powerpoint/2010/main" val="2154225270"/>
+                <p14:modId xmlns:p14="http://schemas.microsoft.com/office/powerpoint/2010/main" val="2237183294"/>
               </p:ext>
             </p:extLst>
           </p:nvPr>
         </p:nvGraphicFramePr>
         <p:xfrm>
-          <a:off x="3103685" y="1292663"/>
+          <a:off x="1845395" y="1326335"/>
           <a:ext cx="5984629" cy="2438400"/>
         </p:xfrm>
         <a:graphic>
@@ -11933,10 +13521,17 @@
                 <a:tableStyleId>{5C22544A-7EE6-4342-B048-85BDC9FD1C3A}</a:tableStyleId>
               </a:tblPr>
               <a:tblGrid>
-                <a:gridCol w="1473740">
+                <a:gridCol w="736870">
                   <a:extLst>
                     <a:ext uri="{9D8B030D-6E8A-4147-A177-3AD203B41FA5}">
                       <a16:colId xmlns:a16="http://schemas.microsoft.com/office/drawing/2014/main" val="2450210185"/>
+                    </a:ext>
+                  </a:extLst>
+                </a:gridCol>
+                <a:gridCol w="736870">
+                  <a:extLst>
+                    <a:ext uri="{9D8B030D-6E8A-4147-A177-3AD203B41FA5}">
+                      <a16:colId xmlns:a16="http://schemas.microsoft.com/office/drawing/2014/main" val="587803920"/>
                     </a:ext>
                   </a:extLst>
                 </a:gridCol>
@@ -11970,7 +13565,7 @@
                 </a:gridCol>
               </a:tblGrid>
               <a:tr h="117368">
-                <a:tc gridSpan="5">
+                <a:tc gridSpan="6">
                   <a:txBody>
                     <a:bodyPr/>
                     <a:lstStyle/>
@@ -12033,6 +13628,17 @@
                     </a:lnBlToTr>
                     <a:noFill/>
                   </a:tcPr>
+                </a:tc>
+                <a:tc hMerge="1">
+                  <a:txBody>
+                    <a:bodyPr/>
+                    <a:lstStyle/>
+                    <a:p>
+                      <a:pPr latinLnBrk="1"/>
+                      <a:endParaRPr lang="ko-KR" altLang="en-US"/>
+                    </a:p>
+                  </a:txBody>
+                  <a:tcPr/>
                 </a:tc>
                 <a:tc hMerge="1">
                   <a:txBody>
@@ -12161,6 +13767,70 @@
                             <a:schemeClr val="tx1"/>
                           </a:solidFill>
                         </a:rPr>
+                        <a:t>경지</a:t>
+                      </a:r>
+                    </a:p>
+                  </a:txBody>
+                  <a:tcPr anchor="ctr">
+                    <a:lnL w="12700" cap="flat" cmpd="sng" algn="ctr">
+                      <a:solidFill>
+                        <a:schemeClr val="tx1"/>
+                      </a:solidFill>
+                      <a:prstDash val="solid"/>
+                      <a:round/>
+                      <a:headEnd type="none" w="med" len="med"/>
+                      <a:tailEnd type="none" w="med" len="med"/>
+                    </a:lnL>
+                    <a:lnR w="12700" cap="flat" cmpd="sng" algn="ctr">
+                      <a:solidFill>
+                        <a:schemeClr val="tx1"/>
+                      </a:solidFill>
+                      <a:prstDash val="solid"/>
+                      <a:round/>
+                      <a:headEnd type="none" w="med" len="med"/>
+                      <a:tailEnd type="none" w="med" len="med"/>
+                    </a:lnR>
+                    <a:lnT w="12700" cap="flat" cmpd="sng" algn="ctr">
+                      <a:solidFill>
+                        <a:schemeClr val="tx1"/>
+                      </a:solidFill>
+                      <a:prstDash val="solid"/>
+                      <a:round/>
+                      <a:headEnd type="none" w="med" len="med"/>
+                      <a:tailEnd type="none" w="med" len="med"/>
+                    </a:lnT>
+                    <a:lnB w="12700" cap="flat" cmpd="sng" algn="ctr">
+                      <a:solidFill>
+                        <a:schemeClr val="tx1"/>
+                      </a:solidFill>
+                      <a:prstDash val="solid"/>
+                      <a:round/>
+                      <a:headEnd type="none" w="med" len="med"/>
+                      <a:tailEnd type="none" w="med" len="med"/>
+                    </a:lnB>
+                    <a:lnTlToBr w="12700" cmpd="sng">
+                      <a:noFill/>
+                      <a:prstDash val="solid"/>
+                    </a:lnTlToBr>
+                    <a:lnBlToTr w="12700" cmpd="sng">
+                      <a:noFill/>
+                      <a:prstDash val="solid"/>
+                    </a:lnBlToTr>
+                    <a:noFill/>
+                  </a:tcPr>
+                </a:tc>
+                <a:tc>
+                  <a:txBody>
+                    <a:bodyPr/>
+                    <a:lstStyle/>
+                    <a:p>
+                      <a:pPr algn="ctr" latinLnBrk="1"/>
+                      <a:r>
+                        <a:rPr lang="ko-KR" altLang="en-US" sz="1000" b="0" dirty="0">
+                          <a:solidFill>
+                            <a:schemeClr val="tx1"/>
+                          </a:solidFill>
+                        </a:rPr>
                         <a:t>체력</a:t>
                       </a:r>
                     </a:p>
@@ -12424,8 +14094,69 @@
                             <a:schemeClr val="tx1"/>
                           </a:solidFill>
                         </a:rPr>
-                        <a:t>1-</a:t>
-                      </a:r>
+                        <a:t>1</a:t>
+                      </a:r>
+                      <a:endParaRPr lang="ko-KR" altLang="en-US" sz="1000" b="0" dirty="0">
+                        <a:solidFill>
+                          <a:schemeClr val="tx1"/>
+                        </a:solidFill>
+                      </a:endParaRPr>
+                    </a:p>
+                  </a:txBody>
+                  <a:tcPr anchor="ctr">
+                    <a:lnL w="12700" cap="flat" cmpd="sng" algn="ctr">
+                      <a:solidFill>
+                        <a:schemeClr val="tx1"/>
+                      </a:solidFill>
+                      <a:prstDash val="solid"/>
+                      <a:round/>
+                      <a:headEnd type="none" w="med" len="med"/>
+                      <a:tailEnd type="none" w="med" len="med"/>
+                    </a:lnL>
+                    <a:lnR w="12700" cap="flat" cmpd="sng" algn="ctr">
+                      <a:solidFill>
+                        <a:schemeClr val="tx1"/>
+                      </a:solidFill>
+                      <a:prstDash val="solid"/>
+                      <a:round/>
+                      <a:headEnd type="none" w="med" len="med"/>
+                      <a:tailEnd type="none" w="med" len="med"/>
+                    </a:lnR>
+                    <a:lnT w="12700" cap="flat" cmpd="sng" algn="ctr">
+                      <a:solidFill>
+                        <a:schemeClr val="tx1"/>
+                      </a:solidFill>
+                      <a:prstDash val="solid"/>
+                      <a:round/>
+                      <a:headEnd type="none" w="med" len="med"/>
+                      <a:tailEnd type="none" w="med" len="med"/>
+                    </a:lnT>
+                    <a:lnB w="12700" cap="flat" cmpd="sng" algn="ctr">
+                      <a:solidFill>
+                        <a:schemeClr val="tx1"/>
+                      </a:solidFill>
+                      <a:prstDash val="solid"/>
+                      <a:round/>
+                      <a:headEnd type="none" w="med" len="med"/>
+                      <a:tailEnd type="none" w="med" len="med"/>
+                    </a:lnB>
+                    <a:lnTlToBr w="12700" cmpd="sng">
+                      <a:noFill/>
+                      <a:prstDash val="solid"/>
+                    </a:lnTlToBr>
+                    <a:lnBlToTr w="12700" cmpd="sng">
+                      <a:noFill/>
+                      <a:prstDash val="solid"/>
+                    </a:lnBlToTr>
+                    <a:noFill/>
+                  </a:tcPr>
+                </a:tc>
+                <a:tc>
+                  <a:txBody>
+                    <a:bodyPr/>
+                    <a:lstStyle/>
+                    <a:p>
+                      <a:pPr algn="ctr" latinLnBrk="1"/>
                       <a:r>
                         <a:rPr lang="ko-KR" altLang="en-US" sz="1000" b="0" dirty="0">
                           <a:solidFill>
@@ -12779,8 +14510,69 @@
                             <a:schemeClr val="tx1"/>
                           </a:solidFill>
                         </a:rPr>
-                        <a:t>2-</a:t>
-                      </a:r>
+                        <a:t>2</a:t>
+                      </a:r>
+                      <a:endParaRPr lang="ko-KR" altLang="en-US" sz="1000" b="0" dirty="0">
+                        <a:solidFill>
+                          <a:schemeClr val="tx1"/>
+                        </a:solidFill>
+                      </a:endParaRPr>
+                    </a:p>
+                  </a:txBody>
+                  <a:tcPr anchor="ctr">
+                    <a:lnL w="12700" cap="flat" cmpd="sng" algn="ctr">
+                      <a:solidFill>
+                        <a:schemeClr val="tx1"/>
+                      </a:solidFill>
+                      <a:prstDash val="solid"/>
+                      <a:round/>
+                      <a:headEnd type="none" w="med" len="med"/>
+                      <a:tailEnd type="none" w="med" len="med"/>
+                    </a:lnL>
+                    <a:lnR w="12700" cap="flat" cmpd="sng" algn="ctr">
+                      <a:solidFill>
+                        <a:schemeClr val="tx1"/>
+                      </a:solidFill>
+                      <a:prstDash val="solid"/>
+                      <a:round/>
+                      <a:headEnd type="none" w="med" len="med"/>
+                      <a:tailEnd type="none" w="med" len="med"/>
+                    </a:lnR>
+                    <a:lnT w="12700" cap="flat" cmpd="sng" algn="ctr">
+                      <a:solidFill>
+                        <a:schemeClr val="tx1"/>
+                      </a:solidFill>
+                      <a:prstDash val="solid"/>
+                      <a:round/>
+                      <a:headEnd type="none" w="med" len="med"/>
+                      <a:tailEnd type="none" w="med" len="med"/>
+                    </a:lnT>
+                    <a:lnB w="12700" cap="flat" cmpd="sng" algn="ctr">
+                      <a:solidFill>
+                        <a:schemeClr val="tx1"/>
+                      </a:solidFill>
+                      <a:prstDash val="solid"/>
+                      <a:round/>
+                      <a:headEnd type="none" w="med" len="med"/>
+                      <a:tailEnd type="none" w="med" len="med"/>
+                    </a:lnB>
+                    <a:lnTlToBr w="12700" cmpd="sng">
+                      <a:noFill/>
+                      <a:prstDash val="solid"/>
+                    </a:lnTlToBr>
+                    <a:lnBlToTr w="12700" cmpd="sng">
+                      <a:noFill/>
+                      <a:prstDash val="solid"/>
+                    </a:lnBlToTr>
+                    <a:noFill/>
+                  </a:tcPr>
+                </a:tc>
+                <a:tc>
+                  <a:txBody>
+                    <a:bodyPr/>
+                    <a:lstStyle/>
+                    <a:p>
+                      <a:pPr algn="ctr" latinLnBrk="1"/>
                       <a:r>
                         <a:rPr lang="ko-KR" altLang="en-US" sz="1000" b="0" dirty="0">
                           <a:solidFill>
@@ -13134,8 +14926,69 @@
                             <a:schemeClr val="tx1"/>
                           </a:solidFill>
                         </a:rPr>
-                        <a:t>3-</a:t>
-                      </a:r>
+                        <a:t>3</a:t>
+                      </a:r>
+                      <a:endParaRPr lang="ko-KR" altLang="en-US" sz="1000" b="0" dirty="0">
+                        <a:solidFill>
+                          <a:schemeClr val="tx1"/>
+                        </a:solidFill>
+                      </a:endParaRPr>
+                    </a:p>
+                  </a:txBody>
+                  <a:tcPr anchor="ctr">
+                    <a:lnL w="12700" cap="flat" cmpd="sng" algn="ctr">
+                      <a:solidFill>
+                        <a:schemeClr val="tx1"/>
+                      </a:solidFill>
+                      <a:prstDash val="solid"/>
+                      <a:round/>
+                      <a:headEnd type="none" w="med" len="med"/>
+                      <a:tailEnd type="none" w="med" len="med"/>
+                    </a:lnL>
+                    <a:lnR w="12700" cap="flat" cmpd="sng" algn="ctr">
+                      <a:solidFill>
+                        <a:schemeClr val="tx1"/>
+                      </a:solidFill>
+                      <a:prstDash val="solid"/>
+                      <a:round/>
+                      <a:headEnd type="none" w="med" len="med"/>
+                      <a:tailEnd type="none" w="med" len="med"/>
+                    </a:lnR>
+                    <a:lnT w="12700" cap="flat" cmpd="sng" algn="ctr">
+                      <a:solidFill>
+                        <a:schemeClr val="tx1"/>
+                      </a:solidFill>
+                      <a:prstDash val="solid"/>
+                      <a:round/>
+                      <a:headEnd type="none" w="med" len="med"/>
+                      <a:tailEnd type="none" w="med" len="med"/>
+                    </a:lnT>
+                    <a:lnB w="12700" cap="flat" cmpd="sng" algn="ctr">
+                      <a:solidFill>
+                        <a:schemeClr val="tx1"/>
+                      </a:solidFill>
+                      <a:prstDash val="solid"/>
+                      <a:round/>
+                      <a:headEnd type="none" w="med" len="med"/>
+                      <a:tailEnd type="none" w="med" len="med"/>
+                    </a:lnB>
+                    <a:lnTlToBr w="12700" cmpd="sng">
+                      <a:noFill/>
+                      <a:prstDash val="solid"/>
+                    </a:lnTlToBr>
+                    <a:lnBlToTr w="12700" cmpd="sng">
+                      <a:noFill/>
+                      <a:prstDash val="solid"/>
+                    </a:lnBlToTr>
+                    <a:noFill/>
+                  </a:tcPr>
+                </a:tc>
+                <a:tc>
+                  <a:txBody>
+                    <a:bodyPr/>
+                    <a:lstStyle/>
+                    <a:p>
+                      <a:pPr algn="ctr" latinLnBrk="1"/>
                       <a:r>
                         <a:rPr lang="ko-KR" altLang="en-US" sz="1000" b="0" dirty="0">
                           <a:solidFill>
@@ -13489,8 +15342,69 @@
                             <a:schemeClr val="tx1"/>
                           </a:solidFill>
                         </a:rPr>
-                        <a:t>4-</a:t>
-                      </a:r>
+                        <a:t>4</a:t>
+                      </a:r>
+                      <a:endParaRPr lang="ko-KR" altLang="en-US" sz="1000" b="0" dirty="0">
+                        <a:solidFill>
+                          <a:schemeClr val="tx1"/>
+                        </a:solidFill>
+                      </a:endParaRPr>
+                    </a:p>
+                  </a:txBody>
+                  <a:tcPr anchor="ctr">
+                    <a:lnL w="12700" cap="flat" cmpd="sng" algn="ctr">
+                      <a:solidFill>
+                        <a:schemeClr val="tx1"/>
+                      </a:solidFill>
+                      <a:prstDash val="solid"/>
+                      <a:round/>
+                      <a:headEnd type="none" w="med" len="med"/>
+                      <a:tailEnd type="none" w="med" len="med"/>
+                    </a:lnL>
+                    <a:lnR w="12700" cap="flat" cmpd="sng" algn="ctr">
+                      <a:solidFill>
+                        <a:schemeClr val="tx1"/>
+                      </a:solidFill>
+                      <a:prstDash val="solid"/>
+                      <a:round/>
+                      <a:headEnd type="none" w="med" len="med"/>
+                      <a:tailEnd type="none" w="med" len="med"/>
+                    </a:lnR>
+                    <a:lnT w="12700" cap="flat" cmpd="sng" algn="ctr">
+                      <a:solidFill>
+                        <a:schemeClr val="tx1"/>
+                      </a:solidFill>
+                      <a:prstDash val="solid"/>
+                      <a:round/>
+                      <a:headEnd type="none" w="med" len="med"/>
+                      <a:tailEnd type="none" w="med" len="med"/>
+                    </a:lnT>
+                    <a:lnB w="12700" cap="flat" cmpd="sng" algn="ctr">
+                      <a:solidFill>
+                        <a:schemeClr val="tx1"/>
+                      </a:solidFill>
+                      <a:prstDash val="solid"/>
+                      <a:round/>
+                      <a:headEnd type="none" w="med" len="med"/>
+                      <a:tailEnd type="none" w="med" len="med"/>
+                    </a:lnB>
+                    <a:lnTlToBr w="12700" cmpd="sng">
+                      <a:noFill/>
+                      <a:prstDash val="solid"/>
+                    </a:lnTlToBr>
+                    <a:lnBlToTr w="12700" cmpd="sng">
+                      <a:noFill/>
+                      <a:prstDash val="solid"/>
+                    </a:lnBlToTr>
+                    <a:noFill/>
+                  </a:tcPr>
+                </a:tc>
+                <a:tc>
+                  <a:txBody>
+                    <a:bodyPr/>
+                    <a:lstStyle/>
+                    <a:p>
+                      <a:pPr algn="ctr" latinLnBrk="1"/>
                       <a:r>
                         <a:rPr lang="ko-KR" altLang="en-US" sz="1000" b="0" dirty="0">
                           <a:solidFill>
@@ -13844,8 +15758,69 @@
                             <a:schemeClr val="tx1"/>
                           </a:solidFill>
                         </a:rPr>
-                        <a:t>5-</a:t>
-                      </a:r>
+                        <a:t>5</a:t>
+                      </a:r>
+                      <a:endParaRPr lang="ko-KR" altLang="en-US" sz="1000" b="0" dirty="0">
+                        <a:solidFill>
+                          <a:schemeClr val="tx1"/>
+                        </a:solidFill>
+                      </a:endParaRPr>
+                    </a:p>
+                  </a:txBody>
+                  <a:tcPr anchor="ctr">
+                    <a:lnL w="12700" cap="flat" cmpd="sng" algn="ctr">
+                      <a:solidFill>
+                        <a:schemeClr val="tx1"/>
+                      </a:solidFill>
+                      <a:prstDash val="solid"/>
+                      <a:round/>
+                      <a:headEnd type="none" w="med" len="med"/>
+                      <a:tailEnd type="none" w="med" len="med"/>
+                    </a:lnL>
+                    <a:lnR w="12700" cap="flat" cmpd="sng" algn="ctr">
+                      <a:solidFill>
+                        <a:schemeClr val="tx1"/>
+                      </a:solidFill>
+                      <a:prstDash val="solid"/>
+                      <a:round/>
+                      <a:headEnd type="none" w="med" len="med"/>
+                      <a:tailEnd type="none" w="med" len="med"/>
+                    </a:lnR>
+                    <a:lnT w="12700" cap="flat" cmpd="sng" algn="ctr">
+                      <a:solidFill>
+                        <a:schemeClr val="tx1"/>
+                      </a:solidFill>
+                      <a:prstDash val="solid"/>
+                      <a:round/>
+                      <a:headEnd type="none" w="med" len="med"/>
+                      <a:tailEnd type="none" w="med" len="med"/>
+                    </a:lnT>
+                    <a:lnB w="12700" cap="flat" cmpd="sng" algn="ctr">
+                      <a:solidFill>
+                        <a:schemeClr val="tx1"/>
+                      </a:solidFill>
+                      <a:prstDash val="solid"/>
+                      <a:round/>
+                      <a:headEnd type="none" w="med" len="med"/>
+                      <a:tailEnd type="none" w="med" len="med"/>
+                    </a:lnB>
+                    <a:lnTlToBr w="12700" cmpd="sng">
+                      <a:noFill/>
+                      <a:prstDash val="solid"/>
+                    </a:lnTlToBr>
+                    <a:lnBlToTr w="12700" cmpd="sng">
+                      <a:noFill/>
+                      <a:prstDash val="solid"/>
+                    </a:lnBlToTr>
+                    <a:noFill/>
+                  </a:tcPr>
+                </a:tc>
+                <a:tc>
+                  <a:txBody>
+                    <a:bodyPr/>
+                    <a:lstStyle/>
+                    <a:p>
+                      <a:pPr algn="ctr" latinLnBrk="1"/>
                       <a:r>
                         <a:rPr lang="ko-KR" altLang="en-US" sz="1000" b="0" dirty="0" err="1">
                           <a:solidFill>
@@ -14204,8 +16179,69 @@
                             <a:schemeClr val="tx1"/>
                           </a:solidFill>
                         </a:rPr>
-                        <a:t>6-</a:t>
-                      </a:r>
+                        <a:t>6</a:t>
+                      </a:r>
+                      <a:endParaRPr lang="ko-KR" altLang="en-US" sz="1000" b="0" dirty="0">
+                        <a:solidFill>
+                          <a:schemeClr val="tx1"/>
+                        </a:solidFill>
+                      </a:endParaRPr>
+                    </a:p>
+                  </a:txBody>
+                  <a:tcPr anchor="ctr">
+                    <a:lnL w="12700" cap="flat" cmpd="sng" algn="ctr">
+                      <a:solidFill>
+                        <a:schemeClr val="tx1"/>
+                      </a:solidFill>
+                      <a:prstDash val="solid"/>
+                      <a:round/>
+                      <a:headEnd type="none" w="med" len="med"/>
+                      <a:tailEnd type="none" w="med" len="med"/>
+                    </a:lnL>
+                    <a:lnR w="12700" cap="flat" cmpd="sng" algn="ctr">
+                      <a:solidFill>
+                        <a:schemeClr val="tx1"/>
+                      </a:solidFill>
+                      <a:prstDash val="solid"/>
+                      <a:round/>
+                      <a:headEnd type="none" w="med" len="med"/>
+                      <a:tailEnd type="none" w="med" len="med"/>
+                    </a:lnR>
+                    <a:lnT w="12700" cap="flat" cmpd="sng" algn="ctr">
+                      <a:solidFill>
+                        <a:schemeClr val="tx1"/>
+                      </a:solidFill>
+                      <a:prstDash val="solid"/>
+                      <a:round/>
+                      <a:headEnd type="none" w="med" len="med"/>
+                      <a:tailEnd type="none" w="med" len="med"/>
+                    </a:lnT>
+                    <a:lnB w="12700" cap="flat" cmpd="sng" algn="ctr">
+                      <a:solidFill>
+                        <a:schemeClr val="tx1"/>
+                      </a:solidFill>
+                      <a:prstDash val="solid"/>
+                      <a:round/>
+                      <a:headEnd type="none" w="med" len="med"/>
+                      <a:tailEnd type="none" w="med" len="med"/>
+                    </a:lnB>
+                    <a:lnTlToBr w="12700" cmpd="sng">
+                      <a:noFill/>
+                      <a:prstDash val="solid"/>
+                    </a:lnTlToBr>
+                    <a:lnBlToTr w="12700" cmpd="sng">
+                      <a:noFill/>
+                      <a:prstDash val="solid"/>
+                    </a:lnBlToTr>
+                    <a:noFill/>
+                  </a:tcPr>
+                </a:tc>
+                <a:tc>
+                  <a:txBody>
+                    <a:bodyPr/>
+                    <a:lstStyle/>
+                    <a:p>
+                      <a:pPr algn="ctr" latinLnBrk="1"/>
                       <a:r>
                         <a:rPr lang="ko-KR" altLang="en-US" sz="1000" b="0" dirty="0">
                           <a:solidFill>
@@ -14559,8 +16595,64 @@
                             <a:schemeClr val="tx1"/>
                           </a:solidFill>
                         </a:rPr>
-                        <a:t>7-</a:t>
-                      </a:r>
+                        <a:t>7</a:t>
+                      </a:r>
+                    </a:p>
+                  </a:txBody>
+                  <a:tcPr anchor="ctr">
+                    <a:lnL w="12700" cap="flat" cmpd="sng" algn="ctr">
+                      <a:solidFill>
+                        <a:schemeClr val="tx1"/>
+                      </a:solidFill>
+                      <a:prstDash val="solid"/>
+                      <a:round/>
+                      <a:headEnd type="none" w="med" len="med"/>
+                      <a:tailEnd type="none" w="med" len="med"/>
+                    </a:lnL>
+                    <a:lnR w="12700" cap="flat" cmpd="sng" algn="ctr">
+                      <a:solidFill>
+                        <a:schemeClr val="tx1"/>
+                      </a:solidFill>
+                      <a:prstDash val="solid"/>
+                      <a:round/>
+                      <a:headEnd type="none" w="med" len="med"/>
+                      <a:tailEnd type="none" w="med" len="med"/>
+                    </a:lnR>
+                    <a:lnT w="12700" cap="flat" cmpd="sng" algn="ctr">
+                      <a:solidFill>
+                        <a:schemeClr val="tx1"/>
+                      </a:solidFill>
+                      <a:prstDash val="solid"/>
+                      <a:round/>
+                      <a:headEnd type="none" w="med" len="med"/>
+                      <a:tailEnd type="none" w="med" len="med"/>
+                    </a:lnT>
+                    <a:lnB w="12700" cap="flat" cmpd="sng" algn="ctr">
+                      <a:solidFill>
+                        <a:schemeClr val="tx1"/>
+                      </a:solidFill>
+                      <a:prstDash val="solid"/>
+                      <a:round/>
+                      <a:headEnd type="none" w="med" len="med"/>
+                      <a:tailEnd type="none" w="med" len="med"/>
+                    </a:lnB>
+                    <a:lnTlToBr w="12700" cmpd="sng">
+                      <a:noFill/>
+                      <a:prstDash val="solid"/>
+                    </a:lnTlToBr>
+                    <a:lnBlToTr w="12700" cmpd="sng">
+                      <a:noFill/>
+                      <a:prstDash val="solid"/>
+                    </a:lnBlToTr>
+                    <a:noFill/>
+                  </a:tcPr>
+                </a:tc>
+                <a:tc>
+                  <a:txBody>
+                    <a:bodyPr/>
+                    <a:lstStyle/>
+                    <a:p>
+                      <a:pPr algn="ctr" latinLnBrk="1"/>
                       <a:r>
                         <a:rPr lang="ko-KR" altLang="en-US" sz="1000" b="0" dirty="0">
                           <a:solidFill>
@@ -14919,8 +17011,64 @@
                             <a:schemeClr val="tx1"/>
                           </a:solidFill>
                         </a:rPr>
-                        <a:t>8-</a:t>
-                      </a:r>
+                        <a:t>8</a:t>
+                      </a:r>
+                    </a:p>
+                  </a:txBody>
+                  <a:tcPr anchor="ctr">
+                    <a:lnL w="12700" cap="flat" cmpd="sng" algn="ctr">
+                      <a:solidFill>
+                        <a:schemeClr val="tx1"/>
+                      </a:solidFill>
+                      <a:prstDash val="solid"/>
+                      <a:round/>
+                      <a:headEnd type="none" w="med" len="med"/>
+                      <a:tailEnd type="none" w="med" len="med"/>
+                    </a:lnL>
+                    <a:lnR w="12700" cap="flat" cmpd="sng" algn="ctr">
+                      <a:solidFill>
+                        <a:schemeClr val="tx1"/>
+                      </a:solidFill>
+                      <a:prstDash val="solid"/>
+                      <a:round/>
+                      <a:headEnd type="none" w="med" len="med"/>
+                      <a:tailEnd type="none" w="med" len="med"/>
+                    </a:lnR>
+                    <a:lnT w="12700" cap="flat" cmpd="sng" algn="ctr">
+                      <a:solidFill>
+                        <a:schemeClr val="tx1"/>
+                      </a:solidFill>
+                      <a:prstDash val="solid"/>
+                      <a:round/>
+                      <a:headEnd type="none" w="med" len="med"/>
+                      <a:tailEnd type="none" w="med" len="med"/>
+                    </a:lnT>
+                    <a:lnB w="12700" cap="flat" cmpd="sng" algn="ctr">
+                      <a:solidFill>
+                        <a:schemeClr val="tx1"/>
+                      </a:solidFill>
+                      <a:prstDash val="solid"/>
+                      <a:round/>
+                      <a:headEnd type="none" w="med" len="med"/>
+                      <a:tailEnd type="none" w="med" len="med"/>
+                    </a:lnB>
+                    <a:lnTlToBr w="12700" cmpd="sng">
+                      <a:noFill/>
+                      <a:prstDash val="solid"/>
+                    </a:lnTlToBr>
+                    <a:lnBlToTr w="12700" cmpd="sng">
+                      <a:noFill/>
+                      <a:prstDash val="solid"/>
+                    </a:lnBlToTr>
+                    <a:noFill/>
+                  </a:tcPr>
+                </a:tc>
+                <a:tc>
+                  <a:txBody>
+                    <a:bodyPr/>
+                    <a:lstStyle/>
+                    <a:p>
+                      <a:pPr algn="ctr" latinLnBrk="1"/>
                       <a:r>
                         <a:rPr lang="ko-KR" altLang="en-US" sz="1000" b="0" dirty="0">
                           <a:solidFill>
@@ -15285,14 +17433,14 @@
           <p:nvPr>
             <p:extLst>
               <p:ext uri="{D42A27DB-BD31-4B8C-83A1-F6EECF244321}">
-                <p14:modId xmlns:p14="http://schemas.microsoft.com/office/powerpoint/2010/main" val="197174853"/>
+                <p14:modId xmlns:p14="http://schemas.microsoft.com/office/powerpoint/2010/main" val="53215589"/>
               </p:ext>
             </p:extLst>
           </p:nvPr>
         </p:nvGraphicFramePr>
         <p:xfrm>
-          <a:off x="3103685" y="3870176"/>
-          <a:ext cx="5984629" cy="2438397"/>
+          <a:off x="1845395" y="3903848"/>
+          <a:ext cx="8552307" cy="2438397"/>
         </p:xfrm>
         <a:graphic>
           <a:graphicData uri="http://schemas.openxmlformats.org/drawingml/2006/table">
@@ -15301,35 +17449,35 @@
                 <a:tableStyleId>{5C22544A-7EE6-4342-B048-85BDC9FD1C3A}</a:tableStyleId>
               </a:tblPr>
               <a:tblGrid>
-                <a:gridCol w="999173">
+                <a:gridCol w="1427863">
                   <a:extLst>
                     <a:ext uri="{9D8B030D-6E8A-4147-A177-3AD203B41FA5}">
                       <a16:colId xmlns:a16="http://schemas.microsoft.com/office/drawing/2014/main" val="2450210185"/>
                     </a:ext>
                   </a:extLst>
                 </a:gridCol>
-                <a:gridCol w="1246364">
+                <a:gridCol w="1781111">
                   <a:extLst>
                     <a:ext uri="{9D8B030D-6E8A-4147-A177-3AD203B41FA5}">
                       <a16:colId xmlns:a16="http://schemas.microsoft.com/office/drawing/2014/main" val="3213500976"/>
                     </a:ext>
                   </a:extLst>
                 </a:gridCol>
-                <a:gridCol w="1246364">
+                <a:gridCol w="1781111">
                   <a:extLst>
                     <a:ext uri="{9D8B030D-6E8A-4147-A177-3AD203B41FA5}">
                       <a16:colId xmlns:a16="http://schemas.microsoft.com/office/drawing/2014/main" val="2770815026"/>
                     </a:ext>
                   </a:extLst>
                 </a:gridCol>
-                <a:gridCol w="1246364">
+                <a:gridCol w="1781111">
                   <a:extLst>
                     <a:ext uri="{9D8B030D-6E8A-4147-A177-3AD203B41FA5}">
                       <a16:colId xmlns:a16="http://schemas.microsoft.com/office/drawing/2014/main" val="134970193"/>
                     </a:ext>
                   </a:extLst>
                 </a:gridCol>
-                <a:gridCol w="1246364">
+                <a:gridCol w="1781111">
                   <a:extLst>
                     <a:ext uri="{9D8B030D-6E8A-4147-A177-3AD203B41FA5}">
                       <a16:colId xmlns:a16="http://schemas.microsoft.com/office/drawing/2014/main" val="3355405314"/>
@@ -18524,6 +20672,1735 @@
                 <a:extLst>
                   <a:ext uri="{0D108BD9-81ED-4DB2-BD59-A6C34878D82A}">
                     <a16:rowId xmlns:a16="http://schemas.microsoft.com/office/drawing/2014/main" val="4137334100"/>
+                  </a:ext>
+                </a:extLst>
+              </a:tr>
+            </a:tbl>
+          </a:graphicData>
+        </a:graphic>
+      </p:graphicFrame>
+      <p:graphicFrame>
+        <p:nvGraphicFramePr>
+          <p:cNvPr id="2" name="표 2">
+            <a:extLst>
+              <a:ext uri="{FF2B5EF4-FFF2-40B4-BE49-F238E27FC236}">
+                <a16:creationId xmlns:a16="http://schemas.microsoft.com/office/drawing/2014/main" id="{E43F6AE3-FFC4-4AA9-917D-2817C4A369DF}"/>
+              </a:ext>
+            </a:extLst>
+          </p:cNvPr>
+          <p:cNvGraphicFramePr>
+            <a:graphicFrameLocks noGrp="1"/>
+          </p:cNvGraphicFramePr>
+          <p:nvPr>
+            <p:extLst>
+              <p:ext uri="{D42A27DB-BD31-4B8C-83A1-F6EECF244321}">
+                <p14:modId xmlns:p14="http://schemas.microsoft.com/office/powerpoint/2010/main" val="575925855"/>
+              </p:ext>
+            </p:extLst>
+          </p:nvPr>
+        </p:nvGraphicFramePr>
+        <p:xfrm>
+          <a:off x="7966286" y="1326335"/>
+          <a:ext cx="2431415" cy="2438400"/>
+        </p:xfrm>
+        <a:graphic>
+          <a:graphicData uri="http://schemas.openxmlformats.org/drawingml/2006/table">
+            <a:tbl>
+              <a:tblPr firstRow="1" bandRow="1">
+                <a:tableStyleId>{5C22544A-7EE6-4342-B048-85BDC9FD1C3A}</a:tableStyleId>
+              </a:tblPr>
+              <a:tblGrid>
+                <a:gridCol w="875030">
+                  <a:extLst>
+                    <a:ext uri="{9D8B030D-6E8A-4147-A177-3AD203B41FA5}">
+                      <a16:colId xmlns:a16="http://schemas.microsoft.com/office/drawing/2014/main" val="3667665605"/>
+                    </a:ext>
+                  </a:extLst>
+                </a:gridCol>
+                <a:gridCol w="675005">
+                  <a:extLst>
+                    <a:ext uri="{9D8B030D-6E8A-4147-A177-3AD203B41FA5}">
+                      <a16:colId xmlns:a16="http://schemas.microsoft.com/office/drawing/2014/main" val="3305408686"/>
+                    </a:ext>
+                  </a:extLst>
+                </a:gridCol>
+                <a:gridCol w="881380">
+                  <a:extLst>
+                    <a:ext uri="{9D8B030D-6E8A-4147-A177-3AD203B41FA5}">
+                      <a16:colId xmlns:a16="http://schemas.microsoft.com/office/drawing/2014/main" val="328297120"/>
+                    </a:ext>
+                  </a:extLst>
+                </a:gridCol>
+              </a:tblGrid>
+              <a:tr h="0">
+                <a:tc gridSpan="3">
+                  <a:txBody>
+                    <a:bodyPr/>
+                    <a:lstStyle/>
+                    <a:p>
+                      <a:pPr latinLnBrk="1"/>
+                      <a:r>
+                        <a:rPr lang="ko-KR" altLang="en-US" sz="1000" b="0" dirty="0">
+                          <a:solidFill>
+                            <a:schemeClr val="tx1"/>
+                          </a:solidFill>
+                        </a:rPr>
+                        <a:t>능력치 한계 상승 규칙</a:t>
+                      </a:r>
+                    </a:p>
+                  </a:txBody>
+                  <a:tcPr>
+                    <a:lnL w="12700" cap="flat" cmpd="sng" algn="ctr">
+                      <a:solidFill>
+                        <a:schemeClr val="tx1"/>
+                      </a:solidFill>
+                      <a:prstDash val="solid"/>
+                      <a:round/>
+                      <a:headEnd type="none" w="med" len="med"/>
+                      <a:tailEnd type="none" w="med" len="med"/>
+                    </a:lnL>
+                    <a:lnR w="12700" cap="flat" cmpd="sng" algn="ctr">
+                      <a:solidFill>
+                        <a:schemeClr val="tx1"/>
+                      </a:solidFill>
+                      <a:prstDash val="solid"/>
+                      <a:round/>
+                      <a:headEnd type="none" w="med" len="med"/>
+                      <a:tailEnd type="none" w="med" len="med"/>
+                    </a:lnR>
+                    <a:lnT w="12700" cap="flat" cmpd="sng" algn="ctr">
+                      <a:solidFill>
+                        <a:schemeClr val="tx1"/>
+                      </a:solidFill>
+                      <a:prstDash val="solid"/>
+                      <a:round/>
+                      <a:headEnd type="none" w="med" len="med"/>
+                      <a:tailEnd type="none" w="med" len="med"/>
+                    </a:lnT>
+                    <a:lnB w="12700" cap="flat" cmpd="sng" algn="ctr">
+                      <a:solidFill>
+                        <a:schemeClr val="tx1"/>
+                      </a:solidFill>
+                      <a:prstDash val="solid"/>
+                      <a:round/>
+                      <a:headEnd type="none" w="med" len="med"/>
+                      <a:tailEnd type="none" w="med" len="med"/>
+                    </a:lnB>
+                    <a:lnTlToBr w="12700" cmpd="sng">
+                      <a:noFill/>
+                      <a:prstDash val="solid"/>
+                    </a:lnTlToBr>
+                    <a:lnBlToTr w="12700" cmpd="sng">
+                      <a:noFill/>
+                      <a:prstDash val="solid"/>
+                    </a:lnBlToTr>
+                    <a:noFill/>
+                  </a:tcPr>
+                </a:tc>
+                <a:tc hMerge="1">
+                  <a:txBody>
+                    <a:bodyPr/>
+                    <a:lstStyle/>
+                    <a:p>
+                      <a:pPr latinLnBrk="1"/>
+                      <a:endParaRPr lang="ko-KR" altLang="en-US" dirty="0"/>
+                    </a:p>
+                  </a:txBody>
+                  <a:tcPr/>
+                </a:tc>
+                <a:tc hMerge="1">
+                  <a:txBody>
+                    <a:bodyPr/>
+                    <a:lstStyle/>
+                    <a:p>
+                      <a:pPr latinLnBrk="1"/>
+                      <a:endParaRPr lang="ko-KR" altLang="en-US"/>
+                    </a:p>
+                  </a:txBody>
+                  <a:tcPr/>
+                </a:tc>
+                <a:extLst>
+                  <a:ext uri="{0D108BD9-81ED-4DB2-BD59-A6C34878D82A}">
+                    <a16:rowId xmlns:a16="http://schemas.microsoft.com/office/drawing/2014/main" val="2374720263"/>
+                  </a:ext>
+                </a:extLst>
+              </a:tr>
+              <a:tr h="0">
+                <a:tc rowSpan="3">
+                  <a:txBody>
+                    <a:bodyPr/>
+                    <a:lstStyle/>
+                    <a:p>
+                      <a:pPr algn="ctr" latinLnBrk="1"/>
+                      <a:r>
+                        <a:rPr lang="ko-KR" altLang="en-US" sz="1000" b="0" dirty="0">
+                          <a:solidFill>
+                            <a:schemeClr val="tx1"/>
+                          </a:solidFill>
+                        </a:rPr>
+                        <a:t>체력</a:t>
+                      </a:r>
+                    </a:p>
+                  </a:txBody>
+                  <a:tcPr anchor="ctr">
+                    <a:lnL w="12700" cap="flat" cmpd="sng" algn="ctr">
+                      <a:solidFill>
+                        <a:schemeClr val="tx1"/>
+                      </a:solidFill>
+                      <a:prstDash val="solid"/>
+                      <a:round/>
+                      <a:headEnd type="none" w="med" len="med"/>
+                      <a:tailEnd type="none" w="med" len="med"/>
+                    </a:lnL>
+                    <a:lnR w="12700" cap="flat" cmpd="sng" algn="ctr">
+                      <a:solidFill>
+                        <a:schemeClr val="tx1"/>
+                      </a:solidFill>
+                      <a:prstDash val="solid"/>
+                      <a:round/>
+                      <a:headEnd type="none" w="med" len="med"/>
+                      <a:tailEnd type="none" w="med" len="med"/>
+                    </a:lnR>
+                    <a:lnT w="12700" cap="flat" cmpd="sng" algn="ctr">
+                      <a:solidFill>
+                        <a:schemeClr val="tx1"/>
+                      </a:solidFill>
+                      <a:prstDash val="solid"/>
+                      <a:round/>
+                      <a:headEnd type="none" w="med" len="med"/>
+                      <a:tailEnd type="none" w="med" len="med"/>
+                    </a:lnT>
+                    <a:lnB w="12700" cap="flat" cmpd="sng" algn="ctr">
+                      <a:solidFill>
+                        <a:schemeClr val="tx1"/>
+                      </a:solidFill>
+                      <a:prstDash val="solid"/>
+                      <a:round/>
+                      <a:headEnd type="none" w="med" len="med"/>
+                      <a:tailEnd type="none" w="med" len="med"/>
+                    </a:lnB>
+                    <a:lnTlToBr w="12700" cmpd="sng">
+                      <a:noFill/>
+                      <a:prstDash val="solid"/>
+                    </a:lnTlToBr>
+                    <a:lnBlToTr w="12700" cmpd="sng">
+                      <a:noFill/>
+                      <a:prstDash val="solid"/>
+                    </a:lnBlToTr>
+                    <a:noFill/>
+                  </a:tcPr>
+                </a:tc>
+                <a:tc>
+                  <a:txBody>
+                    <a:bodyPr/>
+                    <a:lstStyle/>
+                    <a:p>
+                      <a:pPr algn="ctr" latinLnBrk="1"/>
+                      <a:r>
+                        <a:rPr lang="en-US" altLang="ko-KR" sz="1000" b="0" dirty="0">
+                          <a:solidFill>
+                            <a:schemeClr val="tx1"/>
+                          </a:solidFill>
+                        </a:rPr>
+                        <a:t>1~4</a:t>
+                      </a:r>
+                      <a:endParaRPr lang="ko-KR" altLang="en-US" sz="1000" b="0" dirty="0">
+                        <a:solidFill>
+                          <a:schemeClr val="tx1"/>
+                        </a:solidFill>
+                      </a:endParaRPr>
+                    </a:p>
+                  </a:txBody>
+                  <a:tcPr anchor="ctr">
+                    <a:lnL w="12700" cap="flat" cmpd="sng" algn="ctr">
+                      <a:solidFill>
+                        <a:schemeClr val="tx1"/>
+                      </a:solidFill>
+                      <a:prstDash val="solid"/>
+                      <a:round/>
+                      <a:headEnd type="none" w="med" len="med"/>
+                      <a:tailEnd type="none" w="med" len="med"/>
+                    </a:lnL>
+                    <a:lnR w="12700" cap="flat" cmpd="sng" algn="ctr">
+                      <a:solidFill>
+                        <a:schemeClr val="tx1"/>
+                      </a:solidFill>
+                      <a:prstDash val="solid"/>
+                      <a:round/>
+                      <a:headEnd type="none" w="med" len="med"/>
+                      <a:tailEnd type="none" w="med" len="med"/>
+                    </a:lnR>
+                    <a:lnT w="12700" cap="flat" cmpd="sng" algn="ctr">
+                      <a:solidFill>
+                        <a:schemeClr val="tx1"/>
+                      </a:solidFill>
+                      <a:prstDash val="solid"/>
+                      <a:round/>
+                      <a:headEnd type="none" w="med" len="med"/>
+                      <a:tailEnd type="none" w="med" len="med"/>
+                    </a:lnT>
+                    <a:lnB w="12700" cap="flat" cmpd="sng" algn="ctr">
+                      <a:solidFill>
+                        <a:schemeClr val="tx1"/>
+                      </a:solidFill>
+                      <a:prstDash val="solid"/>
+                      <a:round/>
+                      <a:headEnd type="none" w="med" len="med"/>
+                      <a:tailEnd type="none" w="med" len="med"/>
+                    </a:lnB>
+                    <a:lnTlToBr w="12700" cmpd="sng">
+                      <a:noFill/>
+                      <a:prstDash val="solid"/>
+                    </a:lnTlToBr>
+                    <a:lnBlToTr w="12700" cmpd="sng">
+                      <a:noFill/>
+                      <a:prstDash val="solid"/>
+                    </a:lnBlToTr>
+                    <a:noFill/>
+                  </a:tcPr>
+                </a:tc>
+                <a:tc>
+                  <a:txBody>
+                    <a:bodyPr/>
+                    <a:lstStyle/>
+                    <a:p>
+                      <a:pPr latinLnBrk="1"/>
+                      <a:r>
+                        <a:rPr lang="en-US" altLang="ko-KR" sz="1000" b="0" dirty="0">
+                          <a:solidFill>
+                            <a:schemeClr val="tx1"/>
+                          </a:solidFill>
+                        </a:rPr>
+                        <a:t>+ 50</a:t>
+                      </a:r>
+                      <a:endParaRPr lang="ko-KR" altLang="en-US" sz="1000" b="0" dirty="0">
+                        <a:solidFill>
+                          <a:schemeClr val="tx1"/>
+                        </a:solidFill>
+                      </a:endParaRPr>
+                    </a:p>
+                  </a:txBody>
+                  <a:tcPr anchor="ctr">
+                    <a:lnL w="12700" cap="flat" cmpd="sng" algn="ctr">
+                      <a:solidFill>
+                        <a:schemeClr val="tx1"/>
+                      </a:solidFill>
+                      <a:prstDash val="solid"/>
+                      <a:round/>
+                      <a:headEnd type="none" w="med" len="med"/>
+                      <a:tailEnd type="none" w="med" len="med"/>
+                    </a:lnL>
+                    <a:lnR w="12700" cap="flat" cmpd="sng" algn="ctr">
+                      <a:solidFill>
+                        <a:schemeClr val="tx1"/>
+                      </a:solidFill>
+                      <a:prstDash val="solid"/>
+                      <a:round/>
+                      <a:headEnd type="none" w="med" len="med"/>
+                      <a:tailEnd type="none" w="med" len="med"/>
+                    </a:lnR>
+                    <a:lnT w="12700" cap="flat" cmpd="sng" algn="ctr">
+                      <a:solidFill>
+                        <a:schemeClr val="tx1"/>
+                      </a:solidFill>
+                      <a:prstDash val="solid"/>
+                      <a:round/>
+                      <a:headEnd type="none" w="med" len="med"/>
+                      <a:tailEnd type="none" w="med" len="med"/>
+                    </a:lnT>
+                    <a:lnB w="12700" cap="flat" cmpd="sng" algn="ctr">
+                      <a:solidFill>
+                        <a:schemeClr val="tx1"/>
+                      </a:solidFill>
+                      <a:prstDash val="solid"/>
+                      <a:round/>
+                      <a:headEnd type="none" w="med" len="med"/>
+                      <a:tailEnd type="none" w="med" len="med"/>
+                    </a:lnB>
+                    <a:lnTlToBr w="12700" cmpd="sng">
+                      <a:noFill/>
+                      <a:prstDash val="solid"/>
+                    </a:lnTlToBr>
+                    <a:lnBlToTr w="12700" cmpd="sng">
+                      <a:noFill/>
+                      <a:prstDash val="solid"/>
+                    </a:lnBlToTr>
+                    <a:noFill/>
+                  </a:tcPr>
+                </a:tc>
+                <a:extLst>
+                  <a:ext uri="{0D108BD9-81ED-4DB2-BD59-A6C34878D82A}">
+                    <a16:rowId xmlns:a16="http://schemas.microsoft.com/office/drawing/2014/main" val="1074343853"/>
+                  </a:ext>
+                </a:extLst>
+              </a:tr>
+              <a:tr h="0">
+                <a:tc vMerge="1">
+                  <a:txBody>
+                    <a:bodyPr/>
+                    <a:lstStyle/>
+                    <a:p>
+                      <a:pPr latinLnBrk="1"/>
+                      <a:endParaRPr lang="ko-KR" altLang="en-US"/>
+                    </a:p>
+                  </a:txBody>
+                  <a:tcPr/>
+                </a:tc>
+                <a:tc>
+                  <a:txBody>
+                    <a:bodyPr/>
+                    <a:lstStyle/>
+                    <a:p>
+                      <a:pPr algn="ctr" latinLnBrk="1"/>
+                      <a:r>
+                        <a:rPr lang="en-US" altLang="ko-KR" sz="1000" b="0" dirty="0">
+                          <a:solidFill>
+                            <a:schemeClr val="tx1"/>
+                          </a:solidFill>
+                        </a:rPr>
+                        <a:t>5~7</a:t>
+                      </a:r>
+                      <a:endParaRPr lang="ko-KR" altLang="en-US" sz="1000" b="0" dirty="0">
+                        <a:solidFill>
+                          <a:schemeClr val="tx1"/>
+                        </a:solidFill>
+                      </a:endParaRPr>
+                    </a:p>
+                  </a:txBody>
+                  <a:tcPr anchor="ctr">
+                    <a:lnL w="12700" cap="flat" cmpd="sng" algn="ctr">
+                      <a:solidFill>
+                        <a:schemeClr val="tx1"/>
+                      </a:solidFill>
+                      <a:prstDash val="solid"/>
+                      <a:round/>
+                      <a:headEnd type="none" w="med" len="med"/>
+                      <a:tailEnd type="none" w="med" len="med"/>
+                    </a:lnL>
+                    <a:lnR w="12700" cap="flat" cmpd="sng" algn="ctr">
+                      <a:solidFill>
+                        <a:schemeClr val="tx1"/>
+                      </a:solidFill>
+                      <a:prstDash val="solid"/>
+                      <a:round/>
+                      <a:headEnd type="none" w="med" len="med"/>
+                      <a:tailEnd type="none" w="med" len="med"/>
+                    </a:lnR>
+                    <a:lnT w="12700" cap="flat" cmpd="sng" algn="ctr">
+                      <a:solidFill>
+                        <a:schemeClr val="tx1"/>
+                      </a:solidFill>
+                      <a:prstDash val="solid"/>
+                      <a:round/>
+                      <a:headEnd type="none" w="med" len="med"/>
+                      <a:tailEnd type="none" w="med" len="med"/>
+                    </a:lnT>
+                    <a:lnB w="12700" cap="flat" cmpd="sng" algn="ctr">
+                      <a:solidFill>
+                        <a:schemeClr val="tx1"/>
+                      </a:solidFill>
+                      <a:prstDash val="solid"/>
+                      <a:round/>
+                      <a:headEnd type="none" w="med" len="med"/>
+                      <a:tailEnd type="none" w="med" len="med"/>
+                    </a:lnB>
+                    <a:lnTlToBr w="12700" cmpd="sng">
+                      <a:noFill/>
+                      <a:prstDash val="solid"/>
+                    </a:lnTlToBr>
+                    <a:lnBlToTr w="12700" cmpd="sng">
+                      <a:noFill/>
+                      <a:prstDash val="solid"/>
+                    </a:lnBlToTr>
+                    <a:noFill/>
+                  </a:tcPr>
+                </a:tc>
+                <a:tc>
+                  <a:txBody>
+                    <a:bodyPr/>
+                    <a:lstStyle/>
+                    <a:p>
+                      <a:pPr latinLnBrk="1"/>
+                      <a:r>
+                        <a:rPr lang="en-US" altLang="ko-KR" sz="1000" b="0" dirty="0">
+                          <a:solidFill>
+                            <a:schemeClr val="tx1"/>
+                          </a:solidFill>
+                        </a:rPr>
+                        <a:t>+ 250</a:t>
+                      </a:r>
+                      <a:endParaRPr lang="ko-KR" altLang="en-US" sz="1000" b="0" dirty="0">
+                        <a:solidFill>
+                          <a:schemeClr val="tx1"/>
+                        </a:solidFill>
+                      </a:endParaRPr>
+                    </a:p>
+                  </a:txBody>
+                  <a:tcPr anchor="ctr">
+                    <a:lnL w="12700" cap="flat" cmpd="sng" algn="ctr">
+                      <a:solidFill>
+                        <a:schemeClr val="tx1"/>
+                      </a:solidFill>
+                      <a:prstDash val="solid"/>
+                      <a:round/>
+                      <a:headEnd type="none" w="med" len="med"/>
+                      <a:tailEnd type="none" w="med" len="med"/>
+                    </a:lnL>
+                    <a:lnR w="12700" cap="flat" cmpd="sng" algn="ctr">
+                      <a:solidFill>
+                        <a:schemeClr val="tx1"/>
+                      </a:solidFill>
+                      <a:prstDash val="solid"/>
+                      <a:round/>
+                      <a:headEnd type="none" w="med" len="med"/>
+                      <a:tailEnd type="none" w="med" len="med"/>
+                    </a:lnR>
+                    <a:lnT w="12700" cap="flat" cmpd="sng" algn="ctr">
+                      <a:solidFill>
+                        <a:schemeClr val="tx1"/>
+                      </a:solidFill>
+                      <a:prstDash val="solid"/>
+                      <a:round/>
+                      <a:headEnd type="none" w="med" len="med"/>
+                      <a:tailEnd type="none" w="med" len="med"/>
+                    </a:lnT>
+                    <a:lnB w="12700" cap="flat" cmpd="sng" algn="ctr">
+                      <a:solidFill>
+                        <a:schemeClr val="tx1"/>
+                      </a:solidFill>
+                      <a:prstDash val="solid"/>
+                      <a:round/>
+                      <a:headEnd type="none" w="med" len="med"/>
+                      <a:tailEnd type="none" w="med" len="med"/>
+                    </a:lnB>
+                    <a:lnTlToBr w="12700" cmpd="sng">
+                      <a:noFill/>
+                      <a:prstDash val="solid"/>
+                    </a:lnTlToBr>
+                    <a:lnBlToTr w="12700" cmpd="sng">
+                      <a:noFill/>
+                      <a:prstDash val="solid"/>
+                    </a:lnBlToTr>
+                    <a:noFill/>
+                  </a:tcPr>
+                </a:tc>
+                <a:extLst>
+                  <a:ext uri="{0D108BD9-81ED-4DB2-BD59-A6C34878D82A}">
+                    <a16:rowId xmlns:a16="http://schemas.microsoft.com/office/drawing/2014/main" val="1875682356"/>
+                  </a:ext>
+                </a:extLst>
+              </a:tr>
+              <a:tr h="0">
+                <a:tc vMerge="1">
+                  <a:txBody>
+                    <a:bodyPr/>
+                    <a:lstStyle/>
+                    <a:p>
+                      <a:pPr latinLnBrk="1"/>
+                      <a:endParaRPr lang="ko-KR" altLang="en-US"/>
+                    </a:p>
+                  </a:txBody>
+                  <a:tcPr/>
+                </a:tc>
+                <a:tc>
+                  <a:txBody>
+                    <a:bodyPr/>
+                    <a:lstStyle/>
+                    <a:p>
+                      <a:pPr algn="ctr" latinLnBrk="1"/>
+                      <a:r>
+                        <a:rPr lang="en-US" altLang="ko-KR" sz="1000" b="0" dirty="0">
+                          <a:solidFill>
+                            <a:schemeClr val="tx1"/>
+                          </a:solidFill>
+                        </a:rPr>
+                        <a:t>8</a:t>
+                      </a:r>
+                      <a:endParaRPr lang="ko-KR" altLang="en-US" sz="1000" b="0" dirty="0">
+                        <a:solidFill>
+                          <a:schemeClr val="tx1"/>
+                        </a:solidFill>
+                      </a:endParaRPr>
+                    </a:p>
+                  </a:txBody>
+                  <a:tcPr anchor="ctr">
+                    <a:lnL w="12700" cap="flat" cmpd="sng" algn="ctr">
+                      <a:solidFill>
+                        <a:schemeClr val="tx1"/>
+                      </a:solidFill>
+                      <a:prstDash val="solid"/>
+                      <a:round/>
+                      <a:headEnd type="none" w="med" len="med"/>
+                      <a:tailEnd type="none" w="med" len="med"/>
+                    </a:lnL>
+                    <a:lnR w="12700" cap="flat" cmpd="sng" algn="ctr">
+                      <a:solidFill>
+                        <a:schemeClr val="tx1"/>
+                      </a:solidFill>
+                      <a:prstDash val="solid"/>
+                      <a:round/>
+                      <a:headEnd type="none" w="med" len="med"/>
+                      <a:tailEnd type="none" w="med" len="med"/>
+                    </a:lnR>
+                    <a:lnT w="12700" cap="flat" cmpd="sng" algn="ctr">
+                      <a:solidFill>
+                        <a:schemeClr val="tx1"/>
+                      </a:solidFill>
+                      <a:prstDash val="solid"/>
+                      <a:round/>
+                      <a:headEnd type="none" w="med" len="med"/>
+                      <a:tailEnd type="none" w="med" len="med"/>
+                    </a:lnT>
+                    <a:lnB w="12700" cap="flat" cmpd="sng" algn="ctr">
+                      <a:solidFill>
+                        <a:schemeClr val="tx1"/>
+                      </a:solidFill>
+                      <a:prstDash val="solid"/>
+                      <a:round/>
+                      <a:headEnd type="none" w="med" len="med"/>
+                      <a:tailEnd type="none" w="med" len="med"/>
+                    </a:lnB>
+                    <a:lnTlToBr w="12700" cmpd="sng">
+                      <a:noFill/>
+                      <a:prstDash val="solid"/>
+                    </a:lnTlToBr>
+                    <a:lnBlToTr w="12700" cmpd="sng">
+                      <a:noFill/>
+                      <a:prstDash val="solid"/>
+                    </a:lnBlToTr>
+                    <a:noFill/>
+                  </a:tcPr>
+                </a:tc>
+                <a:tc>
+                  <a:txBody>
+                    <a:bodyPr/>
+                    <a:lstStyle/>
+                    <a:p>
+                      <a:pPr latinLnBrk="1"/>
+                      <a:r>
+                        <a:rPr lang="en-US" altLang="ko-KR" sz="1000" b="0" dirty="0">
+                          <a:solidFill>
+                            <a:schemeClr val="tx1"/>
+                          </a:solidFill>
+                        </a:rPr>
+                        <a:t>+ 500</a:t>
+                      </a:r>
+                      <a:endParaRPr lang="ko-KR" altLang="en-US" sz="1000" b="0" dirty="0">
+                        <a:solidFill>
+                          <a:schemeClr val="tx1"/>
+                        </a:solidFill>
+                      </a:endParaRPr>
+                    </a:p>
+                  </a:txBody>
+                  <a:tcPr anchor="ctr">
+                    <a:lnL w="12700" cap="flat" cmpd="sng" algn="ctr">
+                      <a:solidFill>
+                        <a:schemeClr val="tx1"/>
+                      </a:solidFill>
+                      <a:prstDash val="solid"/>
+                      <a:round/>
+                      <a:headEnd type="none" w="med" len="med"/>
+                      <a:tailEnd type="none" w="med" len="med"/>
+                    </a:lnL>
+                    <a:lnR w="12700" cap="flat" cmpd="sng" algn="ctr">
+                      <a:solidFill>
+                        <a:schemeClr val="tx1"/>
+                      </a:solidFill>
+                      <a:prstDash val="solid"/>
+                      <a:round/>
+                      <a:headEnd type="none" w="med" len="med"/>
+                      <a:tailEnd type="none" w="med" len="med"/>
+                    </a:lnR>
+                    <a:lnT w="12700" cap="flat" cmpd="sng" algn="ctr">
+                      <a:solidFill>
+                        <a:schemeClr val="tx1"/>
+                      </a:solidFill>
+                      <a:prstDash val="solid"/>
+                      <a:round/>
+                      <a:headEnd type="none" w="med" len="med"/>
+                      <a:tailEnd type="none" w="med" len="med"/>
+                    </a:lnT>
+                    <a:lnB w="12700" cap="flat" cmpd="sng" algn="ctr">
+                      <a:solidFill>
+                        <a:schemeClr val="tx1"/>
+                      </a:solidFill>
+                      <a:prstDash val="solid"/>
+                      <a:round/>
+                      <a:headEnd type="none" w="med" len="med"/>
+                      <a:tailEnd type="none" w="med" len="med"/>
+                    </a:lnB>
+                    <a:lnTlToBr w="12700" cmpd="sng">
+                      <a:noFill/>
+                      <a:prstDash val="solid"/>
+                    </a:lnTlToBr>
+                    <a:lnBlToTr w="12700" cmpd="sng">
+                      <a:noFill/>
+                      <a:prstDash val="solid"/>
+                    </a:lnBlToTr>
+                    <a:noFill/>
+                  </a:tcPr>
+                </a:tc>
+                <a:extLst>
+                  <a:ext uri="{0D108BD9-81ED-4DB2-BD59-A6C34878D82A}">
+                    <a16:rowId xmlns:a16="http://schemas.microsoft.com/office/drawing/2014/main" val="1508755789"/>
+                  </a:ext>
+                </a:extLst>
+              </a:tr>
+              <a:tr h="0">
+                <a:tc rowSpan="3">
+                  <a:txBody>
+                    <a:bodyPr/>
+                    <a:lstStyle/>
+                    <a:p>
+                      <a:pPr algn="ctr" latinLnBrk="1"/>
+                      <a:r>
+                        <a:rPr lang="ko-KR" altLang="en-US" sz="1000" b="0" dirty="0">
+                          <a:solidFill>
+                            <a:schemeClr val="tx1"/>
+                          </a:solidFill>
+                        </a:rPr>
+                        <a:t>지구력</a:t>
+                      </a:r>
+                    </a:p>
+                  </a:txBody>
+                  <a:tcPr anchor="ctr">
+                    <a:lnL w="12700" cap="flat" cmpd="sng" algn="ctr">
+                      <a:solidFill>
+                        <a:schemeClr val="tx1"/>
+                      </a:solidFill>
+                      <a:prstDash val="solid"/>
+                      <a:round/>
+                      <a:headEnd type="none" w="med" len="med"/>
+                      <a:tailEnd type="none" w="med" len="med"/>
+                    </a:lnL>
+                    <a:lnR w="12700" cap="flat" cmpd="sng" algn="ctr">
+                      <a:solidFill>
+                        <a:schemeClr val="tx1"/>
+                      </a:solidFill>
+                      <a:prstDash val="solid"/>
+                      <a:round/>
+                      <a:headEnd type="none" w="med" len="med"/>
+                      <a:tailEnd type="none" w="med" len="med"/>
+                    </a:lnR>
+                    <a:lnT w="12700" cap="flat" cmpd="sng" algn="ctr">
+                      <a:solidFill>
+                        <a:schemeClr val="tx1"/>
+                      </a:solidFill>
+                      <a:prstDash val="solid"/>
+                      <a:round/>
+                      <a:headEnd type="none" w="med" len="med"/>
+                      <a:tailEnd type="none" w="med" len="med"/>
+                    </a:lnT>
+                    <a:lnB w="12700" cap="flat" cmpd="sng" algn="ctr">
+                      <a:solidFill>
+                        <a:schemeClr val="tx1"/>
+                      </a:solidFill>
+                      <a:prstDash val="solid"/>
+                      <a:round/>
+                      <a:headEnd type="none" w="med" len="med"/>
+                      <a:tailEnd type="none" w="med" len="med"/>
+                    </a:lnB>
+                    <a:lnTlToBr w="12700" cmpd="sng">
+                      <a:noFill/>
+                      <a:prstDash val="solid"/>
+                    </a:lnTlToBr>
+                    <a:lnBlToTr w="12700" cmpd="sng">
+                      <a:noFill/>
+                      <a:prstDash val="solid"/>
+                    </a:lnBlToTr>
+                    <a:noFill/>
+                  </a:tcPr>
+                </a:tc>
+                <a:tc>
+                  <a:txBody>
+                    <a:bodyPr/>
+                    <a:lstStyle/>
+                    <a:p>
+                      <a:pPr algn="ctr" latinLnBrk="1"/>
+                      <a:r>
+                        <a:rPr lang="en-US" altLang="ko-KR" sz="1000" b="0" dirty="0">
+                          <a:solidFill>
+                            <a:schemeClr val="tx1"/>
+                          </a:solidFill>
+                        </a:rPr>
+                        <a:t>1~3</a:t>
+                      </a:r>
+                      <a:endParaRPr lang="ko-KR" altLang="en-US" sz="1000" b="0" dirty="0">
+                        <a:solidFill>
+                          <a:schemeClr val="tx1"/>
+                        </a:solidFill>
+                      </a:endParaRPr>
+                    </a:p>
+                  </a:txBody>
+                  <a:tcPr anchor="ctr">
+                    <a:lnL w="12700" cap="flat" cmpd="sng" algn="ctr">
+                      <a:solidFill>
+                        <a:schemeClr val="tx1"/>
+                      </a:solidFill>
+                      <a:prstDash val="solid"/>
+                      <a:round/>
+                      <a:headEnd type="none" w="med" len="med"/>
+                      <a:tailEnd type="none" w="med" len="med"/>
+                    </a:lnL>
+                    <a:lnR w="12700" cap="flat" cmpd="sng" algn="ctr">
+                      <a:solidFill>
+                        <a:schemeClr val="tx1"/>
+                      </a:solidFill>
+                      <a:prstDash val="solid"/>
+                      <a:round/>
+                      <a:headEnd type="none" w="med" len="med"/>
+                      <a:tailEnd type="none" w="med" len="med"/>
+                    </a:lnR>
+                    <a:lnT w="12700" cap="flat" cmpd="sng" algn="ctr">
+                      <a:solidFill>
+                        <a:schemeClr val="tx1"/>
+                      </a:solidFill>
+                      <a:prstDash val="solid"/>
+                      <a:round/>
+                      <a:headEnd type="none" w="med" len="med"/>
+                      <a:tailEnd type="none" w="med" len="med"/>
+                    </a:lnT>
+                    <a:lnB w="12700" cap="flat" cmpd="sng" algn="ctr">
+                      <a:solidFill>
+                        <a:schemeClr val="tx1"/>
+                      </a:solidFill>
+                      <a:prstDash val="solid"/>
+                      <a:round/>
+                      <a:headEnd type="none" w="med" len="med"/>
+                      <a:tailEnd type="none" w="med" len="med"/>
+                    </a:lnB>
+                    <a:lnTlToBr w="12700" cmpd="sng">
+                      <a:noFill/>
+                      <a:prstDash val="solid"/>
+                    </a:lnTlToBr>
+                    <a:lnBlToTr w="12700" cmpd="sng">
+                      <a:noFill/>
+                      <a:prstDash val="solid"/>
+                    </a:lnBlToTr>
+                    <a:noFill/>
+                  </a:tcPr>
+                </a:tc>
+                <a:tc>
+                  <a:txBody>
+                    <a:bodyPr/>
+                    <a:lstStyle/>
+                    <a:p>
+                      <a:pPr latinLnBrk="1"/>
+                      <a:r>
+                        <a:rPr lang="en-US" altLang="ko-KR" sz="1000" b="0" dirty="0">
+                          <a:solidFill>
+                            <a:schemeClr val="tx1"/>
+                          </a:solidFill>
+                        </a:rPr>
+                        <a:t>+ 15</a:t>
+                      </a:r>
+                      <a:endParaRPr lang="ko-KR" altLang="en-US" sz="1000" b="0" dirty="0">
+                        <a:solidFill>
+                          <a:schemeClr val="tx1"/>
+                        </a:solidFill>
+                      </a:endParaRPr>
+                    </a:p>
+                  </a:txBody>
+                  <a:tcPr anchor="ctr">
+                    <a:lnL w="12700" cap="flat" cmpd="sng" algn="ctr">
+                      <a:solidFill>
+                        <a:schemeClr val="tx1"/>
+                      </a:solidFill>
+                      <a:prstDash val="solid"/>
+                      <a:round/>
+                      <a:headEnd type="none" w="med" len="med"/>
+                      <a:tailEnd type="none" w="med" len="med"/>
+                    </a:lnL>
+                    <a:lnR w="12700" cap="flat" cmpd="sng" algn="ctr">
+                      <a:solidFill>
+                        <a:schemeClr val="tx1"/>
+                      </a:solidFill>
+                      <a:prstDash val="solid"/>
+                      <a:round/>
+                      <a:headEnd type="none" w="med" len="med"/>
+                      <a:tailEnd type="none" w="med" len="med"/>
+                    </a:lnR>
+                    <a:lnT w="12700" cap="flat" cmpd="sng" algn="ctr">
+                      <a:solidFill>
+                        <a:schemeClr val="tx1"/>
+                      </a:solidFill>
+                      <a:prstDash val="solid"/>
+                      <a:round/>
+                      <a:headEnd type="none" w="med" len="med"/>
+                      <a:tailEnd type="none" w="med" len="med"/>
+                    </a:lnT>
+                    <a:lnB w="12700" cap="flat" cmpd="sng" algn="ctr">
+                      <a:solidFill>
+                        <a:schemeClr val="tx1"/>
+                      </a:solidFill>
+                      <a:prstDash val="solid"/>
+                      <a:round/>
+                      <a:headEnd type="none" w="med" len="med"/>
+                      <a:tailEnd type="none" w="med" len="med"/>
+                    </a:lnB>
+                    <a:lnTlToBr w="12700" cmpd="sng">
+                      <a:noFill/>
+                      <a:prstDash val="solid"/>
+                    </a:lnTlToBr>
+                    <a:lnBlToTr w="12700" cmpd="sng">
+                      <a:noFill/>
+                      <a:prstDash val="solid"/>
+                    </a:lnBlToTr>
+                    <a:noFill/>
+                  </a:tcPr>
+                </a:tc>
+                <a:extLst>
+                  <a:ext uri="{0D108BD9-81ED-4DB2-BD59-A6C34878D82A}">
+                    <a16:rowId xmlns:a16="http://schemas.microsoft.com/office/drawing/2014/main" val="3056113227"/>
+                  </a:ext>
+                </a:extLst>
+              </a:tr>
+              <a:tr h="0">
+                <a:tc vMerge="1">
+                  <a:txBody>
+                    <a:bodyPr/>
+                    <a:lstStyle/>
+                    <a:p>
+                      <a:pPr latinLnBrk="1"/>
+                      <a:endParaRPr lang="ko-KR" altLang="en-US"/>
+                    </a:p>
+                  </a:txBody>
+                  <a:tcPr/>
+                </a:tc>
+                <a:tc>
+                  <a:txBody>
+                    <a:bodyPr/>
+                    <a:lstStyle/>
+                    <a:p>
+                      <a:pPr algn="ctr" latinLnBrk="1"/>
+                      <a:r>
+                        <a:rPr lang="en-US" altLang="ko-KR" sz="1000" b="0" dirty="0">
+                          <a:solidFill>
+                            <a:schemeClr val="tx1"/>
+                          </a:solidFill>
+                        </a:rPr>
+                        <a:t>4</a:t>
+                      </a:r>
+                      <a:endParaRPr lang="ko-KR" altLang="en-US" sz="1000" b="0" dirty="0">
+                        <a:solidFill>
+                          <a:schemeClr val="tx1"/>
+                        </a:solidFill>
+                      </a:endParaRPr>
+                    </a:p>
+                  </a:txBody>
+                  <a:tcPr anchor="ctr">
+                    <a:lnL w="12700" cap="flat" cmpd="sng" algn="ctr">
+                      <a:solidFill>
+                        <a:schemeClr val="tx1"/>
+                      </a:solidFill>
+                      <a:prstDash val="solid"/>
+                      <a:round/>
+                      <a:headEnd type="none" w="med" len="med"/>
+                      <a:tailEnd type="none" w="med" len="med"/>
+                    </a:lnL>
+                    <a:lnR w="12700" cap="flat" cmpd="sng" algn="ctr">
+                      <a:solidFill>
+                        <a:schemeClr val="tx1"/>
+                      </a:solidFill>
+                      <a:prstDash val="solid"/>
+                      <a:round/>
+                      <a:headEnd type="none" w="med" len="med"/>
+                      <a:tailEnd type="none" w="med" len="med"/>
+                    </a:lnR>
+                    <a:lnT w="12700" cap="flat" cmpd="sng" algn="ctr">
+                      <a:solidFill>
+                        <a:schemeClr val="tx1"/>
+                      </a:solidFill>
+                      <a:prstDash val="solid"/>
+                      <a:round/>
+                      <a:headEnd type="none" w="med" len="med"/>
+                      <a:tailEnd type="none" w="med" len="med"/>
+                    </a:lnT>
+                    <a:lnB w="12700" cap="flat" cmpd="sng" algn="ctr">
+                      <a:solidFill>
+                        <a:schemeClr val="tx1"/>
+                      </a:solidFill>
+                      <a:prstDash val="solid"/>
+                      <a:round/>
+                      <a:headEnd type="none" w="med" len="med"/>
+                      <a:tailEnd type="none" w="med" len="med"/>
+                    </a:lnB>
+                    <a:lnTlToBr w="12700" cmpd="sng">
+                      <a:noFill/>
+                      <a:prstDash val="solid"/>
+                    </a:lnTlToBr>
+                    <a:lnBlToTr w="12700" cmpd="sng">
+                      <a:noFill/>
+                      <a:prstDash val="solid"/>
+                    </a:lnBlToTr>
+                    <a:noFill/>
+                  </a:tcPr>
+                </a:tc>
+                <a:tc>
+                  <a:txBody>
+                    <a:bodyPr/>
+                    <a:lstStyle/>
+                    <a:p>
+                      <a:pPr latinLnBrk="1"/>
+                      <a:r>
+                        <a:rPr lang="en-US" altLang="ko-KR" sz="1000" b="0" dirty="0">
+                          <a:solidFill>
+                            <a:schemeClr val="tx1"/>
+                          </a:solidFill>
+                        </a:rPr>
+                        <a:t>+ 20</a:t>
+                      </a:r>
+                      <a:endParaRPr lang="ko-KR" altLang="en-US" sz="1000" b="0" dirty="0">
+                        <a:solidFill>
+                          <a:schemeClr val="tx1"/>
+                        </a:solidFill>
+                      </a:endParaRPr>
+                    </a:p>
+                  </a:txBody>
+                  <a:tcPr anchor="ctr">
+                    <a:lnL w="12700" cap="flat" cmpd="sng" algn="ctr">
+                      <a:solidFill>
+                        <a:schemeClr val="tx1"/>
+                      </a:solidFill>
+                      <a:prstDash val="solid"/>
+                      <a:round/>
+                      <a:headEnd type="none" w="med" len="med"/>
+                      <a:tailEnd type="none" w="med" len="med"/>
+                    </a:lnL>
+                    <a:lnR w="12700" cap="flat" cmpd="sng" algn="ctr">
+                      <a:solidFill>
+                        <a:schemeClr val="tx1"/>
+                      </a:solidFill>
+                      <a:prstDash val="solid"/>
+                      <a:round/>
+                      <a:headEnd type="none" w="med" len="med"/>
+                      <a:tailEnd type="none" w="med" len="med"/>
+                    </a:lnR>
+                    <a:lnT w="12700" cap="flat" cmpd="sng" algn="ctr">
+                      <a:solidFill>
+                        <a:schemeClr val="tx1"/>
+                      </a:solidFill>
+                      <a:prstDash val="solid"/>
+                      <a:round/>
+                      <a:headEnd type="none" w="med" len="med"/>
+                      <a:tailEnd type="none" w="med" len="med"/>
+                    </a:lnT>
+                    <a:lnB w="12700" cap="flat" cmpd="sng" algn="ctr">
+                      <a:solidFill>
+                        <a:schemeClr val="tx1"/>
+                      </a:solidFill>
+                      <a:prstDash val="solid"/>
+                      <a:round/>
+                      <a:headEnd type="none" w="med" len="med"/>
+                      <a:tailEnd type="none" w="med" len="med"/>
+                    </a:lnB>
+                    <a:lnTlToBr w="12700" cmpd="sng">
+                      <a:noFill/>
+                      <a:prstDash val="solid"/>
+                    </a:lnTlToBr>
+                    <a:lnBlToTr w="12700" cmpd="sng">
+                      <a:noFill/>
+                      <a:prstDash val="solid"/>
+                    </a:lnBlToTr>
+                    <a:noFill/>
+                  </a:tcPr>
+                </a:tc>
+                <a:extLst>
+                  <a:ext uri="{0D108BD9-81ED-4DB2-BD59-A6C34878D82A}">
+                    <a16:rowId xmlns:a16="http://schemas.microsoft.com/office/drawing/2014/main" val="1478185624"/>
+                  </a:ext>
+                </a:extLst>
+              </a:tr>
+              <a:tr h="0">
+                <a:tc vMerge="1">
+                  <a:txBody>
+                    <a:bodyPr/>
+                    <a:lstStyle/>
+                    <a:p>
+                      <a:pPr latinLnBrk="1"/>
+                      <a:endParaRPr lang="ko-KR" altLang="en-US"/>
+                    </a:p>
+                  </a:txBody>
+                  <a:tcPr/>
+                </a:tc>
+                <a:tc>
+                  <a:txBody>
+                    <a:bodyPr/>
+                    <a:lstStyle/>
+                    <a:p>
+                      <a:pPr algn="ctr" latinLnBrk="1"/>
+                      <a:r>
+                        <a:rPr lang="en-US" altLang="ko-KR" sz="1000" b="0" dirty="0">
+                          <a:solidFill>
+                            <a:schemeClr val="tx1"/>
+                          </a:solidFill>
+                        </a:rPr>
+                        <a:t>5~8</a:t>
+                      </a:r>
+                      <a:endParaRPr lang="ko-KR" altLang="en-US" sz="1000" b="0" dirty="0">
+                        <a:solidFill>
+                          <a:schemeClr val="tx1"/>
+                        </a:solidFill>
+                      </a:endParaRPr>
+                    </a:p>
+                  </a:txBody>
+                  <a:tcPr anchor="ctr">
+                    <a:lnL w="12700" cap="flat" cmpd="sng" algn="ctr">
+                      <a:solidFill>
+                        <a:schemeClr val="tx1"/>
+                      </a:solidFill>
+                      <a:prstDash val="solid"/>
+                      <a:round/>
+                      <a:headEnd type="none" w="med" len="med"/>
+                      <a:tailEnd type="none" w="med" len="med"/>
+                    </a:lnL>
+                    <a:lnR w="12700" cap="flat" cmpd="sng" algn="ctr">
+                      <a:solidFill>
+                        <a:schemeClr val="tx1"/>
+                      </a:solidFill>
+                      <a:prstDash val="solid"/>
+                      <a:round/>
+                      <a:headEnd type="none" w="med" len="med"/>
+                      <a:tailEnd type="none" w="med" len="med"/>
+                    </a:lnR>
+                    <a:lnT w="12700" cap="flat" cmpd="sng" algn="ctr">
+                      <a:solidFill>
+                        <a:schemeClr val="tx1"/>
+                      </a:solidFill>
+                      <a:prstDash val="solid"/>
+                      <a:round/>
+                      <a:headEnd type="none" w="med" len="med"/>
+                      <a:tailEnd type="none" w="med" len="med"/>
+                    </a:lnT>
+                    <a:lnB w="12700" cap="flat" cmpd="sng" algn="ctr">
+                      <a:solidFill>
+                        <a:schemeClr val="tx1"/>
+                      </a:solidFill>
+                      <a:prstDash val="solid"/>
+                      <a:round/>
+                      <a:headEnd type="none" w="med" len="med"/>
+                      <a:tailEnd type="none" w="med" len="med"/>
+                    </a:lnB>
+                    <a:lnTlToBr w="12700" cmpd="sng">
+                      <a:noFill/>
+                      <a:prstDash val="solid"/>
+                    </a:lnTlToBr>
+                    <a:lnBlToTr w="12700" cmpd="sng">
+                      <a:noFill/>
+                      <a:prstDash val="solid"/>
+                    </a:lnBlToTr>
+                    <a:noFill/>
+                  </a:tcPr>
+                </a:tc>
+                <a:tc>
+                  <a:txBody>
+                    <a:bodyPr/>
+                    <a:lstStyle/>
+                    <a:p>
+                      <a:pPr latinLnBrk="1"/>
+                      <a:r>
+                        <a:rPr lang="en-US" altLang="ko-KR" sz="1000" b="0" dirty="0">
+                          <a:solidFill>
+                            <a:schemeClr val="tx1"/>
+                          </a:solidFill>
+                        </a:rPr>
+                        <a:t>+ 25</a:t>
+                      </a:r>
+                      <a:endParaRPr lang="ko-KR" altLang="en-US" sz="1000" b="0" dirty="0">
+                        <a:solidFill>
+                          <a:schemeClr val="tx1"/>
+                        </a:solidFill>
+                      </a:endParaRPr>
+                    </a:p>
+                  </a:txBody>
+                  <a:tcPr anchor="ctr">
+                    <a:lnL w="12700" cap="flat" cmpd="sng" algn="ctr">
+                      <a:solidFill>
+                        <a:schemeClr val="tx1"/>
+                      </a:solidFill>
+                      <a:prstDash val="solid"/>
+                      <a:round/>
+                      <a:headEnd type="none" w="med" len="med"/>
+                      <a:tailEnd type="none" w="med" len="med"/>
+                    </a:lnL>
+                    <a:lnR w="12700" cap="flat" cmpd="sng" algn="ctr">
+                      <a:solidFill>
+                        <a:schemeClr val="tx1"/>
+                      </a:solidFill>
+                      <a:prstDash val="solid"/>
+                      <a:round/>
+                      <a:headEnd type="none" w="med" len="med"/>
+                      <a:tailEnd type="none" w="med" len="med"/>
+                    </a:lnR>
+                    <a:lnT w="12700" cap="flat" cmpd="sng" algn="ctr">
+                      <a:solidFill>
+                        <a:schemeClr val="tx1"/>
+                      </a:solidFill>
+                      <a:prstDash val="solid"/>
+                      <a:round/>
+                      <a:headEnd type="none" w="med" len="med"/>
+                      <a:tailEnd type="none" w="med" len="med"/>
+                    </a:lnT>
+                    <a:lnB w="12700" cap="flat" cmpd="sng" algn="ctr">
+                      <a:solidFill>
+                        <a:schemeClr val="tx1"/>
+                      </a:solidFill>
+                      <a:prstDash val="solid"/>
+                      <a:round/>
+                      <a:headEnd type="none" w="med" len="med"/>
+                      <a:tailEnd type="none" w="med" len="med"/>
+                    </a:lnB>
+                    <a:lnTlToBr w="12700" cmpd="sng">
+                      <a:noFill/>
+                      <a:prstDash val="solid"/>
+                    </a:lnTlToBr>
+                    <a:lnBlToTr w="12700" cmpd="sng">
+                      <a:noFill/>
+                      <a:prstDash val="solid"/>
+                    </a:lnBlToTr>
+                    <a:noFill/>
+                  </a:tcPr>
+                </a:tc>
+                <a:extLst>
+                  <a:ext uri="{0D108BD9-81ED-4DB2-BD59-A6C34878D82A}">
+                    <a16:rowId xmlns:a16="http://schemas.microsoft.com/office/drawing/2014/main" val="1085828869"/>
+                  </a:ext>
+                </a:extLst>
+              </a:tr>
+              <a:tr h="0">
+                <a:tc rowSpan="3">
+                  <a:txBody>
+                    <a:bodyPr/>
+                    <a:lstStyle/>
+                    <a:p>
+                      <a:pPr algn="ctr" latinLnBrk="1"/>
+                      <a:r>
+                        <a:rPr lang="ko-KR" altLang="en-US" sz="1000" b="0" dirty="0">
+                          <a:solidFill>
+                            <a:schemeClr val="tx1"/>
+                          </a:solidFill>
+                        </a:rPr>
+                        <a:t>내공 </a:t>
+                      </a:r>
+                      <a:r>
+                        <a:rPr lang="en-US" altLang="ko-KR" sz="1000" b="0" dirty="0">
+                          <a:solidFill>
+                            <a:schemeClr val="tx1"/>
+                          </a:solidFill>
+                        </a:rPr>
+                        <a:t>/ </a:t>
+                      </a:r>
+                      <a:r>
+                        <a:rPr lang="ko-KR" altLang="en-US" sz="1000" b="0" dirty="0">
+                          <a:solidFill>
+                            <a:schemeClr val="tx1"/>
+                          </a:solidFill>
+                        </a:rPr>
+                        <a:t>외공</a:t>
+                      </a:r>
+                    </a:p>
+                  </a:txBody>
+                  <a:tcPr anchor="ctr">
+                    <a:lnL w="12700" cap="flat" cmpd="sng" algn="ctr">
+                      <a:solidFill>
+                        <a:schemeClr val="tx1"/>
+                      </a:solidFill>
+                      <a:prstDash val="solid"/>
+                      <a:round/>
+                      <a:headEnd type="none" w="med" len="med"/>
+                      <a:tailEnd type="none" w="med" len="med"/>
+                    </a:lnL>
+                    <a:lnR w="12700" cap="flat" cmpd="sng" algn="ctr">
+                      <a:solidFill>
+                        <a:schemeClr val="tx1"/>
+                      </a:solidFill>
+                      <a:prstDash val="solid"/>
+                      <a:round/>
+                      <a:headEnd type="none" w="med" len="med"/>
+                      <a:tailEnd type="none" w="med" len="med"/>
+                    </a:lnR>
+                    <a:lnT w="12700" cap="flat" cmpd="sng" algn="ctr">
+                      <a:solidFill>
+                        <a:schemeClr val="tx1"/>
+                      </a:solidFill>
+                      <a:prstDash val="solid"/>
+                      <a:round/>
+                      <a:headEnd type="none" w="med" len="med"/>
+                      <a:tailEnd type="none" w="med" len="med"/>
+                    </a:lnT>
+                    <a:lnB w="12700" cap="flat" cmpd="sng" algn="ctr">
+                      <a:solidFill>
+                        <a:schemeClr val="tx1"/>
+                      </a:solidFill>
+                      <a:prstDash val="solid"/>
+                      <a:round/>
+                      <a:headEnd type="none" w="med" len="med"/>
+                      <a:tailEnd type="none" w="med" len="med"/>
+                    </a:lnB>
+                    <a:lnTlToBr w="12700" cmpd="sng">
+                      <a:noFill/>
+                      <a:prstDash val="solid"/>
+                    </a:lnTlToBr>
+                    <a:lnBlToTr w="12700" cmpd="sng">
+                      <a:noFill/>
+                      <a:prstDash val="solid"/>
+                    </a:lnBlToTr>
+                    <a:noFill/>
+                  </a:tcPr>
+                </a:tc>
+                <a:tc>
+                  <a:txBody>
+                    <a:bodyPr/>
+                    <a:lstStyle/>
+                    <a:p>
+                      <a:pPr algn="ctr" latinLnBrk="1"/>
+                      <a:r>
+                        <a:rPr lang="en-US" altLang="ko-KR" sz="1000" b="0" dirty="0">
+                          <a:solidFill>
+                            <a:schemeClr val="tx1"/>
+                          </a:solidFill>
+                        </a:rPr>
+                        <a:t>1~4</a:t>
+                      </a:r>
+                      <a:endParaRPr lang="ko-KR" altLang="en-US" sz="1000" b="0" dirty="0">
+                        <a:solidFill>
+                          <a:schemeClr val="tx1"/>
+                        </a:solidFill>
+                      </a:endParaRPr>
+                    </a:p>
+                  </a:txBody>
+                  <a:tcPr anchor="ctr">
+                    <a:lnL w="12700" cap="flat" cmpd="sng" algn="ctr">
+                      <a:solidFill>
+                        <a:schemeClr val="tx1"/>
+                      </a:solidFill>
+                      <a:prstDash val="solid"/>
+                      <a:round/>
+                      <a:headEnd type="none" w="med" len="med"/>
+                      <a:tailEnd type="none" w="med" len="med"/>
+                    </a:lnL>
+                    <a:lnR w="12700" cap="flat" cmpd="sng" algn="ctr">
+                      <a:solidFill>
+                        <a:schemeClr val="tx1"/>
+                      </a:solidFill>
+                      <a:prstDash val="solid"/>
+                      <a:round/>
+                      <a:headEnd type="none" w="med" len="med"/>
+                      <a:tailEnd type="none" w="med" len="med"/>
+                    </a:lnR>
+                    <a:lnT w="12700" cap="flat" cmpd="sng" algn="ctr">
+                      <a:solidFill>
+                        <a:schemeClr val="tx1"/>
+                      </a:solidFill>
+                      <a:prstDash val="solid"/>
+                      <a:round/>
+                      <a:headEnd type="none" w="med" len="med"/>
+                      <a:tailEnd type="none" w="med" len="med"/>
+                    </a:lnT>
+                    <a:lnB w="12700" cap="flat" cmpd="sng" algn="ctr">
+                      <a:solidFill>
+                        <a:schemeClr val="tx1"/>
+                      </a:solidFill>
+                      <a:prstDash val="solid"/>
+                      <a:round/>
+                      <a:headEnd type="none" w="med" len="med"/>
+                      <a:tailEnd type="none" w="med" len="med"/>
+                    </a:lnB>
+                    <a:lnTlToBr w="12700" cmpd="sng">
+                      <a:noFill/>
+                      <a:prstDash val="solid"/>
+                    </a:lnTlToBr>
+                    <a:lnBlToTr w="12700" cmpd="sng">
+                      <a:noFill/>
+                      <a:prstDash val="solid"/>
+                    </a:lnBlToTr>
+                    <a:noFill/>
+                  </a:tcPr>
+                </a:tc>
+                <a:tc>
+                  <a:txBody>
+                    <a:bodyPr/>
+                    <a:lstStyle/>
+                    <a:p>
+                      <a:pPr latinLnBrk="1"/>
+                      <a:r>
+                        <a:rPr lang="en-US" altLang="ko-KR" sz="1000" b="0" dirty="0">
+                          <a:solidFill>
+                            <a:schemeClr val="tx1"/>
+                          </a:solidFill>
+                        </a:rPr>
+                        <a:t>+ 15</a:t>
+                      </a:r>
+                      <a:endParaRPr lang="ko-KR" altLang="en-US" sz="1000" b="0" dirty="0">
+                        <a:solidFill>
+                          <a:schemeClr val="tx1"/>
+                        </a:solidFill>
+                      </a:endParaRPr>
+                    </a:p>
+                  </a:txBody>
+                  <a:tcPr anchor="ctr">
+                    <a:lnL w="12700" cap="flat" cmpd="sng" algn="ctr">
+                      <a:solidFill>
+                        <a:schemeClr val="tx1"/>
+                      </a:solidFill>
+                      <a:prstDash val="solid"/>
+                      <a:round/>
+                      <a:headEnd type="none" w="med" len="med"/>
+                      <a:tailEnd type="none" w="med" len="med"/>
+                    </a:lnL>
+                    <a:lnR w="12700" cap="flat" cmpd="sng" algn="ctr">
+                      <a:solidFill>
+                        <a:schemeClr val="tx1"/>
+                      </a:solidFill>
+                      <a:prstDash val="solid"/>
+                      <a:round/>
+                      <a:headEnd type="none" w="med" len="med"/>
+                      <a:tailEnd type="none" w="med" len="med"/>
+                    </a:lnR>
+                    <a:lnT w="12700" cap="flat" cmpd="sng" algn="ctr">
+                      <a:solidFill>
+                        <a:schemeClr val="tx1"/>
+                      </a:solidFill>
+                      <a:prstDash val="solid"/>
+                      <a:round/>
+                      <a:headEnd type="none" w="med" len="med"/>
+                      <a:tailEnd type="none" w="med" len="med"/>
+                    </a:lnT>
+                    <a:lnB w="12700" cap="flat" cmpd="sng" algn="ctr">
+                      <a:solidFill>
+                        <a:schemeClr val="tx1"/>
+                      </a:solidFill>
+                      <a:prstDash val="solid"/>
+                      <a:round/>
+                      <a:headEnd type="none" w="med" len="med"/>
+                      <a:tailEnd type="none" w="med" len="med"/>
+                    </a:lnB>
+                    <a:lnTlToBr w="12700" cmpd="sng">
+                      <a:noFill/>
+                      <a:prstDash val="solid"/>
+                    </a:lnTlToBr>
+                    <a:lnBlToTr w="12700" cmpd="sng">
+                      <a:noFill/>
+                      <a:prstDash val="solid"/>
+                    </a:lnBlToTr>
+                    <a:noFill/>
+                  </a:tcPr>
+                </a:tc>
+                <a:extLst>
+                  <a:ext uri="{0D108BD9-81ED-4DB2-BD59-A6C34878D82A}">
+                    <a16:rowId xmlns:a16="http://schemas.microsoft.com/office/drawing/2014/main" val="3604585982"/>
+                  </a:ext>
+                </a:extLst>
+              </a:tr>
+              <a:tr h="0">
+                <a:tc vMerge="1">
+                  <a:txBody>
+                    <a:bodyPr/>
+                    <a:lstStyle/>
+                    <a:p>
+                      <a:pPr latinLnBrk="1"/>
+                      <a:endParaRPr lang="ko-KR" altLang="en-US"/>
+                    </a:p>
+                  </a:txBody>
+                  <a:tcPr/>
+                </a:tc>
+                <a:tc>
+                  <a:txBody>
+                    <a:bodyPr/>
+                    <a:lstStyle/>
+                    <a:p>
+                      <a:pPr algn="ctr" latinLnBrk="1"/>
+                      <a:r>
+                        <a:rPr lang="en-US" altLang="ko-KR" sz="1000" b="0" dirty="0">
+                          <a:solidFill>
+                            <a:schemeClr val="tx1"/>
+                          </a:solidFill>
+                        </a:rPr>
+                        <a:t>5~7</a:t>
+                      </a:r>
+                      <a:endParaRPr lang="ko-KR" altLang="en-US" sz="1000" b="0" dirty="0">
+                        <a:solidFill>
+                          <a:schemeClr val="tx1"/>
+                        </a:solidFill>
+                      </a:endParaRPr>
+                    </a:p>
+                  </a:txBody>
+                  <a:tcPr anchor="ctr">
+                    <a:lnL w="12700" cap="flat" cmpd="sng" algn="ctr">
+                      <a:solidFill>
+                        <a:schemeClr val="tx1"/>
+                      </a:solidFill>
+                      <a:prstDash val="solid"/>
+                      <a:round/>
+                      <a:headEnd type="none" w="med" len="med"/>
+                      <a:tailEnd type="none" w="med" len="med"/>
+                    </a:lnL>
+                    <a:lnR w="12700" cap="flat" cmpd="sng" algn="ctr">
+                      <a:solidFill>
+                        <a:schemeClr val="tx1"/>
+                      </a:solidFill>
+                      <a:prstDash val="solid"/>
+                      <a:round/>
+                      <a:headEnd type="none" w="med" len="med"/>
+                      <a:tailEnd type="none" w="med" len="med"/>
+                    </a:lnR>
+                    <a:lnT w="12700" cap="flat" cmpd="sng" algn="ctr">
+                      <a:solidFill>
+                        <a:schemeClr val="tx1"/>
+                      </a:solidFill>
+                      <a:prstDash val="solid"/>
+                      <a:round/>
+                      <a:headEnd type="none" w="med" len="med"/>
+                      <a:tailEnd type="none" w="med" len="med"/>
+                    </a:lnT>
+                    <a:lnB w="12700" cap="flat" cmpd="sng" algn="ctr">
+                      <a:solidFill>
+                        <a:schemeClr val="tx1"/>
+                      </a:solidFill>
+                      <a:prstDash val="solid"/>
+                      <a:round/>
+                      <a:headEnd type="none" w="med" len="med"/>
+                      <a:tailEnd type="none" w="med" len="med"/>
+                    </a:lnB>
+                    <a:lnTlToBr w="12700" cmpd="sng">
+                      <a:noFill/>
+                      <a:prstDash val="solid"/>
+                    </a:lnTlToBr>
+                    <a:lnBlToTr w="12700" cmpd="sng">
+                      <a:noFill/>
+                      <a:prstDash val="solid"/>
+                    </a:lnBlToTr>
+                    <a:noFill/>
+                  </a:tcPr>
+                </a:tc>
+                <a:tc>
+                  <a:txBody>
+                    <a:bodyPr/>
+                    <a:lstStyle/>
+                    <a:p>
+                      <a:pPr latinLnBrk="1"/>
+                      <a:r>
+                        <a:rPr lang="en-US" altLang="ko-KR" sz="1000" b="0" dirty="0">
+                          <a:solidFill>
+                            <a:schemeClr val="tx1"/>
+                          </a:solidFill>
+                        </a:rPr>
+                        <a:t>+ 150</a:t>
+                      </a:r>
+                      <a:endParaRPr lang="ko-KR" altLang="en-US" sz="1000" b="0" dirty="0">
+                        <a:solidFill>
+                          <a:schemeClr val="tx1"/>
+                        </a:solidFill>
+                      </a:endParaRPr>
+                    </a:p>
+                  </a:txBody>
+                  <a:tcPr anchor="ctr">
+                    <a:lnL w="12700" cap="flat" cmpd="sng" algn="ctr">
+                      <a:solidFill>
+                        <a:schemeClr val="tx1"/>
+                      </a:solidFill>
+                      <a:prstDash val="solid"/>
+                      <a:round/>
+                      <a:headEnd type="none" w="med" len="med"/>
+                      <a:tailEnd type="none" w="med" len="med"/>
+                    </a:lnL>
+                    <a:lnR w="12700" cap="flat" cmpd="sng" algn="ctr">
+                      <a:solidFill>
+                        <a:schemeClr val="tx1"/>
+                      </a:solidFill>
+                      <a:prstDash val="solid"/>
+                      <a:round/>
+                      <a:headEnd type="none" w="med" len="med"/>
+                      <a:tailEnd type="none" w="med" len="med"/>
+                    </a:lnR>
+                    <a:lnT w="12700" cap="flat" cmpd="sng" algn="ctr">
+                      <a:solidFill>
+                        <a:schemeClr val="tx1"/>
+                      </a:solidFill>
+                      <a:prstDash val="solid"/>
+                      <a:round/>
+                      <a:headEnd type="none" w="med" len="med"/>
+                      <a:tailEnd type="none" w="med" len="med"/>
+                    </a:lnT>
+                    <a:lnB w="12700" cap="flat" cmpd="sng" algn="ctr">
+                      <a:solidFill>
+                        <a:schemeClr val="tx1"/>
+                      </a:solidFill>
+                      <a:prstDash val="solid"/>
+                      <a:round/>
+                      <a:headEnd type="none" w="med" len="med"/>
+                      <a:tailEnd type="none" w="med" len="med"/>
+                    </a:lnB>
+                    <a:lnTlToBr w="12700" cmpd="sng">
+                      <a:noFill/>
+                      <a:prstDash val="solid"/>
+                    </a:lnTlToBr>
+                    <a:lnBlToTr w="12700" cmpd="sng">
+                      <a:noFill/>
+                      <a:prstDash val="solid"/>
+                    </a:lnBlToTr>
+                    <a:noFill/>
+                  </a:tcPr>
+                </a:tc>
+                <a:extLst>
+                  <a:ext uri="{0D108BD9-81ED-4DB2-BD59-A6C34878D82A}">
+                    <a16:rowId xmlns:a16="http://schemas.microsoft.com/office/drawing/2014/main" val="314952853"/>
+                  </a:ext>
+                </a:extLst>
+              </a:tr>
+              <a:tr h="0">
+                <a:tc vMerge="1">
+                  <a:txBody>
+                    <a:bodyPr/>
+                    <a:lstStyle/>
+                    <a:p>
+                      <a:pPr latinLnBrk="1"/>
+                      <a:endParaRPr lang="ko-KR" altLang="en-US"/>
+                    </a:p>
+                  </a:txBody>
+                  <a:tcPr/>
+                </a:tc>
+                <a:tc>
+                  <a:txBody>
+                    <a:bodyPr/>
+                    <a:lstStyle/>
+                    <a:p>
+                      <a:pPr algn="ctr" latinLnBrk="1"/>
+                      <a:r>
+                        <a:rPr lang="en-US" altLang="ko-KR" sz="1000" b="0" dirty="0">
+                          <a:solidFill>
+                            <a:schemeClr val="tx1"/>
+                          </a:solidFill>
+                        </a:rPr>
+                        <a:t>8</a:t>
+                      </a:r>
+                      <a:endParaRPr lang="ko-KR" altLang="en-US" sz="1000" b="0" dirty="0">
+                        <a:solidFill>
+                          <a:schemeClr val="tx1"/>
+                        </a:solidFill>
+                      </a:endParaRPr>
+                    </a:p>
+                  </a:txBody>
+                  <a:tcPr anchor="ctr">
+                    <a:lnL w="12700" cap="flat" cmpd="sng" algn="ctr">
+                      <a:solidFill>
+                        <a:schemeClr val="tx1"/>
+                      </a:solidFill>
+                      <a:prstDash val="solid"/>
+                      <a:round/>
+                      <a:headEnd type="none" w="med" len="med"/>
+                      <a:tailEnd type="none" w="med" len="med"/>
+                    </a:lnL>
+                    <a:lnR w="12700" cap="flat" cmpd="sng" algn="ctr">
+                      <a:solidFill>
+                        <a:schemeClr val="tx1"/>
+                      </a:solidFill>
+                      <a:prstDash val="solid"/>
+                      <a:round/>
+                      <a:headEnd type="none" w="med" len="med"/>
+                      <a:tailEnd type="none" w="med" len="med"/>
+                    </a:lnR>
+                    <a:lnT w="12700" cap="flat" cmpd="sng" algn="ctr">
+                      <a:solidFill>
+                        <a:schemeClr val="tx1"/>
+                      </a:solidFill>
+                      <a:prstDash val="solid"/>
+                      <a:round/>
+                      <a:headEnd type="none" w="med" len="med"/>
+                      <a:tailEnd type="none" w="med" len="med"/>
+                    </a:lnT>
+                    <a:lnB w="12700" cap="flat" cmpd="sng" algn="ctr">
+                      <a:solidFill>
+                        <a:schemeClr val="tx1"/>
+                      </a:solidFill>
+                      <a:prstDash val="solid"/>
+                      <a:round/>
+                      <a:headEnd type="none" w="med" len="med"/>
+                      <a:tailEnd type="none" w="med" len="med"/>
+                    </a:lnB>
+                    <a:lnTlToBr w="12700" cmpd="sng">
+                      <a:noFill/>
+                      <a:prstDash val="solid"/>
+                    </a:lnTlToBr>
+                    <a:lnBlToTr w="12700" cmpd="sng">
+                      <a:noFill/>
+                      <a:prstDash val="solid"/>
+                    </a:lnBlToTr>
+                    <a:noFill/>
+                  </a:tcPr>
+                </a:tc>
+                <a:tc>
+                  <a:txBody>
+                    <a:bodyPr/>
+                    <a:lstStyle/>
+                    <a:p>
+                      <a:pPr latinLnBrk="1"/>
+                      <a:r>
+                        <a:rPr lang="en-US" altLang="ko-KR" sz="1000" b="0" dirty="0">
+                          <a:solidFill>
+                            <a:schemeClr val="tx1"/>
+                          </a:solidFill>
+                        </a:rPr>
+                        <a:t>+ 250</a:t>
+                      </a:r>
+                      <a:endParaRPr lang="ko-KR" altLang="en-US" sz="1000" b="0" dirty="0">
+                        <a:solidFill>
+                          <a:schemeClr val="tx1"/>
+                        </a:solidFill>
+                      </a:endParaRPr>
+                    </a:p>
+                  </a:txBody>
+                  <a:tcPr anchor="ctr">
+                    <a:lnL w="12700" cap="flat" cmpd="sng" algn="ctr">
+                      <a:solidFill>
+                        <a:schemeClr val="tx1"/>
+                      </a:solidFill>
+                      <a:prstDash val="solid"/>
+                      <a:round/>
+                      <a:headEnd type="none" w="med" len="med"/>
+                      <a:tailEnd type="none" w="med" len="med"/>
+                    </a:lnL>
+                    <a:lnR w="12700" cap="flat" cmpd="sng" algn="ctr">
+                      <a:solidFill>
+                        <a:schemeClr val="tx1"/>
+                      </a:solidFill>
+                      <a:prstDash val="solid"/>
+                      <a:round/>
+                      <a:headEnd type="none" w="med" len="med"/>
+                      <a:tailEnd type="none" w="med" len="med"/>
+                    </a:lnR>
+                    <a:lnT w="12700" cap="flat" cmpd="sng" algn="ctr">
+                      <a:solidFill>
+                        <a:schemeClr val="tx1"/>
+                      </a:solidFill>
+                      <a:prstDash val="solid"/>
+                      <a:round/>
+                      <a:headEnd type="none" w="med" len="med"/>
+                      <a:tailEnd type="none" w="med" len="med"/>
+                    </a:lnT>
+                    <a:lnB w="12700" cap="flat" cmpd="sng" algn="ctr">
+                      <a:solidFill>
+                        <a:schemeClr val="tx1"/>
+                      </a:solidFill>
+                      <a:prstDash val="solid"/>
+                      <a:round/>
+                      <a:headEnd type="none" w="med" len="med"/>
+                      <a:tailEnd type="none" w="med" len="med"/>
+                    </a:lnB>
+                    <a:lnTlToBr w="12700" cmpd="sng">
+                      <a:noFill/>
+                      <a:prstDash val="solid"/>
+                    </a:lnTlToBr>
+                    <a:lnBlToTr w="12700" cmpd="sng">
+                      <a:noFill/>
+                      <a:prstDash val="solid"/>
+                    </a:lnBlToTr>
+                    <a:noFill/>
+                  </a:tcPr>
+                </a:tc>
+                <a:extLst>
+                  <a:ext uri="{0D108BD9-81ED-4DB2-BD59-A6C34878D82A}">
+                    <a16:rowId xmlns:a16="http://schemas.microsoft.com/office/drawing/2014/main" val="2009645280"/>
                   </a:ext>
                 </a:extLst>
               </a:tr>
